--- a/docs/thesis/thesis.pptx
+++ b/docs/thesis/thesis.pptx
@@ -7,12 +7,14 @@
   <p:sldIdLst>
     <p:sldId id="256" r:id="rId2"/>
     <p:sldId id="257" r:id="rId3"/>
-    <p:sldId id="259" r:id="rId4"/>
-    <p:sldId id="258" r:id="rId5"/>
-    <p:sldId id="260" r:id="rId6"/>
-    <p:sldId id="261" r:id="rId7"/>
-    <p:sldId id="262" r:id="rId8"/>
-    <p:sldId id="263" r:id="rId9"/>
+    <p:sldId id="258" r:id="rId4"/>
+    <p:sldId id="259" r:id="rId5"/>
+    <p:sldId id="264" r:id="rId6"/>
+    <p:sldId id="265" r:id="rId7"/>
+    <p:sldId id="261" r:id="rId8"/>
+    <p:sldId id="260" r:id="rId9"/>
+    <p:sldId id="262" r:id="rId10"/>
+    <p:sldId id="263" r:id="rId11"/>
   </p:sldIdLst>
   <p:sldSz cx="12192000" cy="6858000"/>
   <p:notesSz cx="6858000" cy="9144000"/>
@@ -161,10 +163,10 @@
           </a:lstStyle>
           <a:p>
             <a:r>
-              <a:rPr lang="ru-RU" smtClean="0"/>
+              <a:rPr lang="ru-RU" dirty="0" smtClean="0"/>
               <a:t>Образец заголовка</a:t>
             </a:r>
-            <a:endParaRPr lang="ru-RU"/>
+            <a:endParaRPr lang="ru-RU" dirty="0"/>
           </a:p>
         </p:txBody>
       </p:sp>
@@ -250,7 +252,7 @@
           <a:p>
             <a:fld id="{A81BC095-E704-4981-9B47-BF446F226EEF}" type="datetimeFigureOut">
               <a:rPr lang="ru-RU" smtClean="0"/>
-              <a:t>19.05.2015</a:t>
+              <a:t>22.05.2015</a:t>
             </a:fld>
             <a:endParaRPr lang="ru-RU"/>
           </a:p>
@@ -420,7 +422,7 @@
           <a:p>
             <a:fld id="{A81BC095-E704-4981-9B47-BF446F226EEF}" type="datetimeFigureOut">
               <a:rPr lang="ru-RU" smtClean="0"/>
-              <a:t>19.05.2015</a:t>
+              <a:t>22.05.2015</a:t>
             </a:fld>
             <a:endParaRPr lang="ru-RU"/>
           </a:p>
@@ -600,7 +602,7 @@
           <a:p>
             <a:fld id="{A81BC095-E704-4981-9B47-BF446F226EEF}" type="datetimeFigureOut">
               <a:rPr lang="ru-RU" smtClean="0"/>
-              <a:t>19.05.2015</a:t>
+              <a:t>22.05.2015</a:t>
             </a:fld>
             <a:endParaRPr lang="ru-RU"/>
           </a:p>
@@ -770,7 +772,7 @@
           <a:p>
             <a:fld id="{A81BC095-E704-4981-9B47-BF446F226EEF}" type="datetimeFigureOut">
               <a:rPr lang="ru-RU" smtClean="0"/>
-              <a:t>19.05.2015</a:t>
+              <a:t>22.05.2015</a:t>
             </a:fld>
             <a:endParaRPr lang="ru-RU"/>
           </a:p>
@@ -1016,7 +1018,7 @@
           <a:p>
             <a:fld id="{A81BC095-E704-4981-9B47-BF446F226EEF}" type="datetimeFigureOut">
               <a:rPr lang="ru-RU" smtClean="0"/>
-              <a:t>19.05.2015</a:t>
+              <a:t>22.05.2015</a:t>
             </a:fld>
             <a:endParaRPr lang="ru-RU"/>
           </a:p>
@@ -1248,7 +1250,7 @@
           <a:p>
             <a:fld id="{A81BC095-E704-4981-9B47-BF446F226EEF}" type="datetimeFigureOut">
               <a:rPr lang="ru-RU" smtClean="0"/>
-              <a:t>19.05.2015</a:t>
+              <a:t>22.05.2015</a:t>
             </a:fld>
             <a:endParaRPr lang="ru-RU"/>
           </a:p>
@@ -1615,7 +1617,7 @@
           <a:p>
             <a:fld id="{A81BC095-E704-4981-9B47-BF446F226EEF}" type="datetimeFigureOut">
               <a:rPr lang="ru-RU" smtClean="0"/>
-              <a:t>19.05.2015</a:t>
+              <a:t>22.05.2015</a:t>
             </a:fld>
             <a:endParaRPr lang="ru-RU"/>
           </a:p>
@@ -1733,7 +1735,7 @@
           <a:p>
             <a:fld id="{A81BC095-E704-4981-9B47-BF446F226EEF}" type="datetimeFigureOut">
               <a:rPr lang="ru-RU" smtClean="0"/>
-              <a:t>19.05.2015</a:t>
+              <a:t>22.05.2015</a:t>
             </a:fld>
             <a:endParaRPr lang="ru-RU"/>
           </a:p>
@@ -1828,7 +1830,7 @@
           <a:p>
             <a:fld id="{A81BC095-E704-4981-9B47-BF446F226EEF}" type="datetimeFigureOut">
               <a:rPr lang="ru-RU" smtClean="0"/>
-              <a:t>19.05.2015</a:t>
+              <a:t>22.05.2015</a:t>
             </a:fld>
             <a:endParaRPr lang="ru-RU"/>
           </a:p>
@@ -2105,7 +2107,7 @@
           <a:p>
             <a:fld id="{A81BC095-E704-4981-9B47-BF446F226EEF}" type="datetimeFigureOut">
               <a:rPr lang="ru-RU" smtClean="0"/>
-              <a:t>19.05.2015</a:t>
+              <a:t>22.05.2015</a:t>
             </a:fld>
             <a:endParaRPr lang="ru-RU"/>
           </a:p>
@@ -2358,7 +2360,7 @@
           <a:p>
             <a:fld id="{A81BC095-E704-4981-9B47-BF446F226EEF}" type="datetimeFigureOut">
               <a:rPr lang="ru-RU" smtClean="0"/>
-              <a:t>19.05.2015</a:t>
+              <a:t>22.05.2015</a:t>
             </a:fld>
             <a:endParaRPr lang="ru-RU"/>
           </a:p>
@@ -2571,7 +2573,7 @@
           <a:p>
             <a:fld id="{A81BC095-E704-4981-9B47-BF446F226EEF}" type="datetimeFigureOut">
               <a:rPr lang="ru-RU" smtClean="0"/>
-              <a:t>19.05.2015</a:t>
+              <a:t>22.05.2015</a:t>
             </a:fld>
             <a:endParaRPr lang="ru-RU"/>
           </a:p>
@@ -3031,11 +3033,7 @@
           <a:p>
             <a:r>
               <a:rPr lang="ru-RU" dirty="0" smtClean="0"/>
-              <a:t>Студент</a:t>
-            </a:r>
-            <a:r>
-              <a:rPr lang="ru-RU" dirty="0" smtClean="0"/>
-              <a:t>: Листеренко Ростислав Русланович</a:t>
+              <a:t>Студент: Листеренко Ростислав Русланович</a:t>
             </a:r>
           </a:p>
           <a:p>
@@ -3051,6 +3049,102 @@
     <p:extLst>
       <p:ext uri="{BB962C8B-B14F-4D97-AF65-F5344CB8AC3E}">
         <p14:creationId xmlns:p14="http://schemas.microsoft.com/office/powerpoint/2010/main" val="588163552"/>
+      </p:ext>
+    </p:extLst>
+  </p:cSld>
+  <p:clrMapOvr>
+    <a:masterClrMapping/>
+  </p:clrMapOvr>
+</p:sld>
+</file>
+
+<file path=ppt/slides/slide10.xml><?xml version="1.0" encoding="utf-8"?>
+<p:sld xmlns:a="http://schemas.openxmlformats.org/drawingml/2006/main" xmlns:r="http://schemas.openxmlformats.org/officeDocument/2006/relationships" xmlns:p="http://schemas.openxmlformats.org/presentationml/2006/main">
+  <p:cSld>
+    <p:spTree>
+      <p:nvGrpSpPr>
+        <p:cNvPr id="1" name=""/>
+        <p:cNvGrpSpPr/>
+        <p:nvPr/>
+      </p:nvGrpSpPr>
+      <p:grpSpPr>
+        <a:xfrm>
+          <a:off x="0" y="0"/>
+          <a:ext cx="0" cy="0"/>
+          <a:chOff x="0" y="0"/>
+          <a:chExt cx="0" cy="0"/>
+        </a:xfrm>
+      </p:grpSpPr>
+      <p:sp>
+        <p:nvSpPr>
+          <p:cNvPr id="2" name="Заголовок 1"/>
+          <p:cNvSpPr>
+            <a:spLocks noGrp="1"/>
+          </p:cNvSpPr>
+          <p:nvPr>
+            <p:ph type="title"/>
+          </p:nvPr>
+        </p:nvSpPr>
+        <p:spPr/>
+        <p:txBody>
+          <a:bodyPr/>
+          <a:lstStyle/>
+          <a:p>
+            <a:r>
+              <a:rPr lang="ru-RU" dirty="0" smtClean="0"/>
+              <a:t>Выводы</a:t>
+            </a:r>
+            <a:endParaRPr lang="ru-RU" dirty="0"/>
+          </a:p>
+        </p:txBody>
+      </p:sp>
+      <p:sp>
+        <p:nvSpPr>
+          <p:cNvPr id="3" name="Объект 2"/>
+          <p:cNvSpPr>
+            <a:spLocks noGrp="1"/>
+          </p:cNvSpPr>
+          <p:nvPr>
+            <p:ph idx="1"/>
+          </p:nvPr>
+        </p:nvSpPr>
+        <p:spPr/>
+        <p:txBody>
+          <a:bodyPr/>
+          <a:lstStyle/>
+          <a:p>
+            <a:r>
+              <a:rPr lang="ru-RU" dirty="0" smtClean="0"/>
+              <a:t>Проведен анализ предметной области и показана актуальность рассматриваемой задачи.</a:t>
+            </a:r>
+          </a:p>
+          <a:p>
+            <a:r>
+              <a:rPr lang="ru-RU" dirty="0" smtClean="0"/>
+              <a:t>Разработан алгоритм, устраняющий погрешности в последовательности </a:t>
+            </a:r>
+            <a:r>
+              <a:rPr lang="en-US" dirty="0" smtClean="0"/>
+              <a:t>GPS-</a:t>
+            </a:r>
+            <a:r>
+              <a:rPr lang="ru-RU" dirty="0" smtClean="0"/>
+              <a:t>координат.</a:t>
+            </a:r>
+          </a:p>
+          <a:p>
+            <a:r>
+              <a:rPr lang="ru-RU" dirty="0" smtClean="0"/>
+              <a:t>Разработано ПО, применяющее разработанный алгоритм для автоматической коррекции маршрутов.</a:t>
+            </a:r>
+            <a:endParaRPr lang="ru-RU" dirty="0"/>
+          </a:p>
+        </p:txBody>
+      </p:sp>
+    </p:spTree>
+    <p:extLst>
+      <p:ext uri="{BB962C8B-B14F-4D97-AF65-F5344CB8AC3E}">
+        <p14:creationId xmlns:p14="http://schemas.microsoft.com/office/powerpoint/2010/main" val="333013603"/>
       </p:ext>
     </p:extLst>
   </p:cSld>
@@ -3094,15 +3188,7 @@
           <a:p>
             <a:r>
               <a:rPr lang="ru-RU" dirty="0" smtClean="0"/>
-              <a:t>Цел</a:t>
-            </a:r>
-            <a:r>
-              <a:rPr lang="ru-RU" dirty="0" smtClean="0"/>
-              <a:t>и и задачи </a:t>
-            </a:r>
-            <a:r>
-              <a:rPr lang="ru-RU" dirty="0" smtClean="0"/>
-              <a:t>работы</a:t>
+              <a:t>Цели и задачи работы</a:t>
             </a:r>
             <a:endParaRPr lang="ru-RU" dirty="0"/>
           </a:p>
@@ -3120,7 +3206,9 @@
         </p:nvSpPr>
         <p:spPr/>
         <p:txBody>
-          <a:bodyPr/>
+          <a:bodyPr>
+            <a:normAutofit/>
+          </a:bodyPr>
           <a:lstStyle/>
           <a:p>
             <a:r>
@@ -3150,8 +3238,13 @@
             <a:pPr lvl="1"/>
             <a:r>
               <a:rPr lang="ru-RU" dirty="0" smtClean="0"/>
-              <a:t>Провести анализ предметной области.</a:t>
-            </a:r>
+              <a:t>Провести анализ предметной </a:t>
+            </a:r>
+            <a:r>
+              <a:rPr lang="ru-RU" dirty="0" smtClean="0"/>
+              <a:t>области и методов решения задачи.</a:t>
+            </a:r>
+            <a:endParaRPr lang="ru-RU" dirty="0" smtClean="0"/>
           </a:p>
           <a:p>
             <a:pPr lvl="1"/>
@@ -3212,7 +3305,7 @@
       </p:grpSpPr>
       <p:sp>
         <p:nvSpPr>
-          <p:cNvPr id="2" name="Заголовок 1"/>
+          <p:cNvPr id="12" name="Заголовок 11"/>
           <p:cNvSpPr>
             <a:spLocks noGrp="1"/>
           </p:cNvSpPr>
@@ -3227,111 +3320,7 @@
           <a:p>
             <a:r>
               <a:rPr lang="ru-RU" dirty="0" smtClean="0"/>
-              <a:t>Решаемые задачи</a:t>
-            </a:r>
-            <a:endParaRPr lang="ru-RU" dirty="0"/>
-          </a:p>
-        </p:txBody>
-      </p:sp>
-      <p:sp>
-        <p:nvSpPr>
-          <p:cNvPr id="3" name="Объект 2"/>
-          <p:cNvSpPr>
-            <a:spLocks noGrp="1"/>
-          </p:cNvSpPr>
-          <p:nvPr>
-            <p:ph idx="1"/>
-          </p:nvPr>
-        </p:nvSpPr>
-        <p:spPr/>
-        <p:txBody>
-          <a:bodyPr/>
-          <a:lstStyle/>
-          <a:p>
-            <a:pPr lvl="0"/>
-            <a:r>
-              <a:rPr lang="ru-RU" sz="3200" dirty="0"/>
-              <a:t>Объединение наборов координат</a:t>
-            </a:r>
-          </a:p>
-          <a:p>
-            <a:pPr lvl="0"/>
-            <a:r>
-              <a:rPr lang="ru-RU" sz="3200" dirty="0"/>
-              <a:t>Устранение избыточных данных</a:t>
-            </a:r>
-          </a:p>
-          <a:p>
-            <a:pPr lvl="0"/>
-            <a:r>
-              <a:rPr lang="ru-RU" sz="3200" dirty="0"/>
-              <a:t>Определение мест остановок объекта</a:t>
-            </a:r>
-          </a:p>
-          <a:p>
-            <a:pPr lvl="0"/>
-            <a:r>
-              <a:rPr lang="ru-RU" sz="3200" dirty="0"/>
-              <a:t>Сглаживание погрешностей датчика, создающих выбросы при отображении маршрута на карте.</a:t>
-            </a:r>
-          </a:p>
-          <a:p>
-            <a:r>
-              <a:rPr lang="ru-RU" sz="3200" dirty="0" smtClean="0"/>
-              <a:t>Исследование и оценка результатов работы разработанного метода</a:t>
-            </a:r>
-            <a:endParaRPr lang="ru-RU" sz="3200" dirty="0"/>
-          </a:p>
-        </p:txBody>
-      </p:sp>
-    </p:spTree>
-    <p:extLst>
-      <p:ext uri="{BB962C8B-B14F-4D97-AF65-F5344CB8AC3E}">
-        <p14:creationId xmlns:p14="http://schemas.microsoft.com/office/powerpoint/2010/main" val="2850672190"/>
-      </p:ext>
-    </p:extLst>
-  </p:cSld>
-  <p:clrMapOvr>
-    <a:masterClrMapping/>
-  </p:clrMapOvr>
-</p:sld>
-</file>
-
-<file path=ppt/slides/slide4.xml><?xml version="1.0" encoding="utf-8"?>
-<p:sld xmlns:a="http://schemas.openxmlformats.org/drawingml/2006/main" xmlns:r="http://schemas.openxmlformats.org/officeDocument/2006/relationships" xmlns:p="http://schemas.openxmlformats.org/presentationml/2006/main">
-  <p:cSld>
-    <p:spTree>
-      <p:nvGrpSpPr>
-        <p:cNvPr id="1" name=""/>
-        <p:cNvGrpSpPr/>
-        <p:nvPr/>
-      </p:nvGrpSpPr>
-      <p:grpSpPr>
-        <a:xfrm>
-          <a:off x="0" y="0"/>
-          <a:ext cx="0" cy="0"/>
-          <a:chOff x="0" y="0"/>
-          <a:chExt cx="0" cy="0"/>
-        </a:xfrm>
-      </p:grpSpPr>
-      <p:sp>
-        <p:nvSpPr>
-          <p:cNvPr id="12" name="Заголовок 11"/>
-          <p:cNvSpPr>
-            <a:spLocks noGrp="1"/>
-          </p:cNvSpPr>
-          <p:nvPr>
-            <p:ph type="title"/>
-          </p:nvPr>
-        </p:nvSpPr>
-        <p:spPr/>
-        <p:txBody>
-          <a:bodyPr/>
-          <a:lstStyle/>
-          <a:p>
-            <a:r>
-              <a:rPr lang="ru-RU" dirty="0" smtClean="0"/>
-              <a:t>Пример решаемой проблемы</a:t>
+              <a:t>Предметная область</a:t>
             </a:r>
             <a:endParaRPr lang="ru-RU" dirty="0"/>
           </a:p>
@@ -3379,6 +3368,145 @@
 </p:sld>
 </file>
 
+<file path=ppt/slides/slide4.xml><?xml version="1.0" encoding="utf-8"?>
+<p:sld xmlns:a="http://schemas.openxmlformats.org/drawingml/2006/main" xmlns:r="http://schemas.openxmlformats.org/officeDocument/2006/relationships" xmlns:p="http://schemas.openxmlformats.org/presentationml/2006/main">
+  <p:cSld>
+    <p:spTree>
+      <p:nvGrpSpPr>
+        <p:cNvPr id="1" name=""/>
+        <p:cNvGrpSpPr/>
+        <p:nvPr/>
+      </p:nvGrpSpPr>
+      <p:grpSpPr>
+        <a:xfrm>
+          <a:off x="0" y="0"/>
+          <a:ext cx="0" cy="0"/>
+          <a:chOff x="0" y="0"/>
+          <a:chExt cx="0" cy="0"/>
+        </a:xfrm>
+      </p:grpSpPr>
+      <p:sp>
+        <p:nvSpPr>
+          <p:cNvPr id="2" name="Заголовок 1"/>
+          <p:cNvSpPr>
+            <a:spLocks noGrp="1"/>
+          </p:cNvSpPr>
+          <p:nvPr>
+            <p:ph type="title"/>
+          </p:nvPr>
+        </p:nvSpPr>
+        <p:spPr/>
+        <p:txBody>
+          <a:bodyPr/>
+          <a:lstStyle/>
+          <a:p>
+            <a:r>
+              <a:rPr lang="ru-RU" dirty="0" smtClean="0"/>
+              <a:t>Анализ задачи и возможных алгоритмов</a:t>
+            </a:r>
+            <a:endParaRPr lang="ru-RU" dirty="0"/>
+          </a:p>
+        </p:txBody>
+      </p:sp>
+      <p:sp>
+        <p:nvSpPr>
+          <p:cNvPr id="3" name="Объект 2"/>
+          <p:cNvSpPr>
+            <a:spLocks noGrp="1"/>
+          </p:cNvSpPr>
+          <p:nvPr>
+            <p:ph idx="1"/>
+          </p:nvPr>
+        </p:nvSpPr>
+        <p:spPr/>
+        <p:txBody>
+          <a:bodyPr>
+            <a:normAutofit lnSpcReduction="10000"/>
+          </a:bodyPr>
+          <a:lstStyle/>
+          <a:p>
+            <a:pPr lvl="0"/>
+            <a:r>
+              <a:rPr lang="ru-RU" sz="3200" dirty="0"/>
+              <a:t>Объединение наборов </a:t>
+            </a:r>
+            <a:r>
+              <a:rPr lang="ru-RU" sz="3200" dirty="0" smtClean="0"/>
+              <a:t>координат — взвешенное среднее координат нескольких источников.</a:t>
+            </a:r>
+            <a:endParaRPr lang="ru-RU" sz="3200" dirty="0"/>
+          </a:p>
+          <a:p>
+            <a:pPr lvl="0"/>
+            <a:r>
+              <a:rPr lang="ru-RU" sz="3200" dirty="0"/>
+              <a:t>Устранение </a:t>
+            </a:r>
+            <a:r>
+              <a:rPr lang="ru-RU" sz="3200" dirty="0" smtClean="0"/>
+              <a:t>пиков</a:t>
+            </a:r>
+            <a:r>
+              <a:rPr lang="ru-RU" sz="3200" dirty="0" smtClean="0"/>
+              <a:t>— эвристический алгоритм на основе физических параметров объекта.</a:t>
+            </a:r>
+            <a:endParaRPr lang="ru-RU" sz="3200" b="1" dirty="0"/>
+          </a:p>
+          <a:p>
+            <a:pPr lvl="0"/>
+            <a:r>
+              <a:rPr lang="ru-RU" sz="3200" dirty="0"/>
+              <a:t>Определение мест остановок </a:t>
+            </a:r>
+            <a:r>
+              <a:rPr lang="ru-RU" sz="3200" dirty="0"/>
+              <a:t>объекта — </a:t>
+            </a:r>
+            <a:r>
+              <a:rPr lang="ru-RU" sz="3200" dirty="0" smtClean="0"/>
+              <a:t>эвристический алгоритм с выделением групп точек и оценкой отклонения от средней точки</a:t>
+            </a:r>
+            <a:endParaRPr lang="ru-RU" sz="3200" dirty="0"/>
+          </a:p>
+          <a:p>
+            <a:pPr lvl="0"/>
+            <a:r>
+              <a:rPr lang="ru-RU" sz="3200" dirty="0"/>
+              <a:t>Сглаживание погрешностей </a:t>
+            </a:r>
+            <a:r>
+              <a:rPr lang="ru-RU" sz="3200" dirty="0" smtClean="0"/>
+              <a:t>датчика</a:t>
+            </a:r>
+            <a:r>
+              <a:rPr lang="ru-RU" sz="3200" dirty="0" smtClean="0"/>
+              <a:t> </a:t>
+            </a:r>
+            <a:r>
+              <a:rPr lang="ru-RU" sz="3200" dirty="0"/>
+              <a:t>— </a:t>
+            </a:r>
+            <a:r>
+              <a:rPr lang="ru-RU" sz="3200" dirty="0" smtClean="0"/>
+              <a:t>известные методы фильтрации сигналов.</a:t>
+            </a:r>
+            <a:endParaRPr lang="ru-RU" sz="3200" dirty="0"/>
+          </a:p>
+        </p:txBody>
+      </p:sp>
+    </p:spTree>
+    <p:extLst>
+      <p:ext uri="{BB962C8B-B14F-4D97-AF65-F5344CB8AC3E}">
+        <p14:creationId xmlns:p14="http://schemas.microsoft.com/office/powerpoint/2010/main" val="2850672190"/>
+      </p:ext>
+    </p:extLst>
+  </p:cSld>
+  <p:clrMapOvr>
+    <a:masterClrMapping/>
+  </p:clrMapOvr>
+</p:sld>
+</file>
+
 <file path=ppt/slides/slide5.xml><?xml version="1.0" encoding="utf-8"?>
 <p:sld xmlns:a="http://schemas.openxmlformats.org/drawingml/2006/main" xmlns:r="http://schemas.openxmlformats.org/officeDocument/2006/relationships" xmlns:p="http://schemas.openxmlformats.org/presentationml/2006/main">
   <p:cSld>
@@ -3413,45 +3541,676 @@
           <a:p>
             <a:r>
               <a:rPr lang="ru-RU" dirty="0" smtClean="0"/>
-              <a:t>Функциональная модель работы ПО</a:t>
+              <a:t>Математическая модель задачи для применения фильтра </a:t>
+            </a:r>
+            <a:r>
+              <a:rPr lang="ru-RU" dirty="0" err="1" smtClean="0"/>
+              <a:t>Калмана</a:t>
             </a:r>
             <a:endParaRPr lang="ru-RU" dirty="0"/>
           </a:p>
         </p:txBody>
       </p:sp>
-      <p:pic>
-        <p:nvPicPr>
-          <p:cNvPr id="6" name="Объект 5"/>
-          <p:cNvPicPr>
-            <a:picLocks noGrp="1" noChangeAspect="1"/>
-          </p:cNvPicPr>
+      <p:sp>
+        <p:nvSpPr>
+          <p:cNvPr id="3" name="Объект 2"/>
+          <p:cNvSpPr>
+            <a:spLocks noGrp="1"/>
+          </p:cNvSpPr>
           <p:nvPr>
             <p:ph idx="1"/>
           </p:nvPr>
-        </p:nvPicPr>
-        <p:blipFill>
-          <a:blip r:embed="rId2">
-            <a:extLst>
-              <a:ext uri="{28A0092B-C50C-407E-A947-70E740481C1C}">
-                <a14:useLocalDpi xmlns:a14="http://schemas.microsoft.com/office/drawing/2010/main" val="0"/>
-              </a:ext>
-            </a:extLst>
-          </a:blip>
-          <a:stretch>
-            <a:fillRect/>
-          </a:stretch>
-        </p:blipFill>
-        <p:spPr>
-          <a:xfrm>
-            <a:off x="1211064" y="1612611"/>
-            <a:ext cx="9769872" cy="4529518"/>
-          </a:xfrm>
-        </p:spPr>
-      </p:pic>
+        </p:nvSpPr>
+        <p:spPr/>
+        <p:txBody>
+          <a:bodyPr/>
+          <a:lstStyle/>
+          <a:p>
+            <a:pPr marL="0" indent="0">
+              <a:buNone/>
+            </a:pPr>
+            <a:r>
+              <a:rPr lang="ru-RU" dirty="0" smtClean="0"/>
+              <a:t>Необходимо описать задачу в следующем виде:</a:t>
+            </a:r>
+          </a:p>
+          <a:p>
+            <a:pPr marL="0" indent="0">
+              <a:buNone/>
+            </a:pPr>
+            <a:r>
+              <a:rPr lang="ru-RU" dirty="0" smtClean="0"/>
+              <a:t> </a:t>
+            </a:r>
+          </a:p>
+          <a:p>
+            <a:pPr marL="0" indent="0">
+              <a:buNone/>
+            </a:pPr>
+            <a:endParaRPr lang="ru-RU" dirty="0"/>
+          </a:p>
+          <a:p>
+            <a:pPr marL="0" indent="0">
+              <a:buNone/>
+            </a:pPr>
+            <a:r>
+              <a:rPr lang="ru-RU" dirty="0"/>
+              <a:t>г</a:t>
+            </a:r>
+            <a:r>
+              <a:rPr lang="ru-RU" dirty="0" smtClean="0"/>
+              <a:t>де уравнение (1) описывает физическу</a:t>
+            </a:r>
+            <a:r>
+              <a:rPr lang="ru-RU" dirty="0" smtClean="0"/>
+              <a:t>ю модель измеряемого процесса, уравнение (2) описывает связь между истинным состоянием процесса и измеренным состоянием. </a:t>
+            </a:r>
+            <a:endParaRPr lang="ru-RU" dirty="0"/>
+          </a:p>
+        </p:txBody>
+      </p:sp>
+      <mc:AlternateContent xmlns:mc="http://schemas.openxmlformats.org/markup-compatibility/2006">
+        <mc:Choice xmlns:a14="http://schemas.microsoft.com/office/drawing/2010/main" Requires="a14">
+          <p:graphicFrame>
+            <p:nvGraphicFramePr>
+              <p:cNvPr id="5" name="Таблица 4"/>
+              <p:cNvGraphicFramePr>
+                <a:graphicFrameLocks noGrp="1"/>
+              </p:cNvGraphicFramePr>
+              <p:nvPr/>
+            </p:nvGraphicFramePr>
+            <p:xfrm>
+              <a:off x="1047206" y="2272641"/>
+              <a:ext cx="10515600" cy="1097280"/>
+            </p:xfrm>
+            <a:graphic>
+              <a:graphicData uri="http://schemas.openxmlformats.org/drawingml/2006/table">
+                <a:tbl>
+                  <a:tblPr firstRow="1" firstCol="1" bandRow="1">
+                    <a:tableStyleId>{2D5ABB26-0587-4C30-8999-92F81FD0307C}</a:tableStyleId>
+                  </a:tblPr>
+                  <a:tblGrid>
+                    <a:gridCol w="9394372"/>
+                    <a:gridCol w="1121228"/>
+                  </a:tblGrid>
+                  <a:tr h="113507">
+                    <a:tc>
+                      <a:txBody>
+                        <a:bodyPr/>
+                        <a:lstStyle/>
+                        <a:p>
+                          <a:pPr marL="6350" marR="358140" indent="-6350" algn="just">
+                            <a:lnSpc>
+                              <a:spcPct val="150000"/>
+                            </a:lnSpc>
+                            <a:spcAft>
+                              <a:spcPts val="0"/>
+                            </a:spcAft>
+                          </a:pPr>
+                          <a14:m>
+                            <m:oMathPara xmlns:m="http://schemas.openxmlformats.org/officeDocument/2006/math">
+                              <m:oMathParaPr>
+                                <m:jc m:val="centerGroup"/>
+                              </m:oMathParaPr>
+                              <m:oMath xmlns:m="http://schemas.openxmlformats.org/officeDocument/2006/math">
+                                <m:sSub>
+                                  <m:sSubPr>
+                                    <m:ctrlPr>
+                                      <a:rPr lang="ru-RU" sz="2400" smtClean="0">
+                                        <a:effectLst/>
+                                      </a:rPr>
+                                    </m:ctrlPr>
+                                  </m:sSubPr>
+                                  <m:e>
+                                    <m:r>
+                                      <a:rPr lang="ru-RU" sz="2400">
+                                        <a:effectLst/>
+                                      </a:rPr>
+                                      <m:t>𝑠</m:t>
+                                    </m:r>
+                                  </m:e>
+                                  <m:sub>
+                                    <m:r>
+                                      <a:rPr lang="ru-RU" sz="2400">
+                                        <a:effectLst/>
+                                      </a:rPr>
+                                      <m:t>𝑘</m:t>
+                                    </m:r>
+                                  </m:sub>
+                                </m:sSub>
+                                <m:r>
+                                  <a:rPr lang="ru-RU" sz="2400">
+                                    <a:effectLst/>
+                                  </a:rPr>
+                                  <m:t>=</m:t>
+                                </m:r>
+                                <m:sSub>
+                                  <m:sSubPr>
+                                    <m:ctrlPr>
+                                      <a:rPr lang="ru-RU" sz="2400">
+                                        <a:effectLst/>
+                                      </a:rPr>
+                                    </m:ctrlPr>
+                                  </m:sSubPr>
+                                  <m:e>
+                                    <m:r>
+                                      <a:rPr lang="ru-RU" sz="2400">
+                                        <a:effectLst/>
+                                      </a:rPr>
+                                      <m:t>𝐴</m:t>
+                                    </m:r>
+                                  </m:e>
+                                  <m:sub>
+                                    <m:r>
+                                      <a:rPr lang="ru-RU" sz="2400">
+                                        <a:effectLst/>
+                                      </a:rPr>
+                                      <m:t>𝑘</m:t>
+                                    </m:r>
+                                  </m:sub>
+                                </m:sSub>
+                                <m:sSub>
+                                  <m:sSubPr>
+                                    <m:ctrlPr>
+                                      <a:rPr lang="ru-RU" sz="2400">
+                                        <a:effectLst/>
+                                      </a:rPr>
+                                    </m:ctrlPr>
+                                  </m:sSubPr>
+                                  <m:e>
+                                    <m:r>
+                                      <a:rPr lang="ru-RU" sz="2400">
+                                        <a:effectLst/>
+                                      </a:rPr>
+                                      <m:t>𝑠</m:t>
+                                    </m:r>
+                                  </m:e>
+                                  <m:sub>
+                                    <m:r>
+                                      <a:rPr lang="ru-RU" sz="2400">
+                                        <a:effectLst/>
+                                      </a:rPr>
+                                      <m:t>𝑘</m:t>
+                                    </m:r>
+                                    <m:r>
+                                      <a:rPr lang="ru-RU" sz="2400">
+                                        <a:effectLst/>
+                                      </a:rPr>
+                                      <m:t>−1</m:t>
+                                    </m:r>
+                                  </m:sub>
+                                </m:sSub>
+                                <m:r>
+                                  <a:rPr lang="ru-RU" sz="2400">
+                                    <a:effectLst/>
+                                  </a:rPr>
+                                  <m:t>+</m:t>
+                                </m:r>
+                                <m:sSub>
+                                  <m:sSubPr>
+                                    <m:ctrlPr>
+                                      <a:rPr lang="ru-RU" sz="2400">
+                                        <a:effectLst/>
+                                      </a:rPr>
+                                    </m:ctrlPr>
+                                  </m:sSubPr>
+                                  <m:e>
+                                    <m:r>
+                                      <a:rPr lang="ru-RU" sz="2400">
+                                        <a:effectLst/>
+                                      </a:rPr>
+                                      <m:t>𝐵</m:t>
+                                    </m:r>
+                                  </m:e>
+                                  <m:sub>
+                                    <m:r>
+                                      <a:rPr lang="ru-RU" sz="2400">
+                                        <a:effectLst/>
+                                      </a:rPr>
+                                      <m:t>𝑘</m:t>
+                                    </m:r>
+                                  </m:sub>
+                                </m:sSub>
+                                <m:sSub>
+                                  <m:sSubPr>
+                                    <m:ctrlPr>
+                                      <a:rPr lang="ru-RU" sz="2400">
+                                        <a:effectLst/>
+                                      </a:rPr>
+                                    </m:ctrlPr>
+                                  </m:sSubPr>
+                                  <m:e>
+                                    <m:r>
+                                      <a:rPr lang="ru-RU" sz="2400">
+                                        <a:effectLst/>
+                                      </a:rPr>
+                                      <m:t>𝑢</m:t>
+                                    </m:r>
+                                  </m:e>
+                                  <m:sub>
+                                    <m:r>
+                                      <a:rPr lang="ru-RU" sz="2400">
+                                        <a:effectLst/>
+                                      </a:rPr>
+                                      <m:t>𝑘</m:t>
+                                    </m:r>
+                                    <m:r>
+                                      <a:rPr lang="ru-RU" sz="2400">
+                                        <a:effectLst/>
+                                      </a:rPr>
+                                      <m:t>−1</m:t>
+                                    </m:r>
+                                  </m:sub>
+                                </m:sSub>
+                                <m:r>
+                                  <a:rPr lang="ru-RU" sz="2400">
+                                    <a:effectLst/>
+                                  </a:rPr>
+                                  <m:t>+</m:t>
+                                </m:r>
+                                <m:sSub>
+                                  <m:sSubPr>
+                                    <m:ctrlPr>
+                                      <a:rPr lang="ru-RU" sz="2400">
+                                        <a:effectLst/>
+                                      </a:rPr>
+                                    </m:ctrlPr>
+                                  </m:sSubPr>
+                                  <m:e>
+                                    <m:r>
+                                      <a:rPr lang="ru-RU" sz="2400">
+                                        <a:effectLst/>
+                                      </a:rPr>
+                                      <m:t>𝑤</m:t>
+                                    </m:r>
+                                  </m:e>
+                                  <m:sub>
+                                    <m:r>
+                                      <a:rPr lang="ru-RU" sz="2400">
+                                        <a:effectLst/>
+                                      </a:rPr>
+                                      <m:t>𝑘</m:t>
+                                    </m:r>
+                                  </m:sub>
+                                </m:sSub>
+                                <m:r>
+                                  <a:rPr lang="ru-RU" sz="2400" b="0" i="0" smtClean="0">
+                                    <a:effectLst/>
+                                    <a:latin typeface="Cambria Math" panose="02040503050406030204" pitchFamily="18" charset="0"/>
+                                  </a:rPr>
+                                  <m:t>,</m:t>
+                                </m:r>
+                              </m:oMath>
+                            </m:oMathPara>
+                          </a14:m>
+                          <a:endParaRPr lang="ru-RU" sz="2400" dirty="0">
+                            <a:solidFill>
+                              <a:srgbClr val="000000"/>
+                            </a:solidFill>
+                            <a:effectLst/>
+                            <a:latin typeface="Times New Roman" panose="02020603050405020304" pitchFamily="18" charset="0"/>
+                            <a:ea typeface="Times New Roman" panose="02020603050405020304" pitchFamily="18" charset="0"/>
+                          </a:endParaRPr>
+                        </a:p>
+                      </a:txBody>
+                      <a:tcPr marL="0" marR="0" marT="0" marB="0"/>
+                    </a:tc>
+                    <a:tc>
+                      <a:txBody>
+                        <a:bodyPr/>
+                        <a:lstStyle/>
+                        <a:p>
+                          <a:pPr marL="6350" marR="358140" indent="-6350" algn="just">
+                            <a:lnSpc>
+                              <a:spcPct val="150000"/>
+                            </a:lnSpc>
+                            <a:spcAft>
+                              <a:spcPts val="0"/>
+                            </a:spcAft>
+                          </a:pPr>
+                          <a:r>
+                            <a:rPr lang="ru-RU" sz="2400" dirty="0">
+                              <a:effectLst/>
+                            </a:rPr>
+                            <a:t>(1)</a:t>
+                          </a:r>
+                          <a:endParaRPr lang="ru-RU" sz="2400" dirty="0">
+                            <a:solidFill>
+                              <a:srgbClr val="000000"/>
+                            </a:solidFill>
+                            <a:effectLst/>
+                            <a:latin typeface="Times New Roman" panose="02020603050405020304" pitchFamily="18" charset="0"/>
+                            <a:ea typeface="Times New Roman" panose="02020603050405020304" pitchFamily="18" charset="0"/>
+                          </a:endParaRPr>
+                        </a:p>
+                      </a:txBody>
+                      <a:tcPr marL="0" marR="0" marT="0" marB="0"/>
+                    </a:tc>
+                  </a:tr>
+                  <a:tr h="0">
+                    <a:tc>
+                      <a:txBody>
+                        <a:bodyPr/>
+                        <a:lstStyle/>
+                        <a:p>
+                          <a:pPr marL="6350" marR="358140" indent="-6350" algn="just">
+                            <a:lnSpc>
+                              <a:spcPct val="150000"/>
+                            </a:lnSpc>
+                            <a:spcAft>
+                              <a:spcPts val="0"/>
+                            </a:spcAft>
+                          </a:pPr>
+                          <a14:m>
+                            <m:oMathPara xmlns:m="http://schemas.openxmlformats.org/officeDocument/2006/math">
+                              <m:oMathParaPr>
+                                <m:jc m:val="centerGroup"/>
+                              </m:oMathParaPr>
+                              <m:oMath xmlns:m="http://schemas.openxmlformats.org/officeDocument/2006/math">
+                                <m:sSub>
+                                  <m:sSubPr>
+                                    <m:ctrlPr>
+                                      <a:rPr lang="ru-RU" sz="2400" smtClean="0">
+                                        <a:effectLst/>
+                                      </a:rPr>
+                                    </m:ctrlPr>
+                                  </m:sSubPr>
+                                  <m:e>
+                                    <m:r>
+                                      <a:rPr lang="ru-RU" sz="2400">
+                                        <a:effectLst/>
+                                      </a:rPr>
+                                      <m:t>𝑧</m:t>
+                                    </m:r>
+                                  </m:e>
+                                  <m:sub>
+                                    <m:r>
+                                      <a:rPr lang="ru-RU" sz="2400">
+                                        <a:effectLst/>
+                                      </a:rPr>
+                                      <m:t>𝑘</m:t>
+                                    </m:r>
+                                  </m:sub>
+                                </m:sSub>
+                                <m:r>
+                                  <a:rPr lang="ru-RU" sz="2400">
+                                    <a:effectLst/>
+                                  </a:rPr>
+                                  <m:t>=</m:t>
+                                </m:r>
+                                <m:sSub>
+                                  <m:sSubPr>
+                                    <m:ctrlPr>
+                                      <a:rPr lang="ru-RU" sz="2400">
+                                        <a:effectLst/>
+                                      </a:rPr>
+                                    </m:ctrlPr>
+                                  </m:sSubPr>
+                                  <m:e>
+                                    <m:r>
+                                      <a:rPr lang="ru-RU" sz="2400">
+                                        <a:effectLst/>
+                                      </a:rPr>
+                                      <m:t>𝐻</m:t>
+                                    </m:r>
+                                  </m:e>
+                                  <m:sub>
+                                    <m:r>
+                                      <a:rPr lang="ru-RU" sz="2400">
+                                        <a:effectLst/>
+                                      </a:rPr>
+                                      <m:t>𝑘</m:t>
+                                    </m:r>
+                                  </m:sub>
+                                </m:sSub>
+                                <m:sSub>
+                                  <m:sSubPr>
+                                    <m:ctrlPr>
+                                      <a:rPr lang="ru-RU" sz="2400">
+                                        <a:effectLst/>
+                                      </a:rPr>
+                                    </m:ctrlPr>
+                                  </m:sSubPr>
+                                  <m:e>
+                                    <m:r>
+                                      <a:rPr lang="ru-RU" sz="2400">
+                                        <a:effectLst/>
+                                      </a:rPr>
+                                      <m:t>𝑠</m:t>
+                                    </m:r>
+                                  </m:e>
+                                  <m:sub>
+                                    <m:r>
+                                      <a:rPr lang="ru-RU" sz="2400">
+                                        <a:effectLst/>
+                                      </a:rPr>
+                                      <m:t>𝑘</m:t>
+                                    </m:r>
+                                  </m:sub>
+                                </m:sSub>
+                                <m:r>
+                                  <a:rPr lang="ru-RU" sz="2400">
+                                    <a:effectLst/>
+                                  </a:rPr>
+                                  <m:t>+</m:t>
+                                </m:r>
+                                <m:sSub>
+                                  <m:sSubPr>
+                                    <m:ctrlPr>
+                                      <a:rPr lang="ru-RU" sz="2400">
+                                        <a:effectLst/>
+                                      </a:rPr>
+                                    </m:ctrlPr>
+                                  </m:sSubPr>
+                                  <m:e>
+                                    <m:r>
+                                      <a:rPr lang="ru-RU" sz="2400">
+                                        <a:effectLst/>
+                                      </a:rPr>
+                                      <m:t>𝑣</m:t>
+                                    </m:r>
+                                  </m:e>
+                                  <m:sub>
+                                    <m:r>
+                                      <a:rPr lang="ru-RU" sz="2400">
+                                        <a:effectLst/>
+                                      </a:rPr>
+                                      <m:t>𝑘</m:t>
+                                    </m:r>
+                                  </m:sub>
+                                </m:sSub>
+                                <m:r>
+                                  <a:rPr lang="ru-RU" sz="2400" b="0" i="0" smtClean="0">
+                                    <a:effectLst/>
+                                    <a:latin typeface="Cambria Math" panose="02040503050406030204" pitchFamily="18" charset="0"/>
+                                  </a:rPr>
+                                  <m:t>,</m:t>
+                                </m:r>
+                              </m:oMath>
+                            </m:oMathPara>
+                          </a14:m>
+                          <a:endParaRPr lang="ru-RU" sz="2400" dirty="0">
+                            <a:solidFill>
+                              <a:srgbClr val="000000"/>
+                            </a:solidFill>
+                            <a:effectLst/>
+                            <a:latin typeface="Times New Roman" panose="02020603050405020304" pitchFamily="18" charset="0"/>
+                            <a:ea typeface="Times New Roman" panose="02020603050405020304" pitchFamily="18" charset="0"/>
+                          </a:endParaRPr>
+                        </a:p>
+                      </a:txBody>
+                      <a:tcPr marL="0" marR="0" marT="0" marB="0"/>
+                    </a:tc>
+                    <a:tc>
+                      <a:txBody>
+                        <a:bodyPr/>
+                        <a:lstStyle/>
+                        <a:p>
+                          <a:pPr marL="6350" marR="358140" indent="-6350" algn="just">
+                            <a:lnSpc>
+                              <a:spcPct val="150000"/>
+                            </a:lnSpc>
+                            <a:spcAft>
+                              <a:spcPts val="0"/>
+                            </a:spcAft>
+                          </a:pPr>
+                          <a:r>
+                            <a:rPr lang="ru-RU" sz="2400" dirty="0">
+                              <a:effectLst/>
+                            </a:rPr>
+                            <a:t>(2)</a:t>
+                          </a:r>
+                          <a:endParaRPr lang="ru-RU" sz="2400" dirty="0">
+                            <a:solidFill>
+                              <a:srgbClr val="000000"/>
+                            </a:solidFill>
+                            <a:effectLst/>
+                            <a:latin typeface="Times New Roman" panose="02020603050405020304" pitchFamily="18" charset="0"/>
+                            <a:ea typeface="Times New Roman" panose="02020603050405020304" pitchFamily="18" charset="0"/>
+                          </a:endParaRPr>
+                        </a:p>
+                      </a:txBody>
+                      <a:tcPr marL="0" marR="0" marT="0" marB="0"/>
+                    </a:tc>
+                  </a:tr>
+                </a:tbl>
+              </a:graphicData>
+            </a:graphic>
+          </p:graphicFrame>
+        </mc:Choice>
+        <mc:Fallback>
+          <p:graphicFrame>
+            <p:nvGraphicFramePr>
+              <p:cNvPr id="5" name="Таблица 4"/>
+              <p:cNvGraphicFramePr>
+                <a:graphicFrameLocks noGrp="1"/>
+              </p:cNvGraphicFramePr>
+              <p:nvPr/>
+            </p:nvGraphicFramePr>
+            <p:xfrm>
+              <a:off x="1047206" y="2272641"/>
+              <a:ext cx="10515600" cy="1097280"/>
+            </p:xfrm>
+            <a:graphic>
+              <a:graphicData uri="http://schemas.openxmlformats.org/drawingml/2006/table">
+                <a:tbl>
+                  <a:tblPr firstRow="1" firstCol="1" bandRow="1">
+                    <a:tableStyleId>{2D5ABB26-0587-4C30-8999-92F81FD0307C}</a:tableStyleId>
+                  </a:tblPr>
+                  <a:tblGrid>
+                    <a:gridCol w="9394372"/>
+                    <a:gridCol w="1121228"/>
+                  </a:tblGrid>
+                  <a:tr h="548640">
+                    <a:tc>
+                      <a:txBody>
+                        <a:bodyPr/>
+                        <a:lstStyle/>
+                        <a:p>
+                          <a:endParaRPr lang="ru-RU"/>
+                        </a:p>
+                      </a:txBody>
+                      <a:tcPr marL="0" marR="0" marT="0" marB="0">
+                        <a:blipFill rotWithShape="0">
+                          <a:blip r:embed="rId2"/>
+                          <a:stretch>
+                            <a:fillRect r="-11933" b="-120879"/>
+                          </a:stretch>
+                        </a:blipFill>
+                      </a:tcPr>
+                    </a:tc>
+                    <a:tc>
+                      <a:txBody>
+                        <a:bodyPr/>
+                        <a:lstStyle/>
+                        <a:p>
+                          <a:pPr marL="6350" marR="358140" indent="-6350" algn="just">
+                            <a:lnSpc>
+                              <a:spcPct val="150000"/>
+                            </a:lnSpc>
+                            <a:spcAft>
+                              <a:spcPts val="0"/>
+                            </a:spcAft>
+                          </a:pPr>
+                          <a:r>
+                            <a:rPr lang="ru-RU" sz="2400" dirty="0">
+                              <a:effectLst/>
+                            </a:rPr>
+                            <a:t>(1)</a:t>
+                          </a:r>
+                          <a:endParaRPr lang="ru-RU" sz="2400" dirty="0">
+                            <a:solidFill>
+                              <a:srgbClr val="000000"/>
+                            </a:solidFill>
+                            <a:effectLst/>
+                            <a:latin typeface="Times New Roman" panose="02020603050405020304" pitchFamily="18" charset="0"/>
+                            <a:ea typeface="Times New Roman" panose="02020603050405020304" pitchFamily="18" charset="0"/>
+                          </a:endParaRPr>
+                        </a:p>
+                      </a:txBody>
+                      <a:tcPr marL="0" marR="0" marT="0" marB="0"/>
+                    </a:tc>
+                  </a:tr>
+                  <a:tr h="548640">
+                    <a:tc>
+                      <a:txBody>
+                        <a:bodyPr/>
+                        <a:lstStyle/>
+                        <a:p>
+                          <a:endParaRPr lang="ru-RU"/>
+                        </a:p>
+                      </a:txBody>
+                      <a:tcPr marL="0" marR="0" marT="0" marB="0">
+                        <a:blipFill rotWithShape="0">
+                          <a:blip r:embed="rId2"/>
+                          <a:stretch>
+                            <a:fillRect t="-101111" r="-11933" b="-22222"/>
+                          </a:stretch>
+                        </a:blipFill>
+                      </a:tcPr>
+                    </a:tc>
+                    <a:tc>
+                      <a:txBody>
+                        <a:bodyPr/>
+                        <a:lstStyle/>
+                        <a:p>
+                          <a:pPr marL="6350" marR="358140" indent="-6350" algn="just">
+                            <a:lnSpc>
+                              <a:spcPct val="150000"/>
+                            </a:lnSpc>
+                            <a:spcAft>
+                              <a:spcPts val="0"/>
+                            </a:spcAft>
+                          </a:pPr>
+                          <a:r>
+                            <a:rPr lang="ru-RU" sz="2400" dirty="0">
+                              <a:effectLst/>
+                            </a:rPr>
+                            <a:t>(2)</a:t>
+                          </a:r>
+                          <a:endParaRPr lang="ru-RU" sz="2400" dirty="0">
+                            <a:solidFill>
+                              <a:srgbClr val="000000"/>
+                            </a:solidFill>
+                            <a:effectLst/>
+                            <a:latin typeface="Times New Roman" panose="02020603050405020304" pitchFamily="18" charset="0"/>
+                            <a:ea typeface="Times New Roman" panose="02020603050405020304" pitchFamily="18" charset="0"/>
+                          </a:endParaRPr>
+                        </a:p>
+                      </a:txBody>
+                      <a:tcPr marL="0" marR="0" marT="0" marB="0"/>
+                    </a:tc>
+                  </a:tr>
+                </a:tbl>
+              </a:graphicData>
+            </a:graphic>
+          </p:graphicFrame>
+        </mc:Fallback>
+      </mc:AlternateContent>
     </p:spTree>
     <p:extLst>
       <p:ext uri="{BB962C8B-B14F-4D97-AF65-F5344CB8AC3E}">
-        <p14:creationId xmlns:p14="http://schemas.microsoft.com/office/powerpoint/2010/main" val="1186793850"/>
+        <p14:creationId xmlns:p14="http://schemas.microsoft.com/office/powerpoint/2010/main" val="21205429"/>
       </p:ext>
     </p:extLst>
   </p:cSld>
@@ -3495,45 +4254,992 @@
           <a:p>
             <a:r>
               <a:rPr lang="ru-RU" dirty="0" smtClean="0"/>
-              <a:t>Функциональная модель процесса обработки маршрута</a:t>
+              <a:t>Применение фильтра </a:t>
+            </a:r>
+            <a:r>
+              <a:rPr lang="ru-RU" dirty="0" err="1" smtClean="0"/>
+              <a:t>Калмана</a:t>
             </a:r>
             <a:endParaRPr lang="ru-RU" dirty="0"/>
           </a:p>
         </p:txBody>
       </p:sp>
-      <p:pic>
-        <p:nvPicPr>
-          <p:cNvPr id="5" name="Объект 4"/>
-          <p:cNvPicPr>
-            <a:picLocks noGrp="1" noChangeAspect="1"/>
-          </p:cNvPicPr>
-          <p:nvPr>
-            <p:ph idx="1"/>
-          </p:nvPr>
-        </p:nvPicPr>
-        <p:blipFill>
-          <a:blip r:embed="rId2">
-            <a:extLst>
-              <a:ext uri="{28A0092B-C50C-407E-A947-70E740481C1C}">
-                <a14:useLocalDpi xmlns:a14="http://schemas.microsoft.com/office/drawing/2010/main" val="0"/>
-              </a:ext>
-            </a:extLst>
-          </a:blip>
-          <a:stretch>
-            <a:fillRect/>
-          </a:stretch>
-        </p:blipFill>
-        <p:spPr>
-          <a:xfrm>
-            <a:off x="838200" y="2263699"/>
-            <a:ext cx="10515600" cy="3475189"/>
-          </a:xfrm>
-        </p:spPr>
-      </p:pic>
+      <mc:AlternateContent xmlns:mc="http://schemas.openxmlformats.org/markup-compatibility/2006">
+        <mc:Choice xmlns:a14="http://schemas.microsoft.com/office/drawing/2010/main" Requires="a14">
+          <p:sp>
+            <p:nvSpPr>
+              <p:cNvPr id="3" name="Объект 2"/>
+              <p:cNvSpPr>
+                <a:spLocks noGrp="1"/>
+              </p:cNvSpPr>
+              <p:nvPr>
+                <p:ph idx="1"/>
+              </p:nvPr>
+            </p:nvSpPr>
+            <p:spPr>
+              <a:xfrm>
+                <a:off x="838200" y="1690688"/>
+                <a:ext cx="10515600" cy="4351338"/>
+              </a:xfrm>
+            </p:spPr>
+            <p:txBody>
+              <a:bodyPr>
+                <a:normAutofit fontScale="92500"/>
+              </a:bodyPr>
+              <a:lstStyle/>
+              <a:p>
+                <a:pPr marL="0" indent="0">
+                  <a:buNone/>
+                </a:pPr>
+                <a:r>
+                  <a:rPr lang="ru-RU" dirty="0" smtClean="0"/>
+                  <a:t>Результатом каждой итерации фильтра </a:t>
+                </a:r>
+                <a:r>
+                  <a:rPr lang="ru-RU" dirty="0" err="1" smtClean="0"/>
+                  <a:t>Калмана</a:t>
+                </a:r>
+                <a:r>
+                  <a:rPr lang="ru-RU" dirty="0" smtClean="0"/>
+                  <a:t> является уточненное состояние объекта.</a:t>
+                </a:r>
+              </a:p>
+              <a:p>
+                <a:pPr marL="0" indent="0">
+                  <a:buNone/>
+                </a:pPr>
+                <a:r>
+                  <a:rPr lang="ru-RU" dirty="0" smtClean="0"/>
+                  <a:t>Итерация состоит из двух этапов:</a:t>
+                </a:r>
+              </a:p>
+              <a:p>
+                <a:r>
+                  <a:rPr lang="ru-RU" dirty="0" smtClean="0"/>
+                  <a:t>Экстраполяция</a:t>
+                </a:r>
+              </a:p>
+              <a:p>
+                <a:pPr marL="0" indent="0">
+                  <a:buNone/>
+                </a:pPr>
+                <a14:m>
+                  <m:oMathPara xmlns:m="http://schemas.openxmlformats.org/officeDocument/2006/math">
+                    <m:oMathParaPr>
+                      <m:jc m:val="centerGroup"/>
+                    </m:oMathParaPr>
+                    <m:oMath xmlns:m="http://schemas.openxmlformats.org/officeDocument/2006/math">
+                      <m:sSub>
+                        <m:sSubPr>
+                          <m:ctrlPr>
+                            <a:rPr lang="ru-RU" i="1">
+                              <a:latin typeface="Cambria Math" panose="02040503050406030204" pitchFamily="18" charset="0"/>
+                            </a:rPr>
+                          </m:ctrlPr>
+                        </m:sSubPr>
+                        <m:e>
+                          <m:acc>
+                            <m:accPr>
+                              <m:chr m:val="̂"/>
+                              <m:ctrlPr>
+                                <a:rPr lang="ru-RU" i="1">
+                                  <a:latin typeface="Cambria Math" panose="02040503050406030204" pitchFamily="18" charset="0"/>
+                                </a:rPr>
+                              </m:ctrlPr>
+                            </m:accPr>
+                            <m:e>
+                              <m:r>
+                                <a:rPr lang="ru-RU">
+                                  <a:latin typeface="Cambria Math" panose="02040503050406030204" pitchFamily="18" charset="0"/>
+                                </a:rPr>
+                                <m:t>𝑠</m:t>
+                              </m:r>
+                            </m:e>
+                          </m:acc>
+                        </m:e>
+                        <m:sub>
+                          <m:acc>
+                            <m:accPr>
+                              <m:chr m:val="̃"/>
+                              <m:ctrlPr>
+                                <a:rPr lang="ru-RU" i="1">
+                                  <a:latin typeface="Cambria Math" panose="02040503050406030204" pitchFamily="18" charset="0"/>
+                                </a:rPr>
+                              </m:ctrlPr>
+                            </m:accPr>
+                            <m:e>
+                              <m:r>
+                                <a:rPr lang="ru-RU">
+                                  <a:latin typeface="Cambria Math" panose="02040503050406030204" pitchFamily="18" charset="0"/>
+                                </a:rPr>
+                                <m:t>𝑘</m:t>
+                              </m:r>
+                            </m:e>
+                          </m:acc>
+                        </m:sub>
+                      </m:sSub>
+                      <m:r>
+                        <a:rPr lang="ru-RU" baseline="-25000">
+                          <a:latin typeface="Cambria Math" panose="02040503050406030204" pitchFamily="18" charset="0"/>
+                        </a:rPr>
+                        <m:t> </m:t>
+                      </m:r>
+                      <m:r>
+                        <a:rPr lang="ru-RU">
+                          <a:latin typeface="Cambria Math" panose="02040503050406030204" pitchFamily="18" charset="0"/>
+                        </a:rPr>
+                        <m:t>=</m:t>
+                      </m:r>
+                      <m:sSub>
+                        <m:sSubPr>
+                          <m:ctrlPr>
+                            <a:rPr lang="ru-RU" i="1">
+                              <a:latin typeface="Cambria Math" panose="02040503050406030204" pitchFamily="18" charset="0"/>
+                            </a:rPr>
+                          </m:ctrlPr>
+                        </m:sSubPr>
+                        <m:e>
+                          <m:r>
+                            <a:rPr lang="ru-RU">
+                              <a:latin typeface="Cambria Math" panose="02040503050406030204" pitchFamily="18" charset="0"/>
+                            </a:rPr>
+                            <m:t>𝐴</m:t>
+                          </m:r>
+                        </m:e>
+                        <m:sub>
+                          <m:r>
+                            <a:rPr lang="ru-RU">
+                              <a:latin typeface="Cambria Math" panose="02040503050406030204" pitchFamily="18" charset="0"/>
+                            </a:rPr>
+                            <m:t>𝑘</m:t>
+                          </m:r>
+                        </m:sub>
+                      </m:sSub>
+                      <m:r>
+                        <a:rPr lang="ru-RU">
+                          <a:latin typeface="Cambria Math" panose="02040503050406030204" pitchFamily="18" charset="0"/>
+                        </a:rPr>
+                        <m:t> </m:t>
+                      </m:r>
+                      <m:sSub>
+                        <m:sSubPr>
+                          <m:ctrlPr>
+                            <a:rPr lang="ru-RU" i="1">
+                              <a:latin typeface="Cambria Math" panose="02040503050406030204" pitchFamily="18" charset="0"/>
+                            </a:rPr>
+                          </m:ctrlPr>
+                        </m:sSubPr>
+                        <m:e>
+                          <m:acc>
+                            <m:accPr>
+                              <m:chr m:val="̂"/>
+                              <m:ctrlPr>
+                                <a:rPr lang="ru-RU" i="1">
+                                  <a:latin typeface="Cambria Math" panose="02040503050406030204" pitchFamily="18" charset="0"/>
+                                </a:rPr>
+                              </m:ctrlPr>
+                            </m:accPr>
+                            <m:e>
+                              <m:r>
+                                <a:rPr lang="ru-RU">
+                                  <a:latin typeface="Cambria Math" panose="02040503050406030204" pitchFamily="18" charset="0"/>
+                                </a:rPr>
+                                <m:t>𝑠</m:t>
+                              </m:r>
+                            </m:e>
+                          </m:acc>
+                        </m:e>
+                        <m:sub>
+                          <m:r>
+                            <a:rPr lang="ru-RU">
+                              <a:latin typeface="Cambria Math" panose="02040503050406030204" pitchFamily="18" charset="0"/>
+                            </a:rPr>
+                            <m:t>𝑘</m:t>
+                          </m:r>
+                          <m:r>
+                            <a:rPr lang="ru-RU">
+                              <a:latin typeface="Cambria Math" panose="02040503050406030204" pitchFamily="18" charset="0"/>
+                            </a:rPr>
+                            <m:t>−1</m:t>
+                          </m:r>
+                        </m:sub>
+                      </m:sSub>
+                      <m:r>
+                        <a:rPr lang="en-US">
+                          <a:latin typeface="Cambria Math" panose="02040503050406030204" pitchFamily="18" charset="0"/>
+                        </a:rPr>
+                        <m:t>,</m:t>
+                      </m:r>
+                    </m:oMath>
+                  </m:oMathPara>
+                </a14:m>
+                <a:endParaRPr lang="ru-RU" dirty="0">
+                  <a:solidFill>
+                    <a:srgbClr val="000000"/>
+                  </a:solidFill>
+                  <a:latin typeface="Times New Roman" panose="02020603050405020304" pitchFamily="18" charset="0"/>
+                  <a:ea typeface="Times New Roman" panose="02020603050405020304" pitchFamily="18" charset="0"/>
+                </a:endParaRPr>
+              </a:p>
+              <a:p>
+                <a:pPr marL="0" indent="0">
+                  <a:buNone/>
+                </a:pPr>
+                <a14:m>
+                  <m:oMathPara xmlns:m="http://schemas.openxmlformats.org/officeDocument/2006/math">
+                    <m:oMathParaPr>
+                      <m:jc m:val="centerGroup"/>
+                    </m:oMathParaPr>
+                    <m:oMath xmlns:m="http://schemas.openxmlformats.org/officeDocument/2006/math">
+                      <m:sSub>
+                        <m:sSubPr>
+                          <m:ctrlPr>
+                            <a:rPr lang="ru-RU" i="1">
+                              <a:latin typeface="Cambria Math" panose="02040503050406030204" pitchFamily="18" charset="0"/>
+                            </a:rPr>
+                          </m:ctrlPr>
+                        </m:sSubPr>
+                        <m:e>
+                          <m:r>
+                            <a:rPr lang="ru-RU">
+                              <a:latin typeface="Cambria Math" panose="02040503050406030204" pitchFamily="18" charset="0"/>
+                            </a:rPr>
+                            <m:t>𝑃</m:t>
+                          </m:r>
+                        </m:e>
+                        <m:sub>
+                          <m:acc>
+                            <m:accPr>
+                              <m:chr m:val="̃"/>
+                              <m:ctrlPr>
+                                <a:rPr lang="ru-RU" i="1">
+                                  <a:latin typeface="Cambria Math" panose="02040503050406030204" pitchFamily="18" charset="0"/>
+                                </a:rPr>
+                              </m:ctrlPr>
+                            </m:accPr>
+                            <m:e>
+                              <m:r>
+                                <a:rPr lang="ru-RU">
+                                  <a:latin typeface="Cambria Math" panose="02040503050406030204" pitchFamily="18" charset="0"/>
+                                </a:rPr>
+                                <m:t>𝑘</m:t>
+                              </m:r>
+                            </m:e>
+                          </m:acc>
+                        </m:sub>
+                      </m:sSub>
+                      <m:r>
+                        <a:rPr lang="ru-RU">
+                          <a:latin typeface="Cambria Math" panose="02040503050406030204" pitchFamily="18" charset="0"/>
+                        </a:rPr>
+                        <m:t> =</m:t>
+                      </m:r>
+                      <m:sSub>
+                        <m:sSubPr>
+                          <m:ctrlPr>
+                            <a:rPr lang="ru-RU" i="1">
+                              <a:latin typeface="Cambria Math" panose="02040503050406030204" pitchFamily="18" charset="0"/>
+                            </a:rPr>
+                          </m:ctrlPr>
+                        </m:sSubPr>
+                        <m:e>
+                          <m:sSub>
+                            <m:sSubPr>
+                              <m:ctrlPr>
+                                <a:rPr lang="ru-RU" i="1">
+                                  <a:latin typeface="Cambria Math" panose="02040503050406030204" pitchFamily="18" charset="0"/>
+                                </a:rPr>
+                              </m:ctrlPr>
+                            </m:sSubPr>
+                            <m:e>
+                              <m:r>
+                                <a:rPr lang="ru-RU">
+                                  <a:latin typeface="Cambria Math" panose="02040503050406030204" pitchFamily="18" charset="0"/>
+                                </a:rPr>
+                                <m:t>𝐴</m:t>
+                              </m:r>
+                            </m:e>
+                            <m:sub>
+                              <m:r>
+                                <a:rPr lang="ru-RU">
+                                  <a:latin typeface="Cambria Math" panose="02040503050406030204" pitchFamily="18" charset="0"/>
+                                </a:rPr>
+                                <m:t>𝑘</m:t>
+                              </m:r>
+                            </m:sub>
+                          </m:sSub>
+                          <m:r>
+                            <a:rPr lang="ru-RU">
+                              <a:latin typeface="Cambria Math" panose="02040503050406030204" pitchFamily="18" charset="0"/>
+                            </a:rPr>
+                            <m:t>𝑃</m:t>
+                          </m:r>
+                        </m:e>
+                        <m:sub>
+                          <m:r>
+                            <a:rPr lang="ru-RU">
+                              <a:latin typeface="Cambria Math" panose="02040503050406030204" pitchFamily="18" charset="0"/>
+                            </a:rPr>
+                            <m:t>𝑘</m:t>
+                          </m:r>
+                          <m:r>
+                            <a:rPr lang="ru-RU">
+                              <a:latin typeface="Cambria Math" panose="02040503050406030204" pitchFamily="18" charset="0"/>
+                            </a:rPr>
+                            <m:t>−1</m:t>
+                          </m:r>
+                        </m:sub>
+                      </m:sSub>
+                      <m:sSup>
+                        <m:sSupPr>
+                          <m:ctrlPr>
+                            <a:rPr lang="ru-RU" i="1">
+                              <a:latin typeface="Cambria Math" panose="02040503050406030204" pitchFamily="18" charset="0"/>
+                            </a:rPr>
+                          </m:ctrlPr>
+                        </m:sSupPr>
+                        <m:e>
+                          <m:sSub>
+                            <m:sSubPr>
+                              <m:ctrlPr>
+                                <a:rPr lang="ru-RU" i="1">
+                                  <a:latin typeface="Cambria Math" panose="02040503050406030204" pitchFamily="18" charset="0"/>
+                                </a:rPr>
+                              </m:ctrlPr>
+                            </m:sSubPr>
+                            <m:e>
+                              <m:r>
+                                <a:rPr lang="ru-RU">
+                                  <a:latin typeface="Cambria Math" panose="02040503050406030204" pitchFamily="18" charset="0"/>
+                                </a:rPr>
+                                <m:t>𝐴</m:t>
+                              </m:r>
+                            </m:e>
+                            <m:sub>
+                              <m:r>
+                                <a:rPr lang="ru-RU">
+                                  <a:latin typeface="Cambria Math" panose="02040503050406030204" pitchFamily="18" charset="0"/>
+                                </a:rPr>
+                                <m:t>𝑘</m:t>
+                              </m:r>
+                            </m:sub>
+                          </m:sSub>
+                        </m:e>
+                        <m:sup>
+                          <m:r>
+                            <a:rPr lang="ru-RU">
+                              <a:latin typeface="Cambria Math" panose="02040503050406030204" pitchFamily="18" charset="0"/>
+                            </a:rPr>
+                            <m:t>𝑇</m:t>
+                          </m:r>
+                        </m:sup>
+                      </m:sSup>
+                      <m:r>
+                        <a:rPr lang="ru-RU">
+                          <a:latin typeface="Cambria Math" panose="02040503050406030204" pitchFamily="18" charset="0"/>
+                        </a:rPr>
+                        <m:t>+</m:t>
+                      </m:r>
+                      <m:sSub>
+                        <m:sSubPr>
+                          <m:ctrlPr>
+                            <a:rPr lang="ru-RU" i="1">
+                              <a:latin typeface="Cambria Math" panose="02040503050406030204" pitchFamily="18" charset="0"/>
+                            </a:rPr>
+                          </m:ctrlPr>
+                        </m:sSubPr>
+                        <m:e>
+                          <m:r>
+                            <a:rPr lang="ru-RU">
+                              <a:latin typeface="Cambria Math" panose="02040503050406030204" pitchFamily="18" charset="0"/>
+                            </a:rPr>
+                            <m:t>𝑄</m:t>
+                          </m:r>
+                        </m:e>
+                        <m:sub>
+                          <m:r>
+                            <a:rPr lang="ru-RU">
+                              <a:latin typeface="Cambria Math" panose="02040503050406030204" pitchFamily="18" charset="0"/>
+                            </a:rPr>
+                            <m:t>𝑘</m:t>
+                          </m:r>
+                        </m:sub>
+                      </m:sSub>
+                    </m:oMath>
+                  </m:oMathPara>
+                </a14:m>
+                <a:endParaRPr lang="ru-RU" dirty="0" smtClean="0">
+                  <a:latin typeface="Times New Roman" panose="02020603050405020304" pitchFamily="18" charset="0"/>
+                </a:endParaRPr>
+              </a:p>
+              <a:p>
+                <a:r>
+                  <a:rPr lang="ru-RU" dirty="0" smtClean="0">
+                    <a:solidFill>
+                      <a:srgbClr val="000000"/>
+                    </a:solidFill>
+                    <a:latin typeface="Times New Roman" panose="02020603050405020304" pitchFamily="18" charset="0"/>
+                    <a:ea typeface="Times New Roman" panose="02020603050405020304" pitchFamily="18" charset="0"/>
+                  </a:rPr>
+                  <a:t>Коррекция</a:t>
+                </a:r>
+                <a:endParaRPr lang="en-US" dirty="0" smtClean="0">
+                  <a:solidFill>
+                    <a:srgbClr val="000000"/>
+                  </a:solidFill>
+                  <a:latin typeface="Times New Roman" panose="02020603050405020304" pitchFamily="18" charset="0"/>
+                  <a:ea typeface="Times New Roman" panose="02020603050405020304" pitchFamily="18" charset="0"/>
+                </a:endParaRPr>
+              </a:p>
+              <a:p>
+                <a:pPr marL="0" indent="0">
+                  <a:buNone/>
+                </a:pPr>
+                <a14:m>
+                  <m:oMathPara xmlns:m="http://schemas.openxmlformats.org/officeDocument/2006/math">
+                    <m:oMathParaPr>
+                      <m:jc m:val="centerGroup"/>
+                    </m:oMathParaPr>
+                    <m:oMath xmlns:m="http://schemas.openxmlformats.org/officeDocument/2006/math">
+                      <m:sSub>
+                        <m:sSubPr>
+                          <m:ctrlPr>
+                            <a:rPr lang="ru-RU" i="1"/>
+                          </m:ctrlPr>
+                        </m:sSubPr>
+                        <m:e>
+                          <m:r>
+                            <a:rPr lang="ru-RU" i="1"/>
+                            <m:t>𝐾</m:t>
+                          </m:r>
+                        </m:e>
+                        <m:sub>
+                          <m:r>
+                            <a:rPr lang="ru-RU" i="1"/>
+                            <m:t>𝑘</m:t>
+                          </m:r>
+                        </m:sub>
+                      </m:sSub>
+                      <m:r>
+                        <a:rPr lang="ru-RU" i="1"/>
+                        <m:t>=</m:t>
+                      </m:r>
+                      <m:sSub>
+                        <m:sSubPr>
+                          <m:ctrlPr>
+                            <a:rPr lang="ru-RU" i="1"/>
+                          </m:ctrlPr>
+                        </m:sSubPr>
+                        <m:e>
+                          <m:r>
+                            <a:rPr lang="ru-RU" i="1"/>
+                            <m:t>𝑃</m:t>
+                          </m:r>
+                        </m:e>
+                        <m:sub>
+                          <m:acc>
+                            <m:accPr>
+                              <m:chr m:val="̃"/>
+                              <m:ctrlPr>
+                                <a:rPr lang="ru-RU" i="1"/>
+                              </m:ctrlPr>
+                            </m:accPr>
+                            <m:e>
+                              <m:r>
+                                <a:rPr lang="ru-RU" i="1"/>
+                                <m:t>𝑘</m:t>
+                              </m:r>
+                            </m:e>
+                          </m:acc>
+                        </m:sub>
+                      </m:sSub>
+                      <m:sSup>
+                        <m:sSupPr>
+                          <m:ctrlPr>
+                            <a:rPr lang="ru-RU" i="1"/>
+                          </m:ctrlPr>
+                        </m:sSupPr>
+                        <m:e>
+                          <m:r>
+                            <a:rPr lang="ru-RU" i="1"/>
+                            <m:t>𝐻</m:t>
+                          </m:r>
+                        </m:e>
+                        <m:sup>
+                          <m:r>
+                            <a:rPr lang="ru-RU" i="1"/>
+                            <m:t>𝑇</m:t>
+                          </m:r>
+                        </m:sup>
+                      </m:sSup>
+                      <m:sSup>
+                        <m:sSupPr>
+                          <m:ctrlPr>
+                            <a:rPr lang="ru-RU" i="1"/>
+                          </m:ctrlPr>
+                        </m:sSupPr>
+                        <m:e>
+                          <m:r>
+                            <a:rPr lang="ru-RU" i="1"/>
+                            <m:t>(</m:t>
+                          </m:r>
+                          <m:r>
+                            <a:rPr lang="ru-RU" i="1"/>
+                            <m:t>𝐻</m:t>
+                          </m:r>
+                          <m:sSub>
+                            <m:sSubPr>
+                              <m:ctrlPr>
+                                <a:rPr lang="ru-RU" i="1"/>
+                              </m:ctrlPr>
+                            </m:sSubPr>
+                            <m:e>
+                              <m:r>
+                                <a:rPr lang="ru-RU" i="1"/>
+                                <m:t>𝑃</m:t>
+                              </m:r>
+                            </m:e>
+                            <m:sub>
+                              <m:acc>
+                                <m:accPr>
+                                  <m:chr m:val="̃"/>
+                                  <m:ctrlPr>
+                                    <a:rPr lang="ru-RU" i="1"/>
+                                  </m:ctrlPr>
+                                </m:accPr>
+                                <m:e>
+                                  <m:r>
+                                    <a:rPr lang="ru-RU" i="1"/>
+                                    <m:t>𝑘</m:t>
+                                  </m:r>
+                                </m:e>
+                              </m:acc>
+                            </m:sub>
+                          </m:sSub>
+                          <m:sSup>
+                            <m:sSupPr>
+                              <m:ctrlPr>
+                                <a:rPr lang="ru-RU" i="1"/>
+                              </m:ctrlPr>
+                            </m:sSupPr>
+                            <m:e>
+                              <m:r>
+                                <a:rPr lang="ru-RU" i="1"/>
+                                <m:t>𝐻</m:t>
+                              </m:r>
+                            </m:e>
+                            <m:sup>
+                              <m:r>
+                                <a:rPr lang="ru-RU" i="1"/>
+                                <m:t>𝑇</m:t>
+                              </m:r>
+                            </m:sup>
+                          </m:sSup>
+                          <m:r>
+                            <a:rPr lang="ru-RU" i="1"/>
+                            <m:t>+</m:t>
+                          </m:r>
+                          <m:r>
+                            <a:rPr lang="ru-RU" i="1"/>
+                            <m:t>𝑅</m:t>
+                          </m:r>
+                          <m:r>
+                            <a:rPr lang="ru-RU" i="1"/>
+                            <m:t>)</m:t>
+                          </m:r>
+                        </m:e>
+                        <m:sup>
+                          <m:r>
+                            <a:rPr lang="ru-RU" i="1"/>
+                            <m:t>−1</m:t>
+                          </m:r>
+                        </m:sup>
+                      </m:sSup>
+                    </m:oMath>
+                  </m:oMathPara>
+                </a14:m>
+                <a:endParaRPr lang="en-US" dirty="0" smtClean="0">
+                  <a:solidFill>
+                    <a:srgbClr val="000000"/>
+                  </a:solidFill>
+                  <a:latin typeface="Times New Roman" panose="02020603050405020304" pitchFamily="18" charset="0"/>
+                  <a:ea typeface="Times New Roman" panose="02020603050405020304" pitchFamily="18" charset="0"/>
+                </a:endParaRPr>
+              </a:p>
+              <a:p>
+                <a:pPr marL="0" indent="0">
+                  <a:buNone/>
+                </a:pPr>
+                <a14:m>
+                  <m:oMathPara xmlns:m="http://schemas.openxmlformats.org/officeDocument/2006/math">
+                    <m:oMathParaPr>
+                      <m:jc m:val="centerGroup"/>
+                    </m:oMathParaPr>
+                    <m:oMath xmlns:m="http://schemas.openxmlformats.org/officeDocument/2006/math">
+                      <m:sSub>
+                        <m:sSubPr>
+                          <m:ctrlPr>
+                            <a:rPr lang="ru-RU" i="1"/>
+                          </m:ctrlPr>
+                        </m:sSubPr>
+                        <m:e>
+                          <m:acc>
+                            <m:accPr>
+                              <m:chr m:val="̂"/>
+                              <m:ctrlPr>
+                                <a:rPr lang="ru-RU" i="1"/>
+                              </m:ctrlPr>
+                            </m:accPr>
+                            <m:e>
+                              <m:r>
+                                <a:rPr lang="ru-RU" i="1"/>
+                                <m:t>𝑠</m:t>
+                              </m:r>
+                            </m:e>
+                          </m:acc>
+                        </m:e>
+                        <m:sub>
+                          <m:r>
+                            <a:rPr lang="ru-RU" i="1"/>
+                            <m:t>𝑘</m:t>
+                          </m:r>
+                        </m:sub>
+                      </m:sSub>
+                      <m:r>
+                        <a:rPr lang="ru-RU" i="1" baseline="-25000"/>
+                        <m:t> </m:t>
+                      </m:r>
+                      <m:r>
+                        <a:rPr lang="ru-RU" i="1"/>
+                        <m:t>=</m:t>
+                      </m:r>
+                      <m:sSub>
+                        <m:sSubPr>
+                          <m:ctrlPr>
+                            <a:rPr lang="ru-RU" i="1"/>
+                          </m:ctrlPr>
+                        </m:sSubPr>
+                        <m:e>
+                          <m:acc>
+                            <m:accPr>
+                              <m:chr m:val="̂"/>
+                              <m:ctrlPr>
+                                <a:rPr lang="ru-RU" i="1"/>
+                              </m:ctrlPr>
+                            </m:accPr>
+                            <m:e>
+                              <m:r>
+                                <a:rPr lang="ru-RU" i="1"/>
+                                <m:t>𝑠</m:t>
+                              </m:r>
+                            </m:e>
+                          </m:acc>
+                        </m:e>
+                        <m:sub>
+                          <m:acc>
+                            <m:accPr>
+                              <m:chr m:val="̃"/>
+                              <m:ctrlPr>
+                                <a:rPr lang="ru-RU" i="1"/>
+                              </m:ctrlPr>
+                            </m:accPr>
+                            <m:e>
+                              <m:r>
+                                <a:rPr lang="ru-RU" i="1"/>
+                                <m:t>𝑘</m:t>
+                              </m:r>
+                            </m:e>
+                          </m:acc>
+                        </m:sub>
+                      </m:sSub>
+                      <m:r>
+                        <a:rPr lang="ru-RU"/>
+                        <m:t>+</m:t>
+                      </m:r>
+                      <m:sSub>
+                        <m:sSubPr>
+                          <m:ctrlPr>
+                            <a:rPr lang="ru-RU" i="1"/>
+                          </m:ctrlPr>
+                        </m:sSubPr>
+                        <m:e>
+                          <m:r>
+                            <a:rPr lang="ru-RU" i="1"/>
+                            <m:t>𝐾</m:t>
+                          </m:r>
+                        </m:e>
+                        <m:sub>
+                          <m:r>
+                            <a:rPr lang="ru-RU" i="1"/>
+                            <m:t>𝑘</m:t>
+                          </m:r>
+                        </m:sub>
+                      </m:sSub>
+                      <m:d>
+                        <m:dPr>
+                          <m:ctrlPr>
+                            <a:rPr lang="ru-RU" i="1"/>
+                          </m:ctrlPr>
+                        </m:dPr>
+                        <m:e>
+                          <m:sSub>
+                            <m:sSubPr>
+                              <m:ctrlPr>
+                                <a:rPr lang="ru-RU" i="1"/>
+                              </m:ctrlPr>
+                            </m:sSubPr>
+                            <m:e>
+                              <m:r>
+                                <a:rPr lang="ru-RU" i="1"/>
+                                <m:t>𝑧</m:t>
+                              </m:r>
+                            </m:e>
+                            <m:sub>
+                              <m:r>
+                                <a:rPr lang="ru-RU" i="1"/>
+                                <m:t>𝑘</m:t>
+                              </m:r>
+                            </m:sub>
+                          </m:sSub>
+                          <m:r>
+                            <a:rPr lang="ru-RU" i="1"/>
+                            <m:t>−</m:t>
+                          </m:r>
+                          <m:r>
+                            <a:rPr lang="ru-RU" i="1"/>
+                            <m:t>𝐻</m:t>
+                          </m:r>
+                          <m:sSub>
+                            <m:sSubPr>
+                              <m:ctrlPr>
+                                <a:rPr lang="ru-RU" i="1"/>
+                              </m:ctrlPr>
+                            </m:sSubPr>
+                            <m:e>
+                              <m:acc>
+                                <m:accPr>
+                                  <m:chr m:val="̂"/>
+                                  <m:ctrlPr>
+                                    <a:rPr lang="ru-RU" i="1"/>
+                                  </m:ctrlPr>
+                                </m:accPr>
+                                <m:e>
+                                  <m:r>
+                                    <a:rPr lang="ru-RU" i="1"/>
+                                    <m:t>𝑠</m:t>
+                                  </m:r>
+                                </m:e>
+                              </m:acc>
+                            </m:e>
+                            <m:sub>
+                              <m:acc>
+                                <m:accPr>
+                                  <m:chr m:val="̃"/>
+                                  <m:ctrlPr>
+                                    <a:rPr lang="ru-RU" i="1"/>
+                                  </m:ctrlPr>
+                                </m:accPr>
+                                <m:e>
+                                  <m:r>
+                                    <a:rPr lang="ru-RU" i="1"/>
+                                    <m:t>𝑘</m:t>
+                                  </m:r>
+                                </m:e>
+                              </m:acc>
+                            </m:sub>
+                          </m:sSub>
+                        </m:e>
+                      </m:d>
+                      <m:r>
+                        <a:rPr lang="ru-RU" i="1"/>
+                        <m:t>,</m:t>
+                      </m:r>
+                    </m:oMath>
+                  </m:oMathPara>
+                </a14:m>
+                <a:endParaRPr lang="en-US" dirty="0" smtClean="0">
+                  <a:solidFill>
+                    <a:srgbClr val="000000"/>
+                  </a:solidFill>
+                  <a:latin typeface="Times New Roman" panose="02020603050405020304" pitchFamily="18" charset="0"/>
+                  <a:ea typeface="Times New Roman" panose="02020603050405020304" pitchFamily="18" charset="0"/>
+                </a:endParaRPr>
+              </a:p>
+              <a:p>
+                <a:pPr marL="0" indent="0">
+                  <a:buNone/>
+                </a:pPr>
+                <a14:m>
+                  <m:oMathPara xmlns:m="http://schemas.openxmlformats.org/officeDocument/2006/math">
+                    <m:oMathParaPr>
+                      <m:jc m:val="centerGroup"/>
+                    </m:oMathParaPr>
+                    <m:oMath xmlns:m="http://schemas.openxmlformats.org/officeDocument/2006/math">
+                      <m:sSub>
+                        <m:sSubPr>
+                          <m:ctrlPr>
+                            <a:rPr lang="ru-RU" i="1"/>
+                          </m:ctrlPr>
+                        </m:sSubPr>
+                        <m:e>
+                          <m:r>
+                            <a:rPr lang="ru-RU" i="1"/>
+                            <m:t>𝑃</m:t>
+                          </m:r>
+                        </m:e>
+                        <m:sub>
+                          <m:r>
+                            <a:rPr lang="ru-RU" i="1"/>
+                            <m:t>𝑘</m:t>
+                          </m:r>
+                        </m:sub>
+                      </m:sSub>
+                      <m:r>
+                        <a:rPr lang="ru-RU"/>
+                        <m:t> </m:t>
+                      </m:r>
+                      <m:r>
+                        <a:rPr lang="ru-RU" i="1"/>
+                        <m:t>=</m:t>
+                      </m:r>
+                      <m:sSub>
+                        <m:sSubPr>
+                          <m:ctrlPr>
+                            <a:rPr lang="ru-RU" i="1"/>
+                          </m:ctrlPr>
+                        </m:sSubPr>
+                        <m:e>
+                          <m:r>
+                            <a:rPr lang="ru-RU" i="1"/>
+                            <m:t>(</m:t>
+                          </m:r>
+                          <m:r>
+                            <a:rPr lang="ru-RU" i="1"/>
+                            <m:t>𝐼</m:t>
+                          </m:r>
+                          <m:r>
+                            <a:rPr lang="ru-RU" i="1"/>
+                            <m:t>−</m:t>
+                          </m:r>
+                          <m:sSub>
+                            <m:sSubPr>
+                              <m:ctrlPr>
+                                <a:rPr lang="ru-RU" i="1"/>
+                              </m:ctrlPr>
+                            </m:sSubPr>
+                            <m:e>
+                              <m:r>
+                                <a:rPr lang="ru-RU" i="1"/>
+                                <m:t>𝐾</m:t>
+                              </m:r>
+                            </m:e>
+                            <m:sub>
+                              <m:r>
+                                <a:rPr lang="ru-RU" i="1"/>
+                                <m:t>𝑘</m:t>
+                              </m:r>
+                            </m:sub>
+                          </m:sSub>
+                          <m:r>
+                            <a:rPr lang="ru-RU" i="1"/>
+                            <m:t>𝐻</m:t>
+                          </m:r>
+                          <m:r>
+                            <a:rPr lang="ru-RU" i="1"/>
+                            <m:t>)</m:t>
+                          </m:r>
+                          <m:r>
+                            <a:rPr lang="ru-RU" i="1"/>
+                            <m:t>𝑃</m:t>
+                          </m:r>
+                        </m:e>
+                        <m:sub>
+                          <m:acc>
+                            <m:accPr>
+                              <m:chr m:val="̃"/>
+                              <m:ctrlPr>
+                                <a:rPr lang="ru-RU" i="1"/>
+                              </m:ctrlPr>
+                            </m:accPr>
+                            <m:e>
+                              <m:r>
+                                <a:rPr lang="ru-RU" i="1"/>
+                                <m:t>𝑘</m:t>
+                              </m:r>
+                            </m:e>
+                          </m:acc>
+                        </m:sub>
+                      </m:sSub>
+                      <m:r>
+                        <a:rPr lang="en-US" i="1"/>
+                        <m:t>,</m:t>
+                      </m:r>
+                    </m:oMath>
+                  </m:oMathPara>
+                </a14:m>
+                <a:endParaRPr lang="ru-RU" dirty="0">
+                  <a:solidFill>
+                    <a:srgbClr val="000000"/>
+                  </a:solidFill>
+                  <a:latin typeface="Times New Roman" panose="02020603050405020304" pitchFamily="18" charset="0"/>
+                  <a:ea typeface="Times New Roman" panose="02020603050405020304" pitchFamily="18" charset="0"/>
+                </a:endParaRPr>
+              </a:p>
+              <a:p>
+                <a:endParaRPr lang="ru-RU" dirty="0" smtClean="0"/>
+              </a:p>
+              <a:p>
+                <a:pPr lvl="1"/>
+                <a:endParaRPr lang="ru-RU" dirty="0" smtClean="0"/>
+              </a:p>
+              <a:p>
+                <a:endParaRPr lang="ru-RU" dirty="0"/>
+              </a:p>
+            </p:txBody>
+          </p:sp>
+        </mc:Choice>
+        <mc:Fallback>
+          <p:sp>
+            <p:nvSpPr>
+              <p:cNvPr id="3" name="Объект 2"/>
+              <p:cNvSpPr>
+                <a:spLocks noGrp="1" noRot="1" noChangeAspect="1" noMove="1" noResize="1" noEditPoints="1" noAdjustHandles="1" noChangeArrowheads="1" noChangeShapeType="1" noTextEdit="1"/>
+              </p:cNvSpPr>
+              <p:nvPr>
+                <p:ph idx="1"/>
+              </p:nvPr>
+            </p:nvSpPr>
+            <p:spPr>
+              <a:xfrm>
+                <a:off x="838200" y="1690688"/>
+                <a:ext cx="10515600" cy="4351338"/>
+              </a:xfrm>
+              <a:blipFill rotWithShape="0">
+                <a:blip r:embed="rId2"/>
+                <a:stretch>
+                  <a:fillRect l="-1043" t="-2101" b="-140"/>
+                </a:stretch>
+              </a:blipFill>
+            </p:spPr>
+            <p:txBody>
+              <a:bodyPr/>
+              <a:lstStyle/>
+              <a:p>
+                <a:r>
+                  <a:rPr lang="ru-RU">
+                    <a:noFill/>
+                  </a:rPr>
+                  <a:t> </a:t>
+                </a:r>
+              </a:p>
+            </p:txBody>
+          </p:sp>
+        </mc:Fallback>
+      </mc:AlternateContent>
     </p:spTree>
     <p:extLst>
       <p:ext uri="{BB962C8B-B14F-4D97-AF65-F5344CB8AC3E}">
-        <p14:creationId xmlns:p14="http://schemas.microsoft.com/office/powerpoint/2010/main" val="2936390320"/>
+        <p14:creationId xmlns:p14="http://schemas.microsoft.com/office/powerpoint/2010/main" val="1877899217"/>
       </p:ext>
     </p:extLst>
   </p:cSld>
@@ -3577,7 +5283,7 @@
           <a:p>
             <a:r>
               <a:rPr lang="ru-RU" dirty="0" smtClean="0"/>
-              <a:t>Результат работы программы</a:t>
+              <a:t>Функциональная модель процесса обработки маршрута</a:t>
             </a:r>
             <a:endParaRPr lang="ru-RU" dirty="0"/>
           </a:p>
@@ -3585,7 +5291,7 @@
       </p:sp>
       <p:pic>
         <p:nvPicPr>
-          <p:cNvPr id="4" name="Объект 3"/>
+          <p:cNvPr id="5" name="Объект 4"/>
           <p:cNvPicPr>
             <a:picLocks noGrp="1" noChangeAspect="1"/>
           </p:cNvPicPr>
@@ -3607,45 +5313,15 @@
         </p:blipFill>
         <p:spPr>
           <a:xfrm>
-            <a:off x="838200" y="1416322"/>
-            <a:ext cx="9616456" cy="4351338"/>
+            <a:off x="1156454" y="1575661"/>
+            <a:ext cx="9879092" cy="4851266"/>
           </a:xfrm>
         </p:spPr>
       </p:pic>
-      <p:sp>
-        <p:nvSpPr>
-          <p:cNvPr id="7" name="TextBox 6"/>
-          <p:cNvSpPr txBox="1"/>
-          <p:nvPr/>
-        </p:nvSpPr>
-        <p:spPr>
-          <a:xfrm>
-            <a:off x="838200" y="5947954"/>
-            <a:ext cx="7281352" cy="369332"/>
-          </a:xfrm>
-          <a:prstGeom prst="rect">
-            <a:avLst/>
-          </a:prstGeom>
-          <a:noFill/>
-        </p:spPr>
-        <p:txBody>
-          <a:bodyPr wrap="none" rtlCol="0">
-            <a:spAutoFit/>
-          </a:bodyPr>
-          <a:lstStyle/>
-          <a:p>
-            <a:r>
-              <a:rPr lang="ru-RU" dirty="0" smtClean="0"/>
-              <a:t>Исходный маршрут изображен серым цветом, результат – фиолетовым.</a:t>
-            </a:r>
-            <a:endParaRPr lang="ru-RU" dirty="0"/>
-          </a:p>
-        </p:txBody>
-      </p:sp>
     </p:spTree>
     <p:extLst>
       <p:ext uri="{BB962C8B-B14F-4D97-AF65-F5344CB8AC3E}">
-        <p14:creationId xmlns:p14="http://schemas.microsoft.com/office/powerpoint/2010/main" val="279119818"/>
+        <p14:creationId xmlns:p14="http://schemas.microsoft.com/office/powerpoint/2010/main" val="2936390320"/>
       </p:ext>
     </p:extLst>
   </p:cSld>
@@ -3689,59 +5365,157 @@
           <a:p>
             <a:r>
               <a:rPr lang="ru-RU" dirty="0" smtClean="0"/>
-              <a:t>Выводы</a:t>
+              <a:t>Функциональная модель работы ПО</a:t>
             </a:r>
             <a:endParaRPr lang="ru-RU" dirty="0"/>
           </a:p>
         </p:txBody>
       </p:sp>
-      <p:sp>
-        <p:nvSpPr>
-          <p:cNvPr id="3" name="Объект 2"/>
-          <p:cNvSpPr>
-            <a:spLocks noGrp="1"/>
-          </p:cNvSpPr>
+      <p:pic>
+        <p:nvPicPr>
+          <p:cNvPr id="6" name="Объект 5"/>
+          <p:cNvPicPr>
+            <a:picLocks noGrp="1" noChangeAspect="1"/>
+          </p:cNvPicPr>
           <p:nvPr>
             <p:ph idx="1"/>
           </p:nvPr>
-        </p:nvSpPr>
-        <p:spPr/>
-        <p:txBody>
-          <a:bodyPr/>
-          <a:lstStyle/>
-          <a:p>
-            <a:r>
-              <a:rPr lang="ru-RU" dirty="0" smtClean="0"/>
-              <a:t>Проведен анализ предметной области и показана актуальность рассматриваемой задачи.</a:t>
-            </a:r>
-          </a:p>
-          <a:p>
-            <a:r>
-              <a:rPr lang="ru-RU" dirty="0" smtClean="0"/>
-              <a:t>Разработан алгоритм, устраняющий погрешности в последовательности </a:t>
-            </a:r>
-            <a:r>
-              <a:rPr lang="en-US" dirty="0" smtClean="0"/>
-              <a:t>GPS-</a:t>
-            </a:r>
-            <a:r>
-              <a:rPr lang="ru-RU" dirty="0" smtClean="0"/>
-              <a:t>координат.</a:t>
-            </a:r>
-          </a:p>
-          <a:p>
-            <a:r>
-              <a:rPr lang="ru-RU" dirty="0" smtClean="0"/>
-              <a:t>Разработано ПО, применяющее разработанный алгоритм для автоматической коррекции маршрутов.</a:t>
-            </a:r>
-            <a:endParaRPr lang="ru-RU" dirty="0"/>
-          </a:p>
-        </p:txBody>
-      </p:sp>
+        </p:nvPicPr>
+        <p:blipFill>
+          <a:blip r:embed="rId2">
+            <a:extLst>
+              <a:ext uri="{28A0092B-C50C-407E-A947-70E740481C1C}">
+                <a14:useLocalDpi xmlns:a14="http://schemas.microsoft.com/office/drawing/2010/main" val="0"/>
+              </a:ext>
+            </a:extLst>
+          </a:blip>
+          <a:stretch>
+            <a:fillRect/>
+          </a:stretch>
+        </p:blipFill>
+        <p:spPr>
+          <a:xfrm>
+            <a:off x="1736988" y="1612611"/>
+            <a:ext cx="8718024" cy="4529518"/>
+          </a:xfrm>
+        </p:spPr>
+      </p:pic>
     </p:spTree>
     <p:extLst>
       <p:ext uri="{BB962C8B-B14F-4D97-AF65-F5344CB8AC3E}">
-        <p14:creationId xmlns:p14="http://schemas.microsoft.com/office/powerpoint/2010/main" val="333013603"/>
+        <p14:creationId xmlns:p14="http://schemas.microsoft.com/office/powerpoint/2010/main" val="1186793850"/>
+      </p:ext>
+    </p:extLst>
+  </p:cSld>
+  <p:clrMapOvr>
+    <a:masterClrMapping/>
+  </p:clrMapOvr>
+</p:sld>
+</file>
+
+<file path=ppt/slides/slide9.xml><?xml version="1.0" encoding="utf-8"?>
+<p:sld xmlns:a="http://schemas.openxmlformats.org/drawingml/2006/main" xmlns:r="http://schemas.openxmlformats.org/officeDocument/2006/relationships" xmlns:p="http://schemas.openxmlformats.org/presentationml/2006/main">
+  <p:cSld>
+    <p:spTree>
+      <p:nvGrpSpPr>
+        <p:cNvPr id="1" name=""/>
+        <p:cNvGrpSpPr/>
+        <p:nvPr/>
+      </p:nvGrpSpPr>
+      <p:grpSpPr>
+        <a:xfrm>
+          <a:off x="0" y="0"/>
+          <a:ext cx="0" cy="0"/>
+          <a:chOff x="0" y="0"/>
+          <a:chExt cx="0" cy="0"/>
+        </a:xfrm>
+      </p:grpSpPr>
+      <p:sp>
+        <p:nvSpPr>
+          <p:cNvPr id="2" name="Заголовок 1"/>
+          <p:cNvSpPr>
+            <a:spLocks noGrp="1"/>
+          </p:cNvSpPr>
+          <p:nvPr>
+            <p:ph type="title"/>
+          </p:nvPr>
+        </p:nvSpPr>
+        <p:spPr/>
+        <p:txBody>
+          <a:bodyPr/>
+          <a:lstStyle/>
+          <a:p>
+            <a:r>
+              <a:rPr lang="ru-RU" dirty="0" smtClean="0"/>
+              <a:t>Результат работы программы</a:t>
+            </a:r>
+            <a:endParaRPr lang="ru-RU" dirty="0"/>
+          </a:p>
+        </p:txBody>
+      </p:sp>
+      <p:pic>
+        <p:nvPicPr>
+          <p:cNvPr id="4" name="Объект 3"/>
+          <p:cNvPicPr>
+            <a:picLocks noGrp="1" noChangeAspect="1"/>
+          </p:cNvPicPr>
+          <p:nvPr>
+            <p:ph idx="1"/>
+          </p:nvPr>
+        </p:nvPicPr>
+        <p:blipFill>
+          <a:blip r:embed="rId2">
+            <a:extLst>
+              <a:ext uri="{28A0092B-C50C-407E-A947-70E740481C1C}">
+                <a14:useLocalDpi xmlns:a14="http://schemas.microsoft.com/office/drawing/2010/main" val="0"/>
+              </a:ext>
+            </a:extLst>
+          </a:blip>
+          <a:stretch>
+            <a:fillRect/>
+          </a:stretch>
+        </p:blipFill>
+        <p:spPr>
+          <a:xfrm>
+            <a:off x="838200" y="1416322"/>
+            <a:ext cx="9616456" cy="4351338"/>
+          </a:xfrm>
+        </p:spPr>
+      </p:pic>
+      <p:sp>
+        <p:nvSpPr>
+          <p:cNvPr id="7" name="TextBox 6"/>
+          <p:cNvSpPr txBox="1"/>
+          <p:nvPr/>
+        </p:nvSpPr>
+        <p:spPr>
+          <a:xfrm>
+            <a:off x="838200" y="5947954"/>
+            <a:ext cx="7281352" cy="369332"/>
+          </a:xfrm>
+          <a:prstGeom prst="rect">
+            <a:avLst/>
+          </a:prstGeom>
+          <a:noFill/>
+        </p:spPr>
+        <p:txBody>
+          <a:bodyPr wrap="none" rtlCol="0">
+            <a:spAutoFit/>
+          </a:bodyPr>
+          <a:lstStyle/>
+          <a:p>
+            <a:r>
+              <a:rPr lang="ru-RU" dirty="0" smtClean="0"/>
+              <a:t>Исходный маршрут изображен серым цветом, результат – фиолетовым.</a:t>
+            </a:r>
+            <a:endParaRPr lang="ru-RU" dirty="0"/>
+          </a:p>
+        </p:txBody>
+      </p:sp>
+    </p:spTree>
+    <p:extLst>
+      <p:ext uri="{BB962C8B-B14F-4D97-AF65-F5344CB8AC3E}">
+        <p14:creationId xmlns:p14="http://schemas.microsoft.com/office/powerpoint/2010/main" val="279119818"/>
       </p:ext>
     </p:extLst>
   </p:cSld>
@@ -3792,76 +5566,16 @@
         <a:srgbClr val="954F72"/>
       </a:folHlink>
     </a:clrScheme>
-    <a:fontScheme name="Стандартная">
+    <a:fontScheme name="Другая 1">
       <a:majorFont>
-        <a:latin typeface="Calibri Light" panose="020F0302020204030204"/>
+        <a:latin typeface="Times New Roman"/>
         <a:ea typeface=""/>
         <a:cs typeface=""/>
-        <a:font script="Jpan" typeface="ＭＳ Ｐゴシック"/>
-        <a:font script="Hang" typeface="맑은 고딕"/>
-        <a:font script="Hans" typeface="宋体"/>
-        <a:font script="Hant" typeface="新細明體"/>
-        <a:font script="Arab" typeface="Times New Roman"/>
-        <a:font script="Hebr" typeface="Times New Roman"/>
-        <a:font script="Thai" typeface="Angsana New"/>
-        <a:font script="Ethi" typeface="Nyala"/>
-        <a:font script="Beng" typeface="Vrinda"/>
-        <a:font script="Gujr" typeface="Shruti"/>
-        <a:font script="Khmr" typeface="MoolBoran"/>
-        <a:font script="Knda" typeface="Tunga"/>
-        <a:font script="Guru" typeface="Raavi"/>
-        <a:font script="Cans" typeface="Euphemia"/>
-        <a:font script="Cher" typeface="Plantagenet Cherokee"/>
-        <a:font script="Yiii" typeface="Microsoft Yi Baiti"/>
-        <a:font script="Tibt" typeface="Microsoft Himalaya"/>
-        <a:font script="Thaa" typeface="MV Boli"/>
-        <a:font script="Deva" typeface="Mangal"/>
-        <a:font script="Telu" typeface="Gautami"/>
-        <a:font script="Taml" typeface="Latha"/>
-        <a:font script="Syrc" typeface="Estrangelo Edessa"/>
-        <a:font script="Orya" typeface="Kalinga"/>
-        <a:font script="Mlym" typeface="Kartika"/>
-        <a:font script="Laoo" typeface="DokChampa"/>
-        <a:font script="Sinh" typeface="Iskoola Pota"/>
-        <a:font script="Mong" typeface="Mongolian Baiti"/>
-        <a:font script="Viet" typeface="Times New Roman"/>
-        <a:font script="Uigh" typeface="Microsoft Uighur"/>
-        <a:font script="Geor" typeface="Sylfaen"/>
       </a:majorFont>
       <a:minorFont>
-        <a:latin typeface="Calibri" panose="020F0502020204030204"/>
+        <a:latin typeface="Times New Roman"/>
         <a:ea typeface=""/>
         <a:cs typeface=""/>
-        <a:font script="Jpan" typeface="ＭＳ Ｐゴシック"/>
-        <a:font script="Hang" typeface="맑은 고딕"/>
-        <a:font script="Hans" typeface="宋体"/>
-        <a:font script="Hant" typeface="新細明體"/>
-        <a:font script="Arab" typeface="Arial"/>
-        <a:font script="Hebr" typeface="Arial"/>
-        <a:font script="Thai" typeface="Cordia New"/>
-        <a:font script="Ethi" typeface="Nyala"/>
-        <a:font script="Beng" typeface="Vrinda"/>
-        <a:font script="Gujr" typeface="Shruti"/>
-        <a:font script="Khmr" typeface="DaunPenh"/>
-        <a:font script="Knda" typeface="Tunga"/>
-        <a:font script="Guru" typeface="Raavi"/>
-        <a:font script="Cans" typeface="Euphemia"/>
-        <a:font script="Cher" typeface="Plantagenet Cherokee"/>
-        <a:font script="Yiii" typeface="Microsoft Yi Baiti"/>
-        <a:font script="Tibt" typeface="Microsoft Himalaya"/>
-        <a:font script="Thaa" typeface="MV Boli"/>
-        <a:font script="Deva" typeface="Mangal"/>
-        <a:font script="Telu" typeface="Gautami"/>
-        <a:font script="Taml" typeface="Latha"/>
-        <a:font script="Syrc" typeface="Estrangelo Edessa"/>
-        <a:font script="Orya" typeface="Kalinga"/>
-        <a:font script="Mlym" typeface="Kartika"/>
-        <a:font script="Laoo" typeface="DokChampa"/>
-        <a:font script="Sinh" typeface="Iskoola Pota"/>
-        <a:font script="Mong" typeface="Mongolian Baiti"/>
-        <a:font script="Viet" typeface="Arial"/>
-        <a:font script="Uigh" typeface="Microsoft Uighur"/>
-        <a:font script="Geor" typeface="Sylfaen"/>
       </a:minorFont>
     </a:fontScheme>
     <a:fmtScheme name="Стандартная">

--- a/docs/thesis/thesis.pptx
+++ b/docs/thesis/thesis.pptx
@@ -1,20 +1,29 @@
 
 <file path=ppt/presentation.xml><?xml version="1.0" encoding="utf-8"?>
-<p:presentation xmlns:a="http://schemas.openxmlformats.org/drawingml/2006/main" xmlns:r="http://schemas.openxmlformats.org/officeDocument/2006/relationships" xmlns:p="http://schemas.openxmlformats.org/presentationml/2006/main" saveSubsetFonts="1">
+<p:presentation xmlns:a="http://schemas.openxmlformats.org/drawingml/2006/main" xmlns:r="http://schemas.openxmlformats.org/officeDocument/2006/relationships" xmlns:p="http://schemas.openxmlformats.org/presentationml/2006/main" showSpecialPlsOnTitleSld="0" saveSubsetFonts="1">
   <p:sldMasterIdLst>
     <p:sldMasterId id="2147483648" r:id="rId1"/>
   </p:sldMasterIdLst>
+  <p:notesMasterIdLst>
+    <p:notesMasterId r:id="rId18"/>
+  </p:notesMasterIdLst>
   <p:sldIdLst>
     <p:sldId id="256" r:id="rId2"/>
     <p:sldId id="257" r:id="rId3"/>
     <p:sldId id="258" r:id="rId4"/>
     <p:sldId id="259" r:id="rId5"/>
-    <p:sldId id="264" r:id="rId6"/>
-    <p:sldId id="265" r:id="rId7"/>
-    <p:sldId id="261" r:id="rId8"/>
-    <p:sldId id="260" r:id="rId9"/>
-    <p:sldId id="262" r:id="rId10"/>
-    <p:sldId id="263" r:id="rId11"/>
+    <p:sldId id="266" r:id="rId6"/>
+    <p:sldId id="267" r:id="rId7"/>
+    <p:sldId id="268" r:id="rId8"/>
+    <p:sldId id="269" r:id="rId9"/>
+    <p:sldId id="261" r:id="rId10"/>
+    <p:sldId id="260" r:id="rId11"/>
+    <p:sldId id="262" r:id="rId12"/>
+    <p:sldId id="271" r:id="rId13"/>
+    <p:sldId id="272" r:id="rId14"/>
+    <p:sldId id="273" r:id="rId15"/>
+    <p:sldId id="270" r:id="rId16"/>
+    <p:sldId id="263" r:id="rId17"/>
   </p:sldIdLst>
   <p:sldSz cx="12192000" cy="6858000"/>
   <p:notesSz cx="6858000" cy="9144000"/>
@@ -121,6 +130,440 @@
 </p:presentation>
 </file>
 
+<file path=ppt/notesMasters/notesMaster1.xml><?xml version="1.0" encoding="utf-8"?>
+<p:notesMaster xmlns:a="http://schemas.openxmlformats.org/drawingml/2006/main" xmlns:r="http://schemas.openxmlformats.org/officeDocument/2006/relationships" xmlns:p="http://schemas.openxmlformats.org/presentationml/2006/main">
+  <p:cSld>
+    <p:bg>
+      <p:bgRef idx="1001">
+        <a:schemeClr val="bg1"/>
+      </p:bgRef>
+    </p:bg>
+    <p:spTree>
+      <p:nvGrpSpPr>
+        <p:cNvPr id="1" name=""/>
+        <p:cNvGrpSpPr/>
+        <p:nvPr/>
+      </p:nvGrpSpPr>
+      <p:grpSpPr>
+        <a:xfrm>
+          <a:off x="0" y="0"/>
+          <a:ext cx="0" cy="0"/>
+          <a:chOff x="0" y="0"/>
+          <a:chExt cx="0" cy="0"/>
+        </a:xfrm>
+      </p:grpSpPr>
+      <p:sp>
+        <p:nvSpPr>
+          <p:cNvPr id="2" name="Верхний колонтитул 1"/>
+          <p:cNvSpPr>
+            <a:spLocks noGrp="1"/>
+          </p:cNvSpPr>
+          <p:nvPr>
+            <p:ph type="hdr" sz="quarter"/>
+          </p:nvPr>
+        </p:nvSpPr>
+        <p:spPr>
+          <a:xfrm>
+            <a:off x="0" y="0"/>
+            <a:ext cx="2971800" cy="458788"/>
+          </a:xfrm>
+          <a:prstGeom prst="rect">
+            <a:avLst/>
+          </a:prstGeom>
+        </p:spPr>
+        <p:txBody>
+          <a:bodyPr vert="horz" lIns="91440" tIns="45720" rIns="91440" bIns="45720" rtlCol="0"/>
+          <a:lstStyle>
+            <a:lvl1pPr algn="l">
+              <a:defRPr sz="1200"/>
+            </a:lvl1pPr>
+          </a:lstStyle>
+          <a:p>
+            <a:endParaRPr lang="ru-RU"/>
+          </a:p>
+        </p:txBody>
+      </p:sp>
+      <p:sp>
+        <p:nvSpPr>
+          <p:cNvPr id="3" name="Дата 2"/>
+          <p:cNvSpPr>
+            <a:spLocks noGrp="1"/>
+          </p:cNvSpPr>
+          <p:nvPr>
+            <p:ph type="dt" idx="1"/>
+          </p:nvPr>
+        </p:nvSpPr>
+        <p:spPr>
+          <a:xfrm>
+            <a:off x="3884613" y="0"/>
+            <a:ext cx="2971800" cy="458788"/>
+          </a:xfrm>
+          <a:prstGeom prst="rect">
+            <a:avLst/>
+          </a:prstGeom>
+        </p:spPr>
+        <p:txBody>
+          <a:bodyPr vert="horz" lIns="91440" tIns="45720" rIns="91440" bIns="45720" rtlCol="0"/>
+          <a:lstStyle>
+            <a:lvl1pPr algn="r">
+              <a:defRPr sz="1200"/>
+            </a:lvl1pPr>
+          </a:lstStyle>
+          <a:p>
+            <a:fld id="{7D65DE95-B979-4E4D-BB3C-F1DE1284DF32}" type="datetimeFigureOut">
+              <a:rPr lang="ru-RU" smtClean="0"/>
+              <a:t>25.05.2015</a:t>
+            </a:fld>
+            <a:endParaRPr lang="ru-RU"/>
+          </a:p>
+        </p:txBody>
+      </p:sp>
+      <p:sp>
+        <p:nvSpPr>
+          <p:cNvPr id="4" name="Образ слайда 3"/>
+          <p:cNvSpPr>
+            <a:spLocks noGrp="1" noRot="1" noChangeAspect="1"/>
+          </p:cNvSpPr>
+          <p:nvPr>
+            <p:ph type="sldImg" idx="2"/>
+          </p:nvPr>
+        </p:nvSpPr>
+        <p:spPr>
+          <a:xfrm>
+            <a:off x="685800" y="1143000"/>
+            <a:ext cx="5486400" cy="3086100"/>
+          </a:xfrm>
+          <a:prstGeom prst="rect">
+            <a:avLst/>
+          </a:prstGeom>
+          <a:noFill/>
+          <a:ln w="12700">
+            <a:solidFill>
+              <a:prstClr val="black"/>
+            </a:solidFill>
+          </a:ln>
+        </p:spPr>
+        <p:txBody>
+          <a:bodyPr vert="horz" lIns="91440" tIns="45720" rIns="91440" bIns="45720" rtlCol="0" anchor="ctr"/>
+          <a:lstStyle/>
+          <a:p>
+            <a:endParaRPr lang="ru-RU"/>
+          </a:p>
+        </p:txBody>
+      </p:sp>
+      <p:sp>
+        <p:nvSpPr>
+          <p:cNvPr id="5" name="Заметки 4"/>
+          <p:cNvSpPr>
+            <a:spLocks noGrp="1"/>
+          </p:cNvSpPr>
+          <p:nvPr>
+            <p:ph type="body" sz="quarter" idx="3"/>
+          </p:nvPr>
+        </p:nvSpPr>
+        <p:spPr>
+          <a:xfrm>
+            <a:off x="685800" y="4400550"/>
+            <a:ext cx="5486400" cy="3600450"/>
+          </a:xfrm>
+          <a:prstGeom prst="rect">
+            <a:avLst/>
+          </a:prstGeom>
+        </p:spPr>
+        <p:txBody>
+          <a:bodyPr vert="horz" lIns="91440" tIns="45720" rIns="91440" bIns="45720" rtlCol="0"/>
+          <a:lstStyle/>
+          <a:p>
+            <a:pPr lvl="0"/>
+            <a:r>
+              <a:rPr lang="ru-RU" smtClean="0"/>
+              <a:t>Образец текста</a:t>
+            </a:r>
+          </a:p>
+          <a:p>
+            <a:pPr lvl="1"/>
+            <a:r>
+              <a:rPr lang="ru-RU" smtClean="0"/>
+              <a:t>Второй уровень</a:t>
+            </a:r>
+          </a:p>
+          <a:p>
+            <a:pPr lvl="2"/>
+            <a:r>
+              <a:rPr lang="ru-RU" smtClean="0"/>
+              <a:t>Третий уровень</a:t>
+            </a:r>
+          </a:p>
+          <a:p>
+            <a:pPr lvl="3"/>
+            <a:r>
+              <a:rPr lang="ru-RU" smtClean="0"/>
+              <a:t>Четвертый уровень</a:t>
+            </a:r>
+          </a:p>
+          <a:p>
+            <a:pPr lvl="4"/>
+            <a:r>
+              <a:rPr lang="ru-RU" smtClean="0"/>
+              <a:t>Пятый уровень</a:t>
+            </a:r>
+            <a:endParaRPr lang="ru-RU"/>
+          </a:p>
+        </p:txBody>
+      </p:sp>
+      <p:sp>
+        <p:nvSpPr>
+          <p:cNvPr id="6" name="Нижний колонтитул 5"/>
+          <p:cNvSpPr>
+            <a:spLocks noGrp="1"/>
+          </p:cNvSpPr>
+          <p:nvPr>
+            <p:ph type="ftr" sz="quarter" idx="4"/>
+          </p:nvPr>
+        </p:nvSpPr>
+        <p:spPr>
+          <a:xfrm>
+            <a:off x="0" y="8685213"/>
+            <a:ext cx="2971800" cy="458787"/>
+          </a:xfrm>
+          <a:prstGeom prst="rect">
+            <a:avLst/>
+          </a:prstGeom>
+        </p:spPr>
+        <p:txBody>
+          <a:bodyPr vert="horz" lIns="91440" tIns="45720" rIns="91440" bIns="45720" rtlCol="0" anchor="b"/>
+          <a:lstStyle>
+            <a:lvl1pPr algn="l">
+              <a:defRPr sz="1200"/>
+            </a:lvl1pPr>
+          </a:lstStyle>
+          <a:p>
+            <a:endParaRPr lang="ru-RU"/>
+          </a:p>
+        </p:txBody>
+      </p:sp>
+      <p:sp>
+        <p:nvSpPr>
+          <p:cNvPr id="7" name="Номер слайда 6"/>
+          <p:cNvSpPr>
+            <a:spLocks noGrp="1"/>
+          </p:cNvSpPr>
+          <p:nvPr>
+            <p:ph type="sldNum" sz="quarter" idx="5"/>
+          </p:nvPr>
+        </p:nvSpPr>
+        <p:spPr>
+          <a:xfrm>
+            <a:off x="3884613" y="8685213"/>
+            <a:ext cx="2971800" cy="458787"/>
+          </a:xfrm>
+          <a:prstGeom prst="rect">
+            <a:avLst/>
+          </a:prstGeom>
+        </p:spPr>
+        <p:txBody>
+          <a:bodyPr vert="horz" lIns="91440" tIns="45720" rIns="91440" bIns="45720" rtlCol="0" anchor="b"/>
+          <a:lstStyle>
+            <a:lvl1pPr algn="r">
+              <a:defRPr sz="1200"/>
+            </a:lvl1pPr>
+          </a:lstStyle>
+          <a:p>
+            <a:fld id="{0B782E9F-DE7B-45DE-80D4-F8AE795F6417}" type="slidenum">
+              <a:rPr lang="ru-RU" smtClean="0"/>
+              <a:t>‹#›</a:t>
+            </a:fld>
+            <a:endParaRPr lang="ru-RU"/>
+          </a:p>
+        </p:txBody>
+      </p:sp>
+    </p:spTree>
+    <p:extLst>
+      <p:ext uri="{BB962C8B-B14F-4D97-AF65-F5344CB8AC3E}">
+        <p14:creationId xmlns:p14="http://schemas.microsoft.com/office/powerpoint/2010/main" val="4141747076"/>
+      </p:ext>
+    </p:extLst>
+  </p:cSld>
+  <p:clrMap bg1="lt1" tx1="dk1" bg2="lt2" tx2="dk2" accent1="accent1" accent2="accent2" accent3="accent3" accent4="accent4" accent5="accent5" accent6="accent6" hlink="hlink" folHlink="folHlink"/>
+  <p:notesStyle>
+    <a:lvl1pPr marL="0" algn="l" defTabSz="914400" rtl="0" eaLnBrk="1" latinLnBrk="0" hangingPunct="1">
+      <a:defRPr sz="1200" kern="1200">
+        <a:solidFill>
+          <a:schemeClr val="tx1"/>
+        </a:solidFill>
+        <a:latin typeface="+mn-lt"/>
+        <a:ea typeface="+mn-ea"/>
+        <a:cs typeface="+mn-cs"/>
+      </a:defRPr>
+    </a:lvl1pPr>
+    <a:lvl2pPr marL="457200" algn="l" defTabSz="914400" rtl="0" eaLnBrk="1" latinLnBrk="0" hangingPunct="1">
+      <a:defRPr sz="1200" kern="1200">
+        <a:solidFill>
+          <a:schemeClr val="tx1"/>
+        </a:solidFill>
+        <a:latin typeface="+mn-lt"/>
+        <a:ea typeface="+mn-ea"/>
+        <a:cs typeface="+mn-cs"/>
+      </a:defRPr>
+    </a:lvl2pPr>
+    <a:lvl3pPr marL="914400" algn="l" defTabSz="914400" rtl="0" eaLnBrk="1" latinLnBrk="0" hangingPunct="1">
+      <a:defRPr sz="1200" kern="1200">
+        <a:solidFill>
+          <a:schemeClr val="tx1"/>
+        </a:solidFill>
+        <a:latin typeface="+mn-lt"/>
+        <a:ea typeface="+mn-ea"/>
+        <a:cs typeface="+mn-cs"/>
+      </a:defRPr>
+    </a:lvl3pPr>
+    <a:lvl4pPr marL="1371600" algn="l" defTabSz="914400" rtl="0" eaLnBrk="1" latinLnBrk="0" hangingPunct="1">
+      <a:defRPr sz="1200" kern="1200">
+        <a:solidFill>
+          <a:schemeClr val="tx1"/>
+        </a:solidFill>
+        <a:latin typeface="+mn-lt"/>
+        <a:ea typeface="+mn-ea"/>
+        <a:cs typeface="+mn-cs"/>
+      </a:defRPr>
+    </a:lvl4pPr>
+    <a:lvl5pPr marL="1828800" algn="l" defTabSz="914400" rtl="0" eaLnBrk="1" latinLnBrk="0" hangingPunct="1">
+      <a:defRPr sz="1200" kern="1200">
+        <a:solidFill>
+          <a:schemeClr val="tx1"/>
+        </a:solidFill>
+        <a:latin typeface="+mn-lt"/>
+        <a:ea typeface="+mn-ea"/>
+        <a:cs typeface="+mn-cs"/>
+      </a:defRPr>
+    </a:lvl5pPr>
+    <a:lvl6pPr marL="2286000" algn="l" defTabSz="914400" rtl="0" eaLnBrk="1" latinLnBrk="0" hangingPunct="1">
+      <a:defRPr sz="1200" kern="1200">
+        <a:solidFill>
+          <a:schemeClr val="tx1"/>
+        </a:solidFill>
+        <a:latin typeface="+mn-lt"/>
+        <a:ea typeface="+mn-ea"/>
+        <a:cs typeface="+mn-cs"/>
+      </a:defRPr>
+    </a:lvl6pPr>
+    <a:lvl7pPr marL="2743200" algn="l" defTabSz="914400" rtl="0" eaLnBrk="1" latinLnBrk="0" hangingPunct="1">
+      <a:defRPr sz="1200" kern="1200">
+        <a:solidFill>
+          <a:schemeClr val="tx1"/>
+        </a:solidFill>
+        <a:latin typeface="+mn-lt"/>
+        <a:ea typeface="+mn-ea"/>
+        <a:cs typeface="+mn-cs"/>
+      </a:defRPr>
+    </a:lvl7pPr>
+    <a:lvl8pPr marL="3200400" algn="l" defTabSz="914400" rtl="0" eaLnBrk="1" latinLnBrk="0" hangingPunct="1">
+      <a:defRPr sz="1200" kern="1200">
+        <a:solidFill>
+          <a:schemeClr val="tx1"/>
+        </a:solidFill>
+        <a:latin typeface="+mn-lt"/>
+        <a:ea typeface="+mn-ea"/>
+        <a:cs typeface="+mn-cs"/>
+      </a:defRPr>
+    </a:lvl8pPr>
+    <a:lvl9pPr marL="3657600" algn="l" defTabSz="914400" rtl="0" eaLnBrk="1" latinLnBrk="0" hangingPunct="1">
+      <a:defRPr sz="1200" kern="1200">
+        <a:solidFill>
+          <a:schemeClr val="tx1"/>
+        </a:solidFill>
+        <a:latin typeface="+mn-lt"/>
+        <a:ea typeface="+mn-ea"/>
+        <a:cs typeface="+mn-cs"/>
+      </a:defRPr>
+    </a:lvl9pPr>
+  </p:notesStyle>
+</p:notesMaster>
+</file>
+
+<file path=ppt/notesSlides/notesSlide1.xml><?xml version="1.0" encoding="utf-8"?>
+<p:notes xmlns:a="http://schemas.openxmlformats.org/drawingml/2006/main" xmlns:r="http://schemas.openxmlformats.org/officeDocument/2006/relationships" xmlns:p="http://schemas.openxmlformats.org/presentationml/2006/main">
+  <p:cSld>
+    <p:spTree>
+      <p:nvGrpSpPr>
+        <p:cNvPr id="1" name=""/>
+        <p:cNvGrpSpPr/>
+        <p:nvPr/>
+      </p:nvGrpSpPr>
+      <p:grpSpPr>
+        <a:xfrm>
+          <a:off x="0" y="0"/>
+          <a:ext cx="0" cy="0"/>
+          <a:chOff x="0" y="0"/>
+          <a:chExt cx="0" cy="0"/>
+        </a:xfrm>
+      </p:grpSpPr>
+      <p:sp>
+        <p:nvSpPr>
+          <p:cNvPr id="2" name="Образ слайда 1"/>
+          <p:cNvSpPr>
+            <a:spLocks noGrp="1" noRot="1" noChangeAspect="1"/>
+          </p:cNvSpPr>
+          <p:nvPr>
+            <p:ph type="sldImg"/>
+          </p:nvPr>
+        </p:nvSpPr>
+        <p:spPr/>
+      </p:sp>
+      <p:sp>
+        <p:nvSpPr>
+          <p:cNvPr id="3" name="Заметки 2"/>
+          <p:cNvSpPr>
+            <a:spLocks noGrp="1"/>
+          </p:cNvSpPr>
+          <p:nvPr>
+            <p:ph type="body" idx="1"/>
+          </p:nvPr>
+        </p:nvSpPr>
+        <p:spPr/>
+        <p:txBody>
+          <a:bodyPr/>
+          <a:lstStyle/>
+          <a:p>
+            <a:endParaRPr lang="ru-RU"/>
+          </a:p>
+        </p:txBody>
+      </p:sp>
+      <p:sp>
+        <p:nvSpPr>
+          <p:cNvPr id="4" name="Номер слайда 3"/>
+          <p:cNvSpPr>
+            <a:spLocks noGrp="1"/>
+          </p:cNvSpPr>
+          <p:nvPr>
+            <p:ph type="sldNum" sz="quarter" idx="10"/>
+          </p:nvPr>
+        </p:nvSpPr>
+        <p:spPr/>
+        <p:txBody>
+          <a:bodyPr/>
+          <a:lstStyle/>
+          <a:p>
+            <a:fld id="{0B782E9F-DE7B-45DE-80D4-F8AE795F6417}" type="slidenum">
+              <a:rPr lang="ru-RU" smtClean="0"/>
+              <a:t>1</a:t>
+            </a:fld>
+            <a:endParaRPr lang="ru-RU"/>
+          </a:p>
+        </p:txBody>
+      </p:sp>
+    </p:spTree>
+    <p:extLst>
+      <p:ext uri="{BB962C8B-B14F-4D97-AF65-F5344CB8AC3E}">
+        <p14:creationId xmlns:p14="http://schemas.microsoft.com/office/powerpoint/2010/main" val="129390666"/>
+      </p:ext>
+    </p:extLst>
+  </p:cSld>
+  <p:clrMapOvr>
+    <a:masterClrMapping/>
+  </p:clrMapOvr>
+</p:notes>
+</file>
+
 <file path=ppt/slideLayouts/slideLayout1.xml><?xml version="1.0" encoding="utf-8"?>
 <p:sldLayout xmlns:a="http://schemas.openxmlformats.org/drawingml/2006/main" xmlns:r="http://schemas.openxmlformats.org/officeDocument/2006/relationships" xmlns:p="http://schemas.openxmlformats.org/presentationml/2006/main" type="title" preserve="1">
   <p:cSld name="Титульный слайд">
@@ -250,9 +693,9 @@
           <a:bodyPr/>
           <a:lstStyle/>
           <a:p>
-            <a:fld id="{A81BC095-E704-4981-9B47-BF446F226EEF}" type="datetimeFigureOut">
-              <a:rPr lang="ru-RU" smtClean="0"/>
-              <a:t>22.05.2015</a:t>
+            <a:fld id="{D4F054D9-EB72-4C9A-9169-A74286829EAD}" type="datetime1">
+              <a:rPr lang="ru-RU" smtClean="0"/>
+              <a:t>25.05.2015</a:t>
             </a:fld>
             <a:endParaRPr lang="ru-RU"/>
           </a:p>
@@ -420,9 +863,9 @@
           <a:bodyPr/>
           <a:lstStyle/>
           <a:p>
-            <a:fld id="{A81BC095-E704-4981-9B47-BF446F226EEF}" type="datetimeFigureOut">
-              <a:rPr lang="ru-RU" smtClean="0"/>
-              <a:t>22.05.2015</a:t>
+            <a:fld id="{E5EF8B1C-0D11-43B3-A850-C4112CD4E0BB}" type="datetime1">
+              <a:rPr lang="ru-RU" smtClean="0"/>
+              <a:t>25.05.2015</a:t>
             </a:fld>
             <a:endParaRPr lang="ru-RU"/>
           </a:p>
@@ -600,9 +1043,9 @@
           <a:bodyPr/>
           <a:lstStyle/>
           <a:p>
-            <a:fld id="{A81BC095-E704-4981-9B47-BF446F226EEF}" type="datetimeFigureOut">
-              <a:rPr lang="ru-RU" smtClean="0"/>
-              <a:t>22.05.2015</a:t>
+            <a:fld id="{596D8CCD-DD76-46D5-BB04-26570E4CEC4D}" type="datetime1">
+              <a:rPr lang="ru-RU" smtClean="0"/>
+              <a:t>25.05.2015</a:t>
             </a:fld>
             <a:endParaRPr lang="ru-RU"/>
           </a:p>
@@ -770,9 +1213,9 @@
           <a:bodyPr/>
           <a:lstStyle/>
           <a:p>
-            <a:fld id="{A81BC095-E704-4981-9B47-BF446F226EEF}" type="datetimeFigureOut">
-              <a:rPr lang="ru-RU" smtClean="0"/>
-              <a:t>22.05.2015</a:t>
+            <a:fld id="{6250C4C9-0B10-4EB2-80BC-83961D1B1F71}" type="datetime1">
+              <a:rPr lang="ru-RU" smtClean="0"/>
+              <a:t>25.05.2015</a:t>
             </a:fld>
             <a:endParaRPr lang="ru-RU"/>
           </a:p>
@@ -1016,9 +1459,9 @@
           <a:bodyPr/>
           <a:lstStyle/>
           <a:p>
-            <a:fld id="{A81BC095-E704-4981-9B47-BF446F226EEF}" type="datetimeFigureOut">
-              <a:rPr lang="ru-RU" smtClean="0"/>
-              <a:t>22.05.2015</a:t>
+            <a:fld id="{A11B47ED-0892-4B0A-B36F-DCEFF37A6828}" type="datetime1">
+              <a:rPr lang="ru-RU" smtClean="0"/>
+              <a:t>25.05.2015</a:t>
             </a:fld>
             <a:endParaRPr lang="ru-RU"/>
           </a:p>
@@ -1248,9 +1691,9 @@
           <a:bodyPr/>
           <a:lstStyle/>
           <a:p>
-            <a:fld id="{A81BC095-E704-4981-9B47-BF446F226EEF}" type="datetimeFigureOut">
-              <a:rPr lang="ru-RU" smtClean="0"/>
-              <a:t>22.05.2015</a:t>
+            <a:fld id="{181F1BD6-D2E2-46E1-B84D-6F4CB9985097}" type="datetime1">
+              <a:rPr lang="ru-RU" smtClean="0"/>
+              <a:t>25.05.2015</a:t>
             </a:fld>
             <a:endParaRPr lang="ru-RU"/>
           </a:p>
@@ -1615,9 +2058,9 @@
           <a:bodyPr/>
           <a:lstStyle/>
           <a:p>
-            <a:fld id="{A81BC095-E704-4981-9B47-BF446F226EEF}" type="datetimeFigureOut">
-              <a:rPr lang="ru-RU" smtClean="0"/>
-              <a:t>22.05.2015</a:t>
+            <a:fld id="{88AC1DB7-0E78-436E-920D-DEFD50E8D9EB}" type="datetime1">
+              <a:rPr lang="ru-RU" smtClean="0"/>
+              <a:t>25.05.2015</a:t>
             </a:fld>
             <a:endParaRPr lang="ru-RU"/>
           </a:p>
@@ -1733,9 +2176,9 @@
           <a:bodyPr/>
           <a:lstStyle/>
           <a:p>
-            <a:fld id="{A81BC095-E704-4981-9B47-BF446F226EEF}" type="datetimeFigureOut">
-              <a:rPr lang="ru-RU" smtClean="0"/>
-              <a:t>22.05.2015</a:t>
+            <a:fld id="{9DC62A61-060E-4ADE-863D-EA8886D6BD99}" type="datetime1">
+              <a:rPr lang="ru-RU" smtClean="0"/>
+              <a:t>25.05.2015</a:t>
             </a:fld>
             <a:endParaRPr lang="ru-RU"/>
           </a:p>
@@ -1828,9 +2271,9 @@
           <a:bodyPr/>
           <a:lstStyle/>
           <a:p>
-            <a:fld id="{A81BC095-E704-4981-9B47-BF446F226EEF}" type="datetimeFigureOut">
-              <a:rPr lang="ru-RU" smtClean="0"/>
-              <a:t>22.05.2015</a:t>
+            <a:fld id="{BFB1E972-3C12-44FD-9004-BD514C5E9054}" type="datetime1">
+              <a:rPr lang="ru-RU" smtClean="0"/>
+              <a:t>25.05.2015</a:t>
             </a:fld>
             <a:endParaRPr lang="ru-RU"/>
           </a:p>
@@ -2105,9 +2548,9 @@
           <a:bodyPr/>
           <a:lstStyle/>
           <a:p>
-            <a:fld id="{A81BC095-E704-4981-9B47-BF446F226EEF}" type="datetimeFigureOut">
-              <a:rPr lang="ru-RU" smtClean="0"/>
-              <a:t>22.05.2015</a:t>
+            <a:fld id="{1CD89F04-4959-4257-8387-3C744EBB14D8}" type="datetime1">
+              <a:rPr lang="ru-RU" smtClean="0"/>
+              <a:t>25.05.2015</a:t>
             </a:fld>
             <a:endParaRPr lang="ru-RU"/>
           </a:p>
@@ -2358,9 +2801,9 @@
           <a:bodyPr/>
           <a:lstStyle/>
           <a:p>
-            <a:fld id="{A81BC095-E704-4981-9B47-BF446F226EEF}" type="datetimeFigureOut">
-              <a:rPr lang="ru-RU" smtClean="0"/>
-              <a:t>22.05.2015</a:t>
+            <a:fld id="{4CFB109E-B013-47B7-AD92-B0C422B3055C}" type="datetime1">
+              <a:rPr lang="ru-RU" smtClean="0"/>
+              <a:t>25.05.2015</a:t>
             </a:fld>
             <a:endParaRPr lang="ru-RU"/>
           </a:p>
@@ -2571,9 +3014,9 @@
             </a:lvl1pPr>
           </a:lstStyle>
           <a:p>
-            <a:fld id="{A81BC095-E704-4981-9B47-BF446F226EEF}" type="datetimeFigureOut">
-              <a:rPr lang="ru-RU" smtClean="0"/>
-              <a:t>22.05.2015</a:t>
+            <a:fld id="{F2345C99-4D7D-4EA5-96D7-452EE91F454C}" type="datetime1">
+              <a:rPr lang="ru-RU" smtClean="0"/>
+              <a:t>25.05.2015</a:t>
             </a:fld>
             <a:endParaRPr lang="ru-RU"/>
           </a:p>
@@ -2678,6 +3121,7 @@
     <p:sldLayoutId id="2147483658" r:id="rId10"/>
     <p:sldLayoutId id="2147483659" r:id="rId11"/>
   </p:sldLayoutIdLst>
+  <p:hf hdr="0" ftr="0" dt="0"/>
   <p:txStyles>
     <p:titleStyle>
       <a:lvl1pPr algn="l" defTabSz="914400" rtl="0" eaLnBrk="1" latinLnBrk="0" hangingPunct="1">
@@ -3085,6 +3529,1819 @@
             <p:ph type="title"/>
           </p:nvPr>
         </p:nvSpPr>
+        <p:spPr>
+          <a:xfrm>
+            <a:off x="838200" y="122530"/>
+            <a:ext cx="10515600" cy="1325563"/>
+          </a:xfrm>
+        </p:spPr>
+        <p:txBody>
+          <a:bodyPr/>
+          <a:lstStyle/>
+          <a:p>
+            <a:pPr algn="ctr"/>
+            <a:r>
+              <a:rPr lang="ru-RU" dirty="0" smtClean="0"/>
+              <a:t>Схема структуры </a:t>
+            </a:r>
+            <a:r>
+              <a:rPr lang="ru-RU" dirty="0" smtClean="0"/>
+              <a:t>ПО</a:t>
+            </a:r>
+            <a:endParaRPr lang="ru-RU" dirty="0"/>
+          </a:p>
+        </p:txBody>
+      </p:sp>
+      <p:pic>
+        <p:nvPicPr>
+          <p:cNvPr id="6" name="Объект 5"/>
+          <p:cNvPicPr>
+            <a:picLocks noGrp="1" noChangeAspect="1"/>
+          </p:cNvPicPr>
+          <p:nvPr>
+            <p:ph idx="1"/>
+          </p:nvPr>
+        </p:nvPicPr>
+        <p:blipFill>
+          <a:blip r:embed="rId2">
+            <a:extLst>
+              <a:ext uri="{28A0092B-C50C-407E-A947-70E740481C1C}">
+                <a14:useLocalDpi xmlns:a14="http://schemas.microsoft.com/office/drawing/2010/main" val="0"/>
+              </a:ext>
+            </a:extLst>
+          </a:blip>
+          <a:stretch>
+            <a:fillRect/>
+          </a:stretch>
+        </p:blipFill>
+        <p:spPr>
+          <a:xfrm>
+            <a:off x="2659225" y="1294073"/>
+            <a:ext cx="6873550" cy="5147934"/>
+          </a:xfrm>
+        </p:spPr>
+      </p:pic>
+      <p:sp>
+        <p:nvSpPr>
+          <p:cNvPr id="3" name="Номер слайда 2"/>
+          <p:cNvSpPr>
+            <a:spLocks noGrp="1"/>
+          </p:cNvSpPr>
+          <p:nvPr>
+            <p:ph type="sldNum" sz="quarter" idx="12"/>
+          </p:nvPr>
+        </p:nvSpPr>
+        <p:spPr/>
+        <p:txBody>
+          <a:bodyPr/>
+          <a:lstStyle/>
+          <a:p>
+            <a:fld id="{3BCC8605-603C-4CBC-9D12-BEB80FA30360}" type="slidenum">
+              <a:rPr lang="ru-RU" smtClean="0"/>
+              <a:t>10</a:t>
+            </a:fld>
+            <a:endParaRPr lang="ru-RU"/>
+          </a:p>
+        </p:txBody>
+      </p:sp>
+    </p:spTree>
+    <p:extLst>
+      <p:ext uri="{BB962C8B-B14F-4D97-AF65-F5344CB8AC3E}">
+        <p14:creationId xmlns:p14="http://schemas.microsoft.com/office/powerpoint/2010/main" val="1186793850"/>
+      </p:ext>
+    </p:extLst>
+  </p:cSld>
+  <p:clrMapOvr>
+    <a:masterClrMapping/>
+  </p:clrMapOvr>
+</p:sld>
+</file>
+
+<file path=ppt/slides/slide11.xml><?xml version="1.0" encoding="utf-8"?>
+<p:sld xmlns:a="http://schemas.openxmlformats.org/drawingml/2006/main" xmlns:r="http://schemas.openxmlformats.org/officeDocument/2006/relationships" xmlns:p="http://schemas.openxmlformats.org/presentationml/2006/main">
+  <p:cSld>
+    <p:spTree>
+      <p:nvGrpSpPr>
+        <p:cNvPr id="1" name=""/>
+        <p:cNvGrpSpPr/>
+        <p:nvPr/>
+      </p:nvGrpSpPr>
+      <p:grpSpPr>
+        <a:xfrm>
+          <a:off x="0" y="0"/>
+          <a:ext cx="0" cy="0"/>
+          <a:chOff x="0" y="0"/>
+          <a:chExt cx="0" cy="0"/>
+        </a:xfrm>
+      </p:grpSpPr>
+      <p:sp>
+        <p:nvSpPr>
+          <p:cNvPr id="2" name="Заголовок 1"/>
+          <p:cNvSpPr>
+            <a:spLocks noGrp="1"/>
+          </p:cNvSpPr>
+          <p:nvPr>
+            <p:ph type="title"/>
+          </p:nvPr>
+        </p:nvSpPr>
+        <p:spPr/>
+        <p:txBody>
+          <a:bodyPr/>
+          <a:lstStyle/>
+          <a:p>
+            <a:r>
+              <a:rPr lang="ru-RU" dirty="0" smtClean="0"/>
+              <a:t>Результат работы программы</a:t>
+            </a:r>
+            <a:endParaRPr lang="ru-RU" dirty="0"/>
+          </a:p>
+        </p:txBody>
+      </p:sp>
+      <p:pic>
+        <p:nvPicPr>
+          <p:cNvPr id="4" name="Объект 3"/>
+          <p:cNvPicPr>
+            <a:picLocks noGrp="1" noChangeAspect="1"/>
+          </p:cNvPicPr>
+          <p:nvPr>
+            <p:ph idx="1"/>
+          </p:nvPr>
+        </p:nvPicPr>
+        <p:blipFill>
+          <a:blip r:embed="rId2">
+            <a:extLst>
+              <a:ext uri="{28A0092B-C50C-407E-A947-70E740481C1C}">
+                <a14:useLocalDpi xmlns:a14="http://schemas.microsoft.com/office/drawing/2010/main" val="0"/>
+              </a:ext>
+            </a:extLst>
+          </a:blip>
+          <a:stretch>
+            <a:fillRect/>
+          </a:stretch>
+        </p:blipFill>
+        <p:spPr>
+          <a:xfrm>
+            <a:off x="838200" y="1416322"/>
+            <a:ext cx="9616456" cy="4351337"/>
+          </a:xfrm>
+        </p:spPr>
+      </p:pic>
+      <p:sp>
+        <p:nvSpPr>
+          <p:cNvPr id="7" name="TextBox 6"/>
+          <p:cNvSpPr txBox="1"/>
+          <p:nvPr/>
+        </p:nvSpPr>
+        <p:spPr>
+          <a:xfrm>
+            <a:off x="838200" y="5947954"/>
+            <a:ext cx="7281352" cy="369332"/>
+          </a:xfrm>
+          <a:prstGeom prst="rect">
+            <a:avLst/>
+          </a:prstGeom>
+          <a:noFill/>
+        </p:spPr>
+        <p:txBody>
+          <a:bodyPr wrap="none" rtlCol="0">
+            <a:spAutoFit/>
+          </a:bodyPr>
+          <a:lstStyle/>
+          <a:p>
+            <a:r>
+              <a:rPr lang="ru-RU" dirty="0" smtClean="0"/>
+              <a:t>Исходный маршрут изображен серым цветом, результат – фиолетовым.</a:t>
+            </a:r>
+            <a:endParaRPr lang="ru-RU" dirty="0"/>
+          </a:p>
+        </p:txBody>
+      </p:sp>
+      <p:sp>
+        <p:nvSpPr>
+          <p:cNvPr id="3" name="Номер слайда 2"/>
+          <p:cNvSpPr>
+            <a:spLocks noGrp="1"/>
+          </p:cNvSpPr>
+          <p:nvPr>
+            <p:ph type="sldNum" sz="quarter" idx="12"/>
+          </p:nvPr>
+        </p:nvSpPr>
+        <p:spPr/>
+        <p:txBody>
+          <a:bodyPr/>
+          <a:lstStyle/>
+          <a:p>
+            <a:fld id="{3BCC8605-603C-4CBC-9D12-BEB80FA30360}" type="slidenum">
+              <a:rPr lang="ru-RU" smtClean="0"/>
+              <a:t>11</a:t>
+            </a:fld>
+            <a:endParaRPr lang="ru-RU"/>
+          </a:p>
+        </p:txBody>
+      </p:sp>
+    </p:spTree>
+    <p:extLst>
+      <p:ext uri="{BB962C8B-B14F-4D97-AF65-F5344CB8AC3E}">
+        <p14:creationId xmlns:p14="http://schemas.microsoft.com/office/powerpoint/2010/main" val="279119818"/>
+      </p:ext>
+    </p:extLst>
+  </p:cSld>
+  <p:clrMapOvr>
+    <a:masterClrMapping/>
+  </p:clrMapOvr>
+</p:sld>
+</file>
+
+<file path=ppt/slides/slide12.xml><?xml version="1.0" encoding="utf-8"?>
+<p:sld xmlns:a="http://schemas.openxmlformats.org/drawingml/2006/main" xmlns:r="http://schemas.openxmlformats.org/officeDocument/2006/relationships" xmlns:p="http://schemas.openxmlformats.org/presentationml/2006/main">
+  <p:cSld>
+    <p:spTree>
+      <p:nvGrpSpPr>
+        <p:cNvPr id="1" name=""/>
+        <p:cNvGrpSpPr/>
+        <p:nvPr/>
+      </p:nvGrpSpPr>
+      <p:grpSpPr>
+        <a:xfrm>
+          <a:off x="0" y="0"/>
+          <a:ext cx="0" cy="0"/>
+          <a:chOff x="0" y="0"/>
+          <a:chExt cx="0" cy="0"/>
+        </a:xfrm>
+      </p:grpSpPr>
+      <p:sp>
+        <p:nvSpPr>
+          <p:cNvPr id="2" name="Заголовок 1"/>
+          <p:cNvSpPr>
+            <a:spLocks noGrp="1"/>
+          </p:cNvSpPr>
+          <p:nvPr>
+            <p:ph type="title"/>
+          </p:nvPr>
+        </p:nvSpPr>
+        <p:spPr/>
+        <p:txBody>
+          <a:bodyPr/>
+          <a:lstStyle/>
+          <a:p>
+            <a:r>
+              <a:rPr lang="ru-RU" dirty="0" smtClean="0"/>
+              <a:t>Постановка эксперимента</a:t>
+            </a:r>
+            <a:endParaRPr lang="ru-RU" dirty="0"/>
+          </a:p>
+        </p:txBody>
+      </p:sp>
+      <p:sp>
+        <p:nvSpPr>
+          <p:cNvPr id="3" name="Объект 2"/>
+          <p:cNvSpPr>
+            <a:spLocks noGrp="1"/>
+          </p:cNvSpPr>
+          <p:nvPr>
+            <p:ph idx="1"/>
+          </p:nvPr>
+        </p:nvSpPr>
+        <p:spPr/>
+        <p:txBody>
+          <a:bodyPr/>
+          <a:lstStyle/>
+          <a:p>
+            <a:r>
+              <a:rPr lang="ru-RU" dirty="0" smtClean="0"/>
+              <a:t>Рассматривается отклонение исходного маршрута и маршрута, полученного в результате использования метода, от истинного маршрута объекта.</a:t>
+            </a:r>
+          </a:p>
+          <a:p>
+            <a:r>
+              <a:rPr lang="ru-RU" dirty="0" smtClean="0"/>
+              <a:t>Для проведения эксперимента вручную воссоздан точный маршрут объекта.</a:t>
+            </a:r>
+          </a:p>
+          <a:p>
+            <a:r>
+              <a:rPr lang="ru-RU" dirty="0" smtClean="0"/>
+              <a:t>В рамках эксперимента не рассматриваются моменты времени, в которые объект был неподвижен, так как при обнаружении остановок и их замене количество точек исходного маршрута перестает соответствовать количеству точек результирующего маршрута</a:t>
+            </a:r>
+            <a:endParaRPr lang="ru-RU" dirty="0"/>
+          </a:p>
+        </p:txBody>
+      </p:sp>
+      <p:sp>
+        <p:nvSpPr>
+          <p:cNvPr id="4" name="Номер слайда 3"/>
+          <p:cNvSpPr>
+            <a:spLocks noGrp="1"/>
+          </p:cNvSpPr>
+          <p:nvPr>
+            <p:ph type="sldNum" sz="quarter" idx="12"/>
+          </p:nvPr>
+        </p:nvSpPr>
+        <p:spPr/>
+        <p:txBody>
+          <a:bodyPr/>
+          <a:lstStyle/>
+          <a:p>
+            <a:fld id="{3BCC8605-603C-4CBC-9D12-BEB80FA30360}" type="slidenum">
+              <a:rPr lang="ru-RU" smtClean="0"/>
+              <a:t>12</a:t>
+            </a:fld>
+            <a:endParaRPr lang="ru-RU"/>
+          </a:p>
+        </p:txBody>
+      </p:sp>
+    </p:spTree>
+    <p:extLst>
+      <p:ext uri="{BB962C8B-B14F-4D97-AF65-F5344CB8AC3E}">
+        <p14:creationId xmlns:p14="http://schemas.microsoft.com/office/powerpoint/2010/main" val="1915702468"/>
+      </p:ext>
+    </p:extLst>
+  </p:cSld>
+  <p:clrMapOvr>
+    <a:masterClrMapping/>
+  </p:clrMapOvr>
+</p:sld>
+</file>
+
+<file path=ppt/slides/slide13.xml><?xml version="1.0" encoding="utf-8"?>
+<p:sld xmlns:a="http://schemas.openxmlformats.org/drawingml/2006/main" xmlns:r="http://schemas.openxmlformats.org/officeDocument/2006/relationships" xmlns:p="http://schemas.openxmlformats.org/presentationml/2006/main">
+  <p:cSld>
+    <p:spTree>
+      <p:nvGrpSpPr>
+        <p:cNvPr id="1" name=""/>
+        <p:cNvGrpSpPr/>
+        <p:nvPr/>
+      </p:nvGrpSpPr>
+      <p:grpSpPr>
+        <a:xfrm>
+          <a:off x="0" y="0"/>
+          <a:ext cx="0" cy="0"/>
+          <a:chOff x="0" y="0"/>
+          <a:chExt cx="0" cy="0"/>
+        </a:xfrm>
+      </p:grpSpPr>
+      <p:sp>
+        <p:nvSpPr>
+          <p:cNvPr id="2" name="Заголовок 1"/>
+          <p:cNvSpPr>
+            <a:spLocks noGrp="1"/>
+          </p:cNvSpPr>
+          <p:nvPr>
+            <p:ph type="title"/>
+          </p:nvPr>
+        </p:nvSpPr>
+        <p:spPr>
+          <a:xfrm>
+            <a:off x="838199" y="146542"/>
+            <a:ext cx="10515600" cy="1325563"/>
+          </a:xfrm>
+        </p:spPr>
+        <p:txBody>
+          <a:bodyPr/>
+          <a:lstStyle/>
+          <a:p>
+            <a:r>
+              <a:rPr lang="ru-RU" dirty="0" smtClean="0"/>
+              <a:t>Эксперимент</a:t>
+            </a:r>
+            <a:endParaRPr lang="ru-RU" dirty="0"/>
+          </a:p>
+        </p:txBody>
+      </p:sp>
+      <p:pic>
+        <p:nvPicPr>
+          <p:cNvPr id="5" name="Объект 4"/>
+          <p:cNvPicPr>
+            <a:picLocks noGrp="1" noChangeAspect="1"/>
+          </p:cNvPicPr>
+          <p:nvPr>
+            <p:ph idx="1"/>
+          </p:nvPr>
+        </p:nvPicPr>
+        <p:blipFill rotWithShape="1">
+          <a:blip r:embed="rId2">
+            <a:extLst>
+              <a:ext uri="{28A0092B-C50C-407E-A947-70E740481C1C}">
+                <a14:useLocalDpi xmlns:a14="http://schemas.microsoft.com/office/drawing/2010/main" val="0"/>
+              </a:ext>
+            </a:extLst>
+          </a:blip>
+          <a:srcRect l="3101"/>
+          <a:stretch/>
+        </p:blipFill>
+        <p:spPr>
+          <a:xfrm>
+            <a:off x="6008914" y="1472105"/>
+            <a:ext cx="6055568" cy="2972978"/>
+          </a:xfrm>
+        </p:spPr>
+      </p:pic>
+      <p:sp>
+        <p:nvSpPr>
+          <p:cNvPr id="4" name="Номер слайда 3"/>
+          <p:cNvSpPr>
+            <a:spLocks noGrp="1"/>
+          </p:cNvSpPr>
+          <p:nvPr>
+            <p:ph type="sldNum" sz="quarter" idx="12"/>
+          </p:nvPr>
+        </p:nvSpPr>
+        <p:spPr/>
+        <p:txBody>
+          <a:bodyPr/>
+          <a:lstStyle/>
+          <a:p>
+            <a:fld id="{3BCC8605-603C-4CBC-9D12-BEB80FA30360}" type="slidenum">
+              <a:rPr lang="ru-RU" smtClean="0"/>
+              <a:t>13</a:t>
+            </a:fld>
+            <a:endParaRPr lang="ru-RU"/>
+          </a:p>
+        </p:txBody>
+      </p:sp>
+      <p:pic>
+        <p:nvPicPr>
+          <p:cNvPr id="7" name="Рисунок 6"/>
+          <p:cNvPicPr>
+            <a:picLocks noChangeAspect="1"/>
+          </p:cNvPicPr>
+          <p:nvPr/>
+        </p:nvPicPr>
+        <p:blipFill>
+          <a:blip r:embed="rId3" cstate="print">
+            <a:extLst>
+              <a:ext uri="{28A0092B-C50C-407E-A947-70E740481C1C}">
+                <a14:useLocalDpi xmlns:a14="http://schemas.microsoft.com/office/drawing/2010/main" val="0"/>
+              </a:ext>
+            </a:extLst>
+          </a:blip>
+          <a:stretch>
+            <a:fillRect/>
+          </a:stretch>
+        </p:blipFill>
+        <p:spPr>
+          <a:xfrm>
+            <a:off x="363956" y="1472105"/>
+            <a:ext cx="5053652" cy="2972978"/>
+          </a:xfrm>
+          <a:prstGeom prst="rect">
+            <a:avLst/>
+          </a:prstGeom>
+        </p:spPr>
+      </p:pic>
+      <p:sp>
+        <p:nvSpPr>
+          <p:cNvPr id="8" name="TextBox 7"/>
+          <p:cNvSpPr txBox="1"/>
+          <p:nvPr/>
+        </p:nvSpPr>
+        <p:spPr>
+          <a:xfrm>
+            <a:off x="5417608" y="1472105"/>
+            <a:ext cx="678391" cy="307777"/>
+          </a:xfrm>
+          <a:prstGeom prst="rect">
+            <a:avLst/>
+          </a:prstGeom>
+          <a:noFill/>
+        </p:spPr>
+        <p:txBody>
+          <a:bodyPr wrap="none" rtlCol="0">
+            <a:spAutoFit/>
+          </a:bodyPr>
+          <a:lstStyle/>
+          <a:p>
+            <a:r>
+              <a:rPr lang="en-US" sz="1400" dirty="0" smtClean="0"/>
+              <a:t>0,0015</a:t>
+            </a:r>
+            <a:endParaRPr lang="ru-RU" sz="1400" dirty="0"/>
+          </a:p>
+        </p:txBody>
+      </p:sp>
+      <p:sp>
+        <p:nvSpPr>
+          <p:cNvPr id="10" name="TextBox 9"/>
+          <p:cNvSpPr txBox="1"/>
+          <p:nvPr/>
+        </p:nvSpPr>
+        <p:spPr>
+          <a:xfrm>
+            <a:off x="5507375" y="2304748"/>
+            <a:ext cx="588623" cy="307777"/>
+          </a:xfrm>
+          <a:prstGeom prst="rect">
+            <a:avLst/>
+          </a:prstGeom>
+          <a:noFill/>
+        </p:spPr>
+        <p:txBody>
+          <a:bodyPr wrap="none" rtlCol="0">
+            <a:spAutoFit/>
+          </a:bodyPr>
+          <a:lstStyle/>
+          <a:p>
+            <a:r>
+              <a:rPr lang="en-US" sz="1400" dirty="0" smtClean="0"/>
+              <a:t>0,001</a:t>
+            </a:r>
+            <a:endParaRPr lang="ru-RU" sz="1400" dirty="0"/>
+          </a:p>
+        </p:txBody>
+      </p:sp>
+      <p:sp>
+        <p:nvSpPr>
+          <p:cNvPr id="11" name="TextBox 10"/>
+          <p:cNvSpPr txBox="1"/>
+          <p:nvPr/>
+        </p:nvSpPr>
+        <p:spPr>
+          <a:xfrm>
+            <a:off x="5417607" y="3095380"/>
+            <a:ext cx="678391" cy="307777"/>
+          </a:xfrm>
+          <a:prstGeom prst="rect">
+            <a:avLst/>
+          </a:prstGeom>
+          <a:noFill/>
+        </p:spPr>
+        <p:txBody>
+          <a:bodyPr wrap="none" rtlCol="0">
+            <a:spAutoFit/>
+          </a:bodyPr>
+          <a:lstStyle/>
+          <a:p>
+            <a:r>
+              <a:rPr lang="en-US" sz="1400" dirty="0" smtClean="0"/>
+              <a:t>0,0005</a:t>
+            </a:r>
+            <a:endParaRPr lang="ru-RU" sz="1400" dirty="0"/>
+          </a:p>
+        </p:txBody>
+      </p:sp>
+      <p:sp>
+        <p:nvSpPr>
+          <p:cNvPr id="12" name="TextBox 11"/>
+          <p:cNvSpPr txBox="1"/>
+          <p:nvPr/>
+        </p:nvSpPr>
+        <p:spPr>
+          <a:xfrm>
+            <a:off x="5507375" y="1108933"/>
+            <a:ext cx="1269899" cy="307777"/>
+          </a:xfrm>
+          <a:prstGeom prst="rect">
+            <a:avLst/>
+          </a:prstGeom>
+          <a:noFill/>
+        </p:spPr>
+        <p:txBody>
+          <a:bodyPr wrap="none" rtlCol="0">
+            <a:spAutoFit/>
+          </a:bodyPr>
+          <a:lstStyle/>
+          <a:p>
+            <a:r>
+              <a:rPr lang="ru-RU" sz="1400" dirty="0" smtClean="0"/>
+              <a:t>Отклонение, °</a:t>
+            </a:r>
+            <a:endParaRPr lang="ru-RU" sz="1400" dirty="0"/>
+          </a:p>
+        </p:txBody>
+      </p:sp>
+      <p:sp>
+        <p:nvSpPr>
+          <p:cNvPr id="13" name="TextBox 12"/>
+          <p:cNvSpPr txBox="1"/>
+          <p:nvPr/>
+        </p:nvSpPr>
+        <p:spPr>
+          <a:xfrm>
+            <a:off x="363957" y="5026432"/>
+            <a:ext cx="11700525" cy="707886"/>
+          </a:xfrm>
+          <a:prstGeom prst="rect">
+            <a:avLst/>
+          </a:prstGeom>
+          <a:noFill/>
+        </p:spPr>
+        <p:txBody>
+          <a:bodyPr wrap="square" rtlCol="0">
+            <a:spAutoFit/>
+          </a:bodyPr>
+          <a:lstStyle/>
+          <a:p>
+            <a:r>
+              <a:rPr lang="ru-RU" sz="2000" dirty="0" smtClean="0"/>
+              <a:t>Синим цветом изображен точный маршрут объекта, зеленым – маршрут, построенный по данным от датчика, красным – маршрут, полученный в результате работы алгоритма</a:t>
+            </a:r>
+            <a:endParaRPr lang="ru-RU" sz="2000" dirty="0"/>
+          </a:p>
+        </p:txBody>
+      </p:sp>
+    </p:spTree>
+    <p:extLst>
+      <p:ext uri="{BB962C8B-B14F-4D97-AF65-F5344CB8AC3E}">
+        <p14:creationId xmlns:p14="http://schemas.microsoft.com/office/powerpoint/2010/main" val="3555441887"/>
+      </p:ext>
+    </p:extLst>
+  </p:cSld>
+  <p:clrMapOvr>
+    <a:masterClrMapping/>
+  </p:clrMapOvr>
+</p:sld>
+</file>
+
+<file path=ppt/slides/slide14.xml><?xml version="1.0" encoding="utf-8"?>
+<p:sld xmlns:a="http://schemas.openxmlformats.org/drawingml/2006/main" xmlns:r="http://schemas.openxmlformats.org/officeDocument/2006/relationships" xmlns:p="http://schemas.openxmlformats.org/presentationml/2006/main">
+  <p:cSld>
+    <p:spTree>
+      <p:nvGrpSpPr>
+        <p:cNvPr id="1" name=""/>
+        <p:cNvGrpSpPr/>
+        <p:nvPr/>
+      </p:nvGrpSpPr>
+      <p:grpSpPr>
+        <a:xfrm>
+          <a:off x="0" y="0"/>
+          <a:ext cx="0" cy="0"/>
+          <a:chOff x="0" y="0"/>
+          <a:chExt cx="0" cy="0"/>
+        </a:xfrm>
+      </p:grpSpPr>
+      <p:sp>
+        <p:nvSpPr>
+          <p:cNvPr id="2" name="Заголовок 1"/>
+          <p:cNvSpPr>
+            <a:spLocks noGrp="1"/>
+          </p:cNvSpPr>
+          <p:nvPr>
+            <p:ph type="title"/>
+          </p:nvPr>
+        </p:nvSpPr>
+        <p:spPr/>
+        <p:txBody>
+          <a:bodyPr/>
+          <a:lstStyle/>
+          <a:p>
+            <a:r>
+              <a:rPr lang="ru-RU" dirty="0" smtClean="0"/>
+              <a:t>Результаты эксперимента</a:t>
+            </a:r>
+            <a:endParaRPr lang="ru-RU" dirty="0"/>
+          </a:p>
+        </p:txBody>
+      </p:sp>
+      <p:graphicFrame>
+        <p:nvGraphicFramePr>
+          <p:cNvPr id="10" name="Объект 9"/>
+          <p:cNvGraphicFramePr>
+            <a:graphicFrameLocks noGrp="1"/>
+          </p:cNvGraphicFramePr>
+          <p:nvPr>
+            <p:ph idx="1"/>
+            <p:extLst>
+              <p:ext uri="{D42A27DB-BD31-4B8C-83A1-F6EECF244321}">
+                <p14:modId xmlns:p14="http://schemas.microsoft.com/office/powerpoint/2010/main" val="1018815586"/>
+              </p:ext>
+            </p:extLst>
+          </p:nvPr>
+        </p:nvGraphicFramePr>
+        <p:xfrm>
+          <a:off x="838200" y="1825625"/>
+          <a:ext cx="10515600" cy="2560320"/>
+        </p:xfrm>
+        <a:graphic>
+          <a:graphicData uri="http://schemas.openxmlformats.org/drawingml/2006/table">
+            <a:tbl>
+              <a:tblPr firstRow="1" bandRow="1">
+                <a:tableStyleId>{5940675A-B579-460E-94D1-54222C63F5DA}</a:tableStyleId>
+              </a:tblPr>
+              <a:tblGrid>
+                <a:gridCol w="3505200"/>
+                <a:gridCol w="3505200"/>
+                <a:gridCol w="3505200"/>
+              </a:tblGrid>
+              <a:tr h="370840">
+                <a:tc>
+                  <a:txBody>
+                    <a:bodyPr/>
+                    <a:lstStyle/>
+                    <a:p>
+                      <a:pPr algn="ctr"/>
+                      <a:endParaRPr lang="ru-RU" dirty="0"/>
+                    </a:p>
+                  </a:txBody>
+                  <a:tcPr>
+                    <a:solidFill>
+                      <a:schemeClr val="bg2">
+                        <a:lumMod val="90000"/>
+                      </a:schemeClr>
+                    </a:solidFill>
+                  </a:tcPr>
+                </a:tc>
+                <a:tc>
+                  <a:txBody>
+                    <a:bodyPr/>
+                    <a:lstStyle/>
+                    <a:p>
+                      <a:pPr algn="ctr"/>
+                      <a:r>
+                        <a:rPr lang="ru-RU" sz="2400" dirty="0" smtClean="0"/>
+                        <a:t>Исходный маршрут</a:t>
+                      </a:r>
+                      <a:endParaRPr lang="ru-RU" sz="2400" dirty="0"/>
+                    </a:p>
+                  </a:txBody>
+                  <a:tcPr>
+                    <a:solidFill>
+                      <a:schemeClr val="bg2">
+                        <a:lumMod val="90000"/>
+                      </a:schemeClr>
+                    </a:solidFill>
+                  </a:tcPr>
+                </a:tc>
+                <a:tc>
+                  <a:txBody>
+                    <a:bodyPr/>
+                    <a:lstStyle/>
+                    <a:p>
+                      <a:pPr algn="ctr"/>
+                      <a:r>
+                        <a:rPr lang="ru-RU" sz="2400" dirty="0" smtClean="0"/>
+                        <a:t>Итоговый маршрут</a:t>
+                      </a:r>
+                      <a:endParaRPr lang="ru-RU" sz="2400" dirty="0"/>
+                    </a:p>
+                  </a:txBody>
+                  <a:tcPr>
+                    <a:solidFill>
+                      <a:schemeClr val="bg2">
+                        <a:lumMod val="90000"/>
+                      </a:schemeClr>
+                    </a:solidFill>
+                  </a:tcPr>
+                </a:tc>
+              </a:tr>
+              <a:tr h="370840">
+                <a:tc>
+                  <a:txBody>
+                    <a:bodyPr/>
+                    <a:lstStyle/>
+                    <a:p>
+                      <a:pPr algn="ctr"/>
+                      <a:r>
+                        <a:rPr lang="ru-RU" sz="2400" dirty="0" smtClean="0"/>
+                        <a:t>Среднее</a:t>
+                      </a:r>
+                      <a:r>
+                        <a:rPr lang="ru-RU" sz="2400" baseline="0" dirty="0" smtClean="0"/>
+                        <a:t> отклонение</a:t>
+                      </a:r>
+                      <a:endParaRPr lang="ru-RU" sz="2400" dirty="0"/>
+                    </a:p>
+                  </a:txBody>
+                  <a:tcPr/>
+                </a:tc>
+                <a:tc>
+                  <a:txBody>
+                    <a:bodyPr/>
+                    <a:lstStyle/>
+                    <a:p>
+                      <a:pPr algn="ctr"/>
+                      <a:r>
+                        <a:rPr lang="ru-RU" sz="2400" kern="1200" dirty="0" smtClean="0">
+                          <a:solidFill>
+                            <a:schemeClr val="tx1"/>
+                          </a:solidFill>
+                          <a:latin typeface="+mn-lt"/>
+                          <a:ea typeface="+mn-ea"/>
+                          <a:cs typeface="+mn-cs"/>
+                        </a:rPr>
+                        <a:t>0.000405827°</a:t>
+                      </a:r>
+                      <a:endParaRPr lang="ru-RU" sz="2400" dirty="0"/>
+                    </a:p>
+                  </a:txBody>
+                  <a:tcPr/>
+                </a:tc>
+                <a:tc>
+                  <a:txBody>
+                    <a:bodyPr/>
+                    <a:lstStyle/>
+                    <a:p>
+                      <a:pPr algn="ctr"/>
+                      <a:r>
+                        <a:rPr lang="ru-RU" sz="2400" kern="1200" dirty="0" smtClean="0">
+                          <a:solidFill>
+                            <a:schemeClr val="tx1"/>
+                          </a:solidFill>
+                          <a:latin typeface="+mn-lt"/>
+                          <a:ea typeface="+mn-ea"/>
+                          <a:cs typeface="+mn-cs"/>
+                        </a:rPr>
+                        <a:t>0.000211782°</a:t>
+                      </a:r>
+                      <a:endParaRPr lang="ru-RU" sz="2400" dirty="0"/>
+                    </a:p>
+                  </a:txBody>
+                  <a:tcPr/>
+                </a:tc>
+              </a:tr>
+              <a:tr h="370840">
+                <a:tc>
+                  <a:txBody>
+                    <a:bodyPr/>
+                    <a:lstStyle/>
+                    <a:p>
+                      <a:pPr algn="ctr"/>
+                      <a:r>
+                        <a:rPr lang="ru-RU" sz="2400" dirty="0" smtClean="0"/>
+                        <a:t>Максимальное отклонение</a:t>
+                      </a:r>
+                      <a:endParaRPr lang="ru-RU" sz="2400" dirty="0"/>
+                    </a:p>
+                  </a:txBody>
+                  <a:tcPr/>
+                </a:tc>
+                <a:tc>
+                  <a:txBody>
+                    <a:bodyPr/>
+                    <a:lstStyle/>
+                    <a:p>
+                      <a:pPr algn="ctr"/>
+                      <a:r>
+                        <a:rPr lang="ru-RU" sz="2400" kern="1200" dirty="0" smtClean="0">
+                          <a:solidFill>
+                            <a:schemeClr val="tx1"/>
+                          </a:solidFill>
+                          <a:latin typeface="+mn-lt"/>
+                          <a:ea typeface="+mn-ea"/>
+                          <a:cs typeface="+mn-cs"/>
+                        </a:rPr>
+                        <a:t>0.052028575°</a:t>
+                      </a:r>
+                      <a:endParaRPr lang="ru-RU" sz="2400" dirty="0"/>
+                    </a:p>
+                  </a:txBody>
+                  <a:tcPr/>
+                </a:tc>
+                <a:tc>
+                  <a:txBody>
+                    <a:bodyPr/>
+                    <a:lstStyle/>
+                    <a:p>
+                      <a:pPr algn="ctr"/>
+                      <a:r>
+                        <a:rPr lang="ru-RU" sz="2400" kern="1200" dirty="0" smtClean="0">
+                          <a:solidFill>
+                            <a:schemeClr val="tx1"/>
+                          </a:solidFill>
+                          <a:latin typeface="+mn-lt"/>
+                          <a:ea typeface="+mn-ea"/>
+                          <a:cs typeface="+mn-cs"/>
+                        </a:rPr>
+                        <a:t>0.002506864°</a:t>
+                      </a:r>
+                      <a:endParaRPr lang="ru-RU" sz="2400" dirty="0"/>
+                    </a:p>
+                  </a:txBody>
+                  <a:tcPr/>
+                </a:tc>
+              </a:tr>
+              <a:tr h="370840">
+                <a:tc>
+                  <a:txBody>
+                    <a:bodyPr/>
+                    <a:lstStyle/>
+                    <a:p>
+                      <a:pPr algn="ctr"/>
+                      <a:r>
+                        <a:rPr lang="ru-RU" sz="2400" dirty="0" smtClean="0"/>
+                        <a:t>Минимальное</a:t>
+                      </a:r>
+                      <a:r>
+                        <a:rPr lang="ru-RU" sz="2400" baseline="0" dirty="0" smtClean="0"/>
+                        <a:t> отклонение</a:t>
+                      </a:r>
+                      <a:endParaRPr lang="ru-RU" sz="2400" dirty="0"/>
+                    </a:p>
+                  </a:txBody>
+                  <a:tcPr/>
+                </a:tc>
+                <a:tc>
+                  <a:txBody>
+                    <a:bodyPr/>
+                    <a:lstStyle/>
+                    <a:p>
+                      <a:pPr algn="ctr"/>
+                      <a:r>
+                        <a:rPr lang="ru-RU" sz="2400" kern="1200" dirty="0" smtClean="0">
+                          <a:solidFill>
+                            <a:schemeClr val="tx1"/>
+                          </a:solidFill>
+                          <a:latin typeface="+mn-lt"/>
+                          <a:ea typeface="+mn-ea"/>
+                          <a:cs typeface="+mn-cs"/>
+                        </a:rPr>
+                        <a:t>0.000001665°</a:t>
+                      </a:r>
+                      <a:endParaRPr lang="ru-RU" sz="2400" dirty="0"/>
+                    </a:p>
+                  </a:txBody>
+                  <a:tcPr/>
+                </a:tc>
+                <a:tc>
+                  <a:txBody>
+                    <a:bodyPr/>
+                    <a:lstStyle/>
+                    <a:p>
+                      <a:pPr algn="ctr"/>
+                      <a:r>
+                        <a:rPr lang="ru-RU" sz="2400" kern="1200" dirty="0" smtClean="0">
+                          <a:solidFill>
+                            <a:schemeClr val="tx1"/>
+                          </a:solidFill>
+                          <a:latin typeface="+mn-lt"/>
+                          <a:ea typeface="+mn-ea"/>
+                          <a:cs typeface="+mn-cs"/>
+                        </a:rPr>
+                        <a:t>0.000000002°</a:t>
+                      </a:r>
+                      <a:endParaRPr lang="ru-RU" sz="2400" dirty="0"/>
+                    </a:p>
+                  </a:txBody>
+                  <a:tcPr/>
+                </a:tc>
+              </a:tr>
+            </a:tbl>
+          </a:graphicData>
+        </a:graphic>
+      </p:graphicFrame>
+      <p:sp>
+        <p:nvSpPr>
+          <p:cNvPr id="4" name="Номер слайда 3"/>
+          <p:cNvSpPr>
+            <a:spLocks noGrp="1"/>
+          </p:cNvSpPr>
+          <p:nvPr>
+            <p:ph type="sldNum" sz="quarter" idx="12"/>
+          </p:nvPr>
+        </p:nvSpPr>
+        <p:spPr/>
+        <p:txBody>
+          <a:bodyPr/>
+          <a:lstStyle/>
+          <a:p>
+            <a:fld id="{3BCC8605-603C-4CBC-9D12-BEB80FA30360}" type="slidenum">
+              <a:rPr lang="ru-RU" smtClean="0"/>
+              <a:t>14</a:t>
+            </a:fld>
+            <a:endParaRPr lang="ru-RU"/>
+          </a:p>
+        </p:txBody>
+      </p:sp>
+      <p:sp>
+        <p:nvSpPr>
+          <p:cNvPr id="11" name="TextBox 10"/>
+          <p:cNvSpPr txBox="1"/>
+          <p:nvPr/>
+        </p:nvSpPr>
+        <p:spPr>
+          <a:xfrm>
+            <a:off x="838200" y="4743450"/>
+            <a:ext cx="10515600" cy="830997"/>
+          </a:xfrm>
+          <a:prstGeom prst="rect">
+            <a:avLst/>
+          </a:prstGeom>
+          <a:noFill/>
+        </p:spPr>
+        <p:txBody>
+          <a:bodyPr wrap="square" rtlCol="0">
+            <a:spAutoFit/>
+          </a:bodyPr>
+          <a:lstStyle/>
+          <a:p>
+            <a:r>
+              <a:rPr lang="ru-RU" sz="2400" dirty="0" smtClean="0"/>
+              <a:t>По итогам эксперимента можно сделать вывод, что предложенный метод повышает точность маршрута</a:t>
+            </a:r>
+            <a:endParaRPr lang="ru-RU" sz="2400" dirty="0"/>
+          </a:p>
+        </p:txBody>
+      </p:sp>
+    </p:spTree>
+    <p:extLst>
+      <p:ext uri="{BB962C8B-B14F-4D97-AF65-F5344CB8AC3E}">
+        <p14:creationId xmlns:p14="http://schemas.microsoft.com/office/powerpoint/2010/main" val="181119005"/>
+      </p:ext>
+    </p:extLst>
+  </p:cSld>
+  <p:clrMapOvr>
+    <a:masterClrMapping/>
+  </p:clrMapOvr>
+</p:sld>
+</file>
+
+<file path=ppt/slides/slide15.xml><?xml version="1.0" encoding="utf-8"?>
+<p:sld xmlns:a="http://schemas.openxmlformats.org/drawingml/2006/main" xmlns:r="http://schemas.openxmlformats.org/officeDocument/2006/relationships" xmlns:p="http://schemas.openxmlformats.org/presentationml/2006/main">
+  <p:cSld>
+    <p:spTree>
+      <p:nvGrpSpPr>
+        <p:cNvPr id="1" name=""/>
+        <p:cNvGrpSpPr/>
+        <p:nvPr/>
+      </p:nvGrpSpPr>
+      <p:grpSpPr>
+        <a:xfrm>
+          <a:off x="0" y="0"/>
+          <a:ext cx="0" cy="0"/>
+          <a:chOff x="0" y="0"/>
+          <a:chExt cx="0" cy="0"/>
+        </a:xfrm>
+      </p:grpSpPr>
+      <p:sp>
+        <p:nvSpPr>
+          <p:cNvPr id="2" name="Title 1"/>
+          <p:cNvSpPr>
+            <a:spLocks noGrp="1"/>
+          </p:cNvSpPr>
+          <p:nvPr>
+            <p:ph type="title"/>
+          </p:nvPr>
+        </p:nvSpPr>
+        <p:spPr>
+          <a:xfrm>
+            <a:off x="1435359" y="262582"/>
+            <a:ext cx="10515600" cy="1325563"/>
+          </a:xfrm>
+        </p:spPr>
+        <p:txBody>
+          <a:bodyPr>
+            <a:normAutofit/>
+          </a:bodyPr>
+          <a:lstStyle/>
+          <a:p>
+            <a:r>
+              <a:rPr lang="ru-RU" dirty="0" smtClean="0"/>
+              <a:t>Экономическая часть</a:t>
+            </a:r>
+            <a:endParaRPr lang="en-US" dirty="0"/>
+          </a:p>
+        </p:txBody>
+      </p:sp>
+      <p:sp>
+        <p:nvSpPr>
+          <p:cNvPr id="4" name="Slide Number Placeholder 3"/>
+          <p:cNvSpPr>
+            <a:spLocks noGrp="1"/>
+          </p:cNvSpPr>
+          <p:nvPr>
+            <p:ph type="sldNum" sz="quarter" idx="12"/>
+          </p:nvPr>
+        </p:nvSpPr>
+        <p:spPr/>
+        <p:txBody>
+          <a:bodyPr/>
+          <a:lstStyle/>
+          <a:p>
+            <a:fld id="{1CB08BE3-9E86-4904-A5E6-C6CA17EEBD10}" type="slidenum">
+              <a:rPr lang="ru-RU" smtClean="0"/>
+              <a:t>15</a:t>
+            </a:fld>
+            <a:endParaRPr lang="ru-RU" dirty="0"/>
+          </a:p>
+        </p:txBody>
+      </p:sp>
+      <p:graphicFrame>
+        <p:nvGraphicFramePr>
+          <p:cNvPr id="7" name="Таблица 6"/>
+          <p:cNvGraphicFramePr>
+            <a:graphicFrameLocks noGrp="1"/>
+          </p:cNvGraphicFramePr>
+          <p:nvPr>
+            <p:extLst>
+              <p:ext uri="{D42A27DB-BD31-4B8C-83A1-F6EECF244321}">
+                <p14:modId xmlns:p14="http://schemas.microsoft.com/office/powerpoint/2010/main" val="358093484"/>
+              </p:ext>
+            </p:extLst>
+          </p:nvPr>
+        </p:nvGraphicFramePr>
+        <p:xfrm>
+          <a:off x="1689274" y="1961022"/>
+          <a:ext cx="4175999" cy="4418709"/>
+        </p:xfrm>
+        <a:graphic>
+          <a:graphicData uri="http://schemas.openxmlformats.org/drawingml/2006/table">
+            <a:tbl>
+              <a:tblPr firstCol="1">
+                <a:tableStyleId>{F5AB1C69-6EDB-4FF4-983F-18BD219EF322}</a:tableStyleId>
+              </a:tblPr>
+              <a:tblGrid>
+                <a:gridCol w="2684570"/>
+                <a:gridCol w="1491429"/>
+              </a:tblGrid>
+              <a:tr h="631106">
+                <a:tc>
+                  <a:txBody>
+                    <a:bodyPr/>
+                    <a:lstStyle/>
+                    <a:p>
+                      <a:pPr algn="ctr" fontAlgn="b"/>
+                      <a:r>
+                        <a:rPr lang="ru-RU" sz="1800" u="none" strike="noStrike" dirty="0">
+                          <a:effectLst/>
+                        </a:rPr>
+                        <a:t>Период расчета</a:t>
+                      </a:r>
+                      <a:endParaRPr lang="ru-RU" sz="1800" b="0" i="0" u="none" strike="noStrike" dirty="0">
+                        <a:solidFill>
+                          <a:srgbClr val="000000"/>
+                        </a:solidFill>
+                        <a:effectLst/>
+                        <a:latin typeface="Calibri" panose="020F0502020204030204" pitchFamily="34" charset="0"/>
+                      </a:endParaRPr>
+                    </a:p>
+                  </a:txBody>
+                  <a:tcPr marL="7739" marR="7739" marT="7739" marB="0" anchor="ctr"/>
+                </a:tc>
+                <a:tc>
+                  <a:txBody>
+                    <a:bodyPr/>
+                    <a:lstStyle/>
+                    <a:p>
+                      <a:pPr algn="ctr" fontAlgn="b"/>
+                      <a:r>
+                        <a:rPr lang="ru-RU" sz="1800" u="none" strike="noStrike" dirty="0" smtClean="0">
+                          <a:effectLst/>
+                        </a:rPr>
+                        <a:t>3-6.2015</a:t>
+                      </a:r>
+                      <a:endParaRPr lang="ru-RU" sz="1800" b="0" i="0" u="none" strike="noStrike" dirty="0">
+                        <a:solidFill>
+                          <a:srgbClr val="000000"/>
+                        </a:solidFill>
+                        <a:effectLst/>
+                        <a:latin typeface="Calibri" panose="020F0502020204030204" pitchFamily="34" charset="0"/>
+                      </a:endParaRPr>
+                    </a:p>
+                  </a:txBody>
+                  <a:tcPr marL="7739" marR="7739" marT="7739" marB="0" anchor="ctr"/>
+                </a:tc>
+              </a:tr>
+              <a:tr h="631106">
+                <a:tc>
+                  <a:txBody>
+                    <a:bodyPr/>
+                    <a:lstStyle/>
+                    <a:p>
+                      <a:pPr algn="ctr" fontAlgn="b"/>
+                      <a:r>
+                        <a:rPr lang="ru-RU" sz="1800" u="none" strike="noStrike">
+                          <a:effectLst/>
+                        </a:rPr>
+                        <a:t>Баланс начальный</a:t>
+                      </a:r>
+                      <a:endParaRPr lang="ru-RU" sz="1800" b="0" i="0" u="none" strike="noStrike">
+                        <a:solidFill>
+                          <a:srgbClr val="000000"/>
+                        </a:solidFill>
+                        <a:effectLst/>
+                        <a:latin typeface="Calibri" panose="020F0502020204030204" pitchFamily="34" charset="0"/>
+                      </a:endParaRPr>
+                    </a:p>
+                  </a:txBody>
+                  <a:tcPr marL="7739" marR="7739" marT="7739" marB="0" anchor="ctr"/>
+                </a:tc>
+                <a:tc>
+                  <a:txBody>
+                    <a:bodyPr/>
+                    <a:lstStyle/>
+                    <a:p>
+                      <a:pPr algn="ctr" fontAlgn="b"/>
+                      <a:r>
+                        <a:rPr lang="ru-RU" sz="1800" u="none" strike="noStrike" dirty="0" smtClean="0">
+                          <a:effectLst/>
+                        </a:rPr>
+                        <a:t>-912820,75 р.</a:t>
+                      </a:r>
+                      <a:endParaRPr lang="ru-RU" sz="1800" b="0" i="0" u="none" strike="noStrike" dirty="0">
+                        <a:solidFill>
+                          <a:srgbClr val="000000"/>
+                        </a:solidFill>
+                        <a:effectLst/>
+                        <a:latin typeface="Calibri" panose="020F0502020204030204" pitchFamily="34" charset="0"/>
+                      </a:endParaRPr>
+                    </a:p>
+                  </a:txBody>
+                  <a:tcPr marL="7739" marR="7739" marT="7739" marB="0" anchor="ctr"/>
+                </a:tc>
+              </a:tr>
+              <a:tr h="631106">
+                <a:tc>
+                  <a:txBody>
+                    <a:bodyPr/>
+                    <a:lstStyle/>
+                    <a:p>
+                      <a:pPr algn="ctr" fontAlgn="b"/>
+                      <a:r>
+                        <a:rPr lang="ru-RU" sz="1800" u="none" strike="noStrike" dirty="0">
+                          <a:effectLst/>
+                        </a:rPr>
+                        <a:t>Сумма продаж</a:t>
+                      </a:r>
+                      <a:endParaRPr lang="ru-RU" sz="1800" b="0" i="0" u="none" strike="noStrike" dirty="0">
+                        <a:solidFill>
+                          <a:srgbClr val="000000"/>
+                        </a:solidFill>
+                        <a:effectLst/>
+                        <a:latin typeface="Calibri" panose="020F0502020204030204" pitchFamily="34" charset="0"/>
+                      </a:endParaRPr>
+                    </a:p>
+                  </a:txBody>
+                  <a:tcPr marL="7739" marR="7739" marT="7739" marB="0" anchor="ctr"/>
+                </a:tc>
+                <a:tc>
+                  <a:txBody>
+                    <a:bodyPr/>
+                    <a:lstStyle/>
+                    <a:p>
+                      <a:pPr algn="ctr" fontAlgn="b"/>
+                      <a:r>
+                        <a:rPr lang="ru-RU" sz="1800" u="none" strike="noStrike" dirty="0" smtClean="0">
+                          <a:effectLst/>
+                        </a:rPr>
+                        <a:t>1358434,23 </a:t>
+                      </a:r>
+                      <a:r>
+                        <a:rPr lang="ru-RU" sz="1800" u="none" strike="noStrike" dirty="0">
+                          <a:effectLst/>
+                        </a:rPr>
+                        <a:t>р.</a:t>
+                      </a:r>
+                      <a:endParaRPr lang="ru-RU" sz="1800" b="0" i="0" u="none" strike="noStrike" dirty="0">
+                        <a:solidFill>
+                          <a:srgbClr val="000000"/>
+                        </a:solidFill>
+                        <a:effectLst/>
+                        <a:latin typeface="Calibri" panose="020F0502020204030204" pitchFamily="34" charset="0"/>
+                      </a:endParaRPr>
+                    </a:p>
+                  </a:txBody>
+                  <a:tcPr marL="7739" marR="7739" marT="7739" marB="0" anchor="ctr"/>
+                </a:tc>
+              </a:tr>
+              <a:tr h="631106">
+                <a:tc>
+                  <a:txBody>
+                    <a:bodyPr/>
+                    <a:lstStyle/>
+                    <a:p>
+                      <a:pPr algn="ctr" fontAlgn="b"/>
+                      <a:r>
+                        <a:rPr lang="ru-RU" sz="1800" u="none" strike="noStrike">
+                          <a:effectLst/>
+                        </a:rPr>
+                        <a:t>Сумма погашения кредита </a:t>
+                      </a:r>
+                      <a:endParaRPr lang="ru-RU" sz="1800" b="0" i="0" u="none" strike="noStrike">
+                        <a:solidFill>
+                          <a:srgbClr val="000000"/>
+                        </a:solidFill>
+                        <a:effectLst/>
+                        <a:latin typeface="Calibri" panose="020F0502020204030204" pitchFamily="34" charset="0"/>
+                      </a:endParaRPr>
+                    </a:p>
+                  </a:txBody>
+                  <a:tcPr marL="7739" marR="7739" marT="7739" marB="0" anchor="ctr"/>
+                </a:tc>
+                <a:tc>
+                  <a:txBody>
+                    <a:bodyPr/>
+                    <a:lstStyle/>
+                    <a:p>
+                      <a:pPr algn="ctr" fontAlgn="b"/>
+                      <a:r>
+                        <a:rPr lang="ru-RU" sz="1800" u="none" strike="noStrike" dirty="0" smtClean="0">
+                          <a:effectLst/>
+                        </a:rPr>
+                        <a:t>1140934,66 </a:t>
+                      </a:r>
+                      <a:r>
+                        <a:rPr lang="ru-RU" sz="1800" u="none" strike="noStrike" dirty="0">
+                          <a:effectLst/>
+                        </a:rPr>
+                        <a:t>р.</a:t>
+                      </a:r>
+                      <a:endParaRPr lang="ru-RU" sz="1800" b="0" i="0" u="none" strike="noStrike" dirty="0">
+                        <a:solidFill>
+                          <a:srgbClr val="000000"/>
+                        </a:solidFill>
+                        <a:effectLst/>
+                        <a:latin typeface="Calibri" panose="020F0502020204030204" pitchFamily="34" charset="0"/>
+                      </a:endParaRPr>
+                    </a:p>
+                  </a:txBody>
+                  <a:tcPr marL="7739" marR="7739" marT="7739" marB="0" anchor="ctr"/>
+                </a:tc>
+              </a:tr>
+              <a:tr h="632073">
+                <a:tc>
+                  <a:txBody>
+                    <a:bodyPr/>
+                    <a:lstStyle/>
+                    <a:p>
+                      <a:pPr algn="ctr" fontAlgn="b"/>
+                      <a:r>
+                        <a:rPr lang="ru-RU" sz="1800" u="none" strike="noStrike">
+                          <a:effectLst/>
+                        </a:rPr>
+                        <a:t>Фактическая совокупная прибыль</a:t>
+                      </a:r>
+                      <a:endParaRPr lang="ru-RU" sz="1800" b="0" i="0" u="none" strike="noStrike">
+                        <a:solidFill>
+                          <a:srgbClr val="000000"/>
+                        </a:solidFill>
+                        <a:effectLst/>
+                        <a:latin typeface="Calibri" panose="020F0502020204030204" pitchFamily="34" charset="0"/>
+                      </a:endParaRPr>
+                    </a:p>
+                  </a:txBody>
+                  <a:tcPr marL="7739" marR="7739" marT="7739" marB="0" anchor="ctr"/>
+                </a:tc>
+                <a:tc>
+                  <a:txBody>
+                    <a:bodyPr/>
+                    <a:lstStyle/>
+                    <a:p>
+                      <a:pPr algn="ctr" fontAlgn="b"/>
+                      <a:r>
+                        <a:rPr lang="ru-RU" sz="1800" u="none" strike="noStrike" dirty="0" smtClean="0">
+                          <a:effectLst/>
+                        </a:rPr>
+                        <a:t>217500,23 </a:t>
+                      </a:r>
+                      <a:r>
+                        <a:rPr lang="ru-RU" sz="1800" u="none" strike="noStrike" dirty="0">
+                          <a:effectLst/>
+                        </a:rPr>
+                        <a:t>р.</a:t>
+                      </a:r>
+                      <a:endParaRPr lang="ru-RU" sz="1800" b="0" i="0" u="none" strike="noStrike" dirty="0">
+                        <a:solidFill>
+                          <a:srgbClr val="000000"/>
+                        </a:solidFill>
+                        <a:effectLst/>
+                        <a:latin typeface="Calibri" panose="020F0502020204030204" pitchFamily="34" charset="0"/>
+                      </a:endParaRPr>
+                    </a:p>
+                  </a:txBody>
+                  <a:tcPr marL="7739" marR="7739" marT="7739" marB="0" anchor="ctr"/>
+                </a:tc>
+              </a:tr>
+              <a:tr h="631106">
+                <a:tc>
+                  <a:txBody>
+                    <a:bodyPr/>
+                    <a:lstStyle/>
+                    <a:p>
+                      <a:pPr algn="ctr" fontAlgn="b"/>
+                      <a:r>
+                        <a:rPr lang="ru-RU" sz="1800" u="none" strike="noStrike">
+                          <a:effectLst/>
+                        </a:rPr>
+                        <a:t>Фактическая чистая прибыль</a:t>
+                      </a:r>
+                      <a:endParaRPr lang="ru-RU" sz="1800" b="0" i="0" u="none" strike="noStrike">
+                        <a:solidFill>
+                          <a:srgbClr val="000000"/>
+                        </a:solidFill>
+                        <a:effectLst/>
+                        <a:latin typeface="Calibri" panose="020F0502020204030204" pitchFamily="34" charset="0"/>
+                      </a:endParaRPr>
+                    </a:p>
+                  </a:txBody>
+                  <a:tcPr marL="7739" marR="7739" marT="7739" marB="0" anchor="ctr"/>
+                </a:tc>
+                <a:tc>
+                  <a:txBody>
+                    <a:bodyPr/>
+                    <a:lstStyle/>
+                    <a:p>
+                      <a:pPr algn="ctr" fontAlgn="b"/>
+                      <a:r>
+                        <a:rPr lang="ru-RU" sz="1800" u="none" strike="noStrike" dirty="0" smtClean="0">
+                          <a:effectLst/>
+                        </a:rPr>
+                        <a:t>178350,19 </a:t>
+                      </a:r>
+                      <a:r>
+                        <a:rPr lang="ru-RU" sz="1800" u="none" strike="noStrike" dirty="0">
+                          <a:effectLst/>
+                        </a:rPr>
+                        <a:t>р.</a:t>
+                      </a:r>
+                      <a:endParaRPr lang="ru-RU" sz="1800" b="0" i="0" u="none" strike="noStrike" dirty="0">
+                        <a:solidFill>
+                          <a:srgbClr val="000000"/>
+                        </a:solidFill>
+                        <a:effectLst/>
+                        <a:latin typeface="Calibri" panose="020F0502020204030204" pitchFamily="34" charset="0"/>
+                      </a:endParaRPr>
+                    </a:p>
+                  </a:txBody>
+                  <a:tcPr marL="7739" marR="7739" marT="7739" marB="0" anchor="ctr"/>
+                </a:tc>
+              </a:tr>
+              <a:tr h="631106">
+                <a:tc>
+                  <a:txBody>
+                    <a:bodyPr/>
+                    <a:lstStyle/>
+                    <a:p>
+                      <a:pPr algn="ctr" fontAlgn="b"/>
+                      <a:r>
+                        <a:rPr lang="ru-RU" sz="1800" u="none" strike="noStrike" dirty="0">
+                          <a:effectLst/>
+                        </a:rPr>
+                        <a:t>Баланс конечный</a:t>
+                      </a:r>
+                      <a:endParaRPr lang="ru-RU" sz="1800" b="0" i="0" u="none" strike="noStrike" dirty="0">
+                        <a:solidFill>
+                          <a:srgbClr val="000000"/>
+                        </a:solidFill>
+                        <a:effectLst/>
+                        <a:latin typeface="Calibri" panose="020F0502020204030204" pitchFamily="34" charset="0"/>
+                      </a:endParaRPr>
+                    </a:p>
+                  </a:txBody>
+                  <a:tcPr marL="7739" marR="7739" marT="7739" marB="0" anchor="ctr"/>
+                </a:tc>
+                <a:tc>
+                  <a:txBody>
+                    <a:bodyPr/>
+                    <a:lstStyle/>
+                    <a:p>
+                      <a:pPr algn="ctr" fontAlgn="b"/>
+                      <a:r>
+                        <a:rPr lang="ru-RU" sz="1800" b="1" u="none" strike="noStrike" dirty="0" smtClean="0">
+                          <a:solidFill>
+                            <a:schemeClr val="bg1"/>
+                          </a:solidFill>
+                          <a:effectLst/>
+                        </a:rPr>
+                        <a:t>406464,1 р</a:t>
+                      </a:r>
+                      <a:r>
+                        <a:rPr lang="ru-RU" sz="1800" b="1" u="none" strike="noStrike" dirty="0">
+                          <a:solidFill>
+                            <a:schemeClr val="bg1"/>
+                          </a:solidFill>
+                          <a:effectLst/>
+                        </a:rPr>
+                        <a:t>.</a:t>
+                      </a:r>
+                      <a:endParaRPr lang="ru-RU" sz="1800" b="1" i="0" u="none" strike="noStrike" dirty="0">
+                        <a:solidFill>
+                          <a:schemeClr val="bg1"/>
+                        </a:solidFill>
+                        <a:effectLst/>
+                        <a:latin typeface="Calibri" panose="020F0502020204030204" pitchFamily="34" charset="0"/>
+                      </a:endParaRPr>
+                    </a:p>
+                  </a:txBody>
+                  <a:tcPr marL="7739" marR="7739" marT="7739" marB="0" anchor="ctr">
+                    <a:solidFill>
+                      <a:srgbClr val="A5A5A5"/>
+                    </a:solidFill>
+                  </a:tcPr>
+                </a:tc>
+              </a:tr>
+            </a:tbl>
+          </a:graphicData>
+        </a:graphic>
+      </p:graphicFrame>
+      <p:sp>
+        <p:nvSpPr>
+          <p:cNvPr id="8" name="TextBox 7"/>
+          <p:cNvSpPr txBox="1"/>
+          <p:nvPr/>
+        </p:nvSpPr>
+        <p:spPr>
+          <a:xfrm>
+            <a:off x="1628934" y="1378473"/>
+            <a:ext cx="3916781" cy="461665"/>
+          </a:xfrm>
+          <a:prstGeom prst="rect">
+            <a:avLst/>
+          </a:prstGeom>
+          <a:noFill/>
+        </p:spPr>
+        <p:txBody>
+          <a:bodyPr wrap="square" rtlCol="0">
+            <a:spAutoFit/>
+          </a:bodyPr>
+          <a:lstStyle/>
+          <a:p>
+            <a:pPr algn="ctr"/>
+            <a:r>
+              <a:rPr lang="ru-RU" sz="2400" dirty="0"/>
+              <a:t>Таблица общего баланса</a:t>
+            </a:r>
+          </a:p>
+        </p:txBody>
+      </p:sp>
+      <p:sp>
+        <p:nvSpPr>
+          <p:cNvPr id="11" name="TextBox 10"/>
+          <p:cNvSpPr txBox="1"/>
+          <p:nvPr/>
+        </p:nvSpPr>
+        <p:spPr>
+          <a:xfrm>
+            <a:off x="6256841" y="1378473"/>
+            <a:ext cx="4290085" cy="461665"/>
+          </a:xfrm>
+          <a:prstGeom prst="rect">
+            <a:avLst/>
+          </a:prstGeom>
+          <a:noFill/>
+        </p:spPr>
+        <p:txBody>
+          <a:bodyPr wrap="none" rtlCol="0">
+            <a:spAutoFit/>
+          </a:bodyPr>
+          <a:lstStyle/>
+          <a:p>
+            <a:r>
+              <a:rPr lang="ru-RU" sz="2400" dirty="0"/>
+              <a:t>Структура затрат на разработку</a:t>
+            </a:r>
+          </a:p>
+        </p:txBody>
+      </p:sp>
+      <p:pic>
+        <p:nvPicPr>
+          <p:cNvPr id="3" name="Рисунок 2"/>
+          <p:cNvPicPr>
+            <a:picLocks noChangeAspect="1"/>
+          </p:cNvPicPr>
+          <p:nvPr/>
+        </p:nvPicPr>
+        <p:blipFill rotWithShape="1">
+          <a:blip r:embed="rId2">
+            <a:extLst>
+              <a:ext uri="{28A0092B-C50C-407E-A947-70E740481C1C}">
+                <a14:useLocalDpi xmlns:a14="http://schemas.microsoft.com/office/drawing/2010/main" val="0"/>
+              </a:ext>
+            </a:extLst>
+          </a:blip>
+          <a:srcRect t="9869" r="37708"/>
+          <a:stretch/>
+        </p:blipFill>
+        <p:spPr>
+          <a:xfrm>
+            <a:off x="5816335" y="1919110"/>
+            <a:ext cx="4730591" cy="4415952"/>
+          </a:xfrm>
+          <a:prstGeom prst="rect">
+            <a:avLst/>
+          </a:prstGeom>
+        </p:spPr>
+      </p:pic>
+      <p:sp>
+        <p:nvSpPr>
+          <p:cNvPr id="5" name="TextBox 4"/>
+          <p:cNvSpPr txBox="1"/>
+          <p:nvPr/>
+        </p:nvSpPr>
+        <p:spPr>
+          <a:xfrm>
+            <a:off x="8774109" y="3398382"/>
+            <a:ext cx="1282915" cy="646331"/>
+          </a:xfrm>
+          <a:prstGeom prst="rect">
+            <a:avLst/>
+          </a:prstGeom>
+          <a:noFill/>
+        </p:spPr>
+        <p:txBody>
+          <a:bodyPr wrap="none" rtlCol="0">
+            <a:spAutoFit/>
+          </a:bodyPr>
+          <a:lstStyle/>
+          <a:p>
+            <a:r>
+              <a:rPr lang="ru-RU" dirty="0" smtClean="0"/>
+              <a:t>Заработная</a:t>
+            </a:r>
+            <a:br>
+              <a:rPr lang="ru-RU" dirty="0" smtClean="0"/>
+            </a:br>
+            <a:r>
+              <a:rPr lang="ru-RU" dirty="0" smtClean="0"/>
+              <a:t>плата</a:t>
+            </a:r>
+            <a:endParaRPr lang="ru-RU" dirty="0"/>
+          </a:p>
+        </p:txBody>
+      </p:sp>
+      <p:sp>
+        <p:nvSpPr>
+          <p:cNvPr id="6" name="TextBox 5"/>
+          <p:cNvSpPr txBox="1"/>
+          <p:nvPr/>
+        </p:nvSpPr>
+        <p:spPr>
+          <a:xfrm>
+            <a:off x="6547417" y="1919110"/>
+            <a:ext cx="1465914" cy="646331"/>
+          </a:xfrm>
+          <a:prstGeom prst="rect">
+            <a:avLst/>
+          </a:prstGeom>
+          <a:noFill/>
+        </p:spPr>
+        <p:txBody>
+          <a:bodyPr wrap="none" rtlCol="0">
+            <a:spAutoFit/>
+          </a:bodyPr>
+          <a:lstStyle/>
+          <a:p>
+            <a:r>
+              <a:rPr lang="ru-RU" dirty="0" smtClean="0"/>
+              <a:t>Социальные </a:t>
+            </a:r>
+            <a:br>
+              <a:rPr lang="ru-RU" dirty="0" smtClean="0"/>
+            </a:br>
+            <a:r>
+              <a:rPr lang="ru-RU" dirty="0" smtClean="0"/>
+              <a:t>отчисления</a:t>
+            </a:r>
+            <a:endParaRPr lang="ru-RU" dirty="0"/>
+          </a:p>
+        </p:txBody>
+      </p:sp>
+      <p:sp>
+        <p:nvSpPr>
+          <p:cNvPr id="9" name="TextBox 8"/>
+          <p:cNvSpPr txBox="1"/>
+          <p:nvPr/>
+        </p:nvSpPr>
+        <p:spPr>
+          <a:xfrm>
+            <a:off x="7968883" y="5216567"/>
+            <a:ext cx="1252779" cy="646331"/>
+          </a:xfrm>
+          <a:prstGeom prst="rect">
+            <a:avLst/>
+          </a:prstGeom>
+          <a:noFill/>
+        </p:spPr>
+        <p:txBody>
+          <a:bodyPr wrap="none" rtlCol="0">
+            <a:spAutoFit/>
+          </a:bodyPr>
+          <a:lstStyle/>
+          <a:p>
+            <a:r>
+              <a:rPr lang="ru-RU" dirty="0" smtClean="0"/>
+              <a:t>Затраты на</a:t>
+            </a:r>
+            <a:br>
+              <a:rPr lang="ru-RU" dirty="0" smtClean="0"/>
+            </a:br>
+            <a:r>
+              <a:rPr lang="ru-RU" dirty="0" smtClean="0"/>
+              <a:t>инвентарь</a:t>
+            </a:r>
+            <a:endParaRPr lang="ru-RU" dirty="0"/>
+          </a:p>
+        </p:txBody>
+      </p:sp>
+      <p:sp>
+        <p:nvSpPr>
+          <p:cNvPr id="12" name="TextBox 11"/>
+          <p:cNvSpPr txBox="1"/>
+          <p:nvPr/>
+        </p:nvSpPr>
+        <p:spPr>
+          <a:xfrm>
+            <a:off x="7023881" y="3899655"/>
+            <a:ext cx="945002" cy="646331"/>
+          </a:xfrm>
+          <a:prstGeom prst="rect">
+            <a:avLst/>
+          </a:prstGeom>
+          <a:noFill/>
+        </p:spPr>
+        <p:txBody>
+          <a:bodyPr wrap="none" rtlCol="0">
+            <a:spAutoFit/>
+          </a:bodyPr>
+          <a:lstStyle/>
+          <a:p>
+            <a:r>
+              <a:rPr lang="ru-RU" dirty="0" smtClean="0"/>
+              <a:t>Прочие</a:t>
+            </a:r>
+            <a:br>
+              <a:rPr lang="ru-RU" dirty="0" smtClean="0"/>
+            </a:br>
+            <a:r>
+              <a:rPr lang="ru-RU" dirty="0" smtClean="0"/>
+              <a:t>затраты</a:t>
+            </a:r>
+            <a:endParaRPr lang="ru-RU" dirty="0"/>
+          </a:p>
+        </p:txBody>
+      </p:sp>
+      <p:sp>
+        <p:nvSpPr>
+          <p:cNvPr id="13" name="TextBox 12"/>
+          <p:cNvSpPr txBox="1"/>
+          <p:nvPr/>
+        </p:nvSpPr>
+        <p:spPr>
+          <a:xfrm>
+            <a:off x="6241514" y="5712981"/>
+            <a:ext cx="1297535" cy="646331"/>
+          </a:xfrm>
+          <a:prstGeom prst="rect">
+            <a:avLst/>
+          </a:prstGeom>
+          <a:noFill/>
+        </p:spPr>
+        <p:txBody>
+          <a:bodyPr wrap="none" rtlCol="0">
+            <a:spAutoFit/>
+          </a:bodyPr>
+          <a:lstStyle/>
+          <a:p>
+            <a:r>
+              <a:rPr lang="ru-RU" dirty="0" smtClean="0"/>
+              <a:t>Затраты на</a:t>
+            </a:r>
+            <a:br>
+              <a:rPr lang="ru-RU" dirty="0" smtClean="0"/>
+            </a:br>
+            <a:r>
+              <a:rPr lang="ru-RU" dirty="0" smtClean="0"/>
+              <a:t>помещение</a:t>
+            </a:r>
+            <a:endParaRPr lang="ru-RU" dirty="0"/>
+          </a:p>
+        </p:txBody>
+      </p:sp>
+    </p:spTree>
+    <p:extLst>
+      <p:ext uri="{BB962C8B-B14F-4D97-AF65-F5344CB8AC3E}">
+        <p14:creationId xmlns:p14="http://schemas.microsoft.com/office/powerpoint/2010/main" val="3554980070"/>
+      </p:ext>
+    </p:extLst>
+  </p:cSld>
+  <p:clrMapOvr>
+    <a:masterClrMapping/>
+  </p:clrMapOvr>
+  <p:timing>
+    <p:tnLst>
+      <p:par>
+        <p:cTn id="1" dur="indefinite" restart="never" nodeType="tmRoot"/>
+      </p:par>
+    </p:tnLst>
+  </p:timing>
+</p:sld>
+</file>
+
+<file path=ppt/slides/slide16.xml><?xml version="1.0" encoding="utf-8"?>
+<p:sld xmlns:a="http://schemas.openxmlformats.org/drawingml/2006/main" xmlns:r="http://schemas.openxmlformats.org/officeDocument/2006/relationships" xmlns:p="http://schemas.openxmlformats.org/presentationml/2006/main">
+  <p:cSld>
+    <p:spTree>
+      <p:nvGrpSpPr>
+        <p:cNvPr id="1" name=""/>
+        <p:cNvGrpSpPr/>
+        <p:nvPr/>
+      </p:nvGrpSpPr>
+      <p:grpSpPr>
+        <a:xfrm>
+          <a:off x="0" y="0"/>
+          <a:ext cx="0" cy="0"/>
+          <a:chOff x="0" y="0"/>
+          <a:chExt cx="0" cy="0"/>
+        </a:xfrm>
+      </p:grpSpPr>
+      <p:sp>
+        <p:nvSpPr>
+          <p:cNvPr id="2" name="Заголовок 1"/>
+          <p:cNvSpPr>
+            <a:spLocks noGrp="1"/>
+          </p:cNvSpPr>
+          <p:nvPr>
+            <p:ph type="title"/>
+          </p:nvPr>
+        </p:nvSpPr>
         <p:spPr/>
         <p:txBody>
           <a:bodyPr/>
@@ -3110,34 +5367,98 @@
         </p:nvSpPr>
         <p:spPr/>
         <p:txBody>
+          <a:bodyPr>
+            <a:normAutofit/>
+          </a:bodyPr>
+          <a:lstStyle/>
+          <a:p>
+            <a:pPr lvl="1"/>
+            <a:r>
+              <a:rPr lang="ru-RU" sz="3200" dirty="0" smtClean="0"/>
+              <a:t>Проведен </a:t>
+            </a:r>
+            <a:r>
+              <a:rPr lang="ru-RU" sz="3200" dirty="0"/>
+              <a:t>анализ предметной </a:t>
+            </a:r>
+            <a:r>
+              <a:rPr lang="ru-RU" sz="3200" dirty="0" smtClean="0"/>
+              <a:t>области и показана актуальность рассматриваемой задачи.</a:t>
+            </a:r>
+            <a:endParaRPr lang="ru-RU" sz="3200" dirty="0"/>
+          </a:p>
+          <a:p>
+            <a:pPr lvl="1"/>
+            <a:r>
+              <a:rPr lang="ru-RU" sz="3200" dirty="0" smtClean="0"/>
+              <a:t>Проведен </a:t>
+            </a:r>
+            <a:r>
+              <a:rPr lang="ru-RU" sz="3200" dirty="0"/>
+              <a:t>анализ </a:t>
+            </a:r>
+            <a:r>
+              <a:rPr lang="ru-RU" sz="3200" dirty="0" smtClean="0"/>
+              <a:t>алгоритмов для решения задачи.</a:t>
+            </a:r>
+            <a:endParaRPr lang="ru-RU" sz="3200" dirty="0"/>
+          </a:p>
+          <a:p>
+            <a:pPr lvl="1"/>
+            <a:r>
+              <a:rPr lang="ru-RU" sz="3200" dirty="0" smtClean="0"/>
+              <a:t>Разработан </a:t>
+            </a:r>
+            <a:r>
+              <a:rPr lang="ru-RU" sz="3200" dirty="0"/>
+              <a:t>метод для повышения точности маршрута.</a:t>
+            </a:r>
+          </a:p>
+          <a:p>
+            <a:pPr lvl="1"/>
+            <a:r>
+              <a:rPr lang="ru-RU" sz="3200" dirty="0" smtClean="0"/>
+              <a:t>Реализовано </a:t>
+            </a:r>
+            <a:r>
+              <a:rPr lang="ru-RU" sz="3200" dirty="0"/>
+              <a:t>ПО, использующее предложенный метод.</a:t>
+            </a:r>
+          </a:p>
+          <a:p>
+            <a:pPr lvl="1"/>
+            <a:r>
+              <a:rPr lang="ru-RU" sz="3200" dirty="0" smtClean="0"/>
+              <a:t>Проведен эксперимент, подтвердивший применимость предложенного </a:t>
+            </a:r>
+            <a:r>
+              <a:rPr lang="ru-RU" sz="3200" dirty="0"/>
+              <a:t>метода.</a:t>
+            </a:r>
+            <a:endParaRPr lang="ru-RU" sz="3200" dirty="0"/>
+          </a:p>
+        </p:txBody>
+      </p:sp>
+      <p:sp>
+        <p:nvSpPr>
+          <p:cNvPr id="4" name="Номер слайда 3"/>
+          <p:cNvSpPr>
+            <a:spLocks noGrp="1"/>
+          </p:cNvSpPr>
+          <p:nvPr>
+            <p:ph type="sldNum" sz="quarter" idx="12"/>
+          </p:nvPr>
+        </p:nvSpPr>
+        <p:spPr/>
+        <p:txBody>
           <a:bodyPr/>
           <a:lstStyle/>
           <a:p>
-            <a:r>
-              <a:rPr lang="ru-RU" dirty="0" smtClean="0"/>
-              <a:t>Проведен анализ предметной области и показана актуальность рассматриваемой задачи.</a:t>
-            </a:r>
-          </a:p>
-          <a:p>
-            <a:r>
-              <a:rPr lang="ru-RU" dirty="0" smtClean="0"/>
-              <a:t>Разработан алгоритм, устраняющий погрешности в последовательности </a:t>
-            </a:r>
-            <a:r>
-              <a:rPr lang="en-US" dirty="0" smtClean="0"/>
-              <a:t>GPS-</a:t>
-            </a:r>
-            <a:r>
-              <a:rPr lang="ru-RU" dirty="0" smtClean="0"/>
-              <a:t>координат.</a:t>
-            </a:r>
-          </a:p>
-          <a:p>
-            <a:r>
-              <a:rPr lang="ru-RU" dirty="0" smtClean="0"/>
-              <a:t>Разработано ПО, применяющее разработанный алгоритм для автоматической коррекции маршрутов.</a:t>
-            </a:r>
-            <a:endParaRPr lang="ru-RU" dirty="0"/>
+            <a:fld id="{3BCC8605-603C-4CBC-9D12-BEB80FA30360}" type="slidenum">
+              <a:rPr lang="ru-RU" smtClean="0"/>
+              <a:t>16</a:t>
+            </a:fld>
+            <a:endParaRPr lang="ru-RU"/>
           </a:p>
         </p:txBody>
       </p:sp>
@@ -3217,7 +5538,39 @@
             </a:r>
             <a:r>
               <a:rPr lang="ru-RU" dirty="0"/>
-              <a:t> данной работы является разработка метода, позволяющего воспроизводить маршрут наблюдаемого подвижного объекта по последовательности координат, полученных от одного или нескольких связанных с объектом источников</a:t>
+              <a:t> </a:t>
+            </a:r>
+            <a:r>
+              <a:rPr lang="ru-RU" dirty="0" smtClean="0"/>
+              <a:t>работы </a:t>
+            </a:r>
+            <a:r>
+              <a:rPr lang="ru-RU" dirty="0"/>
+              <a:t>является разработка метода, позволяющего </a:t>
+            </a:r>
+            <a:r>
+              <a:rPr lang="ru-RU" dirty="0" smtClean="0"/>
+              <a:t>строить и уточнять </a:t>
+            </a:r>
+            <a:r>
+              <a:rPr lang="ru-RU" dirty="0"/>
+              <a:t>маршрут наблюдаемого подвижного объекта по </a:t>
+            </a:r>
+            <a:r>
+              <a:rPr lang="ru-RU" dirty="0" smtClean="0"/>
+              <a:t>набору </a:t>
+            </a:r>
+            <a:r>
+              <a:rPr lang="en-US" dirty="0" smtClean="0"/>
+              <a:t>GPS-</a:t>
+            </a:r>
+            <a:r>
+              <a:rPr lang="ru-RU" dirty="0" smtClean="0"/>
+              <a:t>координат</a:t>
+            </a:r>
+            <a:r>
+              <a:rPr lang="ru-RU" dirty="0"/>
+              <a:t>, полученных от одного или нескольких связанных с объектом источников</a:t>
             </a:r>
             <a:r>
               <a:rPr lang="ru-RU" dirty="0" smtClean="0"/>
@@ -3242,7 +5595,14 @@
             </a:r>
             <a:r>
               <a:rPr lang="ru-RU" dirty="0" smtClean="0"/>
-              <a:t>области и методов решения задачи.</a:t>
+              <a:t>области.</a:t>
+            </a:r>
+          </a:p>
+          <a:p>
+            <a:pPr lvl="1"/>
+            <a:r>
+              <a:rPr lang="ru-RU" dirty="0" smtClean="0"/>
+              <a:t>Провести анализ алгоритмов.</a:t>
             </a:r>
             <a:endParaRPr lang="ru-RU" dirty="0" smtClean="0"/>
           </a:p>
@@ -3250,26 +5610,67 @@
             <a:pPr lvl="1"/>
             <a:r>
               <a:rPr lang="ru-RU" dirty="0" smtClean="0"/>
-              <a:t>Разработать алгоритм для обработки последовательности координат</a:t>
-            </a:r>
+              <a:t>Разработать </a:t>
+            </a:r>
+            <a:r>
+              <a:rPr lang="ru-RU" dirty="0" smtClean="0"/>
+              <a:t>метод для повышения точности маршрута.</a:t>
+            </a:r>
+            <a:endParaRPr lang="ru-RU" dirty="0" smtClean="0"/>
           </a:p>
           <a:p>
             <a:pPr lvl="1"/>
             <a:r>
               <a:rPr lang="ru-RU" dirty="0" smtClean="0"/>
-              <a:t>Разработать ПО, применяющее данный алгоритм.</a:t>
-            </a:r>
+              <a:t>Реализовать </a:t>
+            </a:r>
+            <a:r>
+              <a:rPr lang="ru-RU" dirty="0" smtClean="0"/>
+              <a:t>ПО, </a:t>
+            </a:r>
+            <a:r>
+              <a:rPr lang="ru-RU" dirty="0" smtClean="0"/>
+              <a:t>использующее предложенный метод.</a:t>
+            </a:r>
+            <a:endParaRPr lang="ru-RU" dirty="0" smtClean="0"/>
           </a:p>
           <a:p>
             <a:pPr lvl="1"/>
             <a:r>
               <a:rPr lang="ru-RU" dirty="0" smtClean="0"/>
-              <a:t>Провести исследование работы алгоритма.</a:t>
+              <a:t>Провести </a:t>
+            </a:r>
+            <a:r>
+              <a:rPr lang="ru-RU" dirty="0" smtClean="0"/>
+              <a:t>эксперимент для подтверждения применимости метода.</a:t>
             </a:r>
             <a:endParaRPr lang="ru-RU" dirty="0"/>
           </a:p>
           <a:p>
             <a:endParaRPr lang="ru-RU" dirty="0"/>
+          </a:p>
+        </p:txBody>
+      </p:sp>
+      <p:sp>
+        <p:nvSpPr>
+          <p:cNvPr id="4" name="Номер слайда 3"/>
+          <p:cNvSpPr>
+            <a:spLocks noGrp="1"/>
+          </p:cNvSpPr>
+          <p:nvPr>
+            <p:ph type="sldNum" sz="quarter" idx="12"/>
+          </p:nvPr>
+        </p:nvSpPr>
+        <p:spPr/>
+        <p:txBody>
+          <a:bodyPr/>
+          <a:lstStyle/>
+          <a:p>
+            <a:fld id="{3BCC8605-603C-4CBC-9D12-BEB80FA30360}" type="slidenum">
+              <a:rPr lang="ru-RU" smtClean="0"/>
+              <a:t>2</a:t>
+            </a:fld>
+            <a:endParaRPr lang="ru-RU"/>
           </a:p>
         </p:txBody>
       </p:sp>
@@ -3320,7 +5721,7 @@
           <a:p>
             <a:r>
               <a:rPr lang="ru-RU" dirty="0" smtClean="0"/>
-              <a:t>Предметная область</a:t>
+              <a:t>Актуальность решаемой задачи</a:t>
             </a:r>
             <a:endParaRPr lang="ru-RU" dirty="0"/>
           </a:p>
@@ -3351,10 +5752,33 @@
         <p:spPr>
           <a:xfrm>
             <a:off x="838200" y="1898174"/>
-            <a:ext cx="10515600" cy="4206240"/>
+            <a:ext cx="10515600" cy="4206239"/>
           </a:xfrm>
         </p:spPr>
       </p:pic>
+      <p:sp>
+        <p:nvSpPr>
+          <p:cNvPr id="2" name="Номер слайда 1"/>
+          <p:cNvSpPr>
+            <a:spLocks noGrp="1"/>
+          </p:cNvSpPr>
+          <p:nvPr>
+            <p:ph type="sldNum" sz="quarter" idx="12"/>
+          </p:nvPr>
+        </p:nvSpPr>
+        <p:spPr/>
+        <p:txBody>
+          <a:bodyPr/>
+          <a:lstStyle/>
+          <a:p>
+            <a:fld id="{3BCC8605-603C-4CBC-9D12-BEB80FA30360}" type="slidenum">
+              <a:rPr lang="ru-RU" smtClean="0"/>
+              <a:t>3</a:t>
+            </a:fld>
+            <a:endParaRPr lang="ru-RU"/>
+          </a:p>
+        </p:txBody>
+      </p:sp>
     </p:spTree>
     <p:extLst>
       <p:ext uri="{BB962C8B-B14F-4D97-AF65-F5344CB8AC3E}">
@@ -3402,7 +5826,11 @@
           <a:p>
             <a:r>
               <a:rPr lang="ru-RU" dirty="0" smtClean="0"/>
-              <a:t>Анализ задачи и возможных алгоритмов</a:t>
+              <a:t>Анализ </a:t>
+            </a:r>
+            <a:r>
+              <a:rPr lang="ru-RU" dirty="0" smtClean="0"/>
+              <a:t>задачи</a:t>
             </a:r>
             <a:endParaRPr lang="ru-RU" dirty="0"/>
           </a:p>
@@ -3421,18 +5849,18 @@
         <p:spPr/>
         <p:txBody>
           <a:bodyPr>
-            <a:normAutofit lnSpcReduction="10000"/>
+            <a:normAutofit/>
           </a:bodyPr>
           <a:lstStyle/>
           <a:p>
             <a:pPr lvl="0"/>
             <a:r>
               <a:rPr lang="ru-RU" sz="3200" dirty="0"/>
-              <a:t>Объединение наборов </a:t>
+              <a:t>Объединение </a:t>
             </a:r>
             <a:r>
               <a:rPr lang="ru-RU" sz="3200" dirty="0" smtClean="0"/>
-              <a:t>координат — взвешенное среднее координат нескольких источников.</a:t>
+              <a:t>наборов координат.</a:t>
             </a:r>
             <a:endParaRPr lang="ru-RU" sz="3200" dirty="0"/>
           </a:p>
@@ -3444,11 +5872,7 @@
             </a:r>
             <a:r>
               <a:rPr lang="ru-RU" sz="3200" dirty="0" smtClean="0"/>
-              <a:t>пиков</a:t>
-            </a:r>
-            <a:r>
-              <a:rPr lang="ru-RU" sz="3200" dirty="0" smtClean="0"/>
-              <a:t>— эвристический алгоритм на основе физических параметров объекта.</a:t>
+              <a:t>пиков.</a:t>
             </a:r>
             <a:endParaRPr lang="ru-RU" sz="3200" b="1" dirty="0"/>
           </a:p>
@@ -3459,38 +5883,48 @@
               <a:t>Определение мест остановок </a:t>
             </a:r>
             <a:r>
+              <a:rPr lang="ru-RU" sz="3200" dirty="0" smtClean="0"/>
+              <a:t>объекта.</a:t>
+            </a:r>
+          </a:p>
+          <a:p>
+            <a:pPr lvl="0"/>
+            <a:r>
+              <a:rPr lang="ru-RU" sz="3200" dirty="0" smtClean="0"/>
+              <a:t>Сглаживание </a:t>
+            </a:r>
+            <a:r>
               <a:rPr lang="ru-RU" sz="3200" dirty="0"/>
-              <a:t>объекта — </a:t>
+              <a:t>погрешностей </a:t>
             </a:r>
             <a:r>
               <a:rPr lang="ru-RU" sz="3200" dirty="0" smtClean="0"/>
-              <a:t>эвристический алгоритм с выделением групп точек и оценкой отклонения от средней точки</a:t>
+              <a:t>датчика.</a:t>
             </a:r>
             <a:endParaRPr lang="ru-RU" sz="3200" dirty="0"/>
           </a:p>
-          <a:p>
-            <a:pPr lvl="0"/>
-            <a:r>
-              <a:rPr lang="ru-RU" sz="3200" dirty="0"/>
-              <a:t>Сглаживание погрешностей </a:t>
-            </a:r>
-            <a:r>
-              <a:rPr lang="ru-RU" sz="3200" dirty="0" smtClean="0"/>
-              <a:t>датчика</a:t>
-            </a:r>
-            <a:r>
-              <a:rPr lang="ru-RU" sz="3200" dirty="0" smtClean="0"/>
-              <a:t> </a:t>
-            </a:r>
-            <a:r>
-              <a:rPr lang="ru-RU" sz="3200" dirty="0"/>
-              <a:t>— </a:t>
-            </a:r>
-            <a:r>
-              <a:rPr lang="ru-RU" sz="3200" dirty="0" smtClean="0"/>
-              <a:t>известные методы фильтрации сигналов.</a:t>
-            </a:r>
-            <a:endParaRPr lang="ru-RU" sz="3200" dirty="0"/>
+        </p:txBody>
+      </p:sp>
+      <p:sp>
+        <p:nvSpPr>
+          <p:cNvPr id="4" name="Номер слайда 3"/>
+          <p:cNvSpPr>
+            <a:spLocks noGrp="1"/>
+          </p:cNvSpPr>
+          <p:nvPr>
+            <p:ph type="sldNum" sz="quarter" idx="12"/>
+          </p:nvPr>
+        </p:nvSpPr>
+        <p:spPr/>
+        <p:txBody>
+          <a:bodyPr/>
+          <a:lstStyle/>
+          <a:p>
+            <a:fld id="{3BCC8605-603C-4CBC-9D12-BEB80FA30360}" type="slidenum">
+              <a:rPr lang="ru-RU" smtClean="0"/>
+              <a:t>4</a:t>
+            </a:fld>
+            <a:endParaRPr lang="ru-RU"/>
           </a:p>
         </p:txBody>
       </p:sp>
@@ -3541,676 +5975,68 @@
           <a:p>
             <a:r>
               <a:rPr lang="ru-RU" dirty="0" smtClean="0"/>
-              <a:t>Математическая модель задачи для применения фильтра </a:t>
-            </a:r>
-            <a:r>
-              <a:rPr lang="ru-RU" dirty="0" err="1" smtClean="0"/>
-              <a:t>Калмана</a:t>
+              <a:t>Объединение наборов координат</a:t>
             </a:r>
             <a:endParaRPr lang="ru-RU" dirty="0"/>
           </a:p>
         </p:txBody>
       </p:sp>
-      <p:sp>
-        <p:nvSpPr>
-          <p:cNvPr id="3" name="Объект 2"/>
-          <p:cNvSpPr>
-            <a:spLocks noGrp="1"/>
-          </p:cNvSpPr>
+      <p:pic>
+        <p:nvPicPr>
+          <p:cNvPr id="7" name="Объект 6"/>
+          <p:cNvPicPr>
+            <a:picLocks noGrp="1" noChangeAspect="1"/>
+          </p:cNvPicPr>
           <p:nvPr>
             <p:ph idx="1"/>
           </p:nvPr>
+        </p:nvPicPr>
+        <p:blipFill>
+          <a:blip r:embed="rId2">
+            <a:extLst>
+              <a:ext uri="{28A0092B-C50C-407E-A947-70E740481C1C}">
+                <a14:useLocalDpi xmlns:a14="http://schemas.microsoft.com/office/drawing/2010/main" val="0"/>
+              </a:ext>
+            </a:extLst>
+          </a:blip>
+          <a:stretch>
+            <a:fillRect/>
+          </a:stretch>
+        </p:blipFill>
+        <p:spPr>
+          <a:xfrm>
+            <a:off x="3651013" y="1825625"/>
+            <a:ext cx="4889974" cy="4351338"/>
+          </a:xfrm>
+        </p:spPr>
+      </p:pic>
+      <p:sp>
+        <p:nvSpPr>
+          <p:cNvPr id="4" name="Номер слайда 3"/>
+          <p:cNvSpPr>
+            <a:spLocks noGrp="1"/>
+          </p:cNvSpPr>
+          <p:nvPr>
+            <p:ph type="sldNum" sz="quarter" idx="12"/>
+          </p:nvPr>
         </p:nvSpPr>
         <p:spPr/>
         <p:txBody>
           <a:bodyPr/>
           <a:lstStyle/>
           <a:p>
-            <a:pPr marL="0" indent="0">
-              <a:buNone/>
-            </a:pPr>
-            <a:r>
-              <a:rPr lang="ru-RU" dirty="0" smtClean="0"/>
-              <a:t>Необходимо описать задачу в следующем виде:</a:t>
-            </a:r>
-          </a:p>
-          <a:p>
-            <a:pPr marL="0" indent="0">
-              <a:buNone/>
-            </a:pPr>
-            <a:r>
-              <a:rPr lang="ru-RU" dirty="0" smtClean="0"/>
-              <a:t> </a:t>
-            </a:r>
-          </a:p>
-          <a:p>
-            <a:pPr marL="0" indent="0">
-              <a:buNone/>
-            </a:pPr>
-            <a:endParaRPr lang="ru-RU" dirty="0"/>
-          </a:p>
-          <a:p>
-            <a:pPr marL="0" indent="0">
-              <a:buNone/>
-            </a:pPr>
-            <a:r>
-              <a:rPr lang="ru-RU" dirty="0"/>
-              <a:t>г</a:t>
-            </a:r>
-            <a:r>
-              <a:rPr lang="ru-RU" dirty="0" smtClean="0"/>
-              <a:t>де уравнение (1) описывает физическу</a:t>
-            </a:r>
-            <a:r>
-              <a:rPr lang="ru-RU" dirty="0" smtClean="0"/>
-              <a:t>ю модель измеряемого процесса, уравнение (2) описывает связь между истинным состоянием процесса и измеренным состоянием. </a:t>
-            </a:r>
-            <a:endParaRPr lang="ru-RU" dirty="0"/>
-          </a:p>
-        </p:txBody>
-      </p:sp>
-      <mc:AlternateContent xmlns:mc="http://schemas.openxmlformats.org/markup-compatibility/2006">
-        <mc:Choice xmlns:a14="http://schemas.microsoft.com/office/drawing/2010/main" Requires="a14">
-          <p:graphicFrame>
-            <p:nvGraphicFramePr>
-              <p:cNvPr id="5" name="Таблица 4"/>
-              <p:cNvGraphicFramePr>
-                <a:graphicFrameLocks noGrp="1"/>
-              </p:cNvGraphicFramePr>
-              <p:nvPr/>
-            </p:nvGraphicFramePr>
-            <p:xfrm>
-              <a:off x="1047206" y="2272641"/>
-              <a:ext cx="10515600" cy="1097280"/>
-            </p:xfrm>
-            <a:graphic>
-              <a:graphicData uri="http://schemas.openxmlformats.org/drawingml/2006/table">
-                <a:tbl>
-                  <a:tblPr firstRow="1" firstCol="1" bandRow="1">
-                    <a:tableStyleId>{2D5ABB26-0587-4C30-8999-92F81FD0307C}</a:tableStyleId>
-                  </a:tblPr>
-                  <a:tblGrid>
-                    <a:gridCol w="9394372"/>
-                    <a:gridCol w="1121228"/>
-                  </a:tblGrid>
-                  <a:tr h="113507">
-                    <a:tc>
-                      <a:txBody>
-                        <a:bodyPr/>
-                        <a:lstStyle/>
-                        <a:p>
-                          <a:pPr marL="6350" marR="358140" indent="-6350" algn="just">
-                            <a:lnSpc>
-                              <a:spcPct val="150000"/>
-                            </a:lnSpc>
-                            <a:spcAft>
-                              <a:spcPts val="0"/>
-                            </a:spcAft>
-                          </a:pPr>
-                          <a14:m>
-                            <m:oMathPara xmlns:m="http://schemas.openxmlformats.org/officeDocument/2006/math">
-                              <m:oMathParaPr>
-                                <m:jc m:val="centerGroup"/>
-                              </m:oMathParaPr>
-                              <m:oMath xmlns:m="http://schemas.openxmlformats.org/officeDocument/2006/math">
-                                <m:sSub>
-                                  <m:sSubPr>
-                                    <m:ctrlPr>
-                                      <a:rPr lang="ru-RU" sz="2400" smtClean="0">
-                                        <a:effectLst/>
-                                      </a:rPr>
-                                    </m:ctrlPr>
-                                  </m:sSubPr>
-                                  <m:e>
-                                    <m:r>
-                                      <a:rPr lang="ru-RU" sz="2400">
-                                        <a:effectLst/>
-                                      </a:rPr>
-                                      <m:t>𝑠</m:t>
-                                    </m:r>
-                                  </m:e>
-                                  <m:sub>
-                                    <m:r>
-                                      <a:rPr lang="ru-RU" sz="2400">
-                                        <a:effectLst/>
-                                      </a:rPr>
-                                      <m:t>𝑘</m:t>
-                                    </m:r>
-                                  </m:sub>
-                                </m:sSub>
-                                <m:r>
-                                  <a:rPr lang="ru-RU" sz="2400">
-                                    <a:effectLst/>
-                                  </a:rPr>
-                                  <m:t>=</m:t>
-                                </m:r>
-                                <m:sSub>
-                                  <m:sSubPr>
-                                    <m:ctrlPr>
-                                      <a:rPr lang="ru-RU" sz="2400">
-                                        <a:effectLst/>
-                                      </a:rPr>
-                                    </m:ctrlPr>
-                                  </m:sSubPr>
-                                  <m:e>
-                                    <m:r>
-                                      <a:rPr lang="ru-RU" sz="2400">
-                                        <a:effectLst/>
-                                      </a:rPr>
-                                      <m:t>𝐴</m:t>
-                                    </m:r>
-                                  </m:e>
-                                  <m:sub>
-                                    <m:r>
-                                      <a:rPr lang="ru-RU" sz="2400">
-                                        <a:effectLst/>
-                                      </a:rPr>
-                                      <m:t>𝑘</m:t>
-                                    </m:r>
-                                  </m:sub>
-                                </m:sSub>
-                                <m:sSub>
-                                  <m:sSubPr>
-                                    <m:ctrlPr>
-                                      <a:rPr lang="ru-RU" sz="2400">
-                                        <a:effectLst/>
-                                      </a:rPr>
-                                    </m:ctrlPr>
-                                  </m:sSubPr>
-                                  <m:e>
-                                    <m:r>
-                                      <a:rPr lang="ru-RU" sz="2400">
-                                        <a:effectLst/>
-                                      </a:rPr>
-                                      <m:t>𝑠</m:t>
-                                    </m:r>
-                                  </m:e>
-                                  <m:sub>
-                                    <m:r>
-                                      <a:rPr lang="ru-RU" sz="2400">
-                                        <a:effectLst/>
-                                      </a:rPr>
-                                      <m:t>𝑘</m:t>
-                                    </m:r>
-                                    <m:r>
-                                      <a:rPr lang="ru-RU" sz="2400">
-                                        <a:effectLst/>
-                                      </a:rPr>
-                                      <m:t>−1</m:t>
-                                    </m:r>
-                                  </m:sub>
-                                </m:sSub>
-                                <m:r>
-                                  <a:rPr lang="ru-RU" sz="2400">
-                                    <a:effectLst/>
-                                  </a:rPr>
-                                  <m:t>+</m:t>
-                                </m:r>
-                                <m:sSub>
-                                  <m:sSubPr>
-                                    <m:ctrlPr>
-                                      <a:rPr lang="ru-RU" sz="2400">
-                                        <a:effectLst/>
-                                      </a:rPr>
-                                    </m:ctrlPr>
-                                  </m:sSubPr>
-                                  <m:e>
-                                    <m:r>
-                                      <a:rPr lang="ru-RU" sz="2400">
-                                        <a:effectLst/>
-                                      </a:rPr>
-                                      <m:t>𝐵</m:t>
-                                    </m:r>
-                                  </m:e>
-                                  <m:sub>
-                                    <m:r>
-                                      <a:rPr lang="ru-RU" sz="2400">
-                                        <a:effectLst/>
-                                      </a:rPr>
-                                      <m:t>𝑘</m:t>
-                                    </m:r>
-                                  </m:sub>
-                                </m:sSub>
-                                <m:sSub>
-                                  <m:sSubPr>
-                                    <m:ctrlPr>
-                                      <a:rPr lang="ru-RU" sz="2400">
-                                        <a:effectLst/>
-                                      </a:rPr>
-                                    </m:ctrlPr>
-                                  </m:sSubPr>
-                                  <m:e>
-                                    <m:r>
-                                      <a:rPr lang="ru-RU" sz="2400">
-                                        <a:effectLst/>
-                                      </a:rPr>
-                                      <m:t>𝑢</m:t>
-                                    </m:r>
-                                  </m:e>
-                                  <m:sub>
-                                    <m:r>
-                                      <a:rPr lang="ru-RU" sz="2400">
-                                        <a:effectLst/>
-                                      </a:rPr>
-                                      <m:t>𝑘</m:t>
-                                    </m:r>
-                                    <m:r>
-                                      <a:rPr lang="ru-RU" sz="2400">
-                                        <a:effectLst/>
-                                      </a:rPr>
-                                      <m:t>−1</m:t>
-                                    </m:r>
-                                  </m:sub>
-                                </m:sSub>
-                                <m:r>
-                                  <a:rPr lang="ru-RU" sz="2400">
-                                    <a:effectLst/>
-                                  </a:rPr>
-                                  <m:t>+</m:t>
-                                </m:r>
-                                <m:sSub>
-                                  <m:sSubPr>
-                                    <m:ctrlPr>
-                                      <a:rPr lang="ru-RU" sz="2400">
-                                        <a:effectLst/>
-                                      </a:rPr>
-                                    </m:ctrlPr>
-                                  </m:sSubPr>
-                                  <m:e>
-                                    <m:r>
-                                      <a:rPr lang="ru-RU" sz="2400">
-                                        <a:effectLst/>
-                                      </a:rPr>
-                                      <m:t>𝑤</m:t>
-                                    </m:r>
-                                  </m:e>
-                                  <m:sub>
-                                    <m:r>
-                                      <a:rPr lang="ru-RU" sz="2400">
-                                        <a:effectLst/>
-                                      </a:rPr>
-                                      <m:t>𝑘</m:t>
-                                    </m:r>
-                                  </m:sub>
-                                </m:sSub>
-                                <m:r>
-                                  <a:rPr lang="ru-RU" sz="2400" b="0" i="0" smtClean="0">
-                                    <a:effectLst/>
-                                    <a:latin typeface="Cambria Math" panose="02040503050406030204" pitchFamily="18" charset="0"/>
-                                  </a:rPr>
-                                  <m:t>,</m:t>
-                                </m:r>
-                              </m:oMath>
-                            </m:oMathPara>
-                          </a14:m>
-                          <a:endParaRPr lang="ru-RU" sz="2400" dirty="0">
-                            <a:solidFill>
-                              <a:srgbClr val="000000"/>
-                            </a:solidFill>
-                            <a:effectLst/>
-                            <a:latin typeface="Times New Roman" panose="02020603050405020304" pitchFamily="18" charset="0"/>
-                            <a:ea typeface="Times New Roman" panose="02020603050405020304" pitchFamily="18" charset="0"/>
-                          </a:endParaRPr>
-                        </a:p>
-                      </a:txBody>
-                      <a:tcPr marL="0" marR="0" marT="0" marB="0"/>
-                    </a:tc>
-                    <a:tc>
-                      <a:txBody>
-                        <a:bodyPr/>
-                        <a:lstStyle/>
-                        <a:p>
-                          <a:pPr marL="6350" marR="358140" indent="-6350" algn="just">
-                            <a:lnSpc>
-                              <a:spcPct val="150000"/>
-                            </a:lnSpc>
-                            <a:spcAft>
-                              <a:spcPts val="0"/>
-                            </a:spcAft>
-                          </a:pPr>
-                          <a:r>
-                            <a:rPr lang="ru-RU" sz="2400" dirty="0">
-                              <a:effectLst/>
-                            </a:rPr>
-                            <a:t>(1)</a:t>
-                          </a:r>
-                          <a:endParaRPr lang="ru-RU" sz="2400" dirty="0">
-                            <a:solidFill>
-                              <a:srgbClr val="000000"/>
-                            </a:solidFill>
-                            <a:effectLst/>
-                            <a:latin typeface="Times New Roman" panose="02020603050405020304" pitchFamily="18" charset="0"/>
-                            <a:ea typeface="Times New Roman" panose="02020603050405020304" pitchFamily="18" charset="0"/>
-                          </a:endParaRPr>
-                        </a:p>
-                      </a:txBody>
-                      <a:tcPr marL="0" marR="0" marT="0" marB="0"/>
-                    </a:tc>
-                  </a:tr>
-                  <a:tr h="0">
-                    <a:tc>
-                      <a:txBody>
-                        <a:bodyPr/>
-                        <a:lstStyle/>
-                        <a:p>
-                          <a:pPr marL="6350" marR="358140" indent="-6350" algn="just">
-                            <a:lnSpc>
-                              <a:spcPct val="150000"/>
-                            </a:lnSpc>
-                            <a:spcAft>
-                              <a:spcPts val="0"/>
-                            </a:spcAft>
-                          </a:pPr>
-                          <a14:m>
-                            <m:oMathPara xmlns:m="http://schemas.openxmlformats.org/officeDocument/2006/math">
-                              <m:oMathParaPr>
-                                <m:jc m:val="centerGroup"/>
-                              </m:oMathParaPr>
-                              <m:oMath xmlns:m="http://schemas.openxmlformats.org/officeDocument/2006/math">
-                                <m:sSub>
-                                  <m:sSubPr>
-                                    <m:ctrlPr>
-                                      <a:rPr lang="ru-RU" sz="2400" smtClean="0">
-                                        <a:effectLst/>
-                                      </a:rPr>
-                                    </m:ctrlPr>
-                                  </m:sSubPr>
-                                  <m:e>
-                                    <m:r>
-                                      <a:rPr lang="ru-RU" sz="2400">
-                                        <a:effectLst/>
-                                      </a:rPr>
-                                      <m:t>𝑧</m:t>
-                                    </m:r>
-                                  </m:e>
-                                  <m:sub>
-                                    <m:r>
-                                      <a:rPr lang="ru-RU" sz="2400">
-                                        <a:effectLst/>
-                                      </a:rPr>
-                                      <m:t>𝑘</m:t>
-                                    </m:r>
-                                  </m:sub>
-                                </m:sSub>
-                                <m:r>
-                                  <a:rPr lang="ru-RU" sz="2400">
-                                    <a:effectLst/>
-                                  </a:rPr>
-                                  <m:t>=</m:t>
-                                </m:r>
-                                <m:sSub>
-                                  <m:sSubPr>
-                                    <m:ctrlPr>
-                                      <a:rPr lang="ru-RU" sz="2400">
-                                        <a:effectLst/>
-                                      </a:rPr>
-                                    </m:ctrlPr>
-                                  </m:sSubPr>
-                                  <m:e>
-                                    <m:r>
-                                      <a:rPr lang="ru-RU" sz="2400">
-                                        <a:effectLst/>
-                                      </a:rPr>
-                                      <m:t>𝐻</m:t>
-                                    </m:r>
-                                  </m:e>
-                                  <m:sub>
-                                    <m:r>
-                                      <a:rPr lang="ru-RU" sz="2400">
-                                        <a:effectLst/>
-                                      </a:rPr>
-                                      <m:t>𝑘</m:t>
-                                    </m:r>
-                                  </m:sub>
-                                </m:sSub>
-                                <m:sSub>
-                                  <m:sSubPr>
-                                    <m:ctrlPr>
-                                      <a:rPr lang="ru-RU" sz="2400">
-                                        <a:effectLst/>
-                                      </a:rPr>
-                                    </m:ctrlPr>
-                                  </m:sSubPr>
-                                  <m:e>
-                                    <m:r>
-                                      <a:rPr lang="ru-RU" sz="2400">
-                                        <a:effectLst/>
-                                      </a:rPr>
-                                      <m:t>𝑠</m:t>
-                                    </m:r>
-                                  </m:e>
-                                  <m:sub>
-                                    <m:r>
-                                      <a:rPr lang="ru-RU" sz="2400">
-                                        <a:effectLst/>
-                                      </a:rPr>
-                                      <m:t>𝑘</m:t>
-                                    </m:r>
-                                  </m:sub>
-                                </m:sSub>
-                                <m:r>
-                                  <a:rPr lang="ru-RU" sz="2400">
-                                    <a:effectLst/>
-                                  </a:rPr>
-                                  <m:t>+</m:t>
-                                </m:r>
-                                <m:sSub>
-                                  <m:sSubPr>
-                                    <m:ctrlPr>
-                                      <a:rPr lang="ru-RU" sz="2400">
-                                        <a:effectLst/>
-                                      </a:rPr>
-                                    </m:ctrlPr>
-                                  </m:sSubPr>
-                                  <m:e>
-                                    <m:r>
-                                      <a:rPr lang="ru-RU" sz="2400">
-                                        <a:effectLst/>
-                                      </a:rPr>
-                                      <m:t>𝑣</m:t>
-                                    </m:r>
-                                  </m:e>
-                                  <m:sub>
-                                    <m:r>
-                                      <a:rPr lang="ru-RU" sz="2400">
-                                        <a:effectLst/>
-                                      </a:rPr>
-                                      <m:t>𝑘</m:t>
-                                    </m:r>
-                                  </m:sub>
-                                </m:sSub>
-                                <m:r>
-                                  <a:rPr lang="ru-RU" sz="2400" b="0" i="0" smtClean="0">
-                                    <a:effectLst/>
-                                    <a:latin typeface="Cambria Math" panose="02040503050406030204" pitchFamily="18" charset="0"/>
-                                  </a:rPr>
-                                  <m:t>,</m:t>
-                                </m:r>
-                              </m:oMath>
-                            </m:oMathPara>
-                          </a14:m>
-                          <a:endParaRPr lang="ru-RU" sz="2400" dirty="0">
-                            <a:solidFill>
-                              <a:srgbClr val="000000"/>
-                            </a:solidFill>
-                            <a:effectLst/>
-                            <a:latin typeface="Times New Roman" panose="02020603050405020304" pitchFamily="18" charset="0"/>
-                            <a:ea typeface="Times New Roman" panose="02020603050405020304" pitchFamily="18" charset="0"/>
-                          </a:endParaRPr>
-                        </a:p>
-                      </a:txBody>
-                      <a:tcPr marL="0" marR="0" marT="0" marB="0"/>
-                    </a:tc>
-                    <a:tc>
-                      <a:txBody>
-                        <a:bodyPr/>
-                        <a:lstStyle/>
-                        <a:p>
-                          <a:pPr marL="6350" marR="358140" indent="-6350" algn="just">
-                            <a:lnSpc>
-                              <a:spcPct val="150000"/>
-                            </a:lnSpc>
-                            <a:spcAft>
-                              <a:spcPts val="0"/>
-                            </a:spcAft>
-                          </a:pPr>
-                          <a:r>
-                            <a:rPr lang="ru-RU" sz="2400" dirty="0">
-                              <a:effectLst/>
-                            </a:rPr>
-                            <a:t>(2)</a:t>
-                          </a:r>
-                          <a:endParaRPr lang="ru-RU" sz="2400" dirty="0">
-                            <a:solidFill>
-                              <a:srgbClr val="000000"/>
-                            </a:solidFill>
-                            <a:effectLst/>
-                            <a:latin typeface="Times New Roman" panose="02020603050405020304" pitchFamily="18" charset="0"/>
-                            <a:ea typeface="Times New Roman" panose="02020603050405020304" pitchFamily="18" charset="0"/>
-                          </a:endParaRPr>
-                        </a:p>
-                      </a:txBody>
-                      <a:tcPr marL="0" marR="0" marT="0" marB="0"/>
-                    </a:tc>
-                  </a:tr>
-                </a:tbl>
-              </a:graphicData>
-            </a:graphic>
-          </p:graphicFrame>
-        </mc:Choice>
-        <mc:Fallback>
-          <p:graphicFrame>
-            <p:nvGraphicFramePr>
-              <p:cNvPr id="5" name="Таблица 4"/>
-              <p:cNvGraphicFramePr>
-                <a:graphicFrameLocks noGrp="1"/>
-              </p:cNvGraphicFramePr>
-              <p:nvPr/>
-            </p:nvGraphicFramePr>
-            <p:xfrm>
-              <a:off x="1047206" y="2272641"/>
-              <a:ext cx="10515600" cy="1097280"/>
-            </p:xfrm>
-            <a:graphic>
-              <a:graphicData uri="http://schemas.openxmlformats.org/drawingml/2006/table">
-                <a:tbl>
-                  <a:tblPr firstRow="1" firstCol="1" bandRow="1">
-                    <a:tableStyleId>{2D5ABB26-0587-4C30-8999-92F81FD0307C}</a:tableStyleId>
-                  </a:tblPr>
-                  <a:tblGrid>
-                    <a:gridCol w="9394372"/>
-                    <a:gridCol w="1121228"/>
-                  </a:tblGrid>
-                  <a:tr h="548640">
-                    <a:tc>
-                      <a:txBody>
-                        <a:bodyPr/>
-                        <a:lstStyle/>
-                        <a:p>
-                          <a:endParaRPr lang="ru-RU"/>
-                        </a:p>
-                      </a:txBody>
-                      <a:tcPr marL="0" marR="0" marT="0" marB="0">
-                        <a:blipFill rotWithShape="0">
-                          <a:blip r:embed="rId2"/>
-                          <a:stretch>
-                            <a:fillRect r="-11933" b="-120879"/>
-                          </a:stretch>
-                        </a:blipFill>
-                      </a:tcPr>
-                    </a:tc>
-                    <a:tc>
-                      <a:txBody>
-                        <a:bodyPr/>
-                        <a:lstStyle/>
-                        <a:p>
-                          <a:pPr marL="6350" marR="358140" indent="-6350" algn="just">
-                            <a:lnSpc>
-                              <a:spcPct val="150000"/>
-                            </a:lnSpc>
-                            <a:spcAft>
-                              <a:spcPts val="0"/>
-                            </a:spcAft>
-                          </a:pPr>
-                          <a:r>
-                            <a:rPr lang="ru-RU" sz="2400" dirty="0">
-                              <a:effectLst/>
-                            </a:rPr>
-                            <a:t>(1)</a:t>
-                          </a:r>
-                          <a:endParaRPr lang="ru-RU" sz="2400" dirty="0">
-                            <a:solidFill>
-                              <a:srgbClr val="000000"/>
-                            </a:solidFill>
-                            <a:effectLst/>
-                            <a:latin typeface="Times New Roman" panose="02020603050405020304" pitchFamily="18" charset="0"/>
-                            <a:ea typeface="Times New Roman" panose="02020603050405020304" pitchFamily="18" charset="0"/>
-                          </a:endParaRPr>
-                        </a:p>
-                      </a:txBody>
-                      <a:tcPr marL="0" marR="0" marT="0" marB="0"/>
-                    </a:tc>
-                  </a:tr>
-                  <a:tr h="548640">
-                    <a:tc>
-                      <a:txBody>
-                        <a:bodyPr/>
-                        <a:lstStyle/>
-                        <a:p>
-                          <a:endParaRPr lang="ru-RU"/>
-                        </a:p>
-                      </a:txBody>
-                      <a:tcPr marL="0" marR="0" marT="0" marB="0">
-                        <a:blipFill rotWithShape="0">
-                          <a:blip r:embed="rId2"/>
-                          <a:stretch>
-                            <a:fillRect t="-101111" r="-11933" b="-22222"/>
-                          </a:stretch>
-                        </a:blipFill>
-                      </a:tcPr>
-                    </a:tc>
-                    <a:tc>
-                      <a:txBody>
-                        <a:bodyPr/>
-                        <a:lstStyle/>
-                        <a:p>
-                          <a:pPr marL="6350" marR="358140" indent="-6350" algn="just">
-                            <a:lnSpc>
-                              <a:spcPct val="150000"/>
-                            </a:lnSpc>
-                            <a:spcAft>
-                              <a:spcPts val="0"/>
-                            </a:spcAft>
-                          </a:pPr>
-                          <a:r>
-                            <a:rPr lang="ru-RU" sz="2400" dirty="0">
-                              <a:effectLst/>
-                            </a:rPr>
-                            <a:t>(2)</a:t>
-                          </a:r>
-                          <a:endParaRPr lang="ru-RU" sz="2400" dirty="0">
-                            <a:solidFill>
-                              <a:srgbClr val="000000"/>
-                            </a:solidFill>
-                            <a:effectLst/>
-                            <a:latin typeface="Times New Roman" panose="02020603050405020304" pitchFamily="18" charset="0"/>
-                            <a:ea typeface="Times New Roman" panose="02020603050405020304" pitchFamily="18" charset="0"/>
-                          </a:endParaRPr>
-                        </a:p>
-                      </a:txBody>
-                      <a:tcPr marL="0" marR="0" marT="0" marB="0"/>
-                    </a:tc>
-                  </a:tr>
-                </a:tbl>
-              </a:graphicData>
-            </a:graphic>
-          </p:graphicFrame>
-        </mc:Fallback>
-      </mc:AlternateContent>
+            <a:fld id="{3BCC8605-603C-4CBC-9D12-BEB80FA30360}" type="slidenum">
+              <a:rPr lang="ru-RU" smtClean="0"/>
+              <a:t>5</a:t>
+            </a:fld>
+            <a:endParaRPr lang="ru-RU"/>
+          </a:p>
+        </p:txBody>
+      </p:sp>
     </p:spTree>
     <p:extLst>
       <p:ext uri="{BB962C8B-B14F-4D97-AF65-F5344CB8AC3E}">
-        <p14:creationId xmlns:p14="http://schemas.microsoft.com/office/powerpoint/2010/main" val="21205429"/>
+        <p14:creationId xmlns:p14="http://schemas.microsoft.com/office/powerpoint/2010/main" val="1266537320"/>
       </p:ext>
     </p:extLst>
   </p:cSld>
@@ -4254,11 +6080,301 @@
           <a:p>
             <a:r>
               <a:rPr lang="ru-RU" dirty="0" smtClean="0"/>
-              <a:t>Применение фильтра </a:t>
-            </a:r>
-            <a:r>
-              <a:rPr lang="ru-RU" dirty="0" err="1" smtClean="0"/>
-              <a:t>Калмана</a:t>
+              <a:t>Устранение пиков</a:t>
+            </a:r>
+            <a:endParaRPr lang="ru-RU" dirty="0"/>
+          </a:p>
+        </p:txBody>
+      </p:sp>
+      <p:sp>
+        <p:nvSpPr>
+          <p:cNvPr id="3" name="Объект 2"/>
+          <p:cNvSpPr>
+            <a:spLocks noGrp="1"/>
+          </p:cNvSpPr>
+          <p:nvPr>
+            <p:ph idx="1"/>
+          </p:nvPr>
+        </p:nvSpPr>
+        <p:spPr/>
+        <p:txBody>
+          <a:bodyPr>
+            <a:normAutofit lnSpcReduction="10000"/>
+          </a:bodyPr>
+          <a:lstStyle/>
+          <a:p>
+            <a:pPr marL="0" indent="0">
+              <a:buNone/>
+            </a:pPr>
+            <a:r>
+              <a:rPr lang="ru-RU" dirty="0" smtClean="0"/>
+              <a:t>Для устранения пиков предлагается следующий способ:</a:t>
+            </a:r>
+          </a:p>
+          <a:p>
+            <a:pPr marL="514350" indent="-514350">
+              <a:buFont typeface="+mj-lt"/>
+              <a:buAutoNum type="arabicPeriod"/>
+            </a:pPr>
+            <a:r>
+              <a:rPr lang="ru-RU" dirty="0" smtClean="0"/>
+              <a:t>Для каждой пары последовательно расположенных точек оценивается расстояние между ними. Если расстояние превышает максимально возможное, которое можно преодолеть с задаваемым значением максимальной скорости объекта, вторая точка считается пиком.</a:t>
+            </a:r>
+          </a:p>
+          <a:p>
+            <a:pPr marL="514350" indent="-514350">
+              <a:buFont typeface="+mj-lt"/>
+              <a:buAutoNum type="arabicPeriod"/>
+            </a:pPr>
+            <a:r>
+              <a:rPr lang="ru-RU" dirty="0" smtClean="0"/>
+              <a:t>Для каждой тройки последовательных точек оцениваются расстояния между точками попарно. Если расстояния между первой и второй и второй и третьей точками во много раз (задаваемый параметр) превышают расстояние между первой и третьей точками, вторая точка считается пиком.</a:t>
+            </a:r>
+            <a:endParaRPr lang="ru-RU" dirty="0"/>
+          </a:p>
+        </p:txBody>
+      </p:sp>
+      <p:sp>
+        <p:nvSpPr>
+          <p:cNvPr id="4" name="Номер слайда 3"/>
+          <p:cNvSpPr>
+            <a:spLocks noGrp="1"/>
+          </p:cNvSpPr>
+          <p:nvPr>
+            <p:ph type="sldNum" sz="quarter" idx="12"/>
+          </p:nvPr>
+        </p:nvSpPr>
+        <p:spPr/>
+        <p:txBody>
+          <a:bodyPr/>
+          <a:lstStyle/>
+          <a:p>
+            <a:fld id="{3BCC8605-603C-4CBC-9D12-BEB80FA30360}" type="slidenum">
+              <a:rPr lang="ru-RU" smtClean="0"/>
+              <a:t>6</a:t>
+            </a:fld>
+            <a:endParaRPr lang="ru-RU"/>
+          </a:p>
+        </p:txBody>
+      </p:sp>
+    </p:spTree>
+    <p:extLst>
+      <p:ext uri="{BB962C8B-B14F-4D97-AF65-F5344CB8AC3E}">
+        <p14:creationId xmlns:p14="http://schemas.microsoft.com/office/powerpoint/2010/main" val="3716484257"/>
+      </p:ext>
+    </p:extLst>
+  </p:cSld>
+  <p:clrMapOvr>
+    <a:masterClrMapping/>
+  </p:clrMapOvr>
+</p:sld>
+</file>
+
+<file path=ppt/slides/slide7.xml><?xml version="1.0" encoding="utf-8"?>
+<p:sld xmlns:a="http://schemas.openxmlformats.org/drawingml/2006/main" xmlns:r="http://schemas.openxmlformats.org/officeDocument/2006/relationships" xmlns:p="http://schemas.openxmlformats.org/presentationml/2006/main">
+  <p:cSld>
+    <p:spTree>
+      <p:nvGrpSpPr>
+        <p:cNvPr id="1" name=""/>
+        <p:cNvGrpSpPr/>
+        <p:nvPr/>
+      </p:nvGrpSpPr>
+      <p:grpSpPr>
+        <a:xfrm>
+          <a:off x="0" y="0"/>
+          <a:ext cx="0" cy="0"/>
+          <a:chOff x="0" y="0"/>
+          <a:chExt cx="0" cy="0"/>
+        </a:xfrm>
+      </p:grpSpPr>
+      <p:sp>
+        <p:nvSpPr>
+          <p:cNvPr id="2" name="Заголовок 1"/>
+          <p:cNvSpPr>
+            <a:spLocks noGrp="1"/>
+          </p:cNvSpPr>
+          <p:nvPr>
+            <p:ph type="title"/>
+          </p:nvPr>
+        </p:nvSpPr>
+        <p:spPr/>
+        <p:txBody>
+          <a:bodyPr/>
+          <a:lstStyle/>
+          <a:p>
+            <a:r>
+              <a:rPr lang="ru-RU" dirty="0" smtClean="0"/>
+              <a:t>Определение мест остановок объекта и удаление избыточных координат</a:t>
+            </a:r>
+            <a:endParaRPr lang="ru-RU" dirty="0"/>
+          </a:p>
+        </p:txBody>
+      </p:sp>
+      <p:sp>
+        <p:nvSpPr>
+          <p:cNvPr id="3" name="Объект 2"/>
+          <p:cNvSpPr>
+            <a:spLocks noGrp="1"/>
+          </p:cNvSpPr>
+          <p:nvPr>
+            <p:ph idx="1"/>
+          </p:nvPr>
+        </p:nvSpPr>
+        <p:spPr/>
+        <p:txBody>
+          <a:bodyPr/>
+          <a:lstStyle/>
+          <a:p>
+            <a:pPr marL="0" indent="0">
+              <a:buNone/>
+            </a:pPr>
+            <a:r>
+              <a:rPr lang="ru-RU" dirty="0" smtClean="0"/>
+              <a:t>Для поиска остановок предлагается следующий способ:</a:t>
+            </a:r>
+          </a:p>
+          <a:p>
+            <a:pPr marL="514350" indent="-514350">
+              <a:buFont typeface="+mj-lt"/>
+              <a:buAutoNum type="arabicPeriod"/>
+            </a:pPr>
+            <a:r>
+              <a:rPr lang="ru-RU" dirty="0" smtClean="0"/>
+              <a:t>Маршрут разбивается на группы точек по задаваемому интервалу времени.</a:t>
+            </a:r>
+          </a:p>
+          <a:p>
+            <a:pPr marL="514350" indent="-514350">
+              <a:buFont typeface="+mj-lt"/>
+              <a:buAutoNum type="arabicPeriod"/>
+            </a:pPr>
+            <a:r>
+              <a:rPr lang="ru-RU" dirty="0" smtClean="0"/>
+              <a:t>Если в группе среднее отклонение координат от средней координаты ниже задаваемого порогового значения, группа точек считается остановкой и заменяется средним значением.</a:t>
+            </a:r>
+          </a:p>
+          <a:p>
+            <a:pPr marL="514350" indent="-514350">
+              <a:buFont typeface="+mj-lt"/>
+              <a:buAutoNum type="arabicPeriod"/>
+            </a:pPr>
+            <a:r>
+              <a:rPr lang="ru-RU" dirty="0" smtClean="0"/>
+              <a:t>Идущие подряд группы точек, признанные остановкой, объединяются и заменяются одной точкой.</a:t>
+            </a:r>
+          </a:p>
+          <a:p>
+            <a:pPr marL="0" indent="0">
+              <a:buNone/>
+            </a:pPr>
+            <a:endParaRPr lang="ru-RU" dirty="0"/>
+          </a:p>
+        </p:txBody>
+      </p:sp>
+      <p:sp>
+        <p:nvSpPr>
+          <p:cNvPr id="4" name="Номер слайда 3"/>
+          <p:cNvSpPr>
+            <a:spLocks noGrp="1"/>
+          </p:cNvSpPr>
+          <p:nvPr>
+            <p:ph type="sldNum" sz="quarter" idx="12"/>
+          </p:nvPr>
+        </p:nvSpPr>
+        <p:spPr/>
+        <p:txBody>
+          <a:bodyPr/>
+          <a:lstStyle/>
+          <a:p>
+            <a:fld id="{3BCC8605-603C-4CBC-9D12-BEB80FA30360}" type="slidenum">
+              <a:rPr lang="ru-RU" smtClean="0"/>
+              <a:t>7</a:t>
+            </a:fld>
+            <a:endParaRPr lang="ru-RU"/>
+          </a:p>
+        </p:txBody>
+      </p:sp>
+    </p:spTree>
+    <p:extLst>
+      <p:ext uri="{BB962C8B-B14F-4D97-AF65-F5344CB8AC3E}">
+        <p14:creationId xmlns:p14="http://schemas.microsoft.com/office/powerpoint/2010/main" val="2987874496"/>
+      </p:ext>
+    </p:extLst>
+  </p:cSld>
+  <p:clrMapOvr>
+    <a:masterClrMapping/>
+  </p:clrMapOvr>
+</p:sld>
+</file>
+
+<file path=ppt/slides/slide8.xml><?xml version="1.0" encoding="utf-8"?>
+<p:sld xmlns:a="http://schemas.openxmlformats.org/drawingml/2006/main" xmlns:r="http://schemas.openxmlformats.org/officeDocument/2006/relationships" xmlns:p="http://schemas.openxmlformats.org/presentationml/2006/main">
+  <p:cSld>
+    <p:spTree>
+      <p:nvGrpSpPr>
+        <p:cNvPr id="1" name=""/>
+        <p:cNvGrpSpPr/>
+        <p:nvPr/>
+      </p:nvGrpSpPr>
+      <p:grpSpPr>
+        <a:xfrm>
+          <a:off x="0" y="0"/>
+          <a:ext cx="0" cy="0"/>
+          <a:chOff x="0" y="0"/>
+          <a:chExt cx="0" cy="0"/>
+        </a:xfrm>
+      </p:grpSpPr>
+      <p:sp>
+        <p:nvSpPr>
+          <p:cNvPr id="2" name="Заголовок 1"/>
+          <p:cNvSpPr>
+            <a:spLocks noGrp="1"/>
+          </p:cNvSpPr>
+          <p:nvPr>
+            <p:ph type="title"/>
+          </p:nvPr>
+        </p:nvSpPr>
+        <p:spPr>
+          <a:xfrm>
+            <a:off x="739775" y="45675"/>
+            <a:ext cx="10515600" cy="1325563"/>
+          </a:xfrm>
+        </p:spPr>
+        <p:txBody>
+          <a:bodyPr/>
+          <a:lstStyle/>
+          <a:p>
+            <a:r>
+              <a:rPr lang="ru-RU" dirty="0" smtClean="0"/>
+              <a:t>Сглаживание погрешностей</a:t>
+            </a:r>
+            <a:endParaRPr lang="ru-RU" dirty="0"/>
+          </a:p>
+        </p:txBody>
+      </p:sp>
+      <p:sp>
+        <p:nvSpPr>
+          <p:cNvPr id="7" name="Текст 6"/>
+          <p:cNvSpPr>
+            <a:spLocks noGrp="1"/>
+          </p:cNvSpPr>
+          <p:nvPr>
+            <p:ph type="body" idx="1"/>
+          </p:nvPr>
+        </p:nvSpPr>
+        <p:spPr>
+          <a:xfrm>
+            <a:off x="738186" y="2092199"/>
+            <a:ext cx="5157787" cy="455198"/>
+          </a:xfrm>
+        </p:spPr>
+        <p:txBody>
+          <a:bodyPr/>
+          <a:lstStyle/>
+          <a:p>
+            <a:r>
+              <a:rPr lang="ru-RU" dirty="0" smtClean="0"/>
+              <a:t>Математическая модель задачи</a:t>
             </a:r>
             <a:endParaRPr lang="ru-RU" dirty="0"/>
           </a:p>
@@ -4268,59 +6384,386 @@
         <mc:Choice xmlns:a14="http://schemas.microsoft.com/office/drawing/2010/main" Requires="a14">
           <p:sp>
             <p:nvSpPr>
-              <p:cNvPr id="3" name="Объект 2"/>
+              <p:cNvPr id="8" name="Объект 7"/>
               <p:cNvSpPr>
                 <a:spLocks noGrp="1"/>
               </p:cNvSpPr>
               <p:nvPr>
-                <p:ph idx="1"/>
+                <p:ph sz="half" idx="2"/>
               </p:nvPr>
             </p:nvSpPr>
             <p:spPr>
               <a:xfrm>
-                <a:off x="838200" y="1690688"/>
-                <a:ext cx="10515600" cy="4351338"/>
+                <a:off x="738187" y="2547398"/>
+                <a:ext cx="5157786" cy="4105952"/>
               </a:xfrm>
             </p:spPr>
             <p:txBody>
               <a:bodyPr>
-                <a:normAutofit fontScale="92500"/>
+                <a:normAutofit lnSpcReduction="10000"/>
               </a:bodyPr>
               <a:lstStyle/>
               <a:p>
-                <a:pPr marL="0" indent="0">
-                  <a:buNone/>
-                </a:pPr>
                 <a:r>
-                  <a:rPr lang="ru-RU" dirty="0" smtClean="0"/>
-                  <a:t>Результатом каждой итерации фильтра </a:t>
-                </a:r>
-                <a:r>
-                  <a:rPr lang="ru-RU" dirty="0" err="1" smtClean="0"/>
-                  <a:t>Калмана</a:t>
-                </a:r>
-                <a:r>
-                  <a:rPr lang="ru-RU" dirty="0" smtClean="0"/>
-                  <a:t> является уточненное состояние объекта.</a:t>
+                  <a:rPr lang="ru-RU" dirty="0" smtClean="0">
+                    <a:latin typeface="Cambria Math" panose="02040503050406030204" pitchFamily="18" charset="0"/>
+                  </a:rPr>
+                  <a:t>Описание процесса:</a:t>
                 </a:r>
               </a:p>
               <a:p>
-                <a:pPr marL="0" indent="0">
+                <a:pPr marL="0" indent="0" algn="ctr">
                   <a:buNone/>
                 </a:pPr>
+                <a14:m>
+                  <m:oMathPara xmlns:m="http://schemas.openxmlformats.org/officeDocument/2006/math">
+                    <m:oMathParaPr>
+                      <m:jc m:val="centerGroup"/>
+                    </m:oMathParaPr>
+                    <m:oMath xmlns:m="http://schemas.openxmlformats.org/officeDocument/2006/math">
+                      <m:sSub>
+                        <m:sSubPr>
+                          <m:ctrlPr>
+                            <a:rPr lang="ru-RU" i="1">
+                              <a:latin typeface="Cambria Math" panose="02040503050406030204" pitchFamily="18" charset="0"/>
+                            </a:rPr>
+                          </m:ctrlPr>
+                        </m:sSubPr>
+                        <m:e>
+                          <m:r>
+                            <a:rPr lang="ru-RU">
+                              <a:latin typeface="Cambria Math" panose="02040503050406030204" pitchFamily="18" charset="0"/>
+                            </a:rPr>
+                            <m:t>𝑠</m:t>
+                          </m:r>
+                        </m:e>
+                        <m:sub>
+                          <m:r>
+                            <a:rPr lang="ru-RU">
+                              <a:latin typeface="Cambria Math" panose="02040503050406030204" pitchFamily="18" charset="0"/>
+                            </a:rPr>
+                            <m:t>𝑘</m:t>
+                          </m:r>
+                        </m:sub>
+                      </m:sSub>
+                      <m:r>
+                        <a:rPr lang="ru-RU">
+                          <a:latin typeface="Cambria Math" panose="02040503050406030204" pitchFamily="18" charset="0"/>
+                        </a:rPr>
+                        <m:t>=</m:t>
+                      </m:r>
+                      <m:sSub>
+                        <m:sSubPr>
+                          <m:ctrlPr>
+                            <a:rPr lang="ru-RU" i="1">
+                              <a:latin typeface="Cambria Math" panose="02040503050406030204" pitchFamily="18" charset="0"/>
+                            </a:rPr>
+                          </m:ctrlPr>
+                        </m:sSubPr>
+                        <m:e>
+                          <m:r>
+                            <a:rPr lang="ru-RU">
+                              <a:latin typeface="Cambria Math" panose="02040503050406030204" pitchFamily="18" charset="0"/>
+                            </a:rPr>
+                            <m:t>𝐴</m:t>
+                          </m:r>
+                        </m:e>
+                        <m:sub>
+                          <m:r>
+                            <a:rPr lang="ru-RU">
+                              <a:latin typeface="Cambria Math" panose="02040503050406030204" pitchFamily="18" charset="0"/>
+                            </a:rPr>
+                            <m:t>𝑘</m:t>
+                          </m:r>
+                        </m:sub>
+                      </m:sSub>
+                      <m:sSub>
+                        <m:sSubPr>
+                          <m:ctrlPr>
+                            <a:rPr lang="ru-RU" i="1">
+                              <a:latin typeface="Cambria Math" panose="02040503050406030204" pitchFamily="18" charset="0"/>
+                            </a:rPr>
+                          </m:ctrlPr>
+                        </m:sSubPr>
+                        <m:e>
+                          <m:r>
+                            <a:rPr lang="ru-RU">
+                              <a:latin typeface="Cambria Math" panose="02040503050406030204" pitchFamily="18" charset="0"/>
+                            </a:rPr>
+                            <m:t>𝑠</m:t>
+                          </m:r>
+                        </m:e>
+                        <m:sub>
+                          <m:r>
+                            <a:rPr lang="ru-RU">
+                              <a:latin typeface="Cambria Math" panose="02040503050406030204" pitchFamily="18" charset="0"/>
+                            </a:rPr>
+                            <m:t>𝑘</m:t>
+                          </m:r>
+                          <m:r>
+                            <a:rPr lang="ru-RU">
+                              <a:latin typeface="Cambria Math" panose="02040503050406030204" pitchFamily="18" charset="0"/>
+                            </a:rPr>
+                            <m:t>−1</m:t>
+                          </m:r>
+                        </m:sub>
+                      </m:sSub>
+                      <m:r>
+                        <a:rPr lang="ru-RU">
+                          <a:latin typeface="Cambria Math" panose="02040503050406030204" pitchFamily="18" charset="0"/>
+                        </a:rPr>
+                        <m:t>+</m:t>
+                      </m:r>
+                      <m:sSub>
+                        <m:sSubPr>
+                          <m:ctrlPr>
+                            <a:rPr lang="ru-RU" i="1">
+                              <a:latin typeface="Cambria Math" panose="02040503050406030204" pitchFamily="18" charset="0"/>
+                            </a:rPr>
+                          </m:ctrlPr>
+                        </m:sSubPr>
+                        <m:e>
+                          <m:r>
+                            <a:rPr lang="ru-RU">
+                              <a:latin typeface="Cambria Math" panose="02040503050406030204" pitchFamily="18" charset="0"/>
+                            </a:rPr>
+                            <m:t>𝐵</m:t>
+                          </m:r>
+                        </m:e>
+                        <m:sub>
+                          <m:r>
+                            <a:rPr lang="ru-RU">
+                              <a:latin typeface="Cambria Math" panose="02040503050406030204" pitchFamily="18" charset="0"/>
+                            </a:rPr>
+                            <m:t>𝑘</m:t>
+                          </m:r>
+                        </m:sub>
+                      </m:sSub>
+                      <m:sSub>
+                        <m:sSubPr>
+                          <m:ctrlPr>
+                            <a:rPr lang="ru-RU" i="1">
+                              <a:latin typeface="Cambria Math" panose="02040503050406030204" pitchFamily="18" charset="0"/>
+                            </a:rPr>
+                          </m:ctrlPr>
+                        </m:sSubPr>
+                        <m:e>
+                          <m:r>
+                            <a:rPr lang="ru-RU">
+                              <a:latin typeface="Cambria Math" panose="02040503050406030204" pitchFamily="18" charset="0"/>
+                            </a:rPr>
+                            <m:t>𝑢</m:t>
+                          </m:r>
+                        </m:e>
+                        <m:sub>
+                          <m:r>
+                            <a:rPr lang="ru-RU">
+                              <a:latin typeface="Cambria Math" panose="02040503050406030204" pitchFamily="18" charset="0"/>
+                            </a:rPr>
+                            <m:t>𝑘</m:t>
+                          </m:r>
+                          <m:r>
+                            <a:rPr lang="ru-RU">
+                              <a:latin typeface="Cambria Math" panose="02040503050406030204" pitchFamily="18" charset="0"/>
+                            </a:rPr>
+                            <m:t>−1</m:t>
+                          </m:r>
+                        </m:sub>
+                      </m:sSub>
+                      <m:r>
+                        <a:rPr lang="ru-RU">
+                          <a:latin typeface="Cambria Math" panose="02040503050406030204" pitchFamily="18" charset="0"/>
+                        </a:rPr>
+                        <m:t>+</m:t>
+                      </m:r>
+                      <m:sSub>
+                        <m:sSubPr>
+                          <m:ctrlPr>
+                            <a:rPr lang="ru-RU" i="1">
+                              <a:latin typeface="Cambria Math" panose="02040503050406030204" pitchFamily="18" charset="0"/>
+                            </a:rPr>
+                          </m:ctrlPr>
+                        </m:sSubPr>
+                        <m:e>
+                          <m:r>
+                            <a:rPr lang="ru-RU">
+                              <a:latin typeface="Cambria Math" panose="02040503050406030204" pitchFamily="18" charset="0"/>
+                            </a:rPr>
+                            <m:t>𝑤</m:t>
+                          </m:r>
+                        </m:e>
+                        <m:sub>
+                          <m:r>
+                            <a:rPr lang="ru-RU">
+                              <a:latin typeface="Cambria Math" panose="02040503050406030204" pitchFamily="18" charset="0"/>
+                            </a:rPr>
+                            <m:t>𝑘</m:t>
+                          </m:r>
+                        </m:sub>
+                      </m:sSub>
+                      <m:r>
+                        <a:rPr lang="ru-RU">
+                          <a:latin typeface="Cambria Math" panose="02040503050406030204" pitchFamily="18" charset="0"/>
+                        </a:rPr>
+                        <m:t>,</m:t>
+                      </m:r>
+                    </m:oMath>
+                  </m:oMathPara>
+                </a14:m>
+                <a:endParaRPr lang="ru-RU" i="1" dirty="0" smtClean="0">
+                  <a:latin typeface="Cambria Math" panose="02040503050406030204" pitchFamily="18" charset="0"/>
+                </a:endParaRPr>
+              </a:p>
+              <a:p>
+                <a:pPr marL="0" indent="0" algn="ctr">
+                  <a:buNone/>
+                </a:pPr>
+                <a14:m>
+                  <m:oMathPara xmlns:m="http://schemas.openxmlformats.org/officeDocument/2006/math">
+                    <m:oMathParaPr>
+                      <m:jc m:val="centerGroup"/>
+                    </m:oMathParaPr>
+                    <m:oMath xmlns:m="http://schemas.openxmlformats.org/officeDocument/2006/math">
+                      <m:sSub>
+                        <m:sSubPr>
+                          <m:ctrlPr>
+                            <a:rPr lang="ru-RU" i="1">
+                              <a:latin typeface="Cambria Math" panose="02040503050406030204" pitchFamily="18" charset="0"/>
+                            </a:rPr>
+                          </m:ctrlPr>
+                        </m:sSubPr>
+                        <m:e>
+                          <m:r>
+                            <a:rPr lang="ru-RU">
+                              <a:latin typeface="Cambria Math" panose="02040503050406030204" pitchFamily="18" charset="0"/>
+                            </a:rPr>
+                            <m:t>𝑧</m:t>
+                          </m:r>
+                        </m:e>
+                        <m:sub>
+                          <m:r>
+                            <a:rPr lang="ru-RU">
+                              <a:latin typeface="Cambria Math" panose="02040503050406030204" pitchFamily="18" charset="0"/>
+                            </a:rPr>
+                            <m:t>𝑘</m:t>
+                          </m:r>
+                        </m:sub>
+                      </m:sSub>
+                      <m:r>
+                        <a:rPr lang="ru-RU">
+                          <a:latin typeface="Cambria Math" panose="02040503050406030204" pitchFamily="18" charset="0"/>
+                        </a:rPr>
+                        <m:t>=</m:t>
+                      </m:r>
+                      <m:sSub>
+                        <m:sSubPr>
+                          <m:ctrlPr>
+                            <a:rPr lang="ru-RU" i="1">
+                              <a:latin typeface="Cambria Math" panose="02040503050406030204" pitchFamily="18" charset="0"/>
+                            </a:rPr>
+                          </m:ctrlPr>
+                        </m:sSubPr>
+                        <m:e>
+                          <m:r>
+                            <a:rPr lang="ru-RU">
+                              <a:latin typeface="Cambria Math" panose="02040503050406030204" pitchFamily="18" charset="0"/>
+                            </a:rPr>
+                            <m:t>𝐻</m:t>
+                          </m:r>
+                        </m:e>
+                        <m:sub>
+                          <m:r>
+                            <a:rPr lang="ru-RU">
+                              <a:latin typeface="Cambria Math" panose="02040503050406030204" pitchFamily="18" charset="0"/>
+                            </a:rPr>
+                            <m:t>𝑘</m:t>
+                          </m:r>
+                        </m:sub>
+                      </m:sSub>
+                      <m:sSub>
+                        <m:sSubPr>
+                          <m:ctrlPr>
+                            <a:rPr lang="ru-RU" i="1">
+                              <a:latin typeface="Cambria Math" panose="02040503050406030204" pitchFamily="18" charset="0"/>
+                            </a:rPr>
+                          </m:ctrlPr>
+                        </m:sSubPr>
+                        <m:e>
+                          <m:r>
+                            <a:rPr lang="ru-RU">
+                              <a:latin typeface="Cambria Math" panose="02040503050406030204" pitchFamily="18" charset="0"/>
+                            </a:rPr>
+                            <m:t>𝑠</m:t>
+                          </m:r>
+                        </m:e>
+                        <m:sub>
+                          <m:r>
+                            <a:rPr lang="ru-RU">
+                              <a:latin typeface="Cambria Math" panose="02040503050406030204" pitchFamily="18" charset="0"/>
+                            </a:rPr>
+                            <m:t>𝑘</m:t>
+                          </m:r>
+                        </m:sub>
+                      </m:sSub>
+                      <m:r>
+                        <a:rPr lang="ru-RU">
+                          <a:latin typeface="Cambria Math" panose="02040503050406030204" pitchFamily="18" charset="0"/>
+                        </a:rPr>
+                        <m:t>+</m:t>
+                      </m:r>
+                      <m:sSub>
+                        <m:sSubPr>
+                          <m:ctrlPr>
+                            <a:rPr lang="ru-RU" i="1">
+                              <a:latin typeface="Cambria Math" panose="02040503050406030204" pitchFamily="18" charset="0"/>
+                            </a:rPr>
+                          </m:ctrlPr>
+                        </m:sSubPr>
+                        <m:e>
+                          <m:r>
+                            <a:rPr lang="ru-RU">
+                              <a:latin typeface="Cambria Math" panose="02040503050406030204" pitchFamily="18" charset="0"/>
+                            </a:rPr>
+                            <m:t>𝑣</m:t>
+                          </m:r>
+                        </m:e>
+                        <m:sub>
+                          <m:r>
+                            <a:rPr lang="ru-RU">
+                              <a:latin typeface="Cambria Math" panose="02040503050406030204" pitchFamily="18" charset="0"/>
+                            </a:rPr>
+                            <m:t>𝑘</m:t>
+                          </m:r>
+                        </m:sub>
+                      </m:sSub>
+                    </m:oMath>
+                  </m:oMathPara>
+                </a14:m>
+                <a:endParaRPr lang="ru-RU" dirty="0" smtClean="0">
+                  <a:latin typeface="Times New Roman" panose="02020603050405020304" pitchFamily="18" charset="0"/>
+                </a:endParaRPr>
+              </a:p>
+              <a:p>
                 <a:r>
-                  <a:rPr lang="ru-RU" dirty="0" smtClean="0"/>
-                  <a:t>Итерация состоит из двух этапов:</a:t>
+                  <a:rPr lang="ru-RU" dirty="0" smtClean="0">
+                    <a:solidFill>
+                      <a:srgbClr val="000000"/>
+                    </a:solidFill>
+                    <a:latin typeface="Times New Roman" panose="02020603050405020304" pitchFamily="18" charset="0"/>
+                    <a:ea typeface="Times New Roman" panose="02020603050405020304" pitchFamily="18" charset="0"/>
+                  </a:rPr>
+                  <a:t>Применение фильтра:</a:t>
                 </a:r>
               </a:p>
               <a:p>
+                <a:pPr lvl="1"/>
                 <a:r>
-                  <a:rPr lang="ru-RU" dirty="0" smtClean="0"/>
+                  <a:rPr lang="ru-RU" dirty="0"/>
                   <a:t>Экстраполяция</a:t>
                 </a:r>
               </a:p>
               <a:p>
-                <a:pPr marL="0" indent="0">
+                <a:pPr marL="457200" lvl="1" indent="0">
                   <a:buNone/>
                 </a:pPr>
                 <a14:m>
@@ -4482,7 +6925,7 @@
                 </a:endParaRPr>
               </a:p>
               <a:p>
-                <a:pPr marL="0" indent="0">
+                <a:pPr marL="457200" lvl="1" indent="0">
                   <a:buNone/>
                 </a:pPr>
                 <a14:m>
@@ -4668,13 +7111,14 @@
                     </m:oMath>
                   </m:oMathPara>
                 </a14:m>
-                <a:endParaRPr lang="ru-RU" dirty="0" smtClean="0">
+                <a:endParaRPr lang="ru-RU" dirty="0">
                   <a:latin typeface="Times New Roman" panose="02020603050405020304" pitchFamily="18" charset="0"/>
                 </a:endParaRPr>
               </a:p>
               <a:p>
+                <a:pPr lvl="1"/>
                 <a:r>
-                  <a:rPr lang="ru-RU" dirty="0" smtClean="0">
+                  <a:rPr lang="ru-RU" dirty="0">
                     <a:solidFill>
                       <a:srgbClr val="000000"/>
                     </a:solidFill>
@@ -4683,7 +7127,7 @@
                   </a:rPr>
                   <a:t>Коррекция</a:t>
                 </a:r>
-                <a:endParaRPr lang="en-US" dirty="0" smtClean="0">
+                <a:endParaRPr lang="en-US" dirty="0">
                   <a:solidFill>
                     <a:srgbClr val="000000"/>
                   </a:solidFill>
@@ -4692,7 +7136,7 @@
                 </a:endParaRPr>
               </a:p>
               <a:p>
-                <a:pPr marL="0" indent="0">
+                <a:pPr marL="457200" lvl="1" indent="0">
                   <a:buNone/>
                 </a:pPr>
                 <a14:m>
@@ -4704,35 +7148,47 @@
                       <m:sSub>
                         <m:sSubPr>
                           <m:ctrlPr>
-                            <a:rPr lang="ru-RU" i="1"/>
+                            <a:rPr lang="ru-RU" i="1">
+                              <a:latin typeface="Cambria Math" panose="02040503050406030204" pitchFamily="18" charset="0"/>
+                            </a:rPr>
                           </m:ctrlPr>
                         </m:sSubPr>
                         <m:e>
                           <m:r>
-                            <a:rPr lang="ru-RU" i="1"/>
+                            <a:rPr lang="ru-RU" i="1">
+                              <a:latin typeface="Cambria Math" panose="02040503050406030204" pitchFamily="18" charset="0"/>
+                            </a:rPr>
                             <m:t>𝐾</m:t>
                           </m:r>
                         </m:e>
                         <m:sub>
                           <m:r>
-                            <a:rPr lang="ru-RU" i="1"/>
+                            <a:rPr lang="ru-RU" i="1">
+                              <a:latin typeface="Cambria Math" panose="02040503050406030204" pitchFamily="18" charset="0"/>
+                            </a:rPr>
                             <m:t>𝑘</m:t>
                           </m:r>
                         </m:sub>
                       </m:sSub>
                       <m:r>
-                        <a:rPr lang="ru-RU" i="1"/>
+                        <a:rPr lang="ru-RU" i="1">
+                          <a:latin typeface="Cambria Math" panose="02040503050406030204" pitchFamily="18" charset="0"/>
+                        </a:rPr>
                         <m:t>=</m:t>
                       </m:r>
                       <m:sSub>
                         <m:sSubPr>
                           <m:ctrlPr>
-                            <a:rPr lang="ru-RU" i="1"/>
+                            <a:rPr lang="ru-RU" i="1">
+                              <a:latin typeface="Cambria Math" panose="02040503050406030204" pitchFamily="18" charset="0"/>
+                            </a:rPr>
                           </m:ctrlPr>
                         </m:sSubPr>
                         <m:e>
                           <m:r>
-                            <a:rPr lang="ru-RU" i="1"/>
+                            <a:rPr lang="ru-RU" i="1">
+                              <a:latin typeface="Cambria Math" panose="02040503050406030204" pitchFamily="18" charset="0"/>
+                            </a:rPr>
                             <m:t>𝑃</m:t>
                           </m:r>
                         </m:e>
@@ -4741,12 +7197,16 @@
                             <m:accPr>
                               <m:chr m:val="̃"/>
                               <m:ctrlPr>
-                                <a:rPr lang="ru-RU" i="1"/>
+                                <a:rPr lang="ru-RU" i="1">
+                                  <a:latin typeface="Cambria Math" panose="02040503050406030204" pitchFamily="18" charset="0"/>
+                                </a:rPr>
                               </m:ctrlPr>
                             </m:accPr>
                             <m:e>
                               <m:r>
-                                <a:rPr lang="ru-RU" i="1"/>
+                                <a:rPr lang="ru-RU" i="1">
+                                  <a:latin typeface="Cambria Math" panose="02040503050406030204" pitchFamily="18" charset="0"/>
+                                </a:rPr>
                                 <m:t>𝑘</m:t>
                               </m:r>
                             </m:e>
@@ -4756,18 +7216,24 @@
                       <m:sSup>
                         <m:sSupPr>
                           <m:ctrlPr>
-                            <a:rPr lang="ru-RU" i="1"/>
+                            <a:rPr lang="ru-RU" i="1">
+                              <a:latin typeface="Cambria Math" panose="02040503050406030204" pitchFamily="18" charset="0"/>
+                            </a:rPr>
                           </m:ctrlPr>
                         </m:sSupPr>
                         <m:e>
                           <m:r>
-                            <a:rPr lang="ru-RU" i="1"/>
+                            <a:rPr lang="ru-RU" i="1">
+                              <a:latin typeface="Cambria Math" panose="02040503050406030204" pitchFamily="18" charset="0"/>
+                            </a:rPr>
                             <m:t>𝐻</m:t>
                           </m:r>
                         </m:e>
                         <m:sup>
                           <m:r>
-                            <a:rPr lang="ru-RU" i="1"/>
+                            <a:rPr lang="ru-RU" i="1">
+                              <a:latin typeface="Cambria Math" panose="02040503050406030204" pitchFamily="18" charset="0"/>
+                            </a:rPr>
                             <m:t>𝑇</m:t>
                           </m:r>
                         </m:sup>
@@ -4775,27 +7241,37 @@
                       <m:sSup>
                         <m:sSupPr>
                           <m:ctrlPr>
-                            <a:rPr lang="ru-RU" i="1"/>
+                            <a:rPr lang="ru-RU" i="1">
+                              <a:latin typeface="Cambria Math" panose="02040503050406030204" pitchFamily="18" charset="0"/>
+                            </a:rPr>
                           </m:ctrlPr>
                         </m:sSupPr>
                         <m:e>
                           <m:r>
-                            <a:rPr lang="ru-RU" i="1"/>
+                            <a:rPr lang="ru-RU" i="1">
+                              <a:latin typeface="Cambria Math" panose="02040503050406030204" pitchFamily="18" charset="0"/>
+                            </a:rPr>
                             <m:t>(</m:t>
                           </m:r>
                           <m:r>
-                            <a:rPr lang="ru-RU" i="1"/>
+                            <a:rPr lang="ru-RU" i="1">
+                              <a:latin typeface="Cambria Math" panose="02040503050406030204" pitchFamily="18" charset="0"/>
+                            </a:rPr>
                             <m:t>𝐻</m:t>
                           </m:r>
                           <m:sSub>
                             <m:sSubPr>
                               <m:ctrlPr>
-                                <a:rPr lang="ru-RU" i="1"/>
+                                <a:rPr lang="ru-RU" i="1">
+                                  <a:latin typeface="Cambria Math" panose="02040503050406030204" pitchFamily="18" charset="0"/>
+                                </a:rPr>
                               </m:ctrlPr>
                             </m:sSubPr>
                             <m:e>
                               <m:r>
-                                <a:rPr lang="ru-RU" i="1"/>
+                                <a:rPr lang="ru-RU" i="1">
+                                  <a:latin typeface="Cambria Math" panose="02040503050406030204" pitchFamily="18" charset="0"/>
+                                </a:rPr>
                                 <m:t>𝑃</m:t>
                               </m:r>
                             </m:e>
@@ -4804,12 +7280,16 @@
                                 <m:accPr>
                                   <m:chr m:val="̃"/>
                                   <m:ctrlPr>
-                                    <a:rPr lang="ru-RU" i="1"/>
+                                    <a:rPr lang="ru-RU" i="1">
+                                      <a:latin typeface="Cambria Math" panose="02040503050406030204" pitchFamily="18" charset="0"/>
+                                    </a:rPr>
                                   </m:ctrlPr>
                                 </m:accPr>
                                 <m:e>
                                   <m:r>
-                                    <a:rPr lang="ru-RU" i="1"/>
+                                    <a:rPr lang="ru-RU" i="1">
+                                      <a:latin typeface="Cambria Math" panose="02040503050406030204" pitchFamily="18" charset="0"/>
+                                    </a:rPr>
                                     <m:t>𝑘</m:t>
                                   </m:r>
                                 </m:e>
@@ -4819,38 +7299,52 @@
                           <m:sSup>
                             <m:sSupPr>
                               <m:ctrlPr>
-                                <a:rPr lang="ru-RU" i="1"/>
+                                <a:rPr lang="ru-RU" i="1">
+                                  <a:latin typeface="Cambria Math" panose="02040503050406030204" pitchFamily="18" charset="0"/>
+                                </a:rPr>
                               </m:ctrlPr>
                             </m:sSupPr>
                             <m:e>
                               <m:r>
-                                <a:rPr lang="ru-RU" i="1"/>
+                                <a:rPr lang="ru-RU" i="1">
+                                  <a:latin typeface="Cambria Math" panose="02040503050406030204" pitchFamily="18" charset="0"/>
+                                </a:rPr>
                                 <m:t>𝐻</m:t>
                               </m:r>
                             </m:e>
                             <m:sup>
                               <m:r>
-                                <a:rPr lang="ru-RU" i="1"/>
+                                <a:rPr lang="ru-RU" i="1">
+                                  <a:latin typeface="Cambria Math" panose="02040503050406030204" pitchFamily="18" charset="0"/>
+                                </a:rPr>
                                 <m:t>𝑇</m:t>
                               </m:r>
                             </m:sup>
                           </m:sSup>
                           <m:r>
-                            <a:rPr lang="ru-RU" i="1"/>
+                            <a:rPr lang="ru-RU" i="1">
+                              <a:latin typeface="Cambria Math" panose="02040503050406030204" pitchFamily="18" charset="0"/>
+                            </a:rPr>
                             <m:t>+</m:t>
                           </m:r>
                           <m:r>
-                            <a:rPr lang="ru-RU" i="1"/>
+                            <a:rPr lang="ru-RU" i="1">
+                              <a:latin typeface="Cambria Math" panose="02040503050406030204" pitchFamily="18" charset="0"/>
+                            </a:rPr>
                             <m:t>𝑅</m:t>
                           </m:r>
                           <m:r>
-                            <a:rPr lang="ru-RU" i="1"/>
+                            <a:rPr lang="ru-RU" i="1">
+                              <a:latin typeface="Cambria Math" panose="02040503050406030204" pitchFamily="18" charset="0"/>
+                            </a:rPr>
                             <m:t>)</m:t>
                           </m:r>
                         </m:e>
                         <m:sup>
                           <m:r>
-                            <a:rPr lang="ru-RU" i="1"/>
+                            <a:rPr lang="ru-RU" i="1">
+                              <a:latin typeface="Cambria Math" panose="02040503050406030204" pitchFamily="18" charset="0"/>
+                            </a:rPr>
                             <m:t>−1</m:t>
                           </m:r>
                         </m:sup>
@@ -4858,7 +7352,7 @@
                     </m:oMath>
                   </m:oMathPara>
                 </a14:m>
-                <a:endParaRPr lang="en-US" dirty="0" smtClean="0">
+                <a:endParaRPr lang="en-US" dirty="0">
                   <a:solidFill>
                     <a:srgbClr val="000000"/>
                   </a:solidFill>
@@ -4867,7 +7361,7 @@
                 </a:endParaRPr>
               </a:p>
               <a:p>
-                <a:pPr marL="0" indent="0">
+                <a:pPr marL="457200" lvl="1" indent="0">
                   <a:buNone/>
                 </a:pPr>
                 <a14:m>
@@ -4879,7 +7373,9 @@
                       <m:sSub>
                         <m:sSubPr>
                           <m:ctrlPr>
-                            <a:rPr lang="ru-RU" i="1"/>
+                            <a:rPr lang="ru-RU" i="1">
+                              <a:latin typeface="Cambria Math" panose="02040503050406030204" pitchFamily="18" charset="0"/>
+                            </a:rPr>
                           </m:ctrlPr>
                         </m:sSubPr>
                         <m:e>
@@ -4887,12 +7383,16 @@
                             <m:accPr>
                               <m:chr m:val="̂"/>
                               <m:ctrlPr>
-                                <a:rPr lang="ru-RU" i="1"/>
+                                <a:rPr lang="ru-RU" i="1">
+                                  <a:latin typeface="Cambria Math" panose="02040503050406030204" pitchFamily="18" charset="0"/>
+                                </a:rPr>
                               </m:ctrlPr>
                             </m:accPr>
                             <m:e>
                               <m:r>
-                                <a:rPr lang="ru-RU" i="1"/>
+                                <a:rPr lang="ru-RU" i="1">
+                                  <a:latin typeface="Cambria Math" panose="02040503050406030204" pitchFamily="18" charset="0"/>
+                                </a:rPr>
                                 <m:t>𝑠</m:t>
                               </m:r>
                             </m:e>
@@ -4900,23 +7400,31 @@
                         </m:e>
                         <m:sub>
                           <m:r>
-                            <a:rPr lang="ru-RU" i="1"/>
+                            <a:rPr lang="ru-RU" i="1">
+                              <a:latin typeface="Cambria Math" panose="02040503050406030204" pitchFamily="18" charset="0"/>
+                            </a:rPr>
                             <m:t>𝑘</m:t>
                           </m:r>
                         </m:sub>
                       </m:sSub>
                       <m:r>
-                        <a:rPr lang="ru-RU" i="1" baseline="-25000"/>
+                        <a:rPr lang="ru-RU" i="1" baseline="-25000">
+                          <a:latin typeface="Cambria Math" panose="02040503050406030204" pitchFamily="18" charset="0"/>
+                        </a:rPr>
                         <m:t> </m:t>
                       </m:r>
                       <m:r>
-                        <a:rPr lang="ru-RU" i="1"/>
+                        <a:rPr lang="ru-RU" i="1">
+                          <a:latin typeface="Cambria Math" panose="02040503050406030204" pitchFamily="18" charset="0"/>
+                        </a:rPr>
                         <m:t>=</m:t>
                       </m:r>
                       <m:sSub>
                         <m:sSubPr>
                           <m:ctrlPr>
-                            <a:rPr lang="ru-RU" i="1"/>
+                            <a:rPr lang="ru-RU" i="1">
+                              <a:latin typeface="Cambria Math" panose="02040503050406030204" pitchFamily="18" charset="0"/>
+                            </a:rPr>
                           </m:ctrlPr>
                         </m:sSubPr>
                         <m:e>
@@ -4924,12 +7432,16 @@
                             <m:accPr>
                               <m:chr m:val="̂"/>
                               <m:ctrlPr>
-                                <a:rPr lang="ru-RU" i="1"/>
+                                <a:rPr lang="ru-RU" i="1">
+                                  <a:latin typeface="Cambria Math" panose="02040503050406030204" pitchFamily="18" charset="0"/>
+                                </a:rPr>
                               </m:ctrlPr>
                             </m:accPr>
                             <m:e>
                               <m:r>
-                                <a:rPr lang="ru-RU" i="1"/>
+                                <a:rPr lang="ru-RU" i="1">
+                                  <a:latin typeface="Cambria Math" panose="02040503050406030204" pitchFamily="18" charset="0"/>
+                                </a:rPr>
                                 <m:t>𝑠</m:t>
                               </m:r>
                             </m:e>
@@ -4940,12 +7452,16 @@
                             <m:accPr>
                               <m:chr m:val="̃"/>
                               <m:ctrlPr>
-                                <a:rPr lang="ru-RU" i="1"/>
+                                <a:rPr lang="ru-RU" i="1">
+                                  <a:latin typeface="Cambria Math" panose="02040503050406030204" pitchFamily="18" charset="0"/>
+                                </a:rPr>
                               </m:ctrlPr>
                             </m:accPr>
                             <m:e>
                               <m:r>
-                                <a:rPr lang="ru-RU" i="1"/>
+                                <a:rPr lang="ru-RU" i="1">
+                                  <a:latin typeface="Cambria Math" panose="02040503050406030204" pitchFamily="18" charset="0"/>
+                                </a:rPr>
                                 <m:t>𝑘</m:t>
                               </m:r>
                             </m:e>
@@ -4953,24 +7469,32 @@
                         </m:sub>
                       </m:sSub>
                       <m:r>
-                        <a:rPr lang="ru-RU"/>
+                        <a:rPr lang="ru-RU">
+                          <a:latin typeface="Cambria Math" panose="02040503050406030204" pitchFamily="18" charset="0"/>
+                        </a:rPr>
                         <m:t>+</m:t>
                       </m:r>
                       <m:sSub>
                         <m:sSubPr>
                           <m:ctrlPr>
-                            <a:rPr lang="ru-RU" i="1"/>
+                            <a:rPr lang="ru-RU" i="1">
+                              <a:latin typeface="Cambria Math" panose="02040503050406030204" pitchFamily="18" charset="0"/>
+                            </a:rPr>
                           </m:ctrlPr>
                         </m:sSubPr>
                         <m:e>
                           <m:r>
-                            <a:rPr lang="ru-RU" i="1"/>
+                            <a:rPr lang="ru-RU" i="1">
+                              <a:latin typeface="Cambria Math" panose="02040503050406030204" pitchFamily="18" charset="0"/>
+                            </a:rPr>
                             <m:t>𝐾</m:t>
                           </m:r>
                         </m:e>
                         <m:sub>
                           <m:r>
-                            <a:rPr lang="ru-RU" i="1"/>
+                            <a:rPr lang="ru-RU" i="1">
+                              <a:latin typeface="Cambria Math" panose="02040503050406030204" pitchFamily="18" charset="0"/>
+                            </a:rPr>
                             <m:t>𝑘</m:t>
                           </m:r>
                         </m:sub>
@@ -4978,41 +7502,55 @@
                       <m:d>
                         <m:dPr>
                           <m:ctrlPr>
-                            <a:rPr lang="ru-RU" i="1"/>
+                            <a:rPr lang="ru-RU" i="1">
+                              <a:latin typeface="Cambria Math" panose="02040503050406030204" pitchFamily="18" charset="0"/>
+                            </a:rPr>
                           </m:ctrlPr>
                         </m:dPr>
                         <m:e>
                           <m:sSub>
                             <m:sSubPr>
                               <m:ctrlPr>
-                                <a:rPr lang="ru-RU" i="1"/>
+                                <a:rPr lang="ru-RU" i="1">
+                                  <a:latin typeface="Cambria Math" panose="02040503050406030204" pitchFamily="18" charset="0"/>
+                                </a:rPr>
                               </m:ctrlPr>
                             </m:sSubPr>
                             <m:e>
                               <m:r>
-                                <a:rPr lang="ru-RU" i="1"/>
+                                <a:rPr lang="ru-RU" i="1">
+                                  <a:latin typeface="Cambria Math" panose="02040503050406030204" pitchFamily="18" charset="0"/>
+                                </a:rPr>
                                 <m:t>𝑧</m:t>
                               </m:r>
                             </m:e>
                             <m:sub>
                               <m:r>
-                                <a:rPr lang="ru-RU" i="1"/>
+                                <a:rPr lang="ru-RU" i="1">
+                                  <a:latin typeface="Cambria Math" panose="02040503050406030204" pitchFamily="18" charset="0"/>
+                                </a:rPr>
                                 <m:t>𝑘</m:t>
                               </m:r>
                             </m:sub>
                           </m:sSub>
                           <m:r>
-                            <a:rPr lang="ru-RU" i="1"/>
+                            <a:rPr lang="ru-RU" i="1">
+                              <a:latin typeface="Cambria Math" panose="02040503050406030204" pitchFamily="18" charset="0"/>
+                            </a:rPr>
                             <m:t>−</m:t>
                           </m:r>
                           <m:r>
-                            <a:rPr lang="ru-RU" i="1"/>
+                            <a:rPr lang="ru-RU" i="1">
+                              <a:latin typeface="Cambria Math" panose="02040503050406030204" pitchFamily="18" charset="0"/>
+                            </a:rPr>
                             <m:t>𝐻</m:t>
                           </m:r>
                           <m:sSub>
                             <m:sSubPr>
                               <m:ctrlPr>
-                                <a:rPr lang="ru-RU" i="1"/>
+                                <a:rPr lang="ru-RU" i="1">
+                                  <a:latin typeface="Cambria Math" panose="02040503050406030204" pitchFamily="18" charset="0"/>
+                                </a:rPr>
                               </m:ctrlPr>
                             </m:sSubPr>
                             <m:e>
@@ -5020,12 +7558,16 @@
                                 <m:accPr>
                                   <m:chr m:val="̂"/>
                                   <m:ctrlPr>
-                                    <a:rPr lang="ru-RU" i="1"/>
+                                    <a:rPr lang="ru-RU" i="1">
+                                      <a:latin typeface="Cambria Math" panose="02040503050406030204" pitchFamily="18" charset="0"/>
+                                    </a:rPr>
                                   </m:ctrlPr>
                                 </m:accPr>
                                 <m:e>
                                   <m:r>
-                                    <a:rPr lang="ru-RU" i="1"/>
+                                    <a:rPr lang="ru-RU" i="1">
+                                      <a:latin typeface="Cambria Math" panose="02040503050406030204" pitchFamily="18" charset="0"/>
+                                    </a:rPr>
                                     <m:t>𝑠</m:t>
                                   </m:r>
                                 </m:e>
@@ -5036,12 +7578,16 @@
                                 <m:accPr>
                                   <m:chr m:val="̃"/>
                                   <m:ctrlPr>
-                                    <a:rPr lang="ru-RU" i="1"/>
+                                    <a:rPr lang="ru-RU" i="1">
+                                      <a:latin typeface="Cambria Math" panose="02040503050406030204" pitchFamily="18" charset="0"/>
+                                    </a:rPr>
                                   </m:ctrlPr>
                                 </m:accPr>
                                 <m:e>
                                   <m:r>
-                                    <a:rPr lang="ru-RU" i="1"/>
+                                    <a:rPr lang="ru-RU" i="1">
+                                      <a:latin typeface="Cambria Math" panose="02040503050406030204" pitchFamily="18" charset="0"/>
+                                    </a:rPr>
                                     <m:t>𝑘</m:t>
                                   </m:r>
                                 </m:e>
@@ -5051,13 +7597,15 @@
                         </m:e>
                       </m:d>
                       <m:r>
-                        <a:rPr lang="ru-RU" i="1"/>
+                        <a:rPr lang="ru-RU" i="1">
+                          <a:latin typeface="Cambria Math" panose="02040503050406030204" pitchFamily="18" charset="0"/>
+                        </a:rPr>
                         <m:t>,</m:t>
                       </m:r>
                     </m:oMath>
                   </m:oMathPara>
                 </a14:m>
-                <a:endParaRPr lang="en-US" dirty="0" smtClean="0">
+                <a:endParaRPr lang="en-US" dirty="0">
                   <a:solidFill>
                     <a:srgbClr val="000000"/>
                   </a:solidFill>
@@ -5066,7 +7614,7 @@
                 </a:endParaRPr>
               </a:p>
               <a:p>
-                <a:pPr marL="0" indent="0">
+                <a:pPr marL="457200" lvl="1" indent="0">
                   <a:buNone/>
                 </a:pPr>
                 <a14:m>
@@ -5078,78 +7626,108 @@
                       <m:sSub>
                         <m:sSubPr>
                           <m:ctrlPr>
-                            <a:rPr lang="ru-RU" i="1"/>
+                            <a:rPr lang="ru-RU" i="1">
+                              <a:latin typeface="Cambria Math" panose="02040503050406030204" pitchFamily="18" charset="0"/>
+                            </a:rPr>
                           </m:ctrlPr>
                         </m:sSubPr>
                         <m:e>
                           <m:r>
-                            <a:rPr lang="ru-RU" i="1"/>
+                            <a:rPr lang="ru-RU" i="1">
+                              <a:latin typeface="Cambria Math" panose="02040503050406030204" pitchFamily="18" charset="0"/>
+                            </a:rPr>
                             <m:t>𝑃</m:t>
                           </m:r>
                         </m:e>
                         <m:sub>
                           <m:r>
-                            <a:rPr lang="ru-RU" i="1"/>
+                            <a:rPr lang="ru-RU" i="1">
+                              <a:latin typeface="Cambria Math" panose="02040503050406030204" pitchFamily="18" charset="0"/>
+                            </a:rPr>
                             <m:t>𝑘</m:t>
                           </m:r>
                         </m:sub>
                       </m:sSub>
                       <m:r>
-                        <a:rPr lang="ru-RU"/>
+                        <a:rPr lang="ru-RU">
+                          <a:latin typeface="Cambria Math" panose="02040503050406030204" pitchFamily="18" charset="0"/>
+                        </a:rPr>
                         <m:t> </m:t>
                       </m:r>
                       <m:r>
-                        <a:rPr lang="ru-RU" i="1"/>
+                        <a:rPr lang="ru-RU" i="1">
+                          <a:latin typeface="Cambria Math" panose="02040503050406030204" pitchFamily="18" charset="0"/>
+                        </a:rPr>
                         <m:t>=</m:t>
                       </m:r>
                       <m:sSub>
                         <m:sSubPr>
                           <m:ctrlPr>
-                            <a:rPr lang="ru-RU" i="1"/>
+                            <a:rPr lang="ru-RU" i="1">
+                              <a:latin typeface="Cambria Math" panose="02040503050406030204" pitchFamily="18" charset="0"/>
+                            </a:rPr>
                           </m:ctrlPr>
                         </m:sSubPr>
                         <m:e>
                           <m:r>
-                            <a:rPr lang="ru-RU" i="1"/>
+                            <a:rPr lang="ru-RU" i="1">
+                              <a:latin typeface="Cambria Math" panose="02040503050406030204" pitchFamily="18" charset="0"/>
+                            </a:rPr>
                             <m:t>(</m:t>
                           </m:r>
                           <m:r>
-                            <a:rPr lang="ru-RU" i="1"/>
+                            <a:rPr lang="ru-RU" i="1">
+                              <a:latin typeface="Cambria Math" panose="02040503050406030204" pitchFamily="18" charset="0"/>
+                            </a:rPr>
                             <m:t>𝐼</m:t>
                           </m:r>
                           <m:r>
-                            <a:rPr lang="ru-RU" i="1"/>
+                            <a:rPr lang="ru-RU" i="1">
+                              <a:latin typeface="Cambria Math" panose="02040503050406030204" pitchFamily="18" charset="0"/>
+                            </a:rPr>
                             <m:t>−</m:t>
                           </m:r>
                           <m:sSub>
                             <m:sSubPr>
                               <m:ctrlPr>
-                                <a:rPr lang="ru-RU" i="1"/>
+                                <a:rPr lang="ru-RU" i="1">
+                                  <a:latin typeface="Cambria Math" panose="02040503050406030204" pitchFamily="18" charset="0"/>
+                                </a:rPr>
                               </m:ctrlPr>
                             </m:sSubPr>
                             <m:e>
                               <m:r>
-                                <a:rPr lang="ru-RU" i="1"/>
+                                <a:rPr lang="ru-RU" i="1">
+                                  <a:latin typeface="Cambria Math" panose="02040503050406030204" pitchFamily="18" charset="0"/>
+                                </a:rPr>
                                 <m:t>𝐾</m:t>
                               </m:r>
                             </m:e>
                             <m:sub>
                               <m:r>
-                                <a:rPr lang="ru-RU" i="1"/>
+                                <a:rPr lang="ru-RU" i="1">
+                                  <a:latin typeface="Cambria Math" panose="02040503050406030204" pitchFamily="18" charset="0"/>
+                                </a:rPr>
                                 <m:t>𝑘</m:t>
                               </m:r>
                             </m:sub>
                           </m:sSub>
                           <m:r>
-                            <a:rPr lang="ru-RU" i="1"/>
+                            <a:rPr lang="ru-RU" i="1">
+                              <a:latin typeface="Cambria Math" panose="02040503050406030204" pitchFamily="18" charset="0"/>
+                            </a:rPr>
                             <m:t>𝐻</m:t>
                           </m:r>
                           <m:r>
-                            <a:rPr lang="ru-RU" i="1"/>
+                            <a:rPr lang="ru-RU" i="1">
+                              <a:latin typeface="Cambria Math" panose="02040503050406030204" pitchFamily="18" charset="0"/>
+                            </a:rPr>
                             <m:t>)</m:t>
                           </m:r>
                           <m:r>
-                            <a:rPr lang="ru-RU" i="1"/>
+                            <a:rPr lang="ru-RU" i="1">
+                              <a:latin typeface="Cambria Math" panose="02040503050406030204" pitchFamily="18" charset="0"/>
+                            </a:rPr>
                             <m:t>𝑃</m:t>
                           </m:r>
                         </m:e>
@@ -5158,12 +7736,16 @@
                             <m:accPr>
                               <m:chr m:val="̃"/>
                               <m:ctrlPr>
-                                <a:rPr lang="ru-RU" i="1"/>
+                                <a:rPr lang="ru-RU" i="1">
+                                  <a:latin typeface="Cambria Math" panose="02040503050406030204" pitchFamily="18" charset="0"/>
+                                </a:rPr>
                               </m:ctrlPr>
                             </m:accPr>
                             <m:e>
                               <m:r>
-                                <a:rPr lang="ru-RU" i="1"/>
+                                <a:rPr lang="ru-RU" i="1">
+                                  <a:latin typeface="Cambria Math" panose="02040503050406030204" pitchFamily="18" charset="0"/>
+                                </a:rPr>
                                 <m:t>𝑘</m:t>
                               </m:r>
                             </m:e>
@@ -5171,7 +7753,9 @@
                         </m:sub>
                       </m:sSub>
                       <m:r>
-                        <a:rPr lang="en-US" i="1"/>
+                        <a:rPr lang="en-US" i="1">
+                          <a:latin typeface="Cambria Math" panose="02040503050406030204" pitchFamily="18" charset="0"/>
+                        </a:rPr>
                         <m:t>,</m:t>
                       </m:r>
                     </m:oMath>
@@ -5186,11 +7770,13 @@
                 </a:endParaRPr>
               </a:p>
               <a:p>
-                <a:endParaRPr lang="ru-RU" dirty="0" smtClean="0"/>
-              </a:p>
-              <a:p>
-                <a:pPr lvl="1"/>
-                <a:endParaRPr lang="ru-RU" dirty="0" smtClean="0"/>
+                <a:endParaRPr lang="ru-RU" dirty="0">
+                  <a:solidFill>
+                    <a:srgbClr val="000000"/>
+                  </a:solidFill>
+                  <a:latin typeface="Times New Roman" panose="02020603050405020304" pitchFamily="18" charset="0"/>
+                  <a:ea typeface="Times New Roman" panose="02020603050405020304" pitchFamily="18" charset="0"/>
+                </a:endParaRPr>
               </a:p>
               <a:p>
                 <a:endParaRPr lang="ru-RU" dirty="0"/>
@@ -5201,23 +7787,23 @@
         <mc:Fallback>
           <p:sp>
             <p:nvSpPr>
-              <p:cNvPr id="3" name="Объект 2"/>
+              <p:cNvPr id="8" name="Объект 7"/>
               <p:cNvSpPr>
                 <a:spLocks noGrp="1" noRot="1" noChangeAspect="1" noMove="1" noResize="1" noEditPoints="1" noAdjustHandles="1" noChangeArrowheads="1" noChangeShapeType="1" noTextEdit="1"/>
               </p:cNvSpPr>
               <p:nvPr>
-                <p:ph idx="1"/>
+                <p:ph sz="half" idx="2"/>
               </p:nvPr>
             </p:nvSpPr>
             <p:spPr>
               <a:xfrm>
-                <a:off x="838200" y="1690688"/>
-                <a:ext cx="10515600" cy="4351338"/>
+                <a:off x="738187" y="2547398"/>
+                <a:ext cx="5157786" cy="4105952"/>
               </a:xfrm>
               <a:blipFill rotWithShape="0">
                 <a:blip r:embed="rId2"/>
                 <a:stretch>
-                  <a:fillRect l="-1043" t="-2101" b="-140"/>
+                  <a:fillRect l="-2128" t="-3715" b="-1486"/>
                 </a:stretch>
               </a:blipFill>
             </p:spPr>
@@ -5236,174 +7822,648 @@
           </p:sp>
         </mc:Fallback>
       </mc:AlternateContent>
+      <p:sp>
+        <p:nvSpPr>
+          <p:cNvPr id="9" name="Текст 8"/>
+          <p:cNvSpPr>
+            <a:spLocks noGrp="1"/>
+          </p:cNvSpPr>
+          <p:nvPr>
+            <p:ph type="body" sz="quarter" idx="3"/>
+          </p:nvPr>
+        </p:nvSpPr>
+        <p:spPr>
+          <a:xfrm>
+            <a:off x="6170611" y="2092199"/>
+            <a:ext cx="5183188" cy="455198"/>
+          </a:xfrm>
+        </p:spPr>
+        <p:txBody>
+          <a:bodyPr/>
+          <a:lstStyle/>
+          <a:p>
+            <a:r>
+              <a:rPr lang="ru-RU" dirty="0" smtClean="0"/>
+              <a:t>Обозначения</a:t>
+            </a:r>
+            <a:endParaRPr lang="ru-RU" dirty="0"/>
+          </a:p>
+        </p:txBody>
+      </p:sp>
+      <mc:AlternateContent xmlns:mc="http://schemas.openxmlformats.org/markup-compatibility/2006">
+        <mc:Choice xmlns:a14="http://schemas.microsoft.com/office/drawing/2010/main" Requires="a14">
+          <p:sp>
+            <p:nvSpPr>
+              <p:cNvPr id="10" name="Объект 9"/>
+              <p:cNvSpPr>
+                <a:spLocks noGrp="1"/>
+              </p:cNvSpPr>
+              <p:nvPr>
+                <p:ph sz="quarter" idx="4"/>
+              </p:nvPr>
+            </p:nvSpPr>
+            <p:spPr>
+              <a:xfrm>
+                <a:off x="6170611" y="2648548"/>
+                <a:ext cx="5183188" cy="4004801"/>
+              </a:xfrm>
+            </p:spPr>
+            <p:txBody>
+              <a:bodyPr>
+                <a:normAutofit fontScale="55000" lnSpcReduction="20000"/>
+              </a:bodyPr>
+              <a:lstStyle/>
+              <a:p>
+                <a14:m>
+                  <m:oMath xmlns:m="http://schemas.openxmlformats.org/officeDocument/2006/math">
+                    <m:sSub>
+                      <m:sSubPr>
+                        <m:ctrlPr>
+                          <a:rPr lang="ru-RU" i="1" smtClean="0">
+                            <a:latin typeface="Cambria Math" panose="02040503050406030204" pitchFamily="18" charset="0"/>
+                          </a:rPr>
+                        </m:ctrlPr>
+                      </m:sSubPr>
+                      <m:e>
+                        <m:r>
+                          <a:rPr lang="ru-RU">
+                            <a:latin typeface="Cambria Math" panose="02040503050406030204" pitchFamily="18" charset="0"/>
+                          </a:rPr>
+                          <m:t>𝑠</m:t>
+                        </m:r>
+                      </m:e>
+                      <m:sub>
+                        <m:r>
+                          <a:rPr lang="ru-RU">
+                            <a:latin typeface="Cambria Math" panose="02040503050406030204" pitchFamily="18" charset="0"/>
+                          </a:rPr>
+                          <m:t>𝑘</m:t>
+                        </m:r>
+                      </m:sub>
+                    </m:sSub>
+                  </m:oMath>
+                </a14:m>
+                <a:r>
+                  <a:rPr lang="ru-RU" dirty="0" smtClean="0"/>
+                  <a:t> - вектор состояния процесса в момент </a:t>
+                </a:r>
+                <a:r>
+                  <a:rPr lang="en-US" dirty="0" smtClean="0"/>
+                  <a:t>k.</a:t>
+                </a:r>
+                <a:endParaRPr lang="ru-RU" dirty="0" smtClean="0"/>
+              </a:p>
+              <a:p>
+                <a14:m>
+                  <m:oMath xmlns:m="http://schemas.openxmlformats.org/officeDocument/2006/math">
+                    <m:sSub>
+                      <m:sSubPr>
+                        <m:ctrlPr>
+                          <a:rPr lang="ru-RU" i="1">
+                            <a:latin typeface="Cambria Math" panose="02040503050406030204" pitchFamily="18" charset="0"/>
+                          </a:rPr>
+                        </m:ctrlPr>
+                      </m:sSubPr>
+                      <m:e>
+                        <m:r>
+                          <a:rPr lang="ru-RU">
+                            <a:latin typeface="Cambria Math" panose="02040503050406030204" pitchFamily="18" charset="0"/>
+                          </a:rPr>
+                          <m:t>𝐴</m:t>
+                        </m:r>
+                      </m:e>
+                      <m:sub>
+                        <m:r>
+                          <a:rPr lang="ru-RU">
+                            <a:latin typeface="Cambria Math" panose="02040503050406030204" pitchFamily="18" charset="0"/>
+                          </a:rPr>
+                          <m:t>𝑘</m:t>
+                        </m:r>
+                      </m:sub>
+                    </m:sSub>
+                  </m:oMath>
+                </a14:m>
+                <a:r>
+                  <a:rPr lang="en-US" dirty="0" smtClean="0"/>
+                  <a:t> - </a:t>
+                </a:r>
+                <a:r>
+                  <a:rPr lang="ru-RU" dirty="0" smtClean="0"/>
+                  <a:t>матрица перехода из состояния </a:t>
+                </a:r>
+                <a:r>
+                  <a:rPr lang="en-US" dirty="0" smtClean="0"/>
+                  <a:t>k-1 </a:t>
+                </a:r>
+                <a:r>
+                  <a:rPr lang="ru-RU" dirty="0" smtClean="0"/>
+                  <a:t>в состояние </a:t>
+                </a:r>
+                <a:r>
+                  <a:rPr lang="en-US" dirty="0" smtClean="0"/>
+                  <a:t>k.</a:t>
+                </a:r>
+              </a:p>
+              <a:p>
+                <a14:m>
+                  <m:oMath xmlns:m="http://schemas.openxmlformats.org/officeDocument/2006/math">
+                    <m:sSub>
+                      <m:sSubPr>
+                        <m:ctrlPr>
+                          <a:rPr lang="ru-RU" i="1">
+                            <a:latin typeface="Cambria Math" panose="02040503050406030204" pitchFamily="18" charset="0"/>
+                          </a:rPr>
+                        </m:ctrlPr>
+                      </m:sSubPr>
+                      <m:e>
+                        <m:r>
+                          <a:rPr lang="ru-RU">
+                            <a:latin typeface="Cambria Math" panose="02040503050406030204" pitchFamily="18" charset="0"/>
+                          </a:rPr>
+                          <m:t>𝐵</m:t>
+                        </m:r>
+                      </m:e>
+                      <m:sub>
+                        <m:r>
+                          <a:rPr lang="ru-RU">
+                            <a:latin typeface="Cambria Math" panose="02040503050406030204" pitchFamily="18" charset="0"/>
+                          </a:rPr>
+                          <m:t>𝑘</m:t>
+                        </m:r>
+                      </m:sub>
+                    </m:sSub>
+                    <m:sSub>
+                      <m:sSubPr>
+                        <m:ctrlPr>
+                          <a:rPr lang="ru-RU" i="1">
+                            <a:latin typeface="Cambria Math" panose="02040503050406030204" pitchFamily="18" charset="0"/>
+                          </a:rPr>
+                        </m:ctrlPr>
+                      </m:sSubPr>
+                      <m:e>
+                        <m:r>
+                          <a:rPr lang="ru-RU">
+                            <a:latin typeface="Cambria Math" panose="02040503050406030204" pitchFamily="18" charset="0"/>
+                          </a:rPr>
+                          <m:t>𝑢</m:t>
+                        </m:r>
+                      </m:e>
+                      <m:sub>
+                        <m:r>
+                          <a:rPr lang="ru-RU">
+                            <a:latin typeface="Cambria Math" panose="02040503050406030204" pitchFamily="18" charset="0"/>
+                          </a:rPr>
+                          <m:t>𝑘</m:t>
+                        </m:r>
+                        <m:r>
+                          <a:rPr lang="ru-RU">
+                            <a:latin typeface="Cambria Math" panose="02040503050406030204" pitchFamily="18" charset="0"/>
+                          </a:rPr>
+                          <m:t>−1</m:t>
+                        </m:r>
+                      </m:sub>
+                    </m:sSub>
+                  </m:oMath>
+                </a14:m>
+                <a:r>
+                  <a:rPr lang="en-US" dirty="0" smtClean="0"/>
+                  <a:t> - </a:t>
+                </a:r>
+                <a:r>
+                  <a:rPr lang="ru-RU" dirty="0" smtClean="0"/>
+                  <a:t>управляющее воздействие (0 в рамках рассматриваемой задачи)</a:t>
+                </a:r>
+              </a:p>
+              <a:p>
+                <a14:m>
+                  <m:oMath xmlns:m="http://schemas.openxmlformats.org/officeDocument/2006/math">
+                    <m:sSub>
+                      <m:sSubPr>
+                        <m:ctrlPr>
+                          <a:rPr lang="ru-RU" i="1">
+                            <a:latin typeface="Cambria Math" panose="02040503050406030204" pitchFamily="18" charset="0"/>
+                          </a:rPr>
+                        </m:ctrlPr>
+                      </m:sSubPr>
+                      <m:e>
+                        <m:r>
+                          <a:rPr lang="ru-RU">
+                            <a:latin typeface="Cambria Math" panose="02040503050406030204" pitchFamily="18" charset="0"/>
+                          </a:rPr>
+                          <m:t>𝑤</m:t>
+                        </m:r>
+                      </m:e>
+                      <m:sub>
+                        <m:r>
+                          <a:rPr lang="ru-RU">
+                            <a:latin typeface="Cambria Math" panose="02040503050406030204" pitchFamily="18" charset="0"/>
+                          </a:rPr>
+                          <m:t>𝑘</m:t>
+                        </m:r>
+                      </m:sub>
+                    </m:sSub>
+                  </m:oMath>
+                </a14:m>
+                <a:r>
+                  <a:rPr lang="ru-RU" dirty="0" smtClean="0"/>
+                  <a:t> - погрешности процесса</a:t>
+                </a:r>
+              </a:p>
+              <a:p>
+                <a14:m>
+                  <m:oMath xmlns:m="http://schemas.openxmlformats.org/officeDocument/2006/math">
+                    <m:sSub>
+                      <m:sSubPr>
+                        <m:ctrlPr>
+                          <a:rPr lang="ru-RU" i="1">
+                            <a:latin typeface="Cambria Math" panose="02040503050406030204" pitchFamily="18" charset="0"/>
+                          </a:rPr>
+                        </m:ctrlPr>
+                      </m:sSubPr>
+                      <m:e>
+                        <m:r>
+                          <a:rPr lang="ru-RU">
+                            <a:latin typeface="Cambria Math" panose="02040503050406030204" pitchFamily="18" charset="0"/>
+                          </a:rPr>
+                          <m:t>𝑧</m:t>
+                        </m:r>
+                      </m:e>
+                      <m:sub>
+                        <m:r>
+                          <a:rPr lang="ru-RU">
+                            <a:latin typeface="Cambria Math" panose="02040503050406030204" pitchFamily="18" charset="0"/>
+                          </a:rPr>
+                          <m:t>𝑘</m:t>
+                        </m:r>
+                      </m:sub>
+                    </m:sSub>
+                  </m:oMath>
+                </a14:m>
+                <a:r>
+                  <a:rPr lang="ru-RU" dirty="0" smtClean="0"/>
+                  <a:t> - измеренное состояние процесса</a:t>
+                </a:r>
+              </a:p>
+              <a:p>
+                <a14:m>
+                  <m:oMath xmlns:m="http://schemas.openxmlformats.org/officeDocument/2006/math">
+                    <m:sSub>
+                      <m:sSubPr>
+                        <m:ctrlPr>
+                          <a:rPr lang="ru-RU" i="1">
+                            <a:latin typeface="Cambria Math" panose="02040503050406030204" pitchFamily="18" charset="0"/>
+                          </a:rPr>
+                        </m:ctrlPr>
+                      </m:sSubPr>
+                      <m:e>
+                        <m:r>
+                          <a:rPr lang="ru-RU">
+                            <a:latin typeface="Cambria Math" panose="02040503050406030204" pitchFamily="18" charset="0"/>
+                          </a:rPr>
+                          <m:t>𝐻</m:t>
+                        </m:r>
+                      </m:e>
+                      <m:sub>
+                        <m:r>
+                          <a:rPr lang="ru-RU">
+                            <a:latin typeface="Cambria Math" panose="02040503050406030204" pitchFamily="18" charset="0"/>
+                          </a:rPr>
+                          <m:t>𝑘</m:t>
+                        </m:r>
+                      </m:sub>
+                    </m:sSub>
+                  </m:oMath>
+                </a14:m>
+                <a:r>
+                  <a:rPr lang="ru-RU" dirty="0" smtClean="0"/>
+                  <a:t> - матрица, отображающая состояние процесса в измеренное состояние</a:t>
+                </a:r>
+              </a:p>
+              <a:p>
+                <a14:m>
+                  <m:oMath xmlns:m="http://schemas.openxmlformats.org/officeDocument/2006/math">
+                    <m:sSub>
+                      <m:sSubPr>
+                        <m:ctrlPr>
+                          <a:rPr lang="ru-RU" i="1">
+                            <a:latin typeface="Cambria Math" panose="02040503050406030204" pitchFamily="18" charset="0"/>
+                          </a:rPr>
+                        </m:ctrlPr>
+                      </m:sSubPr>
+                      <m:e>
+                        <m:r>
+                          <a:rPr lang="ru-RU">
+                            <a:latin typeface="Cambria Math" panose="02040503050406030204" pitchFamily="18" charset="0"/>
+                          </a:rPr>
+                          <m:t>𝑣</m:t>
+                        </m:r>
+                      </m:e>
+                      <m:sub>
+                        <m:r>
+                          <a:rPr lang="ru-RU">
+                            <a:latin typeface="Cambria Math" panose="02040503050406030204" pitchFamily="18" charset="0"/>
+                          </a:rPr>
+                          <m:t>𝑘</m:t>
+                        </m:r>
+                      </m:sub>
+                    </m:sSub>
+                  </m:oMath>
+                </a14:m>
+                <a:r>
+                  <a:rPr lang="ru-RU" dirty="0" smtClean="0"/>
+                  <a:t> - погрешности измерения</a:t>
+                </a:r>
+              </a:p>
+              <a:p>
+                <a14:m>
+                  <m:oMath xmlns:m="http://schemas.openxmlformats.org/officeDocument/2006/math">
+                    <m:sSub>
+                      <m:sSubPr>
+                        <m:ctrlPr>
+                          <a:rPr lang="ru-RU" i="1"/>
+                        </m:ctrlPr>
+                      </m:sSubPr>
+                      <m:e>
+                        <m:acc>
+                          <m:accPr>
+                            <m:chr m:val="̂"/>
+                            <m:ctrlPr>
+                              <a:rPr lang="ru-RU" i="1"/>
+                            </m:ctrlPr>
+                          </m:accPr>
+                          <m:e>
+                            <m:r>
+                              <a:rPr lang="ru-RU" i="1"/>
+                              <m:t>𝑠</m:t>
+                            </m:r>
+                          </m:e>
+                        </m:acc>
+                      </m:e>
+                      <m:sub>
+                        <m:r>
+                          <a:rPr lang="ru-RU" i="1"/>
+                          <m:t>𝑘</m:t>
+                        </m:r>
+                      </m:sub>
+                    </m:sSub>
+                  </m:oMath>
+                </a14:m>
+                <a:r>
+                  <a:rPr lang="ru-RU" dirty="0"/>
+                  <a:t>- апостериорная оценка состояния объекта в момент </a:t>
+                </a:r>
+                <a:r>
+                  <a:rPr lang="ru-RU" dirty="0" smtClean="0"/>
+                  <a:t>k</a:t>
+                </a:r>
+                <a:endParaRPr lang="ru-RU" dirty="0"/>
+              </a:p>
+              <a:p>
+                <a14:m>
+                  <m:oMath xmlns:m="http://schemas.openxmlformats.org/officeDocument/2006/math">
+                    <m:sSub>
+                      <m:sSubPr>
+                        <m:ctrlPr>
+                          <a:rPr lang="ru-RU" i="1"/>
+                        </m:ctrlPr>
+                      </m:sSubPr>
+                      <m:e>
+                        <m:acc>
+                          <m:accPr>
+                            <m:chr m:val="̂"/>
+                            <m:ctrlPr>
+                              <a:rPr lang="ru-RU" i="1"/>
+                            </m:ctrlPr>
+                          </m:accPr>
+                          <m:e>
+                            <m:r>
+                              <a:rPr lang="ru-RU" i="1"/>
+                              <m:t>𝑠</m:t>
+                            </m:r>
+                          </m:e>
+                        </m:acc>
+                      </m:e>
+                      <m:sub>
+                        <m:acc>
+                          <m:accPr>
+                            <m:chr m:val="̃"/>
+                            <m:ctrlPr>
+                              <a:rPr lang="ru-RU" i="1"/>
+                            </m:ctrlPr>
+                          </m:accPr>
+                          <m:e>
+                            <m:r>
+                              <a:rPr lang="ru-RU" i="1"/>
+                              <m:t>𝑘</m:t>
+                            </m:r>
+                          </m:e>
+                        </m:acc>
+                      </m:sub>
+                    </m:sSub>
+                  </m:oMath>
+                </a14:m>
+                <a:r>
+                  <a:rPr lang="ru-RU" i="1" baseline="-25000" dirty="0"/>
+                  <a:t> </a:t>
+                </a:r>
+                <a:r>
+                  <a:rPr lang="ru-RU" dirty="0"/>
+                  <a:t>- нескорректированная апостериорная оценка состояния объекта в момент времени k</a:t>
+                </a:r>
+                <a:r>
+                  <a:rPr lang="ru-RU" dirty="0" smtClean="0"/>
+                  <a:t>.</a:t>
+                </a:r>
+              </a:p>
+              <a:p>
+                <a14:m>
+                  <m:oMath xmlns:m="http://schemas.openxmlformats.org/officeDocument/2006/math">
+                    <m:sSub>
+                      <m:sSubPr>
+                        <m:ctrlPr>
+                          <a:rPr lang="ru-RU" i="1"/>
+                        </m:ctrlPr>
+                      </m:sSubPr>
+                      <m:e>
+                        <m:r>
+                          <a:rPr lang="ru-RU" i="1"/>
+                          <m:t>𝑃</m:t>
+                        </m:r>
+                      </m:e>
+                      <m:sub>
+                        <m:r>
+                          <a:rPr lang="ru-RU" i="1"/>
+                          <m:t>𝑘</m:t>
+                        </m:r>
+                      </m:sub>
+                    </m:sSub>
+                  </m:oMath>
+                </a14:m>
+                <a:r>
+                  <a:rPr lang="ru-RU" dirty="0"/>
+                  <a:t>- апостериорная ковариационная матрица </a:t>
+                </a:r>
+                <a:r>
+                  <a:rPr lang="ru-RU" dirty="0" smtClean="0"/>
+                  <a:t>ошибок</a:t>
+                </a:r>
+                <a:endParaRPr lang="ru-RU" dirty="0"/>
+              </a:p>
+              <a:p>
+                <a14:m>
+                  <m:oMath xmlns:m="http://schemas.openxmlformats.org/officeDocument/2006/math">
+                    <m:sSub>
+                      <m:sSubPr>
+                        <m:ctrlPr>
+                          <a:rPr lang="ru-RU" i="1"/>
+                        </m:ctrlPr>
+                      </m:sSubPr>
+                      <m:e>
+                        <m:r>
+                          <a:rPr lang="ru-RU" i="1"/>
+                          <m:t>𝑃</m:t>
+                        </m:r>
+                      </m:e>
+                      <m:sub>
+                        <m:acc>
+                          <m:accPr>
+                            <m:chr m:val="̃"/>
+                            <m:ctrlPr>
+                              <a:rPr lang="ru-RU" i="1"/>
+                            </m:ctrlPr>
+                          </m:accPr>
+                          <m:e>
+                            <m:r>
+                              <a:rPr lang="ru-RU" i="1"/>
+                              <m:t>𝑘</m:t>
+                            </m:r>
+                          </m:e>
+                        </m:acc>
+                      </m:sub>
+                    </m:sSub>
+                  </m:oMath>
+                </a14:m>
+                <a:r>
+                  <a:rPr lang="ru-RU" dirty="0"/>
+                  <a:t>- нескорректированная апостериорная ковариационная матрица </a:t>
+                </a:r>
+                <a:r>
+                  <a:rPr lang="ru-RU" dirty="0" smtClean="0"/>
+                  <a:t>ошибок</a:t>
+                </a:r>
+                <a:endParaRPr lang="ru-RU" dirty="0"/>
+              </a:p>
+            </p:txBody>
+          </p:sp>
+        </mc:Choice>
+        <mc:Fallback>
+          <p:sp>
+            <p:nvSpPr>
+              <p:cNvPr id="10" name="Объект 9"/>
+              <p:cNvSpPr>
+                <a:spLocks noGrp="1" noRot="1" noChangeAspect="1" noMove="1" noResize="1" noEditPoints="1" noAdjustHandles="1" noChangeArrowheads="1" noChangeShapeType="1" noTextEdit="1"/>
+              </p:cNvSpPr>
+              <p:nvPr>
+                <p:ph sz="quarter" idx="4"/>
+              </p:nvPr>
+            </p:nvSpPr>
+            <p:spPr>
+              <a:xfrm>
+                <a:off x="6170611" y="2648548"/>
+                <a:ext cx="5183188" cy="4004801"/>
+              </a:xfrm>
+              <a:blipFill rotWithShape="0">
+                <a:blip r:embed="rId3"/>
+                <a:stretch>
+                  <a:fillRect l="-353" t="-1826" r="-1294"/>
+                </a:stretch>
+              </a:blipFill>
+            </p:spPr>
+            <p:txBody>
+              <a:bodyPr/>
+              <a:lstStyle/>
+              <a:p>
+                <a:r>
+                  <a:rPr lang="ru-RU">
+                    <a:noFill/>
+                  </a:rPr>
+                  <a:t> </a:t>
+                </a:r>
+              </a:p>
+            </p:txBody>
+          </p:sp>
+        </mc:Fallback>
+      </mc:AlternateContent>
+      <p:sp>
+        <p:nvSpPr>
+          <p:cNvPr id="4" name="Номер слайда 3"/>
+          <p:cNvSpPr>
+            <a:spLocks noGrp="1"/>
+          </p:cNvSpPr>
+          <p:nvPr>
+            <p:ph type="sldNum" sz="quarter" idx="12"/>
+          </p:nvPr>
+        </p:nvSpPr>
+        <p:spPr>
+          <a:xfrm>
+            <a:off x="8610599" y="5638333"/>
+            <a:ext cx="2743200" cy="201726"/>
+          </a:xfrm>
+        </p:spPr>
+        <p:txBody>
+          <a:bodyPr/>
+          <a:lstStyle/>
+          <a:p>
+            <a:fld id="{3BCC8605-603C-4CBC-9D12-BEB80FA30360}" type="slidenum">
+              <a:rPr lang="ru-RU" smtClean="0"/>
+              <a:t>8</a:t>
+            </a:fld>
+            <a:endParaRPr lang="ru-RU"/>
+          </a:p>
+        </p:txBody>
+      </p:sp>
+      <p:sp>
+        <p:nvSpPr>
+          <p:cNvPr id="11" name="TextBox 10"/>
+          <p:cNvSpPr txBox="1"/>
+          <p:nvPr/>
+        </p:nvSpPr>
+        <p:spPr>
+          <a:xfrm>
+            <a:off x="738187" y="975385"/>
+            <a:ext cx="10515600" cy="1015663"/>
+          </a:xfrm>
+          <a:prstGeom prst="rect">
+            <a:avLst/>
+          </a:prstGeom>
+          <a:noFill/>
+        </p:spPr>
+        <p:txBody>
+          <a:bodyPr wrap="square" rtlCol="0">
+            <a:spAutoFit/>
+          </a:bodyPr>
+          <a:lstStyle/>
+          <a:p>
+            <a:r>
+              <a:rPr lang="ru-RU" sz="2000" dirty="0" smtClean="0"/>
+              <a:t>Предлагается использование фильтра </a:t>
+            </a:r>
+            <a:r>
+              <a:rPr lang="ru-RU" sz="2000" dirty="0" err="1" smtClean="0"/>
+              <a:t>Калмана</a:t>
+            </a:r>
+            <a:r>
+              <a:rPr lang="ru-RU" sz="2000" dirty="0" smtClean="0"/>
+              <a:t>, так как он позволяет учитывать дополнительные данные о процессе и разделять погрешности датчика и погрешности процесса, в отличие от альтернативных вариантов (экспоненциальный и медианный фильтры)</a:t>
+            </a:r>
+            <a:endParaRPr lang="ru-RU" sz="2400" dirty="0"/>
+          </a:p>
+        </p:txBody>
+      </p:sp>
     </p:spTree>
     <p:extLst>
       <p:ext uri="{BB962C8B-B14F-4D97-AF65-F5344CB8AC3E}">
-        <p14:creationId xmlns:p14="http://schemas.microsoft.com/office/powerpoint/2010/main" val="1877899217"/>
-      </p:ext>
-    </p:extLst>
-  </p:cSld>
-  <p:clrMapOvr>
-    <a:masterClrMapping/>
-  </p:clrMapOvr>
-</p:sld>
-</file>
-
-<file path=ppt/slides/slide7.xml><?xml version="1.0" encoding="utf-8"?>
-<p:sld xmlns:a="http://schemas.openxmlformats.org/drawingml/2006/main" xmlns:r="http://schemas.openxmlformats.org/officeDocument/2006/relationships" xmlns:p="http://schemas.openxmlformats.org/presentationml/2006/main">
-  <p:cSld>
-    <p:spTree>
-      <p:nvGrpSpPr>
-        <p:cNvPr id="1" name=""/>
-        <p:cNvGrpSpPr/>
-        <p:nvPr/>
-      </p:nvGrpSpPr>
-      <p:grpSpPr>
-        <a:xfrm>
-          <a:off x="0" y="0"/>
-          <a:ext cx="0" cy="0"/>
-          <a:chOff x="0" y="0"/>
-          <a:chExt cx="0" cy="0"/>
-        </a:xfrm>
-      </p:grpSpPr>
-      <p:sp>
-        <p:nvSpPr>
-          <p:cNvPr id="2" name="Заголовок 1"/>
-          <p:cNvSpPr>
-            <a:spLocks noGrp="1"/>
-          </p:cNvSpPr>
-          <p:nvPr>
-            <p:ph type="title"/>
-          </p:nvPr>
-        </p:nvSpPr>
-        <p:spPr/>
-        <p:txBody>
-          <a:bodyPr/>
-          <a:lstStyle/>
-          <a:p>
-            <a:r>
-              <a:rPr lang="ru-RU" dirty="0" smtClean="0"/>
-              <a:t>Функциональная модель процесса обработки маршрута</a:t>
-            </a:r>
-            <a:endParaRPr lang="ru-RU" dirty="0"/>
-          </a:p>
-        </p:txBody>
-      </p:sp>
-      <p:pic>
-        <p:nvPicPr>
-          <p:cNvPr id="5" name="Объект 4"/>
-          <p:cNvPicPr>
-            <a:picLocks noGrp="1" noChangeAspect="1"/>
-          </p:cNvPicPr>
-          <p:nvPr>
-            <p:ph idx="1"/>
-          </p:nvPr>
-        </p:nvPicPr>
-        <p:blipFill>
-          <a:blip r:embed="rId2">
-            <a:extLst>
-              <a:ext uri="{28A0092B-C50C-407E-A947-70E740481C1C}">
-                <a14:useLocalDpi xmlns:a14="http://schemas.microsoft.com/office/drawing/2010/main" val="0"/>
-              </a:ext>
-            </a:extLst>
-          </a:blip>
-          <a:stretch>
-            <a:fillRect/>
-          </a:stretch>
-        </p:blipFill>
-        <p:spPr>
-          <a:xfrm>
-            <a:off x="1156454" y="1575661"/>
-            <a:ext cx="9879092" cy="4851266"/>
-          </a:xfrm>
-        </p:spPr>
-      </p:pic>
-    </p:spTree>
-    <p:extLst>
-      <p:ext uri="{BB962C8B-B14F-4D97-AF65-F5344CB8AC3E}">
-        <p14:creationId xmlns:p14="http://schemas.microsoft.com/office/powerpoint/2010/main" val="2936390320"/>
-      </p:ext>
-    </p:extLst>
-  </p:cSld>
-  <p:clrMapOvr>
-    <a:masterClrMapping/>
-  </p:clrMapOvr>
-</p:sld>
-</file>
-
-<file path=ppt/slides/slide8.xml><?xml version="1.0" encoding="utf-8"?>
-<p:sld xmlns:a="http://schemas.openxmlformats.org/drawingml/2006/main" xmlns:r="http://schemas.openxmlformats.org/officeDocument/2006/relationships" xmlns:p="http://schemas.openxmlformats.org/presentationml/2006/main">
-  <p:cSld>
-    <p:spTree>
-      <p:nvGrpSpPr>
-        <p:cNvPr id="1" name=""/>
-        <p:cNvGrpSpPr/>
-        <p:nvPr/>
-      </p:nvGrpSpPr>
-      <p:grpSpPr>
-        <a:xfrm>
-          <a:off x="0" y="0"/>
-          <a:ext cx="0" cy="0"/>
-          <a:chOff x="0" y="0"/>
-          <a:chExt cx="0" cy="0"/>
-        </a:xfrm>
-      </p:grpSpPr>
-      <p:sp>
-        <p:nvSpPr>
-          <p:cNvPr id="2" name="Заголовок 1"/>
-          <p:cNvSpPr>
-            <a:spLocks noGrp="1"/>
-          </p:cNvSpPr>
-          <p:nvPr>
-            <p:ph type="title"/>
-          </p:nvPr>
-        </p:nvSpPr>
-        <p:spPr/>
-        <p:txBody>
-          <a:bodyPr/>
-          <a:lstStyle/>
-          <a:p>
-            <a:r>
-              <a:rPr lang="ru-RU" dirty="0" smtClean="0"/>
-              <a:t>Функциональная модель работы ПО</a:t>
-            </a:r>
-            <a:endParaRPr lang="ru-RU" dirty="0"/>
-          </a:p>
-        </p:txBody>
-      </p:sp>
-      <p:pic>
-        <p:nvPicPr>
-          <p:cNvPr id="6" name="Объект 5"/>
-          <p:cNvPicPr>
-            <a:picLocks noGrp="1" noChangeAspect="1"/>
-          </p:cNvPicPr>
-          <p:nvPr>
-            <p:ph idx="1"/>
-          </p:nvPr>
-        </p:nvPicPr>
-        <p:blipFill>
-          <a:blip r:embed="rId2">
-            <a:extLst>
-              <a:ext uri="{28A0092B-C50C-407E-A947-70E740481C1C}">
-                <a14:useLocalDpi xmlns:a14="http://schemas.microsoft.com/office/drawing/2010/main" val="0"/>
-              </a:ext>
-            </a:extLst>
-          </a:blip>
-          <a:stretch>
-            <a:fillRect/>
-          </a:stretch>
-        </p:blipFill>
-        <p:spPr>
-          <a:xfrm>
-            <a:off x="1736988" y="1612611"/>
-            <a:ext cx="8718024" cy="4529518"/>
-          </a:xfrm>
-        </p:spPr>
-      </p:pic>
-    </p:spTree>
-    <p:extLst>
-      <p:ext uri="{BB962C8B-B14F-4D97-AF65-F5344CB8AC3E}">
-        <p14:creationId xmlns:p14="http://schemas.microsoft.com/office/powerpoint/2010/main" val="1186793850"/>
+        <p14:creationId xmlns:p14="http://schemas.microsoft.com/office/powerpoint/2010/main" val="2338145101"/>
       </p:ext>
     </p:extLst>
   </p:cSld>
@@ -5440,14 +8500,19 @@
             <p:ph type="title"/>
           </p:nvPr>
         </p:nvSpPr>
-        <p:spPr/>
+        <p:spPr>
+          <a:xfrm>
+            <a:off x="838200" y="113198"/>
+            <a:ext cx="10515600" cy="1325563"/>
+          </a:xfrm>
+        </p:spPr>
         <p:txBody>
           <a:bodyPr/>
           <a:lstStyle/>
           <a:p>
             <a:r>
               <a:rPr lang="ru-RU" dirty="0" smtClean="0"/>
-              <a:t>Результат работы программы</a:t>
+              <a:t>Функциональная модель процесса обработки маршрута</a:t>
             </a:r>
             <a:endParaRPr lang="ru-RU" dirty="0"/>
           </a:p>
@@ -5455,7 +8520,7 @@
       </p:sp>
       <p:pic>
         <p:nvPicPr>
-          <p:cNvPr id="4" name="Объект 3"/>
+          <p:cNvPr id="5" name="Объект 4"/>
           <p:cNvPicPr>
             <a:picLocks noGrp="1" noChangeAspect="1"/>
           </p:cNvPicPr>
@@ -5477,45 +8542,38 @@
         </p:blipFill>
         <p:spPr>
           <a:xfrm>
-            <a:off x="838200" y="1416322"/>
-            <a:ext cx="9616456" cy="4351338"/>
+            <a:off x="1166327" y="1305897"/>
+            <a:ext cx="9691394" cy="5415578"/>
           </a:xfrm>
         </p:spPr>
       </p:pic>
       <p:sp>
         <p:nvSpPr>
-          <p:cNvPr id="7" name="TextBox 6"/>
-          <p:cNvSpPr txBox="1"/>
-          <p:nvPr/>
-        </p:nvSpPr>
-        <p:spPr>
-          <a:xfrm>
-            <a:off x="838200" y="5947954"/>
-            <a:ext cx="7281352" cy="369332"/>
-          </a:xfrm>
-          <a:prstGeom prst="rect">
-            <a:avLst/>
-          </a:prstGeom>
-          <a:noFill/>
-        </p:spPr>
-        <p:txBody>
-          <a:bodyPr wrap="none" rtlCol="0">
-            <a:spAutoFit/>
-          </a:bodyPr>
-          <a:lstStyle/>
-          <a:p>
-            <a:r>
-              <a:rPr lang="ru-RU" dirty="0" smtClean="0"/>
-              <a:t>Исходный маршрут изображен серым цветом, результат – фиолетовым.</a:t>
-            </a:r>
-            <a:endParaRPr lang="ru-RU" dirty="0"/>
+          <p:cNvPr id="3" name="Номер слайда 2"/>
+          <p:cNvSpPr>
+            <a:spLocks noGrp="1"/>
+          </p:cNvSpPr>
+          <p:nvPr>
+            <p:ph type="sldNum" sz="quarter" idx="12"/>
+          </p:nvPr>
+        </p:nvSpPr>
+        <p:spPr/>
+        <p:txBody>
+          <a:bodyPr/>
+          <a:lstStyle/>
+          <a:p>
+            <a:fld id="{3BCC8605-603C-4CBC-9D12-BEB80FA30360}" type="slidenum">
+              <a:rPr lang="ru-RU" smtClean="0"/>
+              <a:t>9</a:t>
+            </a:fld>
+            <a:endParaRPr lang="ru-RU"/>
           </a:p>
         </p:txBody>
       </p:sp>
     </p:spTree>
     <p:extLst>
       <p:ext uri="{BB962C8B-B14F-4D97-AF65-F5344CB8AC3E}">
-        <p14:creationId xmlns:p14="http://schemas.microsoft.com/office/powerpoint/2010/main" val="279119818"/>
+        <p14:creationId xmlns:p14="http://schemas.microsoft.com/office/powerpoint/2010/main" val="2936390320"/>
       </p:ext>
     </p:extLst>
   </p:cSld>
@@ -5724,4 +8782,265 @@
     </a:ext>
   </a:extLst>
 </a:theme>
+</file>
+
+<file path=ppt/theme/theme2.xml><?xml version="1.0" encoding="utf-8"?>
+<a:theme xmlns:a="http://schemas.openxmlformats.org/drawingml/2006/main" name="Тема Office">
+  <a:themeElements>
+    <a:clrScheme name="Стандартная">
+      <a:dk1>
+        <a:sysClr val="windowText" lastClr="000000"/>
+      </a:dk1>
+      <a:lt1>
+        <a:sysClr val="window" lastClr="FFFFFF"/>
+      </a:lt1>
+      <a:dk2>
+        <a:srgbClr val="44546A"/>
+      </a:dk2>
+      <a:lt2>
+        <a:srgbClr val="E7E6E6"/>
+      </a:lt2>
+      <a:accent1>
+        <a:srgbClr val="5B9BD5"/>
+      </a:accent1>
+      <a:accent2>
+        <a:srgbClr val="ED7D31"/>
+      </a:accent2>
+      <a:accent3>
+        <a:srgbClr val="A5A5A5"/>
+      </a:accent3>
+      <a:accent4>
+        <a:srgbClr val="FFC000"/>
+      </a:accent4>
+      <a:accent5>
+        <a:srgbClr val="4472C4"/>
+      </a:accent5>
+      <a:accent6>
+        <a:srgbClr val="70AD47"/>
+      </a:accent6>
+      <a:hlink>
+        <a:srgbClr val="0563C1"/>
+      </a:hlink>
+      <a:folHlink>
+        <a:srgbClr val="954F72"/>
+      </a:folHlink>
+    </a:clrScheme>
+    <a:fontScheme name="Стандартная">
+      <a:majorFont>
+        <a:latin typeface="Calibri Light" panose="020F0302020204030204"/>
+        <a:ea typeface=""/>
+        <a:cs typeface=""/>
+        <a:font script="Jpan" typeface="ＭＳ Ｐゴシック"/>
+        <a:font script="Hang" typeface="맑은 고딕"/>
+        <a:font script="Hans" typeface="宋体"/>
+        <a:font script="Hant" typeface="新細明體"/>
+        <a:font script="Arab" typeface="Times New Roman"/>
+        <a:font script="Hebr" typeface="Times New Roman"/>
+        <a:font script="Thai" typeface="Angsana New"/>
+        <a:font script="Ethi" typeface="Nyala"/>
+        <a:font script="Beng" typeface="Vrinda"/>
+        <a:font script="Gujr" typeface="Shruti"/>
+        <a:font script="Khmr" typeface="MoolBoran"/>
+        <a:font script="Knda" typeface="Tunga"/>
+        <a:font script="Guru" typeface="Raavi"/>
+        <a:font script="Cans" typeface="Euphemia"/>
+        <a:font script="Cher" typeface="Plantagenet Cherokee"/>
+        <a:font script="Yiii" typeface="Microsoft Yi Baiti"/>
+        <a:font script="Tibt" typeface="Microsoft Himalaya"/>
+        <a:font script="Thaa" typeface="MV Boli"/>
+        <a:font script="Deva" typeface="Mangal"/>
+        <a:font script="Telu" typeface="Gautami"/>
+        <a:font script="Taml" typeface="Latha"/>
+        <a:font script="Syrc" typeface="Estrangelo Edessa"/>
+        <a:font script="Orya" typeface="Kalinga"/>
+        <a:font script="Mlym" typeface="Kartika"/>
+        <a:font script="Laoo" typeface="DokChampa"/>
+        <a:font script="Sinh" typeface="Iskoola Pota"/>
+        <a:font script="Mong" typeface="Mongolian Baiti"/>
+        <a:font script="Viet" typeface="Times New Roman"/>
+        <a:font script="Uigh" typeface="Microsoft Uighur"/>
+        <a:font script="Geor" typeface="Sylfaen"/>
+      </a:majorFont>
+      <a:minorFont>
+        <a:latin typeface="Calibri" panose="020F0502020204030204"/>
+        <a:ea typeface=""/>
+        <a:cs typeface=""/>
+        <a:font script="Jpan" typeface="ＭＳ Ｐゴシック"/>
+        <a:font script="Hang" typeface="맑은 고딕"/>
+        <a:font script="Hans" typeface="宋体"/>
+        <a:font script="Hant" typeface="新細明體"/>
+        <a:font script="Arab" typeface="Arial"/>
+        <a:font script="Hebr" typeface="Arial"/>
+        <a:font script="Thai" typeface="Cordia New"/>
+        <a:font script="Ethi" typeface="Nyala"/>
+        <a:font script="Beng" typeface="Vrinda"/>
+        <a:font script="Gujr" typeface="Shruti"/>
+        <a:font script="Khmr" typeface="DaunPenh"/>
+        <a:font script="Knda" typeface="Tunga"/>
+        <a:font script="Guru" typeface="Raavi"/>
+        <a:font script="Cans" typeface="Euphemia"/>
+        <a:font script="Cher" typeface="Plantagenet Cherokee"/>
+        <a:font script="Yiii" typeface="Microsoft Yi Baiti"/>
+        <a:font script="Tibt" typeface="Microsoft Himalaya"/>
+        <a:font script="Thaa" typeface="MV Boli"/>
+        <a:font script="Deva" typeface="Mangal"/>
+        <a:font script="Telu" typeface="Gautami"/>
+        <a:font script="Taml" typeface="Latha"/>
+        <a:font script="Syrc" typeface="Estrangelo Edessa"/>
+        <a:font script="Orya" typeface="Kalinga"/>
+        <a:font script="Mlym" typeface="Kartika"/>
+        <a:font script="Laoo" typeface="DokChampa"/>
+        <a:font script="Sinh" typeface="Iskoola Pota"/>
+        <a:font script="Mong" typeface="Mongolian Baiti"/>
+        <a:font script="Viet" typeface="Arial"/>
+        <a:font script="Uigh" typeface="Microsoft Uighur"/>
+        <a:font script="Geor" typeface="Sylfaen"/>
+      </a:minorFont>
+    </a:fontScheme>
+    <a:fmtScheme name="Стандартная">
+      <a:fillStyleLst>
+        <a:solidFill>
+          <a:schemeClr val="phClr"/>
+        </a:solidFill>
+        <a:gradFill rotWithShape="1">
+          <a:gsLst>
+            <a:gs pos="0">
+              <a:schemeClr val="phClr">
+                <a:lumMod val="110000"/>
+                <a:satMod val="105000"/>
+                <a:tint val="67000"/>
+              </a:schemeClr>
+            </a:gs>
+            <a:gs pos="50000">
+              <a:schemeClr val="phClr">
+                <a:lumMod val="105000"/>
+                <a:satMod val="103000"/>
+                <a:tint val="73000"/>
+              </a:schemeClr>
+            </a:gs>
+            <a:gs pos="100000">
+              <a:schemeClr val="phClr">
+                <a:lumMod val="105000"/>
+                <a:satMod val="109000"/>
+                <a:tint val="81000"/>
+              </a:schemeClr>
+            </a:gs>
+          </a:gsLst>
+          <a:lin ang="5400000" scaled="0"/>
+        </a:gradFill>
+        <a:gradFill rotWithShape="1">
+          <a:gsLst>
+            <a:gs pos="0">
+              <a:schemeClr val="phClr">
+                <a:satMod val="103000"/>
+                <a:lumMod val="102000"/>
+                <a:tint val="94000"/>
+              </a:schemeClr>
+            </a:gs>
+            <a:gs pos="50000">
+              <a:schemeClr val="phClr">
+                <a:satMod val="110000"/>
+                <a:lumMod val="100000"/>
+                <a:shade val="100000"/>
+              </a:schemeClr>
+            </a:gs>
+            <a:gs pos="100000">
+              <a:schemeClr val="phClr">
+                <a:lumMod val="99000"/>
+                <a:satMod val="120000"/>
+                <a:shade val="78000"/>
+              </a:schemeClr>
+            </a:gs>
+          </a:gsLst>
+          <a:lin ang="5400000" scaled="0"/>
+        </a:gradFill>
+      </a:fillStyleLst>
+      <a:lnStyleLst>
+        <a:ln w="6350" cap="flat" cmpd="sng" algn="ctr">
+          <a:solidFill>
+            <a:schemeClr val="phClr"/>
+          </a:solidFill>
+          <a:prstDash val="solid"/>
+          <a:miter lim="800000"/>
+        </a:ln>
+        <a:ln w="12700" cap="flat" cmpd="sng" algn="ctr">
+          <a:solidFill>
+            <a:schemeClr val="phClr"/>
+          </a:solidFill>
+          <a:prstDash val="solid"/>
+          <a:miter lim="800000"/>
+        </a:ln>
+        <a:ln w="19050" cap="flat" cmpd="sng" algn="ctr">
+          <a:solidFill>
+            <a:schemeClr val="phClr"/>
+          </a:solidFill>
+          <a:prstDash val="solid"/>
+          <a:miter lim="800000"/>
+        </a:ln>
+      </a:lnStyleLst>
+      <a:effectStyleLst>
+        <a:effectStyle>
+          <a:effectLst/>
+        </a:effectStyle>
+        <a:effectStyle>
+          <a:effectLst/>
+        </a:effectStyle>
+        <a:effectStyle>
+          <a:effectLst>
+            <a:outerShdw blurRad="57150" dist="19050" dir="5400000" algn="ctr" rotWithShape="0">
+              <a:srgbClr val="000000">
+                <a:alpha val="63000"/>
+              </a:srgbClr>
+            </a:outerShdw>
+          </a:effectLst>
+        </a:effectStyle>
+      </a:effectStyleLst>
+      <a:bgFillStyleLst>
+        <a:solidFill>
+          <a:schemeClr val="phClr"/>
+        </a:solidFill>
+        <a:solidFill>
+          <a:schemeClr val="phClr">
+            <a:tint val="95000"/>
+            <a:satMod val="170000"/>
+          </a:schemeClr>
+        </a:solidFill>
+        <a:gradFill rotWithShape="1">
+          <a:gsLst>
+            <a:gs pos="0">
+              <a:schemeClr val="phClr">
+                <a:tint val="93000"/>
+                <a:satMod val="150000"/>
+                <a:shade val="98000"/>
+                <a:lumMod val="102000"/>
+              </a:schemeClr>
+            </a:gs>
+            <a:gs pos="50000">
+              <a:schemeClr val="phClr">
+                <a:tint val="98000"/>
+                <a:satMod val="130000"/>
+                <a:shade val="90000"/>
+                <a:lumMod val="103000"/>
+              </a:schemeClr>
+            </a:gs>
+            <a:gs pos="100000">
+              <a:schemeClr val="phClr">
+                <a:shade val="63000"/>
+                <a:satMod val="120000"/>
+              </a:schemeClr>
+            </a:gs>
+          </a:gsLst>
+          <a:lin ang="5400000" scaled="0"/>
+        </a:gradFill>
+      </a:bgFillStyleLst>
+    </a:fmtScheme>
+  </a:themeElements>
+  <a:objectDefaults/>
+  <a:extraClrSchemeLst/>
+  <a:extLst>
+    <a:ext uri="{05A4C25C-085E-4340-85A3-A5531E510DB2}">
+      <thm15:themeFamily xmlns:thm15="http://schemas.microsoft.com/office/thememl/2012/main" name="Office Theme" id="{62F939B6-93AF-4DB8-9C6B-D6C7DFDC589F}" vid="{4A3C46E8-61CC-4603-A589-7422A47A8E4A}"/>
+    </a:ext>
+  </a:extLst>
+</a:theme>
 </file>
--- a/docs/thesis/thesis.pptx
+++ b/docs/thesis/thesis.pptx
@@ -5,7 +5,7 @@
     <p:sldMasterId id="2147483648" r:id="rId1"/>
   </p:sldMasterIdLst>
   <p:notesMasterIdLst>
-    <p:notesMasterId r:id="rId18"/>
+    <p:notesMasterId r:id="rId20"/>
   </p:notesMasterIdLst>
   <p:sldIdLst>
     <p:sldId id="256" r:id="rId2"/>
@@ -15,18 +15,20 @@
     <p:sldId id="266" r:id="rId6"/>
     <p:sldId id="267" r:id="rId7"/>
     <p:sldId id="268" r:id="rId8"/>
-    <p:sldId id="269" r:id="rId9"/>
-    <p:sldId id="261" r:id="rId10"/>
-    <p:sldId id="260" r:id="rId11"/>
-    <p:sldId id="262" r:id="rId12"/>
-    <p:sldId id="271" r:id="rId13"/>
-    <p:sldId id="272" r:id="rId14"/>
-    <p:sldId id="273" r:id="rId15"/>
-    <p:sldId id="270" r:id="rId16"/>
-    <p:sldId id="263" r:id="rId17"/>
+    <p:sldId id="274" r:id="rId9"/>
+    <p:sldId id="269" r:id="rId10"/>
+    <p:sldId id="261" r:id="rId11"/>
+    <p:sldId id="260" r:id="rId12"/>
+    <p:sldId id="262" r:id="rId13"/>
+    <p:sldId id="271" r:id="rId14"/>
+    <p:sldId id="272" r:id="rId15"/>
+    <p:sldId id="273" r:id="rId16"/>
+    <p:sldId id="270" r:id="rId17"/>
+    <p:sldId id="263" r:id="rId18"/>
+    <p:sldId id="275" r:id="rId19"/>
   </p:sldIdLst>
   <p:sldSz cx="12192000" cy="6858000"/>
-  <p:notesSz cx="6858000" cy="9144000"/>
+  <p:notesSz cx="6797675" cy="9928225"/>
   <p:defaultTextStyle>
     <a:defPPr>
       <a:defRPr lang="ru-RU"/>
@@ -165,7 +167,7 @@
         <p:spPr>
           <a:xfrm>
             <a:off x="0" y="0"/>
-            <a:ext cx="2971800" cy="458788"/>
+            <a:ext cx="2945659" cy="498135"/>
           </a:xfrm>
           <a:prstGeom prst="rect">
             <a:avLst/>
@@ -195,8 +197,8 @@
         </p:nvSpPr>
         <p:spPr>
           <a:xfrm>
-            <a:off x="3884613" y="0"/>
-            <a:ext cx="2971800" cy="458788"/>
+            <a:off x="3850443" y="0"/>
+            <a:ext cx="2945659" cy="498135"/>
           </a:xfrm>
           <a:prstGeom prst="rect">
             <a:avLst/>
@@ -212,7 +214,7 @@
           <a:p>
             <a:fld id="{7D65DE95-B979-4E4D-BB3C-F1DE1284DF32}" type="datetimeFigureOut">
               <a:rPr lang="ru-RU" smtClean="0"/>
-              <a:t>25.05.2015</a:t>
+              <a:t>26.05.2015</a:t>
             </a:fld>
             <a:endParaRPr lang="ru-RU"/>
           </a:p>
@@ -230,8 +232,8 @@
         </p:nvSpPr>
         <p:spPr>
           <a:xfrm>
-            <a:off x="685800" y="1143000"/>
-            <a:ext cx="5486400" cy="3086100"/>
+            <a:off x="422275" y="1241425"/>
+            <a:ext cx="5953125" cy="3349625"/>
           </a:xfrm>
           <a:prstGeom prst="rect">
             <a:avLst/>
@@ -263,8 +265,8 @@
         </p:nvSpPr>
         <p:spPr>
           <a:xfrm>
-            <a:off x="685800" y="4400550"/>
-            <a:ext cx="5486400" cy="3600450"/>
+            <a:off x="679768" y="4777958"/>
+            <a:ext cx="5438140" cy="3909239"/>
           </a:xfrm>
           <a:prstGeom prst="rect">
             <a:avLst/>
@@ -323,8 +325,8 @@
         </p:nvSpPr>
         <p:spPr>
           <a:xfrm>
-            <a:off x="0" y="8685213"/>
-            <a:ext cx="2971800" cy="458787"/>
+            <a:off x="0" y="9430091"/>
+            <a:ext cx="2945659" cy="498134"/>
           </a:xfrm>
           <a:prstGeom prst="rect">
             <a:avLst/>
@@ -354,8 +356,8 @@
         </p:nvSpPr>
         <p:spPr>
           <a:xfrm>
-            <a:off x="3884613" y="8685213"/>
-            <a:ext cx="2971800" cy="458787"/>
+            <a:off x="3850443" y="9430091"/>
+            <a:ext cx="2945659" cy="498134"/>
           </a:xfrm>
           <a:prstGeom prst="rect">
             <a:avLst/>
@@ -695,7 +697,7 @@
           <a:p>
             <a:fld id="{D4F054D9-EB72-4C9A-9169-A74286829EAD}" type="datetime1">
               <a:rPr lang="ru-RU" smtClean="0"/>
-              <a:t>25.05.2015</a:t>
+              <a:t>26.05.2015</a:t>
             </a:fld>
             <a:endParaRPr lang="ru-RU"/>
           </a:p>
@@ -865,7 +867,7 @@
           <a:p>
             <a:fld id="{E5EF8B1C-0D11-43B3-A850-C4112CD4E0BB}" type="datetime1">
               <a:rPr lang="ru-RU" smtClean="0"/>
-              <a:t>25.05.2015</a:t>
+              <a:t>26.05.2015</a:t>
             </a:fld>
             <a:endParaRPr lang="ru-RU"/>
           </a:p>
@@ -1045,7 +1047,7 @@
           <a:p>
             <a:fld id="{596D8CCD-DD76-46D5-BB04-26570E4CEC4D}" type="datetime1">
               <a:rPr lang="ru-RU" smtClean="0"/>
-              <a:t>25.05.2015</a:t>
+              <a:t>26.05.2015</a:t>
             </a:fld>
             <a:endParaRPr lang="ru-RU"/>
           </a:p>
@@ -1215,7 +1217,7 @@
           <a:p>
             <a:fld id="{6250C4C9-0B10-4EB2-80BC-83961D1B1F71}" type="datetime1">
               <a:rPr lang="ru-RU" smtClean="0"/>
-              <a:t>25.05.2015</a:t>
+              <a:t>26.05.2015</a:t>
             </a:fld>
             <a:endParaRPr lang="ru-RU"/>
           </a:p>
@@ -1461,7 +1463,7 @@
           <a:p>
             <a:fld id="{A11B47ED-0892-4B0A-B36F-DCEFF37A6828}" type="datetime1">
               <a:rPr lang="ru-RU" smtClean="0"/>
-              <a:t>25.05.2015</a:t>
+              <a:t>26.05.2015</a:t>
             </a:fld>
             <a:endParaRPr lang="ru-RU"/>
           </a:p>
@@ -1693,7 +1695,7 @@
           <a:p>
             <a:fld id="{181F1BD6-D2E2-46E1-B84D-6F4CB9985097}" type="datetime1">
               <a:rPr lang="ru-RU" smtClean="0"/>
-              <a:t>25.05.2015</a:t>
+              <a:t>26.05.2015</a:t>
             </a:fld>
             <a:endParaRPr lang="ru-RU"/>
           </a:p>
@@ -2060,7 +2062,7 @@
           <a:p>
             <a:fld id="{88AC1DB7-0E78-436E-920D-DEFD50E8D9EB}" type="datetime1">
               <a:rPr lang="ru-RU" smtClean="0"/>
-              <a:t>25.05.2015</a:t>
+              <a:t>26.05.2015</a:t>
             </a:fld>
             <a:endParaRPr lang="ru-RU"/>
           </a:p>
@@ -2178,7 +2180,7 @@
           <a:p>
             <a:fld id="{9DC62A61-060E-4ADE-863D-EA8886D6BD99}" type="datetime1">
               <a:rPr lang="ru-RU" smtClean="0"/>
-              <a:t>25.05.2015</a:t>
+              <a:t>26.05.2015</a:t>
             </a:fld>
             <a:endParaRPr lang="ru-RU"/>
           </a:p>
@@ -2273,7 +2275,7 @@
           <a:p>
             <a:fld id="{BFB1E972-3C12-44FD-9004-BD514C5E9054}" type="datetime1">
               <a:rPr lang="ru-RU" smtClean="0"/>
-              <a:t>25.05.2015</a:t>
+              <a:t>26.05.2015</a:t>
             </a:fld>
             <a:endParaRPr lang="ru-RU"/>
           </a:p>
@@ -2550,7 +2552,7 @@
           <a:p>
             <a:fld id="{1CD89F04-4959-4257-8387-3C744EBB14D8}" type="datetime1">
               <a:rPr lang="ru-RU" smtClean="0"/>
-              <a:t>25.05.2015</a:t>
+              <a:t>26.05.2015</a:t>
             </a:fld>
             <a:endParaRPr lang="ru-RU"/>
           </a:p>
@@ -2803,7 +2805,7 @@
           <a:p>
             <a:fld id="{4CFB109E-B013-47B7-AD92-B0C422B3055C}" type="datetime1">
               <a:rPr lang="ru-RU" smtClean="0"/>
-              <a:t>25.05.2015</a:t>
+              <a:t>26.05.2015</a:t>
             </a:fld>
             <a:endParaRPr lang="ru-RU"/>
           </a:p>
@@ -3016,7 +3018,7 @@
           <a:p>
             <a:fld id="{F2345C99-4D7D-4EA5-96D7-452EE91F454C}" type="datetime1">
               <a:rPr lang="ru-RU" smtClean="0"/>
-              <a:t>25.05.2015</a:t>
+              <a:t>26.05.2015</a:t>
             </a:fld>
             <a:endParaRPr lang="ru-RU"/>
           </a:p>
@@ -3531,6 +3533,123 @@
         </p:nvSpPr>
         <p:spPr>
           <a:xfrm>
+            <a:off x="838200" y="113198"/>
+            <a:ext cx="10515600" cy="1325563"/>
+          </a:xfrm>
+        </p:spPr>
+        <p:txBody>
+          <a:bodyPr/>
+          <a:lstStyle/>
+          <a:p>
+            <a:r>
+              <a:rPr lang="ru-RU" dirty="0" smtClean="0"/>
+              <a:t>Функциональная модель процесса обработки маршрута</a:t>
+            </a:r>
+            <a:endParaRPr lang="ru-RU" dirty="0"/>
+          </a:p>
+        </p:txBody>
+      </p:sp>
+      <p:pic>
+        <p:nvPicPr>
+          <p:cNvPr id="5" name="Объект 4"/>
+          <p:cNvPicPr>
+            <a:picLocks noGrp="1" noChangeAspect="1"/>
+          </p:cNvPicPr>
+          <p:nvPr>
+            <p:ph idx="1"/>
+          </p:nvPr>
+        </p:nvPicPr>
+        <p:blipFill>
+          <a:blip r:embed="rId2">
+            <a:extLst>
+              <a:ext uri="{28A0092B-C50C-407E-A947-70E740481C1C}">
+                <a14:useLocalDpi xmlns:a14="http://schemas.microsoft.com/office/drawing/2010/main" val="0"/>
+              </a:ext>
+            </a:extLst>
+          </a:blip>
+          <a:stretch>
+            <a:fillRect/>
+          </a:stretch>
+        </p:blipFill>
+        <p:spPr>
+          <a:xfrm>
+            <a:off x="1166327" y="1305897"/>
+            <a:ext cx="9691394" cy="5415578"/>
+          </a:xfrm>
+        </p:spPr>
+      </p:pic>
+      <p:sp>
+        <p:nvSpPr>
+          <p:cNvPr id="3" name="Номер слайда 2"/>
+          <p:cNvSpPr>
+            <a:spLocks noGrp="1"/>
+          </p:cNvSpPr>
+          <p:nvPr>
+            <p:ph type="sldNum" sz="quarter" idx="12"/>
+          </p:nvPr>
+        </p:nvSpPr>
+        <p:spPr/>
+        <p:txBody>
+          <a:bodyPr/>
+          <a:lstStyle/>
+          <a:p>
+            <a:fld id="{3BCC8605-603C-4CBC-9D12-BEB80FA30360}" type="slidenum">
+              <a:rPr lang="ru-RU" smtClean="0"/>
+              <a:t>10</a:t>
+            </a:fld>
+            <a:endParaRPr lang="ru-RU"/>
+          </a:p>
+        </p:txBody>
+      </p:sp>
+    </p:spTree>
+    <p:extLst>
+      <p:ext uri="{BB962C8B-B14F-4D97-AF65-F5344CB8AC3E}">
+        <p14:creationId xmlns:p14="http://schemas.microsoft.com/office/powerpoint/2010/main" val="2936390320"/>
+      </p:ext>
+    </p:extLst>
+  </p:cSld>
+  <p:clrMapOvr>
+    <a:masterClrMapping/>
+  </p:clrMapOvr>
+  <p:timing>
+    <p:tnLst>
+      <p:par>
+        <p:cTn id="1" dur="indefinite" restart="never" nodeType="tmRoot"/>
+      </p:par>
+    </p:tnLst>
+  </p:timing>
+</p:sld>
+</file>
+
+<file path=ppt/slides/slide11.xml><?xml version="1.0" encoding="utf-8"?>
+<p:sld xmlns:a="http://schemas.openxmlformats.org/drawingml/2006/main" xmlns:r="http://schemas.openxmlformats.org/officeDocument/2006/relationships" xmlns:p="http://schemas.openxmlformats.org/presentationml/2006/main">
+  <p:cSld>
+    <p:spTree>
+      <p:nvGrpSpPr>
+        <p:cNvPr id="1" name=""/>
+        <p:cNvGrpSpPr/>
+        <p:nvPr/>
+      </p:nvGrpSpPr>
+      <p:grpSpPr>
+        <a:xfrm>
+          <a:off x="0" y="0"/>
+          <a:ext cx="0" cy="0"/>
+          <a:chOff x="0" y="0"/>
+          <a:chExt cx="0" cy="0"/>
+        </a:xfrm>
+      </p:grpSpPr>
+      <p:sp>
+        <p:nvSpPr>
+          <p:cNvPr id="2" name="Заголовок 1"/>
+          <p:cNvSpPr>
+            <a:spLocks noGrp="1"/>
+          </p:cNvSpPr>
+          <p:nvPr>
+            <p:ph type="title"/>
+          </p:nvPr>
+        </p:nvSpPr>
+        <p:spPr>
+          <a:xfrm>
             <a:off x="838200" y="122530"/>
             <a:ext cx="10515600" cy="1325563"/>
           </a:xfrm>
@@ -3542,11 +3661,7 @@
             <a:pPr algn="ctr"/>
             <a:r>
               <a:rPr lang="ru-RU" dirty="0" smtClean="0"/>
-              <a:t>Схема структуры </a:t>
-            </a:r>
-            <a:r>
-              <a:rPr lang="ru-RU" dirty="0" smtClean="0"/>
-              <a:t>ПО</a:t>
+              <a:t>Схема структуры ПО</a:t>
             </a:r>
             <a:endParaRPr lang="ru-RU" dirty="0"/>
           </a:p>
@@ -3598,7 +3713,7 @@
           <a:p>
             <a:fld id="{3BCC8605-603C-4CBC-9D12-BEB80FA30360}" type="slidenum">
               <a:rPr lang="ru-RU" smtClean="0"/>
-              <a:t>10</a:t>
+              <a:t>11</a:t>
             </a:fld>
             <a:endParaRPr lang="ru-RU"/>
           </a:p>
@@ -3614,141 +3729,13 @@
   <p:clrMapOvr>
     <a:masterClrMapping/>
   </p:clrMapOvr>
-</p:sld>
-</file>
-
-<file path=ppt/slides/slide11.xml><?xml version="1.0" encoding="utf-8"?>
-<p:sld xmlns:a="http://schemas.openxmlformats.org/drawingml/2006/main" xmlns:r="http://schemas.openxmlformats.org/officeDocument/2006/relationships" xmlns:p="http://schemas.openxmlformats.org/presentationml/2006/main">
-  <p:cSld>
-    <p:spTree>
-      <p:nvGrpSpPr>
-        <p:cNvPr id="1" name=""/>
-        <p:cNvGrpSpPr/>
-        <p:nvPr/>
-      </p:nvGrpSpPr>
-      <p:grpSpPr>
-        <a:xfrm>
-          <a:off x="0" y="0"/>
-          <a:ext cx="0" cy="0"/>
-          <a:chOff x="0" y="0"/>
-          <a:chExt cx="0" cy="0"/>
-        </a:xfrm>
-      </p:grpSpPr>
-      <p:sp>
-        <p:nvSpPr>
-          <p:cNvPr id="2" name="Заголовок 1"/>
-          <p:cNvSpPr>
-            <a:spLocks noGrp="1"/>
-          </p:cNvSpPr>
-          <p:nvPr>
-            <p:ph type="title"/>
-          </p:nvPr>
-        </p:nvSpPr>
-        <p:spPr/>
-        <p:txBody>
-          <a:bodyPr/>
-          <a:lstStyle/>
-          <a:p>
-            <a:r>
-              <a:rPr lang="ru-RU" dirty="0" smtClean="0"/>
-              <a:t>Результат работы программы</a:t>
-            </a:r>
-            <a:endParaRPr lang="ru-RU" dirty="0"/>
-          </a:p>
-        </p:txBody>
-      </p:sp>
-      <p:pic>
-        <p:nvPicPr>
-          <p:cNvPr id="4" name="Объект 3"/>
-          <p:cNvPicPr>
-            <a:picLocks noGrp="1" noChangeAspect="1"/>
-          </p:cNvPicPr>
-          <p:nvPr>
-            <p:ph idx="1"/>
-          </p:nvPr>
-        </p:nvPicPr>
-        <p:blipFill>
-          <a:blip r:embed="rId2">
-            <a:extLst>
-              <a:ext uri="{28A0092B-C50C-407E-A947-70E740481C1C}">
-                <a14:useLocalDpi xmlns:a14="http://schemas.microsoft.com/office/drawing/2010/main" val="0"/>
-              </a:ext>
-            </a:extLst>
-          </a:blip>
-          <a:stretch>
-            <a:fillRect/>
-          </a:stretch>
-        </p:blipFill>
-        <p:spPr>
-          <a:xfrm>
-            <a:off x="838200" y="1416322"/>
-            <a:ext cx="9616456" cy="4351337"/>
-          </a:xfrm>
-        </p:spPr>
-      </p:pic>
-      <p:sp>
-        <p:nvSpPr>
-          <p:cNvPr id="7" name="TextBox 6"/>
-          <p:cNvSpPr txBox="1"/>
-          <p:nvPr/>
-        </p:nvSpPr>
-        <p:spPr>
-          <a:xfrm>
-            <a:off x="838200" y="5947954"/>
-            <a:ext cx="7281352" cy="369332"/>
-          </a:xfrm>
-          <a:prstGeom prst="rect">
-            <a:avLst/>
-          </a:prstGeom>
-          <a:noFill/>
-        </p:spPr>
-        <p:txBody>
-          <a:bodyPr wrap="none" rtlCol="0">
-            <a:spAutoFit/>
-          </a:bodyPr>
-          <a:lstStyle/>
-          <a:p>
-            <a:r>
-              <a:rPr lang="ru-RU" dirty="0" smtClean="0"/>
-              <a:t>Исходный маршрут изображен серым цветом, результат – фиолетовым.</a:t>
-            </a:r>
-            <a:endParaRPr lang="ru-RU" dirty="0"/>
-          </a:p>
-        </p:txBody>
-      </p:sp>
-      <p:sp>
-        <p:nvSpPr>
-          <p:cNvPr id="3" name="Номер слайда 2"/>
-          <p:cNvSpPr>
-            <a:spLocks noGrp="1"/>
-          </p:cNvSpPr>
-          <p:nvPr>
-            <p:ph type="sldNum" sz="quarter" idx="12"/>
-          </p:nvPr>
-        </p:nvSpPr>
-        <p:spPr/>
-        <p:txBody>
-          <a:bodyPr/>
-          <a:lstStyle/>
-          <a:p>
-            <a:fld id="{3BCC8605-603C-4CBC-9D12-BEB80FA30360}" type="slidenum">
-              <a:rPr lang="ru-RU" smtClean="0"/>
-              <a:t>11</a:t>
-            </a:fld>
-            <a:endParaRPr lang="ru-RU"/>
-          </a:p>
-        </p:txBody>
-      </p:sp>
-    </p:spTree>
-    <p:extLst>
-      <p:ext uri="{BB962C8B-B14F-4D97-AF65-F5344CB8AC3E}">
-        <p14:creationId xmlns:p14="http://schemas.microsoft.com/office/powerpoint/2010/main" val="279119818"/>
-      </p:ext>
-    </p:extLst>
-  </p:cSld>
-  <p:clrMapOvr>
-    <a:masterClrMapping/>
-  </p:clrMapOvr>
+  <p:timing>
+    <p:tnLst>
+      <p:par>
+        <p:cTn id="1" dur="indefinite" restart="never" nodeType="tmRoot"/>
+      </p:par>
+    </p:tnLst>
+  </p:timing>
 </p:sld>
 </file>
 
@@ -3779,57 +3766,56 @@
             <p:ph type="title"/>
           </p:nvPr>
         </p:nvSpPr>
-        <p:spPr/>
+        <p:spPr>
+          <a:xfrm>
+            <a:off x="838200" y="0"/>
+            <a:ext cx="10515600" cy="1325563"/>
+          </a:xfrm>
+        </p:spPr>
         <p:txBody>
           <a:bodyPr/>
           <a:lstStyle/>
           <a:p>
             <a:r>
               <a:rPr lang="ru-RU" dirty="0" smtClean="0"/>
-              <a:t>Постановка эксперимента</a:t>
+              <a:t>Результат работы программы</a:t>
             </a:r>
             <a:endParaRPr lang="ru-RU" dirty="0"/>
           </a:p>
         </p:txBody>
       </p:sp>
-      <p:sp>
-        <p:nvSpPr>
-          <p:cNvPr id="3" name="Объект 2"/>
-          <p:cNvSpPr>
-            <a:spLocks noGrp="1"/>
-          </p:cNvSpPr>
+      <p:pic>
+        <p:nvPicPr>
+          <p:cNvPr id="4" name="Объект 3"/>
+          <p:cNvPicPr>
+            <a:picLocks noGrp="1" noChangeAspect="1"/>
+          </p:cNvPicPr>
           <p:nvPr>
             <p:ph idx="1"/>
           </p:nvPr>
-        </p:nvSpPr>
-        <p:spPr/>
-        <p:txBody>
-          <a:bodyPr/>
-          <a:lstStyle/>
-          <a:p>
-            <a:r>
-              <a:rPr lang="ru-RU" dirty="0" smtClean="0"/>
-              <a:t>Рассматривается отклонение исходного маршрута и маршрута, полученного в результате использования метода, от истинного маршрута объекта.</a:t>
-            </a:r>
-          </a:p>
-          <a:p>
-            <a:r>
-              <a:rPr lang="ru-RU" dirty="0" smtClean="0"/>
-              <a:t>Для проведения эксперимента вручную воссоздан точный маршрут объекта.</a:t>
-            </a:r>
-          </a:p>
-          <a:p>
-            <a:r>
-              <a:rPr lang="ru-RU" dirty="0" smtClean="0"/>
-              <a:t>В рамках эксперимента не рассматриваются моменты времени, в которые объект был неподвижен, так как при обнаружении остановок и их замене количество точек исходного маршрута перестает соответствовать количеству точек результирующего маршрута</a:t>
-            </a:r>
-            <a:endParaRPr lang="ru-RU" dirty="0"/>
-          </a:p>
-        </p:txBody>
-      </p:sp>
-      <p:sp>
-        <p:nvSpPr>
-          <p:cNvPr id="4" name="Номер слайда 3"/>
+        </p:nvPicPr>
+        <p:blipFill>
+          <a:blip r:embed="rId2">
+            <a:extLst>
+              <a:ext uri="{28A0092B-C50C-407E-A947-70E740481C1C}">
+                <a14:useLocalDpi xmlns:a14="http://schemas.microsoft.com/office/drawing/2010/main" val="0"/>
+              </a:ext>
+            </a:extLst>
+          </a:blip>
+          <a:stretch>
+            <a:fillRect/>
+          </a:stretch>
+        </p:blipFill>
+        <p:spPr>
+          <a:xfrm>
+            <a:off x="838200" y="1071090"/>
+            <a:ext cx="9616456" cy="4351337"/>
+          </a:xfrm>
+        </p:spPr>
+      </p:pic>
+      <p:sp>
+        <p:nvSpPr>
+          <p:cNvPr id="3" name="Номер слайда 2"/>
           <p:cNvSpPr>
             <a:spLocks noGrp="1"/>
           </p:cNvSpPr>
@@ -3850,16 +3836,153 @@
           </a:p>
         </p:txBody>
       </p:sp>
+      <p:cxnSp>
+        <p:nvCxnSpPr>
+          <p:cNvPr id="6" name="Прямая соединительная линия 5"/>
+          <p:cNvCxnSpPr/>
+          <p:nvPr/>
+        </p:nvCxnSpPr>
+        <p:spPr>
+          <a:xfrm>
+            <a:off x="979714" y="5859624"/>
+            <a:ext cx="737119" cy="0"/>
+          </a:xfrm>
+          <a:prstGeom prst="line">
+            <a:avLst/>
+          </a:prstGeom>
+          <a:ln w="28575">
+            <a:solidFill>
+              <a:schemeClr val="tx1"/>
+            </a:solidFill>
+          </a:ln>
+        </p:spPr>
+        <p:style>
+          <a:lnRef idx="1">
+            <a:schemeClr val="accent1"/>
+          </a:lnRef>
+          <a:fillRef idx="0">
+            <a:schemeClr val="accent1"/>
+          </a:fillRef>
+          <a:effectRef idx="0">
+            <a:schemeClr val="accent1"/>
+          </a:effectRef>
+          <a:fontRef idx="minor">
+            <a:schemeClr val="tx1"/>
+          </a:fontRef>
+        </p:style>
+      </p:cxnSp>
+      <p:cxnSp>
+        <p:nvCxnSpPr>
+          <p:cNvPr id="8" name="Прямая соединительная линия 7"/>
+          <p:cNvCxnSpPr/>
+          <p:nvPr/>
+        </p:nvCxnSpPr>
+        <p:spPr>
+          <a:xfrm>
+            <a:off x="979713" y="6189305"/>
+            <a:ext cx="737119" cy="0"/>
+          </a:xfrm>
+          <a:prstGeom prst="line">
+            <a:avLst/>
+          </a:prstGeom>
+          <a:ln w="28575">
+            <a:solidFill>
+              <a:srgbClr val="7030A0"/>
+            </a:solidFill>
+          </a:ln>
+        </p:spPr>
+        <p:style>
+          <a:lnRef idx="1">
+            <a:schemeClr val="accent1"/>
+          </a:lnRef>
+          <a:fillRef idx="0">
+            <a:schemeClr val="accent1"/>
+          </a:fillRef>
+          <a:effectRef idx="0">
+            <a:schemeClr val="accent1"/>
+          </a:effectRef>
+          <a:fontRef idx="minor">
+            <a:schemeClr val="tx1"/>
+          </a:fontRef>
+        </p:style>
+      </p:cxnSp>
+      <p:sp>
+        <p:nvSpPr>
+          <p:cNvPr id="9" name="TextBox 8"/>
+          <p:cNvSpPr txBox="1"/>
+          <p:nvPr/>
+        </p:nvSpPr>
+        <p:spPr>
+          <a:xfrm>
+            <a:off x="1810139" y="5674958"/>
+            <a:ext cx="2453951" cy="369332"/>
+          </a:xfrm>
+          <a:prstGeom prst="rect">
+            <a:avLst/>
+          </a:prstGeom>
+          <a:noFill/>
+        </p:spPr>
+        <p:txBody>
+          <a:bodyPr wrap="square" rtlCol="0">
+            <a:spAutoFit/>
+          </a:bodyPr>
+          <a:lstStyle/>
+          <a:p>
+            <a:r>
+              <a:rPr lang="ru-RU" dirty="0" smtClean="0"/>
+              <a:t>Исходный маршрут</a:t>
+            </a:r>
+            <a:endParaRPr lang="ru-RU" dirty="0"/>
+          </a:p>
+        </p:txBody>
+      </p:sp>
+      <p:sp>
+        <p:nvSpPr>
+          <p:cNvPr id="10" name="TextBox 9"/>
+          <p:cNvSpPr txBox="1"/>
+          <p:nvPr/>
+        </p:nvSpPr>
+        <p:spPr>
+          <a:xfrm>
+            <a:off x="1810138" y="5987018"/>
+            <a:ext cx="2453951" cy="369332"/>
+          </a:xfrm>
+          <a:prstGeom prst="rect">
+            <a:avLst/>
+          </a:prstGeom>
+          <a:noFill/>
+        </p:spPr>
+        <p:txBody>
+          <a:bodyPr wrap="square" rtlCol="0">
+            <a:spAutoFit/>
+          </a:bodyPr>
+          <a:lstStyle/>
+          <a:p>
+            <a:r>
+              <a:rPr lang="ru-RU" dirty="0" smtClean="0"/>
+              <a:t>Итоговый маршрут</a:t>
+            </a:r>
+            <a:endParaRPr lang="ru-RU" dirty="0"/>
+          </a:p>
+        </p:txBody>
+      </p:sp>
     </p:spTree>
     <p:extLst>
       <p:ext uri="{BB962C8B-B14F-4D97-AF65-F5344CB8AC3E}">
-        <p14:creationId xmlns:p14="http://schemas.microsoft.com/office/powerpoint/2010/main" val="1915702468"/>
+        <p14:creationId xmlns:p14="http://schemas.microsoft.com/office/powerpoint/2010/main" val="279119818"/>
       </p:ext>
     </p:extLst>
   </p:cSld>
   <p:clrMapOvr>
     <a:masterClrMapping/>
   </p:clrMapOvr>
+  <p:timing>
+    <p:tnLst>
+      <p:par>
+        <p:cTn id="1" dur="indefinite" restart="never" nodeType="tmRoot"/>
+      </p:par>
+    </p:tnLst>
+  </p:timing>
 </p:sld>
 </file>
 
@@ -3890,6 +4013,124 @@
             <p:ph type="title"/>
           </p:nvPr>
         </p:nvSpPr>
+        <p:spPr/>
+        <p:txBody>
+          <a:bodyPr/>
+          <a:lstStyle/>
+          <a:p>
+            <a:r>
+              <a:rPr lang="ru-RU" dirty="0" smtClean="0"/>
+              <a:t>Постановка эксперимента</a:t>
+            </a:r>
+            <a:endParaRPr lang="ru-RU" dirty="0"/>
+          </a:p>
+        </p:txBody>
+      </p:sp>
+      <p:sp>
+        <p:nvSpPr>
+          <p:cNvPr id="3" name="Объект 2"/>
+          <p:cNvSpPr>
+            <a:spLocks noGrp="1"/>
+          </p:cNvSpPr>
+          <p:nvPr>
+            <p:ph idx="1"/>
+          </p:nvPr>
+        </p:nvSpPr>
+        <p:spPr/>
+        <p:txBody>
+          <a:bodyPr/>
+          <a:lstStyle/>
+          <a:p>
+            <a:r>
+              <a:rPr lang="ru-RU" dirty="0" smtClean="0"/>
+              <a:t>Рассматривается отклонение исходного маршрута и маршрута, полученного в результате использования метода, от истинного маршрута объекта.</a:t>
+            </a:r>
+          </a:p>
+          <a:p>
+            <a:r>
+              <a:rPr lang="ru-RU" dirty="0" smtClean="0"/>
+              <a:t>Для проведения эксперимента вручную воссоздан точный маршрут объекта.</a:t>
+            </a:r>
+          </a:p>
+          <a:p>
+            <a:r>
+              <a:rPr lang="ru-RU" dirty="0" smtClean="0"/>
+              <a:t>В рамках эксперимента не рассматриваются моменты времени, в которые объект был неподвижен, так как при обнаружении остановок и их замене количество точек исходного маршрута перестает соответствовать количеству точек результирующего маршрута</a:t>
+            </a:r>
+            <a:endParaRPr lang="ru-RU" dirty="0"/>
+          </a:p>
+        </p:txBody>
+      </p:sp>
+      <p:sp>
+        <p:nvSpPr>
+          <p:cNvPr id="4" name="Номер слайда 3"/>
+          <p:cNvSpPr>
+            <a:spLocks noGrp="1"/>
+          </p:cNvSpPr>
+          <p:nvPr>
+            <p:ph type="sldNum" sz="quarter" idx="12"/>
+          </p:nvPr>
+        </p:nvSpPr>
+        <p:spPr/>
+        <p:txBody>
+          <a:bodyPr/>
+          <a:lstStyle/>
+          <a:p>
+            <a:fld id="{3BCC8605-603C-4CBC-9D12-BEB80FA30360}" type="slidenum">
+              <a:rPr lang="ru-RU" smtClean="0"/>
+              <a:t>13</a:t>
+            </a:fld>
+            <a:endParaRPr lang="ru-RU"/>
+          </a:p>
+        </p:txBody>
+      </p:sp>
+    </p:spTree>
+    <p:extLst>
+      <p:ext uri="{BB962C8B-B14F-4D97-AF65-F5344CB8AC3E}">
+        <p14:creationId xmlns:p14="http://schemas.microsoft.com/office/powerpoint/2010/main" val="1915702468"/>
+      </p:ext>
+    </p:extLst>
+  </p:cSld>
+  <p:clrMapOvr>
+    <a:masterClrMapping/>
+  </p:clrMapOvr>
+  <p:timing>
+    <p:tnLst>
+      <p:par>
+        <p:cTn id="1" dur="indefinite" restart="never" nodeType="tmRoot"/>
+      </p:par>
+    </p:tnLst>
+  </p:timing>
+</p:sld>
+</file>
+
+<file path=ppt/slides/slide14.xml><?xml version="1.0" encoding="utf-8"?>
+<p:sld xmlns:a="http://schemas.openxmlformats.org/drawingml/2006/main" xmlns:r="http://schemas.openxmlformats.org/officeDocument/2006/relationships" xmlns:p="http://schemas.openxmlformats.org/presentationml/2006/main">
+  <p:cSld>
+    <p:spTree>
+      <p:nvGrpSpPr>
+        <p:cNvPr id="1" name=""/>
+        <p:cNvGrpSpPr/>
+        <p:nvPr/>
+      </p:nvGrpSpPr>
+      <p:grpSpPr>
+        <a:xfrm>
+          <a:off x="0" y="0"/>
+          <a:ext cx="0" cy="0"/>
+          <a:chOff x="0" y="0"/>
+          <a:chExt cx="0" cy="0"/>
+        </a:xfrm>
+      </p:grpSpPr>
+      <p:sp>
+        <p:nvSpPr>
+          <p:cNvPr id="2" name="Заголовок 1"/>
+          <p:cNvSpPr>
+            <a:spLocks noGrp="1"/>
+          </p:cNvSpPr>
+          <p:nvPr>
+            <p:ph type="title"/>
+          </p:nvPr>
+        </p:nvSpPr>
         <p:spPr>
           <a:xfrm>
             <a:off x="838199" y="146542"/>
@@ -3936,29 +4177,6 @@
           </a:xfrm>
         </p:spPr>
       </p:pic>
-      <p:sp>
-        <p:nvSpPr>
-          <p:cNvPr id="4" name="Номер слайда 3"/>
-          <p:cNvSpPr>
-            <a:spLocks noGrp="1"/>
-          </p:cNvSpPr>
-          <p:nvPr>
-            <p:ph type="sldNum" sz="quarter" idx="12"/>
-          </p:nvPr>
-        </p:nvSpPr>
-        <p:spPr/>
-        <p:txBody>
-          <a:bodyPr/>
-          <a:lstStyle/>
-          <a:p>
-            <a:fld id="{3BCC8605-603C-4CBC-9D12-BEB80FA30360}" type="slidenum">
-              <a:rPr lang="ru-RU" smtClean="0"/>
-              <a:t>13</a:t>
-            </a:fld>
-            <a:endParaRPr lang="ru-RU"/>
-          </a:p>
-        </p:txBody>
-      </p:sp>
       <p:pic>
         <p:nvPicPr>
           <p:cNvPr id="7" name="Рисунок 6"/>
@@ -4109,16 +4327,86 @@
           </a:p>
         </p:txBody>
       </p:sp>
-      <p:sp>
-        <p:nvSpPr>
-          <p:cNvPr id="13" name="TextBox 12"/>
+      <p:cxnSp>
+        <p:nvCxnSpPr>
+          <p:cNvPr id="14" name="Прямая соединительная линия 13"/>
+          <p:cNvCxnSpPr/>
+          <p:nvPr/>
+        </p:nvCxnSpPr>
+        <p:spPr>
+          <a:xfrm>
+            <a:off x="469639" y="4935893"/>
+            <a:ext cx="737119" cy="0"/>
+          </a:xfrm>
+          <a:prstGeom prst="line">
+            <a:avLst/>
+          </a:prstGeom>
+          <a:ln w="28575">
+            <a:solidFill>
+              <a:schemeClr val="accent6"/>
+            </a:solidFill>
+          </a:ln>
+        </p:spPr>
+        <p:style>
+          <a:lnRef idx="1">
+            <a:schemeClr val="accent1"/>
+          </a:lnRef>
+          <a:fillRef idx="0">
+            <a:schemeClr val="accent1"/>
+          </a:fillRef>
+          <a:effectRef idx="0">
+            <a:schemeClr val="accent1"/>
+          </a:effectRef>
+          <a:fontRef idx="minor">
+            <a:schemeClr val="tx1"/>
+          </a:fontRef>
+        </p:style>
+      </p:cxnSp>
+      <p:cxnSp>
+        <p:nvCxnSpPr>
+          <p:cNvPr id="15" name="Прямая соединительная линия 14"/>
+          <p:cNvCxnSpPr/>
+          <p:nvPr/>
+        </p:nvCxnSpPr>
+        <p:spPr>
+          <a:xfrm>
+            <a:off x="469638" y="5265574"/>
+            <a:ext cx="737119" cy="0"/>
+          </a:xfrm>
+          <a:prstGeom prst="line">
+            <a:avLst/>
+          </a:prstGeom>
+          <a:ln w="28575">
+            <a:solidFill>
+              <a:srgbClr val="FF0000"/>
+            </a:solidFill>
+          </a:ln>
+        </p:spPr>
+        <p:style>
+          <a:lnRef idx="1">
+            <a:schemeClr val="accent1"/>
+          </a:lnRef>
+          <a:fillRef idx="0">
+            <a:schemeClr val="accent1"/>
+          </a:fillRef>
+          <a:effectRef idx="0">
+            <a:schemeClr val="accent1"/>
+          </a:effectRef>
+          <a:fontRef idx="minor">
+            <a:schemeClr val="tx1"/>
+          </a:fontRef>
+        </p:style>
+      </p:cxnSp>
+      <p:sp>
+        <p:nvSpPr>
+          <p:cNvPr id="16" name="TextBox 15"/>
           <p:cNvSpPr txBox="1"/>
           <p:nvPr/>
         </p:nvSpPr>
         <p:spPr>
           <a:xfrm>
-            <a:off x="363957" y="5026432"/>
-            <a:ext cx="11700525" cy="707886"/>
+            <a:off x="1300064" y="4751227"/>
+            <a:ext cx="2453951" cy="369332"/>
           </a:xfrm>
           <a:prstGeom prst="rect">
             <a:avLst/>
@@ -4132,10 +4420,105 @@
           <a:lstStyle/>
           <a:p>
             <a:r>
-              <a:rPr lang="ru-RU" sz="2000" dirty="0" smtClean="0"/>
-              <a:t>Синим цветом изображен точный маршрут объекта, зеленым – маршрут, построенный по данным от датчика, красным – маршрут, полученный в результате работы алгоритма</a:t>
-            </a:r>
-            <a:endParaRPr lang="ru-RU" sz="2000" dirty="0"/>
+              <a:rPr lang="ru-RU" dirty="0" smtClean="0"/>
+              <a:t>Исходный маршрут</a:t>
+            </a:r>
+            <a:endParaRPr lang="ru-RU" dirty="0"/>
+          </a:p>
+        </p:txBody>
+      </p:sp>
+      <p:sp>
+        <p:nvSpPr>
+          <p:cNvPr id="17" name="TextBox 16"/>
+          <p:cNvSpPr txBox="1"/>
+          <p:nvPr/>
+        </p:nvSpPr>
+        <p:spPr>
+          <a:xfrm>
+            <a:off x="1300063" y="5063287"/>
+            <a:ext cx="2453951" cy="369332"/>
+          </a:xfrm>
+          <a:prstGeom prst="rect">
+            <a:avLst/>
+          </a:prstGeom>
+          <a:noFill/>
+        </p:spPr>
+        <p:txBody>
+          <a:bodyPr wrap="square" rtlCol="0">
+            <a:spAutoFit/>
+          </a:bodyPr>
+          <a:lstStyle/>
+          <a:p>
+            <a:r>
+              <a:rPr lang="ru-RU" dirty="0" smtClean="0"/>
+              <a:t>Итоговый маршрут</a:t>
+            </a:r>
+            <a:endParaRPr lang="ru-RU" dirty="0"/>
+          </a:p>
+        </p:txBody>
+      </p:sp>
+      <p:cxnSp>
+        <p:nvCxnSpPr>
+          <p:cNvPr id="19" name="Прямая соединительная линия 18"/>
+          <p:cNvCxnSpPr/>
+          <p:nvPr/>
+        </p:nvCxnSpPr>
+        <p:spPr>
+          <a:xfrm>
+            <a:off x="469637" y="5585019"/>
+            <a:ext cx="737119" cy="0"/>
+          </a:xfrm>
+          <a:prstGeom prst="line">
+            <a:avLst/>
+          </a:prstGeom>
+          <a:ln w="28575">
+            <a:solidFill>
+              <a:srgbClr val="0070C0"/>
+            </a:solidFill>
+          </a:ln>
+        </p:spPr>
+        <p:style>
+          <a:lnRef idx="1">
+            <a:schemeClr val="accent1"/>
+          </a:lnRef>
+          <a:fillRef idx="0">
+            <a:schemeClr val="accent1"/>
+          </a:fillRef>
+          <a:effectRef idx="0">
+            <a:schemeClr val="accent1"/>
+          </a:effectRef>
+          <a:fontRef idx="minor">
+            <a:schemeClr val="tx1"/>
+          </a:fontRef>
+        </p:style>
+      </p:cxnSp>
+      <p:sp>
+        <p:nvSpPr>
+          <p:cNvPr id="20" name="TextBox 19"/>
+          <p:cNvSpPr txBox="1"/>
+          <p:nvPr/>
+        </p:nvSpPr>
+        <p:spPr>
+          <a:xfrm>
+            <a:off x="1300063" y="5394998"/>
+            <a:ext cx="2453951" cy="369332"/>
+          </a:xfrm>
+          <a:prstGeom prst="rect">
+            <a:avLst/>
+          </a:prstGeom>
+          <a:noFill/>
+        </p:spPr>
+        <p:txBody>
+          <a:bodyPr wrap="square" rtlCol="0">
+            <a:spAutoFit/>
+          </a:bodyPr>
+          <a:lstStyle/>
+          <a:p>
+            <a:r>
+              <a:rPr lang="ru-RU" dirty="0" smtClean="0"/>
+              <a:t>Эталонный маршрут</a:t>
+            </a:r>
+            <a:endParaRPr lang="ru-RU" dirty="0"/>
           </a:p>
         </p:txBody>
       </p:sp>
@@ -4149,10 +4532,17 @@
   <p:clrMapOvr>
     <a:masterClrMapping/>
   </p:clrMapOvr>
+  <p:timing>
+    <p:tnLst>
+      <p:par>
+        <p:cTn id="1" dur="indefinite" restart="never" nodeType="tmRoot"/>
+      </p:par>
+    </p:tnLst>
+  </p:timing>
 </p:sld>
 </file>
 
-<file path=ppt/slides/slide14.xml><?xml version="1.0" encoding="utf-8"?>
+<file path=ppt/slides/slide15.xml><?xml version="1.0" encoding="utf-8"?>
 <p:sld xmlns:a="http://schemas.openxmlformats.org/drawingml/2006/main" xmlns:r="http://schemas.openxmlformats.org/officeDocument/2006/relationships" xmlns:p="http://schemas.openxmlformats.org/presentationml/2006/main">
   <p:cSld>
     <p:spTree>
@@ -4495,7 +4885,7 @@
           <a:p>
             <a:fld id="{3BCC8605-603C-4CBC-9D12-BEB80FA30360}" type="slidenum">
               <a:rPr lang="ru-RU" smtClean="0"/>
-              <a:t>14</a:t>
+              <a:t>15</a:t>
             </a:fld>
             <a:endParaRPr lang="ru-RU"/>
           </a:p>
@@ -4541,10 +4931,17 @@
   <p:clrMapOvr>
     <a:masterClrMapping/>
   </p:clrMapOvr>
+  <p:timing>
+    <p:tnLst>
+      <p:par>
+        <p:cTn id="1" dur="indefinite" restart="never" nodeType="tmRoot"/>
+      </p:par>
+    </p:tnLst>
+  </p:timing>
 </p:sld>
 </file>
 
-<file path=ppt/slides/slide15.xml><?xml version="1.0" encoding="utf-8"?>
+<file path=ppt/slides/slide16.xml><?xml version="1.0" encoding="utf-8"?>
 <p:sld xmlns:a="http://schemas.openxmlformats.org/drawingml/2006/main" xmlns:r="http://schemas.openxmlformats.org/officeDocument/2006/relationships" xmlns:p="http://schemas.openxmlformats.org/presentationml/2006/main">
   <p:cSld>
     <p:spTree>
@@ -4608,7 +5005,7 @@
           <a:p>
             <a:fld id="{1CB08BE3-9E86-4904-A5E6-C6CA17EEBD10}" type="slidenum">
               <a:rPr lang="ru-RU" smtClean="0"/>
-              <a:t>15</a:t>
+              <a:t>16</a:t>
             </a:fld>
             <a:endParaRPr lang="ru-RU" dirty="0"/>
           </a:p>
@@ -5315,7 +5712,7 @@
 </p:sld>
 </file>
 
-<file path=ppt/slides/slide16.xml><?xml version="1.0" encoding="utf-8"?>
+<file path=ppt/slides/slide17.xml><?xml version="1.0" encoding="utf-8"?>
 <p:sld xmlns:a="http://schemas.openxmlformats.org/drawingml/2006/main" xmlns:r="http://schemas.openxmlformats.org/officeDocument/2006/relationships" xmlns:p="http://schemas.openxmlformats.org/presentationml/2006/main">
   <p:cSld>
     <p:spTree>
@@ -5435,7 +5832,6 @@
               <a:rPr lang="ru-RU" sz="3200" dirty="0"/>
               <a:t>метода.</a:t>
             </a:r>
-            <a:endParaRPr lang="ru-RU" sz="3200" dirty="0"/>
           </a:p>
         </p:txBody>
       </p:sp>
@@ -5456,7 +5852,7 @@
           <a:p>
             <a:fld id="{3BCC8605-603C-4CBC-9D12-BEB80FA30360}" type="slidenum">
               <a:rPr lang="ru-RU" smtClean="0"/>
-              <a:t>16</a:t>
+              <a:t>17</a:t>
             </a:fld>
             <a:endParaRPr lang="ru-RU"/>
           </a:p>
@@ -5472,6 +5868,144 @@
   <p:clrMapOvr>
     <a:masterClrMapping/>
   </p:clrMapOvr>
+  <p:timing>
+    <p:tnLst>
+      <p:par>
+        <p:cTn id="1" dur="indefinite" restart="never" nodeType="tmRoot"/>
+      </p:par>
+    </p:tnLst>
+  </p:timing>
+</p:sld>
+</file>
+
+<file path=ppt/slides/slide18.xml><?xml version="1.0" encoding="utf-8"?>
+<p:sld xmlns:a="http://schemas.openxmlformats.org/drawingml/2006/main" xmlns:r="http://schemas.openxmlformats.org/officeDocument/2006/relationships" xmlns:p="http://schemas.openxmlformats.org/presentationml/2006/main">
+  <p:cSld>
+    <p:spTree>
+      <p:nvGrpSpPr>
+        <p:cNvPr id="1" name=""/>
+        <p:cNvGrpSpPr/>
+        <p:nvPr/>
+      </p:nvGrpSpPr>
+      <p:grpSpPr>
+        <a:xfrm>
+          <a:off x="0" y="0"/>
+          <a:ext cx="0" cy="0"/>
+          <a:chOff x="0" y="0"/>
+          <a:chExt cx="0" cy="0"/>
+        </a:xfrm>
+      </p:grpSpPr>
+      <p:sp>
+        <p:nvSpPr>
+          <p:cNvPr id="2" name="Заголовок 1"/>
+          <p:cNvSpPr>
+            <a:spLocks noGrp="1"/>
+          </p:cNvSpPr>
+          <p:nvPr>
+            <p:ph type="title"/>
+          </p:nvPr>
+        </p:nvSpPr>
+        <p:spPr/>
+        <p:txBody>
+          <a:bodyPr/>
+          <a:lstStyle/>
+          <a:p>
+            <a:r>
+              <a:rPr lang="ru-RU" dirty="0" smtClean="0"/>
+              <a:t>Дальнейшее развитие:</a:t>
+            </a:r>
+            <a:endParaRPr lang="ru-RU" dirty="0"/>
+          </a:p>
+        </p:txBody>
+      </p:sp>
+      <p:sp>
+        <p:nvSpPr>
+          <p:cNvPr id="3" name="Объект 2"/>
+          <p:cNvSpPr>
+            <a:spLocks noGrp="1"/>
+          </p:cNvSpPr>
+          <p:nvPr>
+            <p:ph idx="1"/>
+          </p:nvPr>
+        </p:nvSpPr>
+        <p:spPr/>
+        <p:txBody>
+          <a:bodyPr>
+            <a:normAutofit/>
+          </a:bodyPr>
+          <a:lstStyle/>
+          <a:p>
+            <a:pPr lvl="1"/>
+            <a:r>
+              <a:rPr lang="ru-RU" sz="3200" dirty="0" smtClean="0"/>
+              <a:t>Реализация предложенного метода для мобильных устройств.</a:t>
+            </a:r>
+          </a:p>
+          <a:p>
+            <a:pPr lvl="1"/>
+            <a:r>
+              <a:rPr lang="ru-RU" sz="3200" dirty="0" smtClean="0"/>
+              <a:t>Разработка способа автоматического определения параметров используемых алгоритмов по входным данным.</a:t>
+            </a:r>
+          </a:p>
+          <a:p>
+            <a:pPr lvl="1"/>
+            <a:r>
+              <a:rPr lang="ru-RU" sz="3200" dirty="0" smtClean="0"/>
+              <a:t>Реализация режима </a:t>
+            </a:r>
+            <a:r>
+              <a:rPr lang="ru-RU" sz="3200" smtClean="0"/>
+              <a:t>реального времени </a:t>
+            </a:r>
+            <a:r>
+              <a:rPr lang="ru-RU" sz="3200" dirty="0" smtClean="0"/>
+              <a:t>работы метода.</a:t>
+            </a:r>
+            <a:endParaRPr lang="ru-RU" sz="3200" dirty="0"/>
+          </a:p>
+        </p:txBody>
+      </p:sp>
+      <p:sp>
+        <p:nvSpPr>
+          <p:cNvPr id="4" name="Номер слайда 3"/>
+          <p:cNvSpPr>
+            <a:spLocks noGrp="1"/>
+          </p:cNvSpPr>
+          <p:nvPr>
+            <p:ph type="sldNum" sz="quarter" idx="12"/>
+          </p:nvPr>
+        </p:nvSpPr>
+        <p:spPr/>
+        <p:txBody>
+          <a:bodyPr/>
+          <a:lstStyle/>
+          <a:p>
+            <a:fld id="{3BCC8605-603C-4CBC-9D12-BEB80FA30360}" type="slidenum">
+              <a:rPr lang="ru-RU" smtClean="0"/>
+              <a:t>18</a:t>
+            </a:fld>
+            <a:endParaRPr lang="ru-RU"/>
+          </a:p>
+        </p:txBody>
+      </p:sp>
+    </p:spTree>
+    <p:extLst>
+      <p:ext uri="{BB962C8B-B14F-4D97-AF65-F5344CB8AC3E}">
+        <p14:creationId xmlns:p14="http://schemas.microsoft.com/office/powerpoint/2010/main" val="2581441321"/>
+      </p:ext>
+    </p:extLst>
+  </p:cSld>
+  <p:clrMapOvr>
+    <a:masterClrMapping/>
+  </p:clrMapOvr>
+  <p:timing>
+    <p:tnLst>
+      <p:par>
+        <p:cTn id="1" dur="indefinite" restart="never" nodeType="tmRoot"/>
+      </p:par>
+    </p:tnLst>
+  </p:timing>
 </p:sld>
 </file>
 
@@ -5591,11 +6125,7 @@
             <a:pPr lvl="1"/>
             <a:r>
               <a:rPr lang="ru-RU" dirty="0" smtClean="0"/>
-              <a:t>Провести анализ предметной </a:t>
-            </a:r>
-            <a:r>
-              <a:rPr lang="ru-RU" dirty="0" smtClean="0"/>
-              <a:t>области.</a:t>
+              <a:t>Провести анализ предметной области.</a:t>
             </a:r>
           </a:p>
           <a:p>
@@ -5604,45 +6134,26 @@
               <a:rPr lang="ru-RU" dirty="0" smtClean="0"/>
               <a:t>Провести анализ алгоритмов.</a:t>
             </a:r>
-            <a:endParaRPr lang="ru-RU" dirty="0" smtClean="0"/>
           </a:p>
           <a:p>
             <a:pPr lvl="1"/>
             <a:r>
               <a:rPr lang="ru-RU" dirty="0" smtClean="0"/>
-              <a:t>Разработать </a:t>
-            </a:r>
+              <a:t>Разработать метод для повышения точности маршрута.</a:t>
+            </a:r>
+          </a:p>
+          <a:p>
+            <a:pPr lvl="1"/>
             <a:r>
               <a:rPr lang="ru-RU" dirty="0" smtClean="0"/>
-              <a:t>метод для повышения точности маршрута.</a:t>
-            </a:r>
-            <a:endParaRPr lang="ru-RU" dirty="0" smtClean="0"/>
+              <a:t>Реализовать ПО, использующее предложенный метод.</a:t>
+            </a:r>
           </a:p>
           <a:p>
             <a:pPr lvl="1"/>
             <a:r>
               <a:rPr lang="ru-RU" dirty="0" smtClean="0"/>
-              <a:t>Реализовать </a:t>
-            </a:r>
-            <a:r>
-              <a:rPr lang="ru-RU" dirty="0" smtClean="0"/>
-              <a:t>ПО, </a:t>
-            </a:r>
-            <a:r>
-              <a:rPr lang="ru-RU" dirty="0" smtClean="0"/>
-              <a:t>использующее предложенный метод.</a:t>
-            </a:r>
-            <a:endParaRPr lang="ru-RU" dirty="0" smtClean="0"/>
-          </a:p>
-          <a:p>
-            <a:pPr lvl="1"/>
-            <a:r>
-              <a:rPr lang="ru-RU" dirty="0" smtClean="0"/>
-              <a:t>Провести </a:t>
-            </a:r>
-            <a:r>
-              <a:rPr lang="ru-RU" dirty="0" smtClean="0"/>
-              <a:t>эксперимент для подтверждения применимости метода.</a:t>
+              <a:t>Провести эксперимент для подтверждения применимости метода.</a:t>
             </a:r>
             <a:endParaRPr lang="ru-RU" dirty="0"/>
           </a:p>
@@ -5826,11 +6337,7 @@
           <a:p>
             <a:r>
               <a:rPr lang="ru-RU" dirty="0" smtClean="0"/>
-              <a:t>Анализ </a:t>
-            </a:r>
-            <a:r>
-              <a:rPr lang="ru-RU" dirty="0" smtClean="0"/>
-              <a:t>задачи</a:t>
+              <a:t>Анализ задачи</a:t>
             </a:r>
             <a:endParaRPr lang="ru-RU" dirty="0"/>
           </a:p>
@@ -6043,6 +6550,13 @@
   <p:clrMapOvr>
     <a:masterClrMapping/>
   </p:clrMapOvr>
+  <p:timing>
+    <p:tnLst>
+      <p:par>
+        <p:cTn id="1" dur="indefinite" restart="never" nodeType="tmRoot"/>
+      </p:par>
+    </p:tnLst>
+  </p:timing>
 </p:sld>
 </file>
 
@@ -6167,6 +6681,13 @@
   <p:clrMapOvr>
     <a:masterClrMapping/>
   </p:clrMapOvr>
+  <p:timing>
+    <p:tnLst>
+      <p:par>
+        <p:cTn id="1" dur="indefinite" restart="never" nodeType="tmRoot"/>
+      </p:par>
+    </p:tnLst>
+  </p:timing>
 </p:sld>
 </file>
 
@@ -6304,6 +6825,13 @@
   <p:clrMapOvr>
     <a:masterClrMapping/>
   </p:clrMapOvr>
+  <p:timing>
+    <p:tnLst>
+      <p:par>
+        <p:cTn id="1" dur="indefinite" restart="never" nodeType="tmRoot"/>
+      </p:par>
+    </p:tnLst>
+  </p:timing>
 </p:sld>
 </file>
 
@@ -6334,6 +6862,480 @@
             <p:ph type="title"/>
           </p:nvPr>
         </p:nvSpPr>
+        <p:spPr/>
+        <p:txBody>
+          <a:bodyPr/>
+          <a:lstStyle/>
+          <a:p>
+            <a:r>
+              <a:rPr lang="ru-RU" dirty="0" smtClean="0"/>
+              <a:t>Обзор алгоритмов сглаживания</a:t>
+            </a:r>
+            <a:endParaRPr lang="ru-RU" dirty="0"/>
+          </a:p>
+        </p:txBody>
+      </p:sp>
+      <p:graphicFrame>
+        <p:nvGraphicFramePr>
+          <p:cNvPr id="5" name="Объект 4"/>
+          <p:cNvGraphicFramePr>
+            <a:graphicFrameLocks noGrp="1"/>
+          </p:cNvGraphicFramePr>
+          <p:nvPr>
+            <p:ph idx="1"/>
+            <p:extLst>
+              <p:ext uri="{D42A27DB-BD31-4B8C-83A1-F6EECF244321}">
+                <p14:modId xmlns:p14="http://schemas.microsoft.com/office/powerpoint/2010/main" val="74920233"/>
+              </p:ext>
+            </p:extLst>
+          </p:nvPr>
+        </p:nvGraphicFramePr>
+        <p:xfrm>
+          <a:off x="838200" y="1825625"/>
+          <a:ext cx="10515600" cy="2392680"/>
+        </p:xfrm>
+        <a:graphic>
+          <a:graphicData uri="http://schemas.openxmlformats.org/drawingml/2006/table">
+            <a:tbl>
+              <a:tblPr firstRow="1" bandRow="1">
+                <a:tableStyleId>{5C22544A-7EE6-4342-B048-85BDC9FD1C3A}</a:tableStyleId>
+              </a:tblPr>
+              <a:tblGrid>
+                <a:gridCol w="2628900"/>
+                <a:gridCol w="2628900"/>
+                <a:gridCol w="2628900"/>
+                <a:gridCol w="2628900"/>
+              </a:tblGrid>
+              <a:tr h="370840">
+                <a:tc>
+                  <a:txBody>
+                    <a:bodyPr/>
+                    <a:lstStyle/>
+                    <a:p>
+                      <a:pPr algn="ctr"/>
+                      <a:r>
+                        <a:rPr lang="ru-RU" dirty="0" smtClean="0"/>
+                        <a:t>Алгоритм</a:t>
+                      </a:r>
+                      <a:endParaRPr lang="ru-RU" dirty="0"/>
+                    </a:p>
+                  </a:txBody>
+                  <a:tcPr/>
+                </a:tc>
+                <a:tc>
+                  <a:txBody>
+                    <a:bodyPr/>
+                    <a:lstStyle/>
+                    <a:p>
+                      <a:pPr algn="ctr"/>
+                      <a:r>
+                        <a:rPr lang="ru-RU" dirty="0" smtClean="0"/>
+                        <a:t>Учет особенностей процесса</a:t>
+                      </a:r>
+                      <a:endParaRPr lang="ru-RU" dirty="0"/>
+                    </a:p>
+                  </a:txBody>
+                  <a:tcPr/>
+                </a:tc>
+                <a:tc>
+                  <a:txBody>
+                    <a:bodyPr/>
+                    <a:lstStyle/>
+                    <a:p>
+                      <a:pPr algn="ctr"/>
+                      <a:r>
+                        <a:rPr lang="ru-RU" dirty="0" smtClean="0"/>
+                        <a:t>Учет погрешностей процесса</a:t>
+                      </a:r>
+                      <a:endParaRPr lang="ru-RU" dirty="0"/>
+                    </a:p>
+                  </a:txBody>
+                  <a:tcPr/>
+                </a:tc>
+                <a:tc>
+                  <a:txBody>
+                    <a:bodyPr/>
+                    <a:lstStyle/>
+                    <a:p>
+                      <a:pPr algn="ctr"/>
+                      <a:r>
+                        <a:rPr lang="ru-RU" dirty="0" smtClean="0"/>
+                        <a:t>Учет погрешностей датчика</a:t>
+                      </a:r>
+                      <a:endParaRPr lang="ru-RU" dirty="0"/>
+                    </a:p>
+                  </a:txBody>
+                  <a:tcPr/>
+                </a:tc>
+              </a:tr>
+              <a:tr h="370840">
+                <a:tc>
+                  <a:txBody>
+                    <a:bodyPr/>
+                    <a:lstStyle/>
+                    <a:p>
+                      <a:pPr algn="ctr"/>
+                      <a:r>
+                        <a:rPr lang="ru-RU" dirty="0" smtClean="0"/>
+                        <a:t>Фильтр </a:t>
+                      </a:r>
+                      <a:r>
+                        <a:rPr lang="ru-RU" dirty="0" err="1" smtClean="0"/>
+                        <a:t>Калмана</a:t>
+                      </a:r>
+                      <a:endParaRPr lang="ru-RU" dirty="0"/>
+                    </a:p>
+                  </a:txBody>
+                  <a:tcPr/>
+                </a:tc>
+                <a:tc>
+                  <a:txBody>
+                    <a:bodyPr/>
+                    <a:lstStyle/>
+                    <a:p>
+                      <a:pPr algn="ctr"/>
+                      <a:r>
+                        <a:rPr lang="ru-RU" dirty="0" smtClean="0"/>
+                        <a:t>+</a:t>
+                      </a:r>
+                      <a:endParaRPr lang="ru-RU" dirty="0"/>
+                    </a:p>
+                  </a:txBody>
+                  <a:tcPr/>
+                </a:tc>
+                <a:tc>
+                  <a:txBody>
+                    <a:bodyPr/>
+                    <a:lstStyle/>
+                    <a:p>
+                      <a:pPr algn="ctr"/>
+                      <a:r>
+                        <a:rPr lang="ru-RU" dirty="0" smtClean="0"/>
+                        <a:t>+</a:t>
+                      </a:r>
+                      <a:endParaRPr lang="ru-RU" dirty="0"/>
+                    </a:p>
+                  </a:txBody>
+                  <a:tcPr/>
+                </a:tc>
+                <a:tc>
+                  <a:txBody>
+                    <a:bodyPr/>
+                    <a:lstStyle/>
+                    <a:p>
+                      <a:pPr algn="ctr"/>
+                      <a:r>
+                        <a:rPr lang="ru-RU" dirty="0" smtClean="0"/>
+                        <a:t>+</a:t>
+                      </a:r>
+                      <a:endParaRPr lang="ru-RU" dirty="0"/>
+                    </a:p>
+                  </a:txBody>
+                  <a:tcPr/>
+                </a:tc>
+              </a:tr>
+              <a:tr h="370840">
+                <a:tc>
+                  <a:txBody>
+                    <a:bodyPr/>
+                    <a:lstStyle/>
+                    <a:p>
+                      <a:pPr algn="ctr"/>
+                      <a:r>
+                        <a:rPr lang="ru-RU" dirty="0" smtClean="0"/>
+                        <a:t>Медианный фильтр</a:t>
+                      </a:r>
+                      <a:endParaRPr lang="ru-RU" dirty="0"/>
+                    </a:p>
+                  </a:txBody>
+                  <a:tcPr/>
+                </a:tc>
+                <a:tc>
+                  <a:txBody>
+                    <a:bodyPr/>
+                    <a:lstStyle/>
+                    <a:p>
+                      <a:pPr algn="ctr"/>
+                      <a:r>
+                        <a:rPr lang="ru-RU" dirty="0" smtClean="0"/>
+                        <a:t>-</a:t>
+                      </a:r>
+                      <a:endParaRPr lang="ru-RU" dirty="0"/>
+                    </a:p>
+                  </a:txBody>
+                  <a:tcPr/>
+                </a:tc>
+                <a:tc>
+                  <a:txBody>
+                    <a:bodyPr/>
+                    <a:lstStyle/>
+                    <a:p>
+                      <a:pPr algn="ctr"/>
+                      <a:r>
+                        <a:rPr lang="ru-RU" dirty="0" smtClean="0"/>
+                        <a:t>-</a:t>
+                      </a:r>
+                      <a:endParaRPr lang="ru-RU" dirty="0"/>
+                    </a:p>
+                  </a:txBody>
+                  <a:tcPr/>
+                </a:tc>
+                <a:tc>
+                  <a:txBody>
+                    <a:bodyPr/>
+                    <a:lstStyle/>
+                    <a:p>
+                      <a:pPr algn="ctr"/>
+                      <a:r>
+                        <a:rPr lang="ru-RU" dirty="0" smtClean="0"/>
+                        <a:t>-</a:t>
+                      </a:r>
+                      <a:endParaRPr lang="ru-RU" dirty="0"/>
+                    </a:p>
+                  </a:txBody>
+                  <a:tcPr/>
+                </a:tc>
+              </a:tr>
+              <a:tr h="370840">
+                <a:tc>
+                  <a:txBody>
+                    <a:bodyPr/>
+                    <a:lstStyle/>
+                    <a:p>
+                      <a:pPr algn="ctr"/>
+                      <a:r>
+                        <a:rPr lang="ru-RU" dirty="0" smtClean="0"/>
+                        <a:t>Экспоненциальный фильтр</a:t>
+                      </a:r>
+                      <a:endParaRPr lang="ru-RU" dirty="0"/>
+                    </a:p>
+                  </a:txBody>
+                  <a:tcPr/>
+                </a:tc>
+                <a:tc>
+                  <a:txBody>
+                    <a:bodyPr/>
+                    <a:lstStyle/>
+                    <a:p>
+                      <a:pPr algn="ctr"/>
+                      <a:r>
+                        <a:rPr lang="ru-RU" dirty="0" smtClean="0"/>
+                        <a:t>-</a:t>
+                      </a:r>
+                      <a:endParaRPr lang="ru-RU" dirty="0"/>
+                    </a:p>
+                  </a:txBody>
+                  <a:tcPr/>
+                </a:tc>
+                <a:tc>
+                  <a:txBody>
+                    <a:bodyPr/>
+                    <a:lstStyle/>
+                    <a:p>
+                      <a:pPr algn="ctr"/>
+                      <a:r>
+                        <a:rPr lang="ru-RU" dirty="0" smtClean="0"/>
+                        <a:t>-</a:t>
+                      </a:r>
+                      <a:endParaRPr lang="ru-RU" dirty="0"/>
+                    </a:p>
+                  </a:txBody>
+                  <a:tcPr/>
+                </a:tc>
+                <a:tc>
+                  <a:txBody>
+                    <a:bodyPr/>
+                    <a:lstStyle/>
+                    <a:p>
+                      <a:pPr algn="ctr"/>
+                      <a:r>
+                        <a:rPr lang="ru-RU" dirty="0" smtClean="0"/>
+                        <a:t>+</a:t>
+                      </a:r>
+                      <a:endParaRPr lang="ru-RU" dirty="0"/>
+                    </a:p>
+                  </a:txBody>
+                  <a:tcPr/>
+                </a:tc>
+              </a:tr>
+              <a:tr h="370840">
+                <a:tc>
+                  <a:txBody>
+                    <a:bodyPr/>
+                    <a:lstStyle/>
+                    <a:p>
+                      <a:pPr algn="ctr"/>
+                      <a:r>
+                        <a:rPr lang="ru-RU" dirty="0" smtClean="0"/>
+                        <a:t>Ядерное сглаживание</a:t>
+                      </a:r>
+                      <a:endParaRPr lang="ru-RU" dirty="0"/>
+                    </a:p>
+                  </a:txBody>
+                  <a:tcPr/>
+                </a:tc>
+                <a:tc>
+                  <a:txBody>
+                    <a:bodyPr/>
+                    <a:lstStyle/>
+                    <a:p>
+                      <a:pPr algn="ctr"/>
+                      <a:r>
+                        <a:rPr lang="ru-RU" dirty="0" smtClean="0"/>
+                        <a:t>-</a:t>
+                      </a:r>
+                      <a:endParaRPr lang="ru-RU" dirty="0"/>
+                    </a:p>
+                  </a:txBody>
+                  <a:tcPr/>
+                </a:tc>
+                <a:tc>
+                  <a:txBody>
+                    <a:bodyPr/>
+                    <a:lstStyle/>
+                    <a:p>
+                      <a:pPr algn="ctr"/>
+                      <a:r>
+                        <a:rPr lang="ru-RU" dirty="0" smtClean="0"/>
+                        <a:t>-</a:t>
+                      </a:r>
+                      <a:endParaRPr lang="ru-RU" dirty="0"/>
+                    </a:p>
+                  </a:txBody>
+                  <a:tcPr/>
+                </a:tc>
+                <a:tc>
+                  <a:txBody>
+                    <a:bodyPr/>
+                    <a:lstStyle/>
+                    <a:p>
+                      <a:pPr algn="ctr"/>
+                      <a:r>
+                        <a:rPr lang="ru-RU" dirty="0" smtClean="0"/>
+                        <a:t>+</a:t>
+                      </a:r>
+                      <a:endParaRPr lang="ru-RU" dirty="0"/>
+                    </a:p>
+                  </a:txBody>
+                  <a:tcPr/>
+                </a:tc>
+              </a:tr>
+            </a:tbl>
+          </a:graphicData>
+        </a:graphic>
+      </p:graphicFrame>
+      <p:sp>
+        <p:nvSpPr>
+          <p:cNvPr id="4" name="Номер слайда 3"/>
+          <p:cNvSpPr>
+            <a:spLocks noGrp="1"/>
+          </p:cNvSpPr>
+          <p:nvPr>
+            <p:ph type="sldNum" sz="quarter" idx="12"/>
+          </p:nvPr>
+        </p:nvSpPr>
+        <p:spPr/>
+        <p:txBody>
+          <a:bodyPr/>
+          <a:lstStyle/>
+          <a:p>
+            <a:fld id="{3BCC8605-603C-4CBC-9D12-BEB80FA30360}" type="slidenum">
+              <a:rPr lang="ru-RU" smtClean="0"/>
+              <a:t>8</a:t>
+            </a:fld>
+            <a:endParaRPr lang="ru-RU"/>
+          </a:p>
+        </p:txBody>
+      </p:sp>
+      <p:sp>
+        <p:nvSpPr>
+          <p:cNvPr id="6" name="TextBox 5"/>
+          <p:cNvSpPr txBox="1"/>
+          <p:nvPr/>
+        </p:nvSpPr>
+        <p:spPr>
+          <a:xfrm>
+            <a:off x="838200" y="4269091"/>
+            <a:ext cx="10515600" cy="1015663"/>
+          </a:xfrm>
+          <a:prstGeom prst="rect">
+            <a:avLst/>
+          </a:prstGeom>
+          <a:noFill/>
+        </p:spPr>
+        <p:txBody>
+          <a:bodyPr wrap="square" rtlCol="0">
+            <a:spAutoFit/>
+          </a:bodyPr>
+          <a:lstStyle/>
+          <a:p>
+            <a:r>
+              <a:rPr lang="ru-RU" sz="2000" dirty="0" smtClean="0"/>
+              <a:t>По результатам анализа алгоритмов сглаживания решено использовать фильтр </a:t>
+            </a:r>
+            <a:r>
+              <a:rPr lang="ru-RU" sz="2000" dirty="0" err="1" smtClean="0"/>
+              <a:t>Калмана</a:t>
+            </a:r>
+            <a:r>
+              <a:rPr lang="ru-RU" sz="2000" dirty="0" smtClean="0"/>
+              <a:t>, как позволяющий учитывать дополнительную информацию об объекте по сравнени</a:t>
+            </a:r>
+            <a:r>
+              <a:rPr lang="ru-RU" sz="2000" dirty="0" smtClean="0"/>
+              <a:t>ю с другими алгоритмами.</a:t>
+            </a:r>
+            <a:endParaRPr lang="ru-RU" sz="2400" dirty="0"/>
+          </a:p>
+        </p:txBody>
+      </p:sp>
+    </p:spTree>
+    <p:extLst>
+      <p:ext uri="{BB962C8B-B14F-4D97-AF65-F5344CB8AC3E}">
+        <p14:creationId xmlns:p14="http://schemas.microsoft.com/office/powerpoint/2010/main" val="80071296"/>
+      </p:ext>
+    </p:extLst>
+  </p:cSld>
+  <p:clrMapOvr>
+    <a:masterClrMapping/>
+  </p:clrMapOvr>
+  <p:timing>
+    <p:tnLst>
+      <p:par>
+        <p:cTn id="1" dur="indefinite" restart="never" nodeType="tmRoot"/>
+      </p:par>
+    </p:tnLst>
+  </p:timing>
+</p:sld>
+</file>
+
+<file path=ppt/slides/slide9.xml><?xml version="1.0" encoding="utf-8"?>
+<p:sld xmlns:a="http://schemas.openxmlformats.org/drawingml/2006/main" xmlns:r="http://schemas.openxmlformats.org/officeDocument/2006/relationships" xmlns:p="http://schemas.openxmlformats.org/presentationml/2006/main">
+  <p:cSld>
+    <p:spTree>
+      <p:nvGrpSpPr>
+        <p:cNvPr id="1" name=""/>
+        <p:cNvGrpSpPr/>
+        <p:nvPr/>
+      </p:nvGrpSpPr>
+      <p:grpSpPr>
+        <a:xfrm>
+          <a:off x="0" y="0"/>
+          <a:ext cx="0" cy="0"/>
+          <a:chOff x="0" y="0"/>
+          <a:chExt cx="0" cy="0"/>
+        </a:xfrm>
+      </p:grpSpPr>
+      <p:sp>
+        <p:nvSpPr>
+          <p:cNvPr id="2" name="Заголовок 1"/>
+          <p:cNvSpPr>
+            <a:spLocks noGrp="1"/>
+          </p:cNvSpPr>
+          <p:nvPr>
+            <p:ph type="title"/>
+          </p:nvPr>
+        </p:nvSpPr>
         <p:spPr>
           <a:xfrm>
             <a:off x="739775" y="45675"/>
@@ -6364,7 +7366,7 @@
         </p:nvSpPr>
         <p:spPr>
           <a:xfrm>
-            <a:off x="738186" y="2092199"/>
+            <a:off x="738186" y="1143639"/>
             <a:ext cx="5157787" cy="455198"/>
           </a:xfrm>
         </p:spPr>
@@ -6394,13 +7396,13 @@
             </p:nvSpPr>
             <p:spPr>
               <a:xfrm>
-                <a:off x="738187" y="2547398"/>
-                <a:ext cx="5157786" cy="4105952"/>
+                <a:off x="738187" y="1763486"/>
+                <a:ext cx="5157786" cy="4889864"/>
               </a:xfrm>
             </p:spPr>
             <p:txBody>
               <a:bodyPr>
-                <a:normAutofit lnSpcReduction="10000"/>
+                <a:normAutofit/>
               </a:bodyPr>
               <a:lstStyle/>
               <a:p>
@@ -7797,13 +8799,13 @@
             </p:nvSpPr>
             <p:spPr>
               <a:xfrm>
-                <a:off x="738187" y="2547398"/>
-                <a:ext cx="5157786" cy="4105952"/>
+                <a:off x="738187" y="1763486"/>
+                <a:ext cx="5157786" cy="4889864"/>
               </a:xfrm>
               <a:blipFill rotWithShape="0">
                 <a:blip r:embed="rId2"/>
                 <a:stretch>
-                  <a:fillRect l="-2128" t="-3715" b="-1486"/>
+                  <a:fillRect l="-2128" t="-2120"/>
                 </a:stretch>
               </a:blipFill>
             </p:spPr>
@@ -7834,7 +8836,7 @@
         </p:nvSpPr>
         <p:spPr>
           <a:xfrm>
-            <a:off x="6170611" y="2092199"/>
+            <a:off x="6170611" y="1143639"/>
             <a:ext cx="5183188" cy="455198"/>
           </a:xfrm>
         </p:spPr>
@@ -7864,8 +8866,8 @@
             </p:nvSpPr>
             <p:spPr>
               <a:xfrm>
-                <a:off x="6170611" y="2648548"/>
-                <a:ext cx="5183188" cy="4004801"/>
+                <a:off x="6170611" y="1866122"/>
+                <a:ext cx="5183188" cy="4787227"/>
               </a:xfrm>
             </p:spPr>
             <p:txBody>
@@ -8180,7 +9182,9 @@
                     <m:sSub>
                       <m:sSubPr>
                         <m:ctrlPr>
-                          <a:rPr lang="ru-RU" i="1"/>
+                          <a:rPr lang="ru-RU" i="1">
+                            <a:latin typeface="Cambria Math" panose="02040503050406030204" pitchFamily="18" charset="0"/>
+                          </a:rPr>
                         </m:ctrlPr>
                       </m:sSubPr>
                       <m:e>
@@ -8188,12 +9192,16 @@
                           <m:accPr>
                             <m:chr m:val="̂"/>
                             <m:ctrlPr>
-                              <a:rPr lang="ru-RU" i="1"/>
+                              <a:rPr lang="ru-RU" i="1">
+                                <a:latin typeface="Cambria Math" panose="02040503050406030204" pitchFamily="18" charset="0"/>
+                              </a:rPr>
                             </m:ctrlPr>
                           </m:accPr>
                           <m:e>
                             <m:r>
-                              <a:rPr lang="ru-RU" i="1"/>
+                              <a:rPr lang="ru-RU" i="1">
+                                <a:latin typeface="Cambria Math" panose="02040503050406030204" pitchFamily="18" charset="0"/>
+                              </a:rPr>
                               <m:t>𝑠</m:t>
                             </m:r>
                           </m:e>
@@ -8201,7 +9209,9 @@
                       </m:e>
                       <m:sub>
                         <m:r>
-                          <a:rPr lang="ru-RU" i="1"/>
+                          <a:rPr lang="ru-RU" i="1">
+                            <a:latin typeface="Cambria Math" panose="02040503050406030204" pitchFamily="18" charset="0"/>
+                          </a:rPr>
                           <m:t>𝑘</m:t>
                         </m:r>
                       </m:sub>
@@ -8224,7 +9234,9 @@
                     <m:sSub>
                       <m:sSubPr>
                         <m:ctrlPr>
-                          <a:rPr lang="ru-RU" i="1"/>
+                          <a:rPr lang="ru-RU" i="1">
+                            <a:latin typeface="Cambria Math" panose="02040503050406030204" pitchFamily="18" charset="0"/>
+                          </a:rPr>
                         </m:ctrlPr>
                       </m:sSubPr>
                       <m:e>
@@ -8232,12 +9244,16 @@
                           <m:accPr>
                             <m:chr m:val="̂"/>
                             <m:ctrlPr>
-                              <a:rPr lang="ru-RU" i="1"/>
+                              <a:rPr lang="ru-RU" i="1">
+                                <a:latin typeface="Cambria Math" panose="02040503050406030204" pitchFamily="18" charset="0"/>
+                              </a:rPr>
                             </m:ctrlPr>
                           </m:accPr>
                           <m:e>
                             <m:r>
-                              <a:rPr lang="ru-RU" i="1"/>
+                              <a:rPr lang="ru-RU" i="1">
+                                <a:latin typeface="Cambria Math" panose="02040503050406030204" pitchFamily="18" charset="0"/>
+                              </a:rPr>
                               <m:t>𝑠</m:t>
                             </m:r>
                           </m:e>
@@ -8248,12 +9264,16 @@
                           <m:accPr>
                             <m:chr m:val="̃"/>
                             <m:ctrlPr>
-                              <a:rPr lang="ru-RU" i="1"/>
+                              <a:rPr lang="ru-RU" i="1">
+                                <a:latin typeface="Cambria Math" panose="02040503050406030204" pitchFamily="18" charset="0"/>
+                              </a:rPr>
                             </m:ctrlPr>
                           </m:accPr>
                           <m:e>
                             <m:r>
-                              <a:rPr lang="ru-RU" i="1"/>
+                              <a:rPr lang="ru-RU" i="1">
+                                <a:latin typeface="Cambria Math" panose="02040503050406030204" pitchFamily="18" charset="0"/>
+                              </a:rPr>
                               <m:t>𝑘</m:t>
                             </m:r>
                           </m:e>
@@ -8281,18 +9301,24 @@
                     <m:sSub>
                       <m:sSubPr>
                         <m:ctrlPr>
-                          <a:rPr lang="ru-RU" i="1"/>
+                          <a:rPr lang="ru-RU" i="1">
+                            <a:latin typeface="Cambria Math" panose="02040503050406030204" pitchFamily="18" charset="0"/>
+                          </a:rPr>
                         </m:ctrlPr>
                       </m:sSubPr>
                       <m:e>
                         <m:r>
-                          <a:rPr lang="ru-RU" i="1"/>
+                          <a:rPr lang="ru-RU" i="1">
+                            <a:latin typeface="Cambria Math" panose="02040503050406030204" pitchFamily="18" charset="0"/>
+                          </a:rPr>
                           <m:t>𝑃</m:t>
                         </m:r>
                       </m:e>
                       <m:sub>
                         <m:r>
-                          <a:rPr lang="ru-RU" i="1"/>
+                          <a:rPr lang="ru-RU" i="1">
+                            <a:latin typeface="Cambria Math" panose="02040503050406030204" pitchFamily="18" charset="0"/>
+                          </a:rPr>
                           <m:t>𝑘</m:t>
                         </m:r>
                       </m:sub>
@@ -8315,12 +9341,16 @@
                     <m:sSub>
                       <m:sSubPr>
                         <m:ctrlPr>
-                          <a:rPr lang="ru-RU" i="1"/>
+                          <a:rPr lang="ru-RU" i="1">
+                            <a:latin typeface="Cambria Math" panose="02040503050406030204" pitchFamily="18" charset="0"/>
+                          </a:rPr>
                         </m:ctrlPr>
                       </m:sSubPr>
                       <m:e>
                         <m:r>
-                          <a:rPr lang="ru-RU" i="1"/>
+                          <a:rPr lang="ru-RU" i="1">
+                            <a:latin typeface="Cambria Math" panose="02040503050406030204" pitchFamily="18" charset="0"/>
+                          </a:rPr>
                           <m:t>𝑃</m:t>
                         </m:r>
                       </m:e>
@@ -8329,12 +9359,16 @@
                           <m:accPr>
                             <m:chr m:val="̃"/>
                             <m:ctrlPr>
-                              <a:rPr lang="ru-RU" i="1"/>
+                              <a:rPr lang="ru-RU" i="1">
+                                <a:latin typeface="Cambria Math" panose="02040503050406030204" pitchFamily="18" charset="0"/>
+                              </a:rPr>
                             </m:ctrlPr>
                           </m:accPr>
                           <m:e>
                             <m:r>
-                              <a:rPr lang="ru-RU" i="1"/>
+                              <a:rPr lang="ru-RU" i="1">
+                                <a:latin typeface="Cambria Math" panose="02040503050406030204" pitchFamily="18" charset="0"/>
+                              </a:rPr>
                               <m:t>𝑘</m:t>
                             </m:r>
                           </m:e>
@@ -8369,13 +9403,13 @@
             </p:nvSpPr>
             <p:spPr>
               <a:xfrm>
-                <a:off x="6170611" y="2648548"/>
-                <a:ext cx="5183188" cy="4004801"/>
+                <a:off x="6170611" y="1866122"/>
+                <a:ext cx="5183188" cy="4787227"/>
               </a:xfrm>
               <a:blipFill rotWithShape="0">
                 <a:blip r:embed="rId3"/>
                 <a:stretch>
-                  <a:fillRect l="-353" t="-1826" r="-1294"/>
+                  <a:fillRect l="-353" t="-1529"/>
                 </a:stretch>
               </a:blipFill>
             </p:spPr>
@@ -8416,47 +9450,9 @@
           <a:p>
             <a:fld id="{3BCC8605-603C-4CBC-9D12-BEB80FA30360}" type="slidenum">
               <a:rPr lang="ru-RU" smtClean="0"/>
-              <a:t>8</a:t>
+              <a:t>9</a:t>
             </a:fld>
             <a:endParaRPr lang="ru-RU"/>
-          </a:p>
-        </p:txBody>
-      </p:sp>
-      <p:sp>
-        <p:nvSpPr>
-          <p:cNvPr id="11" name="TextBox 10"/>
-          <p:cNvSpPr txBox="1"/>
-          <p:nvPr/>
-        </p:nvSpPr>
-        <p:spPr>
-          <a:xfrm>
-            <a:off x="738187" y="975385"/>
-            <a:ext cx="10515600" cy="1015663"/>
-          </a:xfrm>
-          <a:prstGeom prst="rect">
-            <a:avLst/>
-          </a:prstGeom>
-          <a:noFill/>
-        </p:spPr>
-        <p:txBody>
-          <a:bodyPr wrap="square" rtlCol="0">
-            <a:spAutoFit/>
-          </a:bodyPr>
-          <a:lstStyle/>
-          <a:p>
-            <a:r>
-              <a:rPr lang="ru-RU" sz="2000" dirty="0" smtClean="0"/>
-              <a:t>Предлагается использование фильтра </a:t>
-            </a:r>
-            <a:r>
-              <a:rPr lang="ru-RU" sz="2000" dirty="0" err="1" smtClean="0"/>
-              <a:t>Калмана</a:t>
-            </a:r>
-            <a:r>
-              <a:rPr lang="ru-RU" sz="2000" dirty="0" smtClean="0"/>
-              <a:t>, так как он позволяет учитывать дополнительные данные о процессе и разделять погрешности датчика и погрешности процесса, в отличие от альтернативных вариантов (экспоненциальный и медианный фильтры)</a:t>
-            </a:r>
-            <a:endParaRPr lang="ru-RU" sz="2400" dirty="0"/>
           </a:p>
         </p:txBody>
       </p:sp>
@@ -8470,116 +9466,13 @@
   <p:clrMapOvr>
     <a:masterClrMapping/>
   </p:clrMapOvr>
-</p:sld>
-</file>
-
-<file path=ppt/slides/slide9.xml><?xml version="1.0" encoding="utf-8"?>
-<p:sld xmlns:a="http://schemas.openxmlformats.org/drawingml/2006/main" xmlns:r="http://schemas.openxmlformats.org/officeDocument/2006/relationships" xmlns:p="http://schemas.openxmlformats.org/presentationml/2006/main">
-  <p:cSld>
-    <p:spTree>
-      <p:nvGrpSpPr>
-        <p:cNvPr id="1" name=""/>
-        <p:cNvGrpSpPr/>
-        <p:nvPr/>
-      </p:nvGrpSpPr>
-      <p:grpSpPr>
-        <a:xfrm>
-          <a:off x="0" y="0"/>
-          <a:ext cx="0" cy="0"/>
-          <a:chOff x="0" y="0"/>
-          <a:chExt cx="0" cy="0"/>
-        </a:xfrm>
-      </p:grpSpPr>
-      <p:sp>
-        <p:nvSpPr>
-          <p:cNvPr id="2" name="Заголовок 1"/>
-          <p:cNvSpPr>
-            <a:spLocks noGrp="1"/>
-          </p:cNvSpPr>
-          <p:nvPr>
-            <p:ph type="title"/>
-          </p:nvPr>
-        </p:nvSpPr>
-        <p:spPr>
-          <a:xfrm>
-            <a:off x="838200" y="113198"/>
-            <a:ext cx="10515600" cy="1325563"/>
-          </a:xfrm>
-        </p:spPr>
-        <p:txBody>
-          <a:bodyPr/>
-          <a:lstStyle/>
-          <a:p>
-            <a:r>
-              <a:rPr lang="ru-RU" dirty="0" smtClean="0"/>
-              <a:t>Функциональная модель процесса обработки маршрута</a:t>
-            </a:r>
-            <a:endParaRPr lang="ru-RU" dirty="0"/>
-          </a:p>
-        </p:txBody>
-      </p:sp>
-      <p:pic>
-        <p:nvPicPr>
-          <p:cNvPr id="5" name="Объект 4"/>
-          <p:cNvPicPr>
-            <a:picLocks noGrp="1" noChangeAspect="1"/>
-          </p:cNvPicPr>
-          <p:nvPr>
-            <p:ph idx="1"/>
-          </p:nvPr>
-        </p:nvPicPr>
-        <p:blipFill>
-          <a:blip r:embed="rId2">
-            <a:extLst>
-              <a:ext uri="{28A0092B-C50C-407E-A947-70E740481C1C}">
-                <a14:useLocalDpi xmlns:a14="http://schemas.microsoft.com/office/drawing/2010/main" val="0"/>
-              </a:ext>
-            </a:extLst>
-          </a:blip>
-          <a:stretch>
-            <a:fillRect/>
-          </a:stretch>
-        </p:blipFill>
-        <p:spPr>
-          <a:xfrm>
-            <a:off x="1166327" y="1305897"/>
-            <a:ext cx="9691394" cy="5415578"/>
-          </a:xfrm>
-        </p:spPr>
-      </p:pic>
-      <p:sp>
-        <p:nvSpPr>
-          <p:cNvPr id="3" name="Номер слайда 2"/>
-          <p:cNvSpPr>
-            <a:spLocks noGrp="1"/>
-          </p:cNvSpPr>
-          <p:nvPr>
-            <p:ph type="sldNum" sz="quarter" idx="12"/>
-          </p:nvPr>
-        </p:nvSpPr>
-        <p:spPr/>
-        <p:txBody>
-          <a:bodyPr/>
-          <a:lstStyle/>
-          <a:p>
-            <a:fld id="{3BCC8605-603C-4CBC-9D12-BEB80FA30360}" type="slidenum">
-              <a:rPr lang="ru-RU" smtClean="0"/>
-              <a:t>9</a:t>
-            </a:fld>
-            <a:endParaRPr lang="ru-RU"/>
-          </a:p>
-        </p:txBody>
-      </p:sp>
-    </p:spTree>
-    <p:extLst>
-      <p:ext uri="{BB962C8B-B14F-4D97-AF65-F5344CB8AC3E}">
-        <p14:creationId xmlns:p14="http://schemas.microsoft.com/office/powerpoint/2010/main" val="2936390320"/>
-      </p:ext>
-    </p:extLst>
-  </p:cSld>
-  <p:clrMapOvr>
-    <a:masterClrMapping/>
-  </p:clrMapOvr>
+  <p:timing>
+    <p:tnLst>
+      <p:par>
+        <p:cTn id="1" dur="indefinite" restart="never" nodeType="tmRoot"/>
+      </p:par>
+    </p:tnLst>
+  </p:timing>
 </p:sld>
 </file>
 

--- a/docs/thesis/thesis.pptx
+++ b/docs/thesis/thesis.pptx
@@ -5,27 +5,26 @@
     <p:sldMasterId id="2147483648" r:id="rId1"/>
   </p:sldMasterIdLst>
   <p:notesMasterIdLst>
-    <p:notesMasterId r:id="rId20"/>
+    <p:notesMasterId r:id="rId19"/>
   </p:notesMasterIdLst>
   <p:sldIdLst>
     <p:sldId id="256" r:id="rId2"/>
     <p:sldId id="257" r:id="rId3"/>
     <p:sldId id="258" r:id="rId4"/>
-    <p:sldId id="259" r:id="rId5"/>
-    <p:sldId id="266" r:id="rId6"/>
-    <p:sldId id="267" r:id="rId7"/>
-    <p:sldId id="268" r:id="rId8"/>
-    <p:sldId id="274" r:id="rId9"/>
-    <p:sldId id="269" r:id="rId10"/>
-    <p:sldId id="261" r:id="rId11"/>
-    <p:sldId id="260" r:id="rId12"/>
-    <p:sldId id="262" r:id="rId13"/>
-    <p:sldId id="271" r:id="rId14"/>
-    <p:sldId id="272" r:id="rId15"/>
-    <p:sldId id="273" r:id="rId16"/>
-    <p:sldId id="270" r:id="rId17"/>
-    <p:sldId id="263" r:id="rId18"/>
-    <p:sldId id="275" r:id="rId19"/>
+    <p:sldId id="266" r:id="rId5"/>
+    <p:sldId id="267" r:id="rId6"/>
+    <p:sldId id="268" r:id="rId7"/>
+    <p:sldId id="274" r:id="rId8"/>
+    <p:sldId id="269" r:id="rId9"/>
+    <p:sldId id="261" r:id="rId10"/>
+    <p:sldId id="260" r:id="rId11"/>
+    <p:sldId id="262" r:id="rId12"/>
+    <p:sldId id="271" r:id="rId13"/>
+    <p:sldId id="272" r:id="rId14"/>
+    <p:sldId id="273" r:id="rId15"/>
+    <p:sldId id="270" r:id="rId16"/>
+    <p:sldId id="263" r:id="rId17"/>
+    <p:sldId id="275" r:id="rId18"/>
   </p:sldIdLst>
   <p:sldSz cx="12192000" cy="6858000"/>
   <p:notesSz cx="6797675" cy="9928225"/>
@@ -132,6 +131,1173 @@
 </p:presentation>
 </file>
 
+<file path=ppt/charts/chart1.xml><?xml version="1.0" encoding="utf-8"?>
+<c:chartSpace xmlns:c="http://schemas.openxmlformats.org/drawingml/2006/chart" xmlns:a="http://schemas.openxmlformats.org/drawingml/2006/main" xmlns:r="http://schemas.openxmlformats.org/officeDocument/2006/relationships">
+  <c:date1904 val="0"/>
+  <c:lang val="ru-RU"/>
+  <c:roundedCorners val="0"/>
+  <mc:AlternateContent xmlns:mc="http://schemas.openxmlformats.org/markup-compatibility/2006">
+    <mc:Choice xmlns:c14="http://schemas.microsoft.com/office/drawing/2007/8/2/chart" Requires="c14">
+      <c14:style val="102"/>
+    </mc:Choice>
+    <mc:Fallback>
+      <c:style val="2"/>
+    </mc:Fallback>
+  </mc:AlternateContent>
+  <c:chart>
+    <c:title>
+      <c:tx>
+        <c:rich>
+          <a:bodyPr rot="0" spcFirstLastPara="1" vertOverflow="ellipsis" vert="horz" wrap="square" anchor="ctr" anchorCtr="1"/>
+          <a:lstStyle/>
+          <a:p>
+            <a:pPr>
+              <a:defRPr sz="2000" b="0" i="0" u="none" strike="noStrike" kern="1200" spc="0" baseline="0">
+                <a:solidFill>
+                  <a:schemeClr val="tx1">
+                    <a:lumMod val="65000"/>
+                    <a:lumOff val="35000"/>
+                  </a:schemeClr>
+                </a:solidFill>
+                <a:latin typeface="+mn-lt"/>
+                <a:ea typeface="+mn-ea"/>
+                <a:cs typeface="+mn-cs"/>
+              </a:defRPr>
+            </a:pPr>
+            <a:r>
+              <a:rPr lang="ru-RU" sz="2000" dirty="0" smtClean="0"/>
+              <a:t>Отклонения</a:t>
+            </a:r>
+            <a:r>
+              <a:rPr lang="ru-RU" sz="2000" baseline="0" dirty="0" smtClean="0"/>
+              <a:t> маршрута от эталонного</a:t>
+            </a:r>
+            <a:endParaRPr lang="ru-RU" sz="2000" dirty="0"/>
+          </a:p>
+        </c:rich>
+      </c:tx>
+      <c:layout/>
+      <c:overlay val="0"/>
+      <c:spPr>
+        <a:noFill/>
+        <a:ln>
+          <a:noFill/>
+        </a:ln>
+        <a:effectLst/>
+      </c:spPr>
+      <c:txPr>
+        <a:bodyPr rot="0" spcFirstLastPara="1" vertOverflow="ellipsis" vert="horz" wrap="square" anchor="ctr" anchorCtr="1"/>
+        <a:lstStyle/>
+        <a:p>
+          <a:pPr>
+            <a:defRPr sz="2000" b="0" i="0" u="none" strike="noStrike" kern="1200" spc="0" baseline="0">
+              <a:solidFill>
+                <a:schemeClr val="tx1">
+                  <a:lumMod val="65000"/>
+                  <a:lumOff val="35000"/>
+                </a:schemeClr>
+              </a:solidFill>
+              <a:latin typeface="+mn-lt"/>
+              <a:ea typeface="+mn-ea"/>
+              <a:cs typeface="+mn-cs"/>
+            </a:defRPr>
+          </a:pPr>
+          <a:endParaRPr lang="ru-RU"/>
+        </a:p>
+      </c:txPr>
+    </c:title>
+    <c:autoTitleDeleted val="0"/>
+    <c:plotArea>
+      <c:layout/>
+      <c:barChart>
+        <c:barDir val="col"/>
+        <c:grouping val="clustered"/>
+        <c:varyColors val="0"/>
+        <c:ser>
+          <c:idx val="0"/>
+          <c:order val="0"/>
+          <c:tx>
+            <c:strRef>
+              <c:f>Лист1!$B$1</c:f>
+              <c:strCache>
+                <c:ptCount val="1"/>
+                <c:pt idx="0">
+                  <c:v>Исходные данные</c:v>
+                </c:pt>
+              </c:strCache>
+            </c:strRef>
+          </c:tx>
+          <c:spPr>
+            <a:solidFill>
+              <a:schemeClr val="accent1"/>
+            </a:solidFill>
+            <a:ln>
+              <a:noFill/>
+            </a:ln>
+            <a:effectLst/>
+          </c:spPr>
+          <c:invertIfNegative val="0"/>
+          <c:errBars>
+            <c:errBarType val="both"/>
+            <c:errValType val="cust"/>
+            <c:noEndCap val="0"/>
+            <c:plus>
+              <c:numRef>
+                <c:f>Лист1!$E$2:$E$5</c:f>
+                <c:numCache>
+                  <c:formatCode>General</c:formatCode>
+                  <c:ptCount val="4"/>
+                  <c:pt idx="0">
+                    <c:v>15.946485051646247</c:v>
+                  </c:pt>
+                  <c:pt idx="1">
+                    <c:v>177.13618313464923</c:v>
+                  </c:pt>
+                  <c:pt idx="2">
+                    <c:v>115.247662019928</c:v>
+                  </c:pt>
+                  <c:pt idx="3">
+                    <c:v>115.61579630903006</c:v>
+                  </c:pt>
+                </c:numCache>
+              </c:numRef>
+            </c:plus>
+            <c:minus>
+              <c:numRef>
+                <c:f>Лист1!$B$2:$B$5</c:f>
+                <c:numCache>
+                  <c:formatCode>General</c:formatCode>
+                  <c:ptCount val="4"/>
+                  <c:pt idx="0">
+                    <c:v>17.651857065316378</c:v>
+                  </c:pt>
+                  <c:pt idx="1">
+                    <c:v>19.467611343239234</c:v>
+                  </c:pt>
+                  <c:pt idx="2">
+                    <c:v>16.5086028335561</c:v>
+                  </c:pt>
+                  <c:pt idx="3">
+                    <c:v>17.911425261705325</c:v>
+                  </c:pt>
+                </c:numCache>
+              </c:numRef>
+            </c:minus>
+            <c:spPr>
+              <a:noFill/>
+              <a:ln w="38100" cap="flat" cmpd="sng" algn="ctr">
+                <a:solidFill>
+                  <a:schemeClr val="tx1">
+                    <a:lumMod val="65000"/>
+                    <a:lumOff val="35000"/>
+                  </a:schemeClr>
+                </a:solidFill>
+                <a:round/>
+              </a:ln>
+              <a:effectLst/>
+            </c:spPr>
+          </c:errBars>
+          <c:cat>
+            <c:strRef>
+              <c:f>Лист1!$A$2:$A$5</c:f>
+              <c:strCache>
+                <c:ptCount val="4"/>
+                <c:pt idx="0">
+                  <c:v>Маршрут 1</c:v>
+                </c:pt>
+                <c:pt idx="1">
+                  <c:v>Маршрут 2</c:v>
+                </c:pt>
+                <c:pt idx="2">
+                  <c:v>Маршрут 3</c:v>
+                </c:pt>
+                <c:pt idx="3">
+                  <c:v>Маршрут 4</c:v>
+                </c:pt>
+              </c:strCache>
+            </c:strRef>
+          </c:cat>
+          <c:val>
+            <c:numRef>
+              <c:f>Лист1!$B$2:$B$5</c:f>
+              <c:numCache>
+                <c:formatCode>General</c:formatCode>
+                <c:ptCount val="4"/>
+                <c:pt idx="0">
+                  <c:v>17.651857065316378</c:v>
+                </c:pt>
+                <c:pt idx="1">
+                  <c:v>19.467611343239234</c:v>
+                </c:pt>
+                <c:pt idx="2">
+                  <c:v>16.5086028335561</c:v>
+                </c:pt>
+                <c:pt idx="3">
+                  <c:v>17.911425261705325</c:v>
+                </c:pt>
+              </c:numCache>
+            </c:numRef>
+          </c:val>
+        </c:ser>
+        <c:ser>
+          <c:idx val="1"/>
+          <c:order val="1"/>
+          <c:tx>
+            <c:strRef>
+              <c:f>Лист1!$C$1</c:f>
+              <c:strCache>
+                <c:ptCount val="1"/>
+                <c:pt idx="0">
+                  <c:v>Результат</c:v>
+                </c:pt>
+              </c:strCache>
+            </c:strRef>
+          </c:tx>
+          <c:spPr>
+            <a:solidFill>
+              <a:schemeClr val="accent2"/>
+            </a:solidFill>
+            <a:ln>
+              <a:noFill/>
+            </a:ln>
+            <a:effectLst/>
+          </c:spPr>
+          <c:invertIfNegative val="0"/>
+          <c:errBars>
+            <c:errBarType val="both"/>
+            <c:errValType val="cust"/>
+            <c:noEndCap val="0"/>
+            <c:plus>
+              <c:numRef>
+                <c:f>Лист1!$F$2:$F$5</c:f>
+                <c:numCache>
+                  <c:formatCode>General</c:formatCode>
+                  <c:ptCount val="4"/>
+                  <c:pt idx="0">
+                    <c:v>9.8583279735694394</c:v>
+                  </c:pt>
+                  <c:pt idx="1">
+                    <c:v>81.699080683490919</c:v>
+                  </c:pt>
+                  <c:pt idx="2">
+                    <c:v>110.600868271309</c:v>
+                  </c:pt>
+                  <c:pt idx="3">
+                    <c:v>70.577303479192906</c:v>
+                  </c:pt>
+                </c:numCache>
+              </c:numRef>
+            </c:plus>
+            <c:minus>
+              <c:numRef>
+                <c:f>Лист1!$C$2:$C$5</c:f>
+                <c:numCache>
+                  <c:formatCode>General</c:formatCode>
+                  <c:ptCount val="4"/>
+                  <c:pt idx="0">
+                    <c:v>8.9232140569838769</c:v>
+                  </c:pt>
+                  <c:pt idx="1">
+                    <c:v>15.149994964241438</c:v>
+                  </c:pt>
+                  <c:pt idx="2">
+                    <c:v>14.572782434869501</c:v>
+                  </c:pt>
+                  <c:pt idx="3">
+                    <c:v>11.226222048189804</c:v>
+                  </c:pt>
+                </c:numCache>
+              </c:numRef>
+            </c:minus>
+            <c:spPr>
+              <a:noFill/>
+              <a:ln w="34925" cap="flat" cmpd="sng" algn="ctr">
+                <a:solidFill>
+                  <a:schemeClr val="tx1">
+                    <a:lumMod val="65000"/>
+                    <a:lumOff val="35000"/>
+                  </a:schemeClr>
+                </a:solidFill>
+                <a:round/>
+              </a:ln>
+              <a:effectLst/>
+            </c:spPr>
+          </c:errBars>
+          <c:cat>
+            <c:strRef>
+              <c:f>Лист1!$A$2:$A$5</c:f>
+              <c:strCache>
+                <c:ptCount val="4"/>
+                <c:pt idx="0">
+                  <c:v>Маршрут 1</c:v>
+                </c:pt>
+                <c:pt idx="1">
+                  <c:v>Маршрут 2</c:v>
+                </c:pt>
+                <c:pt idx="2">
+                  <c:v>Маршрут 3</c:v>
+                </c:pt>
+                <c:pt idx="3">
+                  <c:v>Маршрут 4</c:v>
+                </c:pt>
+              </c:strCache>
+            </c:strRef>
+          </c:cat>
+          <c:val>
+            <c:numRef>
+              <c:f>Лист1!$C$2:$C$5</c:f>
+              <c:numCache>
+                <c:formatCode>General</c:formatCode>
+                <c:ptCount val="4"/>
+                <c:pt idx="0">
+                  <c:v>8.9232140569838769</c:v>
+                </c:pt>
+                <c:pt idx="1">
+                  <c:v>15.149994964241438</c:v>
+                </c:pt>
+                <c:pt idx="2">
+                  <c:v>14.572782434869501</c:v>
+                </c:pt>
+                <c:pt idx="3">
+                  <c:v>11.226222048189804</c:v>
+                </c:pt>
+              </c:numCache>
+            </c:numRef>
+          </c:val>
+        </c:ser>
+        <c:dLbls>
+          <c:showLegendKey val="0"/>
+          <c:showVal val="0"/>
+          <c:showCatName val="0"/>
+          <c:showSerName val="0"/>
+          <c:showPercent val="0"/>
+          <c:showBubbleSize val="0"/>
+        </c:dLbls>
+        <c:gapWidth val="219"/>
+        <c:overlap val="-27"/>
+        <c:axId val="389349920"/>
+        <c:axId val="389350704"/>
+      </c:barChart>
+      <c:catAx>
+        <c:axId val="389349920"/>
+        <c:scaling>
+          <c:orientation val="minMax"/>
+        </c:scaling>
+        <c:delete val="0"/>
+        <c:axPos val="b"/>
+        <c:numFmt formatCode="General" sourceLinked="1"/>
+        <c:majorTickMark val="none"/>
+        <c:minorTickMark val="none"/>
+        <c:tickLblPos val="nextTo"/>
+        <c:spPr>
+          <a:noFill/>
+          <a:ln w="9525" cap="flat" cmpd="sng" algn="ctr">
+            <a:solidFill>
+              <a:schemeClr val="tx1">
+                <a:lumMod val="15000"/>
+                <a:lumOff val="85000"/>
+              </a:schemeClr>
+            </a:solidFill>
+            <a:round/>
+          </a:ln>
+          <a:effectLst/>
+        </c:spPr>
+        <c:txPr>
+          <a:bodyPr rot="-60000000" spcFirstLastPara="1" vertOverflow="ellipsis" vert="horz" wrap="square" anchor="ctr" anchorCtr="1"/>
+          <a:lstStyle/>
+          <a:p>
+            <a:pPr>
+              <a:defRPr sz="1800" b="0" i="0" u="none" strike="noStrike" kern="1200" baseline="0">
+                <a:solidFill>
+                  <a:schemeClr val="tx1">
+                    <a:lumMod val="65000"/>
+                    <a:lumOff val="35000"/>
+                  </a:schemeClr>
+                </a:solidFill>
+                <a:latin typeface="+mn-lt"/>
+                <a:ea typeface="+mn-ea"/>
+                <a:cs typeface="+mn-cs"/>
+              </a:defRPr>
+            </a:pPr>
+            <a:endParaRPr lang="ru-RU"/>
+          </a:p>
+        </c:txPr>
+        <c:crossAx val="389350704"/>
+        <c:crosses val="autoZero"/>
+        <c:auto val="1"/>
+        <c:lblAlgn val="ctr"/>
+        <c:lblOffset val="100"/>
+        <c:noMultiLvlLbl val="0"/>
+      </c:catAx>
+      <c:valAx>
+        <c:axId val="389350704"/>
+        <c:scaling>
+          <c:orientation val="minMax"/>
+        </c:scaling>
+        <c:delete val="0"/>
+        <c:axPos val="l"/>
+        <c:majorGridlines>
+          <c:spPr>
+            <a:ln w="9525" cap="flat" cmpd="sng" algn="ctr">
+              <a:solidFill>
+                <a:schemeClr val="tx1">
+                  <a:lumMod val="15000"/>
+                  <a:lumOff val="85000"/>
+                </a:schemeClr>
+              </a:solidFill>
+              <a:round/>
+            </a:ln>
+            <a:effectLst/>
+          </c:spPr>
+        </c:majorGridlines>
+        <c:title>
+          <c:tx>
+            <c:rich>
+              <a:bodyPr rot="-5400000" spcFirstLastPara="1" vertOverflow="ellipsis" vert="horz" wrap="square" anchor="ctr" anchorCtr="1"/>
+              <a:lstStyle/>
+              <a:p>
+                <a:pPr>
+                  <a:defRPr sz="1600" b="0" i="0" u="none" strike="noStrike" kern="1200" baseline="0">
+                    <a:solidFill>
+                      <a:schemeClr val="tx1">
+                        <a:lumMod val="65000"/>
+                        <a:lumOff val="35000"/>
+                      </a:schemeClr>
+                    </a:solidFill>
+                    <a:latin typeface="+mn-lt"/>
+                    <a:ea typeface="+mn-ea"/>
+                    <a:cs typeface="+mn-cs"/>
+                  </a:defRPr>
+                </a:pPr>
+                <a:r>
+                  <a:rPr lang="ru-RU" sz="1600" dirty="0" smtClean="0"/>
+                  <a:t>Отклонение, м</a:t>
+                </a:r>
+                <a:endParaRPr lang="ru-RU" sz="1600" dirty="0"/>
+              </a:p>
+            </c:rich>
+          </c:tx>
+          <c:layout/>
+          <c:overlay val="0"/>
+          <c:spPr>
+            <a:noFill/>
+            <a:ln>
+              <a:noFill/>
+            </a:ln>
+            <a:effectLst/>
+          </c:spPr>
+          <c:txPr>
+            <a:bodyPr rot="-5400000" spcFirstLastPara="1" vertOverflow="ellipsis" vert="horz" wrap="square" anchor="ctr" anchorCtr="1"/>
+            <a:lstStyle/>
+            <a:p>
+              <a:pPr>
+                <a:defRPr sz="1600" b="0" i="0" u="none" strike="noStrike" kern="1200" baseline="0">
+                  <a:solidFill>
+                    <a:schemeClr val="tx1">
+                      <a:lumMod val="65000"/>
+                      <a:lumOff val="35000"/>
+                    </a:schemeClr>
+                  </a:solidFill>
+                  <a:latin typeface="+mn-lt"/>
+                  <a:ea typeface="+mn-ea"/>
+                  <a:cs typeface="+mn-cs"/>
+                </a:defRPr>
+              </a:pPr>
+              <a:endParaRPr lang="ru-RU"/>
+            </a:p>
+          </c:txPr>
+        </c:title>
+        <c:numFmt formatCode="General" sourceLinked="1"/>
+        <c:majorTickMark val="none"/>
+        <c:minorTickMark val="none"/>
+        <c:tickLblPos val="nextTo"/>
+        <c:spPr>
+          <a:noFill/>
+          <a:ln>
+            <a:noFill/>
+          </a:ln>
+          <a:effectLst/>
+        </c:spPr>
+        <c:txPr>
+          <a:bodyPr rot="-60000000" spcFirstLastPara="1" vertOverflow="ellipsis" vert="horz" wrap="square" anchor="ctr" anchorCtr="1"/>
+          <a:lstStyle/>
+          <a:p>
+            <a:pPr>
+              <a:defRPr sz="1197" b="0" i="0" u="none" strike="noStrike" kern="1200" baseline="0">
+                <a:solidFill>
+                  <a:schemeClr val="tx1">
+                    <a:lumMod val="65000"/>
+                    <a:lumOff val="35000"/>
+                  </a:schemeClr>
+                </a:solidFill>
+                <a:latin typeface="+mn-lt"/>
+                <a:ea typeface="+mn-ea"/>
+                <a:cs typeface="+mn-cs"/>
+              </a:defRPr>
+            </a:pPr>
+            <a:endParaRPr lang="ru-RU"/>
+          </a:p>
+        </c:txPr>
+        <c:crossAx val="389349920"/>
+        <c:crosses val="autoZero"/>
+        <c:crossBetween val="between"/>
+      </c:valAx>
+      <c:spPr>
+        <a:noFill/>
+        <a:ln>
+          <a:noFill/>
+        </a:ln>
+        <a:effectLst/>
+      </c:spPr>
+    </c:plotArea>
+    <c:legend>
+      <c:legendPos val="b"/>
+      <c:legendEntry>
+        <c:idx val="0"/>
+        <c:txPr>
+          <a:bodyPr rot="0" spcFirstLastPara="1" vertOverflow="ellipsis" vert="horz" wrap="square" anchor="ctr" anchorCtr="1"/>
+          <a:lstStyle/>
+          <a:p>
+            <a:pPr>
+              <a:defRPr sz="2000" b="0" i="0" u="none" strike="noStrike" kern="1200" baseline="0">
+                <a:solidFill>
+                  <a:schemeClr val="tx1">
+                    <a:lumMod val="65000"/>
+                    <a:lumOff val="35000"/>
+                  </a:schemeClr>
+                </a:solidFill>
+                <a:latin typeface="+mn-lt"/>
+                <a:ea typeface="+mn-ea"/>
+                <a:cs typeface="+mn-cs"/>
+              </a:defRPr>
+            </a:pPr>
+            <a:endParaRPr lang="ru-RU"/>
+          </a:p>
+        </c:txPr>
+      </c:legendEntry>
+      <c:legendEntry>
+        <c:idx val="1"/>
+        <c:txPr>
+          <a:bodyPr rot="0" spcFirstLastPara="1" vertOverflow="ellipsis" vert="horz" wrap="square" anchor="ctr" anchorCtr="1"/>
+          <a:lstStyle/>
+          <a:p>
+            <a:pPr>
+              <a:defRPr sz="2000" b="0" i="0" u="none" strike="noStrike" kern="1200" baseline="0">
+                <a:solidFill>
+                  <a:schemeClr val="tx1">
+                    <a:lumMod val="65000"/>
+                    <a:lumOff val="35000"/>
+                  </a:schemeClr>
+                </a:solidFill>
+                <a:latin typeface="+mn-lt"/>
+                <a:ea typeface="+mn-ea"/>
+                <a:cs typeface="+mn-cs"/>
+              </a:defRPr>
+            </a:pPr>
+            <a:endParaRPr lang="ru-RU"/>
+          </a:p>
+        </c:txPr>
+      </c:legendEntry>
+      <c:layout/>
+      <c:overlay val="0"/>
+      <c:spPr>
+        <a:noFill/>
+        <a:ln>
+          <a:noFill/>
+        </a:ln>
+        <a:effectLst/>
+      </c:spPr>
+      <c:txPr>
+        <a:bodyPr rot="0" spcFirstLastPara="1" vertOverflow="ellipsis" vert="horz" wrap="square" anchor="ctr" anchorCtr="1"/>
+        <a:lstStyle/>
+        <a:p>
+          <a:pPr>
+            <a:defRPr sz="1400" b="0" i="0" u="none" strike="noStrike" kern="1200" baseline="0">
+              <a:solidFill>
+                <a:schemeClr val="tx1">
+                  <a:lumMod val="65000"/>
+                  <a:lumOff val="35000"/>
+                </a:schemeClr>
+              </a:solidFill>
+              <a:latin typeface="+mn-lt"/>
+              <a:ea typeface="+mn-ea"/>
+              <a:cs typeface="+mn-cs"/>
+            </a:defRPr>
+          </a:pPr>
+          <a:endParaRPr lang="ru-RU"/>
+        </a:p>
+      </c:txPr>
+    </c:legend>
+    <c:plotVisOnly val="1"/>
+    <c:dispBlanksAs val="gap"/>
+    <c:showDLblsOverMax val="0"/>
+  </c:chart>
+  <c:spPr>
+    <a:noFill/>
+    <a:ln>
+      <a:noFill/>
+    </a:ln>
+    <a:effectLst/>
+  </c:spPr>
+  <c:txPr>
+    <a:bodyPr/>
+    <a:lstStyle/>
+    <a:p>
+      <a:pPr>
+        <a:defRPr/>
+      </a:pPr>
+      <a:endParaRPr lang="ru-RU"/>
+    </a:p>
+  </c:txPr>
+  <c:externalData r:id="rId3">
+    <c:autoUpdate val="0"/>
+  </c:externalData>
+</c:chartSpace>
+</file>
+
+<file path=ppt/charts/colors1.xml><?xml version="1.0" encoding="utf-8"?>
+<cs:colorStyle xmlns:cs="http://schemas.microsoft.com/office/drawing/2012/chartStyle" xmlns:a="http://schemas.openxmlformats.org/drawingml/2006/main" meth="cycle" id="10">
+  <a:schemeClr val="accent1"/>
+  <a:schemeClr val="accent2"/>
+  <a:schemeClr val="accent3"/>
+  <a:schemeClr val="accent4"/>
+  <a:schemeClr val="accent5"/>
+  <a:schemeClr val="accent6"/>
+  <cs:variation/>
+  <cs:variation>
+    <a:lumMod val="60000"/>
+  </cs:variation>
+  <cs:variation>
+    <a:lumMod val="80000"/>
+    <a:lumOff val="20000"/>
+  </cs:variation>
+  <cs:variation>
+    <a:lumMod val="80000"/>
+  </cs:variation>
+  <cs:variation>
+    <a:lumMod val="60000"/>
+    <a:lumOff val="40000"/>
+  </cs:variation>
+  <cs:variation>
+    <a:lumMod val="50000"/>
+  </cs:variation>
+  <cs:variation>
+    <a:lumMod val="70000"/>
+    <a:lumOff val="30000"/>
+  </cs:variation>
+  <cs:variation>
+    <a:lumMod val="70000"/>
+  </cs:variation>
+  <cs:variation>
+    <a:lumMod val="50000"/>
+    <a:lumOff val="50000"/>
+  </cs:variation>
+</cs:colorStyle>
+</file>
+
+<file path=ppt/charts/style1.xml><?xml version="1.0" encoding="utf-8"?>
+<cs:chartStyle xmlns:cs="http://schemas.microsoft.com/office/drawing/2012/chartStyle" xmlns:a="http://schemas.openxmlformats.org/drawingml/2006/main" id="201">
+  <cs:axisTitle>
+    <cs:lnRef idx="0"/>
+    <cs:fillRef idx="0"/>
+    <cs:effectRef idx="0"/>
+    <cs:fontRef idx="minor">
+      <a:schemeClr val="tx1">
+        <a:lumMod val="65000"/>
+        <a:lumOff val="35000"/>
+      </a:schemeClr>
+    </cs:fontRef>
+    <cs:defRPr sz="1330" kern="1200"/>
+  </cs:axisTitle>
+  <cs:categoryAxis>
+    <cs:lnRef idx="0"/>
+    <cs:fillRef idx="0"/>
+    <cs:effectRef idx="0"/>
+    <cs:fontRef idx="minor">
+      <a:schemeClr val="tx1">
+        <a:lumMod val="65000"/>
+        <a:lumOff val="35000"/>
+      </a:schemeClr>
+    </cs:fontRef>
+    <cs:spPr>
+      <a:ln w="9525" cap="flat" cmpd="sng" algn="ctr">
+        <a:solidFill>
+          <a:schemeClr val="tx1">
+            <a:lumMod val="15000"/>
+            <a:lumOff val="85000"/>
+          </a:schemeClr>
+        </a:solidFill>
+        <a:round/>
+      </a:ln>
+    </cs:spPr>
+    <cs:defRPr sz="1197" kern="1200"/>
+  </cs:categoryAxis>
+  <cs:chartArea mods="allowNoFillOverride allowNoLineOverride">
+    <cs:lnRef idx="0"/>
+    <cs:fillRef idx="0"/>
+    <cs:effectRef idx="0"/>
+    <cs:fontRef idx="minor">
+      <a:schemeClr val="tx1"/>
+    </cs:fontRef>
+    <cs:spPr>
+      <a:solidFill>
+        <a:schemeClr val="bg1"/>
+      </a:solidFill>
+      <a:ln w="9525" cap="flat" cmpd="sng" algn="ctr">
+        <a:solidFill>
+          <a:schemeClr val="tx1">
+            <a:lumMod val="15000"/>
+            <a:lumOff val="85000"/>
+          </a:schemeClr>
+        </a:solidFill>
+        <a:round/>
+      </a:ln>
+    </cs:spPr>
+    <cs:defRPr sz="1330" kern="1200"/>
+  </cs:chartArea>
+  <cs:dataLabel>
+    <cs:lnRef idx="0"/>
+    <cs:fillRef idx="0"/>
+    <cs:effectRef idx="0"/>
+    <cs:fontRef idx="minor">
+      <a:schemeClr val="tx1">
+        <a:lumMod val="75000"/>
+        <a:lumOff val="25000"/>
+      </a:schemeClr>
+    </cs:fontRef>
+    <cs:defRPr sz="1197" kern="1200"/>
+  </cs:dataLabel>
+  <cs:dataLabelCallout>
+    <cs:lnRef idx="0"/>
+    <cs:fillRef idx="0"/>
+    <cs:effectRef idx="0"/>
+    <cs:fontRef idx="minor">
+      <a:schemeClr val="dk1">
+        <a:lumMod val="65000"/>
+        <a:lumOff val="35000"/>
+      </a:schemeClr>
+    </cs:fontRef>
+    <cs:spPr>
+      <a:solidFill>
+        <a:schemeClr val="lt1"/>
+      </a:solidFill>
+      <a:ln>
+        <a:solidFill>
+          <a:schemeClr val="dk1">
+            <a:lumMod val="25000"/>
+            <a:lumOff val="75000"/>
+          </a:schemeClr>
+        </a:solidFill>
+      </a:ln>
+    </cs:spPr>
+    <cs:defRPr sz="1197" kern="1200"/>
+    <cs:bodyPr rot="0" spcFirstLastPara="1" vertOverflow="clip" horzOverflow="clip" vert="horz" wrap="square" lIns="36576" tIns="18288" rIns="36576" bIns="18288" anchor="ctr" anchorCtr="1">
+      <a:spAutoFit/>
+    </cs:bodyPr>
+  </cs:dataLabelCallout>
+  <cs:dataPoint>
+    <cs:lnRef idx="0"/>
+    <cs:fillRef idx="1">
+      <cs:styleClr val="auto"/>
+    </cs:fillRef>
+    <cs:effectRef idx="0"/>
+    <cs:fontRef idx="minor">
+      <a:schemeClr val="tx1"/>
+    </cs:fontRef>
+  </cs:dataPoint>
+  <cs:dataPoint3D>
+    <cs:lnRef idx="0"/>
+    <cs:fillRef idx="1">
+      <cs:styleClr val="auto"/>
+    </cs:fillRef>
+    <cs:effectRef idx="0"/>
+    <cs:fontRef idx="minor">
+      <a:schemeClr val="tx1"/>
+    </cs:fontRef>
+  </cs:dataPoint3D>
+  <cs:dataPointLine>
+    <cs:lnRef idx="0">
+      <cs:styleClr val="auto"/>
+    </cs:lnRef>
+    <cs:fillRef idx="1"/>
+    <cs:effectRef idx="0"/>
+    <cs:fontRef idx="minor">
+      <a:schemeClr val="tx1"/>
+    </cs:fontRef>
+    <cs:spPr>
+      <a:ln w="28575" cap="rnd">
+        <a:solidFill>
+          <a:schemeClr val="phClr"/>
+        </a:solidFill>
+        <a:round/>
+      </a:ln>
+    </cs:spPr>
+  </cs:dataPointLine>
+  <cs:dataPointMarker>
+    <cs:lnRef idx="0">
+      <cs:styleClr val="auto"/>
+    </cs:lnRef>
+    <cs:fillRef idx="1">
+      <cs:styleClr val="auto"/>
+    </cs:fillRef>
+    <cs:effectRef idx="0"/>
+    <cs:fontRef idx="minor">
+      <a:schemeClr val="tx1"/>
+    </cs:fontRef>
+    <cs:spPr>
+      <a:ln w="9525">
+        <a:solidFill>
+          <a:schemeClr val="phClr"/>
+        </a:solidFill>
+      </a:ln>
+    </cs:spPr>
+  </cs:dataPointMarker>
+  <cs:dataPointMarkerLayout symbol="circle" size="5"/>
+  <cs:dataPointWireframe>
+    <cs:lnRef idx="0">
+      <cs:styleClr val="auto"/>
+    </cs:lnRef>
+    <cs:fillRef idx="1"/>
+    <cs:effectRef idx="0"/>
+    <cs:fontRef idx="minor">
+      <a:schemeClr val="tx1"/>
+    </cs:fontRef>
+    <cs:spPr>
+      <a:ln w="9525" cap="rnd">
+        <a:solidFill>
+          <a:schemeClr val="phClr"/>
+        </a:solidFill>
+        <a:round/>
+      </a:ln>
+    </cs:spPr>
+  </cs:dataPointWireframe>
+  <cs:dataTable>
+    <cs:lnRef idx="0"/>
+    <cs:fillRef idx="0"/>
+    <cs:effectRef idx="0"/>
+    <cs:fontRef idx="minor">
+      <a:schemeClr val="tx1">
+        <a:lumMod val="65000"/>
+        <a:lumOff val="35000"/>
+      </a:schemeClr>
+    </cs:fontRef>
+    <cs:spPr>
+      <a:noFill/>
+      <a:ln w="9525" cap="flat" cmpd="sng" algn="ctr">
+        <a:solidFill>
+          <a:schemeClr val="tx1">
+            <a:lumMod val="15000"/>
+            <a:lumOff val="85000"/>
+          </a:schemeClr>
+        </a:solidFill>
+        <a:round/>
+      </a:ln>
+    </cs:spPr>
+    <cs:defRPr sz="1197" kern="1200"/>
+  </cs:dataTable>
+  <cs:downBar>
+    <cs:lnRef idx="0"/>
+    <cs:fillRef idx="0"/>
+    <cs:effectRef idx="0"/>
+    <cs:fontRef idx="minor">
+      <a:schemeClr val="dk1"/>
+    </cs:fontRef>
+    <cs:spPr>
+      <a:solidFill>
+        <a:schemeClr val="dk1">
+          <a:lumMod val="65000"/>
+          <a:lumOff val="35000"/>
+        </a:schemeClr>
+      </a:solidFill>
+      <a:ln w="9525">
+        <a:solidFill>
+          <a:schemeClr val="tx1">
+            <a:lumMod val="65000"/>
+            <a:lumOff val="35000"/>
+          </a:schemeClr>
+        </a:solidFill>
+      </a:ln>
+    </cs:spPr>
+  </cs:downBar>
+  <cs:dropLine>
+    <cs:lnRef idx="0"/>
+    <cs:fillRef idx="0"/>
+    <cs:effectRef idx="0"/>
+    <cs:fontRef idx="minor">
+      <a:schemeClr val="tx1"/>
+    </cs:fontRef>
+    <cs:spPr>
+      <a:ln w="9525" cap="flat" cmpd="sng" algn="ctr">
+        <a:solidFill>
+          <a:schemeClr val="tx1">
+            <a:lumMod val="35000"/>
+            <a:lumOff val="65000"/>
+          </a:schemeClr>
+        </a:solidFill>
+        <a:round/>
+      </a:ln>
+    </cs:spPr>
+  </cs:dropLine>
+  <cs:errorBar>
+    <cs:lnRef idx="0"/>
+    <cs:fillRef idx="0"/>
+    <cs:effectRef idx="0"/>
+    <cs:fontRef idx="minor">
+      <a:schemeClr val="tx1"/>
+    </cs:fontRef>
+    <cs:spPr>
+      <a:ln w="9525" cap="flat" cmpd="sng" algn="ctr">
+        <a:solidFill>
+          <a:schemeClr val="tx1">
+            <a:lumMod val="65000"/>
+            <a:lumOff val="35000"/>
+          </a:schemeClr>
+        </a:solidFill>
+        <a:round/>
+      </a:ln>
+    </cs:spPr>
+  </cs:errorBar>
+  <cs:floor>
+    <cs:lnRef idx="0"/>
+    <cs:fillRef idx="0"/>
+    <cs:effectRef idx="0"/>
+    <cs:fontRef idx="minor">
+      <a:schemeClr val="tx1"/>
+    </cs:fontRef>
+    <cs:spPr>
+      <a:noFill/>
+      <a:ln>
+        <a:noFill/>
+      </a:ln>
+    </cs:spPr>
+  </cs:floor>
+  <cs:gridlineMajor>
+    <cs:lnRef idx="0"/>
+    <cs:fillRef idx="0"/>
+    <cs:effectRef idx="0"/>
+    <cs:fontRef idx="minor">
+      <a:schemeClr val="tx1"/>
+    </cs:fontRef>
+    <cs:spPr>
+      <a:ln w="9525" cap="flat" cmpd="sng" algn="ctr">
+        <a:solidFill>
+          <a:schemeClr val="tx1">
+            <a:lumMod val="15000"/>
+            <a:lumOff val="85000"/>
+          </a:schemeClr>
+        </a:solidFill>
+        <a:round/>
+      </a:ln>
+    </cs:spPr>
+  </cs:gridlineMajor>
+  <cs:gridlineMinor>
+    <cs:lnRef idx="0"/>
+    <cs:fillRef idx="0"/>
+    <cs:effectRef idx="0"/>
+    <cs:fontRef idx="minor">
+      <a:schemeClr val="tx1"/>
+    </cs:fontRef>
+    <cs:spPr>
+      <a:ln w="9525" cap="flat" cmpd="sng" algn="ctr">
+        <a:solidFill>
+          <a:schemeClr val="tx1">
+            <a:lumMod val="5000"/>
+            <a:lumOff val="95000"/>
+          </a:schemeClr>
+        </a:solidFill>
+        <a:round/>
+      </a:ln>
+    </cs:spPr>
+  </cs:gridlineMinor>
+  <cs:hiLoLine>
+    <cs:lnRef idx="0"/>
+    <cs:fillRef idx="0"/>
+    <cs:effectRef idx="0"/>
+    <cs:fontRef idx="minor">
+      <a:schemeClr val="tx1"/>
+    </cs:fontRef>
+    <cs:spPr>
+      <a:ln w="9525" cap="flat" cmpd="sng" algn="ctr">
+        <a:solidFill>
+          <a:schemeClr val="tx1">
+            <a:lumMod val="75000"/>
+            <a:lumOff val="25000"/>
+          </a:schemeClr>
+        </a:solidFill>
+        <a:round/>
+      </a:ln>
+    </cs:spPr>
+  </cs:hiLoLine>
+  <cs:leaderLine>
+    <cs:lnRef idx="0"/>
+    <cs:fillRef idx="0"/>
+    <cs:effectRef idx="0"/>
+    <cs:fontRef idx="minor">
+      <a:schemeClr val="tx1"/>
+    </cs:fontRef>
+    <cs:spPr>
+      <a:ln w="9525" cap="flat" cmpd="sng" algn="ctr">
+        <a:solidFill>
+          <a:schemeClr val="tx1">
+            <a:lumMod val="35000"/>
+            <a:lumOff val="65000"/>
+          </a:schemeClr>
+        </a:solidFill>
+        <a:round/>
+      </a:ln>
+    </cs:spPr>
+  </cs:leaderLine>
+  <cs:legend>
+    <cs:lnRef idx="0"/>
+    <cs:fillRef idx="0"/>
+    <cs:effectRef idx="0"/>
+    <cs:fontRef idx="minor">
+      <a:schemeClr val="tx1">
+        <a:lumMod val="65000"/>
+        <a:lumOff val="35000"/>
+      </a:schemeClr>
+    </cs:fontRef>
+    <cs:defRPr sz="1197" kern="1200"/>
+  </cs:legend>
+  <cs:plotArea mods="allowNoFillOverride allowNoLineOverride">
+    <cs:lnRef idx="0"/>
+    <cs:fillRef idx="0"/>
+    <cs:effectRef idx="0"/>
+    <cs:fontRef idx="minor">
+      <a:schemeClr val="tx1"/>
+    </cs:fontRef>
+  </cs:plotArea>
+  <cs:plotArea3D mods="allowNoFillOverride allowNoLineOverride">
+    <cs:lnRef idx="0"/>
+    <cs:fillRef idx="0"/>
+    <cs:effectRef idx="0"/>
+    <cs:fontRef idx="minor">
+      <a:schemeClr val="tx1"/>
+    </cs:fontRef>
+  </cs:plotArea3D>
+  <cs:seriesAxis>
+    <cs:lnRef idx="0"/>
+    <cs:fillRef idx="0"/>
+    <cs:effectRef idx="0"/>
+    <cs:fontRef idx="minor">
+      <a:schemeClr val="tx1">
+        <a:lumMod val="65000"/>
+        <a:lumOff val="35000"/>
+      </a:schemeClr>
+    </cs:fontRef>
+    <cs:defRPr sz="1197" kern="1200"/>
+  </cs:seriesAxis>
+  <cs:seriesLine>
+    <cs:lnRef idx="0"/>
+    <cs:fillRef idx="0"/>
+    <cs:effectRef idx="0"/>
+    <cs:fontRef idx="minor">
+      <a:schemeClr val="tx1"/>
+    </cs:fontRef>
+    <cs:spPr>
+      <a:ln w="9525" cap="flat" cmpd="sng" algn="ctr">
+        <a:solidFill>
+          <a:schemeClr val="tx1">
+            <a:lumMod val="35000"/>
+            <a:lumOff val="65000"/>
+          </a:schemeClr>
+        </a:solidFill>
+        <a:round/>
+      </a:ln>
+    </cs:spPr>
+  </cs:seriesLine>
+  <cs:title>
+    <cs:lnRef idx="0"/>
+    <cs:fillRef idx="0"/>
+    <cs:effectRef idx="0"/>
+    <cs:fontRef idx="minor">
+      <a:schemeClr val="tx1">
+        <a:lumMod val="65000"/>
+        <a:lumOff val="35000"/>
+      </a:schemeClr>
+    </cs:fontRef>
+    <cs:defRPr sz="1862" b="0" kern="1200" spc="0" baseline="0"/>
+  </cs:title>
+  <cs:trendline>
+    <cs:lnRef idx="0">
+      <cs:styleClr val="auto"/>
+    </cs:lnRef>
+    <cs:fillRef idx="0"/>
+    <cs:effectRef idx="0"/>
+    <cs:fontRef idx="minor">
+      <a:schemeClr val="tx1"/>
+    </cs:fontRef>
+    <cs:spPr>
+      <a:ln w="19050" cap="rnd">
+        <a:solidFill>
+          <a:schemeClr val="phClr"/>
+        </a:solidFill>
+        <a:prstDash val="sysDot"/>
+      </a:ln>
+    </cs:spPr>
+  </cs:trendline>
+  <cs:trendlineLabel>
+    <cs:lnRef idx="0"/>
+    <cs:fillRef idx="0"/>
+    <cs:effectRef idx="0"/>
+    <cs:fontRef idx="minor">
+      <a:schemeClr val="tx1">
+        <a:lumMod val="65000"/>
+        <a:lumOff val="35000"/>
+      </a:schemeClr>
+    </cs:fontRef>
+    <cs:defRPr sz="1197" kern="1200"/>
+  </cs:trendlineLabel>
+  <cs:upBar>
+    <cs:lnRef idx="0"/>
+    <cs:fillRef idx="0"/>
+    <cs:effectRef idx="0"/>
+    <cs:fontRef idx="minor">
+      <a:schemeClr val="dk1"/>
+    </cs:fontRef>
+    <cs:spPr>
+      <a:solidFill>
+        <a:schemeClr val="lt1"/>
+      </a:solidFill>
+      <a:ln w="9525">
+        <a:solidFill>
+          <a:schemeClr val="tx1">
+            <a:lumMod val="15000"/>
+            <a:lumOff val="85000"/>
+          </a:schemeClr>
+        </a:solidFill>
+      </a:ln>
+    </cs:spPr>
+  </cs:upBar>
+  <cs:valueAxis>
+    <cs:lnRef idx="0"/>
+    <cs:fillRef idx="0"/>
+    <cs:effectRef idx="0"/>
+    <cs:fontRef idx="minor">
+      <a:schemeClr val="tx1">
+        <a:lumMod val="65000"/>
+        <a:lumOff val="35000"/>
+      </a:schemeClr>
+    </cs:fontRef>
+    <cs:defRPr sz="1197" kern="1200"/>
+  </cs:valueAxis>
+  <cs:wall>
+    <cs:lnRef idx="0"/>
+    <cs:fillRef idx="0"/>
+    <cs:effectRef idx="0"/>
+    <cs:fontRef idx="minor">
+      <a:schemeClr val="tx1"/>
+    </cs:fontRef>
+    <cs:spPr>
+      <a:noFill/>
+      <a:ln>
+        <a:noFill/>
+      </a:ln>
+    </cs:spPr>
+  </cs:wall>
+</cs:chartStyle>
+</file>
+
 <file path=ppt/notesMasters/notesMaster1.xml><?xml version="1.0" encoding="utf-8"?>
 <p:notesMaster xmlns:a="http://schemas.openxmlformats.org/drawingml/2006/main" xmlns:r="http://schemas.openxmlformats.org/officeDocument/2006/relationships" xmlns:p="http://schemas.openxmlformats.org/presentationml/2006/main">
   <p:cSld>
@@ -214,7 +1380,7 @@
           <a:p>
             <a:fld id="{7D65DE95-B979-4E4D-BB3C-F1DE1284DF32}" type="datetimeFigureOut">
               <a:rPr lang="ru-RU" smtClean="0"/>
-              <a:t>26.05.2015</a:t>
+              <a:t>28.05.2015</a:t>
             </a:fld>
             <a:endParaRPr lang="ru-RU"/>
           </a:p>
@@ -697,7 +1863,7 @@
           <a:p>
             <a:fld id="{D4F054D9-EB72-4C9A-9169-A74286829EAD}" type="datetime1">
               <a:rPr lang="ru-RU" smtClean="0"/>
-              <a:t>26.05.2015</a:t>
+              <a:t>28.05.2015</a:t>
             </a:fld>
             <a:endParaRPr lang="ru-RU"/>
           </a:p>
@@ -867,7 +2033,7 @@
           <a:p>
             <a:fld id="{E5EF8B1C-0D11-43B3-A850-C4112CD4E0BB}" type="datetime1">
               <a:rPr lang="ru-RU" smtClean="0"/>
-              <a:t>26.05.2015</a:t>
+              <a:t>28.05.2015</a:t>
             </a:fld>
             <a:endParaRPr lang="ru-RU"/>
           </a:p>
@@ -1047,7 +2213,7 @@
           <a:p>
             <a:fld id="{596D8CCD-DD76-46D5-BB04-26570E4CEC4D}" type="datetime1">
               <a:rPr lang="ru-RU" smtClean="0"/>
-              <a:t>26.05.2015</a:t>
+              <a:t>28.05.2015</a:t>
             </a:fld>
             <a:endParaRPr lang="ru-RU"/>
           </a:p>
@@ -1217,7 +2383,7 @@
           <a:p>
             <a:fld id="{6250C4C9-0B10-4EB2-80BC-83961D1B1F71}" type="datetime1">
               <a:rPr lang="ru-RU" smtClean="0"/>
-              <a:t>26.05.2015</a:t>
+              <a:t>28.05.2015</a:t>
             </a:fld>
             <a:endParaRPr lang="ru-RU"/>
           </a:p>
@@ -1463,7 +2629,7 @@
           <a:p>
             <a:fld id="{A11B47ED-0892-4B0A-B36F-DCEFF37A6828}" type="datetime1">
               <a:rPr lang="ru-RU" smtClean="0"/>
-              <a:t>26.05.2015</a:t>
+              <a:t>28.05.2015</a:t>
             </a:fld>
             <a:endParaRPr lang="ru-RU"/>
           </a:p>
@@ -1695,7 +2861,7 @@
           <a:p>
             <a:fld id="{181F1BD6-D2E2-46E1-B84D-6F4CB9985097}" type="datetime1">
               <a:rPr lang="ru-RU" smtClean="0"/>
-              <a:t>26.05.2015</a:t>
+              <a:t>28.05.2015</a:t>
             </a:fld>
             <a:endParaRPr lang="ru-RU"/>
           </a:p>
@@ -2062,7 +3228,7 @@
           <a:p>
             <a:fld id="{88AC1DB7-0E78-436E-920D-DEFD50E8D9EB}" type="datetime1">
               <a:rPr lang="ru-RU" smtClean="0"/>
-              <a:t>26.05.2015</a:t>
+              <a:t>28.05.2015</a:t>
             </a:fld>
             <a:endParaRPr lang="ru-RU"/>
           </a:p>
@@ -2180,7 +3346,7 @@
           <a:p>
             <a:fld id="{9DC62A61-060E-4ADE-863D-EA8886D6BD99}" type="datetime1">
               <a:rPr lang="ru-RU" smtClean="0"/>
-              <a:t>26.05.2015</a:t>
+              <a:t>28.05.2015</a:t>
             </a:fld>
             <a:endParaRPr lang="ru-RU"/>
           </a:p>
@@ -2275,7 +3441,7 @@
           <a:p>
             <a:fld id="{BFB1E972-3C12-44FD-9004-BD514C5E9054}" type="datetime1">
               <a:rPr lang="ru-RU" smtClean="0"/>
-              <a:t>26.05.2015</a:t>
+              <a:t>28.05.2015</a:t>
             </a:fld>
             <a:endParaRPr lang="ru-RU"/>
           </a:p>
@@ -2552,7 +3718,7 @@
           <a:p>
             <a:fld id="{1CD89F04-4959-4257-8387-3C744EBB14D8}" type="datetime1">
               <a:rPr lang="ru-RU" smtClean="0"/>
-              <a:t>26.05.2015</a:t>
+              <a:t>28.05.2015</a:t>
             </a:fld>
             <a:endParaRPr lang="ru-RU"/>
           </a:p>
@@ -2805,7 +3971,7 @@
           <a:p>
             <a:fld id="{4CFB109E-B013-47B7-AD92-B0C422B3055C}" type="datetime1">
               <a:rPr lang="ru-RU" smtClean="0"/>
-              <a:t>26.05.2015</a:t>
+              <a:t>28.05.2015</a:t>
             </a:fld>
             <a:endParaRPr lang="ru-RU"/>
           </a:p>
@@ -3018,7 +4184,7 @@
           <a:p>
             <a:fld id="{F2345C99-4D7D-4EA5-96D7-452EE91F454C}" type="datetime1">
               <a:rPr lang="ru-RU" smtClean="0"/>
-              <a:t>26.05.2015</a:t>
+              <a:t>28.05.2015</a:t>
             </a:fld>
             <a:endParaRPr lang="ru-RU"/>
           </a:p>
@@ -3533,7 +4699,7 @@
         </p:nvSpPr>
         <p:spPr>
           <a:xfrm>
-            <a:off x="838200" y="113198"/>
+            <a:off x="838200" y="122530"/>
             <a:ext cx="10515600" cy="1325563"/>
           </a:xfrm>
         </p:spPr>
@@ -3541,9 +4707,10 @@
           <a:bodyPr/>
           <a:lstStyle/>
           <a:p>
+            <a:pPr algn="ctr"/>
             <a:r>
               <a:rPr lang="ru-RU" dirty="0" smtClean="0"/>
-              <a:t>Функциональная модель процесса обработки маршрута</a:t>
+              <a:t>Схема структуры ПО</a:t>
             </a:r>
             <a:endParaRPr lang="ru-RU" dirty="0"/>
           </a:p>
@@ -3551,7 +4718,7 @@
       </p:sp>
       <p:pic>
         <p:nvPicPr>
-          <p:cNvPr id="5" name="Объект 4"/>
+          <p:cNvPr id="6" name="Объект 5"/>
           <p:cNvPicPr>
             <a:picLocks noGrp="1" noChangeAspect="1"/>
           </p:cNvPicPr>
@@ -3573,8 +4740,8 @@
         </p:blipFill>
         <p:spPr>
           <a:xfrm>
-            <a:off x="1166327" y="1305897"/>
-            <a:ext cx="9691394" cy="5415578"/>
+            <a:off x="2659225" y="1294073"/>
+            <a:ext cx="6873550" cy="5147934"/>
           </a:xfrm>
         </p:spPr>
       </p:pic>
@@ -3604,7 +4771,7 @@
     </p:spTree>
     <p:extLst>
       <p:ext uri="{BB962C8B-B14F-4D97-AF65-F5344CB8AC3E}">
-        <p14:creationId xmlns:p14="http://schemas.microsoft.com/office/powerpoint/2010/main" val="2936390320"/>
+        <p14:creationId xmlns:p14="http://schemas.microsoft.com/office/powerpoint/2010/main" val="1186793850"/>
       </p:ext>
     </p:extLst>
   </p:cSld>
@@ -3650,7 +4817,7 @@
         </p:nvSpPr>
         <p:spPr>
           <a:xfrm>
-            <a:off x="838200" y="122530"/>
+            <a:off x="838200" y="0"/>
             <a:ext cx="10515600" cy="1325563"/>
           </a:xfrm>
         </p:spPr>
@@ -3658,10 +4825,9 @@
           <a:bodyPr/>
           <a:lstStyle/>
           <a:p>
-            <a:pPr algn="ctr"/>
             <a:r>
               <a:rPr lang="ru-RU" dirty="0" smtClean="0"/>
-              <a:t>Схема структуры ПО</a:t>
+              <a:t>Результат работы программы</a:t>
             </a:r>
             <a:endParaRPr lang="ru-RU" dirty="0"/>
           </a:p>
@@ -3669,7 +4835,7 @@
       </p:sp>
       <p:pic>
         <p:nvPicPr>
-          <p:cNvPr id="6" name="Объект 5"/>
+          <p:cNvPr id="4" name="Объект 3"/>
           <p:cNvPicPr>
             <a:picLocks noGrp="1" noChangeAspect="1"/>
           </p:cNvPicPr>
@@ -3691,8 +4857,8 @@
         </p:blipFill>
         <p:spPr>
           <a:xfrm>
-            <a:off x="2659225" y="1294073"/>
-            <a:ext cx="6873550" cy="5147934"/>
+            <a:off x="838199" y="1367293"/>
+            <a:ext cx="11026323" cy="4310026"/>
           </a:xfrm>
         </p:spPr>
       </p:pic>
@@ -3719,10 +4885,209 @@
           </a:p>
         </p:txBody>
       </p:sp>
+      <p:cxnSp>
+        <p:nvCxnSpPr>
+          <p:cNvPr id="6" name="Прямая соединительная линия 5"/>
+          <p:cNvCxnSpPr/>
+          <p:nvPr/>
+        </p:nvCxnSpPr>
+        <p:spPr>
+          <a:xfrm>
+            <a:off x="838200" y="5903715"/>
+            <a:ext cx="737119" cy="0"/>
+          </a:xfrm>
+          <a:prstGeom prst="line">
+            <a:avLst/>
+          </a:prstGeom>
+          <a:ln w="28575">
+            <a:solidFill>
+              <a:srgbClr val="797DC9"/>
+            </a:solidFill>
+          </a:ln>
+        </p:spPr>
+        <p:style>
+          <a:lnRef idx="1">
+            <a:schemeClr val="accent1"/>
+          </a:lnRef>
+          <a:fillRef idx="0">
+            <a:schemeClr val="accent1"/>
+          </a:fillRef>
+          <a:effectRef idx="0">
+            <a:schemeClr val="accent1"/>
+          </a:effectRef>
+          <a:fontRef idx="minor">
+            <a:schemeClr val="tx1"/>
+          </a:fontRef>
+        </p:style>
+      </p:cxnSp>
+      <p:cxnSp>
+        <p:nvCxnSpPr>
+          <p:cNvPr id="8" name="Прямая соединительная линия 7"/>
+          <p:cNvCxnSpPr/>
+          <p:nvPr/>
+        </p:nvCxnSpPr>
+        <p:spPr>
+          <a:xfrm>
+            <a:off x="838200" y="6512492"/>
+            <a:ext cx="737119" cy="0"/>
+          </a:xfrm>
+          <a:prstGeom prst="line">
+            <a:avLst/>
+          </a:prstGeom>
+          <a:ln w="28575">
+            <a:solidFill>
+              <a:srgbClr val="F4716D"/>
+            </a:solidFill>
+          </a:ln>
+        </p:spPr>
+        <p:style>
+          <a:lnRef idx="1">
+            <a:schemeClr val="accent1"/>
+          </a:lnRef>
+          <a:fillRef idx="0">
+            <a:schemeClr val="accent1"/>
+          </a:fillRef>
+          <a:effectRef idx="0">
+            <a:schemeClr val="accent1"/>
+          </a:effectRef>
+          <a:fontRef idx="minor">
+            <a:schemeClr val="tx1"/>
+          </a:fontRef>
+        </p:style>
+      </p:cxnSp>
+      <p:sp>
+        <p:nvSpPr>
+          <p:cNvPr id="9" name="TextBox 8"/>
+          <p:cNvSpPr txBox="1"/>
+          <p:nvPr/>
+        </p:nvSpPr>
+        <p:spPr>
+          <a:xfrm>
+            <a:off x="1668625" y="5719049"/>
+            <a:ext cx="2742601" cy="369332"/>
+          </a:xfrm>
+          <a:prstGeom prst="rect">
+            <a:avLst/>
+          </a:prstGeom>
+          <a:noFill/>
+        </p:spPr>
+        <p:txBody>
+          <a:bodyPr wrap="square" rtlCol="0">
+            <a:spAutoFit/>
+          </a:bodyPr>
+          <a:lstStyle/>
+          <a:p>
+            <a:r>
+              <a:rPr lang="ru-RU" dirty="0" smtClean="0"/>
+              <a:t>Исходный </a:t>
+            </a:r>
+            <a:r>
+              <a:rPr lang="ru-RU" dirty="0" smtClean="0"/>
+              <a:t>маршрут №1</a:t>
+            </a:r>
+            <a:endParaRPr lang="ru-RU" dirty="0"/>
+          </a:p>
+        </p:txBody>
+      </p:sp>
+      <p:sp>
+        <p:nvSpPr>
+          <p:cNvPr id="10" name="TextBox 9"/>
+          <p:cNvSpPr txBox="1"/>
+          <p:nvPr/>
+        </p:nvSpPr>
+        <p:spPr>
+          <a:xfrm>
+            <a:off x="1668625" y="6310205"/>
+            <a:ext cx="2453951" cy="369332"/>
+          </a:xfrm>
+          <a:prstGeom prst="rect">
+            <a:avLst/>
+          </a:prstGeom>
+          <a:noFill/>
+        </p:spPr>
+        <p:txBody>
+          <a:bodyPr wrap="square" rtlCol="0">
+            <a:spAutoFit/>
+          </a:bodyPr>
+          <a:lstStyle/>
+          <a:p>
+            <a:r>
+              <a:rPr lang="ru-RU" dirty="0" smtClean="0"/>
+              <a:t>Итоговый маршрут</a:t>
+            </a:r>
+            <a:endParaRPr lang="ru-RU" dirty="0"/>
+          </a:p>
+        </p:txBody>
+      </p:sp>
+      <p:cxnSp>
+        <p:nvCxnSpPr>
+          <p:cNvPr id="11" name="Прямая соединительная линия 10"/>
+          <p:cNvCxnSpPr/>
+          <p:nvPr/>
+        </p:nvCxnSpPr>
+        <p:spPr>
+          <a:xfrm>
+            <a:off x="838200" y="6216914"/>
+            <a:ext cx="737119" cy="0"/>
+          </a:xfrm>
+          <a:prstGeom prst="line">
+            <a:avLst/>
+          </a:prstGeom>
+          <a:ln w="28575">
+            <a:solidFill>
+              <a:srgbClr val="A4D984"/>
+            </a:solidFill>
+          </a:ln>
+        </p:spPr>
+        <p:style>
+          <a:lnRef idx="1">
+            <a:schemeClr val="accent1"/>
+          </a:lnRef>
+          <a:fillRef idx="0">
+            <a:schemeClr val="accent1"/>
+          </a:fillRef>
+          <a:effectRef idx="0">
+            <a:schemeClr val="accent1"/>
+          </a:effectRef>
+          <a:fontRef idx="minor">
+            <a:schemeClr val="tx1"/>
+          </a:fontRef>
+        </p:style>
+      </p:cxnSp>
+      <p:sp>
+        <p:nvSpPr>
+          <p:cNvPr id="12" name="TextBox 11"/>
+          <p:cNvSpPr txBox="1"/>
+          <p:nvPr/>
+        </p:nvSpPr>
+        <p:spPr>
+          <a:xfrm>
+            <a:off x="1668625" y="6014627"/>
+            <a:ext cx="3044052" cy="369332"/>
+          </a:xfrm>
+          <a:prstGeom prst="rect">
+            <a:avLst/>
+          </a:prstGeom>
+          <a:noFill/>
+        </p:spPr>
+        <p:txBody>
+          <a:bodyPr wrap="square" rtlCol="0">
+            <a:spAutoFit/>
+          </a:bodyPr>
+          <a:lstStyle/>
+          <a:p>
+            <a:r>
+              <a:rPr lang="ru-RU" dirty="0" smtClean="0"/>
+              <a:t>Исходный маршрут №2</a:t>
+            </a:r>
+            <a:endParaRPr lang="ru-RU" dirty="0"/>
+          </a:p>
+        </p:txBody>
+      </p:sp>
     </p:spTree>
     <p:extLst>
       <p:ext uri="{BB962C8B-B14F-4D97-AF65-F5344CB8AC3E}">
-        <p14:creationId xmlns:p14="http://schemas.microsoft.com/office/powerpoint/2010/main" val="1186793850"/>
+        <p14:creationId xmlns:p14="http://schemas.microsoft.com/office/powerpoint/2010/main" val="279119818"/>
       </p:ext>
     </p:extLst>
   </p:cSld>
@@ -3766,10 +5131,33 @@
             <p:ph type="title"/>
           </p:nvPr>
         </p:nvSpPr>
+        <p:spPr/>
+        <p:txBody>
+          <a:bodyPr/>
+          <a:lstStyle/>
+          <a:p>
+            <a:r>
+              <a:rPr lang="ru-RU" dirty="0" smtClean="0"/>
+              <a:t>Постановка эксперимента</a:t>
+            </a:r>
+            <a:endParaRPr lang="ru-RU" dirty="0"/>
+          </a:p>
+        </p:txBody>
+      </p:sp>
+      <p:sp>
+        <p:nvSpPr>
+          <p:cNvPr id="3" name="Объект 2"/>
+          <p:cNvSpPr>
+            <a:spLocks noGrp="1"/>
+          </p:cNvSpPr>
+          <p:nvPr>
+            <p:ph idx="1"/>
+          </p:nvPr>
+        </p:nvSpPr>
         <p:spPr>
           <a:xfrm>
-            <a:off x="838200" y="0"/>
-            <a:ext cx="10515600" cy="1325563"/>
+            <a:off x="446314" y="1690688"/>
+            <a:ext cx="4839119" cy="4351338"/>
           </a:xfrm>
         </p:spPr>
         <p:txBody>
@@ -3778,21 +5166,52 @@
           <a:p>
             <a:r>
               <a:rPr lang="ru-RU" dirty="0" smtClean="0"/>
-              <a:t>Результат работы программы</a:t>
-            </a:r>
-            <a:endParaRPr lang="ru-RU" dirty="0"/>
+              <a:t>Рассматривается отклонение исходного маршрута и маршрута, полученного в результате использования метода, от истинного маршрута объекта.</a:t>
+            </a:r>
+          </a:p>
+          <a:p>
+            <a:r>
+              <a:rPr lang="ru-RU" dirty="0" smtClean="0"/>
+              <a:t>Для проведения эксперимента вручную воссоздан точный маршрут объекта</a:t>
+            </a:r>
+            <a:r>
+              <a:rPr lang="ru-RU" dirty="0" smtClean="0"/>
+              <a:t>.</a:t>
+            </a:r>
+            <a:endParaRPr lang="ru-RU" dirty="0" smtClean="0"/>
+          </a:p>
+        </p:txBody>
+      </p:sp>
+      <p:sp>
+        <p:nvSpPr>
+          <p:cNvPr id="4" name="Номер слайда 3"/>
+          <p:cNvSpPr>
+            <a:spLocks noGrp="1"/>
+          </p:cNvSpPr>
+          <p:nvPr>
+            <p:ph type="sldNum" sz="quarter" idx="12"/>
+          </p:nvPr>
+        </p:nvSpPr>
+        <p:spPr/>
+        <p:txBody>
+          <a:bodyPr/>
+          <a:lstStyle/>
+          <a:p>
+            <a:fld id="{3BCC8605-603C-4CBC-9D12-BEB80FA30360}" type="slidenum">
+              <a:rPr lang="ru-RU" smtClean="0"/>
+              <a:t>12</a:t>
+            </a:fld>
+            <a:endParaRPr lang="ru-RU"/>
           </a:p>
         </p:txBody>
       </p:sp>
       <p:pic>
         <p:nvPicPr>
-          <p:cNvPr id="4" name="Объект 3"/>
+          <p:cNvPr id="5" name="Рисунок 4"/>
           <p:cNvPicPr>
-            <a:picLocks noGrp="1" noChangeAspect="1"/>
+            <a:picLocks noChangeAspect="1"/>
           </p:cNvPicPr>
-          <p:nvPr>
-            <p:ph idx="1"/>
-          </p:nvPr>
+          <p:nvPr/>
         </p:nvPicPr>
         <p:blipFill>
           <a:blip r:embed="rId2">
@@ -3808,51 +5227,31 @@
         </p:blipFill>
         <p:spPr>
           <a:xfrm>
-            <a:off x="838200" y="1071090"/>
-            <a:ext cx="9616456" cy="4351337"/>
+            <a:off x="6096000" y="1690688"/>
+            <a:ext cx="5819602" cy="4431500"/>
           </a:xfrm>
+          <a:prstGeom prst="rect">
+            <a:avLst/>
+          </a:prstGeom>
         </p:spPr>
       </p:pic>
-      <p:sp>
-        <p:nvSpPr>
-          <p:cNvPr id="3" name="Номер слайда 2"/>
-          <p:cNvSpPr>
-            <a:spLocks noGrp="1"/>
-          </p:cNvSpPr>
-          <p:nvPr>
-            <p:ph type="sldNum" sz="quarter" idx="12"/>
-          </p:nvPr>
-        </p:nvSpPr>
-        <p:spPr/>
-        <p:txBody>
-          <a:bodyPr/>
-          <a:lstStyle/>
-          <a:p>
-            <a:fld id="{3BCC8605-603C-4CBC-9D12-BEB80FA30360}" type="slidenum">
-              <a:rPr lang="ru-RU" smtClean="0"/>
-              <a:t>12</a:t>
-            </a:fld>
-            <a:endParaRPr lang="ru-RU"/>
-          </a:p>
-        </p:txBody>
-      </p:sp>
       <p:cxnSp>
         <p:nvCxnSpPr>
-          <p:cNvPr id="6" name="Прямая соединительная линия 5"/>
+          <p:cNvPr id="7" name="Прямая соединительная линия 6"/>
           <p:cNvCxnSpPr/>
           <p:nvPr/>
         </p:nvCxnSpPr>
         <p:spPr>
           <a:xfrm>
-            <a:off x="979714" y="5859624"/>
-            <a:ext cx="737119" cy="0"/>
+            <a:off x="9348316" y="2582427"/>
+            <a:ext cx="633047" cy="0"/>
           </a:xfrm>
           <a:prstGeom prst="line">
             <a:avLst/>
           </a:prstGeom>
-          <a:ln w="28575">
+          <a:ln w="34925">
             <a:solidFill>
-              <a:schemeClr val="tx1"/>
+              <a:srgbClr val="FF6343"/>
             </a:solidFill>
           </a:ln>
         </p:spPr>
@@ -3879,15 +5278,15 @@
         </p:nvCxnSpPr>
         <p:spPr>
           <a:xfrm>
-            <a:off x="979713" y="6189305"/>
-            <a:ext cx="737119" cy="0"/>
+            <a:off x="9348316" y="2292699"/>
+            <a:ext cx="633047" cy="0"/>
           </a:xfrm>
           <a:prstGeom prst="line">
             <a:avLst/>
           </a:prstGeom>
-          <a:ln w="28575">
+          <a:ln w="34925">
             <a:solidFill>
-              <a:srgbClr val="7030A0"/>
+              <a:srgbClr val="685B91"/>
             </a:solidFill>
           </a:ln>
         </p:spPr>
@@ -3906,16 +5305,51 @@
           </a:fontRef>
         </p:style>
       </p:cxnSp>
-      <p:sp>
-        <p:nvSpPr>
-          <p:cNvPr id="9" name="TextBox 8"/>
+      <p:cxnSp>
+        <p:nvCxnSpPr>
+          <p:cNvPr id="9" name="Прямая соединительная линия 8"/>
+          <p:cNvCxnSpPr/>
+          <p:nvPr/>
+        </p:nvCxnSpPr>
+        <p:spPr>
+          <a:xfrm>
+            <a:off x="9348316" y="2013020"/>
+            <a:ext cx="633047" cy="0"/>
+          </a:xfrm>
+          <a:prstGeom prst="line">
+            <a:avLst/>
+          </a:prstGeom>
+          <a:ln w="34925">
+            <a:solidFill>
+              <a:srgbClr val="7BB08D"/>
+            </a:solidFill>
+          </a:ln>
+        </p:spPr>
+        <p:style>
+          <a:lnRef idx="1">
+            <a:schemeClr val="accent1"/>
+          </a:lnRef>
+          <a:fillRef idx="0">
+            <a:schemeClr val="accent1"/>
+          </a:fillRef>
+          <a:effectRef idx="0">
+            <a:schemeClr val="accent1"/>
+          </a:effectRef>
+          <a:fontRef idx="minor">
+            <a:schemeClr val="tx1"/>
+          </a:fontRef>
+        </p:style>
+      </p:cxnSp>
+      <p:sp>
+        <p:nvSpPr>
+          <p:cNvPr id="10" name="TextBox 9"/>
           <p:cNvSpPr txBox="1"/>
           <p:nvPr/>
         </p:nvSpPr>
         <p:spPr>
           <a:xfrm>
-            <a:off x="1810139" y="5674958"/>
-            <a:ext cx="2453951" cy="369332"/>
+            <a:off x="9981363" y="1828354"/>
+            <a:ext cx="1900200" cy="338554"/>
           </a:xfrm>
           <a:prstGeom prst="rect">
             <a:avLst/>
@@ -3923,29 +5357,29 @@
           <a:noFill/>
         </p:spPr>
         <p:txBody>
-          <a:bodyPr wrap="square" rtlCol="0">
+          <a:bodyPr wrap="none" rtlCol="0">
             <a:spAutoFit/>
           </a:bodyPr>
           <a:lstStyle/>
           <a:p>
             <a:r>
-              <a:rPr lang="ru-RU" dirty="0" smtClean="0"/>
+              <a:rPr lang="ru-RU" sz="1600" dirty="0" smtClean="0"/>
               <a:t>Исходный маршрут</a:t>
             </a:r>
-            <a:endParaRPr lang="ru-RU" dirty="0"/>
-          </a:p>
-        </p:txBody>
-      </p:sp>
-      <p:sp>
-        <p:nvSpPr>
-          <p:cNvPr id="10" name="TextBox 9"/>
+            <a:endParaRPr lang="ru-RU" sz="1600" dirty="0"/>
+          </a:p>
+        </p:txBody>
+      </p:sp>
+      <p:sp>
+        <p:nvSpPr>
+          <p:cNvPr id="11" name="TextBox 10"/>
           <p:cNvSpPr txBox="1"/>
           <p:nvPr/>
         </p:nvSpPr>
         <p:spPr>
           <a:xfrm>
-            <a:off x="1810138" y="5987018"/>
-            <a:ext cx="2453951" cy="369332"/>
+            <a:off x="9981363" y="2391069"/>
+            <a:ext cx="1873526" cy="338554"/>
           </a:xfrm>
           <a:prstGeom prst="rect">
             <a:avLst/>
@@ -3953,23 +5387,53 @@
           <a:noFill/>
         </p:spPr>
         <p:txBody>
-          <a:bodyPr wrap="square" rtlCol="0">
+          <a:bodyPr wrap="none" rtlCol="0">
             <a:spAutoFit/>
           </a:bodyPr>
           <a:lstStyle/>
           <a:p>
             <a:r>
-              <a:rPr lang="ru-RU" dirty="0" smtClean="0"/>
+              <a:rPr lang="ru-RU" sz="1600" dirty="0" smtClean="0"/>
               <a:t>Итоговый маршрут</a:t>
             </a:r>
-            <a:endParaRPr lang="ru-RU" dirty="0"/>
+            <a:endParaRPr lang="ru-RU" sz="1600" dirty="0"/>
+          </a:p>
+        </p:txBody>
+      </p:sp>
+      <p:sp>
+        <p:nvSpPr>
+          <p:cNvPr id="12" name="TextBox 11"/>
+          <p:cNvSpPr txBox="1"/>
+          <p:nvPr/>
+        </p:nvSpPr>
+        <p:spPr>
+          <a:xfrm>
+            <a:off x="9981363" y="2104711"/>
+            <a:ext cx="2005870" cy="338554"/>
+          </a:xfrm>
+          <a:prstGeom prst="rect">
+            <a:avLst/>
+          </a:prstGeom>
+          <a:noFill/>
+        </p:spPr>
+        <p:txBody>
+          <a:bodyPr wrap="none" rtlCol="0">
+            <a:spAutoFit/>
+          </a:bodyPr>
+          <a:lstStyle/>
+          <a:p>
+            <a:r>
+              <a:rPr lang="ru-RU" sz="1600" dirty="0" smtClean="0"/>
+              <a:t>Эталонный маршрут</a:t>
+            </a:r>
+            <a:endParaRPr lang="ru-RU" sz="1600" dirty="0"/>
           </a:p>
         </p:txBody>
       </p:sp>
     </p:spTree>
     <p:extLst>
       <p:ext uri="{BB962C8B-B14F-4D97-AF65-F5344CB8AC3E}">
-        <p14:creationId xmlns:p14="http://schemas.microsoft.com/office/powerpoint/2010/main" val="279119818"/>
+        <p14:creationId xmlns:p14="http://schemas.microsoft.com/office/powerpoint/2010/main" val="1915702468"/>
       </p:ext>
     </p:extLst>
   </p:cSld>
@@ -4013,81 +5477,53 @@
             <p:ph type="title"/>
           </p:nvPr>
         </p:nvSpPr>
-        <p:spPr/>
+        <p:spPr>
+          <a:xfrm>
+            <a:off x="838199" y="146542"/>
+            <a:ext cx="10515600" cy="1325563"/>
+          </a:xfrm>
+        </p:spPr>
         <p:txBody>
           <a:bodyPr/>
           <a:lstStyle/>
           <a:p>
             <a:r>
               <a:rPr lang="ru-RU" dirty="0" smtClean="0"/>
-              <a:t>Постановка эксперимента</a:t>
+              <a:t>Эксперимент</a:t>
             </a:r>
             <a:endParaRPr lang="ru-RU" dirty="0"/>
           </a:p>
         </p:txBody>
       </p:sp>
-      <p:sp>
-        <p:nvSpPr>
-          <p:cNvPr id="3" name="Объект 2"/>
-          <p:cNvSpPr>
-            <a:spLocks noGrp="1"/>
-          </p:cNvSpPr>
+      <p:graphicFrame>
+        <p:nvGraphicFramePr>
+          <p:cNvPr id="6" name="Объект 5"/>
+          <p:cNvGraphicFramePr>
+            <a:graphicFrameLocks noGrp="1"/>
+          </p:cNvGraphicFramePr>
           <p:nvPr>
             <p:ph idx="1"/>
-          </p:nvPr>
-        </p:nvSpPr>
-        <p:spPr/>
-        <p:txBody>
-          <a:bodyPr/>
-          <a:lstStyle/>
-          <a:p>
-            <a:r>
-              <a:rPr lang="ru-RU" dirty="0" smtClean="0"/>
-              <a:t>Рассматривается отклонение исходного маршрута и маршрута, полученного в результате использования метода, от истинного маршрута объекта.</a:t>
-            </a:r>
-          </a:p>
-          <a:p>
-            <a:r>
-              <a:rPr lang="ru-RU" dirty="0" smtClean="0"/>
-              <a:t>Для проведения эксперимента вручную воссоздан точный маршрут объекта.</a:t>
-            </a:r>
-          </a:p>
-          <a:p>
-            <a:r>
-              <a:rPr lang="ru-RU" dirty="0" smtClean="0"/>
-              <a:t>В рамках эксперимента не рассматриваются моменты времени, в которые объект был неподвижен, так как при обнаружении остановок и их замене количество точек исходного маршрута перестает соответствовать количеству точек результирующего маршрута</a:t>
-            </a:r>
-            <a:endParaRPr lang="ru-RU" dirty="0"/>
-          </a:p>
-        </p:txBody>
-      </p:sp>
-      <p:sp>
-        <p:nvSpPr>
-          <p:cNvPr id="4" name="Номер слайда 3"/>
-          <p:cNvSpPr>
-            <a:spLocks noGrp="1"/>
-          </p:cNvSpPr>
-          <p:nvPr>
-            <p:ph type="sldNum" sz="quarter" idx="12"/>
-          </p:nvPr>
-        </p:nvSpPr>
-        <p:spPr/>
-        <p:txBody>
-          <a:bodyPr/>
-          <a:lstStyle/>
-          <a:p>
-            <a:fld id="{3BCC8605-603C-4CBC-9D12-BEB80FA30360}" type="slidenum">
-              <a:rPr lang="ru-RU" smtClean="0"/>
-              <a:t>13</a:t>
-            </a:fld>
-            <a:endParaRPr lang="ru-RU"/>
-          </a:p>
-        </p:txBody>
-      </p:sp>
+            <p:extLst>
+              <p:ext uri="{D42A27DB-BD31-4B8C-83A1-F6EECF244321}">
+                <p14:modId xmlns:p14="http://schemas.microsoft.com/office/powerpoint/2010/main" val="4259378243"/>
+              </p:ext>
+            </p:extLst>
+          </p:nvPr>
+        </p:nvGraphicFramePr>
+        <p:xfrm>
+          <a:off x="838200" y="1185704"/>
+          <a:ext cx="10515600" cy="5164853"/>
+        </p:xfrm>
+        <a:graphic>
+          <a:graphicData uri="http://schemas.openxmlformats.org/drawingml/2006/chart">
+            <c:chart xmlns:c="http://schemas.openxmlformats.org/drawingml/2006/chart" xmlns:r="http://schemas.openxmlformats.org/officeDocument/2006/relationships" r:id="rId2"/>
+          </a:graphicData>
+        </a:graphic>
+      </p:graphicFrame>
     </p:spTree>
     <p:extLst>
       <p:ext uri="{BB962C8B-B14F-4D97-AF65-F5344CB8AC3E}">
-        <p14:creationId xmlns:p14="http://schemas.microsoft.com/office/powerpoint/2010/main" val="1915702468"/>
+        <p14:creationId xmlns:p14="http://schemas.microsoft.com/office/powerpoint/2010/main" val="3555441887"/>
       </p:ext>
     </p:extLst>
   </p:cSld>
@@ -4131,92 +5567,827 @@
             <p:ph type="title"/>
           </p:nvPr>
         </p:nvSpPr>
+        <p:spPr/>
+        <p:txBody>
+          <a:bodyPr/>
+          <a:lstStyle/>
+          <a:p>
+            <a:r>
+              <a:rPr lang="ru-RU" dirty="0" smtClean="0"/>
+              <a:t>Результаты эксперимента</a:t>
+            </a:r>
+            <a:endParaRPr lang="ru-RU" dirty="0"/>
+          </a:p>
+        </p:txBody>
+      </p:sp>
+      <p:graphicFrame>
+        <p:nvGraphicFramePr>
+          <p:cNvPr id="10" name="Объект 9"/>
+          <p:cNvGraphicFramePr>
+            <a:graphicFrameLocks noGrp="1"/>
+          </p:cNvGraphicFramePr>
+          <p:nvPr>
+            <p:ph idx="1"/>
+            <p:extLst>
+              <p:ext uri="{D42A27DB-BD31-4B8C-83A1-F6EECF244321}">
+                <p14:modId xmlns:p14="http://schemas.microsoft.com/office/powerpoint/2010/main" val="2734017891"/>
+              </p:ext>
+            </p:extLst>
+          </p:nvPr>
+        </p:nvGraphicFramePr>
+        <p:xfrm>
+          <a:off x="838199" y="1825625"/>
+          <a:ext cx="11059049" cy="3017520"/>
+        </p:xfrm>
+        <a:graphic>
+          <a:graphicData uri="http://schemas.openxmlformats.org/drawingml/2006/table">
+            <a:tbl>
+              <a:tblPr firstRow="1" bandRow="1">
+                <a:tableStyleId>{5940675A-B579-460E-94D1-54222C63F5DA}</a:tableStyleId>
+              </a:tblPr>
+              <a:tblGrid>
+                <a:gridCol w="1754276"/>
+                <a:gridCol w="2150347"/>
+                <a:gridCol w="2401556"/>
+                <a:gridCol w="2160396"/>
+                <a:gridCol w="2592474"/>
+              </a:tblGrid>
+              <a:tr h="370840">
+                <a:tc>
+                  <a:txBody>
+                    <a:bodyPr/>
+                    <a:lstStyle/>
+                    <a:p>
+                      <a:pPr algn="ctr"/>
+                      <a:endParaRPr lang="ru-RU" dirty="0"/>
+                    </a:p>
+                  </a:txBody>
+                  <a:tcPr>
+                    <a:solidFill>
+                      <a:schemeClr val="bg2">
+                        <a:lumMod val="90000"/>
+                      </a:schemeClr>
+                    </a:solidFill>
+                  </a:tcPr>
+                </a:tc>
+                <a:tc>
+                  <a:txBody>
+                    <a:bodyPr/>
+                    <a:lstStyle/>
+                    <a:p>
+                      <a:pPr algn="ctr"/>
+                      <a:r>
+                        <a:rPr lang="ru-RU" sz="2400" dirty="0" smtClean="0"/>
+                        <a:t>Отклонение</a:t>
+                      </a:r>
+                      <a:r>
+                        <a:rPr lang="ru-RU" sz="2400" baseline="0" dirty="0" smtClean="0"/>
+                        <a:t> исходного маршрута, м</a:t>
+                      </a:r>
+                      <a:endParaRPr lang="ru-RU" sz="2400" dirty="0"/>
+                    </a:p>
+                  </a:txBody>
+                  <a:tcPr>
+                    <a:solidFill>
+                      <a:schemeClr val="bg2">
+                        <a:lumMod val="90000"/>
+                      </a:schemeClr>
+                    </a:solidFill>
+                  </a:tcPr>
+                </a:tc>
+                <a:tc>
+                  <a:txBody>
+                    <a:bodyPr/>
+                    <a:lstStyle/>
+                    <a:p>
+                      <a:pPr algn="ctr"/>
+                      <a:r>
+                        <a:rPr lang="ru-RU" sz="2400" dirty="0" smtClean="0"/>
+                        <a:t>Отклонение</a:t>
+                      </a:r>
+                      <a:r>
+                        <a:rPr lang="ru-RU" sz="2400" baseline="0" dirty="0" smtClean="0"/>
+                        <a:t> итогового маршрута, м</a:t>
+                      </a:r>
+                      <a:endParaRPr lang="ru-RU" sz="2400" dirty="0"/>
+                    </a:p>
+                  </a:txBody>
+                  <a:tcPr>
+                    <a:solidFill>
+                      <a:schemeClr val="bg2">
+                        <a:lumMod val="90000"/>
+                      </a:schemeClr>
+                    </a:solidFill>
+                  </a:tcPr>
+                </a:tc>
+                <a:tc>
+                  <a:txBody>
+                    <a:bodyPr/>
+                    <a:lstStyle/>
+                    <a:p>
+                      <a:pPr algn="ctr"/>
+                      <a:r>
+                        <a:rPr lang="ru-RU" sz="2400" dirty="0" smtClean="0"/>
+                        <a:t>Коэффициент</a:t>
+                      </a:r>
+                      <a:r>
+                        <a:rPr lang="ru-RU" sz="2400" baseline="0" dirty="0" smtClean="0"/>
+                        <a:t> снижения отклонения</a:t>
+                      </a:r>
+                      <a:endParaRPr lang="ru-RU" sz="2400" dirty="0"/>
+                    </a:p>
+                  </a:txBody>
+                  <a:tcPr>
+                    <a:solidFill>
+                      <a:schemeClr val="bg2">
+                        <a:lumMod val="90000"/>
+                      </a:schemeClr>
+                    </a:solidFill>
+                  </a:tcPr>
+                </a:tc>
+                <a:tc>
+                  <a:txBody>
+                    <a:bodyPr/>
+                    <a:lstStyle/>
+                    <a:p>
+                      <a:pPr algn="ctr"/>
+                      <a:r>
+                        <a:rPr lang="ru-RU" sz="2400" dirty="0" smtClean="0"/>
+                        <a:t>Коэффициент</a:t>
+                      </a:r>
+                      <a:r>
+                        <a:rPr lang="ru-RU" sz="2400" baseline="0" dirty="0" smtClean="0"/>
+                        <a:t> уменьшения интервала ошибки</a:t>
+                      </a:r>
+                      <a:endParaRPr lang="ru-RU" sz="2400" dirty="0"/>
+                    </a:p>
+                  </a:txBody>
+                  <a:tcPr>
+                    <a:solidFill>
+                      <a:schemeClr val="bg2">
+                        <a:lumMod val="90000"/>
+                      </a:schemeClr>
+                    </a:solidFill>
+                  </a:tcPr>
+                </a:tc>
+              </a:tr>
+              <a:tr h="370840">
+                <a:tc>
+                  <a:txBody>
+                    <a:bodyPr/>
+                    <a:lstStyle/>
+                    <a:p>
+                      <a:pPr algn="ctr"/>
+                      <a:r>
+                        <a:rPr lang="ru-RU" sz="2400" dirty="0" smtClean="0"/>
+                        <a:t>Маршрут 1</a:t>
+                      </a:r>
+                      <a:endParaRPr lang="ru-RU" sz="2400" dirty="0"/>
+                    </a:p>
+                  </a:txBody>
+                  <a:tcPr/>
+                </a:tc>
+                <a:tc>
+                  <a:txBody>
+                    <a:bodyPr/>
+                    <a:lstStyle/>
+                    <a:p>
+                      <a:pPr algn="ctr" fontAlgn="b"/>
+                      <a:r>
+                        <a:rPr lang="ru-RU" sz="2400" b="0" i="0" u="none" strike="noStrike" smtClean="0">
+                          <a:solidFill>
+                            <a:srgbClr val="000000"/>
+                          </a:solidFill>
+                          <a:effectLst/>
+                          <a:latin typeface="+mn-lt"/>
+                        </a:rPr>
+                        <a:t>17,65 ± 15,95</a:t>
+                      </a:r>
+                    </a:p>
+                  </a:txBody>
+                  <a:tcPr marL="9525" marR="9525" marT="9525" marB="0" anchor="ctr"/>
+                </a:tc>
+                <a:tc>
+                  <a:txBody>
+                    <a:bodyPr/>
+                    <a:lstStyle/>
+                    <a:p>
+                      <a:pPr algn="ctr" fontAlgn="b"/>
+                      <a:r>
+                        <a:rPr lang="ru-RU" sz="2400" b="0" i="0" u="none" strike="noStrike" dirty="0" smtClean="0">
+                          <a:solidFill>
+                            <a:srgbClr val="000000"/>
+                          </a:solidFill>
+                          <a:effectLst/>
+                          <a:latin typeface="+mn-lt"/>
+                        </a:rPr>
+                        <a:t>8,92 </a:t>
+                      </a:r>
+                      <a:r>
+                        <a:rPr lang="ru-RU" sz="2400" b="0" i="0" u="none" strike="noStrike" dirty="0" smtClean="0">
+                          <a:solidFill>
+                            <a:srgbClr val="000000"/>
+                          </a:solidFill>
+                          <a:effectLst/>
+                          <a:latin typeface="+mn-lt"/>
+                        </a:rPr>
+                        <a:t>±</a:t>
+                      </a:r>
+                      <a:r>
+                        <a:rPr lang="ru-RU" sz="2400" b="0" i="0" u="none" strike="noStrike" dirty="0" smtClean="0">
+                          <a:solidFill>
+                            <a:srgbClr val="000000"/>
+                          </a:solidFill>
+                          <a:effectLst/>
+                          <a:latin typeface="+mn-lt"/>
+                        </a:rPr>
+                        <a:t> 9,85</a:t>
+                      </a:r>
+                    </a:p>
+                  </a:txBody>
+                  <a:tcPr marL="9525" marR="9525" marT="9525" marB="0" anchor="ctr"/>
+                </a:tc>
+                <a:tc>
+                  <a:txBody>
+                    <a:bodyPr/>
+                    <a:lstStyle/>
+                    <a:p>
+                      <a:pPr algn="ctr" fontAlgn="b"/>
+                      <a:r>
+                        <a:rPr lang="ru-RU" sz="2400" b="0" i="0" u="none" strike="noStrike" dirty="0" smtClean="0">
+                          <a:solidFill>
+                            <a:srgbClr val="000000"/>
+                          </a:solidFill>
+                          <a:effectLst/>
+                          <a:latin typeface="+mj-lt"/>
+                        </a:rPr>
+                        <a:t>1,98</a:t>
+                      </a:r>
+                      <a:endParaRPr lang="ru-RU" sz="2400" b="0" i="0" u="none" strike="noStrike" dirty="0">
+                        <a:solidFill>
+                          <a:srgbClr val="000000"/>
+                        </a:solidFill>
+                        <a:effectLst/>
+                        <a:latin typeface="+mj-lt"/>
+                      </a:endParaRPr>
+                    </a:p>
+                  </a:txBody>
+                  <a:tcPr marL="9525" marR="9525" marT="9525" marB="0" anchor="ctr"/>
+                </a:tc>
+                <a:tc>
+                  <a:txBody>
+                    <a:bodyPr/>
+                    <a:lstStyle/>
+                    <a:p>
+                      <a:pPr algn="ctr" fontAlgn="b"/>
+                      <a:r>
+                        <a:rPr lang="ru-RU" sz="2400" b="0" i="0" u="none" strike="noStrike" dirty="0" smtClean="0">
+                          <a:solidFill>
+                            <a:srgbClr val="000000"/>
+                          </a:solidFill>
+                          <a:effectLst/>
+                          <a:latin typeface="+mj-lt"/>
+                        </a:rPr>
+                        <a:t>1,62</a:t>
+                      </a:r>
+                      <a:endParaRPr lang="ru-RU" sz="2400" b="0" i="0" u="none" strike="noStrike" dirty="0">
+                        <a:solidFill>
+                          <a:srgbClr val="000000"/>
+                        </a:solidFill>
+                        <a:effectLst/>
+                        <a:latin typeface="+mj-lt"/>
+                      </a:endParaRPr>
+                    </a:p>
+                  </a:txBody>
+                  <a:tcPr marL="9525" marR="9525" marT="9525" marB="0" anchor="ctr"/>
+                </a:tc>
+              </a:tr>
+              <a:tr h="370840">
+                <a:tc>
+                  <a:txBody>
+                    <a:bodyPr/>
+                    <a:lstStyle/>
+                    <a:p>
+                      <a:pPr algn="ctr"/>
+                      <a:r>
+                        <a:rPr lang="ru-RU" sz="2400" dirty="0" smtClean="0"/>
+                        <a:t>Маршрут 2</a:t>
+                      </a:r>
+                      <a:endParaRPr lang="ru-RU" sz="2400" dirty="0"/>
+                    </a:p>
+                  </a:txBody>
+                  <a:tcPr/>
+                </a:tc>
+                <a:tc>
+                  <a:txBody>
+                    <a:bodyPr/>
+                    <a:lstStyle/>
+                    <a:p>
+                      <a:pPr marL="0" marR="0" indent="0" algn="ctr" defTabSz="914400" rtl="0" eaLnBrk="1" fontAlgn="b" latinLnBrk="0" hangingPunct="1">
+                        <a:lnSpc>
+                          <a:spcPct val="100000"/>
+                        </a:lnSpc>
+                        <a:spcBef>
+                          <a:spcPts val="0"/>
+                        </a:spcBef>
+                        <a:spcAft>
+                          <a:spcPts val="0"/>
+                        </a:spcAft>
+                        <a:buClrTx/>
+                        <a:buSzTx/>
+                        <a:buFontTx/>
+                        <a:buNone/>
+                        <a:tabLst/>
+                        <a:defRPr/>
+                      </a:pPr>
+                      <a:r>
+                        <a:rPr lang="ru-RU" sz="2400" b="0" i="0" u="none" strike="noStrike" dirty="0" smtClean="0">
+                          <a:solidFill>
+                            <a:srgbClr val="000000"/>
+                          </a:solidFill>
+                          <a:effectLst/>
+                          <a:latin typeface="+mn-lt"/>
+                        </a:rPr>
+                        <a:t>19,46 </a:t>
+                      </a:r>
+                      <a:r>
+                        <a:rPr lang="ru-RU" sz="2400" b="0" i="0" u="none" strike="noStrike" dirty="0" smtClean="0">
+                          <a:solidFill>
+                            <a:srgbClr val="000000"/>
+                          </a:solidFill>
+                          <a:effectLst/>
+                          <a:latin typeface="+mn-lt"/>
+                        </a:rPr>
+                        <a:t>± 177,13</a:t>
+                      </a:r>
+                    </a:p>
+                  </a:txBody>
+                  <a:tcPr marL="9525" marR="9525" marT="9525" marB="0" anchor="ctr"/>
+                </a:tc>
+                <a:tc>
+                  <a:txBody>
+                    <a:bodyPr/>
+                    <a:lstStyle/>
+                    <a:p>
+                      <a:pPr marL="0" marR="0" indent="0" algn="ctr" defTabSz="914400" rtl="0" eaLnBrk="1" fontAlgn="b" latinLnBrk="0" hangingPunct="1">
+                        <a:lnSpc>
+                          <a:spcPct val="100000"/>
+                        </a:lnSpc>
+                        <a:spcBef>
+                          <a:spcPts val="0"/>
+                        </a:spcBef>
+                        <a:spcAft>
+                          <a:spcPts val="0"/>
+                        </a:spcAft>
+                        <a:buClrTx/>
+                        <a:buSzTx/>
+                        <a:buFontTx/>
+                        <a:buNone/>
+                        <a:tabLst/>
+                        <a:defRPr/>
+                      </a:pPr>
+                      <a:r>
+                        <a:rPr lang="ru-RU" sz="2400" b="0" i="0" u="none" strike="noStrike" dirty="0" smtClean="0">
+                          <a:solidFill>
+                            <a:srgbClr val="000000"/>
+                          </a:solidFill>
+                          <a:effectLst/>
+                          <a:latin typeface="+mn-lt"/>
+                        </a:rPr>
+                        <a:t>15,15 </a:t>
+                      </a:r>
+                      <a:r>
+                        <a:rPr lang="ru-RU" sz="2400" b="0" i="0" u="none" strike="noStrike" dirty="0" smtClean="0">
+                          <a:solidFill>
+                            <a:srgbClr val="000000"/>
+                          </a:solidFill>
+                          <a:effectLst/>
+                          <a:latin typeface="+mn-lt"/>
+                        </a:rPr>
+                        <a:t>± 81,69</a:t>
+                      </a:r>
+                    </a:p>
+                  </a:txBody>
+                  <a:tcPr marL="9525" marR="9525" marT="9525" marB="0" anchor="ctr"/>
+                </a:tc>
+                <a:tc>
+                  <a:txBody>
+                    <a:bodyPr/>
+                    <a:lstStyle/>
+                    <a:p>
+                      <a:pPr algn="ctr" fontAlgn="b"/>
+                      <a:r>
+                        <a:rPr lang="ru-RU" sz="2400" b="0" i="0" u="none" strike="noStrike" dirty="0" smtClean="0">
+                          <a:solidFill>
+                            <a:srgbClr val="000000"/>
+                          </a:solidFill>
+                          <a:effectLst/>
+                          <a:latin typeface="+mj-lt"/>
+                        </a:rPr>
+                        <a:t>1,28</a:t>
+                      </a:r>
+                      <a:endParaRPr lang="ru-RU" sz="2400" b="0" i="0" u="none" strike="noStrike" dirty="0">
+                        <a:solidFill>
+                          <a:srgbClr val="000000"/>
+                        </a:solidFill>
+                        <a:effectLst/>
+                        <a:latin typeface="+mj-lt"/>
+                      </a:endParaRPr>
+                    </a:p>
+                  </a:txBody>
+                  <a:tcPr marL="9525" marR="9525" marT="9525" marB="0" anchor="ctr"/>
+                </a:tc>
+                <a:tc>
+                  <a:txBody>
+                    <a:bodyPr/>
+                    <a:lstStyle/>
+                    <a:p>
+                      <a:pPr algn="ctr" fontAlgn="b"/>
+                      <a:r>
+                        <a:rPr lang="ru-RU" sz="2400" b="0" i="0" u="none" strike="noStrike" dirty="0" smtClean="0">
+                          <a:solidFill>
+                            <a:srgbClr val="000000"/>
+                          </a:solidFill>
+                          <a:effectLst/>
+                          <a:latin typeface="+mj-lt"/>
+                        </a:rPr>
+                        <a:t>2,17</a:t>
+                      </a:r>
+                      <a:endParaRPr lang="ru-RU" sz="2400" b="0" i="0" u="none" strike="noStrike" dirty="0">
+                        <a:solidFill>
+                          <a:srgbClr val="000000"/>
+                        </a:solidFill>
+                        <a:effectLst/>
+                        <a:latin typeface="+mj-lt"/>
+                      </a:endParaRPr>
+                    </a:p>
+                  </a:txBody>
+                  <a:tcPr marL="9525" marR="9525" marT="9525" marB="0" anchor="ctr"/>
+                </a:tc>
+              </a:tr>
+              <a:tr h="370840">
+                <a:tc>
+                  <a:txBody>
+                    <a:bodyPr/>
+                    <a:lstStyle/>
+                    <a:p>
+                      <a:pPr algn="ctr"/>
+                      <a:r>
+                        <a:rPr lang="ru-RU" sz="2400" dirty="0" smtClean="0"/>
+                        <a:t>Маршрут 3</a:t>
+                      </a:r>
+                      <a:endParaRPr lang="ru-RU" sz="2400" dirty="0"/>
+                    </a:p>
+                  </a:txBody>
+                  <a:tcPr/>
+                </a:tc>
+                <a:tc>
+                  <a:txBody>
+                    <a:bodyPr/>
+                    <a:lstStyle/>
+                    <a:p>
+                      <a:pPr marL="0" marR="0" indent="0" algn="ctr" defTabSz="914400" rtl="0" eaLnBrk="1" fontAlgn="b" latinLnBrk="0" hangingPunct="1">
+                        <a:lnSpc>
+                          <a:spcPct val="100000"/>
+                        </a:lnSpc>
+                        <a:spcBef>
+                          <a:spcPts val="0"/>
+                        </a:spcBef>
+                        <a:spcAft>
+                          <a:spcPts val="0"/>
+                        </a:spcAft>
+                        <a:buClrTx/>
+                        <a:buSzTx/>
+                        <a:buFontTx/>
+                        <a:buNone/>
+                        <a:tabLst/>
+                        <a:defRPr/>
+                      </a:pPr>
+                      <a:r>
+                        <a:rPr lang="ru-RU" sz="2400" b="0" i="0" u="none" strike="noStrike" dirty="0" smtClean="0">
+                          <a:solidFill>
+                            <a:srgbClr val="000000"/>
+                          </a:solidFill>
+                          <a:effectLst/>
+                          <a:latin typeface="+mn-lt"/>
+                        </a:rPr>
+                        <a:t>16,50 </a:t>
+                      </a:r>
+                      <a:r>
+                        <a:rPr lang="ru-RU" sz="2400" b="0" i="0" u="none" strike="noStrike" dirty="0" smtClean="0">
+                          <a:solidFill>
+                            <a:srgbClr val="000000"/>
+                          </a:solidFill>
+                          <a:effectLst/>
+                          <a:latin typeface="+mn-lt"/>
+                        </a:rPr>
+                        <a:t>± 115,24</a:t>
+                      </a:r>
+                    </a:p>
+                  </a:txBody>
+                  <a:tcPr marL="9525" marR="9525" marT="9525" marB="0" anchor="ctr"/>
+                </a:tc>
+                <a:tc>
+                  <a:txBody>
+                    <a:bodyPr/>
+                    <a:lstStyle/>
+                    <a:p>
+                      <a:pPr marL="0" marR="0" indent="0" algn="ctr" defTabSz="914400" rtl="0" eaLnBrk="1" fontAlgn="b" latinLnBrk="0" hangingPunct="1">
+                        <a:lnSpc>
+                          <a:spcPct val="100000"/>
+                        </a:lnSpc>
+                        <a:spcBef>
+                          <a:spcPts val="0"/>
+                        </a:spcBef>
+                        <a:spcAft>
+                          <a:spcPts val="0"/>
+                        </a:spcAft>
+                        <a:buClrTx/>
+                        <a:buSzTx/>
+                        <a:buFontTx/>
+                        <a:buNone/>
+                        <a:tabLst/>
+                        <a:defRPr/>
+                      </a:pPr>
+                      <a:r>
+                        <a:rPr lang="ru-RU" sz="2400" b="0" i="0" u="none" strike="noStrike" dirty="0" smtClean="0">
+                          <a:solidFill>
+                            <a:srgbClr val="000000"/>
+                          </a:solidFill>
+                          <a:effectLst/>
+                          <a:latin typeface="+mn-lt"/>
+                        </a:rPr>
+                        <a:t>14,57 </a:t>
+                      </a:r>
+                      <a:r>
+                        <a:rPr lang="ru-RU" sz="2400" b="0" i="0" u="none" strike="noStrike" dirty="0" smtClean="0">
+                          <a:solidFill>
+                            <a:srgbClr val="000000"/>
+                          </a:solidFill>
+                          <a:effectLst/>
+                          <a:latin typeface="+mn-lt"/>
+                        </a:rPr>
+                        <a:t>± 110,6</a:t>
+                      </a:r>
+                    </a:p>
+                  </a:txBody>
+                  <a:tcPr marL="9525" marR="9525" marT="9525" marB="0" anchor="ctr"/>
+                </a:tc>
+                <a:tc>
+                  <a:txBody>
+                    <a:bodyPr/>
+                    <a:lstStyle/>
+                    <a:p>
+                      <a:pPr algn="ctr" fontAlgn="b"/>
+                      <a:r>
+                        <a:rPr lang="ru-RU" sz="2400" b="0" i="0" u="none" strike="noStrike" dirty="0" smtClean="0">
+                          <a:solidFill>
+                            <a:srgbClr val="000000"/>
+                          </a:solidFill>
+                          <a:effectLst/>
+                          <a:latin typeface="+mj-lt"/>
+                        </a:rPr>
+                        <a:t>1,13</a:t>
+                      </a:r>
+                      <a:endParaRPr lang="ru-RU" sz="2400" b="0" i="0" u="none" strike="noStrike" dirty="0">
+                        <a:solidFill>
+                          <a:srgbClr val="000000"/>
+                        </a:solidFill>
+                        <a:effectLst/>
+                        <a:latin typeface="+mj-lt"/>
+                      </a:endParaRPr>
+                    </a:p>
+                  </a:txBody>
+                  <a:tcPr marL="9525" marR="9525" marT="9525" marB="0" anchor="ctr"/>
+                </a:tc>
+                <a:tc>
+                  <a:txBody>
+                    <a:bodyPr/>
+                    <a:lstStyle/>
+                    <a:p>
+                      <a:pPr algn="ctr" fontAlgn="b"/>
+                      <a:r>
+                        <a:rPr lang="ru-RU" sz="2400" b="0" i="0" u="none" strike="noStrike" dirty="0" smtClean="0">
+                          <a:solidFill>
+                            <a:srgbClr val="000000"/>
+                          </a:solidFill>
+                          <a:effectLst/>
+                          <a:latin typeface="+mj-lt"/>
+                        </a:rPr>
+                        <a:t>1,04</a:t>
+                      </a:r>
+                      <a:endParaRPr lang="ru-RU" sz="2400" b="0" i="0" u="none" strike="noStrike" dirty="0">
+                        <a:solidFill>
+                          <a:srgbClr val="000000"/>
+                        </a:solidFill>
+                        <a:effectLst/>
+                        <a:latin typeface="+mj-lt"/>
+                      </a:endParaRPr>
+                    </a:p>
+                  </a:txBody>
+                  <a:tcPr marL="9525" marR="9525" marT="9525" marB="0" anchor="ctr"/>
+                </a:tc>
+              </a:tr>
+              <a:tr h="370840">
+                <a:tc>
+                  <a:txBody>
+                    <a:bodyPr/>
+                    <a:lstStyle/>
+                    <a:p>
+                      <a:pPr algn="ctr"/>
+                      <a:r>
+                        <a:rPr lang="ru-RU" sz="2400" dirty="0" smtClean="0"/>
+                        <a:t>Маршрут 4 </a:t>
+                      </a:r>
+                      <a:endParaRPr lang="ru-RU" sz="2400" dirty="0"/>
+                    </a:p>
+                  </a:txBody>
+                  <a:tcPr/>
+                </a:tc>
+                <a:tc>
+                  <a:txBody>
+                    <a:bodyPr/>
+                    <a:lstStyle/>
+                    <a:p>
+                      <a:pPr marL="0" marR="0" indent="0" algn="ctr" defTabSz="914400" rtl="0" eaLnBrk="1" fontAlgn="b" latinLnBrk="0" hangingPunct="1">
+                        <a:lnSpc>
+                          <a:spcPct val="100000"/>
+                        </a:lnSpc>
+                        <a:spcBef>
+                          <a:spcPts val="0"/>
+                        </a:spcBef>
+                        <a:spcAft>
+                          <a:spcPts val="0"/>
+                        </a:spcAft>
+                        <a:buClrTx/>
+                        <a:buSzTx/>
+                        <a:buFontTx/>
+                        <a:buNone/>
+                        <a:tabLst/>
+                        <a:defRPr/>
+                      </a:pPr>
+                      <a:r>
+                        <a:rPr lang="ru-RU" sz="2400" b="0" i="0" u="none" strike="noStrike" smtClean="0">
+                          <a:solidFill>
+                            <a:srgbClr val="000000"/>
+                          </a:solidFill>
+                          <a:effectLst/>
+                          <a:latin typeface="+mn-lt"/>
+                        </a:rPr>
+                        <a:t>17,91 </a:t>
+                      </a:r>
+                      <a:r>
+                        <a:rPr lang="ru-RU" sz="2400" b="0" i="0" u="none" strike="noStrike" smtClean="0">
+                          <a:solidFill>
+                            <a:srgbClr val="000000"/>
+                          </a:solidFill>
+                          <a:effectLst/>
+                          <a:latin typeface="+mn-lt"/>
+                        </a:rPr>
+                        <a:t>± 115,61</a:t>
+                      </a:r>
+                    </a:p>
+                  </a:txBody>
+                  <a:tcPr marL="9525" marR="9525" marT="9525" marB="0" anchor="ctr"/>
+                </a:tc>
+                <a:tc>
+                  <a:txBody>
+                    <a:bodyPr/>
+                    <a:lstStyle/>
+                    <a:p>
+                      <a:pPr marL="0" marR="0" indent="0" algn="ctr" defTabSz="914400" rtl="0" eaLnBrk="1" fontAlgn="b" latinLnBrk="0" hangingPunct="1">
+                        <a:lnSpc>
+                          <a:spcPct val="100000"/>
+                        </a:lnSpc>
+                        <a:spcBef>
+                          <a:spcPts val="0"/>
+                        </a:spcBef>
+                        <a:spcAft>
+                          <a:spcPts val="0"/>
+                        </a:spcAft>
+                        <a:buClrTx/>
+                        <a:buSzTx/>
+                        <a:buFontTx/>
+                        <a:buNone/>
+                        <a:tabLst/>
+                        <a:defRPr/>
+                      </a:pPr>
+                      <a:r>
+                        <a:rPr lang="ru-RU" sz="2400" b="0" i="0" u="none" strike="noStrike" dirty="0" smtClean="0">
+                          <a:solidFill>
+                            <a:srgbClr val="000000"/>
+                          </a:solidFill>
+                          <a:effectLst/>
+                          <a:latin typeface="+mn-lt"/>
+                        </a:rPr>
+                        <a:t>11,22 </a:t>
+                      </a:r>
+                      <a:r>
+                        <a:rPr lang="ru-RU" sz="2400" b="0" i="0" u="none" strike="noStrike" dirty="0" smtClean="0">
+                          <a:solidFill>
+                            <a:srgbClr val="000000"/>
+                          </a:solidFill>
+                          <a:effectLst/>
+                          <a:latin typeface="+mn-lt"/>
+                        </a:rPr>
+                        <a:t>± 70,57</a:t>
+                      </a:r>
+                    </a:p>
+                  </a:txBody>
+                  <a:tcPr marL="9525" marR="9525" marT="9525" marB="0" anchor="ctr"/>
+                </a:tc>
+                <a:tc>
+                  <a:txBody>
+                    <a:bodyPr/>
+                    <a:lstStyle/>
+                    <a:p>
+                      <a:pPr algn="ctr" fontAlgn="b"/>
+                      <a:r>
+                        <a:rPr lang="ru-RU" sz="2400" b="0" i="0" u="none" strike="noStrike" dirty="0" smtClean="0">
+                          <a:solidFill>
+                            <a:srgbClr val="000000"/>
+                          </a:solidFill>
+                          <a:effectLst/>
+                          <a:latin typeface="+mj-lt"/>
+                        </a:rPr>
+                        <a:t>1,59</a:t>
+                      </a:r>
+                      <a:endParaRPr lang="ru-RU" sz="2400" b="0" i="0" u="none" strike="noStrike" dirty="0">
+                        <a:solidFill>
+                          <a:srgbClr val="000000"/>
+                        </a:solidFill>
+                        <a:effectLst/>
+                        <a:latin typeface="+mj-lt"/>
+                      </a:endParaRPr>
+                    </a:p>
+                  </a:txBody>
+                  <a:tcPr marL="9525" marR="9525" marT="9525" marB="0" anchor="ctr"/>
+                </a:tc>
+                <a:tc>
+                  <a:txBody>
+                    <a:bodyPr/>
+                    <a:lstStyle/>
+                    <a:p>
+                      <a:pPr algn="ctr" fontAlgn="b"/>
+                      <a:r>
+                        <a:rPr lang="ru-RU" sz="2400" b="0" i="0" u="none" strike="noStrike" dirty="0" smtClean="0">
+                          <a:solidFill>
+                            <a:srgbClr val="000000"/>
+                          </a:solidFill>
+                          <a:effectLst/>
+                          <a:latin typeface="+mj-lt"/>
+                        </a:rPr>
+                        <a:t>1,63</a:t>
+                      </a:r>
+                      <a:endParaRPr lang="ru-RU" sz="2400" b="0" i="0" u="none" strike="noStrike" dirty="0">
+                        <a:solidFill>
+                          <a:srgbClr val="000000"/>
+                        </a:solidFill>
+                        <a:effectLst/>
+                        <a:latin typeface="+mj-lt"/>
+                      </a:endParaRPr>
+                    </a:p>
+                  </a:txBody>
+                  <a:tcPr marL="9525" marR="9525" marT="9525" marB="0" anchor="ctr"/>
+                </a:tc>
+              </a:tr>
+            </a:tbl>
+          </a:graphicData>
+        </a:graphic>
+      </p:graphicFrame>
+      <p:sp>
+        <p:nvSpPr>
+          <p:cNvPr id="4" name="Номер слайда 3"/>
+          <p:cNvSpPr>
+            <a:spLocks noGrp="1"/>
+          </p:cNvSpPr>
+          <p:nvPr>
+            <p:ph type="sldNum" sz="quarter" idx="12"/>
+          </p:nvPr>
+        </p:nvSpPr>
+        <p:spPr/>
+        <p:txBody>
+          <a:bodyPr/>
+          <a:lstStyle/>
+          <a:p>
+            <a:fld id="{3BCC8605-603C-4CBC-9D12-BEB80FA30360}" type="slidenum">
+              <a:rPr lang="ru-RU" smtClean="0"/>
+              <a:t>14</a:t>
+            </a:fld>
+            <a:endParaRPr lang="ru-RU"/>
+          </a:p>
+        </p:txBody>
+      </p:sp>
+      <p:sp>
+        <p:nvSpPr>
+          <p:cNvPr id="11" name="TextBox 10"/>
+          <p:cNvSpPr txBox="1"/>
+          <p:nvPr/>
+        </p:nvSpPr>
         <p:spPr>
           <a:xfrm>
-            <a:off x="838199" y="146542"/>
-            <a:ext cx="10515600" cy="1325563"/>
-          </a:xfrm>
-        </p:spPr>
-        <p:txBody>
-          <a:bodyPr/>
-          <a:lstStyle/>
-          <a:p>
-            <a:r>
-              <a:rPr lang="ru-RU" dirty="0" smtClean="0"/>
-              <a:t>Эксперимент</a:t>
-            </a:r>
-            <a:endParaRPr lang="ru-RU" dirty="0"/>
-          </a:p>
-        </p:txBody>
-      </p:sp>
-      <p:pic>
-        <p:nvPicPr>
-          <p:cNvPr id="5" name="Объект 4"/>
-          <p:cNvPicPr>
-            <a:picLocks noGrp="1" noChangeAspect="1"/>
-          </p:cNvPicPr>
-          <p:nvPr>
-            <p:ph idx="1"/>
-          </p:nvPr>
-        </p:nvPicPr>
-        <p:blipFill rotWithShape="1">
-          <a:blip r:embed="rId2">
-            <a:extLst>
-              <a:ext uri="{28A0092B-C50C-407E-A947-70E740481C1C}">
-                <a14:useLocalDpi xmlns:a14="http://schemas.microsoft.com/office/drawing/2010/main" val="0"/>
-              </a:ext>
-            </a:extLst>
-          </a:blip>
-          <a:srcRect l="3101"/>
-          <a:stretch/>
-        </p:blipFill>
-        <p:spPr>
-          <a:xfrm>
-            <a:off x="6008914" y="1472105"/>
-            <a:ext cx="6055568" cy="2972978"/>
-          </a:xfrm>
-        </p:spPr>
-      </p:pic>
-      <p:pic>
-        <p:nvPicPr>
-          <p:cNvPr id="7" name="Рисунок 6"/>
-          <p:cNvPicPr>
-            <a:picLocks noChangeAspect="1"/>
-          </p:cNvPicPr>
-          <p:nvPr/>
-        </p:nvPicPr>
-        <p:blipFill>
-          <a:blip r:embed="rId3" cstate="print">
-            <a:extLst>
-              <a:ext uri="{28A0092B-C50C-407E-A947-70E740481C1C}">
-                <a14:useLocalDpi xmlns:a14="http://schemas.microsoft.com/office/drawing/2010/main" val="0"/>
-              </a:ext>
-            </a:extLst>
-          </a:blip>
-          <a:stretch>
-            <a:fillRect/>
-          </a:stretch>
-        </p:blipFill>
-        <p:spPr>
-          <a:xfrm>
-            <a:off x="363956" y="1472105"/>
-            <a:ext cx="5053652" cy="2972978"/>
-          </a:xfrm>
-          <a:prstGeom prst="rect">
-            <a:avLst/>
-          </a:prstGeom>
-        </p:spPr>
-      </p:pic>
-      <p:sp>
-        <p:nvSpPr>
-          <p:cNvPr id="8" name="TextBox 7"/>
-          <p:cNvSpPr txBox="1"/>
-          <p:nvPr/>
-        </p:nvSpPr>
-        <p:spPr>
-          <a:xfrm>
-            <a:off x="5417608" y="1472105"/>
-            <a:ext cx="678391" cy="307777"/>
+            <a:off x="838200" y="5133835"/>
+            <a:ext cx="10515600" cy="830997"/>
           </a:xfrm>
           <a:prstGeom prst="rect">
             <a:avLst/>
@@ -4224,308 +6395,23 @@
           <a:noFill/>
         </p:spPr>
         <p:txBody>
-          <a:bodyPr wrap="none" rtlCol="0">
-            <a:spAutoFit/>
-          </a:bodyPr>
-          <a:lstStyle/>
-          <a:p>
-            <a:r>
-              <a:rPr lang="en-US" sz="1400" dirty="0" smtClean="0"/>
-              <a:t>0,0015</a:t>
-            </a:r>
-            <a:endParaRPr lang="ru-RU" sz="1400" dirty="0"/>
-          </a:p>
-        </p:txBody>
-      </p:sp>
-      <p:sp>
-        <p:nvSpPr>
-          <p:cNvPr id="10" name="TextBox 9"/>
-          <p:cNvSpPr txBox="1"/>
-          <p:nvPr/>
-        </p:nvSpPr>
-        <p:spPr>
-          <a:xfrm>
-            <a:off x="5507375" y="2304748"/>
-            <a:ext cx="588623" cy="307777"/>
-          </a:xfrm>
-          <a:prstGeom prst="rect">
-            <a:avLst/>
-          </a:prstGeom>
-          <a:noFill/>
-        </p:spPr>
-        <p:txBody>
-          <a:bodyPr wrap="none" rtlCol="0">
-            <a:spAutoFit/>
-          </a:bodyPr>
-          <a:lstStyle/>
-          <a:p>
-            <a:r>
-              <a:rPr lang="en-US" sz="1400" dirty="0" smtClean="0"/>
-              <a:t>0,001</a:t>
-            </a:r>
-            <a:endParaRPr lang="ru-RU" sz="1400" dirty="0"/>
-          </a:p>
-        </p:txBody>
-      </p:sp>
-      <p:sp>
-        <p:nvSpPr>
-          <p:cNvPr id="11" name="TextBox 10"/>
-          <p:cNvSpPr txBox="1"/>
-          <p:nvPr/>
-        </p:nvSpPr>
-        <p:spPr>
-          <a:xfrm>
-            <a:off x="5417607" y="3095380"/>
-            <a:ext cx="678391" cy="307777"/>
-          </a:xfrm>
-          <a:prstGeom prst="rect">
-            <a:avLst/>
-          </a:prstGeom>
-          <a:noFill/>
-        </p:spPr>
-        <p:txBody>
-          <a:bodyPr wrap="none" rtlCol="0">
-            <a:spAutoFit/>
-          </a:bodyPr>
-          <a:lstStyle/>
-          <a:p>
-            <a:r>
-              <a:rPr lang="en-US" sz="1400" dirty="0" smtClean="0"/>
-              <a:t>0,0005</a:t>
-            </a:r>
-            <a:endParaRPr lang="ru-RU" sz="1400" dirty="0"/>
-          </a:p>
-        </p:txBody>
-      </p:sp>
-      <p:sp>
-        <p:nvSpPr>
-          <p:cNvPr id="12" name="TextBox 11"/>
-          <p:cNvSpPr txBox="1"/>
-          <p:nvPr/>
-        </p:nvSpPr>
-        <p:spPr>
-          <a:xfrm>
-            <a:off x="5507375" y="1108933"/>
-            <a:ext cx="1269899" cy="307777"/>
-          </a:xfrm>
-          <a:prstGeom prst="rect">
-            <a:avLst/>
-          </a:prstGeom>
-          <a:noFill/>
-        </p:spPr>
-        <p:txBody>
-          <a:bodyPr wrap="none" rtlCol="0">
-            <a:spAutoFit/>
-          </a:bodyPr>
-          <a:lstStyle/>
-          <a:p>
-            <a:r>
-              <a:rPr lang="ru-RU" sz="1400" dirty="0" smtClean="0"/>
-              <a:t>Отклонение, °</a:t>
-            </a:r>
-            <a:endParaRPr lang="ru-RU" sz="1400" dirty="0"/>
-          </a:p>
-        </p:txBody>
-      </p:sp>
-      <p:cxnSp>
-        <p:nvCxnSpPr>
-          <p:cNvPr id="14" name="Прямая соединительная линия 13"/>
-          <p:cNvCxnSpPr/>
-          <p:nvPr/>
-        </p:nvCxnSpPr>
-        <p:spPr>
-          <a:xfrm>
-            <a:off x="469639" y="4935893"/>
-            <a:ext cx="737119" cy="0"/>
-          </a:xfrm>
-          <a:prstGeom prst="line">
-            <a:avLst/>
-          </a:prstGeom>
-          <a:ln w="28575">
-            <a:solidFill>
-              <a:schemeClr val="accent6"/>
-            </a:solidFill>
-          </a:ln>
-        </p:spPr>
-        <p:style>
-          <a:lnRef idx="1">
-            <a:schemeClr val="accent1"/>
-          </a:lnRef>
-          <a:fillRef idx="0">
-            <a:schemeClr val="accent1"/>
-          </a:fillRef>
-          <a:effectRef idx="0">
-            <a:schemeClr val="accent1"/>
-          </a:effectRef>
-          <a:fontRef idx="minor">
-            <a:schemeClr val="tx1"/>
-          </a:fontRef>
-        </p:style>
-      </p:cxnSp>
-      <p:cxnSp>
-        <p:nvCxnSpPr>
-          <p:cNvPr id="15" name="Прямая соединительная линия 14"/>
-          <p:cNvCxnSpPr/>
-          <p:nvPr/>
-        </p:nvCxnSpPr>
-        <p:spPr>
-          <a:xfrm>
-            <a:off x="469638" y="5265574"/>
-            <a:ext cx="737119" cy="0"/>
-          </a:xfrm>
-          <a:prstGeom prst="line">
-            <a:avLst/>
-          </a:prstGeom>
-          <a:ln w="28575">
-            <a:solidFill>
-              <a:srgbClr val="FF0000"/>
-            </a:solidFill>
-          </a:ln>
-        </p:spPr>
-        <p:style>
-          <a:lnRef idx="1">
-            <a:schemeClr val="accent1"/>
-          </a:lnRef>
-          <a:fillRef idx="0">
-            <a:schemeClr val="accent1"/>
-          </a:fillRef>
-          <a:effectRef idx="0">
-            <a:schemeClr val="accent1"/>
-          </a:effectRef>
-          <a:fontRef idx="minor">
-            <a:schemeClr val="tx1"/>
-          </a:fontRef>
-        </p:style>
-      </p:cxnSp>
-      <p:sp>
-        <p:nvSpPr>
-          <p:cNvPr id="16" name="TextBox 15"/>
-          <p:cNvSpPr txBox="1"/>
-          <p:nvPr/>
-        </p:nvSpPr>
-        <p:spPr>
-          <a:xfrm>
-            <a:off x="1300064" y="4751227"/>
-            <a:ext cx="2453951" cy="369332"/>
-          </a:xfrm>
-          <a:prstGeom prst="rect">
-            <a:avLst/>
-          </a:prstGeom>
-          <a:noFill/>
-        </p:spPr>
-        <p:txBody>
           <a:bodyPr wrap="square" rtlCol="0">
             <a:spAutoFit/>
           </a:bodyPr>
           <a:lstStyle/>
           <a:p>
             <a:r>
-              <a:rPr lang="ru-RU" dirty="0" smtClean="0"/>
-              <a:t>Исходный маршрут</a:t>
-            </a:r>
-            <a:endParaRPr lang="ru-RU" dirty="0"/>
-          </a:p>
-        </p:txBody>
-      </p:sp>
-      <p:sp>
-        <p:nvSpPr>
-          <p:cNvPr id="17" name="TextBox 16"/>
-          <p:cNvSpPr txBox="1"/>
-          <p:nvPr/>
-        </p:nvSpPr>
-        <p:spPr>
-          <a:xfrm>
-            <a:off x="1300063" y="5063287"/>
-            <a:ext cx="2453951" cy="369332"/>
-          </a:xfrm>
-          <a:prstGeom prst="rect">
-            <a:avLst/>
-          </a:prstGeom>
-          <a:noFill/>
-        </p:spPr>
-        <p:txBody>
-          <a:bodyPr wrap="square" rtlCol="0">
-            <a:spAutoFit/>
-          </a:bodyPr>
-          <a:lstStyle/>
-          <a:p>
-            <a:r>
-              <a:rPr lang="ru-RU" dirty="0" smtClean="0"/>
-              <a:t>Итоговый маршрут</a:t>
-            </a:r>
-            <a:endParaRPr lang="ru-RU" dirty="0"/>
-          </a:p>
-        </p:txBody>
-      </p:sp>
-      <p:cxnSp>
-        <p:nvCxnSpPr>
-          <p:cNvPr id="19" name="Прямая соединительная линия 18"/>
-          <p:cNvCxnSpPr/>
-          <p:nvPr/>
-        </p:nvCxnSpPr>
-        <p:spPr>
-          <a:xfrm>
-            <a:off x="469637" y="5585019"/>
-            <a:ext cx="737119" cy="0"/>
-          </a:xfrm>
-          <a:prstGeom prst="line">
-            <a:avLst/>
-          </a:prstGeom>
-          <a:ln w="28575">
-            <a:solidFill>
-              <a:srgbClr val="0070C0"/>
-            </a:solidFill>
-          </a:ln>
-        </p:spPr>
-        <p:style>
-          <a:lnRef idx="1">
-            <a:schemeClr val="accent1"/>
-          </a:lnRef>
-          <a:fillRef idx="0">
-            <a:schemeClr val="accent1"/>
-          </a:fillRef>
-          <a:effectRef idx="0">
-            <a:schemeClr val="accent1"/>
-          </a:effectRef>
-          <a:fontRef idx="minor">
-            <a:schemeClr val="tx1"/>
-          </a:fontRef>
-        </p:style>
-      </p:cxnSp>
-      <p:sp>
-        <p:nvSpPr>
-          <p:cNvPr id="20" name="TextBox 19"/>
-          <p:cNvSpPr txBox="1"/>
-          <p:nvPr/>
-        </p:nvSpPr>
-        <p:spPr>
-          <a:xfrm>
-            <a:off x="1300063" y="5394998"/>
-            <a:ext cx="2453951" cy="369332"/>
-          </a:xfrm>
-          <a:prstGeom prst="rect">
-            <a:avLst/>
-          </a:prstGeom>
-          <a:noFill/>
-        </p:spPr>
-        <p:txBody>
-          <a:bodyPr wrap="square" rtlCol="0">
-            <a:spAutoFit/>
-          </a:bodyPr>
-          <a:lstStyle/>
-          <a:p>
-            <a:r>
-              <a:rPr lang="ru-RU" dirty="0" smtClean="0"/>
-              <a:t>Эталонный маршрут</a:t>
-            </a:r>
-            <a:endParaRPr lang="ru-RU" dirty="0"/>
+              <a:rPr lang="ru-RU" sz="2400" dirty="0" smtClean="0"/>
+              <a:t>По итогам эксперимента можно сделать вывод, что предложенный метод повышает точность маршрута</a:t>
+            </a:r>
+            <a:endParaRPr lang="ru-RU" sz="2400" dirty="0"/>
           </a:p>
         </p:txBody>
       </p:sp>
     </p:spTree>
     <p:extLst>
       <p:ext uri="{BB962C8B-B14F-4D97-AF65-F5344CB8AC3E}">
-        <p14:creationId xmlns:p14="http://schemas.microsoft.com/office/powerpoint/2010/main" val="3555441887"/>
+        <p14:creationId xmlns:p14="http://schemas.microsoft.com/office/powerpoint/2010/main" val="181119005"/>
       </p:ext>
     </p:extLst>
   </p:cSld>
@@ -4561,405 +6447,6 @@
       </p:grpSpPr>
       <p:sp>
         <p:nvSpPr>
-          <p:cNvPr id="2" name="Заголовок 1"/>
-          <p:cNvSpPr>
-            <a:spLocks noGrp="1"/>
-          </p:cNvSpPr>
-          <p:nvPr>
-            <p:ph type="title"/>
-          </p:nvPr>
-        </p:nvSpPr>
-        <p:spPr/>
-        <p:txBody>
-          <a:bodyPr/>
-          <a:lstStyle/>
-          <a:p>
-            <a:r>
-              <a:rPr lang="ru-RU" dirty="0" smtClean="0"/>
-              <a:t>Результаты эксперимента</a:t>
-            </a:r>
-            <a:endParaRPr lang="ru-RU" dirty="0"/>
-          </a:p>
-        </p:txBody>
-      </p:sp>
-      <p:graphicFrame>
-        <p:nvGraphicFramePr>
-          <p:cNvPr id="10" name="Объект 9"/>
-          <p:cNvGraphicFramePr>
-            <a:graphicFrameLocks noGrp="1"/>
-          </p:cNvGraphicFramePr>
-          <p:nvPr>
-            <p:ph idx="1"/>
-            <p:extLst>
-              <p:ext uri="{D42A27DB-BD31-4B8C-83A1-F6EECF244321}">
-                <p14:modId xmlns:p14="http://schemas.microsoft.com/office/powerpoint/2010/main" val="1018815586"/>
-              </p:ext>
-            </p:extLst>
-          </p:nvPr>
-        </p:nvGraphicFramePr>
-        <p:xfrm>
-          <a:off x="838200" y="1825625"/>
-          <a:ext cx="10515600" cy="2560320"/>
-        </p:xfrm>
-        <a:graphic>
-          <a:graphicData uri="http://schemas.openxmlformats.org/drawingml/2006/table">
-            <a:tbl>
-              <a:tblPr firstRow="1" bandRow="1">
-                <a:tableStyleId>{5940675A-B579-460E-94D1-54222C63F5DA}</a:tableStyleId>
-              </a:tblPr>
-              <a:tblGrid>
-                <a:gridCol w="3505200"/>
-                <a:gridCol w="3505200"/>
-                <a:gridCol w="3505200"/>
-              </a:tblGrid>
-              <a:tr h="370840">
-                <a:tc>
-                  <a:txBody>
-                    <a:bodyPr/>
-                    <a:lstStyle/>
-                    <a:p>
-                      <a:pPr algn="ctr"/>
-                      <a:endParaRPr lang="ru-RU" dirty="0"/>
-                    </a:p>
-                  </a:txBody>
-                  <a:tcPr>
-                    <a:solidFill>
-                      <a:schemeClr val="bg2">
-                        <a:lumMod val="90000"/>
-                      </a:schemeClr>
-                    </a:solidFill>
-                  </a:tcPr>
-                </a:tc>
-                <a:tc>
-                  <a:txBody>
-                    <a:bodyPr/>
-                    <a:lstStyle/>
-                    <a:p>
-                      <a:pPr algn="ctr"/>
-                      <a:r>
-                        <a:rPr lang="ru-RU" sz="2400" dirty="0" smtClean="0"/>
-                        <a:t>Исходный маршрут</a:t>
-                      </a:r>
-                      <a:endParaRPr lang="ru-RU" sz="2400" dirty="0"/>
-                    </a:p>
-                  </a:txBody>
-                  <a:tcPr>
-                    <a:solidFill>
-                      <a:schemeClr val="bg2">
-                        <a:lumMod val="90000"/>
-                      </a:schemeClr>
-                    </a:solidFill>
-                  </a:tcPr>
-                </a:tc>
-                <a:tc>
-                  <a:txBody>
-                    <a:bodyPr/>
-                    <a:lstStyle/>
-                    <a:p>
-                      <a:pPr algn="ctr"/>
-                      <a:r>
-                        <a:rPr lang="ru-RU" sz="2400" dirty="0" smtClean="0"/>
-                        <a:t>Итоговый маршрут</a:t>
-                      </a:r>
-                      <a:endParaRPr lang="ru-RU" sz="2400" dirty="0"/>
-                    </a:p>
-                  </a:txBody>
-                  <a:tcPr>
-                    <a:solidFill>
-                      <a:schemeClr val="bg2">
-                        <a:lumMod val="90000"/>
-                      </a:schemeClr>
-                    </a:solidFill>
-                  </a:tcPr>
-                </a:tc>
-              </a:tr>
-              <a:tr h="370840">
-                <a:tc>
-                  <a:txBody>
-                    <a:bodyPr/>
-                    <a:lstStyle/>
-                    <a:p>
-                      <a:pPr algn="ctr"/>
-                      <a:r>
-                        <a:rPr lang="ru-RU" sz="2400" dirty="0" smtClean="0"/>
-                        <a:t>Среднее</a:t>
-                      </a:r>
-                      <a:r>
-                        <a:rPr lang="ru-RU" sz="2400" baseline="0" dirty="0" smtClean="0"/>
-                        <a:t> отклонение</a:t>
-                      </a:r>
-                      <a:endParaRPr lang="ru-RU" sz="2400" dirty="0"/>
-                    </a:p>
-                  </a:txBody>
-                  <a:tcPr/>
-                </a:tc>
-                <a:tc>
-                  <a:txBody>
-                    <a:bodyPr/>
-                    <a:lstStyle/>
-                    <a:p>
-                      <a:pPr algn="ctr"/>
-                      <a:r>
-                        <a:rPr lang="ru-RU" sz="2400" kern="1200" dirty="0" smtClean="0">
-                          <a:solidFill>
-                            <a:schemeClr val="tx1"/>
-                          </a:solidFill>
-                          <a:latin typeface="+mn-lt"/>
-                          <a:ea typeface="+mn-ea"/>
-                          <a:cs typeface="+mn-cs"/>
-                        </a:rPr>
-                        <a:t>0.000405827°</a:t>
-                      </a:r>
-                      <a:endParaRPr lang="ru-RU" sz="2400" dirty="0"/>
-                    </a:p>
-                  </a:txBody>
-                  <a:tcPr/>
-                </a:tc>
-                <a:tc>
-                  <a:txBody>
-                    <a:bodyPr/>
-                    <a:lstStyle/>
-                    <a:p>
-                      <a:pPr algn="ctr"/>
-                      <a:r>
-                        <a:rPr lang="ru-RU" sz="2400" kern="1200" dirty="0" smtClean="0">
-                          <a:solidFill>
-                            <a:schemeClr val="tx1"/>
-                          </a:solidFill>
-                          <a:latin typeface="+mn-lt"/>
-                          <a:ea typeface="+mn-ea"/>
-                          <a:cs typeface="+mn-cs"/>
-                        </a:rPr>
-                        <a:t>0.000211782°</a:t>
-                      </a:r>
-                      <a:endParaRPr lang="ru-RU" sz="2400" dirty="0"/>
-                    </a:p>
-                  </a:txBody>
-                  <a:tcPr/>
-                </a:tc>
-              </a:tr>
-              <a:tr h="370840">
-                <a:tc>
-                  <a:txBody>
-                    <a:bodyPr/>
-                    <a:lstStyle/>
-                    <a:p>
-                      <a:pPr algn="ctr"/>
-                      <a:r>
-                        <a:rPr lang="ru-RU" sz="2400" dirty="0" smtClean="0"/>
-                        <a:t>Максимальное отклонение</a:t>
-                      </a:r>
-                      <a:endParaRPr lang="ru-RU" sz="2400" dirty="0"/>
-                    </a:p>
-                  </a:txBody>
-                  <a:tcPr/>
-                </a:tc>
-                <a:tc>
-                  <a:txBody>
-                    <a:bodyPr/>
-                    <a:lstStyle/>
-                    <a:p>
-                      <a:pPr algn="ctr"/>
-                      <a:r>
-                        <a:rPr lang="ru-RU" sz="2400" kern="1200" dirty="0" smtClean="0">
-                          <a:solidFill>
-                            <a:schemeClr val="tx1"/>
-                          </a:solidFill>
-                          <a:latin typeface="+mn-lt"/>
-                          <a:ea typeface="+mn-ea"/>
-                          <a:cs typeface="+mn-cs"/>
-                        </a:rPr>
-                        <a:t>0.052028575°</a:t>
-                      </a:r>
-                      <a:endParaRPr lang="ru-RU" sz="2400" dirty="0"/>
-                    </a:p>
-                  </a:txBody>
-                  <a:tcPr/>
-                </a:tc>
-                <a:tc>
-                  <a:txBody>
-                    <a:bodyPr/>
-                    <a:lstStyle/>
-                    <a:p>
-                      <a:pPr algn="ctr"/>
-                      <a:r>
-                        <a:rPr lang="ru-RU" sz="2400" kern="1200" dirty="0" smtClean="0">
-                          <a:solidFill>
-                            <a:schemeClr val="tx1"/>
-                          </a:solidFill>
-                          <a:latin typeface="+mn-lt"/>
-                          <a:ea typeface="+mn-ea"/>
-                          <a:cs typeface="+mn-cs"/>
-                        </a:rPr>
-                        <a:t>0.002506864°</a:t>
-                      </a:r>
-                      <a:endParaRPr lang="ru-RU" sz="2400" dirty="0"/>
-                    </a:p>
-                  </a:txBody>
-                  <a:tcPr/>
-                </a:tc>
-              </a:tr>
-              <a:tr h="370840">
-                <a:tc>
-                  <a:txBody>
-                    <a:bodyPr/>
-                    <a:lstStyle/>
-                    <a:p>
-                      <a:pPr algn="ctr"/>
-                      <a:r>
-                        <a:rPr lang="ru-RU" sz="2400" dirty="0" smtClean="0"/>
-                        <a:t>Минимальное</a:t>
-                      </a:r>
-                      <a:r>
-                        <a:rPr lang="ru-RU" sz="2400" baseline="0" dirty="0" smtClean="0"/>
-                        <a:t> отклонение</a:t>
-                      </a:r>
-                      <a:endParaRPr lang="ru-RU" sz="2400" dirty="0"/>
-                    </a:p>
-                  </a:txBody>
-                  <a:tcPr/>
-                </a:tc>
-                <a:tc>
-                  <a:txBody>
-                    <a:bodyPr/>
-                    <a:lstStyle/>
-                    <a:p>
-                      <a:pPr algn="ctr"/>
-                      <a:r>
-                        <a:rPr lang="ru-RU" sz="2400" kern="1200" dirty="0" smtClean="0">
-                          <a:solidFill>
-                            <a:schemeClr val="tx1"/>
-                          </a:solidFill>
-                          <a:latin typeface="+mn-lt"/>
-                          <a:ea typeface="+mn-ea"/>
-                          <a:cs typeface="+mn-cs"/>
-                        </a:rPr>
-                        <a:t>0.000001665°</a:t>
-                      </a:r>
-                      <a:endParaRPr lang="ru-RU" sz="2400" dirty="0"/>
-                    </a:p>
-                  </a:txBody>
-                  <a:tcPr/>
-                </a:tc>
-                <a:tc>
-                  <a:txBody>
-                    <a:bodyPr/>
-                    <a:lstStyle/>
-                    <a:p>
-                      <a:pPr algn="ctr"/>
-                      <a:r>
-                        <a:rPr lang="ru-RU" sz="2400" kern="1200" dirty="0" smtClean="0">
-                          <a:solidFill>
-                            <a:schemeClr val="tx1"/>
-                          </a:solidFill>
-                          <a:latin typeface="+mn-lt"/>
-                          <a:ea typeface="+mn-ea"/>
-                          <a:cs typeface="+mn-cs"/>
-                        </a:rPr>
-                        <a:t>0.000000002°</a:t>
-                      </a:r>
-                      <a:endParaRPr lang="ru-RU" sz="2400" dirty="0"/>
-                    </a:p>
-                  </a:txBody>
-                  <a:tcPr/>
-                </a:tc>
-              </a:tr>
-            </a:tbl>
-          </a:graphicData>
-        </a:graphic>
-      </p:graphicFrame>
-      <p:sp>
-        <p:nvSpPr>
-          <p:cNvPr id="4" name="Номер слайда 3"/>
-          <p:cNvSpPr>
-            <a:spLocks noGrp="1"/>
-          </p:cNvSpPr>
-          <p:nvPr>
-            <p:ph type="sldNum" sz="quarter" idx="12"/>
-          </p:nvPr>
-        </p:nvSpPr>
-        <p:spPr/>
-        <p:txBody>
-          <a:bodyPr/>
-          <a:lstStyle/>
-          <a:p>
-            <a:fld id="{3BCC8605-603C-4CBC-9D12-BEB80FA30360}" type="slidenum">
-              <a:rPr lang="ru-RU" smtClean="0"/>
-              <a:t>15</a:t>
-            </a:fld>
-            <a:endParaRPr lang="ru-RU"/>
-          </a:p>
-        </p:txBody>
-      </p:sp>
-      <p:sp>
-        <p:nvSpPr>
-          <p:cNvPr id="11" name="TextBox 10"/>
-          <p:cNvSpPr txBox="1"/>
-          <p:nvPr/>
-        </p:nvSpPr>
-        <p:spPr>
-          <a:xfrm>
-            <a:off x="838200" y="4743450"/>
-            <a:ext cx="10515600" cy="830997"/>
-          </a:xfrm>
-          <a:prstGeom prst="rect">
-            <a:avLst/>
-          </a:prstGeom>
-          <a:noFill/>
-        </p:spPr>
-        <p:txBody>
-          <a:bodyPr wrap="square" rtlCol="0">
-            <a:spAutoFit/>
-          </a:bodyPr>
-          <a:lstStyle/>
-          <a:p>
-            <a:r>
-              <a:rPr lang="ru-RU" sz="2400" dirty="0" smtClean="0"/>
-              <a:t>По итогам эксперимента можно сделать вывод, что предложенный метод повышает точность маршрута</a:t>
-            </a:r>
-            <a:endParaRPr lang="ru-RU" sz="2400" dirty="0"/>
-          </a:p>
-        </p:txBody>
-      </p:sp>
-    </p:spTree>
-    <p:extLst>
-      <p:ext uri="{BB962C8B-B14F-4D97-AF65-F5344CB8AC3E}">
-        <p14:creationId xmlns:p14="http://schemas.microsoft.com/office/powerpoint/2010/main" val="181119005"/>
-      </p:ext>
-    </p:extLst>
-  </p:cSld>
-  <p:clrMapOvr>
-    <a:masterClrMapping/>
-  </p:clrMapOvr>
-  <p:timing>
-    <p:tnLst>
-      <p:par>
-        <p:cTn id="1" dur="indefinite" restart="never" nodeType="tmRoot"/>
-      </p:par>
-    </p:tnLst>
-  </p:timing>
-</p:sld>
-</file>
-
-<file path=ppt/slides/slide16.xml><?xml version="1.0" encoding="utf-8"?>
-<p:sld xmlns:a="http://schemas.openxmlformats.org/drawingml/2006/main" xmlns:r="http://schemas.openxmlformats.org/officeDocument/2006/relationships" xmlns:p="http://schemas.openxmlformats.org/presentationml/2006/main">
-  <p:cSld>
-    <p:spTree>
-      <p:nvGrpSpPr>
-        <p:cNvPr id="1" name=""/>
-        <p:cNvGrpSpPr/>
-        <p:nvPr/>
-      </p:nvGrpSpPr>
-      <p:grpSpPr>
-        <a:xfrm>
-          <a:off x="0" y="0"/>
-          <a:ext cx="0" cy="0"/>
-          <a:chOff x="0" y="0"/>
-          <a:chExt cx="0" cy="0"/>
-        </a:xfrm>
-      </p:grpSpPr>
-      <p:sp>
-        <p:nvSpPr>
           <p:cNvPr id="2" name="Title 1"/>
           <p:cNvSpPr>
             <a:spLocks noGrp="1"/>
@@ -5005,7 +6492,7 @@
           <a:p>
             <a:fld id="{1CB08BE3-9E86-4904-A5E6-C6CA17EEBD10}" type="slidenum">
               <a:rPr lang="ru-RU" smtClean="0"/>
-              <a:t>16</a:t>
+              <a:t>15</a:t>
             </a:fld>
             <a:endParaRPr lang="ru-RU" dirty="0"/>
           </a:p>
@@ -5712,7 +7199,7 @@
 </p:sld>
 </file>
 
-<file path=ppt/slides/slide17.xml><?xml version="1.0" encoding="utf-8"?>
+<file path=ppt/slides/slide16.xml><?xml version="1.0" encoding="utf-8"?>
 <p:sld xmlns:a="http://schemas.openxmlformats.org/drawingml/2006/main" xmlns:r="http://schemas.openxmlformats.org/officeDocument/2006/relationships" xmlns:p="http://schemas.openxmlformats.org/presentationml/2006/main">
   <p:cSld>
     <p:spTree>
@@ -5852,7 +7339,7 @@
           <a:p>
             <a:fld id="{3BCC8605-603C-4CBC-9D12-BEB80FA30360}" type="slidenum">
               <a:rPr lang="ru-RU" smtClean="0"/>
-              <a:t>17</a:t>
+              <a:t>16</a:t>
             </a:fld>
             <a:endParaRPr lang="ru-RU"/>
           </a:p>
@@ -5878,7 +7365,7 @@
 </p:sld>
 </file>
 
-<file path=ppt/slides/slide18.xml><?xml version="1.0" encoding="utf-8"?>
+<file path=ppt/slides/slide17.xml><?xml version="1.0" encoding="utf-8"?>
 <p:sld xmlns:a="http://schemas.openxmlformats.org/drawingml/2006/main" xmlns:r="http://schemas.openxmlformats.org/officeDocument/2006/relationships" xmlns:p="http://schemas.openxmlformats.org/presentationml/2006/main">
   <p:cSld>
     <p:spTree>
@@ -5983,7 +7470,7 @@
           <a:p>
             <a:fld id="{3BCC8605-603C-4CBC-9D12-BEB80FA30360}" type="slidenum">
               <a:rPr lang="ru-RU" smtClean="0"/>
-              <a:t>18</a:t>
+              <a:t>17</a:t>
             </a:fld>
             <a:endParaRPr lang="ru-RU"/>
           </a:p>
@@ -6262,8 +7749,8 @@
         </p:blipFill>
         <p:spPr>
           <a:xfrm>
-            <a:off x="838200" y="1898174"/>
-            <a:ext cx="10515600" cy="4206239"/>
+            <a:off x="378758" y="1775960"/>
+            <a:ext cx="11434484" cy="4450668"/>
           </a:xfrm>
         </p:spPr>
       </p:pic>
@@ -6337,78 +7824,9 @@
           <a:p>
             <a:r>
               <a:rPr lang="ru-RU" dirty="0" smtClean="0"/>
-              <a:t>Анализ задачи</a:t>
+              <a:t>Объединение наборов координат</a:t>
             </a:r>
             <a:endParaRPr lang="ru-RU" dirty="0"/>
-          </a:p>
-        </p:txBody>
-      </p:sp>
-      <p:sp>
-        <p:nvSpPr>
-          <p:cNvPr id="3" name="Объект 2"/>
-          <p:cNvSpPr>
-            <a:spLocks noGrp="1"/>
-          </p:cNvSpPr>
-          <p:nvPr>
-            <p:ph idx="1"/>
-          </p:nvPr>
-        </p:nvSpPr>
-        <p:spPr/>
-        <p:txBody>
-          <a:bodyPr>
-            <a:normAutofit/>
-          </a:bodyPr>
-          <a:lstStyle/>
-          <a:p>
-            <a:pPr lvl="0"/>
-            <a:r>
-              <a:rPr lang="ru-RU" sz="3200" dirty="0"/>
-              <a:t>Объединение </a:t>
-            </a:r>
-            <a:r>
-              <a:rPr lang="ru-RU" sz="3200" dirty="0" smtClean="0"/>
-              <a:t>наборов координат.</a:t>
-            </a:r>
-            <a:endParaRPr lang="ru-RU" sz="3200" dirty="0"/>
-          </a:p>
-          <a:p>
-            <a:pPr lvl="0"/>
-            <a:r>
-              <a:rPr lang="ru-RU" sz="3200" dirty="0"/>
-              <a:t>Устранение </a:t>
-            </a:r>
-            <a:r>
-              <a:rPr lang="ru-RU" sz="3200" dirty="0" smtClean="0"/>
-              <a:t>пиков.</a:t>
-            </a:r>
-            <a:endParaRPr lang="ru-RU" sz="3200" b="1" dirty="0"/>
-          </a:p>
-          <a:p>
-            <a:pPr lvl="0"/>
-            <a:r>
-              <a:rPr lang="ru-RU" sz="3200" dirty="0"/>
-              <a:t>Определение мест остановок </a:t>
-            </a:r>
-            <a:r>
-              <a:rPr lang="ru-RU" sz="3200" dirty="0" smtClean="0"/>
-              <a:t>объекта.</a:t>
-            </a:r>
-          </a:p>
-          <a:p>
-            <a:pPr lvl="0"/>
-            <a:r>
-              <a:rPr lang="ru-RU" sz="3200" dirty="0" smtClean="0"/>
-              <a:t>Сглаживание </a:t>
-            </a:r>
-            <a:r>
-              <a:rPr lang="ru-RU" sz="3200" dirty="0"/>
-              <a:t>погрешностей </a:t>
-            </a:r>
-            <a:r>
-              <a:rPr lang="ru-RU" sz="3200" dirty="0" smtClean="0"/>
-              <a:t>датчика.</a:t>
-            </a:r>
-            <a:endParaRPr lang="ru-RU" sz="3200" dirty="0"/>
           </a:p>
         </p:txBody>
       </p:sp>
@@ -6435,16 +7853,385 @@
           </a:p>
         </p:txBody>
       </p:sp>
+      <mc:AlternateContent xmlns:mc="http://schemas.openxmlformats.org/markup-compatibility/2006">
+        <mc:Choice xmlns:a14="http://schemas.microsoft.com/office/drawing/2010/main" Requires="a14">
+          <p:sp>
+            <p:nvSpPr>
+              <p:cNvPr id="3" name="Объект 2"/>
+              <p:cNvSpPr>
+                <a:spLocks noGrp="1"/>
+              </p:cNvSpPr>
+              <p:nvPr>
+                <p:ph idx="1"/>
+              </p:nvPr>
+            </p:nvSpPr>
+            <p:spPr/>
+            <p:txBody>
+              <a:bodyPr/>
+              <a:lstStyle/>
+              <a:p>
+                <a:r>
+                  <a:rPr lang="ru-RU" dirty="0" smtClean="0"/>
+                  <a:t>Задается временное окно</a:t>
+                </a:r>
+              </a:p>
+              <a:p>
+                <a:r>
+                  <a:rPr lang="ru-RU" dirty="0" smtClean="0"/>
+                  <a:t>Группа координат, попавших в окно, объединяется по следующей формуле:</a:t>
+                </a:r>
+              </a:p>
+              <a:p>
+                <a:pPr marL="0" indent="0">
+                  <a:buNone/>
+                </a:pPr>
+                <a14:m>
+                  <m:oMathPara xmlns:m="http://schemas.openxmlformats.org/officeDocument/2006/math">
+                    <m:oMathParaPr>
+                      <m:jc m:val="centerGroup"/>
+                    </m:oMathParaPr>
+                    <m:oMath xmlns:m="http://schemas.openxmlformats.org/officeDocument/2006/math">
+                      <m:r>
+                        <a:rPr lang="en-US" b="0" i="1" smtClean="0">
+                          <a:latin typeface="Cambria Math" panose="02040503050406030204" pitchFamily="18" charset="0"/>
+                        </a:rPr>
+                        <m:t>𝐶</m:t>
+                      </m:r>
+                      <m:r>
+                        <a:rPr lang="en-US" b="0" i="1" smtClean="0">
+                          <a:latin typeface="Cambria Math" panose="02040503050406030204" pitchFamily="18" charset="0"/>
+                        </a:rPr>
+                        <m:t>=</m:t>
+                      </m:r>
+                      <m:f>
+                        <m:fPr>
+                          <m:ctrlPr>
+                            <a:rPr lang="en-US" b="0" i="1" smtClean="0">
+                              <a:latin typeface="Cambria Math" panose="02040503050406030204" pitchFamily="18" charset="0"/>
+                            </a:rPr>
+                          </m:ctrlPr>
+                        </m:fPr>
+                        <m:num>
+                          <m:nary>
+                            <m:naryPr>
+                              <m:chr m:val="∑"/>
+                              <m:supHide m:val="on"/>
+                              <m:ctrlPr>
+                                <a:rPr lang="en-US" b="0" i="1" smtClean="0">
+                                  <a:latin typeface="Cambria Math" panose="02040503050406030204" pitchFamily="18" charset="0"/>
+                                </a:rPr>
+                              </m:ctrlPr>
+                            </m:naryPr>
+                            <m:sub>
+                              <m:r>
+                                <m:rPr>
+                                  <m:brk m:alnAt="7"/>
+                                </m:rPr>
+                                <a:rPr lang="en-US" b="0" i="1" smtClean="0">
+                                  <a:latin typeface="Cambria Math" panose="02040503050406030204" pitchFamily="18" charset="0"/>
+                                </a:rPr>
+                                <m:t>𝑗</m:t>
+                              </m:r>
+                            </m:sub>
+                            <m:sup/>
+                            <m:e>
+                              <m:d>
+                                <m:dPr>
+                                  <m:ctrlPr>
+                                    <a:rPr lang="en-US" i="1">
+                                      <a:latin typeface="Cambria Math" panose="02040503050406030204" pitchFamily="18" charset="0"/>
+                                    </a:rPr>
+                                  </m:ctrlPr>
+                                </m:dPr>
+                                <m:e>
+                                  <m:nary>
+                                    <m:naryPr>
+                                      <m:chr m:val="∑"/>
+                                      <m:subHide m:val="on"/>
+                                      <m:supHide m:val="on"/>
+                                      <m:ctrlPr>
+                                        <a:rPr lang="en-US" i="1">
+                                          <a:latin typeface="Cambria Math" panose="02040503050406030204" pitchFamily="18" charset="0"/>
+                                        </a:rPr>
+                                      </m:ctrlPr>
+                                    </m:naryPr>
+                                    <m:sub/>
+                                    <m:sup/>
+                                    <m:e>
+                                      <m:r>
+                                        <a:rPr lang="en-US" i="1">
+                                          <a:latin typeface="Cambria Math" panose="02040503050406030204" pitchFamily="18" charset="0"/>
+                                        </a:rPr>
+                                        <m:t>𝑎</m:t>
+                                      </m:r>
+                                    </m:e>
+                                  </m:nary>
+                                  <m:r>
+                                    <a:rPr lang="en-US" i="1">
+                                      <a:latin typeface="Cambria Math" panose="02040503050406030204" pitchFamily="18" charset="0"/>
+                                    </a:rPr>
+                                    <m:t>−</m:t>
+                                  </m:r>
+                                  <m:sSub>
+                                    <m:sSubPr>
+                                      <m:ctrlPr>
+                                        <a:rPr lang="en-US" i="1">
+                                          <a:latin typeface="Cambria Math" panose="02040503050406030204" pitchFamily="18" charset="0"/>
+                                        </a:rPr>
+                                      </m:ctrlPr>
+                                    </m:sSubPr>
+                                    <m:e>
+                                      <m:r>
+                                        <a:rPr lang="en-US" i="1">
+                                          <a:latin typeface="Cambria Math" panose="02040503050406030204" pitchFamily="18" charset="0"/>
+                                        </a:rPr>
+                                        <m:t>𝑎</m:t>
+                                      </m:r>
+                                    </m:e>
+                                    <m:sub>
+                                      <m:r>
+                                        <a:rPr lang="en-US" b="0" i="1" smtClean="0">
+                                          <a:latin typeface="Cambria Math" panose="02040503050406030204" pitchFamily="18" charset="0"/>
+                                        </a:rPr>
+                                        <m:t>𝑗</m:t>
+                                      </m:r>
+                                    </m:sub>
+                                  </m:sSub>
+                                </m:e>
+                              </m:d>
+                              <m:r>
+                                <a:rPr lang="en-US" b="0" i="1" smtClean="0">
+                                  <a:latin typeface="Cambria Math" panose="02040503050406030204" pitchFamily="18" charset="0"/>
+                                </a:rPr>
+                                <m:t>∗</m:t>
+                              </m:r>
+                              <m:sSub>
+                                <m:sSubPr>
+                                  <m:ctrlPr>
+                                    <a:rPr lang="en-US" b="0" i="1" smtClean="0">
+                                      <a:latin typeface="Cambria Math" panose="02040503050406030204" pitchFamily="18" charset="0"/>
+                                    </a:rPr>
+                                  </m:ctrlPr>
+                                </m:sSubPr>
+                                <m:e>
+                                  <m:r>
+                                    <a:rPr lang="en-US" b="0" i="1" smtClean="0">
+                                      <a:latin typeface="Cambria Math" panose="02040503050406030204" pitchFamily="18" charset="0"/>
+                                    </a:rPr>
+                                    <m:t>𝐶</m:t>
+                                  </m:r>
+                                </m:e>
+                                <m:sub>
+                                  <m:r>
+                                    <a:rPr lang="en-US" b="0" i="1" smtClean="0">
+                                      <a:latin typeface="Cambria Math" panose="02040503050406030204" pitchFamily="18" charset="0"/>
+                                    </a:rPr>
+                                    <m:t>𝑗</m:t>
+                                  </m:r>
+                                </m:sub>
+                              </m:sSub>
+                            </m:e>
+                          </m:nary>
+                        </m:num>
+                        <m:den>
+                          <m:nary>
+                            <m:naryPr>
+                              <m:chr m:val="∑"/>
+                              <m:supHide m:val="on"/>
+                              <m:ctrlPr>
+                                <a:rPr lang="en-US" b="0" i="1" smtClean="0">
+                                  <a:latin typeface="Cambria Math" panose="02040503050406030204" pitchFamily="18" charset="0"/>
+                                </a:rPr>
+                              </m:ctrlPr>
+                            </m:naryPr>
+                            <m:sub>
+                              <m:r>
+                                <m:rPr>
+                                  <m:brk m:alnAt="7"/>
+                                </m:rPr>
+                                <a:rPr lang="en-US" b="0" i="1" smtClean="0">
+                                  <a:latin typeface="Cambria Math" panose="02040503050406030204" pitchFamily="18" charset="0"/>
+                                </a:rPr>
+                                <m:t>𝑖</m:t>
+                              </m:r>
+                            </m:sub>
+                            <m:sup/>
+                            <m:e>
+                              <m:r>
+                                <a:rPr lang="en-US" b="0" i="1" smtClean="0">
+                                  <a:latin typeface="Cambria Math" panose="02040503050406030204" pitchFamily="18" charset="0"/>
+                                </a:rPr>
+                                <m:t>(</m:t>
+                              </m:r>
+                              <m:nary>
+                                <m:naryPr>
+                                  <m:chr m:val="∑"/>
+                                  <m:subHide m:val="on"/>
+                                  <m:supHide m:val="on"/>
+                                  <m:ctrlPr>
+                                    <a:rPr lang="en-US" b="0" i="1" smtClean="0">
+                                      <a:latin typeface="Cambria Math" panose="02040503050406030204" pitchFamily="18" charset="0"/>
+                                    </a:rPr>
+                                  </m:ctrlPr>
+                                </m:naryPr>
+                                <m:sub/>
+                                <m:sup/>
+                                <m:e>
+                                  <m:r>
+                                    <a:rPr lang="en-US" b="0" i="1" smtClean="0">
+                                      <a:latin typeface="Cambria Math" panose="02040503050406030204" pitchFamily="18" charset="0"/>
+                                    </a:rPr>
+                                    <m:t>𝑎</m:t>
+                                  </m:r>
+                                </m:e>
+                              </m:nary>
+                              <m:r>
+                                <a:rPr lang="en-US" b="0" i="1" smtClean="0">
+                                  <a:latin typeface="Cambria Math" panose="02040503050406030204" pitchFamily="18" charset="0"/>
+                                </a:rPr>
+                                <m:t>−</m:t>
+                              </m:r>
+                              <m:sSub>
+                                <m:sSubPr>
+                                  <m:ctrlPr>
+                                    <a:rPr lang="en-US" b="0" i="1" smtClean="0">
+                                      <a:latin typeface="Cambria Math" panose="02040503050406030204" pitchFamily="18" charset="0"/>
+                                    </a:rPr>
+                                  </m:ctrlPr>
+                                </m:sSubPr>
+                                <m:e>
+                                  <m:r>
+                                    <a:rPr lang="en-US" b="0" i="1" smtClean="0">
+                                      <a:latin typeface="Cambria Math" panose="02040503050406030204" pitchFamily="18" charset="0"/>
+                                    </a:rPr>
+                                    <m:t>𝑎</m:t>
+                                  </m:r>
+                                </m:e>
+                                <m:sub>
+                                  <m:r>
+                                    <a:rPr lang="en-US" b="0" i="1" smtClean="0">
+                                      <a:latin typeface="Cambria Math" panose="02040503050406030204" pitchFamily="18" charset="0"/>
+                                    </a:rPr>
+                                    <m:t>𝑖</m:t>
+                                  </m:r>
+                                </m:sub>
+                              </m:sSub>
+                              <m:r>
+                                <a:rPr lang="en-US" b="0" i="1" smtClean="0">
+                                  <a:latin typeface="Cambria Math" panose="02040503050406030204" pitchFamily="18" charset="0"/>
+                                </a:rPr>
+                                <m:t>)</m:t>
+                              </m:r>
+                            </m:e>
+                          </m:nary>
+                        </m:den>
+                      </m:f>
+                      <m:r>
+                        <a:rPr lang="en-US" b="0" i="1" smtClean="0">
+                          <a:latin typeface="Cambria Math" panose="02040503050406030204" pitchFamily="18" charset="0"/>
+                        </a:rPr>
+                        <m:t>,</m:t>
+                      </m:r>
+                    </m:oMath>
+                  </m:oMathPara>
+                </a14:m>
+                <a:endParaRPr lang="en-US" dirty="0" smtClean="0"/>
+              </a:p>
+              <a:p>
+                <a:pPr marL="0" indent="0">
+                  <a:buNone/>
+                </a:pPr>
+                <a:r>
+                  <a:rPr lang="ru-RU" dirty="0" smtClean="0"/>
+                  <a:t>Где </a:t>
+                </a:r>
+                <a14:m>
+                  <m:oMath xmlns:m="http://schemas.openxmlformats.org/officeDocument/2006/math">
+                    <m:r>
+                      <a:rPr lang="en-US" i="1">
+                        <a:latin typeface="Cambria Math" panose="02040503050406030204" pitchFamily="18" charset="0"/>
+                      </a:rPr>
+                      <m:t>𝐶</m:t>
+                    </m:r>
+                  </m:oMath>
+                </a14:m>
+                <a:r>
+                  <a:rPr lang="ru-RU" dirty="0" smtClean="0"/>
+                  <a:t> – вектор координат, </a:t>
+                </a:r>
+                <a14:m>
+                  <m:oMath xmlns:m="http://schemas.openxmlformats.org/officeDocument/2006/math">
+                    <m:r>
+                      <a:rPr lang="en-US" i="1">
+                        <a:latin typeface="Cambria Math" panose="02040503050406030204" pitchFamily="18" charset="0"/>
+                      </a:rPr>
+                      <m:t>𝑎</m:t>
+                    </m:r>
+                  </m:oMath>
+                </a14:m>
+                <a:r>
+                  <a:rPr lang="en-US" dirty="0" smtClean="0"/>
+                  <a:t> – </a:t>
+                </a:r>
+                <a:r>
+                  <a:rPr lang="ru-RU" dirty="0" smtClean="0"/>
+                  <a:t>точность. </a:t>
+                </a:r>
+              </a:p>
+            </p:txBody>
+          </p:sp>
+        </mc:Choice>
+        <mc:Fallback>
+          <p:sp>
+            <p:nvSpPr>
+              <p:cNvPr id="3" name="Объект 2"/>
+              <p:cNvSpPr>
+                <a:spLocks noGrp="1" noRot="1" noChangeAspect="1" noMove="1" noResize="1" noEditPoints="1" noAdjustHandles="1" noChangeArrowheads="1" noChangeShapeType="1" noTextEdit="1"/>
+              </p:cNvSpPr>
+              <p:nvPr>
+                <p:ph idx="1"/>
+              </p:nvPr>
+            </p:nvSpPr>
+            <p:spPr>
+              <a:blipFill rotWithShape="0">
+                <a:blip r:embed="rId2"/>
+                <a:stretch>
+                  <a:fillRect l="-1217" t="-2381" r="-638"/>
+                </a:stretch>
+              </a:blipFill>
+            </p:spPr>
+            <p:txBody>
+              <a:bodyPr/>
+              <a:lstStyle/>
+              <a:p>
+                <a:r>
+                  <a:rPr lang="ru-RU">
+                    <a:noFill/>
+                  </a:rPr>
+                  <a:t> </a:t>
+                </a:r>
+              </a:p>
+            </p:txBody>
+          </p:sp>
+        </mc:Fallback>
+      </mc:AlternateContent>
     </p:spTree>
     <p:extLst>
       <p:ext uri="{BB962C8B-B14F-4D97-AF65-F5344CB8AC3E}">
-        <p14:creationId xmlns:p14="http://schemas.microsoft.com/office/powerpoint/2010/main" val="2850672190"/>
+        <p14:creationId xmlns:p14="http://schemas.microsoft.com/office/powerpoint/2010/main" val="1266537320"/>
       </p:ext>
     </p:extLst>
   </p:cSld>
   <p:clrMapOvr>
     <a:masterClrMapping/>
   </p:clrMapOvr>
+  <p:timing>
+    <p:tnLst>
+      <p:par>
+        <p:cTn id="1" dur="indefinite" restart="never" nodeType="tmRoot"/>
+      </p:par>
+    </p:tnLst>
+  </p:timing>
 </p:sld>
 </file>
 
@@ -6482,7 +8269,7 @@
           <a:p>
             <a:r>
               <a:rPr lang="ru-RU" dirty="0" smtClean="0"/>
-              <a:t>Объединение наборов координат</a:t>
+              <a:t>Устранение пиков</a:t>
             </a:r>
             <a:endParaRPr lang="ru-RU" dirty="0"/>
           </a:p>
@@ -6490,7 +8277,7 @@
       </p:sp>
       <p:pic>
         <p:nvPicPr>
-          <p:cNvPr id="7" name="Объект 6"/>
+          <p:cNvPr id="11" name="Объект 10"/>
           <p:cNvPicPr>
             <a:picLocks noGrp="1" noChangeAspect="1"/>
           </p:cNvPicPr>
@@ -6512,8 +8299,8 @@
         </p:blipFill>
         <p:spPr>
           <a:xfrm>
-            <a:off x="3651013" y="1825625"/>
-            <a:ext cx="4889974" cy="4351338"/>
+            <a:off x="838200" y="1690688"/>
+            <a:ext cx="10758216" cy="4530725"/>
           </a:xfrm>
         </p:spPr>
       </p:pic>
@@ -6543,7 +8330,7 @@
     </p:spTree>
     <p:extLst>
       <p:ext uri="{BB962C8B-B14F-4D97-AF65-F5344CB8AC3E}">
-        <p14:creationId xmlns:p14="http://schemas.microsoft.com/office/powerpoint/2010/main" val="1266537320"/>
+        <p14:creationId xmlns:p14="http://schemas.microsoft.com/office/powerpoint/2010/main" val="3716484257"/>
       </p:ext>
     </p:extLst>
   </p:cSld>
@@ -6594,7 +8381,7 @@
           <a:p>
             <a:r>
               <a:rPr lang="ru-RU" dirty="0" smtClean="0"/>
-              <a:t>Устранение пиков</a:t>
+              <a:t>Определение мест остановок объекта и удаление избыточных координат</a:t>
             </a:r>
             <a:endParaRPr lang="ru-RU" dirty="0"/>
           </a:p>
@@ -6612,9 +8399,7 @@
         </p:nvSpPr>
         <p:spPr/>
         <p:txBody>
-          <a:bodyPr>
-            <a:normAutofit lnSpcReduction="10000"/>
-          </a:bodyPr>
+          <a:bodyPr/>
           <a:lstStyle/>
           <a:p>
             <a:pPr marL="0" indent="0">
@@ -6622,7 +8407,7 @@
             </a:pPr>
             <a:r>
               <a:rPr lang="ru-RU" dirty="0" smtClean="0"/>
-              <a:t>Для устранения пиков предлагается следующий способ:</a:t>
+              <a:t>Для поиска остановок предлагается следующий способ:</a:t>
             </a:r>
           </a:p>
           <a:p>
@@ -6632,7 +8417,7 @@
             </a:pPr>
             <a:r>
               <a:rPr lang="ru-RU" dirty="0" smtClean="0"/>
-              <a:t>Для каждой пары последовательно расположенных точек оценивается расстояние между ними. Если расстояние превышает максимально возможное, которое можно преодолеть с задаваемым значением максимальной скорости объекта, вторая точка считается пиком.</a:t>
+              <a:t>Маршрут разбивается на группы точек по задаваемому интервалу времени.</a:t>
             </a:r>
           </a:p>
           <a:p>
@@ -6642,8 +8427,23 @@
             </a:pPr>
             <a:r>
               <a:rPr lang="ru-RU" dirty="0" smtClean="0"/>
-              <a:t>Для каждой тройки последовательных точек оцениваются расстояния между точками попарно. Если расстояния между первой и второй и второй и третьей точками во много раз (задаваемый параметр) превышают расстояние между первой и третьей точками, вторая точка считается пиком.</a:t>
-            </a:r>
+              <a:t>Если в группе среднее отклонение координат от средней координаты ниже задаваемого порогового значения, группа точек считается остановкой и заменяется средним значением.</a:t>
+            </a:r>
+          </a:p>
+          <a:p>
+            <a:pPr marL="514350" indent="-514350">
+              <a:buFont typeface="+mj-lt"/>
+              <a:buAutoNum type="arabicPeriod"/>
+            </a:pPr>
+            <a:r>
+              <a:rPr lang="ru-RU" dirty="0" smtClean="0"/>
+              <a:t>Идущие подряд группы точек, признанные остановкой, объединяются и заменяются одной точкой.</a:t>
+            </a:r>
+          </a:p>
+          <a:p>
+            <a:pPr marL="0" indent="0">
+              <a:buNone/>
+            </a:pPr>
             <a:endParaRPr lang="ru-RU" dirty="0"/>
           </a:p>
         </p:txBody>
@@ -6674,7 +8474,7 @@
     </p:spTree>
     <p:extLst>
       <p:ext uri="{BB962C8B-B14F-4D97-AF65-F5344CB8AC3E}">
-        <p14:creationId xmlns:p14="http://schemas.microsoft.com/office/powerpoint/2010/main" val="3716484257"/>
+        <p14:creationId xmlns:p14="http://schemas.microsoft.com/office/powerpoint/2010/main" val="2987874496"/>
       </p:ext>
     </p:extLst>
   </p:cSld>
@@ -6725,73 +8525,425 @@
           <a:p>
             <a:r>
               <a:rPr lang="ru-RU" dirty="0" smtClean="0"/>
-              <a:t>Определение мест остановок объекта и удаление избыточных координат</a:t>
+              <a:t>Обзор алгоритмов сглаживания</a:t>
             </a:r>
             <a:endParaRPr lang="ru-RU" dirty="0"/>
           </a:p>
         </p:txBody>
       </p:sp>
-      <p:sp>
-        <p:nvSpPr>
-          <p:cNvPr id="3" name="Объект 2"/>
-          <p:cNvSpPr>
-            <a:spLocks noGrp="1"/>
-          </p:cNvSpPr>
+      <p:graphicFrame>
+        <p:nvGraphicFramePr>
+          <p:cNvPr id="5" name="Объект 4"/>
+          <p:cNvGraphicFramePr>
+            <a:graphicFrameLocks noGrp="1"/>
+          </p:cNvGraphicFramePr>
           <p:nvPr>
             <p:ph idx="1"/>
-          </p:nvPr>
-        </p:nvSpPr>
-        <p:spPr/>
-        <p:txBody>
-          <a:bodyPr/>
-          <a:lstStyle/>
-          <a:p>
-            <a:pPr marL="0" indent="0">
-              <a:buNone/>
-            </a:pPr>
-            <a:r>
-              <a:rPr lang="ru-RU" dirty="0" smtClean="0"/>
-              <a:t>Для поиска остановок предлагается следующий способ:</a:t>
-            </a:r>
-          </a:p>
-          <a:p>
-            <a:pPr marL="514350" indent="-514350">
-              <a:buFont typeface="+mj-lt"/>
-              <a:buAutoNum type="arabicPeriod"/>
-            </a:pPr>
-            <a:r>
-              <a:rPr lang="ru-RU" dirty="0" smtClean="0"/>
-              <a:t>Маршрут разбивается на группы точек по задаваемому интервалу времени.</a:t>
-            </a:r>
-          </a:p>
-          <a:p>
-            <a:pPr marL="514350" indent="-514350">
-              <a:buFont typeface="+mj-lt"/>
-              <a:buAutoNum type="arabicPeriod"/>
-            </a:pPr>
-            <a:r>
-              <a:rPr lang="ru-RU" dirty="0" smtClean="0"/>
-              <a:t>Если в группе среднее отклонение координат от средней координаты ниже задаваемого порогового значения, группа точек считается остановкой и заменяется средним значением.</a:t>
-            </a:r>
-          </a:p>
-          <a:p>
-            <a:pPr marL="514350" indent="-514350">
-              <a:buFont typeface="+mj-lt"/>
-              <a:buAutoNum type="arabicPeriod"/>
-            </a:pPr>
-            <a:r>
-              <a:rPr lang="ru-RU" dirty="0" smtClean="0"/>
-              <a:t>Идущие подряд группы точек, признанные остановкой, объединяются и заменяются одной точкой.</a:t>
-            </a:r>
-          </a:p>
-          <a:p>
-            <a:pPr marL="0" indent="0">
-              <a:buNone/>
-            </a:pPr>
-            <a:endParaRPr lang="ru-RU" dirty="0"/>
-          </a:p>
-        </p:txBody>
-      </p:sp>
+            <p:extLst>
+              <p:ext uri="{D42A27DB-BD31-4B8C-83A1-F6EECF244321}">
+                <p14:modId xmlns:p14="http://schemas.microsoft.com/office/powerpoint/2010/main" val="3765273062"/>
+              </p:ext>
+            </p:extLst>
+          </p:nvPr>
+        </p:nvGraphicFramePr>
+        <p:xfrm>
+          <a:off x="838200" y="1825625"/>
+          <a:ext cx="10515600" cy="2773680"/>
+        </p:xfrm>
+        <a:graphic>
+          <a:graphicData uri="http://schemas.openxmlformats.org/drawingml/2006/table">
+            <a:tbl>
+              <a:tblPr firstRow="1" bandRow="1">
+                <a:tableStyleId>{5C22544A-7EE6-4342-B048-85BDC9FD1C3A}</a:tableStyleId>
+              </a:tblPr>
+              <a:tblGrid>
+                <a:gridCol w="2628900"/>
+                <a:gridCol w="2628900"/>
+                <a:gridCol w="2628900"/>
+                <a:gridCol w="2628900"/>
+              </a:tblGrid>
+              <a:tr h="370840">
+                <a:tc>
+                  <a:txBody>
+                    <a:bodyPr/>
+                    <a:lstStyle/>
+                    <a:p>
+                      <a:pPr algn="ctr"/>
+                      <a:r>
+                        <a:rPr lang="ru-RU" sz="2000" dirty="0" smtClean="0"/>
+                        <a:t>Алгоритм</a:t>
+                      </a:r>
+                      <a:endParaRPr lang="ru-RU" sz="2000" dirty="0"/>
+                    </a:p>
+                  </a:txBody>
+                  <a:tcPr/>
+                </a:tc>
+                <a:tc>
+                  <a:txBody>
+                    <a:bodyPr/>
+                    <a:lstStyle/>
+                    <a:p>
+                      <a:pPr algn="ctr"/>
+                      <a:r>
+                        <a:rPr lang="ru-RU" sz="2000" dirty="0" smtClean="0"/>
+                        <a:t>Учет особенностей процесса</a:t>
+                      </a:r>
+                      <a:endParaRPr lang="ru-RU" sz="2000" dirty="0"/>
+                    </a:p>
+                  </a:txBody>
+                  <a:tcPr/>
+                </a:tc>
+                <a:tc>
+                  <a:txBody>
+                    <a:bodyPr/>
+                    <a:lstStyle/>
+                    <a:p>
+                      <a:pPr algn="ctr"/>
+                      <a:r>
+                        <a:rPr lang="ru-RU" sz="2000" dirty="0" smtClean="0"/>
+                        <a:t>Учет погрешностей процесса</a:t>
+                      </a:r>
+                      <a:endParaRPr lang="ru-RU" sz="2000" dirty="0"/>
+                    </a:p>
+                  </a:txBody>
+                  <a:tcPr/>
+                </a:tc>
+                <a:tc>
+                  <a:txBody>
+                    <a:bodyPr/>
+                    <a:lstStyle/>
+                    <a:p>
+                      <a:pPr algn="ctr"/>
+                      <a:r>
+                        <a:rPr lang="ru-RU" sz="2000" dirty="0" smtClean="0"/>
+                        <a:t>Учет погрешностей датчика</a:t>
+                      </a:r>
+                      <a:endParaRPr lang="ru-RU" sz="2000" dirty="0"/>
+                    </a:p>
+                  </a:txBody>
+                  <a:tcPr/>
+                </a:tc>
+              </a:tr>
+              <a:tr h="370840">
+                <a:tc>
+                  <a:txBody>
+                    <a:bodyPr/>
+                    <a:lstStyle/>
+                    <a:p>
+                      <a:pPr algn="ctr"/>
+                      <a:r>
+                        <a:rPr lang="ru-RU" sz="2000" dirty="0" smtClean="0"/>
+                        <a:t>Фильтр </a:t>
+                      </a:r>
+                      <a:r>
+                        <a:rPr lang="ru-RU" sz="2000" dirty="0" err="1" smtClean="0"/>
+                        <a:t>Калмана</a:t>
+                      </a:r>
+                      <a:endParaRPr lang="ru-RU" sz="2000" dirty="0"/>
+                    </a:p>
+                  </a:txBody>
+                  <a:tcPr>
+                    <a:solidFill>
+                      <a:srgbClr val="7EFB55"/>
+                    </a:solidFill>
+                  </a:tcPr>
+                </a:tc>
+                <a:tc>
+                  <a:txBody>
+                    <a:bodyPr/>
+                    <a:lstStyle/>
+                    <a:p>
+                      <a:pPr algn="ctr"/>
+                      <a:r>
+                        <a:rPr lang="ru-RU" sz="2400" b="1" dirty="0" smtClean="0"/>
+                        <a:t>+</a:t>
+                      </a:r>
+                      <a:endParaRPr lang="ru-RU" sz="2400" b="1" dirty="0"/>
+                    </a:p>
+                  </a:txBody>
+                  <a:tcPr>
+                    <a:solidFill>
+                      <a:srgbClr val="7EFB55"/>
+                    </a:solidFill>
+                  </a:tcPr>
+                </a:tc>
+                <a:tc>
+                  <a:txBody>
+                    <a:bodyPr/>
+                    <a:lstStyle/>
+                    <a:p>
+                      <a:pPr algn="ctr"/>
+                      <a:r>
+                        <a:rPr lang="ru-RU" sz="2400" b="1" dirty="0" smtClean="0"/>
+                        <a:t>+</a:t>
+                      </a:r>
+                      <a:endParaRPr lang="ru-RU" sz="2400" b="1" dirty="0"/>
+                    </a:p>
+                  </a:txBody>
+                  <a:tcPr>
+                    <a:solidFill>
+                      <a:srgbClr val="7EFB55"/>
+                    </a:solidFill>
+                  </a:tcPr>
+                </a:tc>
+                <a:tc>
+                  <a:txBody>
+                    <a:bodyPr/>
+                    <a:lstStyle/>
+                    <a:p>
+                      <a:pPr algn="ctr"/>
+                      <a:r>
+                        <a:rPr lang="ru-RU" sz="2400" b="1" dirty="0" smtClean="0"/>
+                        <a:t>+</a:t>
+                      </a:r>
+                      <a:endParaRPr lang="ru-RU" sz="2400" b="1" dirty="0"/>
+                    </a:p>
+                  </a:txBody>
+                  <a:tcPr>
+                    <a:solidFill>
+                      <a:srgbClr val="7EFB55"/>
+                    </a:solidFill>
+                  </a:tcPr>
+                </a:tc>
+              </a:tr>
+              <a:tr h="370840">
+                <a:tc>
+                  <a:txBody>
+                    <a:bodyPr/>
+                    <a:lstStyle/>
+                    <a:p>
+                      <a:pPr algn="ctr"/>
+                      <a:r>
+                        <a:rPr lang="ru-RU" sz="2000" dirty="0" smtClean="0"/>
+                        <a:t>Медианный фильтр</a:t>
+                      </a:r>
+                      <a:endParaRPr lang="ru-RU" sz="2000" dirty="0"/>
+                    </a:p>
+                  </a:txBody>
+                  <a:tcPr>
+                    <a:solidFill>
+                      <a:schemeClr val="bg2"/>
+                    </a:solidFill>
+                  </a:tcPr>
+                </a:tc>
+                <a:tc>
+                  <a:txBody>
+                    <a:bodyPr/>
+                    <a:lstStyle/>
+                    <a:p>
+                      <a:pPr algn="ctr"/>
+                      <a:r>
+                        <a:rPr lang="ru-RU" sz="2400" b="1" dirty="0" smtClean="0"/>
+                        <a:t>-</a:t>
+                      </a:r>
+                      <a:endParaRPr lang="ru-RU" sz="2400" b="1" dirty="0"/>
+                    </a:p>
+                  </a:txBody>
+                  <a:tcPr>
+                    <a:solidFill>
+                      <a:schemeClr val="bg2"/>
+                    </a:solidFill>
+                  </a:tcPr>
+                </a:tc>
+                <a:tc>
+                  <a:txBody>
+                    <a:bodyPr/>
+                    <a:lstStyle/>
+                    <a:p>
+                      <a:pPr algn="ctr"/>
+                      <a:r>
+                        <a:rPr lang="ru-RU" sz="2400" b="1" dirty="0" smtClean="0"/>
+                        <a:t>-</a:t>
+                      </a:r>
+                      <a:endParaRPr lang="ru-RU" sz="2400" b="1" dirty="0"/>
+                    </a:p>
+                  </a:txBody>
+                  <a:tcPr>
+                    <a:solidFill>
+                      <a:schemeClr val="bg2"/>
+                    </a:solidFill>
+                  </a:tcPr>
+                </a:tc>
+                <a:tc>
+                  <a:txBody>
+                    <a:bodyPr/>
+                    <a:lstStyle/>
+                    <a:p>
+                      <a:pPr algn="ctr"/>
+                      <a:r>
+                        <a:rPr lang="ru-RU" sz="2400" b="1" dirty="0" smtClean="0"/>
+                        <a:t>-</a:t>
+                      </a:r>
+                      <a:endParaRPr lang="ru-RU" sz="2400" b="1" dirty="0"/>
+                    </a:p>
+                  </a:txBody>
+                  <a:tcPr>
+                    <a:solidFill>
+                      <a:schemeClr val="bg2"/>
+                    </a:solidFill>
+                  </a:tcPr>
+                </a:tc>
+              </a:tr>
+              <a:tr h="370840">
+                <a:tc>
+                  <a:txBody>
+                    <a:bodyPr/>
+                    <a:lstStyle/>
+                    <a:p>
+                      <a:pPr algn="ctr"/>
+                      <a:r>
+                        <a:rPr lang="ru-RU" sz="2000" dirty="0" smtClean="0"/>
+                        <a:t>Экспоненциальный фильтр</a:t>
+                      </a:r>
+                      <a:endParaRPr lang="ru-RU" sz="2000" dirty="0"/>
+                    </a:p>
+                  </a:txBody>
+                  <a:tcPr>
+                    <a:solidFill>
+                      <a:schemeClr val="bg2"/>
+                    </a:solidFill>
+                  </a:tcPr>
+                </a:tc>
+                <a:tc>
+                  <a:txBody>
+                    <a:bodyPr/>
+                    <a:lstStyle/>
+                    <a:p>
+                      <a:pPr algn="ctr"/>
+                      <a:r>
+                        <a:rPr lang="ru-RU" sz="2400" b="1" dirty="0" smtClean="0"/>
+                        <a:t>-</a:t>
+                      </a:r>
+                      <a:endParaRPr lang="ru-RU" sz="2400" b="1" dirty="0"/>
+                    </a:p>
+                  </a:txBody>
+                  <a:tcPr>
+                    <a:solidFill>
+                      <a:schemeClr val="bg2"/>
+                    </a:solidFill>
+                  </a:tcPr>
+                </a:tc>
+                <a:tc>
+                  <a:txBody>
+                    <a:bodyPr/>
+                    <a:lstStyle/>
+                    <a:p>
+                      <a:pPr algn="ctr"/>
+                      <a:r>
+                        <a:rPr lang="ru-RU" sz="2400" b="1" dirty="0" smtClean="0"/>
+                        <a:t>-</a:t>
+                      </a:r>
+                      <a:endParaRPr lang="ru-RU" sz="2400" b="1" dirty="0"/>
+                    </a:p>
+                  </a:txBody>
+                  <a:tcPr>
+                    <a:solidFill>
+                      <a:schemeClr val="bg2"/>
+                    </a:solidFill>
+                  </a:tcPr>
+                </a:tc>
+                <a:tc>
+                  <a:txBody>
+                    <a:bodyPr/>
+                    <a:lstStyle/>
+                    <a:p>
+                      <a:pPr algn="ctr"/>
+                      <a:r>
+                        <a:rPr lang="ru-RU" sz="2400" b="1" dirty="0" smtClean="0"/>
+                        <a:t>+</a:t>
+                      </a:r>
+                      <a:endParaRPr lang="ru-RU" sz="2400" b="1" dirty="0"/>
+                    </a:p>
+                  </a:txBody>
+                  <a:tcPr>
+                    <a:solidFill>
+                      <a:schemeClr val="bg2"/>
+                    </a:solidFill>
+                  </a:tcPr>
+                </a:tc>
+              </a:tr>
+              <a:tr h="370840">
+                <a:tc>
+                  <a:txBody>
+                    <a:bodyPr/>
+                    <a:lstStyle/>
+                    <a:p>
+                      <a:pPr algn="ctr"/>
+                      <a:r>
+                        <a:rPr lang="ru-RU" sz="2000" dirty="0" smtClean="0"/>
+                        <a:t>Ядерное сглаживание</a:t>
+                      </a:r>
+                      <a:endParaRPr lang="ru-RU" sz="2000" dirty="0"/>
+                    </a:p>
+                  </a:txBody>
+                  <a:tcPr>
+                    <a:solidFill>
+                      <a:schemeClr val="bg2"/>
+                    </a:solidFill>
+                  </a:tcPr>
+                </a:tc>
+                <a:tc>
+                  <a:txBody>
+                    <a:bodyPr/>
+                    <a:lstStyle/>
+                    <a:p>
+                      <a:pPr algn="ctr"/>
+                      <a:r>
+                        <a:rPr lang="ru-RU" sz="2400" b="1" dirty="0" smtClean="0"/>
+                        <a:t>-</a:t>
+                      </a:r>
+                      <a:endParaRPr lang="ru-RU" sz="2400" b="1" dirty="0"/>
+                    </a:p>
+                  </a:txBody>
+                  <a:tcPr>
+                    <a:solidFill>
+                      <a:schemeClr val="bg2"/>
+                    </a:solidFill>
+                  </a:tcPr>
+                </a:tc>
+                <a:tc>
+                  <a:txBody>
+                    <a:bodyPr/>
+                    <a:lstStyle/>
+                    <a:p>
+                      <a:pPr algn="ctr"/>
+                      <a:r>
+                        <a:rPr lang="ru-RU" sz="2400" b="1" dirty="0" smtClean="0"/>
+                        <a:t>-</a:t>
+                      </a:r>
+                      <a:endParaRPr lang="ru-RU" sz="2400" b="1" dirty="0"/>
+                    </a:p>
+                  </a:txBody>
+                  <a:tcPr>
+                    <a:solidFill>
+                      <a:schemeClr val="bg2"/>
+                    </a:solidFill>
+                  </a:tcPr>
+                </a:tc>
+                <a:tc>
+                  <a:txBody>
+                    <a:bodyPr/>
+                    <a:lstStyle/>
+                    <a:p>
+                      <a:pPr algn="ctr"/>
+                      <a:r>
+                        <a:rPr lang="ru-RU" sz="2400" b="1" dirty="0" smtClean="0"/>
+                        <a:t>+</a:t>
+                      </a:r>
+                      <a:endParaRPr lang="ru-RU" sz="2400" b="1" dirty="0"/>
+                    </a:p>
+                  </a:txBody>
+                  <a:tcPr>
+                    <a:solidFill>
+                      <a:schemeClr val="bg2"/>
+                    </a:solidFill>
+                  </a:tcPr>
+                </a:tc>
+              </a:tr>
+            </a:tbl>
+          </a:graphicData>
+        </a:graphic>
+      </p:graphicFrame>
       <p:sp>
         <p:nvSpPr>
           <p:cNvPr id="4" name="Номер слайда 3"/>
@@ -6818,7 +8970,7 @@
     </p:spTree>
     <p:extLst>
       <p:ext uri="{BB962C8B-B14F-4D97-AF65-F5344CB8AC3E}">
-        <p14:creationId xmlns:p14="http://schemas.microsoft.com/office/powerpoint/2010/main" val="2987874496"/>
+        <p14:creationId xmlns:p14="http://schemas.microsoft.com/office/powerpoint/2010/main" val="80071296"/>
       </p:ext>
     </p:extLst>
   </p:cSld>
@@ -6862,480 +9014,6 @@
             <p:ph type="title"/>
           </p:nvPr>
         </p:nvSpPr>
-        <p:spPr/>
-        <p:txBody>
-          <a:bodyPr/>
-          <a:lstStyle/>
-          <a:p>
-            <a:r>
-              <a:rPr lang="ru-RU" dirty="0" smtClean="0"/>
-              <a:t>Обзор алгоритмов сглаживания</a:t>
-            </a:r>
-            <a:endParaRPr lang="ru-RU" dirty="0"/>
-          </a:p>
-        </p:txBody>
-      </p:sp>
-      <p:graphicFrame>
-        <p:nvGraphicFramePr>
-          <p:cNvPr id="5" name="Объект 4"/>
-          <p:cNvGraphicFramePr>
-            <a:graphicFrameLocks noGrp="1"/>
-          </p:cNvGraphicFramePr>
-          <p:nvPr>
-            <p:ph idx="1"/>
-            <p:extLst>
-              <p:ext uri="{D42A27DB-BD31-4B8C-83A1-F6EECF244321}">
-                <p14:modId xmlns:p14="http://schemas.microsoft.com/office/powerpoint/2010/main" val="74920233"/>
-              </p:ext>
-            </p:extLst>
-          </p:nvPr>
-        </p:nvGraphicFramePr>
-        <p:xfrm>
-          <a:off x="838200" y="1825625"/>
-          <a:ext cx="10515600" cy="2392680"/>
-        </p:xfrm>
-        <a:graphic>
-          <a:graphicData uri="http://schemas.openxmlformats.org/drawingml/2006/table">
-            <a:tbl>
-              <a:tblPr firstRow="1" bandRow="1">
-                <a:tableStyleId>{5C22544A-7EE6-4342-B048-85BDC9FD1C3A}</a:tableStyleId>
-              </a:tblPr>
-              <a:tblGrid>
-                <a:gridCol w="2628900"/>
-                <a:gridCol w="2628900"/>
-                <a:gridCol w="2628900"/>
-                <a:gridCol w="2628900"/>
-              </a:tblGrid>
-              <a:tr h="370840">
-                <a:tc>
-                  <a:txBody>
-                    <a:bodyPr/>
-                    <a:lstStyle/>
-                    <a:p>
-                      <a:pPr algn="ctr"/>
-                      <a:r>
-                        <a:rPr lang="ru-RU" dirty="0" smtClean="0"/>
-                        <a:t>Алгоритм</a:t>
-                      </a:r>
-                      <a:endParaRPr lang="ru-RU" dirty="0"/>
-                    </a:p>
-                  </a:txBody>
-                  <a:tcPr/>
-                </a:tc>
-                <a:tc>
-                  <a:txBody>
-                    <a:bodyPr/>
-                    <a:lstStyle/>
-                    <a:p>
-                      <a:pPr algn="ctr"/>
-                      <a:r>
-                        <a:rPr lang="ru-RU" dirty="0" smtClean="0"/>
-                        <a:t>Учет особенностей процесса</a:t>
-                      </a:r>
-                      <a:endParaRPr lang="ru-RU" dirty="0"/>
-                    </a:p>
-                  </a:txBody>
-                  <a:tcPr/>
-                </a:tc>
-                <a:tc>
-                  <a:txBody>
-                    <a:bodyPr/>
-                    <a:lstStyle/>
-                    <a:p>
-                      <a:pPr algn="ctr"/>
-                      <a:r>
-                        <a:rPr lang="ru-RU" dirty="0" smtClean="0"/>
-                        <a:t>Учет погрешностей процесса</a:t>
-                      </a:r>
-                      <a:endParaRPr lang="ru-RU" dirty="0"/>
-                    </a:p>
-                  </a:txBody>
-                  <a:tcPr/>
-                </a:tc>
-                <a:tc>
-                  <a:txBody>
-                    <a:bodyPr/>
-                    <a:lstStyle/>
-                    <a:p>
-                      <a:pPr algn="ctr"/>
-                      <a:r>
-                        <a:rPr lang="ru-RU" dirty="0" smtClean="0"/>
-                        <a:t>Учет погрешностей датчика</a:t>
-                      </a:r>
-                      <a:endParaRPr lang="ru-RU" dirty="0"/>
-                    </a:p>
-                  </a:txBody>
-                  <a:tcPr/>
-                </a:tc>
-              </a:tr>
-              <a:tr h="370840">
-                <a:tc>
-                  <a:txBody>
-                    <a:bodyPr/>
-                    <a:lstStyle/>
-                    <a:p>
-                      <a:pPr algn="ctr"/>
-                      <a:r>
-                        <a:rPr lang="ru-RU" dirty="0" smtClean="0"/>
-                        <a:t>Фильтр </a:t>
-                      </a:r>
-                      <a:r>
-                        <a:rPr lang="ru-RU" dirty="0" err="1" smtClean="0"/>
-                        <a:t>Калмана</a:t>
-                      </a:r>
-                      <a:endParaRPr lang="ru-RU" dirty="0"/>
-                    </a:p>
-                  </a:txBody>
-                  <a:tcPr/>
-                </a:tc>
-                <a:tc>
-                  <a:txBody>
-                    <a:bodyPr/>
-                    <a:lstStyle/>
-                    <a:p>
-                      <a:pPr algn="ctr"/>
-                      <a:r>
-                        <a:rPr lang="ru-RU" dirty="0" smtClean="0"/>
-                        <a:t>+</a:t>
-                      </a:r>
-                      <a:endParaRPr lang="ru-RU" dirty="0"/>
-                    </a:p>
-                  </a:txBody>
-                  <a:tcPr/>
-                </a:tc>
-                <a:tc>
-                  <a:txBody>
-                    <a:bodyPr/>
-                    <a:lstStyle/>
-                    <a:p>
-                      <a:pPr algn="ctr"/>
-                      <a:r>
-                        <a:rPr lang="ru-RU" dirty="0" smtClean="0"/>
-                        <a:t>+</a:t>
-                      </a:r>
-                      <a:endParaRPr lang="ru-RU" dirty="0"/>
-                    </a:p>
-                  </a:txBody>
-                  <a:tcPr/>
-                </a:tc>
-                <a:tc>
-                  <a:txBody>
-                    <a:bodyPr/>
-                    <a:lstStyle/>
-                    <a:p>
-                      <a:pPr algn="ctr"/>
-                      <a:r>
-                        <a:rPr lang="ru-RU" dirty="0" smtClean="0"/>
-                        <a:t>+</a:t>
-                      </a:r>
-                      <a:endParaRPr lang="ru-RU" dirty="0"/>
-                    </a:p>
-                  </a:txBody>
-                  <a:tcPr/>
-                </a:tc>
-              </a:tr>
-              <a:tr h="370840">
-                <a:tc>
-                  <a:txBody>
-                    <a:bodyPr/>
-                    <a:lstStyle/>
-                    <a:p>
-                      <a:pPr algn="ctr"/>
-                      <a:r>
-                        <a:rPr lang="ru-RU" dirty="0" smtClean="0"/>
-                        <a:t>Медианный фильтр</a:t>
-                      </a:r>
-                      <a:endParaRPr lang="ru-RU" dirty="0"/>
-                    </a:p>
-                  </a:txBody>
-                  <a:tcPr/>
-                </a:tc>
-                <a:tc>
-                  <a:txBody>
-                    <a:bodyPr/>
-                    <a:lstStyle/>
-                    <a:p>
-                      <a:pPr algn="ctr"/>
-                      <a:r>
-                        <a:rPr lang="ru-RU" dirty="0" smtClean="0"/>
-                        <a:t>-</a:t>
-                      </a:r>
-                      <a:endParaRPr lang="ru-RU" dirty="0"/>
-                    </a:p>
-                  </a:txBody>
-                  <a:tcPr/>
-                </a:tc>
-                <a:tc>
-                  <a:txBody>
-                    <a:bodyPr/>
-                    <a:lstStyle/>
-                    <a:p>
-                      <a:pPr algn="ctr"/>
-                      <a:r>
-                        <a:rPr lang="ru-RU" dirty="0" smtClean="0"/>
-                        <a:t>-</a:t>
-                      </a:r>
-                      <a:endParaRPr lang="ru-RU" dirty="0"/>
-                    </a:p>
-                  </a:txBody>
-                  <a:tcPr/>
-                </a:tc>
-                <a:tc>
-                  <a:txBody>
-                    <a:bodyPr/>
-                    <a:lstStyle/>
-                    <a:p>
-                      <a:pPr algn="ctr"/>
-                      <a:r>
-                        <a:rPr lang="ru-RU" dirty="0" smtClean="0"/>
-                        <a:t>-</a:t>
-                      </a:r>
-                      <a:endParaRPr lang="ru-RU" dirty="0"/>
-                    </a:p>
-                  </a:txBody>
-                  <a:tcPr/>
-                </a:tc>
-              </a:tr>
-              <a:tr h="370840">
-                <a:tc>
-                  <a:txBody>
-                    <a:bodyPr/>
-                    <a:lstStyle/>
-                    <a:p>
-                      <a:pPr algn="ctr"/>
-                      <a:r>
-                        <a:rPr lang="ru-RU" dirty="0" smtClean="0"/>
-                        <a:t>Экспоненциальный фильтр</a:t>
-                      </a:r>
-                      <a:endParaRPr lang="ru-RU" dirty="0"/>
-                    </a:p>
-                  </a:txBody>
-                  <a:tcPr/>
-                </a:tc>
-                <a:tc>
-                  <a:txBody>
-                    <a:bodyPr/>
-                    <a:lstStyle/>
-                    <a:p>
-                      <a:pPr algn="ctr"/>
-                      <a:r>
-                        <a:rPr lang="ru-RU" dirty="0" smtClean="0"/>
-                        <a:t>-</a:t>
-                      </a:r>
-                      <a:endParaRPr lang="ru-RU" dirty="0"/>
-                    </a:p>
-                  </a:txBody>
-                  <a:tcPr/>
-                </a:tc>
-                <a:tc>
-                  <a:txBody>
-                    <a:bodyPr/>
-                    <a:lstStyle/>
-                    <a:p>
-                      <a:pPr algn="ctr"/>
-                      <a:r>
-                        <a:rPr lang="ru-RU" dirty="0" smtClean="0"/>
-                        <a:t>-</a:t>
-                      </a:r>
-                      <a:endParaRPr lang="ru-RU" dirty="0"/>
-                    </a:p>
-                  </a:txBody>
-                  <a:tcPr/>
-                </a:tc>
-                <a:tc>
-                  <a:txBody>
-                    <a:bodyPr/>
-                    <a:lstStyle/>
-                    <a:p>
-                      <a:pPr algn="ctr"/>
-                      <a:r>
-                        <a:rPr lang="ru-RU" dirty="0" smtClean="0"/>
-                        <a:t>+</a:t>
-                      </a:r>
-                      <a:endParaRPr lang="ru-RU" dirty="0"/>
-                    </a:p>
-                  </a:txBody>
-                  <a:tcPr/>
-                </a:tc>
-              </a:tr>
-              <a:tr h="370840">
-                <a:tc>
-                  <a:txBody>
-                    <a:bodyPr/>
-                    <a:lstStyle/>
-                    <a:p>
-                      <a:pPr algn="ctr"/>
-                      <a:r>
-                        <a:rPr lang="ru-RU" dirty="0" smtClean="0"/>
-                        <a:t>Ядерное сглаживание</a:t>
-                      </a:r>
-                      <a:endParaRPr lang="ru-RU" dirty="0"/>
-                    </a:p>
-                  </a:txBody>
-                  <a:tcPr/>
-                </a:tc>
-                <a:tc>
-                  <a:txBody>
-                    <a:bodyPr/>
-                    <a:lstStyle/>
-                    <a:p>
-                      <a:pPr algn="ctr"/>
-                      <a:r>
-                        <a:rPr lang="ru-RU" dirty="0" smtClean="0"/>
-                        <a:t>-</a:t>
-                      </a:r>
-                      <a:endParaRPr lang="ru-RU" dirty="0"/>
-                    </a:p>
-                  </a:txBody>
-                  <a:tcPr/>
-                </a:tc>
-                <a:tc>
-                  <a:txBody>
-                    <a:bodyPr/>
-                    <a:lstStyle/>
-                    <a:p>
-                      <a:pPr algn="ctr"/>
-                      <a:r>
-                        <a:rPr lang="ru-RU" dirty="0" smtClean="0"/>
-                        <a:t>-</a:t>
-                      </a:r>
-                      <a:endParaRPr lang="ru-RU" dirty="0"/>
-                    </a:p>
-                  </a:txBody>
-                  <a:tcPr/>
-                </a:tc>
-                <a:tc>
-                  <a:txBody>
-                    <a:bodyPr/>
-                    <a:lstStyle/>
-                    <a:p>
-                      <a:pPr algn="ctr"/>
-                      <a:r>
-                        <a:rPr lang="ru-RU" dirty="0" smtClean="0"/>
-                        <a:t>+</a:t>
-                      </a:r>
-                      <a:endParaRPr lang="ru-RU" dirty="0"/>
-                    </a:p>
-                  </a:txBody>
-                  <a:tcPr/>
-                </a:tc>
-              </a:tr>
-            </a:tbl>
-          </a:graphicData>
-        </a:graphic>
-      </p:graphicFrame>
-      <p:sp>
-        <p:nvSpPr>
-          <p:cNvPr id="4" name="Номер слайда 3"/>
-          <p:cNvSpPr>
-            <a:spLocks noGrp="1"/>
-          </p:cNvSpPr>
-          <p:nvPr>
-            <p:ph type="sldNum" sz="quarter" idx="12"/>
-          </p:nvPr>
-        </p:nvSpPr>
-        <p:spPr/>
-        <p:txBody>
-          <a:bodyPr/>
-          <a:lstStyle/>
-          <a:p>
-            <a:fld id="{3BCC8605-603C-4CBC-9D12-BEB80FA30360}" type="slidenum">
-              <a:rPr lang="ru-RU" smtClean="0"/>
-              <a:t>8</a:t>
-            </a:fld>
-            <a:endParaRPr lang="ru-RU"/>
-          </a:p>
-        </p:txBody>
-      </p:sp>
-      <p:sp>
-        <p:nvSpPr>
-          <p:cNvPr id="6" name="TextBox 5"/>
-          <p:cNvSpPr txBox="1"/>
-          <p:nvPr/>
-        </p:nvSpPr>
-        <p:spPr>
-          <a:xfrm>
-            <a:off x="838200" y="4269091"/>
-            <a:ext cx="10515600" cy="1015663"/>
-          </a:xfrm>
-          <a:prstGeom prst="rect">
-            <a:avLst/>
-          </a:prstGeom>
-          <a:noFill/>
-        </p:spPr>
-        <p:txBody>
-          <a:bodyPr wrap="square" rtlCol="0">
-            <a:spAutoFit/>
-          </a:bodyPr>
-          <a:lstStyle/>
-          <a:p>
-            <a:r>
-              <a:rPr lang="ru-RU" sz="2000" dirty="0" smtClean="0"/>
-              <a:t>По результатам анализа алгоритмов сглаживания решено использовать фильтр </a:t>
-            </a:r>
-            <a:r>
-              <a:rPr lang="ru-RU" sz="2000" dirty="0" err="1" smtClean="0"/>
-              <a:t>Калмана</a:t>
-            </a:r>
-            <a:r>
-              <a:rPr lang="ru-RU" sz="2000" dirty="0" smtClean="0"/>
-              <a:t>, как позволяющий учитывать дополнительную информацию об объекте по сравнени</a:t>
-            </a:r>
-            <a:r>
-              <a:rPr lang="ru-RU" sz="2000" dirty="0" smtClean="0"/>
-              <a:t>ю с другими алгоритмами.</a:t>
-            </a:r>
-            <a:endParaRPr lang="ru-RU" sz="2400" dirty="0"/>
-          </a:p>
-        </p:txBody>
-      </p:sp>
-    </p:spTree>
-    <p:extLst>
-      <p:ext uri="{BB962C8B-B14F-4D97-AF65-F5344CB8AC3E}">
-        <p14:creationId xmlns:p14="http://schemas.microsoft.com/office/powerpoint/2010/main" val="80071296"/>
-      </p:ext>
-    </p:extLst>
-  </p:cSld>
-  <p:clrMapOvr>
-    <a:masterClrMapping/>
-  </p:clrMapOvr>
-  <p:timing>
-    <p:tnLst>
-      <p:par>
-        <p:cTn id="1" dur="indefinite" restart="never" nodeType="tmRoot"/>
-      </p:par>
-    </p:tnLst>
-  </p:timing>
-</p:sld>
-</file>
-
-<file path=ppt/slides/slide9.xml><?xml version="1.0" encoding="utf-8"?>
-<p:sld xmlns:a="http://schemas.openxmlformats.org/drawingml/2006/main" xmlns:r="http://schemas.openxmlformats.org/officeDocument/2006/relationships" xmlns:p="http://schemas.openxmlformats.org/presentationml/2006/main">
-  <p:cSld>
-    <p:spTree>
-      <p:nvGrpSpPr>
-        <p:cNvPr id="1" name=""/>
-        <p:cNvGrpSpPr/>
-        <p:nvPr/>
-      </p:nvGrpSpPr>
-      <p:grpSpPr>
-        <a:xfrm>
-          <a:off x="0" y="0"/>
-          <a:ext cx="0" cy="0"/>
-          <a:chOff x="0" y="0"/>
-          <a:chExt cx="0" cy="0"/>
-        </a:xfrm>
-      </p:grpSpPr>
-      <p:sp>
-        <p:nvSpPr>
-          <p:cNvPr id="2" name="Заголовок 1"/>
-          <p:cNvSpPr>
-            <a:spLocks noGrp="1"/>
-          </p:cNvSpPr>
-          <p:nvPr>
-            <p:ph type="title"/>
-          </p:nvPr>
-        </p:nvSpPr>
         <p:spPr>
           <a:xfrm>
             <a:off x="739775" y="45675"/>
@@ -7382,8 +9060,8 @@
           </a:p>
         </p:txBody>
       </p:sp>
-      <mc:AlternateContent xmlns:mc="http://schemas.openxmlformats.org/markup-compatibility/2006">
-        <mc:Choice xmlns:a14="http://schemas.microsoft.com/office/drawing/2010/main" Requires="a14">
+      <mc:AlternateContent xmlns:mc="http://schemas.openxmlformats.org/markup-compatibility/2006" xmlns:a14="http://schemas.microsoft.com/office/drawing/2010/main">
+        <mc:Choice Requires="a14">
           <p:sp>
             <p:nvSpPr>
               <p:cNvPr id="8" name="Объект 7"/>
@@ -8786,7 +10464,7 @@
             </p:txBody>
           </p:sp>
         </mc:Choice>
-        <mc:Fallback>
+        <mc:Fallback xmlns="">
           <p:sp>
             <p:nvSpPr>
               <p:cNvPr id="8" name="Объект 7"/>
@@ -8852,8 +10530,8 @@
           </a:p>
         </p:txBody>
       </p:sp>
-      <mc:AlternateContent xmlns:mc="http://schemas.openxmlformats.org/markup-compatibility/2006">
-        <mc:Choice xmlns:a14="http://schemas.microsoft.com/office/drawing/2010/main" Requires="a14">
+      <mc:AlternateContent xmlns:mc="http://schemas.openxmlformats.org/markup-compatibility/2006" xmlns:a14="http://schemas.microsoft.com/office/drawing/2010/main">
+        <mc:Choice Requires="a14">
           <p:sp>
             <p:nvSpPr>
               <p:cNvPr id="10" name="Объект 9"/>
@@ -9390,7 +11068,7 @@
             </p:txBody>
           </p:sp>
         </mc:Choice>
-        <mc:Fallback>
+        <mc:Fallback xmlns="">
           <p:sp>
             <p:nvSpPr>
               <p:cNvPr id="10" name="Объект 9"/>
@@ -9450,7 +11128,7 @@
           <a:p>
             <a:fld id="{3BCC8605-603C-4CBC-9D12-BEB80FA30360}" type="slidenum">
               <a:rPr lang="ru-RU" smtClean="0"/>
-              <a:t>9</a:t>
+              <a:t>8</a:t>
             </a:fld>
             <a:endParaRPr lang="ru-RU"/>
           </a:p>
@@ -9460,6 +11138,123 @@
     <p:extLst>
       <p:ext uri="{BB962C8B-B14F-4D97-AF65-F5344CB8AC3E}">
         <p14:creationId xmlns:p14="http://schemas.microsoft.com/office/powerpoint/2010/main" val="2338145101"/>
+      </p:ext>
+    </p:extLst>
+  </p:cSld>
+  <p:clrMapOvr>
+    <a:masterClrMapping/>
+  </p:clrMapOvr>
+  <p:timing>
+    <p:tnLst>
+      <p:par>
+        <p:cTn id="1" dur="indefinite" restart="never" nodeType="tmRoot"/>
+      </p:par>
+    </p:tnLst>
+  </p:timing>
+</p:sld>
+</file>
+
+<file path=ppt/slides/slide9.xml><?xml version="1.0" encoding="utf-8"?>
+<p:sld xmlns:a="http://schemas.openxmlformats.org/drawingml/2006/main" xmlns:r="http://schemas.openxmlformats.org/officeDocument/2006/relationships" xmlns:p="http://schemas.openxmlformats.org/presentationml/2006/main">
+  <p:cSld>
+    <p:spTree>
+      <p:nvGrpSpPr>
+        <p:cNvPr id="1" name=""/>
+        <p:cNvGrpSpPr/>
+        <p:nvPr/>
+      </p:nvGrpSpPr>
+      <p:grpSpPr>
+        <a:xfrm>
+          <a:off x="0" y="0"/>
+          <a:ext cx="0" cy="0"/>
+          <a:chOff x="0" y="0"/>
+          <a:chExt cx="0" cy="0"/>
+        </a:xfrm>
+      </p:grpSpPr>
+      <p:sp>
+        <p:nvSpPr>
+          <p:cNvPr id="2" name="Заголовок 1"/>
+          <p:cNvSpPr>
+            <a:spLocks noGrp="1"/>
+          </p:cNvSpPr>
+          <p:nvPr>
+            <p:ph type="title"/>
+          </p:nvPr>
+        </p:nvSpPr>
+        <p:spPr>
+          <a:xfrm>
+            <a:off x="838200" y="113198"/>
+            <a:ext cx="10515600" cy="1325563"/>
+          </a:xfrm>
+        </p:spPr>
+        <p:txBody>
+          <a:bodyPr/>
+          <a:lstStyle/>
+          <a:p>
+            <a:r>
+              <a:rPr lang="ru-RU" dirty="0" smtClean="0"/>
+              <a:t>Функциональная модель процесса обработки маршрута</a:t>
+            </a:r>
+            <a:endParaRPr lang="ru-RU" dirty="0"/>
+          </a:p>
+        </p:txBody>
+      </p:sp>
+      <p:pic>
+        <p:nvPicPr>
+          <p:cNvPr id="5" name="Объект 4"/>
+          <p:cNvPicPr>
+            <a:picLocks noGrp="1" noChangeAspect="1"/>
+          </p:cNvPicPr>
+          <p:nvPr>
+            <p:ph idx="1"/>
+          </p:nvPr>
+        </p:nvPicPr>
+        <p:blipFill>
+          <a:blip r:embed="rId2">
+            <a:extLst>
+              <a:ext uri="{28A0092B-C50C-407E-A947-70E740481C1C}">
+                <a14:useLocalDpi xmlns:a14="http://schemas.microsoft.com/office/drawing/2010/main" val="0"/>
+              </a:ext>
+            </a:extLst>
+          </a:blip>
+          <a:stretch>
+            <a:fillRect/>
+          </a:stretch>
+        </p:blipFill>
+        <p:spPr>
+          <a:xfrm>
+            <a:off x="1166327" y="1305897"/>
+            <a:ext cx="9691394" cy="5415578"/>
+          </a:xfrm>
+        </p:spPr>
+      </p:pic>
+      <p:sp>
+        <p:nvSpPr>
+          <p:cNvPr id="3" name="Номер слайда 2"/>
+          <p:cNvSpPr>
+            <a:spLocks noGrp="1"/>
+          </p:cNvSpPr>
+          <p:nvPr>
+            <p:ph type="sldNum" sz="quarter" idx="12"/>
+          </p:nvPr>
+        </p:nvSpPr>
+        <p:spPr/>
+        <p:txBody>
+          <a:bodyPr/>
+          <a:lstStyle/>
+          <a:p>
+            <a:fld id="{3BCC8605-603C-4CBC-9D12-BEB80FA30360}" type="slidenum">
+              <a:rPr lang="ru-RU" smtClean="0"/>
+              <a:t>9</a:t>
+            </a:fld>
+            <a:endParaRPr lang="ru-RU"/>
+          </a:p>
+        </p:txBody>
+      </p:sp>
+    </p:spTree>
+    <p:extLst>
+      <p:ext uri="{BB962C8B-B14F-4D97-AF65-F5344CB8AC3E}">
+        <p14:creationId xmlns:p14="http://schemas.microsoft.com/office/powerpoint/2010/main" val="2936390320"/>
       </p:ext>
     </p:extLst>
   </p:cSld>

--- a/docs/thesis/thesis.pptx
+++ b/docs/thesis/thesis.pptx
@@ -176,7 +176,6 @@
           </a:p>
         </c:rich>
       </c:tx>
-      <c:layout/>
       <c:overlay val="0"/>
       <c:spPr>
         <a:noFill/>
@@ -475,11 +474,11 @@
         </c:dLbls>
         <c:gapWidth val="219"/>
         <c:overlap val="-27"/>
-        <c:axId val="389349920"/>
-        <c:axId val="389350704"/>
+        <c:axId val="413889096"/>
+        <c:axId val="413881256"/>
       </c:barChart>
       <c:catAx>
-        <c:axId val="389349920"/>
+        <c:axId val="413889096"/>
         <c:scaling>
           <c:orientation val="minMax"/>
         </c:scaling>
@@ -522,7 +521,7 @@
             <a:endParaRPr lang="ru-RU"/>
           </a:p>
         </c:txPr>
-        <c:crossAx val="389350704"/>
+        <c:crossAx val="413881256"/>
         <c:crosses val="autoZero"/>
         <c:auto val="1"/>
         <c:lblAlgn val="ctr"/>
@@ -530,7 +529,7 @@
         <c:noMultiLvlLbl val="0"/>
       </c:catAx>
       <c:valAx>
-        <c:axId val="389350704"/>
+        <c:axId val="413881256"/>
         <c:scaling>
           <c:orientation val="minMax"/>
         </c:scaling>
@@ -577,7 +576,6 @@
               </a:p>
             </c:rich>
           </c:tx>
-          <c:layout/>
           <c:overlay val="0"/>
           <c:spPr>
             <a:noFill/>
@@ -638,7 +636,7 @@
             <a:endParaRPr lang="ru-RU"/>
           </a:p>
         </c:txPr>
-        <c:crossAx val="389349920"/>
+        <c:crossAx val="413889096"/>
         <c:crosses val="autoZero"/>
         <c:crossBetween val="between"/>
       </c:valAx>
@@ -698,7 +696,6 @@
           </a:p>
         </c:txPr>
       </c:legendEntry>
-      <c:layout/>
       <c:overlay val="0"/>
       <c:spPr>
         <a:noFill/>
@@ -1380,7 +1377,7 @@
           <a:p>
             <a:fld id="{7D65DE95-B979-4E4D-BB3C-F1DE1284DF32}" type="datetimeFigureOut">
               <a:rPr lang="ru-RU" smtClean="0"/>
-              <a:t>28.05.2015</a:t>
+              <a:t>29.05.2015</a:t>
             </a:fld>
             <a:endParaRPr lang="ru-RU"/>
           </a:p>
@@ -1863,7 +1860,7 @@
           <a:p>
             <a:fld id="{D4F054D9-EB72-4C9A-9169-A74286829EAD}" type="datetime1">
               <a:rPr lang="ru-RU" smtClean="0"/>
-              <a:t>28.05.2015</a:t>
+              <a:t>29.05.2015</a:t>
             </a:fld>
             <a:endParaRPr lang="ru-RU"/>
           </a:p>
@@ -2033,7 +2030,7 @@
           <a:p>
             <a:fld id="{E5EF8B1C-0D11-43B3-A850-C4112CD4E0BB}" type="datetime1">
               <a:rPr lang="ru-RU" smtClean="0"/>
-              <a:t>28.05.2015</a:t>
+              <a:t>29.05.2015</a:t>
             </a:fld>
             <a:endParaRPr lang="ru-RU"/>
           </a:p>
@@ -2213,7 +2210,7 @@
           <a:p>
             <a:fld id="{596D8CCD-DD76-46D5-BB04-26570E4CEC4D}" type="datetime1">
               <a:rPr lang="ru-RU" smtClean="0"/>
-              <a:t>28.05.2015</a:t>
+              <a:t>29.05.2015</a:t>
             </a:fld>
             <a:endParaRPr lang="ru-RU"/>
           </a:p>
@@ -2383,7 +2380,7 @@
           <a:p>
             <a:fld id="{6250C4C9-0B10-4EB2-80BC-83961D1B1F71}" type="datetime1">
               <a:rPr lang="ru-RU" smtClean="0"/>
-              <a:t>28.05.2015</a:t>
+              <a:t>29.05.2015</a:t>
             </a:fld>
             <a:endParaRPr lang="ru-RU"/>
           </a:p>
@@ -2629,7 +2626,7 @@
           <a:p>
             <a:fld id="{A11B47ED-0892-4B0A-B36F-DCEFF37A6828}" type="datetime1">
               <a:rPr lang="ru-RU" smtClean="0"/>
-              <a:t>28.05.2015</a:t>
+              <a:t>29.05.2015</a:t>
             </a:fld>
             <a:endParaRPr lang="ru-RU"/>
           </a:p>
@@ -2861,7 +2858,7 @@
           <a:p>
             <a:fld id="{181F1BD6-D2E2-46E1-B84D-6F4CB9985097}" type="datetime1">
               <a:rPr lang="ru-RU" smtClean="0"/>
-              <a:t>28.05.2015</a:t>
+              <a:t>29.05.2015</a:t>
             </a:fld>
             <a:endParaRPr lang="ru-RU"/>
           </a:p>
@@ -3228,7 +3225,7 @@
           <a:p>
             <a:fld id="{88AC1DB7-0E78-436E-920D-DEFD50E8D9EB}" type="datetime1">
               <a:rPr lang="ru-RU" smtClean="0"/>
-              <a:t>28.05.2015</a:t>
+              <a:t>29.05.2015</a:t>
             </a:fld>
             <a:endParaRPr lang="ru-RU"/>
           </a:p>
@@ -3346,7 +3343,7 @@
           <a:p>
             <a:fld id="{9DC62A61-060E-4ADE-863D-EA8886D6BD99}" type="datetime1">
               <a:rPr lang="ru-RU" smtClean="0"/>
-              <a:t>28.05.2015</a:t>
+              <a:t>29.05.2015</a:t>
             </a:fld>
             <a:endParaRPr lang="ru-RU"/>
           </a:p>
@@ -3441,7 +3438,7 @@
           <a:p>
             <a:fld id="{BFB1E972-3C12-44FD-9004-BD514C5E9054}" type="datetime1">
               <a:rPr lang="ru-RU" smtClean="0"/>
-              <a:t>28.05.2015</a:t>
+              <a:t>29.05.2015</a:t>
             </a:fld>
             <a:endParaRPr lang="ru-RU"/>
           </a:p>
@@ -3718,7 +3715,7 @@
           <a:p>
             <a:fld id="{1CD89F04-4959-4257-8387-3C744EBB14D8}" type="datetime1">
               <a:rPr lang="ru-RU" smtClean="0"/>
-              <a:t>28.05.2015</a:t>
+              <a:t>29.05.2015</a:t>
             </a:fld>
             <a:endParaRPr lang="ru-RU"/>
           </a:p>
@@ -3971,7 +3968,7 @@
           <a:p>
             <a:fld id="{4CFB109E-B013-47B7-AD92-B0C422B3055C}" type="datetime1">
               <a:rPr lang="ru-RU" smtClean="0"/>
-              <a:t>28.05.2015</a:t>
+              <a:t>29.05.2015</a:t>
             </a:fld>
             <a:endParaRPr lang="ru-RU"/>
           </a:p>
@@ -4184,7 +4181,7 @@
           <a:p>
             <a:fld id="{F2345C99-4D7D-4EA5-96D7-452EE91F454C}" type="datetime1">
               <a:rPr lang="ru-RU" smtClean="0"/>
-              <a:t>28.05.2015</a:t>
+              <a:t>29.05.2015</a:t>
             </a:fld>
             <a:endParaRPr lang="ru-RU"/>
           </a:p>
@@ -4857,8 +4854,8 @@
         </p:blipFill>
         <p:spPr>
           <a:xfrm>
-            <a:off x="838199" y="1367293"/>
-            <a:ext cx="11026323" cy="4310026"/>
+            <a:off x="838200" y="1367293"/>
+            <a:ext cx="11026321" cy="4310026"/>
           </a:xfrm>
         </p:spPr>
       </p:pic>
@@ -4979,11 +4976,7 @@
           <a:p>
             <a:r>
               <a:rPr lang="ru-RU" dirty="0" smtClean="0"/>
-              <a:t>Исходный </a:t>
-            </a:r>
-            <a:r>
-              <a:rPr lang="ru-RU" dirty="0" smtClean="0"/>
-              <a:t>маршрут №1</a:t>
+              <a:t>Исходный маршрут №1</a:t>
             </a:r>
             <a:endParaRPr lang="ru-RU" dirty="0"/>
           </a:p>
@@ -5172,13 +5165,8 @@
           <a:p>
             <a:r>
               <a:rPr lang="ru-RU" dirty="0" smtClean="0"/>
-              <a:t>Для проведения эксперимента вручную воссоздан точный маршрут объекта</a:t>
-            </a:r>
-            <a:r>
-              <a:rPr lang="ru-RU" dirty="0" smtClean="0"/>
-              <a:t>.</a:t>
-            </a:r>
-            <a:endParaRPr lang="ru-RU" dirty="0" smtClean="0"/>
+              <a:t>Для проведения эксперимента вручную воссоздан точный маршрут объекта.</a:t>
+            </a:r>
           </a:p>
         </p:txBody>
       </p:sp>
@@ -5781,27 +5769,7 @@
                           <a:effectLst/>
                           <a:latin typeface="+mn-lt"/>
                         </a:rPr>
-                        <a:t>8,92 </a:t>
-                      </a:r>
-                      <a:r>
-                        <a:rPr lang="ru-RU" sz="2400" b="0" i="0" u="none" strike="noStrike" dirty="0" smtClean="0">
-                          <a:solidFill>
-                            <a:srgbClr val="000000"/>
-                          </a:solidFill>
-                          <a:effectLst/>
-                          <a:latin typeface="+mn-lt"/>
-                        </a:rPr>
-                        <a:t>±</a:t>
-                      </a:r>
-                      <a:r>
-                        <a:rPr lang="ru-RU" sz="2400" b="0" i="0" u="none" strike="noStrike" dirty="0" smtClean="0">
-                          <a:solidFill>
-                            <a:srgbClr val="000000"/>
-                          </a:solidFill>
-                          <a:effectLst/>
-                          <a:latin typeface="+mn-lt"/>
-                        </a:rPr>
-                        <a:t> 9,85</a:t>
+                        <a:t>8,92 ± 9,85</a:t>
                       </a:r>
                     </a:p>
                   </a:txBody>
@@ -5908,17 +5876,7 @@
                           <a:effectLst/>
                           <a:latin typeface="+mn-lt"/>
                         </a:rPr>
-                        <a:t>19,46 </a:t>
-                      </a:r>
-                      <a:r>
-                        <a:rPr lang="ru-RU" sz="2400" b="0" i="0" u="none" strike="noStrike" dirty="0" smtClean="0">
-                          <a:solidFill>
-                            <a:srgbClr val="000000"/>
-                          </a:solidFill>
-                          <a:effectLst/>
-                          <a:latin typeface="+mn-lt"/>
-                        </a:rPr>
-                        <a:t>± 177,13</a:t>
+                        <a:t>19,46 ± 177,13</a:t>
                       </a:r>
                     </a:p>
                   </a:txBody>
@@ -5954,17 +5912,7 @@
                           <a:effectLst/>
                           <a:latin typeface="+mn-lt"/>
                         </a:rPr>
-                        <a:t>15,15 </a:t>
-                      </a:r>
-                      <a:r>
-                        <a:rPr lang="ru-RU" sz="2400" b="0" i="0" u="none" strike="noStrike" dirty="0" smtClean="0">
-                          <a:solidFill>
-                            <a:srgbClr val="000000"/>
-                          </a:solidFill>
-                          <a:effectLst/>
-                          <a:latin typeface="+mn-lt"/>
-                        </a:rPr>
-                        <a:t>± 81,69</a:t>
+                        <a:t>15,15 ± 81,69</a:t>
                       </a:r>
                     </a:p>
                   </a:txBody>
@@ -6071,17 +6019,7 @@
                           <a:effectLst/>
                           <a:latin typeface="+mn-lt"/>
                         </a:rPr>
-                        <a:t>16,50 </a:t>
-                      </a:r>
-                      <a:r>
-                        <a:rPr lang="ru-RU" sz="2400" b="0" i="0" u="none" strike="noStrike" dirty="0" smtClean="0">
-                          <a:solidFill>
-                            <a:srgbClr val="000000"/>
-                          </a:solidFill>
-                          <a:effectLst/>
-                          <a:latin typeface="+mn-lt"/>
-                        </a:rPr>
-                        <a:t>± 115,24</a:t>
+                        <a:t>16,50 ± 115,24</a:t>
                       </a:r>
                     </a:p>
                   </a:txBody>
@@ -6117,17 +6055,7 @@
                           <a:effectLst/>
                           <a:latin typeface="+mn-lt"/>
                         </a:rPr>
-                        <a:t>14,57 </a:t>
-                      </a:r>
-                      <a:r>
-                        <a:rPr lang="ru-RU" sz="2400" b="0" i="0" u="none" strike="noStrike" dirty="0" smtClean="0">
-                          <a:solidFill>
-                            <a:srgbClr val="000000"/>
-                          </a:solidFill>
-                          <a:effectLst/>
-                          <a:latin typeface="+mn-lt"/>
-                        </a:rPr>
-                        <a:t>± 110,6</a:t>
+                        <a:t>14,57 ± 110,6</a:t>
                       </a:r>
                     </a:p>
                   </a:txBody>
@@ -6234,17 +6162,7 @@
                           <a:effectLst/>
                           <a:latin typeface="+mn-lt"/>
                         </a:rPr>
-                        <a:t>17,91 </a:t>
-                      </a:r>
-                      <a:r>
-                        <a:rPr lang="ru-RU" sz="2400" b="0" i="0" u="none" strike="noStrike" smtClean="0">
-                          <a:solidFill>
-                            <a:srgbClr val="000000"/>
-                          </a:solidFill>
-                          <a:effectLst/>
-                          <a:latin typeface="+mn-lt"/>
-                        </a:rPr>
-                        <a:t>± 115,61</a:t>
+                        <a:t>17,91 ± 115,61</a:t>
                       </a:r>
                     </a:p>
                   </a:txBody>
@@ -6280,17 +6198,7 @@
                           <a:effectLst/>
                           <a:latin typeface="+mn-lt"/>
                         </a:rPr>
-                        <a:t>11,22 </a:t>
-                      </a:r>
-                      <a:r>
-                        <a:rPr lang="ru-RU" sz="2400" b="0" i="0" u="none" strike="noStrike" dirty="0" smtClean="0">
-                          <a:solidFill>
-                            <a:srgbClr val="000000"/>
-                          </a:solidFill>
-                          <a:effectLst/>
-                          <a:latin typeface="+mn-lt"/>
-                        </a:rPr>
-                        <a:t>± 70,57</a:t>
+                        <a:t>11,22 ± 70,57</a:t>
                       </a:r>
                     </a:p>
                   </a:txBody>
@@ -7399,7 +7307,11 @@
           <a:p>
             <a:r>
               <a:rPr lang="ru-RU" dirty="0" smtClean="0"/>
-              <a:t>Дальнейшее развитие:</a:t>
+              <a:t>Дальнейшее </a:t>
+            </a:r>
+            <a:r>
+              <a:rPr lang="ru-RU" dirty="0" smtClean="0"/>
+              <a:t>развитие</a:t>
             </a:r>
             <a:endParaRPr lang="ru-RU" dirty="0"/>
           </a:p>
@@ -7749,8 +7661,8 @@
         </p:blipFill>
         <p:spPr>
           <a:xfrm>
-            <a:off x="378758" y="1775960"/>
-            <a:ext cx="11434484" cy="4450668"/>
+            <a:off x="378759" y="1775960"/>
+            <a:ext cx="11434482" cy="4450668"/>
           </a:xfrm>
         </p:spPr>
       </p:pic>
@@ -7853,8 +7765,8 @@
           </a:p>
         </p:txBody>
       </p:sp>
-      <mc:AlternateContent xmlns:mc="http://schemas.openxmlformats.org/markup-compatibility/2006">
-        <mc:Choice xmlns:a14="http://schemas.microsoft.com/office/drawing/2010/main" Requires="a14">
+      <mc:AlternateContent xmlns:mc="http://schemas.openxmlformats.org/markup-compatibility/2006" xmlns:a14="http://schemas.microsoft.com/office/drawing/2010/main">
+        <mc:Choice Requires="a14">
           <p:sp>
             <p:nvSpPr>
               <p:cNvPr id="3" name="Объект 2"/>
@@ -8181,7 +8093,7 @@
             </p:txBody>
           </p:sp>
         </mc:Choice>
-        <mc:Fallback>
+        <mc:Fallback xmlns="">
           <p:sp>
             <p:nvSpPr>
               <p:cNvPr id="3" name="Объект 2"/>
@@ -8327,6 +8239,99 @@
           </a:p>
         </p:txBody>
       </p:sp>
+      <p:sp>
+        <p:nvSpPr>
+          <p:cNvPr id="3" name="TextBox 2"/>
+          <p:cNvSpPr txBox="1"/>
+          <p:nvPr/>
+        </p:nvSpPr>
+        <p:spPr>
+          <a:xfrm>
+            <a:off x="3772930" y="2984502"/>
+            <a:ext cx="3064475" cy="400110"/>
+          </a:xfrm>
+          <a:prstGeom prst="rect">
+            <a:avLst/>
+          </a:prstGeom>
+          <a:noFill/>
+        </p:spPr>
+        <p:txBody>
+          <a:bodyPr wrap="square" rtlCol="0">
+            <a:spAutoFit/>
+          </a:bodyPr>
+          <a:lstStyle/>
+          <a:p>
+            <a:r>
+              <a:rPr lang="ru-RU" sz="2000" dirty="0" smtClean="0"/>
+              <a:t>Максимальное расстояние</a:t>
+            </a:r>
+            <a:endParaRPr lang="ru-RU" sz="2000" dirty="0"/>
+          </a:p>
+        </p:txBody>
+      </p:sp>
+      <p:sp>
+        <p:nvSpPr>
+          <p:cNvPr id="5" name="TextBox 4"/>
+          <p:cNvSpPr txBox="1"/>
+          <p:nvPr/>
+        </p:nvSpPr>
+        <p:spPr>
+          <a:xfrm>
+            <a:off x="9835978" y="3262184"/>
+            <a:ext cx="184731" cy="400110"/>
+          </a:xfrm>
+          <a:prstGeom prst="rect">
+            <a:avLst/>
+          </a:prstGeom>
+          <a:noFill/>
+        </p:spPr>
+        <p:txBody>
+          <a:bodyPr wrap="none" rtlCol="0">
+            <a:spAutoFit/>
+          </a:bodyPr>
+          <a:lstStyle/>
+          <a:p>
+            <a:endParaRPr lang="ru-RU" sz="2000" dirty="0"/>
+          </a:p>
+        </p:txBody>
+      </p:sp>
+      <p:sp>
+        <p:nvSpPr>
+          <p:cNvPr id="7" name="TextBox 6"/>
+          <p:cNvSpPr txBox="1"/>
+          <p:nvPr/>
+        </p:nvSpPr>
+        <p:spPr>
+          <a:xfrm>
+            <a:off x="8449962" y="2830614"/>
+            <a:ext cx="3064475" cy="707886"/>
+          </a:xfrm>
+          <a:prstGeom prst="rect">
+            <a:avLst/>
+          </a:prstGeom>
+          <a:noFill/>
+        </p:spPr>
+        <p:txBody>
+          <a:bodyPr wrap="square" rtlCol="0">
+            <a:spAutoFit/>
+          </a:bodyPr>
+          <a:lstStyle/>
+          <a:p>
+            <a:r>
+              <a:rPr lang="ru-RU" sz="2000" dirty="0" smtClean="0"/>
+              <a:t>Расстояние без учета</a:t>
+            </a:r>
+            <a:br>
+              <a:rPr lang="ru-RU" sz="2000" dirty="0" smtClean="0"/>
+            </a:br>
+            <a:r>
+              <a:rPr lang="ru-RU" sz="2000" dirty="0" smtClean="0"/>
+              <a:t>пика</a:t>
+            </a:r>
+            <a:endParaRPr lang="ru-RU" sz="2000" dirty="0"/>
+          </a:p>
+        </p:txBody>
+      </p:sp>
     </p:spTree>
     <p:extLst>
       <p:ext uri="{BB962C8B-B14F-4D97-AF65-F5344CB8AC3E}">
@@ -8541,7 +8546,7 @@
             <p:ph idx="1"/>
             <p:extLst>
               <p:ext uri="{D42A27DB-BD31-4B8C-83A1-F6EECF244321}">
-                <p14:modId xmlns:p14="http://schemas.microsoft.com/office/powerpoint/2010/main" val="3765273062"/>
+                <p14:modId xmlns:p14="http://schemas.microsoft.com/office/powerpoint/2010/main" val="3690363992"/>
               </p:ext>
             </p:extLst>
           </p:nvPr>
@@ -8554,7 +8559,7 @@
           <a:graphicData uri="http://schemas.openxmlformats.org/drawingml/2006/table">
             <a:tbl>
               <a:tblPr firstRow="1" bandRow="1">
-                <a:tableStyleId>{5C22544A-7EE6-4342-B048-85BDC9FD1C3A}</a:tableStyleId>
+                <a:tableStyleId>{EB344D84-9AFB-497E-A393-DC336BA19D2E}</a:tableStyleId>
               </a:tblPr>
               <a:tblGrid>
                 <a:gridCol w="2628900"/>
@@ -8576,7 +8581,44 @@
                       <a:endParaRPr lang="ru-RU" sz="2000" dirty="0"/>
                     </a:p>
                   </a:txBody>
-                  <a:tcPr/>
+                  <a:tcPr>
+                    <a:lnL w="12700" cap="flat" cmpd="sng" algn="ctr">
+                      <a:solidFill>
+                        <a:schemeClr val="tx1"/>
+                      </a:solidFill>
+                      <a:prstDash val="solid"/>
+                      <a:round/>
+                      <a:headEnd type="none" w="med" len="med"/>
+                      <a:tailEnd type="none" w="med" len="med"/>
+                    </a:lnL>
+                    <a:lnR w="12700" cap="flat" cmpd="sng" algn="ctr">
+                      <a:solidFill>
+                        <a:schemeClr val="tx1"/>
+                      </a:solidFill>
+                      <a:prstDash val="solid"/>
+                      <a:round/>
+                      <a:headEnd type="none" w="med" len="med"/>
+                      <a:tailEnd type="none" w="med" len="med"/>
+                    </a:lnR>
+                    <a:lnT w="12700" cap="flat" cmpd="sng" algn="ctr">
+                      <a:solidFill>
+                        <a:schemeClr val="tx1"/>
+                      </a:solidFill>
+                      <a:prstDash val="solid"/>
+                      <a:round/>
+                      <a:headEnd type="none" w="med" len="med"/>
+                      <a:tailEnd type="none" w="med" len="med"/>
+                    </a:lnT>
+                    <a:lnB w="12700" cap="flat" cmpd="sng" algn="ctr">
+                      <a:solidFill>
+                        <a:schemeClr val="tx1"/>
+                      </a:solidFill>
+                      <a:prstDash val="solid"/>
+                      <a:round/>
+                      <a:headEnd type="none" w="med" len="med"/>
+                      <a:tailEnd type="none" w="med" len="med"/>
+                    </a:lnB>
+                  </a:tcPr>
                 </a:tc>
                 <a:tc>
                   <a:txBody>
@@ -8591,7 +8633,44 @@
                       <a:endParaRPr lang="ru-RU" sz="2000" dirty="0"/>
                     </a:p>
                   </a:txBody>
-                  <a:tcPr/>
+                  <a:tcPr>
+                    <a:lnL w="12700" cap="flat" cmpd="sng" algn="ctr">
+                      <a:solidFill>
+                        <a:schemeClr val="tx1"/>
+                      </a:solidFill>
+                      <a:prstDash val="solid"/>
+                      <a:round/>
+                      <a:headEnd type="none" w="med" len="med"/>
+                      <a:tailEnd type="none" w="med" len="med"/>
+                    </a:lnL>
+                    <a:lnR w="12700" cap="flat" cmpd="sng" algn="ctr">
+                      <a:solidFill>
+                        <a:schemeClr val="tx1"/>
+                      </a:solidFill>
+                      <a:prstDash val="solid"/>
+                      <a:round/>
+                      <a:headEnd type="none" w="med" len="med"/>
+                      <a:tailEnd type="none" w="med" len="med"/>
+                    </a:lnR>
+                    <a:lnT w="12700" cap="flat" cmpd="sng" algn="ctr">
+                      <a:solidFill>
+                        <a:schemeClr val="tx1"/>
+                      </a:solidFill>
+                      <a:prstDash val="solid"/>
+                      <a:round/>
+                      <a:headEnd type="none" w="med" len="med"/>
+                      <a:tailEnd type="none" w="med" len="med"/>
+                    </a:lnT>
+                    <a:lnB w="12700" cap="flat" cmpd="sng" algn="ctr">
+                      <a:solidFill>
+                        <a:schemeClr val="tx1"/>
+                      </a:solidFill>
+                      <a:prstDash val="solid"/>
+                      <a:round/>
+                      <a:headEnd type="none" w="med" len="med"/>
+                      <a:tailEnd type="none" w="med" len="med"/>
+                    </a:lnB>
+                  </a:tcPr>
                 </a:tc>
                 <a:tc>
                   <a:txBody>
@@ -8606,7 +8685,44 @@
                       <a:endParaRPr lang="ru-RU" sz="2000" dirty="0"/>
                     </a:p>
                   </a:txBody>
-                  <a:tcPr/>
+                  <a:tcPr>
+                    <a:lnL w="12700" cap="flat" cmpd="sng" algn="ctr">
+                      <a:solidFill>
+                        <a:schemeClr val="tx1"/>
+                      </a:solidFill>
+                      <a:prstDash val="solid"/>
+                      <a:round/>
+                      <a:headEnd type="none" w="med" len="med"/>
+                      <a:tailEnd type="none" w="med" len="med"/>
+                    </a:lnL>
+                    <a:lnR w="12700" cap="flat" cmpd="sng" algn="ctr">
+                      <a:solidFill>
+                        <a:schemeClr val="tx1"/>
+                      </a:solidFill>
+                      <a:prstDash val="solid"/>
+                      <a:round/>
+                      <a:headEnd type="none" w="med" len="med"/>
+                      <a:tailEnd type="none" w="med" len="med"/>
+                    </a:lnR>
+                    <a:lnT w="12700" cap="flat" cmpd="sng" algn="ctr">
+                      <a:solidFill>
+                        <a:schemeClr val="tx1"/>
+                      </a:solidFill>
+                      <a:prstDash val="solid"/>
+                      <a:round/>
+                      <a:headEnd type="none" w="med" len="med"/>
+                      <a:tailEnd type="none" w="med" len="med"/>
+                    </a:lnT>
+                    <a:lnB w="12700" cap="flat" cmpd="sng" algn="ctr">
+                      <a:solidFill>
+                        <a:schemeClr val="tx1"/>
+                      </a:solidFill>
+                      <a:prstDash val="solid"/>
+                      <a:round/>
+                      <a:headEnd type="none" w="med" len="med"/>
+                      <a:tailEnd type="none" w="med" len="med"/>
+                    </a:lnB>
+                  </a:tcPr>
                 </a:tc>
                 <a:tc>
                   <a:txBody>
@@ -8621,7 +8737,44 @@
                       <a:endParaRPr lang="ru-RU" sz="2000" dirty="0"/>
                     </a:p>
                   </a:txBody>
-                  <a:tcPr/>
+                  <a:tcPr>
+                    <a:lnL w="12700" cap="flat" cmpd="sng" algn="ctr">
+                      <a:solidFill>
+                        <a:schemeClr val="tx1"/>
+                      </a:solidFill>
+                      <a:prstDash val="solid"/>
+                      <a:round/>
+                      <a:headEnd type="none" w="med" len="med"/>
+                      <a:tailEnd type="none" w="med" len="med"/>
+                    </a:lnL>
+                    <a:lnR w="12700" cap="flat" cmpd="sng" algn="ctr">
+                      <a:solidFill>
+                        <a:schemeClr val="tx1"/>
+                      </a:solidFill>
+                      <a:prstDash val="solid"/>
+                      <a:round/>
+                      <a:headEnd type="none" w="med" len="med"/>
+                      <a:tailEnd type="none" w="med" len="med"/>
+                    </a:lnR>
+                    <a:lnT w="12700" cap="flat" cmpd="sng" algn="ctr">
+                      <a:solidFill>
+                        <a:schemeClr val="tx1"/>
+                      </a:solidFill>
+                      <a:prstDash val="solid"/>
+                      <a:round/>
+                      <a:headEnd type="none" w="med" len="med"/>
+                      <a:tailEnd type="none" w="med" len="med"/>
+                    </a:lnT>
+                    <a:lnB w="12700" cap="flat" cmpd="sng" algn="ctr">
+                      <a:solidFill>
+                        <a:schemeClr val="tx1"/>
+                      </a:solidFill>
+                      <a:prstDash val="solid"/>
+                      <a:round/>
+                      <a:headEnd type="none" w="med" len="med"/>
+                      <a:tailEnd type="none" w="med" len="med"/>
+                    </a:lnB>
+                  </a:tcPr>
                 </a:tc>
               </a:tr>
               <a:tr h="370840">
@@ -8643,6 +8796,50 @@
                     </a:p>
                   </a:txBody>
                   <a:tcPr>
+                    <a:lnL w="12700" cap="flat" cmpd="sng" algn="ctr">
+                      <a:solidFill>
+                        <a:schemeClr val="tx1"/>
+                      </a:solidFill>
+                      <a:prstDash val="solid"/>
+                      <a:round/>
+                      <a:headEnd type="none" w="med" len="med"/>
+                      <a:tailEnd type="none" w="med" len="med"/>
+                    </a:lnL>
+                    <a:lnR w="12700" cap="flat" cmpd="sng" algn="ctr">
+                      <a:solidFill>
+                        <a:schemeClr val="tx1"/>
+                      </a:solidFill>
+                      <a:prstDash val="solid"/>
+                      <a:round/>
+                      <a:headEnd type="none" w="med" len="med"/>
+                      <a:tailEnd type="none" w="med" len="med"/>
+                    </a:lnR>
+                    <a:lnT w="12700" cap="flat" cmpd="sng" algn="ctr">
+                      <a:solidFill>
+                        <a:schemeClr val="tx1"/>
+                      </a:solidFill>
+                      <a:prstDash val="solid"/>
+                      <a:round/>
+                      <a:headEnd type="none" w="med" len="med"/>
+                      <a:tailEnd type="none" w="med" len="med"/>
+                    </a:lnT>
+                    <a:lnB w="12700" cap="flat" cmpd="sng" algn="ctr">
+                      <a:solidFill>
+                        <a:schemeClr val="tx1"/>
+                      </a:solidFill>
+                      <a:prstDash val="solid"/>
+                      <a:round/>
+                      <a:headEnd type="none" w="med" len="med"/>
+                      <a:tailEnd type="none" w="med" len="med"/>
+                    </a:lnB>
+                    <a:lnTlToBr w="12700" cmpd="sng">
+                      <a:noFill/>
+                      <a:prstDash val="solid"/>
+                    </a:lnTlToBr>
+                    <a:lnBlToTr w="12700" cmpd="sng">
+                      <a:noFill/>
+                      <a:prstDash val="solid"/>
+                    </a:lnBlToTr>
                     <a:solidFill>
                       <a:srgbClr val="7EFB55"/>
                     </a:solidFill>
@@ -8655,13 +8852,57 @@
                     <a:p>
                       <a:pPr algn="ctr"/>
                       <a:r>
-                        <a:rPr lang="ru-RU" sz="2400" b="1" dirty="0" smtClean="0"/>
+                        <a:rPr lang="ru-RU" sz="2400" dirty="0" smtClean="0"/>
                         <a:t>+</a:t>
                       </a:r>
                       <a:endParaRPr lang="ru-RU" sz="2400" b="1" dirty="0"/>
                     </a:p>
                   </a:txBody>
                   <a:tcPr>
+                    <a:lnL w="12700" cap="flat" cmpd="sng" algn="ctr">
+                      <a:solidFill>
+                        <a:schemeClr val="tx1"/>
+                      </a:solidFill>
+                      <a:prstDash val="solid"/>
+                      <a:round/>
+                      <a:headEnd type="none" w="med" len="med"/>
+                      <a:tailEnd type="none" w="med" len="med"/>
+                    </a:lnL>
+                    <a:lnR w="12700" cap="flat" cmpd="sng" algn="ctr">
+                      <a:solidFill>
+                        <a:schemeClr val="tx1"/>
+                      </a:solidFill>
+                      <a:prstDash val="solid"/>
+                      <a:round/>
+                      <a:headEnd type="none" w="med" len="med"/>
+                      <a:tailEnd type="none" w="med" len="med"/>
+                    </a:lnR>
+                    <a:lnT w="12700" cap="flat" cmpd="sng" algn="ctr">
+                      <a:solidFill>
+                        <a:schemeClr val="tx1"/>
+                      </a:solidFill>
+                      <a:prstDash val="solid"/>
+                      <a:round/>
+                      <a:headEnd type="none" w="med" len="med"/>
+                      <a:tailEnd type="none" w="med" len="med"/>
+                    </a:lnT>
+                    <a:lnB w="12700" cap="flat" cmpd="sng" algn="ctr">
+                      <a:solidFill>
+                        <a:schemeClr val="tx1"/>
+                      </a:solidFill>
+                      <a:prstDash val="solid"/>
+                      <a:round/>
+                      <a:headEnd type="none" w="med" len="med"/>
+                      <a:tailEnd type="none" w="med" len="med"/>
+                    </a:lnB>
+                    <a:lnTlToBr w="12700" cmpd="sng">
+                      <a:noFill/>
+                      <a:prstDash val="solid"/>
+                    </a:lnTlToBr>
+                    <a:lnBlToTr w="12700" cmpd="sng">
+                      <a:noFill/>
+                      <a:prstDash val="solid"/>
+                    </a:lnBlToTr>
                     <a:solidFill>
                       <a:srgbClr val="7EFB55"/>
                     </a:solidFill>
@@ -8674,13 +8915,57 @@
                     <a:p>
                       <a:pPr algn="ctr"/>
                       <a:r>
-                        <a:rPr lang="ru-RU" sz="2400" b="1" dirty="0" smtClean="0"/>
+                        <a:rPr lang="ru-RU" sz="2400" dirty="0" smtClean="0"/>
                         <a:t>+</a:t>
                       </a:r>
                       <a:endParaRPr lang="ru-RU" sz="2400" b="1" dirty="0"/>
                     </a:p>
                   </a:txBody>
                   <a:tcPr>
+                    <a:lnL w="12700" cap="flat" cmpd="sng" algn="ctr">
+                      <a:solidFill>
+                        <a:schemeClr val="tx1"/>
+                      </a:solidFill>
+                      <a:prstDash val="solid"/>
+                      <a:round/>
+                      <a:headEnd type="none" w="med" len="med"/>
+                      <a:tailEnd type="none" w="med" len="med"/>
+                    </a:lnL>
+                    <a:lnR w="12700" cap="flat" cmpd="sng" algn="ctr">
+                      <a:solidFill>
+                        <a:schemeClr val="tx1"/>
+                      </a:solidFill>
+                      <a:prstDash val="solid"/>
+                      <a:round/>
+                      <a:headEnd type="none" w="med" len="med"/>
+                      <a:tailEnd type="none" w="med" len="med"/>
+                    </a:lnR>
+                    <a:lnT w="12700" cap="flat" cmpd="sng" algn="ctr">
+                      <a:solidFill>
+                        <a:schemeClr val="tx1"/>
+                      </a:solidFill>
+                      <a:prstDash val="solid"/>
+                      <a:round/>
+                      <a:headEnd type="none" w="med" len="med"/>
+                      <a:tailEnd type="none" w="med" len="med"/>
+                    </a:lnT>
+                    <a:lnB w="12700" cap="flat" cmpd="sng" algn="ctr">
+                      <a:solidFill>
+                        <a:schemeClr val="tx1"/>
+                      </a:solidFill>
+                      <a:prstDash val="solid"/>
+                      <a:round/>
+                      <a:headEnd type="none" w="med" len="med"/>
+                      <a:tailEnd type="none" w="med" len="med"/>
+                    </a:lnB>
+                    <a:lnTlToBr w="12700" cmpd="sng">
+                      <a:noFill/>
+                      <a:prstDash val="solid"/>
+                    </a:lnTlToBr>
+                    <a:lnBlToTr w="12700" cmpd="sng">
+                      <a:noFill/>
+                      <a:prstDash val="solid"/>
+                    </a:lnBlToTr>
                     <a:solidFill>
                       <a:srgbClr val="7EFB55"/>
                     </a:solidFill>
@@ -8693,13 +8978,57 @@
                     <a:p>
                       <a:pPr algn="ctr"/>
                       <a:r>
-                        <a:rPr lang="ru-RU" sz="2400" b="1" dirty="0" smtClean="0"/>
+                        <a:rPr lang="ru-RU" sz="2400" dirty="0" smtClean="0"/>
                         <a:t>+</a:t>
                       </a:r>
                       <a:endParaRPr lang="ru-RU" sz="2400" b="1" dirty="0"/>
                     </a:p>
                   </a:txBody>
                   <a:tcPr>
+                    <a:lnL w="12700" cap="flat" cmpd="sng" algn="ctr">
+                      <a:solidFill>
+                        <a:schemeClr val="tx1"/>
+                      </a:solidFill>
+                      <a:prstDash val="solid"/>
+                      <a:round/>
+                      <a:headEnd type="none" w="med" len="med"/>
+                      <a:tailEnd type="none" w="med" len="med"/>
+                    </a:lnL>
+                    <a:lnR w="12700" cap="flat" cmpd="sng" algn="ctr">
+                      <a:solidFill>
+                        <a:schemeClr val="tx1"/>
+                      </a:solidFill>
+                      <a:prstDash val="solid"/>
+                      <a:round/>
+                      <a:headEnd type="none" w="med" len="med"/>
+                      <a:tailEnd type="none" w="med" len="med"/>
+                    </a:lnR>
+                    <a:lnT w="12700" cap="flat" cmpd="sng" algn="ctr">
+                      <a:solidFill>
+                        <a:schemeClr val="tx1"/>
+                      </a:solidFill>
+                      <a:prstDash val="solid"/>
+                      <a:round/>
+                      <a:headEnd type="none" w="med" len="med"/>
+                      <a:tailEnd type="none" w="med" len="med"/>
+                    </a:lnT>
+                    <a:lnB w="12700" cap="flat" cmpd="sng" algn="ctr">
+                      <a:solidFill>
+                        <a:schemeClr val="tx1"/>
+                      </a:solidFill>
+                      <a:prstDash val="solid"/>
+                      <a:round/>
+                      <a:headEnd type="none" w="med" len="med"/>
+                      <a:tailEnd type="none" w="med" len="med"/>
+                    </a:lnB>
+                    <a:lnTlToBr w="12700" cmpd="sng">
+                      <a:noFill/>
+                      <a:prstDash val="solid"/>
+                    </a:lnTlToBr>
+                    <a:lnBlToTr w="12700" cmpd="sng">
+                      <a:noFill/>
+                      <a:prstDash val="solid"/>
+                    </a:lnBlToTr>
                     <a:solidFill>
                       <a:srgbClr val="7EFB55"/>
                     </a:solidFill>
@@ -8721,8 +9050,52 @@
                     </a:p>
                   </a:txBody>
                   <a:tcPr>
+                    <a:lnL w="12700" cap="flat" cmpd="sng" algn="ctr">
+                      <a:solidFill>
+                        <a:schemeClr val="tx1"/>
+                      </a:solidFill>
+                      <a:prstDash val="solid"/>
+                      <a:round/>
+                      <a:headEnd type="none" w="med" len="med"/>
+                      <a:tailEnd type="none" w="med" len="med"/>
+                    </a:lnL>
+                    <a:lnR w="12700" cap="flat" cmpd="sng" algn="ctr">
+                      <a:solidFill>
+                        <a:schemeClr val="tx1"/>
+                      </a:solidFill>
+                      <a:prstDash val="solid"/>
+                      <a:round/>
+                      <a:headEnd type="none" w="med" len="med"/>
+                      <a:tailEnd type="none" w="med" len="med"/>
+                    </a:lnR>
+                    <a:lnT w="12700" cap="flat" cmpd="sng" algn="ctr">
+                      <a:solidFill>
+                        <a:schemeClr val="tx1"/>
+                      </a:solidFill>
+                      <a:prstDash val="solid"/>
+                      <a:round/>
+                      <a:headEnd type="none" w="med" len="med"/>
+                      <a:tailEnd type="none" w="med" len="med"/>
+                    </a:lnT>
+                    <a:lnB w="12700" cap="flat" cmpd="sng" algn="ctr">
+                      <a:solidFill>
+                        <a:schemeClr val="tx1"/>
+                      </a:solidFill>
+                      <a:prstDash val="solid"/>
+                      <a:round/>
+                      <a:headEnd type="none" w="med" len="med"/>
+                      <a:tailEnd type="none" w="med" len="med"/>
+                    </a:lnB>
+                    <a:lnTlToBr w="12700" cmpd="sng">
+                      <a:noFill/>
+                      <a:prstDash val="solid"/>
+                    </a:lnTlToBr>
+                    <a:lnBlToTr w="12700" cmpd="sng">
+                      <a:noFill/>
+                      <a:prstDash val="solid"/>
+                    </a:lnBlToTr>
                     <a:solidFill>
-                      <a:schemeClr val="bg2"/>
+                      <a:schemeClr val="bg1"/>
                     </a:solidFill>
                   </a:tcPr>
                 </a:tc>
@@ -8733,15 +9106,59 @@
                     <a:p>
                       <a:pPr algn="ctr"/>
                       <a:r>
-                        <a:rPr lang="ru-RU" sz="2400" b="1" dirty="0" smtClean="0"/>
+                        <a:rPr lang="ru-RU" sz="2400" dirty="0" smtClean="0"/>
                         <a:t>-</a:t>
                       </a:r>
                       <a:endParaRPr lang="ru-RU" sz="2400" b="1" dirty="0"/>
                     </a:p>
                   </a:txBody>
                   <a:tcPr>
+                    <a:lnL w="12700" cap="flat" cmpd="sng" algn="ctr">
+                      <a:solidFill>
+                        <a:schemeClr val="tx1"/>
+                      </a:solidFill>
+                      <a:prstDash val="solid"/>
+                      <a:round/>
+                      <a:headEnd type="none" w="med" len="med"/>
+                      <a:tailEnd type="none" w="med" len="med"/>
+                    </a:lnL>
+                    <a:lnR w="12700" cap="flat" cmpd="sng" algn="ctr">
+                      <a:solidFill>
+                        <a:schemeClr val="tx1"/>
+                      </a:solidFill>
+                      <a:prstDash val="solid"/>
+                      <a:round/>
+                      <a:headEnd type="none" w="med" len="med"/>
+                      <a:tailEnd type="none" w="med" len="med"/>
+                    </a:lnR>
+                    <a:lnT w="12700" cap="flat" cmpd="sng" algn="ctr">
+                      <a:solidFill>
+                        <a:schemeClr val="tx1"/>
+                      </a:solidFill>
+                      <a:prstDash val="solid"/>
+                      <a:round/>
+                      <a:headEnd type="none" w="med" len="med"/>
+                      <a:tailEnd type="none" w="med" len="med"/>
+                    </a:lnT>
+                    <a:lnB w="12700" cap="flat" cmpd="sng" algn="ctr">
+                      <a:solidFill>
+                        <a:schemeClr val="tx1"/>
+                      </a:solidFill>
+                      <a:prstDash val="solid"/>
+                      <a:round/>
+                      <a:headEnd type="none" w="med" len="med"/>
+                      <a:tailEnd type="none" w="med" len="med"/>
+                    </a:lnB>
+                    <a:lnTlToBr w="12700" cmpd="sng">
+                      <a:noFill/>
+                      <a:prstDash val="solid"/>
+                    </a:lnTlToBr>
+                    <a:lnBlToTr w="12700" cmpd="sng">
+                      <a:noFill/>
+                      <a:prstDash val="solid"/>
+                    </a:lnBlToTr>
                     <a:solidFill>
-                      <a:schemeClr val="bg2"/>
+                      <a:schemeClr val="bg1"/>
                     </a:solidFill>
                   </a:tcPr>
                 </a:tc>
@@ -8752,15 +9169,59 @@
                     <a:p>
                       <a:pPr algn="ctr"/>
                       <a:r>
-                        <a:rPr lang="ru-RU" sz="2400" b="1" dirty="0" smtClean="0"/>
+                        <a:rPr lang="ru-RU" sz="2400" dirty="0" smtClean="0"/>
                         <a:t>-</a:t>
                       </a:r>
                       <a:endParaRPr lang="ru-RU" sz="2400" b="1" dirty="0"/>
                     </a:p>
                   </a:txBody>
                   <a:tcPr>
+                    <a:lnL w="12700" cap="flat" cmpd="sng" algn="ctr">
+                      <a:solidFill>
+                        <a:schemeClr val="tx1"/>
+                      </a:solidFill>
+                      <a:prstDash val="solid"/>
+                      <a:round/>
+                      <a:headEnd type="none" w="med" len="med"/>
+                      <a:tailEnd type="none" w="med" len="med"/>
+                    </a:lnL>
+                    <a:lnR w="12700" cap="flat" cmpd="sng" algn="ctr">
+                      <a:solidFill>
+                        <a:schemeClr val="tx1"/>
+                      </a:solidFill>
+                      <a:prstDash val="solid"/>
+                      <a:round/>
+                      <a:headEnd type="none" w="med" len="med"/>
+                      <a:tailEnd type="none" w="med" len="med"/>
+                    </a:lnR>
+                    <a:lnT w="12700" cap="flat" cmpd="sng" algn="ctr">
+                      <a:solidFill>
+                        <a:schemeClr val="tx1"/>
+                      </a:solidFill>
+                      <a:prstDash val="solid"/>
+                      <a:round/>
+                      <a:headEnd type="none" w="med" len="med"/>
+                      <a:tailEnd type="none" w="med" len="med"/>
+                    </a:lnT>
+                    <a:lnB w="12700" cap="flat" cmpd="sng" algn="ctr">
+                      <a:solidFill>
+                        <a:schemeClr val="tx1"/>
+                      </a:solidFill>
+                      <a:prstDash val="solid"/>
+                      <a:round/>
+                      <a:headEnd type="none" w="med" len="med"/>
+                      <a:tailEnd type="none" w="med" len="med"/>
+                    </a:lnB>
+                    <a:lnTlToBr w="12700" cmpd="sng">
+                      <a:noFill/>
+                      <a:prstDash val="solid"/>
+                    </a:lnTlToBr>
+                    <a:lnBlToTr w="12700" cmpd="sng">
+                      <a:noFill/>
+                      <a:prstDash val="solid"/>
+                    </a:lnBlToTr>
                     <a:solidFill>
-                      <a:schemeClr val="bg2"/>
+                      <a:schemeClr val="bg1"/>
                     </a:solidFill>
                   </a:tcPr>
                 </a:tc>
@@ -8771,15 +9232,59 @@
                     <a:p>
                       <a:pPr algn="ctr"/>
                       <a:r>
-                        <a:rPr lang="ru-RU" sz="2400" b="1" dirty="0" smtClean="0"/>
+                        <a:rPr lang="ru-RU" sz="2400" dirty="0" smtClean="0"/>
                         <a:t>-</a:t>
                       </a:r>
                       <a:endParaRPr lang="ru-RU" sz="2400" b="1" dirty="0"/>
                     </a:p>
                   </a:txBody>
                   <a:tcPr>
+                    <a:lnL w="12700" cap="flat" cmpd="sng" algn="ctr">
+                      <a:solidFill>
+                        <a:schemeClr val="tx1"/>
+                      </a:solidFill>
+                      <a:prstDash val="solid"/>
+                      <a:round/>
+                      <a:headEnd type="none" w="med" len="med"/>
+                      <a:tailEnd type="none" w="med" len="med"/>
+                    </a:lnL>
+                    <a:lnR w="12700" cap="flat" cmpd="sng" algn="ctr">
+                      <a:solidFill>
+                        <a:schemeClr val="tx1"/>
+                      </a:solidFill>
+                      <a:prstDash val="solid"/>
+                      <a:round/>
+                      <a:headEnd type="none" w="med" len="med"/>
+                      <a:tailEnd type="none" w="med" len="med"/>
+                    </a:lnR>
+                    <a:lnT w="12700" cap="flat" cmpd="sng" algn="ctr">
+                      <a:solidFill>
+                        <a:schemeClr val="tx1"/>
+                      </a:solidFill>
+                      <a:prstDash val="solid"/>
+                      <a:round/>
+                      <a:headEnd type="none" w="med" len="med"/>
+                      <a:tailEnd type="none" w="med" len="med"/>
+                    </a:lnT>
+                    <a:lnB w="12700" cap="flat" cmpd="sng" algn="ctr">
+                      <a:solidFill>
+                        <a:schemeClr val="tx1"/>
+                      </a:solidFill>
+                      <a:prstDash val="solid"/>
+                      <a:round/>
+                      <a:headEnd type="none" w="med" len="med"/>
+                      <a:tailEnd type="none" w="med" len="med"/>
+                    </a:lnB>
+                    <a:lnTlToBr w="12700" cmpd="sng">
+                      <a:noFill/>
+                      <a:prstDash val="solid"/>
+                    </a:lnTlToBr>
+                    <a:lnBlToTr w="12700" cmpd="sng">
+                      <a:noFill/>
+                      <a:prstDash val="solid"/>
+                    </a:lnBlToTr>
                     <a:solidFill>
-                      <a:schemeClr val="bg2"/>
+                      <a:schemeClr val="bg1"/>
                     </a:solidFill>
                   </a:tcPr>
                 </a:tc>
@@ -8799,8 +9304,52 @@
                     </a:p>
                   </a:txBody>
                   <a:tcPr>
+                    <a:lnL w="12700" cap="flat" cmpd="sng" algn="ctr">
+                      <a:solidFill>
+                        <a:schemeClr val="tx1"/>
+                      </a:solidFill>
+                      <a:prstDash val="solid"/>
+                      <a:round/>
+                      <a:headEnd type="none" w="med" len="med"/>
+                      <a:tailEnd type="none" w="med" len="med"/>
+                    </a:lnL>
+                    <a:lnR w="12700" cap="flat" cmpd="sng" algn="ctr">
+                      <a:solidFill>
+                        <a:schemeClr val="tx1"/>
+                      </a:solidFill>
+                      <a:prstDash val="solid"/>
+                      <a:round/>
+                      <a:headEnd type="none" w="med" len="med"/>
+                      <a:tailEnd type="none" w="med" len="med"/>
+                    </a:lnR>
+                    <a:lnT w="12700" cap="flat" cmpd="sng" algn="ctr">
+                      <a:solidFill>
+                        <a:schemeClr val="tx1"/>
+                      </a:solidFill>
+                      <a:prstDash val="solid"/>
+                      <a:round/>
+                      <a:headEnd type="none" w="med" len="med"/>
+                      <a:tailEnd type="none" w="med" len="med"/>
+                    </a:lnT>
+                    <a:lnB w="12700" cap="flat" cmpd="sng" algn="ctr">
+                      <a:solidFill>
+                        <a:schemeClr val="tx1"/>
+                      </a:solidFill>
+                      <a:prstDash val="solid"/>
+                      <a:round/>
+                      <a:headEnd type="none" w="med" len="med"/>
+                      <a:tailEnd type="none" w="med" len="med"/>
+                    </a:lnB>
+                    <a:lnTlToBr w="12700" cmpd="sng">
+                      <a:noFill/>
+                      <a:prstDash val="solid"/>
+                    </a:lnTlToBr>
+                    <a:lnBlToTr w="12700" cmpd="sng">
+                      <a:noFill/>
+                      <a:prstDash val="solid"/>
+                    </a:lnBlToTr>
                     <a:solidFill>
-                      <a:schemeClr val="bg2"/>
+                      <a:schemeClr val="bg1"/>
                     </a:solidFill>
                   </a:tcPr>
                 </a:tc>
@@ -8811,15 +9360,59 @@
                     <a:p>
                       <a:pPr algn="ctr"/>
                       <a:r>
-                        <a:rPr lang="ru-RU" sz="2400" b="1" dirty="0" smtClean="0"/>
+                        <a:rPr lang="ru-RU" sz="2400" dirty="0" smtClean="0"/>
                         <a:t>-</a:t>
                       </a:r>
                       <a:endParaRPr lang="ru-RU" sz="2400" b="1" dirty="0"/>
                     </a:p>
                   </a:txBody>
                   <a:tcPr>
+                    <a:lnL w="12700" cap="flat" cmpd="sng" algn="ctr">
+                      <a:solidFill>
+                        <a:schemeClr val="tx1"/>
+                      </a:solidFill>
+                      <a:prstDash val="solid"/>
+                      <a:round/>
+                      <a:headEnd type="none" w="med" len="med"/>
+                      <a:tailEnd type="none" w="med" len="med"/>
+                    </a:lnL>
+                    <a:lnR w="12700" cap="flat" cmpd="sng" algn="ctr">
+                      <a:solidFill>
+                        <a:schemeClr val="tx1"/>
+                      </a:solidFill>
+                      <a:prstDash val="solid"/>
+                      <a:round/>
+                      <a:headEnd type="none" w="med" len="med"/>
+                      <a:tailEnd type="none" w="med" len="med"/>
+                    </a:lnR>
+                    <a:lnT w="12700" cap="flat" cmpd="sng" algn="ctr">
+                      <a:solidFill>
+                        <a:schemeClr val="tx1"/>
+                      </a:solidFill>
+                      <a:prstDash val="solid"/>
+                      <a:round/>
+                      <a:headEnd type="none" w="med" len="med"/>
+                      <a:tailEnd type="none" w="med" len="med"/>
+                    </a:lnT>
+                    <a:lnB w="12700" cap="flat" cmpd="sng" algn="ctr">
+                      <a:solidFill>
+                        <a:schemeClr val="tx1"/>
+                      </a:solidFill>
+                      <a:prstDash val="solid"/>
+                      <a:round/>
+                      <a:headEnd type="none" w="med" len="med"/>
+                      <a:tailEnd type="none" w="med" len="med"/>
+                    </a:lnB>
+                    <a:lnTlToBr w="12700" cmpd="sng">
+                      <a:noFill/>
+                      <a:prstDash val="solid"/>
+                    </a:lnTlToBr>
+                    <a:lnBlToTr w="12700" cmpd="sng">
+                      <a:noFill/>
+                      <a:prstDash val="solid"/>
+                    </a:lnBlToTr>
                     <a:solidFill>
-                      <a:schemeClr val="bg2"/>
+                      <a:schemeClr val="bg1"/>
                     </a:solidFill>
                   </a:tcPr>
                 </a:tc>
@@ -8830,15 +9423,59 @@
                     <a:p>
                       <a:pPr algn="ctr"/>
                       <a:r>
-                        <a:rPr lang="ru-RU" sz="2400" b="1" dirty="0" smtClean="0"/>
+                        <a:rPr lang="ru-RU" sz="2400" dirty="0" smtClean="0"/>
                         <a:t>-</a:t>
                       </a:r>
                       <a:endParaRPr lang="ru-RU" sz="2400" b="1" dirty="0"/>
                     </a:p>
                   </a:txBody>
                   <a:tcPr>
+                    <a:lnL w="12700" cap="flat" cmpd="sng" algn="ctr">
+                      <a:solidFill>
+                        <a:schemeClr val="tx1"/>
+                      </a:solidFill>
+                      <a:prstDash val="solid"/>
+                      <a:round/>
+                      <a:headEnd type="none" w="med" len="med"/>
+                      <a:tailEnd type="none" w="med" len="med"/>
+                    </a:lnL>
+                    <a:lnR w="12700" cap="flat" cmpd="sng" algn="ctr">
+                      <a:solidFill>
+                        <a:schemeClr val="tx1"/>
+                      </a:solidFill>
+                      <a:prstDash val="solid"/>
+                      <a:round/>
+                      <a:headEnd type="none" w="med" len="med"/>
+                      <a:tailEnd type="none" w="med" len="med"/>
+                    </a:lnR>
+                    <a:lnT w="12700" cap="flat" cmpd="sng" algn="ctr">
+                      <a:solidFill>
+                        <a:schemeClr val="tx1"/>
+                      </a:solidFill>
+                      <a:prstDash val="solid"/>
+                      <a:round/>
+                      <a:headEnd type="none" w="med" len="med"/>
+                      <a:tailEnd type="none" w="med" len="med"/>
+                    </a:lnT>
+                    <a:lnB w="12700" cap="flat" cmpd="sng" algn="ctr">
+                      <a:solidFill>
+                        <a:schemeClr val="tx1"/>
+                      </a:solidFill>
+                      <a:prstDash val="solid"/>
+                      <a:round/>
+                      <a:headEnd type="none" w="med" len="med"/>
+                      <a:tailEnd type="none" w="med" len="med"/>
+                    </a:lnB>
+                    <a:lnTlToBr w="12700" cmpd="sng">
+                      <a:noFill/>
+                      <a:prstDash val="solid"/>
+                    </a:lnTlToBr>
+                    <a:lnBlToTr w="12700" cmpd="sng">
+                      <a:noFill/>
+                      <a:prstDash val="solid"/>
+                    </a:lnBlToTr>
                     <a:solidFill>
-                      <a:schemeClr val="bg2"/>
+                      <a:schemeClr val="bg1"/>
                     </a:solidFill>
                   </a:tcPr>
                 </a:tc>
@@ -8849,15 +9486,59 @@
                     <a:p>
                       <a:pPr algn="ctr"/>
                       <a:r>
-                        <a:rPr lang="ru-RU" sz="2400" b="1" dirty="0" smtClean="0"/>
+                        <a:rPr lang="ru-RU" sz="2400" dirty="0" smtClean="0"/>
                         <a:t>+</a:t>
                       </a:r>
                       <a:endParaRPr lang="ru-RU" sz="2400" b="1" dirty="0"/>
                     </a:p>
                   </a:txBody>
                   <a:tcPr>
+                    <a:lnL w="12700" cap="flat" cmpd="sng" algn="ctr">
+                      <a:solidFill>
+                        <a:schemeClr val="tx1"/>
+                      </a:solidFill>
+                      <a:prstDash val="solid"/>
+                      <a:round/>
+                      <a:headEnd type="none" w="med" len="med"/>
+                      <a:tailEnd type="none" w="med" len="med"/>
+                    </a:lnL>
+                    <a:lnR w="12700" cap="flat" cmpd="sng" algn="ctr">
+                      <a:solidFill>
+                        <a:schemeClr val="tx1"/>
+                      </a:solidFill>
+                      <a:prstDash val="solid"/>
+                      <a:round/>
+                      <a:headEnd type="none" w="med" len="med"/>
+                      <a:tailEnd type="none" w="med" len="med"/>
+                    </a:lnR>
+                    <a:lnT w="12700" cap="flat" cmpd="sng" algn="ctr">
+                      <a:solidFill>
+                        <a:schemeClr val="tx1"/>
+                      </a:solidFill>
+                      <a:prstDash val="solid"/>
+                      <a:round/>
+                      <a:headEnd type="none" w="med" len="med"/>
+                      <a:tailEnd type="none" w="med" len="med"/>
+                    </a:lnT>
+                    <a:lnB w="12700" cap="flat" cmpd="sng" algn="ctr">
+                      <a:solidFill>
+                        <a:schemeClr val="tx1"/>
+                      </a:solidFill>
+                      <a:prstDash val="solid"/>
+                      <a:round/>
+                      <a:headEnd type="none" w="med" len="med"/>
+                      <a:tailEnd type="none" w="med" len="med"/>
+                    </a:lnB>
+                    <a:lnTlToBr w="12700" cmpd="sng">
+                      <a:noFill/>
+                      <a:prstDash val="solid"/>
+                    </a:lnTlToBr>
+                    <a:lnBlToTr w="12700" cmpd="sng">
+                      <a:noFill/>
+                      <a:prstDash val="solid"/>
+                    </a:lnBlToTr>
                     <a:solidFill>
-                      <a:schemeClr val="bg2"/>
+                      <a:schemeClr val="bg1"/>
                     </a:solidFill>
                   </a:tcPr>
                 </a:tc>
@@ -8877,8 +9558,52 @@
                     </a:p>
                   </a:txBody>
                   <a:tcPr>
+                    <a:lnL w="12700" cap="flat" cmpd="sng" algn="ctr">
+                      <a:solidFill>
+                        <a:schemeClr val="tx1"/>
+                      </a:solidFill>
+                      <a:prstDash val="solid"/>
+                      <a:round/>
+                      <a:headEnd type="none" w="med" len="med"/>
+                      <a:tailEnd type="none" w="med" len="med"/>
+                    </a:lnL>
+                    <a:lnR w="12700" cap="flat" cmpd="sng" algn="ctr">
+                      <a:solidFill>
+                        <a:schemeClr val="tx1"/>
+                      </a:solidFill>
+                      <a:prstDash val="solid"/>
+                      <a:round/>
+                      <a:headEnd type="none" w="med" len="med"/>
+                      <a:tailEnd type="none" w="med" len="med"/>
+                    </a:lnR>
+                    <a:lnT w="12700" cap="flat" cmpd="sng" algn="ctr">
+                      <a:solidFill>
+                        <a:schemeClr val="tx1"/>
+                      </a:solidFill>
+                      <a:prstDash val="solid"/>
+                      <a:round/>
+                      <a:headEnd type="none" w="med" len="med"/>
+                      <a:tailEnd type="none" w="med" len="med"/>
+                    </a:lnT>
+                    <a:lnB w="12700" cap="flat" cmpd="sng" algn="ctr">
+                      <a:solidFill>
+                        <a:schemeClr val="tx1"/>
+                      </a:solidFill>
+                      <a:prstDash val="solid"/>
+                      <a:round/>
+                      <a:headEnd type="none" w="med" len="med"/>
+                      <a:tailEnd type="none" w="med" len="med"/>
+                    </a:lnB>
+                    <a:lnTlToBr w="12700" cmpd="sng">
+                      <a:noFill/>
+                      <a:prstDash val="solid"/>
+                    </a:lnTlToBr>
+                    <a:lnBlToTr w="12700" cmpd="sng">
+                      <a:noFill/>
+                      <a:prstDash val="solid"/>
+                    </a:lnBlToTr>
                     <a:solidFill>
-                      <a:schemeClr val="bg2"/>
+                      <a:schemeClr val="bg1"/>
                     </a:solidFill>
                   </a:tcPr>
                 </a:tc>
@@ -8889,15 +9614,59 @@
                     <a:p>
                       <a:pPr algn="ctr"/>
                       <a:r>
-                        <a:rPr lang="ru-RU" sz="2400" b="1" dirty="0" smtClean="0"/>
+                        <a:rPr lang="ru-RU" sz="2400" dirty="0" smtClean="0"/>
                         <a:t>-</a:t>
                       </a:r>
                       <a:endParaRPr lang="ru-RU" sz="2400" b="1" dirty="0"/>
                     </a:p>
                   </a:txBody>
                   <a:tcPr>
+                    <a:lnL w="12700" cap="flat" cmpd="sng" algn="ctr">
+                      <a:solidFill>
+                        <a:schemeClr val="tx1"/>
+                      </a:solidFill>
+                      <a:prstDash val="solid"/>
+                      <a:round/>
+                      <a:headEnd type="none" w="med" len="med"/>
+                      <a:tailEnd type="none" w="med" len="med"/>
+                    </a:lnL>
+                    <a:lnR w="12700" cap="flat" cmpd="sng" algn="ctr">
+                      <a:solidFill>
+                        <a:schemeClr val="tx1"/>
+                      </a:solidFill>
+                      <a:prstDash val="solid"/>
+                      <a:round/>
+                      <a:headEnd type="none" w="med" len="med"/>
+                      <a:tailEnd type="none" w="med" len="med"/>
+                    </a:lnR>
+                    <a:lnT w="12700" cap="flat" cmpd="sng" algn="ctr">
+                      <a:solidFill>
+                        <a:schemeClr val="tx1"/>
+                      </a:solidFill>
+                      <a:prstDash val="solid"/>
+                      <a:round/>
+                      <a:headEnd type="none" w="med" len="med"/>
+                      <a:tailEnd type="none" w="med" len="med"/>
+                    </a:lnT>
+                    <a:lnB w="12700" cap="flat" cmpd="sng" algn="ctr">
+                      <a:solidFill>
+                        <a:schemeClr val="tx1"/>
+                      </a:solidFill>
+                      <a:prstDash val="solid"/>
+                      <a:round/>
+                      <a:headEnd type="none" w="med" len="med"/>
+                      <a:tailEnd type="none" w="med" len="med"/>
+                    </a:lnB>
+                    <a:lnTlToBr w="12700" cmpd="sng">
+                      <a:noFill/>
+                      <a:prstDash val="solid"/>
+                    </a:lnTlToBr>
+                    <a:lnBlToTr w="12700" cmpd="sng">
+                      <a:noFill/>
+                      <a:prstDash val="solid"/>
+                    </a:lnBlToTr>
                     <a:solidFill>
-                      <a:schemeClr val="bg2"/>
+                      <a:schemeClr val="bg1"/>
                     </a:solidFill>
                   </a:tcPr>
                 </a:tc>
@@ -8908,15 +9677,59 @@
                     <a:p>
                       <a:pPr algn="ctr"/>
                       <a:r>
-                        <a:rPr lang="ru-RU" sz="2400" b="1" dirty="0" smtClean="0"/>
+                        <a:rPr lang="ru-RU" sz="2400" dirty="0" smtClean="0"/>
                         <a:t>-</a:t>
                       </a:r>
                       <a:endParaRPr lang="ru-RU" sz="2400" b="1" dirty="0"/>
                     </a:p>
                   </a:txBody>
                   <a:tcPr>
+                    <a:lnL w="12700" cap="flat" cmpd="sng" algn="ctr">
+                      <a:solidFill>
+                        <a:schemeClr val="tx1"/>
+                      </a:solidFill>
+                      <a:prstDash val="solid"/>
+                      <a:round/>
+                      <a:headEnd type="none" w="med" len="med"/>
+                      <a:tailEnd type="none" w="med" len="med"/>
+                    </a:lnL>
+                    <a:lnR w="12700" cap="flat" cmpd="sng" algn="ctr">
+                      <a:solidFill>
+                        <a:schemeClr val="tx1"/>
+                      </a:solidFill>
+                      <a:prstDash val="solid"/>
+                      <a:round/>
+                      <a:headEnd type="none" w="med" len="med"/>
+                      <a:tailEnd type="none" w="med" len="med"/>
+                    </a:lnR>
+                    <a:lnT w="12700" cap="flat" cmpd="sng" algn="ctr">
+                      <a:solidFill>
+                        <a:schemeClr val="tx1"/>
+                      </a:solidFill>
+                      <a:prstDash val="solid"/>
+                      <a:round/>
+                      <a:headEnd type="none" w="med" len="med"/>
+                      <a:tailEnd type="none" w="med" len="med"/>
+                    </a:lnT>
+                    <a:lnB w="12700" cap="flat" cmpd="sng" algn="ctr">
+                      <a:solidFill>
+                        <a:schemeClr val="tx1"/>
+                      </a:solidFill>
+                      <a:prstDash val="solid"/>
+                      <a:round/>
+                      <a:headEnd type="none" w="med" len="med"/>
+                      <a:tailEnd type="none" w="med" len="med"/>
+                    </a:lnB>
+                    <a:lnTlToBr w="12700" cmpd="sng">
+                      <a:noFill/>
+                      <a:prstDash val="solid"/>
+                    </a:lnTlToBr>
+                    <a:lnBlToTr w="12700" cmpd="sng">
+                      <a:noFill/>
+                      <a:prstDash val="solid"/>
+                    </a:lnBlToTr>
                     <a:solidFill>
-                      <a:schemeClr val="bg2"/>
+                      <a:schemeClr val="bg1"/>
                     </a:solidFill>
                   </a:tcPr>
                 </a:tc>
@@ -8927,15 +9740,59 @@
                     <a:p>
                       <a:pPr algn="ctr"/>
                       <a:r>
-                        <a:rPr lang="ru-RU" sz="2400" b="1" dirty="0" smtClean="0"/>
+                        <a:rPr lang="ru-RU" sz="2400" dirty="0" smtClean="0"/>
                         <a:t>+</a:t>
                       </a:r>
                       <a:endParaRPr lang="ru-RU" sz="2400" b="1" dirty="0"/>
                     </a:p>
                   </a:txBody>
                   <a:tcPr>
+                    <a:lnL w="12700" cap="flat" cmpd="sng" algn="ctr">
+                      <a:solidFill>
+                        <a:schemeClr val="tx1"/>
+                      </a:solidFill>
+                      <a:prstDash val="solid"/>
+                      <a:round/>
+                      <a:headEnd type="none" w="med" len="med"/>
+                      <a:tailEnd type="none" w="med" len="med"/>
+                    </a:lnL>
+                    <a:lnR w="12700" cap="flat" cmpd="sng" algn="ctr">
+                      <a:solidFill>
+                        <a:schemeClr val="tx1"/>
+                      </a:solidFill>
+                      <a:prstDash val="solid"/>
+                      <a:round/>
+                      <a:headEnd type="none" w="med" len="med"/>
+                      <a:tailEnd type="none" w="med" len="med"/>
+                    </a:lnR>
+                    <a:lnT w="12700" cap="flat" cmpd="sng" algn="ctr">
+                      <a:solidFill>
+                        <a:schemeClr val="tx1"/>
+                      </a:solidFill>
+                      <a:prstDash val="solid"/>
+                      <a:round/>
+                      <a:headEnd type="none" w="med" len="med"/>
+                      <a:tailEnd type="none" w="med" len="med"/>
+                    </a:lnT>
+                    <a:lnB w="12700" cap="flat" cmpd="sng" algn="ctr">
+                      <a:solidFill>
+                        <a:schemeClr val="tx1"/>
+                      </a:solidFill>
+                      <a:prstDash val="solid"/>
+                      <a:round/>
+                      <a:headEnd type="none" w="med" len="med"/>
+                      <a:tailEnd type="none" w="med" len="med"/>
+                    </a:lnB>
+                    <a:lnTlToBr w="12700" cmpd="sng">
+                      <a:noFill/>
+                      <a:prstDash val="solid"/>
+                    </a:lnTlToBr>
+                    <a:lnBlToTr w="12700" cmpd="sng">
+                      <a:noFill/>
+                      <a:prstDash val="solid"/>
+                    </a:lnBlToTr>
                     <a:solidFill>
-                      <a:schemeClr val="bg2"/>
+                      <a:schemeClr val="bg1"/>
                     </a:solidFill>
                   </a:tcPr>
                 </a:tc>
@@ -9026,7 +9883,23 @@
           <a:p>
             <a:r>
               <a:rPr lang="ru-RU" dirty="0" smtClean="0"/>
-              <a:t>Сглаживание погрешностей</a:t>
+              <a:t>Сглаживание </a:t>
+            </a:r>
+            <a:r>
+              <a:rPr lang="ru-RU" dirty="0" smtClean="0"/>
+              <a:t>погрешностей</a:t>
+            </a:r>
+            <a:r>
+              <a:rPr lang="en-US" dirty="0" smtClean="0"/>
+              <a:t> </a:t>
+            </a:r>
+            <a:r>
+              <a:rPr lang="ru-RU" dirty="0" smtClean="0"/>
+              <a:t>фильтром </a:t>
+            </a:r>
+            <a:r>
+              <a:rPr lang="ru-RU" dirty="0" err="1" smtClean="0"/>
+              <a:t>Калмана</a:t>
             </a:r>
             <a:endParaRPr lang="ru-RU" dirty="0"/>
           </a:p>
@@ -9044,8 +9917,8 @@
         </p:nvSpPr>
         <p:spPr>
           <a:xfrm>
-            <a:off x="738186" y="1143639"/>
-            <a:ext cx="5157787" cy="455198"/>
+            <a:off x="738186" y="1143638"/>
+            <a:ext cx="5157787" cy="619847"/>
           </a:xfrm>
         </p:spPr>
         <p:txBody>
@@ -10514,7 +11387,7 @@
         </p:nvSpPr>
         <p:spPr>
           <a:xfrm>
-            <a:off x="6170611" y="1143639"/>
+            <a:off x="6170611" y="1308287"/>
             <a:ext cx="5183188" cy="455198"/>
           </a:xfrm>
         </p:spPr>

--- a/docs/thesis/thesis.pptx
+++ b/docs/thesis/thesis.pptx
@@ -5,26 +5,27 @@
     <p:sldMasterId id="2147483648" r:id="rId1"/>
   </p:sldMasterIdLst>
   <p:notesMasterIdLst>
-    <p:notesMasterId r:id="rId19"/>
+    <p:notesMasterId r:id="rId20"/>
   </p:notesMasterIdLst>
   <p:sldIdLst>
     <p:sldId id="256" r:id="rId2"/>
     <p:sldId id="257" r:id="rId3"/>
     <p:sldId id="258" r:id="rId4"/>
-    <p:sldId id="266" r:id="rId5"/>
-    <p:sldId id="267" r:id="rId6"/>
-    <p:sldId id="268" r:id="rId7"/>
-    <p:sldId id="274" r:id="rId8"/>
-    <p:sldId id="269" r:id="rId9"/>
-    <p:sldId id="261" r:id="rId10"/>
-    <p:sldId id="260" r:id="rId11"/>
-    <p:sldId id="262" r:id="rId12"/>
-    <p:sldId id="271" r:id="rId13"/>
-    <p:sldId id="272" r:id="rId14"/>
-    <p:sldId id="273" r:id="rId15"/>
-    <p:sldId id="270" r:id="rId16"/>
-    <p:sldId id="263" r:id="rId17"/>
-    <p:sldId id="275" r:id="rId18"/>
+    <p:sldId id="276" r:id="rId5"/>
+    <p:sldId id="266" r:id="rId6"/>
+    <p:sldId id="267" r:id="rId7"/>
+    <p:sldId id="268" r:id="rId8"/>
+    <p:sldId id="274" r:id="rId9"/>
+    <p:sldId id="269" r:id="rId10"/>
+    <p:sldId id="261" r:id="rId11"/>
+    <p:sldId id="260" r:id="rId12"/>
+    <p:sldId id="262" r:id="rId13"/>
+    <p:sldId id="271" r:id="rId14"/>
+    <p:sldId id="272" r:id="rId15"/>
+    <p:sldId id="273" r:id="rId16"/>
+    <p:sldId id="270" r:id="rId17"/>
+    <p:sldId id="263" r:id="rId18"/>
+    <p:sldId id="275" r:id="rId19"/>
   </p:sldIdLst>
   <p:sldSz cx="12192000" cy="6858000"/>
   <p:notesSz cx="6797675" cy="9928225"/>
@@ -176,6 +177,7 @@
           </a:p>
         </c:rich>
       </c:tx>
+      <c:layout/>
       <c:overlay val="0"/>
       <c:spPr>
         <a:noFill/>
@@ -474,11 +476,11 @@
         </c:dLbls>
         <c:gapWidth val="219"/>
         <c:overlap val="-27"/>
-        <c:axId val="413889096"/>
-        <c:axId val="413881256"/>
+        <c:axId val="309531168"/>
+        <c:axId val="309530776"/>
       </c:barChart>
       <c:catAx>
-        <c:axId val="413889096"/>
+        <c:axId val="309531168"/>
         <c:scaling>
           <c:orientation val="minMax"/>
         </c:scaling>
@@ -521,7 +523,7 @@
             <a:endParaRPr lang="ru-RU"/>
           </a:p>
         </c:txPr>
-        <c:crossAx val="413881256"/>
+        <c:crossAx val="309530776"/>
         <c:crosses val="autoZero"/>
         <c:auto val="1"/>
         <c:lblAlgn val="ctr"/>
@@ -529,7 +531,7 @@
         <c:noMultiLvlLbl val="0"/>
       </c:catAx>
       <c:valAx>
-        <c:axId val="413881256"/>
+        <c:axId val="309530776"/>
         <c:scaling>
           <c:orientation val="minMax"/>
         </c:scaling>
@@ -576,6 +578,7 @@
               </a:p>
             </c:rich>
           </c:tx>
+          <c:layout/>
           <c:overlay val="0"/>
           <c:spPr>
             <a:noFill/>
@@ -636,7 +639,7 @@
             <a:endParaRPr lang="ru-RU"/>
           </a:p>
         </c:txPr>
-        <c:crossAx val="413889096"/>
+        <c:crossAx val="309531168"/>
         <c:crosses val="autoZero"/>
         <c:crossBetween val="between"/>
       </c:valAx>
@@ -696,6 +699,7 @@
           </a:p>
         </c:txPr>
       </c:legendEntry>
+      <c:layout/>
       <c:overlay val="0"/>
       <c:spPr>
         <a:noFill/>
@@ -1377,7 +1381,7 @@
           <a:p>
             <a:fld id="{7D65DE95-B979-4E4D-BB3C-F1DE1284DF32}" type="datetimeFigureOut">
               <a:rPr lang="ru-RU" smtClean="0"/>
-              <a:t>29.05.2015</a:t>
+              <a:t>30.05.2015</a:t>
             </a:fld>
             <a:endParaRPr lang="ru-RU"/>
           </a:p>
@@ -1729,6 +1733,174 @@
 </p:notes>
 </file>
 
+<file path=ppt/notesSlides/notesSlide2.xml><?xml version="1.0" encoding="utf-8"?>
+<p:notes xmlns:a="http://schemas.openxmlformats.org/drawingml/2006/main" xmlns:r="http://schemas.openxmlformats.org/officeDocument/2006/relationships" xmlns:p="http://schemas.openxmlformats.org/presentationml/2006/main">
+  <p:cSld>
+    <p:spTree>
+      <p:nvGrpSpPr>
+        <p:cNvPr id="1" name=""/>
+        <p:cNvGrpSpPr/>
+        <p:nvPr/>
+      </p:nvGrpSpPr>
+      <p:grpSpPr>
+        <a:xfrm>
+          <a:off x="0" y="0"/>
+          <a:ext cx="0" cy="0"/>
+          <a:chOff x="0" y="0"/>
+          <a:chExt cx="0" cy="0"/>
+        </a:xfrm>
+      </p:grpSpPr>
+      <p:sp>
+        <p:nvSpPr>
+          <p:cNvPr id="2" name="Образ слайда 1"/>
+          <p:cNvSpPr>
+            <a:spLocks noGrp="1" noRot="1" noChangeAspect="1"/>
+          </p:cNvSpPr>
+          <p:nvPr>
+            <p:ph type="sldImg"/>
+          </p:nvPr>
+        </p:nvSpPr>
+        <p:spPr/>
+      </p:sp>
+      <p:sp>
+        <p:nvSpPr>
+          <p:cNvPr id="3" name="Заметки 2"/>
+          <p:cNvSpPr>
+            <a:spLocks noGrp="1"/>
+          </p:cNvSpPr>
+          <p:nvPr>
+            <p:ph type="body" idx="1"/>
+          </p:nvPr>
+        </p:nvSpPr>
+        <p:spPr/>
+        <p:txBody>
+          <a:bodyPr/>
+          <a:lstStyle/>
+          <a:p>
+            <a:endParaRPr lang="ru-RU"/>
+          </a:p>
+        </p:txBody>
+      </p:sp>
+      <p:sp>
+        <p:nvSpPr>
+          <p:cNvPr id="4" name="Номер слайда 3"/>
+          <p:cNvSpPr>
+            <a:spLocks noGrp="1"/>
+          </p:cNvSpPr>
+          <p:nvPr>
+            <p:ph type="sldNum" sz="quarter" idx="10"/>
+          </p:nvPr>
+        </p:nvSpPr>
+        <p:spPr/>
+        <p:txBody>
+          <a:bodyPr/>
+          <a:lstStyle/>
+          <a:p>
+            <a:fld id="{0B782E9F-DE7B-45DE-80D4-F8AE795F6417}" type="slidenum">
+              <a:rPr lang="ru-RU" smtClean="0"/>
+              <a:t>14</a:t>
+            </a:fld>
+            <a:endParaRPr lang="ru-RU"/>
+          </a:p>
+        </p:txBody>
+      </p:sp>
+    </p:spTree>
+    <p:extLst>
+      <p:ext uri="{BB962C8B-B14F-4D97-AF65-F5344CB8AC3E}">
+        <p14:creationId xmlns:p14="http://schemas.microsoft.com/office/powerpoint/2010/main" val="2953772002"/>
+      </p:ext>
+    </p:extLst>
+  </p:cSld>
+  <p:clrMapOvr>
+    <a:masterClrMapping/>
+  </p:clrMapOvr>
+</p:notes>
+</file>
+
+<file path=ppt/notesSlides/notesSlide3.xml><?xml version="1.0" encoding="utf-8"?>
+<p:notes xmlns:a="http://schemas.openxmlformats.org/drawingml/2006/main" xmlns:r="http://schemas.openxmlformats.org/officeDocument/2006/relationships" xmlns:p="http://schemas.openxmlformats.org/presentationml/2006/main">
+  <p:cSld>
+    <p:spTree>
+      <p:nvGrpSpPr>
+        <p:cNvPr id="1" name=""/>
+        <p:cNvGrpSpPr/>
+        <p:nvPr/>
+      </p:nvGrpSpPr>
+      <p:grpSpPr>
+        <a:xfrm>
+          <a:off x="0" y="0"/>
+          <a:ext cx="0" cy="0"/>
+          <a:chOff x="0" y="0"/>
+          <a:chExt cx="0" cy="0"/>
+        </a:xfrm>
+      </p:grpSpPr>
+      <p:sp>
+        <p:nvSpPr>
+          <p:cNvPr id="2" name="Образ слайда 1"/>
+          <p:cNvSpPr>
+            <a:spLocks noGrp="1" noRot="1" noChangeAspect="1"/>
+          </p:cNvSpPr>
+          <p:nvPr>
+            <p:ph type="sldImg"/>
+          </p:nvPr>
+        </p:nvSpPr>
+        <p:spPr/>
+      </p:sp>
+      <p:sp>
+        <p:nvSpPr>
+          <p:cNvPr id="3" name="Заметки 2"/>
+          <p:cNvSpPr>
+            <a:spLocks noGrp="1"/>
+          </p:cNvSpPr>
+          <p:nvPr>
+            <p:ph type="body" idx="1"/>
+          </p:nvPr>
+        </p:nvSpPr>
+        <p:spPr/>
+        <p:txBody>
+          <a:bodyPr/>
+          <a:lstStyle/>
+          <a:p>
+            <a:endParaRPr lang="ru-RU"/>
+          </a:p>
+        </p:txBody>
+      </p:sp>
+      <p:sp>
+        <p:nvSpPr>
+          <p:cNvPr id="4" name="Номер слайда 3"/>
+          <p:cNvSpPr>
+            <a:spLocks noGrp="1"/>
+          </p:cNvSpPr>
+          <p:nvPr>
+            <p:ph type="sldNum" sz="quarter" idx="10"/>
+          </p:nvPr>
+        </p:nvSpPr>
+        <p:spPr/>
+        <p:txBody>
+          <a:bodyPr/>
+          <a:lstStyle/>
+          <a:p>
+            <a:fld id="{0B782E9F-DE7B-45DE-80D4-F8AE795F6417}" type="slidenum">
+              <a:rPr lang="ru-RU" smtClean="0"/>
+              <a:t>17</a:t>
+            </a:fld>
+            <a:endParaRPr lang="ru-RU"/>
+          </a:p>
+        </p:txBody>
+      </p:sp>
+    </p:spTree>
+    <p:extLst>
+      <p:ext uri="{BB962C8B-B14F-4D97-AF65-F5344CB8AC3E}">
+        <p14:creationId xmlns:p14="http://schemas.microsoft.com/office/powerpoint/2010/main" val="3006093233"/>
+      </p:ext>
+    </p:extLst>
+  </p:cSld>
+  <p:clrMapOvr>
+    <a:masterClrMapping/>
+  </p:clrMapOvr>
+</p:notes>
+</file>
+
 <file path=ppt/slideLayouts/slideLayout1.xml><?xml version="1.0" encoding="utf-8"?>
 <p:sldLayout xmlns:a="http://schemas.openxmlformats.org/drawingml/2006/main" xmlns:r="http://schemas.openxmlformats.org/officeDocument/2006/relationships" xmlns:p="http://schemas.openxmlformats.org/presentationml/2006/main" type="title" preserve="1">
   <p:cSld name="Титульный слайд">
@@ -1858,9 +2030,9 @@
           <a:bodyPr/>
           <a:lstStyle/>
           <a:p>
-            <a:fld id="{D4F054D9-EB72-4C9A-9169-A74286829EAD}" type="datetime1">
+            <a:fld id="{DA937DA1-05FB-4A26-9AA8-03051D9064EC}" type="datetime1">
               <a:rPr lang="ru-RU" smtClean="0"/>
-              <a:t>29.05.2015</a:t>
+              <a:t>30.05.2015</a:t>
             </a:fld>
             <a:endParaRPr lang="ru-RU"/>
           </a:p>
@@ -2028,9 +2200,9 @@
           <a:bodyPr/>
           <a:lstStyle/>
           <a:p>
-            <a:fld id="{E5EF8B1C-0D11-43B3-A850-C4112CD4E0BB}" type="datetime1">
+            <a:fld id="{394B6F94-CE89-4AA5-84F5-DCABE52BD843}" type="datetime1">
               <a:rPr lang="ru-RU" smtClean="0"/>
-              <a:t>29.05.2015</a:t>
+              <a:t>30.05.2015</a:t>
             </a:fld>
             <a:endParaRPr lang="ru-RU"/>
           </a:p>
@@ -2208,9 +2380,9 @@
           <a:bodyPr/>
           <a:lstStyle/>
           <a:p>
-            <a:fld id="{596D8CCD-DD76-46D5-BB04-26570E4CEC4D}" type="datetime1">
+            <a:fld id="{FF541173-F8CF-42C8-8211-204B417CEB80}" type="datetime1">
               <a:rPr lang="ru-RU" smtClean="0"/>
-              <a:t>29.05.2015</a:t>
+              <a:t>30.05.2015</a:t>
             </a:fld>
             <a:endParaRPr lang="ru-RU"/>
           </a:p>
@@ -2378,9 +2550,9 @@
           <a:bodyPr/>
           <a:lstStyle/>
           <a:p>
-            <a:fld id="{6250C4C9-0B10-4EB2-80BC-83961D1B1F71}" type="datetime1">
+            <a:fld id="{7EB30022-E3FE-49BE-A5A1-D74EAD64D8C3}" type="datetime1">
               <a:rPr lang="ru-RU" smtClean="0"/>
-              <a:t>29.05.2015</a:t>
+              <a:t>30.05.2015</a:t>
             </a:fld>
             <a:endParaRPr lang="ru-RU"/>
           </a:p>
@@ -2624,9 +2796,9 @@
           <a:bodyPr/>
           <a:lstStyle/>
           <a:p>
-            <a:fld id="{A11B47ED-0892-4B0A-B36F-DCEFF37A6828}" type="datetime1">
+            <a:fld id="{B1E86488-3082-4137-A51F-54DD7D14EE15}" type="datetime1">
               <a:rPr lang="ru-RU" smtClean="0"/>
-              <a:t>29.05.2015</a:t>
+              <a:t>30.05.2015</a:t>
             </a:fld>
             <a:endParaRPr lang="ru-RU"/>
           </a:p>
@@ -2856,9 +3028,9 @@
           <a:bodyPr/>
           <a:lstStyle/>
           <a:p>
-            <a:fld id="{181F1BD6-D2E2-46E1-B84D-6F4CB9985097}" type="datetime1">
+            <a:fld id="{EE0977BD-FA6A-46F1-8FA6-AA4F2BE75023}" type="datetime1">
               <a:rPr lang="ru-RU" smtClean="0"/>
-              <a:t>29.05.2015</a:t>
+              <a:t>30.05.2015</a:t>
             </a:fld>
             <a:endParaRPr lang="ru-RU"/>
           </a:p>
@@ -3223,9 +3395,9 @@
           <a:bodyPr/>
           <a:lstStyle/>
           <a:p>
-            <a:fld id="{88AC1DB7-0E78-436E-920D-DEFD50E8D9EB}" type="datetime1">
+            <a:fld id="{F9CC8200-23C4-4A1E-B19C-0C50E383E905}" type="datetime1">
               <a:rPr lang="ru-RU" smtClean="0"/>
-              <a:t>29.05.2015</a:t>
+              <a:t>30.05.2015</a:t>
             </a:fld>
             <a:endParaRPr lang="ru-RU"/>
           </a:p>
@@ -3341,9 +3513,9 @@
           <a:bodyPr/>
           <a:lstStyle/>
           <a:p>
-            <a:fld id="{9DC62A61-060E-4ADE-863D-EA8886D6BD99}" type="datetime1">
+            <a:fld id="{FB0139C0-0A87-4D24-9FA0-A68DDCCAA500}" type="datetime1">
               <a:rPr lang="ru-RU" smtClean="0"/>
-              <a:t>29.05.2015</a:t>
+              <a:t>30.05.2015</a:t>
             </a:fld>
             <a:endParaRPr lang="ru-RU"/>
           </a:p>
@@ -3436,9 +3608,9 @@
           <a:bodyPr/>
           <a:lstStyle/>
           <a:p>
-            <a:fld id="{BFB1E972-3C12-44FD-9004-BD514C5E9054}" type="datetime1">
+            <a:fld id="{A0A5A1BD-4179-42FD-9950-142700B2EA2E}" type="datetime1">
               <a:rPr lang="ru-RU" smtClean="0"/>
-              <a:t>29.05.2015</a:t>
+              <a:t>30.05.2015</a:t>
             </a:fld>
             <a:endParaRPr lang="ru-RU"/>
           </a:p>
@@ -3713,9 +3885,9 @@
           <a:bodyPr/>
           <a:lstStyle/>
           <a:p>
-            <a:fld id="{1CD89F04-4959-4257-8387-3C744EBB14D8}" type="datetime1">
+            <a:fld id="{80006F7F-490D-400F-B2DF-795FD323CA8A}" type="datetime1">
               <a:rPr lang="ru-RU" smtClean="0"/>
-              <a:t>29.05.2015</a:t>
+              <a:t>30.05.2015</a:t>
             </a:fld>
             <a:endParaRPr lang="ru-RU"/>
           </a:p>
@@ -3966,9 +4138,9 @@
           <a:bodyPr/>
           <a:lstStyle/>
           <a:p>
-            <a:fld id="{4CFB109E-B013-47B7-AD92-B0C422B3055C}" type="datetime1">
+            <a:fld id="{7CB0DEBE-72D5-473F-A28F-629D86F57AEC}" type="datetime1">
               <a:rPr lang="ru-RU" smtClean="0"/>
-              <a:t>29.05.2015</a:t>
+              <a:t>30.05.2015</a:t>
             </a:fld>
             <a:endParaRPr lang="ru-RU"/>
           </a:p>
@@ -4179,9 +4351,9 @@
             </a:lvl1pPr>
           </a:lstStyle>
           <a:p>
-            <a:fld id="{F2345C99-4D7D-4EA5-96D7-452EE91F454C}" type="datetime1">
+            <a:fld id="{7830D7CF-1C15-440C-A38D-36EB3527FE7C}" type="datetime1">
               <a:rPr lang="ru-RU" smtClean="0"/>
-              <a:t>29.05.2015</a:t>
+              <a:t>30.05.2015</a:t>
             </a:fld>
             <a:endParaRPr lang="ru-RU"/>
           </a:p>
@@ -4664,10 +4836,134 @@
   <p:clrMapOvr>
     <a:masterClrMapping/>
   </p:clrMapOvr>
+  <p:timing>
+    <p:tnLst>
+      <p:par>
+        <p:cTn id="1" dur="indefinite" restart="never" nodeType="tmRoot"/>
+      </p:par>
+    </p:tnLst>
+  </p:timing>
 </p:sld>
 </file>
 
 <file path=ppt/slides/slide10.xml><?xml version="1.0" encoding="utf-8"?>
+<p:sld xmlns:a="http://schemas.openxmlformats.org/drawingml/2006/main" xmlns:r="http://schemas.openxmlformats.org/officeDocument/2006/relationships" xmlns:p="http://schemas.openxmlformats.org/presentationml/2006/main">
+  <p:cSld>
+    <p:spTree>
+      <p:nvGrpSpPr>
+        <p:cNvPr id="1" name=""/>
+        <p:cNvGrpSpPr/>
+        <p:nvPr/>
+      </p:nvGrpSpPr>
+      <p:grpSpPr>
+        <a:xfrm>
+          <a:off x="0" y="0"/>
+          <a:ext cx="0" cy="0"/>
+          <a:chOff x="0" y="0"/>
+          <a:chExt cx="0" cy="0"/>
+        </a:xfrm>
+      </p:grpSpPr>
+      <p:sp>
+        <p:nvSpPr>
+          <p:cNvPr id="2" name="Заголовок 1"/>
+          <p:cNvSpPr>
+            <a:spLocks noGrp="1"/>
+          </p:cNvSpPr>
+          <p:nvPr>
+            <p:ph type="title"/>
+          </p:nvPr>
+        </p:nvSpPr>
+        <p:spPr>
+          <a:xfrm>
+            <a:off x="838200" y="113198"/>
+            <a:ext cx="10515600" cy="1325563"/>
+          </a:xfrm>
+        </p:spPr>
+        <p:txBody>
+          <a:bodyPr/>
+          <a:lstStyle/>
+          <a:p>
+            <a:r>
+              <a:rPr lang="ru-RU" dirty="0" smtClean="0"/>
+              <a:t>Функциональная модель процесса обработки маршрута</a:t>
+            </a:r>
+            <a:endParaRPr lang="ru-RU" dirty="0"/>
+          </a:p>
+        </p:txBody>
+      </p:sp>
+      <p:pic>
+        <p:nvPicPr>
+          <p:cNvPr id="5" name="Объект 4"/>
+          <p:cNvPicPr>
+            <a:picLocks noGrp="1" noChangeAspect="1"/>
+          </p:cNvPicPr>
+          <p:nvPr>
+            <p:ph idx="1"/>
+          </p:nvPr>
+        </p:nvPicPr>
+        <p:blipFill>
+          <a:blip r:embed="rId2">
+            <a:extLst>
+              <a:ext uri="{28A0092B-C50C-407E-A947-70E740481C1C}">
+                <a14:useLocalDpi xmlns:a14="http://schemas.microsoft.com/office/drawing/2010/main" val="0"/>
+              </a:ext>
+            </a:extLst>
+          </a:blip>
+          <a:stretch>
+            <a:fillRect/>
+          </a:stretch>
+        </p:blipFill>
+        <p:spPr>
+          <a:xfrm>
+            <a:off x="1166327" y="1305897"/>
+            <a:ext cx="9691394" cy="5415578"/>
+          </a:xfrm>
+        </p:spPr>
+      </p:pic>
+      <p:sp>
+        <p:nvSpPr>
+          <p:cNvPr id="3" name="Номер слайда 2"/>
+          <p:cNvSpPr>
+            <a:spLocks noGrp="1"/>
+          </p:cNvSpPr>
+          <p:nvPr>
+            <p:ph type="sldNum" sz="quarter" idx="12"/>
+          </p:nvPr>
+        </p:nvSpPr>
+        <p:spPr/>
+        <p:txBody>
+          <a:bodyPr/>
+          <a:lstStyle/>
+          <a:p>
+            <a:fld id="{3BCC8605-603C-4CBC-9D12-BEB80FA30360}" type="slidenum">
+              <a:rPr lang="ru-RU" smtClean="0"/>
+              <a:t>10</a:t>
+            </a:fld>
+            <a:endParaRPr lang="ru-RU"/>
+          </a:p>
+        </p:txBody>
+      </p:sp>
+    </p:spTree>
+    <p:extLst>
+      <p:ext uri="{BB962C8B-B14F-4D97-AF65-F5344CB8AC3E}">
+        <p14:creationId xmlns:p14="http://schemas.microsoft.com/office/powerpoint/2010/main" val="2936390320"/>
+      </p:ext>
+    </p:extLst>
+  </p:cSld>
+  <p:clrMapOvr>
+    <a:masterClrMapping/>
+  </p:clrMapOvr>
+  <p:timing>
+    <p:tnLst>
+      <p:par>
+        <p:cTn id="1" dur="indefinite" restart="never" nodeType="tmRoot"/>
+      </p:par>
+    </p:tnLst>
+  </p:timing>
+</p:sld>
+</file>
+
+<file path=ppt/slides/slide11.xml><?xml version="1.0" encoding="utf-8"?>
 <p:sld xmlns:a="http://schemas.openxmlformats.org/drawingml/2006/main" xmlns:r="http://schemas.openxmlformats.org/officeDocument/2006/relationships" xmlns:p="http://schemas.openxmlformats.org/presentationml/2006/main">
   <p:cSld>
     <p:spTree>
@@ -4759,7 +5055,7 @@
           <a:p>
             <a:fld id="{3BCC8605-603C-4CBC-9D12-BEB80FA30360}" type="slidenum">
               <a:rPr lang="ru-RU" smtClean="0"/>
-              <a:t>10</a:t>
+              <a:t>11</a:t>
             </a:fld>
             <a:endParaRPr lang="ru-RU"/>
           </a:p>
@@ -4785,7 +5081,7 @@
 </p:sld>
 </file>
 
-<file path=ppt/slides/slide11.xml><?xml version="1.0" encoding="utf-8"?>
+<file path=ppt/slides/slide12.xml><?xml version="1.0" encoding="utf-8"?>
 <p:sld xmlns:a="http://schemas.openxmlformats.org/drawingml/2006/main" xmlns:r="http://schemas.openxmlformats.org/officeDocument/2006/relationships" xmlns:p="http://schemas.openxmlformats.org/presentationml/2006/main">
   <p:cSld>
     <p:spTree>
@@ -4876,7 +5172,7 @@
           <a:p>
             <a:fld id="{3BCC8605-603C-4CBC-9D12-BEB80FA30360}" type="slidenum">
               <a:rPr lang="ru-RU" smtClean="0"/>
-              <a:t>11</a:t>
+              <a:t>12</a:t>
             </a:fld>
             <a:endParaRPr lang="ru-RU"/>
           </a:p>
@@ -5097,7 +5393,7 @@
 </p:sld>
 </file>
 
-<file path=ppt/slides/slide12.xml><?xml version="1.0" encoding="utf-8"?>
+<file path=ppt/slides/slide13.xml><?xml version="1.0" encoding="utf-8"?>
 <p:sld xmlns:a="http://schemas.openxmlformats.org/drawingml/2006/main" xmlns:r="http://schemas.openxmlformats.org/officeDocument/2006/relationships" xmlns:p="http://schemas.openxmlformats.org/presentationml/2006/main">
   <p:cSld>
     <p:spTree>
@@ -5187,7 +5483,7 @@
           <a:p>
             <a:fld id="{3BCC8605-603C-4CBC-9D12-BEB80FA30360}" type="slidenum">
               <a:rPr lang="ru-RU" smtClean="0"/>
-              <a:t>12</a:t>
+              <a:t>13</a:t>
             </a:fld>
             <a:endParaRPr lang="ru-RU"/>
           </a:p>
@@ -5438,7 +5734,7 @@
 </p:sld>
 </file>
 
-<file path=ppt/slides/slide13.xml><?xml version="1.0" encoding="utf-8"?>
+<file path=ppt/slides/slide14.xml><?xml version="1.0" encoding="utf-8"?>
 <p:sld xmlns:a="http://schemas.openxmlformats.org/drawingml/2006/main" xmlns:r="http://schemas.openxmlformats.org/officeDocument/2006/relationships" xmlns:p="http://schemas.openxmlformats.org/presentationml/2006/main">
   <p:cSld>
     <p:spTree>
@@ -5504,10 +5800,33 @@
         </p:xfrm>
         <a:graphic>
           <a:graphicData uri="http://schemas.openxmlformats.org/drawingml/2006/chart">
-            <c:chart xmlns:c="http://schemas.openxmlformats.org/drawingml/2006/chart" xmlns:r="http://schemas.openxmlformats.org/officeDocument/2006/relationships" r:id="rId2"/>
+            <c:chart xmlns:c="http://schemas.openxmlformats.org/drawingml/2006/chart" xmlns:r="http://schemas.openxmlformats.org/officeDocument/2006/relationships" r:id="rId3"/>
           </a:graphicData>
         </a:graphic>
       </p:graphicFrame>
+      <p:sp>
+        <p:nvSpPr>
+          <p:cNvPr id="4" name="Номер слайда 3"/>
+          <p:cNvSpPr>
+            <a:spLocks noGrp="1"/>
+          </p:cNvSpPr>
+          <p:nvPr>
+            <p:ph type="sldNum" sz="quarter" idx="12"/>
+          </p:nvPr>
+        </p:nvSpPr>
+        <p:spPr/>
+        <p:txBody>
+          <a:bodyPr/>
+          <a:lstStyle/>
+          <a:p>
+            <a:fld id="{3BCC8605-603C-4CBC-9D12-BEB80FA30360}" type="slidenum">
+              <a:rPr lang="ru-RU" smtClean="0"/>
+              <a:t>14</a:t>
+            </a:fld>
+            <a:endParaRPr lang="ru-RU"/>
+          </a:p>
+        </p:txBody>
+      </p:sp>
     </p:spTree>
     <p:extLst>
       <p:ext uri="{BB962C8B-B14F-4D97-AF65-F5344CB8AC3E}">
@@ -5528,7 +5847,7 @@
 </p:sld>
 </file>
 
-<file path=ppt/slides/slide14.xml><?xml version="1.0" encoding="utf-8"?>
+<file path=ppt/slides/slide15.xml><?xml version="1.0" encoding="utf-8"?>
 <p:sld xmlns:a="http://schemas.openxmlformats.org/drawingml/2006/main" xmlns:r="http://schemas.openxmlformats.org/officeDocument/2006/relationships" xmlns:p="http://schemas.openxmlformats.org/presentationml/2006/main">
   <p:cSld>
     <p:spTree>
@@ -6280,7 +6599,7 @@
           <a:p>
             <a:fld id="{3BCC8605-603C-4CBC-9D12-BEB80FA30360}" type="slidenum">
               <a:rPr lang="ru-RU" smtClean="0"/>
-              <a:t>14</a:t>
+              <a:t>15</a:t>
             </a:fld>
             <a:endParaRPr lang="ru-RU"/>
           </a:p>
@@ -6336,7 +6655,7 @@
 </p:sld>
 </file>
 
-<file path=ppt/slides/slide15.xml><?xml version="1.0" encoding="utf-8"?>
+<file path=ppt/slides/slide16.xml><?xml version="1.0" encoding="utf-8"?>
 <p:sld xmlns:a="http://schemas.openxmlformats.org/drawingml/2006/main" xmlns:r="http://schemas.openxmlformats.org/officeDocument/2006/relationships" xmlns:p="http://schemas.openxmlformats.org/presentationml/2006/main">
   <p:cSld>
     <p:spTree>
@@ -6400,7 +6719,7 @@
           <a:p>
             <a:fld id="{1CB08BE3-9E86-4904-A5E6-C6CA17EEBD10}" type="slidenum">
               <a:rPr lang="ru-RU" smtClean="0"/>
-              <a:t>15</a:t>
+              <a:t>16</a:t>
             </a:fld>
             <a:endParaRPr lang="ru-RU" dirty="0"/>
           </a:p>
@@ -7107,172 +7426,6 @@
 </p:sld>
 </file>
 
-<file path=ppt/slides/slide16.xml><?xml version="1.0" encoding="utf-8"?>
-<p:sld xmlns:a="http://schemas.openxmlformats.org/drawingml/2006/main" xmlns:r="http://schemas.openxmlformats.org/officeDocument/2006/relationships" xmlns:p="http://schemas.openxmlformats.org/presentationml/2006/main">
-  <p:cSld>
-    <p:spTree>
-      <p:nvGrpSpPr>
-        <p:cNvPr id="1" name=""/>
-        <p:cNvGrpSpPr/>
-        <p:nvPr/>
-      </p:nvGrpSpPr>
-      <p:grpSpPr>
-        <a:xfrm>
-          <a:off x="0" y="0"/>
-          <a:ext cx="0" cy="0"/>
-          <a:chOff x="0" y="0"/>
-          <a:chExt cx="0" cy="0"/>
-        </a:xfrm>
-      </p:grpSpPr>
-      <p:sp>
-        <p:nvSpPr>
-          <p:cNvPr id="2" name="Заголовок 1"/>
-          <p:cNvSpPr>
-            <a:spLocks noGrp="1"/>
-          </p:cNvSpPr>
-          <p:nvPr>
-            <p:ph type="title"/>
-          </p:nvPr>
-        </p:nvSpPr>
-        <p:spPr/>
-        <p:txBody>
-          <a:bodyPr/>
-          <a:lstStyle/>
-          <a:p>
-            <a:r>
-              <a:rPr lang="ru-RU" dirty="0" smtClean="0"/>
-              <a:t>Выводы</a:t>
-            </a:r>
-            <a:endParaRPr lang="ru-RU" dirty="0"/>
-          </a:p>
-        </p:txBody>
-      </p:sp>
-      <p:sp>
-        <p:nvSpPr>
-          <p:cNvPr id="3" name="Объект 2"/>
-          <p:cNvSpPr>
-            <a:spLocks noGrp="1"/>
-          </p:cNvSpPr>
-          <p:nvPr>
-            <p:ph idx="1"/>
-          </p:nvPr>
-        </p:nvSpPr>
-        <p:spPr/>
-        <p:txBody>
-          <a:bodyPr>
-            <a:normAutofit/>
-          </a:bodyPr>
-          <a:lstStyle/>
-          <a:p>
-            <a:pPr lvl="1"/>
-            <a:r>
-              <a:rPr lang="ru-RU" sz="3200" dirty="0" smtClean="0"/>
-              <a:t>Проведен </a:t>
-            </a:r>
-            <a:r>
-              <a:rPr lang="ru-RU" sz="3200" dirty="0"/>
-              <a:t>анализ предметной </a:t>
-            </a:r>
-            <a:r>
-              <a:rPr lang="ru-RU" sz="3200" dirty="0" smtClean="0"/>
-              <a:t>области и показана актуальность рассматриваемой задачи.</a:t>
-            </a:r>
-            <a:endParaRPr lang="ru-RU" sz="3200" dirty="0"/>
-          </a:p>
-          <a:p>
-            <a:pPr lvl="1"/>
-            <a:r>
-              <a:rPr lang="ru-RU" sz="3200" dirty="0" smtClean="0"/>
-              <a:t>Проведен </a:t>
-            </a:r>
-            <a:r>
-              <a:rPr lang="ru-RU" sz="3200" dirty="0"/>
-              <a:t>анализ </a:t>
-            </a:r>
-            <a:r>
-              <a:rPr lang="ru-RU" sz="3200" dirty="0" smtClean="0"/>
-              <a:t>алгоритмов для решения задачи.</a:t>
-            </a:r>
-            <a:endParaRPr lang="ru-RU" sz="3200" dirty="0"/>
-          </a:p>
-          <a:p>
-            <a:pPr lvl="1"/>
-            <a:r>
-              <a:rPr lang="ru-RU" sz="3200" dirty="0" smtClean="0"/>
-              <a:t>Разработан </a:t>
-            </a:r>
-            <a:r>
-              <a:rPr lang="ru-RU" sz="3200" dirty="0"/>
-              <a:t>метод для повышения точности маршрута.</a:t>
-            </a:r>
-          </a:p>
-          <a:p>
-            <a:pPr lvl="1"/>
-            <a:r>
-              <a:rPr lang="ru-RU" sz="3200" dirty="0" smtClean="0"/>
-              <a:t>Реализовано </a:t>
-            </a:r>
-            <a:r>
-              <a:rPr lang="ru-RU" sz="3200" dirty="0"/>
-              <a:t>ПО, использующее предложенный метод.</a:t>
-            </a:r>
-          </a:p>
-          <a:p>
-            <a:pPr lvl="1"/>
-            <a:r>
-              <a:rPr lang="ru-RU" sz="3200" dirty="0" smtClean="0"/>
-              <a:t>Проведен эксперимент, подтвердивший применимость предложенного </a:t>
-            </a:r>
-            <a:r>
-              <a:rPr lang="ru-RU" sz="3200" dirty="0"/>
-              <a:t>метода.</a:t>
-            </a:r>
-          </a:p>
-        </p:txBody>
-      </p:sp>
-      <p:sp>
-        <p:nvSpPr>
-          <p:cNvPr id="4" name="Номер слайда 3"/>
-          <p:cNvSpPr>
-            <a:spLocks noGrp="1"/>
-          </p:cNvSpPr>
-          <p:nvPr>
-            <p:ph type="sldNum" sz="quarter" idx="12"/>
-          </p:nvPr>
-        </p:nvSpPr>
-        <p:spPr/>
-        <p:txBody>
-          <a:bodyPr/>
-          <a:lstStyle/>
-          <a:p>
-            <a:fld id="{3BCC8605-603C-4CBC-9D12-BEB80FA30360}" type="slidenum">
-              <a:rPr lang="ru-RU" smtClean="0"/>
-              <a:t>16</a:t>
-            </a:fld>
-            <a:endParaRPr lang="ru-RU"/>
-          </a:p>
-        </p:txBody>
-      </p:sp>
-    </p:spTree>
-    <p:extLst>
-      <p:ext uri="{BB962C8B-B14F-4D97-AF65-F5344CB8AC3E}">
-        <p14:creationId xmlns:p14="http://schemas.microsoft.com/office/powerpoint/2010/main" val="333013603"/>
-      </p:ext>
-    </p:extLst>
-  </p:cSld>
-  <p:clrMapOvr>
-    <a:masterClrMapping/>
-  </p:clrMapOvr>
-  <p:timing>
-    <p:tnLst>
-      <p:par>
-        <p:cTn id="1" dur="indefinite" restart="never" nodeType="tmRoot"/>
-      </p:par>
-    </p:tnLst>
-  </p:timing>
-</p:sld>
-</file>
-
 <file path=ppt/slides/slide17.xml><?xml version="1.0" encoding="utf-8"?>
 <p:sld xmlns:a="http://schemas.openxmlformats.org/drawingml/2006/main" xmlns:r="http://schemas.openxmlformats.org/officeDocument/2006/relationships" xmlns:p="http://schemas.openxmlformats.org/presentationml/2006/main">
   <p:cSld>
@@ -7307,11 +7460,7 @@
           <a:p>
             <a:r>
               <a:rPr lang="ru-RU" dirty="0" smtClean="0"/>
-              <a:t>Дальнейшее </a:t>
-            </a:r>
-            <a:r>
-              <a:rPr lang="ru-RU" dirty="0" smtClean="0"/>
-              <a:t>развитие</a:t>
+              <a:t>Выводы</a:t>
             </a:r>
             <a:endParaRPr lang="ru-RU" dirty="0"/>
           </a:p>
@@ -7337,31 +7486,66 @@
             <a:pPr lvl="1"/>
             <a:r>
               <a:rPr lang="ru-RU" sz="3200" dirty="0" smtClean="0"/>
-              <a:t>Реализация предложенного метода для мобильных устройств.</a:t>
-            </a:r>
+              <a:t>Проведен </a:t>
+            </a:r>
+            <a:r>
+              <a:rPr lang="ru-RU" sz="3200" dirty="0"/>
+              <a:t>анализ предметной </a:t>
+            </a:r>
+            <a:r>
+              <a:rPr lang="ru-RU" sz="3200" dirty="0" smtClean="0"/>
+              <a:t>области и показана актуальность рассматриваемой задачи.</a:t>
+            </a:r>
+            <a:endParaRPr lang="ru-RU" sz="3200" dirty="0"/>
           </a:p>
           <a:p>
             <a:pPr lvl="1"/>
             <a:r>
               <a:rPr lang="ru-RU" sz="3200" dirty="0" smtClean="0"/>
-              <a:t>Разработка способа автоматического определения параметров используемых алгоритмов по входным данным.</a:t>
-            </a:r>
+              <a:t>Проведен </a:t>
+            </a:r>
+            <a:r>
+              <a:rPr lang="ru-RU" sz="3200" dirty="0"/>
+              <a:t>анализ </a:t>
+            </a:r>
+            <a:r>
+              <a:rPr lang="ru-RU" sz="3200" dirty="0" smtClean="0"/>
+              <a:t>алгоритмов для решения задачи.</a:t>
+            </a:r>
+            <a:endParaRPr lang="ru-RU" sz="3200" dirty="0"/>
           </a:p>
           <a:p>
             <a:pPr lvl="1"/>
             <a:r>
               <a:rPr lang="ru-RU" sz="3200" dirty="0" smtClean="0"/>
-              <a:t>Реализация режима </a:t>
-            </a:r>
-            <a:r>
-              <a:rPr lang="ru-RU" sz="3200" smtClean="0"/>
-              <a:t>реального времени </a:t>
-            </a:r>
+              <a:t>Разработан </a:t>
+            </a:r>
+            <a:r>
+              <a:rPr lang="ru-RU" sz="3200" dirty="0"/>
+              <a:t>метод для повышения точности маршрута.</a:t>
+            </a:r>
+          </a:p>
+          <a:p>
+            <a:pPr lvl="1"/>
             <a:r>
               <a:rPr lang="ru-RU" sz="3200" dirty="0" smtClean="0"/>
-              <a:t>работы метода.</a:t>
-            </a:r>
-            <a:endParaRPr lang="ru-RU" sz="3200" dirty="0"/>
+              <a:t>Реализовано </a:t>
+            </a:r>
+            <a:r>
+              <a:rPr lang="ru-RU" sz="3200" dirty="0"/>
+              <a:t>ПО, использующее предложенный метод.</a:t>
+            </a:r>
+          </a:p>
+          <a:p>
+            <a:pPr lvl="1"/>
+            <a:r>
+              <a:rPr lang="ru-RU" sz="3200" dirty="0" smtClean="0"/>
+              <a:t>Проведен эксперимент, подтвердивший применимость предложенного </a:t>
+            </a:r>
+            <a:r>
+              <a:rPr lang="ru-RU" sz="3200" dirty="0"/>
+              <a:t>метода.</a:t>
+            </a:r>
           </a:p>
         </p:txBody>
       </p:sp>
@@ -7383,6 +7567,134 @@
             <a:fld id="{3BCC8605-603C-4CBC-9D12-BEB80FA30360}" type="slidenum">
               <a:rPr lang="ru-RU" smtClean="0"/>
               <a:t>17</a:t>
+            </a:fld>
+            <a:endParaRPr lang="ru-RU" dirty="0"/>
+          </a:p>
+        </p:txBody>
+      </p:sp>
+    </p:spTree>
+    <p:extLst>
+      <p:ext uri="{BB962C8B-B14F-4D97-AF65-F5344CB8AC3E}">
+        <p14:creationId xmlns:p14="http://schemas.microsoft.com/office/powerpoint/2010/main" val="333013603"/>
+      </p:ext>
+    </p:extLst>
+  </p:cSld>
+  <p:clrMapOvr>
+    <a:masterClrMapping/>
+  </p:clrMapOvr>
+  <p:timing>
+    <p:tnLst>
+      <p:par>
+        <p:cTn id="1" dur="indefinite" restart="never" nodeType="tmRoot"/>
+      </p:par>
+    </p:tnLst>
+  </p:timing>
+</p:sld>
+</file>
+
+<file path=ppt/slides/slide18.xml><?xml version="1.0" encoding="utf-8"?>
+<p:sld xmlns:a="http://schemas.openxmlformats.org/drawingml/2006/main" xmlns:r="http://schemas.openxmlformats.org/officeDocument/2006/relationships" xmlns:p="http://schemas.openxmlformats.org/presentationml/2006/main">
+  <p:cSld>
+    <p:spTree>
+      <p:nvGrpSpPr>
+        <p:cNvPr id="1" name=""/>
+        <p:cNvGrpSpPr/>
+        <p:nvPr/>
+      </p:nvGrpSpPr>
+      <p:grpSpPr>
+        <a:xfrm>
+          <a:off x="0" y="0"/>
+          <a:ext cx="0" cy="0"/>
+          <a:chOff x="0" y="0"/>
+          <a:chExt cx="0" cy="0"/>
+        </a:xfrm>
+      </p:grpSpPr>
+      <p:sp>
+        <p:nvSpPr>
+          <p:cNvPr id="2" name="Заголовок 1"/>
+          <p:cNvSpPr>
+            <a:spLocks noGrp="1"/>
+          </p:cNvSpPr>
+          <p:nvPr>
+            <p:ph type="title"/>
+          </p:nvPr>
+        </p:nvSpPr>
+        <p:spPr/>
+        <p:txBody>
+          <a:bodyPr/>
+          <a:lstStyle/>
+          <a:p>
+            <a:r>
+              <a:rPr lang="ru-RU" dirty="0" smtClean="0"/>
+              <a:t>Дальнейшее развитие</a:t>
+            </a:r>
+            <a:endParaRPr lang="ru-RU" dirty="0"/>
+          </a:p>
+        </p:txBody>
+      </p:sp>
+      <p:sp>
+        <p:nvSpPr>
+          <p:cNvPr id="3" name="Объект 2"/>
+          <p:cNvSpPr>
+            <a:spLocks noGrp="1"/>
+          </p:cNvSpPr>
+          <p:nvPr>
+            <p:ph idx="1"/>
+          </p:nvPr>
+        </p:nvSpPr>
+        <p:spPr/>
+        <p:txBody>
+          <a:bodyPr>
+            <a:normAutofit/>
+          </a:bodyPr>
+          <a:lstStyle/>
+          <a:p>
+            <a:pPr lvl="1"/>
+            <a:r>
+              <a:rPr lang="ru-RU" sz="3200" dirty="0" smtClean="0"/>
+              <a:t>Повышение точности определения остановок</a:t>
+            </a:r>
+            <a:endParaRPr lang="en-US" sz="3200" dirty="0" smtClean="0"/>
+          </a:p>
+          <a:p>
+            <a:pPr lvl="1"/>
+            <a:r>
+              <a:rPr lang="ru-RU" sz="3200" dirty="0" smtClean="0"/>
+              <a:t>Разработка </a:t>
+            </a:r>
+            <a:r>
+              <a:rPr lang="ru-RU" sz="3200" dirty="0" smtClean="0"/>
+              <a:t>способа автоматического определения параметров используемых алгоритмов по входным данным.</a:t>
+            </a:r>
+          </a:p>
+          <a:p>
+            <a:pPr lvl="1"/>
+            <a:r>
+              <a:rPr lang="ru-RU" sz="3200" dirty="0" smtClean="0"/>
+              <a:t>Реализация режима реального времени работы метода.</a:t>
+            </a:r>
+            <a:endParaRPr lang="ru-RU" sz="3200" dirty="0"/>
+          </a:p>
+        </p:txBody>
+      </p:sp>
+      <p:sp>
+        <p:nvSpPr>
+          <p:cNvPr id="4" name="Номер слайда 3"/>
+          <p:cNvSpPr>
+            <a:spLocks noGrp="1"/>
+          </p:cNvSpPr>
+          <p:nvPr>
+            <p:ph type="sldNum" sz="quarter" idx="12"/>
+          </p:nvPr>
+        </p:nvSpPr>
+        <p:spPr/>
+        <p:txBody>
+          <a:bodyPr/>
+          <a:lstStyle/>
+          <a:p>
+            <a:fld id="{3BCC8605-603C-4CBC-9D12-BEB80FA30360}" type="slidenum">
+              <a:rPr lang="ru-RU" smtClean="0"/>
+              <a:t>18</a:t>
             </a:fld>
             <a:endParaRPr lang="ru-RU"/>
           </a:p>
@@ -7594,6 +7906,13 @@
   <p:clrMapOvr>
     <a:masterClrMapping/>
   </p:clrMapOvr>
+  <p:timing>
+    <p:tnLst>
+      <p:par>
+        <p:cTn id="1" dur="indefinite" restart="never" nodeType="tmRoot"/>
+      </p:par>
+    </p:tnLst>
+  </p:timing>
 </p:sld>
 </file>
 
@@ -7661,8 +7980,8 @@
         </p:blipFill>
         <p:spPr>
           <a:xfrm>
-            <a:off x="378759" y="1775960"/>
-            <a:ext cx="11434482" cy="4450668"/>
+            <a:off x="520437" y="1775960"/>
+            <a:ext cx="11151125" cy="4450668"/>
           </a:xfrm>
         </p:spPr>
       </p:pic>
@@ -7699,6 +8018,13 @@
   <p:clrMapOvr>
     <a:masterClrMapping/>
   </p:clrMapOvr>
+  <p:timing>
+    <p:tnLst>
+      <p:par>
+        <p:cTn id="1" dur="indefinite" restart="never" nodeType="tmRoot"/>
+      </p:par>
+    </p:tnLst>
+  </p:timing>
 </p:sld>
 </file>
 
@@ -7736,7 +8062,7 @@
           <a:p>
             <a:r>
               <a:rPr lang="ru-RU" dirty="0" smtClean="0"/>
-              <a:t>Объединение наборов координат</a:t>
+              <a:t>Обзор существующих решений</a:t>
             </a:r>
             <a:endParaRPr lang="ru-RU" dirty="0"/>
           </a:p>
@@ -7765,8 +8091,197 @@
           </a:p>
         </p:txBody>
       </p:sp>
-      <mc:AlternateContent xmlns:mc="http://schemas.openxmlformats.org/markup-compatibility/2006" xmlns:a14="http://schemas.microsoft.com/office/drawing/2010/main">
-        <mc:Choice Requires="a14">
+      <p:pic>
+        <p:nvPicPr>
+          <p:cNvPr id="7" name="Объект 6"/>
+          <p:cNvPicPr>
+            <a:picLocks noGrp="1" noChangeAspect="1"/>
+          </p:cNvPicPr>
+          <p:nvPr>
+            <p:ph idx="1"/>
+          </p:nvPr>
+        </p:nvPicPr>
+        <p:blipFill>
+          <a:blip r:embed="rId2" cstate="print">
+            <a:extLst>
+              <a:ext uri="{28A0092B-C50C-407E-A947-70E740481C1C}">
+                <a14:useLocalDpi xmlns:a14="http://schemas.microsoft.com/office/drawing/2010/main" val="0"/>
+              </a:ext>
+            </a:extLst>
+          </a:blip>
+          <a:stretch>
+            <a:fillRect/>
+          </a:stretch>
+        </p:blipFill>
+        <p:spPr>
+          <a:xfrm>
+            <a:off x="656967" y="1497296"/>
+            <a:ext cx="3491318" cy="2602230"/>
+          </a:xfrm>
+        </p:spPr>
+      </p:pic>
+      <p:pic>
+        <p:nvPicPr>
+          <p:cNvPr id="8" name="Рисунок 7"/>
+          <p:cNvPicPr>
+            <a:picLocks noChangeAspect="1"/>
+          </p:cNvPicPr>
+          <p:nvPr/>
+        </p:nvPicPr>
+        <p:blipFill rotWithShape="1">
+          <a:blip r:embed="rId3">
+            <a:extLst>
+              <a:ext uri="{28A0092B-C50C-407E-A947-70E740481C1C}">
+                <a14:useLocalDpi xmlns:a14="http://schemas.microsoft.com/office/drawing/2010/main" val="0"/>
+              </a:ext>
+            </a:extLst>
+          </a:blip>
+          <a:srcRect l="10206" t="11750" r="11232" b="14053"/>
+          <a:stretch/>
+        </p:blipFill>
+        <p:spPr>
+          <a:xfrm>
+            <a:off x="1142237" y="4158176"/>
+            <a:ext cx="2520779" cy="2380736"/>
+          </a:xfrm>
+          <a:prstGeom prst="rect">
+            <a:avLst/>
+          </a:prstGeom>
+        </p:spPr>
+      </p:pic>
+      <p:sp>
+        <p:nvSpPr>
+          <p:cNvPr id="9" name="TextBox 8"/>
+          <p:cNvSpPr txBox="1"/>
+          <p:nvPr/>
+        </p:nvSpPr>
+        <p:spPr>
+          <a:xfrm>
+            <a:off x="4854146" y="1507465"/>
+            <a:ext cx="6499654" cy="3108543"/>
+          </a:xfrm>
+          <a:prstGeom prst="rect">
+            <a:avLst/>
+          </a:prstGeom>
+          <a:noFill/>
+        </p:spPr>
+        <p:txBody>
+          <a:bodyPr wrap="square" rtlCol="0">
+            <a:spAutoFit/>
+          </a:bodyPr>
+          <a:lstStyle/>
+          <a:p>
+            <a:pPr marL="457200" indent="-457200">
+              <a:buFont typeface="Arial" panose="020B0604020202020204" pitchFamily="34" charset="0"/>
+              <a:buChar char="•"/>
+            </a:pPr>
+            <a:r>
+              <a:rPr lang="ru-RU" sz="2800" dirty="0" smtClean="0"/>
+              <a:t>Навигаторы – повышение точности за счет использования информации о дороге и предполагаемом маршруте</a:t>
+            </a:r>
+          </a:p>
+          <a:p>
+            <a:pPr marL="457200" indent="-457200">
+              <a:buFont typeface="Arial" panose="020B0604020202020204" pitchFamily="34" charset="0"/>
+              <a:buChar char="•"/>
+            </a:pPr>
+            <a:r>
+              <a:rPr lang="en-US" sz="2800" dirty="0" smtClean="0"/>
+              <a:t>GPS-</a:t>
+            </a:r>
+            <a:r>
+              <a:rPr lang="ru-RU" sz="2800" dirty="0" smtClean="0"/>
+              <a:t>приемники – предоставляют дополнительные сведения об условиях приема и предполагаемой точности</a:t>
+            </a:r>
+            <a:endParaRPr lang="ru-RU" sz="2800" dirty="0"/>
+          </a:p>
+        </p:txBody>
+      </p:sp>
+    </p:spTree>
+    <p:extLst>
+      <p:ext uri="{BB962C8B-B14F-4D97-AF65-F5344CB8AC3E}">
+        <p14:creationId xmlns:p14="http://schemas.microsoft.com/office/powerpoint/2010/main" val="397926541"/>
+      </p:ext>
+    </p:extLst>
+  </p:cSld>
+  <p:clrMapOvr>
+    <a:masterClrMapping/>
+  </p:clrMapOvr>
+  <p:timing>
+    <p:tnLst>
+      <p:par>
+        <p:cTn id="1" dur="indefinite" restart="never" nodeType="tmRoot"/>
+      </p:par>
+    </p:tnLst>
+  </p:timing>
+</p:sld>
+</file>
+
+<file path=ppt/slides/slide5.xml><?xml version="1.0" encoding="utf-8"?>
+<p:sld xmlns:a="http://schemas.openxmlformats.org/drawingml/2006/main" xmlns:r="http://schemas.openxmlformats.org/officeDocument/2006/relationships" xmlns:p="http://schemas.openxmlformats.org/presentationml/2006/main">
+  <p:cSld>
+    <p:spTree>
+      <p:nvGrpSpPr>
+        <p:cNvPr id="1" name=""/>
+        <p:cNvGrpSpPr/>
+        <p:nvPr/>
+      </p:nvGrpSpPr>
+      <p:grpSpPr>
+        <a:xfrm>
+          <a:off x="0" y="0"/>
+          <a:ext cx="0" cy="0"/>
+          <a:chOff x="0" y="0"/>
+          <a:chExt cx="0" cy="0"/>
+        </a:xfrm>
+      </p:grpSpPr>
+      <p:sp>
+        <p:nvSpPr>
+          <p:cNvPr id="2" name="Заголовок 1"/>
+          <p:cNvSpPr>
+            <a:spLocks noGrp="1"/>
+          </p:cNvSpPr>
+          <p:nvPr>
+            <p:ph type="title"/>
+          </p:nvPr>
+        </p:nvSpPr>
+        <p:spPr/>
+        <p:txBody>
+          <a:bodyPr/>
+          <a:lstStyle/>
+          <a:p>
+            <a:r>
+              <a:rPr lang="ru-RU" dirty="0" smtClean="0"/>
+              <a:t>Объединение наборов координат</a:t>
+            </a:r>
+            <a:endParaRPr lang="ru-RU" dirty="0"/>
+          </a:p>
+        </p:txBody>
+      </p:sp>
+      <p:sp>
+        <p:nvSpPr>
+          <p:cNvPr id="4" name="Номер слайда 3"/>
+          <p:cNvSpPr>
+            <a:spLocks noGrp="1"/>
+          </p:cNvSpPr>
+          <p:nvPr>
+            <p:ph type="sldNum" sz="quarter" idx="12"/>
+          </p:nvPr>
+        </p:nvSpPr>
+        <p:spPr/>
+        <p:txBody>
+          <a:bodyPr/>
+          <a:lstStyle/>
+          <a:p>
+            <a:fld id="{3BCC8605-603C-4CBC-9D12-BEB80FA30360}" type="slidenum">
+              <a:rPr lang="ru-RU" smtClean="0"/>
+              <a:t>5</a:t>
+            </a:fld>
+            <a:endParaRPr lang="ru-RU"/>
+          </a:p>
+        </p:txBody>
+      </p:sp>
+      <mc:AlternateContent xmlns:mc="http://schemas.openxmlformats.org/markup-compatibility/2006">
+        <mc:Choice xmlns:a14="http://schemas.microsoft.com/office/drawing/2010/main" Requires="a14">
           <p:sp>
             <p:nvSpPr>
               <p:cNvPr id="3" name="Объект 2"/>
@@ -7777,9 +8292,16 @@
                 <p:ph idx="1"/>
               </p:nvPr>
             </p:nvSpPr>
-            <p:spPr/>
+            <p:spPr>
+              <a:xfrm>
+                <a:off x="838200" y="1690688"/>
+                <a:ext cx="5562600" cy="4734826"/>
+              </a:xfrm>
+            </p:spPr>
             <p:txBody>
-              <a:bodyPr/>
+              <a:bodyPr>
+                <a:normAutofit fontScale="92500" lnSpcReduction="20000"/>
+              </a:bodyPr>
               <a:lstStyle/>
               <a:p>
                 <a:r>
@@ -7827,7 +8349,6 @@
                           <m:nary>
                             <m:naryPr>
                               <m:chr m:val="∑"/>
-                              <m:supHide m:val="on"/>
                               <m:ctrlPr>
                                 <a:rPr lang="en-US" b="0" i="1" smtClean="0">
                                   <a:latin typeface="Cambria Math" panose="02040503050406030204" pitchFamily="18" charset="0"/>
@@ -7844,8 +8365,21 @@
                                 </a:rPr>
                                 <m:t>𝑗</m:t>
                               </m:r>
+                              <m:r>
+                                <a:rPr lang="ru-RU" b="0" i="1" smtClean="0">
+                                  <a:latin typeface="Cambria Math" panose="02040503050406030204" pitchFamily="18" charset="0"/>
+                                </a:rPr>
+                                <m:t>=1</m:t>
+                              </m:r>
                             </m:sub>
-                            <m:sup/>
+                            <m:sup>
+                              <m:r>
+                                <a:rPr lang="en-US" b="0" i="1" smtClean="0">
+                                  <a:latin typeface="Cambria Math" panose="02040503050406030204" pitchFamily="18" charset="0"/>
+                                </a:rPr>
+                                <m:t>𝑛</m:t>
+                              </m:r>
+                            </m:sup>
                             <m:e>
                               <m:d>
                                 <m:dPr>
@@ -7949,7 +8483,6 @@
                           <m:nary>
                             <m:naryPr>
                               <m:chr m:val="∑"/>
-                              <m:supHide m:val="on"/>
                               <m:ctrlPr>
                                 <a:rPr lang="en-US" b="0" i="1" smtClean="0">
                                   <a:latin typeface="Cambria Math" panose="02040503050406030204" pitchFamily="18" charset="0"/>
@@ -7959,18 +8492,31 @@
                             <m:sub>
                               <m:r>
                                 <m:rPr>
-                                  <m:brk m:alnAt="7"/>
+                                  <m:brk m:alnAt="23"/>
                                 </m:rPr>
                                 <a:rPr lang="en-US" b="0" i="1" smtClean="0">
                                   <a:latin typeface="Cambria Math" panose="02040503050406030204" pitchFamily="18" charset="0"/>
                                 </a:rPr>
                                 <m:t>𝑖</m:t>
                               </m:r>
+                              <m:r>
+                                <a:rPr lang="en-US" b="0" i="1" smtClean="0">
+                                  <a:latin typeface="Cambria Math" panose="02040503050406030204" pitchFamily="18" charset="0"/>
+                                </a:rPr>
+                                <m:t>=1</m:t>
+                              </m:r>
                             </m:sub>
-                            <m:sup/>
+                            <m:sup>
+                              <m:r>
+                                <a:rPr lang="en-US" b="0" i="1" smtClean="0">
+                                  <a:latin typeface="Cambria Math" panose="02040503050406030204" pitchFamily="18" charset="0"/>
+                                </a:rPr>
+                                <m:t>𝑛</m:t>
+                              </m:r>
+                            </m:sup>
                             <m:e>
                               <m:r>
-                                <a:rPr lang="en-US" b="0" i="1" smtClean="0">
+                                <a:rPr lang="en-US" i="1">
                                   <a:latin typeface="Cambria Math" panose="02040503050406030204" pitchFamily="18" charset="0"/>
                                 </a:rPr>
                                 <m:t>(</m:t>
@@ -7981,7 +8527,7 @@
                                   <m:subHide m:val="on"/>
                                   <m:supHide m:val="on"/>
                                   <m:ctrlPr>
-                                    <a:rPr lang="en-US" b="0" i="1" smtClean="0">
+                                    <a:rPr lang="en-US" i="1">
                                       <a:latin typeface="Cambria Math" panose="02040503050406030204" pitchFamily="18" charset="0"/>
                                     </a:rPr>
                                   </m:ctrlPr>
@@ -7990,7 +8536,7 @@
                                 <m:sup/>
                                 <m:e>
                                   <m:r>
-                                    <a:rPr lang="en-US" b="0" i="1" smtClean="0">
+                                    <a:rPr lang="en-US" i="1">
                                       <a:latin typeface="Cambria Math" panose="02040503050406030204" pitchFamily="18" charset="0"/>
                                     </a:rPr>
                                     <m:t>𝑎</m:t>
@@ -7998,7 +8544,7 @@
                                 </m:e>
                               </m:nary>
                               <m:r>
-                                <a:rPr lang="en-US" b="0" i="1" smtClean="0">
+                                <a:rPr lang="en-US" i="1">
                                   <a:latin typeface="Cambria Math" panose="02040503050406030204" pitchFamily="18" charset="0"/>
                                 </a:rPr>
                                 <m:t>−</m:t>
@@ -8006,14 +8552,14 @@
                               <m:sSub>
                                 <m:sSubPr>
                                   <m:ctrlPr>
-                                    <a:rPr lang="en-US" b="0" i="1" smtClean="0">
+                                    <a:rPr lang="en-US" i="1">
                                       <a:latin typeface="Cambria Math" panose="02040503050406030204" pitchFamily="18" charset="0"/>
                                     </a:rPr>
                                   </m:ctrlPr>
                                 </m:sSubPr>
                                 <m:e>
                                   <m:r>
-                                    <a:rPr lang="en-US" b="0" i="1" smtClean="0">
+                                    <a:rPr lang="en-US" i="1">
                                       <a:latin typeface="Cambria Math" panose="02040503050406030204" pitchFamily="18" charset="0"/>
                                     </a:rPr>
                                     <m:t>𝑎</m:t>
@@ -8021,7 +8567,7 @@
                                 </m:e>
                                 <m:sub>
                                   <m:r>
-                                    <a:rPr lang="en-US" b="0" i="1" smtClean="0">
+                                    <a:rPr lang="en-US" i="1">
                                       <a:latin typeface="Cambria Math" panose="02040503050406030204" pitchFamily="18" charset="0"/>
                                     </a:rPr>
                                     <m:t>𝑖</m:t>
@@ -8029,7 +8575,7 @@
                                 </m:sub>
                               </m:sSub>
                               <m:r>
-                                <a:rPr lang="en-US" b="0" i="1" smtClean="0">
+                                <a:rPr lang="en-US" i="1" smtClean="0">
                                   <a:latin typeface="Cambria Math" panose="02040503050406030204" pitchFamily="18" charset="0"/>
                                 </a:rPr>
                                 <m:t>)</m:t>
@@ -8057,6 +8603,10 @@
                   <a:rPr lang="ru-RU" dirty="0" smtClean="0"/>
                   <a:t>Где </a:t>
                 </a:r>
+                <a:r>
+                  <a:rPr lang="ru-RU" dirty="0" smtClean="0"/>
+                  <a:t>	</a:t>
+                </a:r>
                 <a14:m>
                   <m:oMath xmlns:m="http://schemas.openxmlformats.org/officeDocument/2006/math">
                     <m:r>
@@ -8070,6 +8620,55 @@
                 <a:r>
                   <a:rPr lang="ru-RU" dirty="0" smtClean="0"/>
                   <a:t> – вектор координат, </a:t>
+                </a:r>
+                <a:endParaRPr lang="ru-RU" i="1" dirty="0" smtClean="0">
+                  <a:latin typeface="Cambria Math" panose="02040503050406030204" pitchFamily="18" charset="0"/>
+                </a:endParaRPr>
+              </a:p>
+              <a:p>
+                <a:pPr marL="0" indent="0">
+                  <a:buNone/>
+                </a:pPr>
+                <a:r>
+                  <a:rPr lang="ru-RU" dirty="0" smtClean="0"/>
+                  <a:t>	</a:t>
+                </a:r>
+                <a:r>
+                  <a:rPr lang="en-US" i="1" dirty="0" smtClean="0">
+                    <a:latin typeface="Cambria Math" panose="02040503050406030204" pitchFamily="18" charset="0"/>
+                    <a:ea typeface="Cambria Math" panose="02040503050406030204" pitchFamily="18" charset="0"/>
+                  </a:rPr>
+                  <a:t>n</a:t>
+                </a:r>
+                <a:r>
+                  <a:rPr lang="en-US" dirty="0" smtClean="0"/>
+                  <a:t> </a:t>
+                </a:r>
+                <a:r>
+                  <a:rPr lang="ru-RU" dirty="0"/>
+                  <a:t>– </a:t>
+                </a:r>
+                <a:r>
+                  <a:rPr lang="ru-RU" dirty="0" smtClean="0"/>
+                  <a:t>количество координат в </a:t>
+                </a:r>
+                <a:r>
+                  <a:rPr lang="en-US" dirty="0" smtClean="0"/>
+                  <a:t>	</a:t>
+                </a:r>
+                <a:r>
+                  <a:rPr lang="ru-RU" dirty="0" smtClean="0"/>
+                  <a:t>текущем окне,</a:t>
+                </a:r>
+                <a:endParaRPr lang="ru-RU" dirty="0" smtClean="0"/>
+              </a:p>
+              <a:p>
+                <a:pPr marL="0" indent="0">
+                  <a:buNone/>
+                </a:pPr>
+                <a:r>
+                  <a:rPr lang="ru-RU" dirty="0" smtClean="0"/>
+                  <a:t>	</a:t>
                 </a:r>
                 <a14:m>
                   <m:oMath xmlns:m="http://schemas.openxmlformats.org/officeDocument/2006/math">
@@ -8087,13 +8686,78 @@
                 </a:r>
                 <a:r>
                   <a:rPr lang="ru-RU" dirty="0" smtClean="0"/>
-                  <a:t>точность. </a:t>
+                  <a:t>точность</a:t>
                 </a:r>
+                <a:r>
+                  <a:rPr lang="en-US" dirty="0" smtClean="0"/>
+                  <a:t>,</a:t>
+                </a:r>
+              </a:p>
+              <a:p>
+                <a:pPr marL="0" indent="0">
+                  <a:buNone/>
+                </a:pPr>
+                <a:r>
+                  <a:rPr lang="en-US" dirty="0"/>
+                  <a:t>	</a:t>
+                </a:r>
+                <a14:m>
+                  <m:oMath xmlns:m="http://schemas.openxmlformats.org/officeDocument/2006/math">
+                    <m:nary>
+                      <m:naryPr>
+                        <m:chr m:val="∑"/>
+                        <m:subHide m:val="on"/>
+                        <m:supHide m:val="on"/>
+                        <m:ctrlPr>
+                          <a:rPr lang="en-US" i="1" smtClean="0">
+                            <a:latin typeface="Cambria Math" panose="02040503050406030204" pitchFamily="18" charset="0"/>
+                          </a:rPr>
+                        </m:ctrlPr>
+                      </m:naryPr>
+                      <m:sub/>
+                      <m:sup/>
+                      <m:e>
+                        <m:r>
+                          <a:rPr lang="en-US" b="0" i="1" smtClean="0">
+                            <a:latin typeface="Cambria Math" panose="02040503050406030204" pitchFamily="18" charset="0"/>
+                          </a:rPr>
+                          <m:t>𝑎</m:t>
+                        </m:r>
+                      </m:e>
+                    </m:nary>
+                  </m:oMath>
+                </a14:m>
+                <a:r>
+                  <a:rPr lang="en-US" dirty="0" smtClean="0"/>
+                  <a:t> </a:t>
+                </a:r>
+                <a:r>
+                  <a:rPr lang="ru-RU" dirty="0"/>
+                  <a:t>– сумма всех значений </a:t>
+                </a:r>
+                <a:r>
+                  <a:rPr lang="en-US" dirty="0" smtClean="0"/>
+                  <a:t>	</a:t>
+                </a:r>
+                <a:r>
+                  <a:rPr lang="ru-RU" dirty="0" smtClean="0"/>
+                  <a:t>точности </a:t>
+                </a:r>
+                <a:r>
+                  <a:rPr lang="ru-RU" dirty="0"/>
+                  <a:t>координат в группе</a:t>
+                </a:r>
+              </a:p>
+              <a:p>
+                <a:pPr marL="0" indent="0">
+                  <a:buNone/>
+                </a:pPr>
+                <a:endParaRPr lang="ru-RU" dirty="0" smtClean="0"/>
               </a:p>
             </p:txBody>
           </p:sp>
         </mc:Choice>
-        <mc:Fallback xmlns="">
+        <mc:Fallback>
           <p:sp>
             <p:nvSpPr>
               <p:cNvPr id="3" name="Объект 2"/>
@@ -8105,10 +8769,14 @@
               </p:nvPr>
             </p:nvSpPr>
             <p:spPr>
+              <a:xfrm>
+                <a:off x="838200" y="1690688"/>
+                <a:ext cx="5562600" cy="4734826"/>
+              </a:xfrm>
               <a:blipFill rotWithShape="0">
                 <a:blip r:embed="rId2"/>
                 <a:stretch>
-                  <a:fillRect l="-1217" t="-2381" r="-638"/>
+                  <a:fillRect l="-1974" t="-3475" r="-3180"/>
                 </a:stretch>
               </a:blipFill>
             </p:spPr>
@@ -8127,78 +8795,16 @@
           </p:sp>
         </mc:Fallback>
       </mc:AlternateContent>
-    </p:spTree>
-    <p:extLst>
-      <p:ext uri="{BB962C8B-B14F-4D97-AF65-F5344CB8AC3E}">
-        <p14:creationId xmlns:p14="http://schemas.microsoft.com/office/powerpoint/2010/main" val="1266537320"/>
-      </p:ext>
-    </p:extLst>
-  </p:cSld>
-  <p:clrMapOvr>
-    <a:masterClrMapping/>
-  </p:clrMapOvr>
-  <p:timing>
-    <p:tnLst>
-      <p:par>
-        <p:cTn id="1" dur="indefinite" restart="never" nodeType="tmRoot"/>
-      </p:par>
-    </p:tnLst>
-  </p:timing>
-</p:sld>
-</file>
-
-<file path=ppt/slides/slide5.xml><?xml version="1.0" encoding="utf-8"?>
-<p:sld xmlns:a="http://schemas.openxmlformats.org/drawingml/2006/main" xmlns:r="http://schemas.openxmlformats.org/officeDocument/2006/relationships" xmlns:p="http://schemas.openxmlformats.org/presentationml/2006/main">
-  <p:cSld>
-    <p:spTree>
-      <p:nvGrpSpPr>
-        <p:cNvPr id="1" name=""/>
-        <p:cNvGrpSpPr/>
-        <p:nvPr/>
-      </p:nvGrpSpPr>
-      <p:grpSpPr>
-        <a:xfrm>
-          <a:off x="0" y="0"/>
-          <a:ext cx="0" cy="0"/>
-          <a:chOff x="0" y="0"/>
-          <a:chExt cx="0" cy="0"/>
-        </a:xfrm>
-      </p:grpSpPr>
-      <p:sp>
-        <p:nvSpPr>
-          <p:cNvPr id="2" name="Заголовок 1"/>
-          <p:cNvSpPr>
-            <a:spLocks noGrp="1"/>
-          </p:cNvSpPr>
-          <p:nvPr>
-            <p:ph type="title"/>
-          </p:nvPr>
-        </p:nvSpPr>
-        <p:spPr/>
-        <p:txBody>
-          <a:bodyPr/>
-          <a:lstStyle/>
-          <a:p>
-            <a:r>
-              <a:rPr lang="ru-RU" dirty="0" smtClean="0"/>
-              <a:t>Устранение пиков</a:t>
-            </a:r>
-            <a:endParaRPr lang="ru-RU" dirty="0"/>
-          </a:p>
-        </p:txBody>
-      </p:sp>
       <p:pic>
         <p:nvPicPr>
-          <p:cNvPr id="11" name="Объект 10"/>
+          <p:cNvPr id="5" name="Рисунок 4"/>
           <p:cNvPicPr>
-            <a:picLocks noGrp="1" noChangeAspect="1"/>
+            <a:picLocks noChangeAspect="1"/>
           </p:cNvPicPr>
-          <p:nvPr>
-            <p:ph idx="1"/>
-          </p:nvPr>
+          <p:nvPr/>
         </p:nvPicPr>
         <p:blipFill>
-          <a:blip r:embed="rId2">
+          <a:blip r:embed="rId3">
             <a:extLst>
               <a:ext uri="{28A0092B-C50C-407E-A947-70E740481C1C}">
                 <a14:useLocalDpi xmlns:a14="http://schemas.microsoft.com/office/drawing/2010/main" val="0"/>
@@ -8211,131 +8817,18 @@
         </p:blipFill>
         <p:spPr>
           <a:xfrm>
-            <a:off x="838200" y="1690688"/>
-            <a:ext cx="10758216" cy="4530725"/>
-          </a:xfrm>
-        </p:spPr>
-      </p:pic>
-      <p:sp>
-        <p:nvSpPr>
-          <p:cNvPr id="4" name="Номер слайда 3"/>
-          <p:cNvSpPr>
-            <a:spLocks noGrp="1"/>
-          </p:cNvSpPr>
-          <p:nvPr>
-            <p:ph type="sldNum" sz="quarter" idx="12"/>
-          </p:nvPr>
-        </p:nvSpPr>
-        <p:spPr/>
-        <p:txBody>
-          <a:bodyPr/>
-          <a:lstStyle/>
-          <a:p>
-            <a:fld id="{3BCC8605-603C-4CBC-9D12-BEB80FA30360}" type="slidenum">
-              <a:rPr lang="ru-RU" smtClean="0"/>
-              <a:t>5</a:t>
-            </a:fld>
-            <a:endParaRPr lang="ru-RU"/>
-          </a:p>
-        </p:txBody>
-      </p:sp>
-      <p:sp>
-        <p:nvSpPr>
-          <p:cNvPr id="3" name="TextBox 2"/>
-          <p:cNvSpPr txBox="1"/>
-          <p:nvPr/>
-        </p:nvSpPr>
-        <p:spPr>
-          <a:xfrm>
-            <a:off x="3772930" y="2984502"/>
-            <a:ext cx="3064475" cy="400110"/>
+            <a:off x="6890193" y="1976238"/>
+            <a:ext cx="4342857" cy="2971428"/>
           </a:xfrm>
           <a:prstGeom prst="rect">
             <a:avLst/>
           </a:prstGeom>
-          <a:noFill/>
         </p:spPr>
-        <p:txBody>
-          <a:bodyPr wrap="square" rtlCol="0">
-            <a:spAutoFit/>
-          </a:bodyPr>
-          <a:lstStyle/>
-          <a:p>
-            <a:r>
-              <a:rPr lang="ru-RU" sz="2000" dirty="0" smtClean="0"/>
-              <a:t>Максимальное расстояние</a:t>
-            </a:r>
-            <a:endParaRPr lang="ru-RU" sz="2000" dirty="0"/>
-          </a:p>
-        </p:txBody>
-      </p:sp>
-      <p:sp>
-        <p:nvSpPr>
-          <p:cNvPr id="5" name="TextBox 4"/>
-          <p:cNvSpPr txBox="1"/>
-          <p:nvPr/>
-        </p:nvSpPr>
-        <p:spPr>
-          <a:xfrm>
-            <a:off x="9835978" y="3262184"/>
-            <a:ext cx="184731" cy="400110"/>
-          </a:xfrm>
-          <a:prstGeom prst="rect">
-            <a:avLst/>
-          </a:prstGeom>
-          <a:noFill/>
-        </p:spPr>
-        <p:txBody>
-          <a:bodyPr wrap="none" rtlCol="0">
-            <a:spAutoFit/>
-          </a:bodyPr>
-          <a:lstStyle/>
-          <a:p>
-            <a:endParaRPr lang="ru-RU" sz="2000" dirty="0"/>
-          </a:p>
-        </p:txBody>
-      </p:sp>
-      <p:sp>
-        <p:nvSpPr>
-          <p:cNvPr id="7" name="TextBox 6"/>
-          <p:cNvSpPr txBox="1"/>
-          <p:nvPr/>
-        </p:nvSpPr>
-        <p:spPr>
-          <a:xfrm>
-            <a:off x="8449962" y="2830614"/>
-            <a:ext cx="3064475" cy="707886"/>
-          </a:xfrm>
-          <a:prstGeom prst="rect">
-            <a:avLst/>
-          </a:prstGeom>
-          <a:noFill/>
-        </p:spPr>
-        <p:txBody>
-          <a:bodyPr wrap="square" rtlCol="0">
-            <a:spAutoFit/>
-          </a:bodyPr>
-          <a:lstStyle/>
-          <a:p>
-            <a:r>
-              <a:rPr lang="ru-RU" sz="2000" dirty="0" smtClean="0"/>
-              <a:t>Расстояние без учета</a:t>
-            </a:r>
-            <a:br>
-              <a:rPr lang="ru-RU" sz="2000" dirty="0" smtClean="0"/>
-            </a:br>
-            <a:r>
-              <a:rPr lang="ru-RU" sz="2000" dirty="0" smtClean="0"/>
-              <a:t>пика</a:t>
-            </a:r>
-            <a:endParaRPr lang="ru-RU" sz="2000" dirty="0"/>
-          </a:p>
-        </p:txBody>
-      </p:sp>
+      </p:pic>
     </p:spTree>
     <p:extLst>
       <p:ext uri="{BB962C8B-B14F-4D97-AF65-F5344CB8AC3E}">
-        <p14:creationId xmlns:p14="http://schemas.microsoft.com/office/powerpoint/2010/main" val="3716484257"/>
+        <p14:creationId xmlns:p14="http://schemas.microsoft.com/office/powerpoint/2010/main" val="1266537320"/>
       </p:ext>
     </p:extLst>
   </p:cSld>
@@ -8386,73 +8879,41 @@
           <a:p>
             <a:r>
               <a:rPr lang="ru-RU" dirty="0" smtClean="0"/>
-              <a:t>Определение мест остановок объекта и удаление избыточных координат</a:t>
+              <a:t>Устранение пиков</a:t>
             </a:r>
             <a:endParaRPr lang="ru-RU" dirty="0"/>
           </a:p>
         </p:txBody>
       </p:sp>
-      <p:sp>
-        <p:nvSpPr>
-          <p:cNvPr id="3" name="Объект 2"/>
-          <p:cNvSpPr>
-            <a:spLocks noGrp="1"/>
-          </p:cNvSpPr>
+      <p:pic>
+        <p:nvPicPr>
+          <p:cNvPr id="11" name="Объект 10"/>
+          <p:cNvPicPr>
+            <a:picLocks noGrp="1" noChangeAspect="1"/>
+          </p:cNvPicPr>
           <p:nvPr>
             <p:ph idx="1"/>
           </p:nvPr>
-        </p:nvSpPr>
-        <p:spPr/>
-        <p:txBody>
-          <a:bodyPr/>
-          <a:lstStyle/>
-          <a:p>
-            <a:pPr marL="0" indent="0">
-              <a:buNone/>
-            </a:pPr>
-            <a:r>
-              <a:rPr lang="ru-RU" dirty="0" smtClean="0"/>
-              <a:t>Для поиска остановок предлагается следующий способ:</a:t>
-            </a:r>
-          </a:p>
-          <a:p>
-            <a:pPr marL="514350" indent="-514350">
-              <a:buFont typeface="+mj-lt"/>
-              <a:buAutoNum type="arabicPeriod"/>
-            </a:pPr>
-            <a:r>
-              <a:rPr lang="ru-RU" dirty="0" smtClean="0"/>
-              <a:t>Маршрут разбивается на группы точек по задаваемому интервалу времени.</a:t>
-            </a:r>
-          </a:p>
-          <a:p>
-            <a:pPr marL="514350" indent="-514350">
-              <a:buFont typeface="+mj-lt"/>
-              <a:buAutoNum type="arabicPeriod"/>
-            </a:pPr>
-            <a:r>
-              <a:rPr lang="ru-RU" dirty="0" smtClean="0"/>
-              <a:t>Если в группе среднее отклонение координат от средней координаты ниже задаваемого порогового значения, группа точек считается остановкой и заменяется средним значением.</a:t>
-            </a:r>
-          </a:p>
-          <a:p>
-            <a:pPr marL="514350" indent="-514350">
-              <a:buFont typeface="+mj-lt"/>
-              <a:buAutoNum type="arabicPeriod"/>
-            </a:pPr>
-            <a:r>
-              <a:rPr lang="ru-RU" dirty="0" smtClean="0"/>
-              <a:t>Идущие подряд группы точек, признанные остановкой, объединяются и заменяются одной точкой.</a:t>
-            </a:r>
-          </a:p>
-          <a:p>
-            <a:pPr marL="0" indent="0">
-              <a:buNone/>
-            </a:pPr>
-            <a:endParaRPr lang="ru-RU" dirty="0"/>
-          </a:p>
-        </p:txBody>
-      </p:sp>
+        </p:nvPicPr>
+        <p:blipFill>
+          <a:blip r:embed="rId2">
+            <a:extLst>
+              <a:ext uri="{28A0092B-C50C-407E-A947-70E740481C1C}">
+                <a14:useLocalDpi xmlns:a14="http://schemas.microsoft.com/office/drawing/2010/main" val="0"/>
+              </a:ext>
+            </a:extLst>
+          </a:blip>
+          <a:stretch>
+            <a:fillRect/>
+          </a:stretch>
+        </p:blipFill>
+        <p:spPr>
+          <a:xfrm>
+            <a:off x="4813446" y="2078460"/>
+            <a:ext cx="6924308" cy="2916110"/>
+          </a:xfrm>
+        </p:spPr>
+      </p:pic>
       <p:sp>
         <p:nvSpPr>
           <p:cNvPr id="4" name="Номер слайда 3"/>
@@ -8476,10 +8937,858 @@
           </a:p>
         </p:txBody>
       </p:sp>
+      <mc:AlternateContent xmlns:mc="http://schemas.openxmlformats.org/markup-compatibility/2006">
+        <mc:Choice xmlns:a14="http://schemas.microsoft.com/office/drawing/2010/main" Requires="a14">
+          <p:sp>
+            <p:nvSpPr>
+              <p:cNvPr id="3" name="TextBox 2"/>
+              <p:cNvSpPr txBox="1"/>
+              <p:nvPr/>
+            </p:nvSpPr>
+            <p:spPr>
+              <a:xfrm>
+                <a:off x="7791826" y="2890762"/>
+                <a:ext cx="757881" cy="400110"/>
+              </a:xfrm>
+              <a:prstGeom prst="rect">
+                <a:avLst/>
+              </a:prstGeom>
+              <a:noFill/>
+            </p:spPr>
+            <p:txBody>
+              <a:bodyPr wrap="square" rtlCol="0">
+                <a:spAutoFit/>
+              </a:bodyPr>
+              <a:lstStyle/>
+              <a:p>
+                <a14:m>
+                  <m:oMathPara xmlns:m="http://schemas.openxmlformats.org/officeDocument/2006/math">
+                    <m:oMathParaPr>
+                      <m:jc m:val="centerGroup"/>
+                    </m:oMathParaPr>
+                    <m:oMath xmlns:m="http://schemas.openxmlformats.org/officeDocument/2006/math">
+                      <m:sSub>
+                        <m:sSubPr>
+                          <m:ctrlPr>
+                            <a:rPr lang="en-US" sz="2000" b="0" i="1" smtClean="0">
+                              <a:latin typeface="Cambria Math" panose="02040503050406030204" pitchFamily="18" charset="0"/>
+                            </a:rPr>
+                          </m:ctrlPr>
+                        </m:sSubPr>
+                        <m:e>
+                          <m:r>
+                            <a:rPr lang="en-US" sz="2000" b="0" i="1" smtClean="0">
+                              <a:latin typeface="Cambria Math" panose="02040503050406030204" pitchFamily="18" charset="0"/>
+                            </a:rPr>
+                            <m:t>𝐻</m:t>
+                          </m:r>
+                        </m:e>
+                        <m:sub>
+                          <m:r>
+                            <a:rPr lang="en-US" sz="2000" b="0" i="1" smtClean="0">
+                              <a:latin typeface="Cambria Math" panose="02040503050406030204" pitchFamily="18" charset="0"/>
+                            </a:rPr>
+                            <m:t>1</m:t>
+                          </m:r>
+                        </m:sub>
+                      </m:sSub>
+                    </m:oMath>
+                  </m:oMathPara>
+                </a14:m>
+                <a:endParaRPr lang="ru-RU" sz="2000" dirty="0"/>
+              </a:p>
+            </p:txBody>
+          </p:sp>
+        </mc:Choice>
+        <mc:Fallback>
+          <p:sp>
+            <p:nvSpPr>
+              <p:cNvPr id="3" name="TextBox 2"/>
+              <p:cNvSpPr txBox="1">
+                <a:spLocks noRot="1" noChangeAspect="1" noMove="1" noResize="1" noEditPoints="1" noAdjustHandles="1" noChangeArrowheads="1" noChangeShapeType="1" noTextEdit="1"/>
+              </p:cNvSpPr>
+              <p:nvPr/>
+            </p:nvSpPr>
+            <p:spPr>
+              <a:xfrm>
+                <a:off x="7791826" y="2890762"/>
+                <a:ext cx="757881" cy="400110"/>
+              </a:xfrm>
+              <a:prstGeom prst="rect">
+                <a:avLst/>
+              </a:prstGeom>
+              <a:blipFill rotWithShape="0">
+                <a:blip r:embed="rId3"/>
+                <a:stretch>
+                  <a:fillRect b="-1515"/>
+                </a:stretch>
+              </a:blipFill>
+            </p:spPr>
+            <p:txBody>
+              <a:bodyPr/>
+              <a:lstStyle/>
+              <a:p>
+                <a:r>
+                  <a:rPr lang="ru-RU">
+                    <a:noFill/>
+                  </a:rPr>
+                  <a:t> </a:t>
+                </a:r>
+              </a:p>
+            </p:txBody>
+          </p:sp>
+        </mc:Fallback>
+      </mc:AlternateContent>
+      <p:sp>
+        <p:nvSpPr>
+          <p:cNvPr id="5" name="TextBox 4"/>
+          <p:cNvSpPr txBox="1"/>
+          <p:nvPr/>
+        </p:nvSpPr>
+        <p:spPr>
+          <a:xfrm>
+            <a:off x="9595913" y="3748216"/>
+            <a:ext cx="184731" cy="400110"/>
+          </a:xfrm>
+          <a:prstGeom prst="rect">
+            <a:avLst/>
+          </a:prstGeom>
+          <a:noFill/>
+        </p:spPr>
+        <p:txBody>
+          <a:bodyPr wrap="none" rtlCol="0">
+            <a:spAutoFit/>
+          </a:bodyPr>
+          <a:lstStyle/>
+          <a:p>
+            <a:endParaRPr lang="ru-RU" sz="2000" dirty="0"/>
+          </a:p>
+        </p:txBody>
+      </p:sp>
+      <mc:AlternateContent xmlns:mc="http://schemas.openxmlformats.org/markup-compatibility/2006">
+        <mc:Choice xmlns:a14="http://schemas.microsoft.com/office/drawing/2010/main" Requires="a14">
+          <p:sp>
+            <p:nvSpPr>
+              <p:cNvPr id="7" name="TextBox 6"/>
+              <p:cNvSpPr txBox="1"/>
+              <p:nvPr/>
+            </p:nvSpPr>
+            <p:spPr>
+              <a:xfrm>
+                <a:off x="9952919" y="2762413"/>
+                <a:ext cx="2106826" cy="400110"/>
+              </a:xfrm>
+              <a:prstGeom prst="rect">
+                <a:avLst/>
+              </a:prstGeom>
+              <a:noFill/>
+            </p:spPr>
+            <p:txBody>
+              <a:bodyPr wrap="square" rtlCol="0">
+                <a:spAutoFit/>
+              </a:bodyPr>
+              <a:lstStyle/>
+              <a:p>
+                <a14:m>
+                  <m:oMathPara xmlns:m="http://schemas.openxmlformats.org/officeDocument/2006/math">
+                    <m:oMathParaPr>
+                      <m:jc m:val="centerGroup"/>
+                    </m:oMathParaPr>
+                    <m:oMath xmlns:m="http://schemas.openxmlformats.org/officeDocument/2006/math">
+                      <m:sSub>
+                        <m:sSubPr>
+                          <m:ctrlPr>
+                            <a:rPr lang="ru-RU" sz="2000" i="1" smtClean="0">
+                              <a:latin typeface="Cambria Math" panose="02040503050406030204" pitchFamily="18" charset="0"/>
+                            </a:rPr>
+                          </m:ctrlPr>
+                        </m:sSubPr>
+                        <m:e>
+                          <m:r>
+                            <a:rPr lang="en-US" sz="2000" b="0" i="1" smtClean="0">
+                              <a:latin typeface="Cambria Math" panose="02040503050406030204" pitchFamily="18" charset="0"/>
+                            </a:rPr>
+                            <m:t>𝐻</m:t>
+                          </m:r>
+                        </m:e>
+                        <m:sub>
+                          <m:r>
+                            <a:rPr lang="ru-RU" sz="2000" b="0" i="1" smtClean="0">
+                              <a:latin typeface="Cambria Math" panose="02040503050406030204" pitchFamily="18" charset="0"/>
+                            </a:rPr>
+                            <m:t>сл</m:t>
+                          </m:r>
+                        </m:sub>
+                      </m:sSub>
+                    </m:oMath>
+                  </m:oMathPara>
+                </a14:m>
+                <a:endParaRPr lang="ru-RU" sz="2000" dirty="0"/>
+              </a:p>
+            </p:txBody>
+          </p:sp>
+        </mc:Choice>
+        <mc:Fallback>
+          <p:sp>
+            <p:nvSpPr>
+              <p:cNvPr id="7" name="TextBox 6"/>
+              <p:cNvSpPr txBox="1">
+                <a:spLocks noRot="1" noChangeAspect="1" noMove="1" noResize="1" noEditPoints="1" noAdjustHandles="1" noChangeArrowheads="1" noChangeShapeType="1" noTextEdit="1"/>
+              </p:cNvSpPr>
+              <p:nvPr/>
+            </p:nvSpPr>
+            <p:spPr>
+              <a:xfrm>
+                <a:off x="9952919" y="2762413"/>
+                <a:ext cx="2106826" cy="400110"/>
+              </a:xfrm>
+              <a:prstGeom prst="rect">
+                <a:avLst/>
+              </a:prstGeom>
+              <a:blipFill rotWithShape="0">
+                <a:blip r:embed="rId4"/>
+                <a:stretch>
+                  <a:fillRect/>
+                </a:stretch>
+              </a:blipFill>
+            </p:spPr>
+            <p:txBody>
+              <a:bodyPr/>
+              <a:lstStyle/>
+              <a:p>
+                <a:r>
+                  <a:rPr lang="ru-RU">
+                    <a:noFill/>
+                  </a:rPr>
+                  <a:t> </a:t>
+                </a:r>
+              </a:p>
+            </p:txBody>
+          </p:sp>
+        </mc:Fallback>
+      </mc:AlternateContent>
+      <p:sp>
+        <p:nvSpPr>
+          <p:cNvPr id="6" name="TextBox 5"/>
+          <p:cNvSpPr txBox="1"/>
+          <p:nvPr/>
+        </p:nvSpPr>
+        <p:spPr>
+          <a:xfrm>
+            <a:off x="11499981" y="3559366"/>
+            <a:ext cx="417137" cy="377700"/>
+          </a:xfrm>
+          <a:prstGeom prst="rect">
+            <a:avLst/>
+          </a:prstGeom>
+          <a:noFill/>
+        </p:spPr>
+        <p:txBody>
+          <a:bodyPr wrap="square" rtlCol="0">
+            <a:spAutoFit/>
+          </a:bodyPr>
+          <a:lstStyle/>
+          <a:p>
+            <a:r>
+              <a:rPr lang="en-US" dirty="0" smtClean="0"/>
+              <a:t>A</a:t>
+            </a:r>
+            <a:endParaRPr lang="ru-RU" dirty="0"/>
+          </a:p>
+        </p:txBody>
+      </p:sp>
+      <p:sp>
+        <p:nvSpPr>
+          <p:cNvPr id="8" name="TextBox 7"/>
+          <p:cNvSpPr txBox="1"/>
+          <p:nvPr/>
+        </p:nvSpPr>
+        <p:spPr>
+          <a:xfrm>
+            <a:off x="4697535" y="4753587"/>
+            <a:ext cx="338554" cy="369332"/>
+          </a:xfrm>
+          <a:prstGeom prst="rect">
+            <a:avLst/>
+          </a:prstGeom>
+          <a:noFill/>
+        </p:spPr>
+        <p:txBody>
+          <a:bodyPr wrap="none" rtlCol="0">
+            <a:spAutoFit/>
+          </a:bodyPr>
+          <a:lstStyle/>
+          <a:p>
+            <a:r>
+              <a:rPr lang="en-US" dirty="0" smtClean="0"/>
+              <a:t>B</a:t>
+            </a:r>
+            <a:endParaRPr lang="ru-RU" dirty="0"/>
+          </a:p>
+        </p:txBody>
+      </p:sp>
+      <p:sp>
+        <p:nvSpPr>
+          <p:cNvPr id="10" name="TextBox 9"/>
+          <p:cNvSpPr txBox="1"/>
+          <p:nvPr/>
+        </p:nvSpPr>
+        <p:spPr>
+          <a:xfrm>
+            <a:off x="11006332" y="2013928"/>
+            <a:ext cx="338554" cy="369332"/>
+          </a:xfrm>
+          <a:prstGeom prst="rect">
+            <a:avLst/>
+          </a:prstGeom>
+          <a:noFill/>
+        </p:spPr>
+        <p:txBody>
+          <a:bodyPr wrap="none" rtlCol="0">
+            <a:spAutoFit/>
+          </a:bodyPr>
+          <a:lstStyle/>
+          <a:p>
+            <a:r>
+              <a:rPr lang="en-US" dirty="0"/>
+              <a:t>C</a:t>
+            </a:r>
+            <a:endParaRPr lang="ru-RU" dirty="0"/>
+          </a:p>
+        </p:txBody>
+      </p:sp>
+      <mc:AlternateContent xmlns:mc="http://schemas.openxmlformats.org/markup-compatibility/2006">
+        <mc:Choice xmlns:a14="http://schemas.microsoft.com/office/drawing/2010/main" Requires="a14">
+          <p:sp>
+            <p:nvSpPr>
+              <p:cNvPr id="9" name="TextBox 8"/>
+              <p:cNvSpPr txBox="1"/>
+              <p:nvPr/>
+            </p:nvSpPr>
+            <p:spPr>
+              <a:xfrm>
+                <a:off x="377282" y="2019111"/>
+                <a:ext cx="4599265" cy="2047933"/>
+              </a:xfrm>
+              <a:prstGeom prst="rect">
+                <a:avLst/>
+              </a:prstGeom>
+              <a:noFill/>
+            </p:spPr>
+            <p:txBody>
+              <a:bodyPr wrap="square" rtlCol="0">
+                <a:spAutoFit/>
+              </a:bodyPr>
+              <a:lstStyle/>
+              <a:p>
+                <a:r>
+                  <a:rPr lang="ru-RU" sz="2800" dirty="0" smtClean="0"/>
+                  <a:t>Точка </a:t>
+                </a:r>
+                <a:r>
+                  <a:rPr lang="en-US" sz="2800" dirty="0" smtClean="0"/>
+                  <a:t>B </a:t>
+                </a:r>
+                <a:r>
+                  <a:rPr lang="ru-RU" sz="2800" dirty="0" smtClean="0"/>
+                  <a:t>считается пиком в случае:</a:t>
+                </a:r>
+                <a:endParaRPr lang="en-US" sz="2800" dirty="0" smtClean="0"/>
+              </a:p>
+              <a:p>
+                <a:pPr marL="342900" indent="-342900">
+                  <a:buFont typeface="+mj-lt"/>
+                  <a:buAutoNum type="arabicPeriod"/>
+                </a:pPr>
+                <a14:m>
+                  <m:oMath xmlns:m="http://schemas.openxmlformats.org/officeDocument/2006/math">
+                    <m:r>
+                      <a:rPr lang="en-US" sz="2800" i="1"/>
+                      <m:t>𝐻</m:t>
+                    </m:r>
+                    <m:r>
+                      <a:rPr lang="en-US" sz="2800" b="0" i="1" smtClean="0">
+                        <a:latin typeface="Cambria Math" panose="02040503050406030204" pitchFamily="18" charset="0"/>
+                      </a:rPr>
+                      <m:t>&gt;</m:t>
+                    </m:r>
+                    <m:r>
+                      <a:rPr lang="en-US" sz="2800" i="1"/>
+                      <m:t> </m:t>
+                    </m:r>
+                    <m:sSub>
+                      <m:sSubPr>
+                        <m:ctrlPr>
+                          <a:rPr lang="en-US" sz="2800" i="1"/>
+                        </m:ctrlPr>
+                      </m:sSubPr>
+                      <m:e>
+                        <m:r>
+                          <a:rPr lang="en-US" sz="2800" i="1"/>
+                          <m:t>𝐻</m:t>
+                        </m:r>
+                      </m:e>
+                      <m:sub>
+                        <m:r>
+                          <a:rPr lang="en-US" sz="2800" i="1"/>
+                          <m:t>𝑚𝑎𝑥</m:t>
+                        </m:r>
+                      </m:sub>
+                    </m:sSub>
+                  </m:oMath>
+                </a14:m>
+                <a:endParaRPr lang="en-US" sz="2800" i="1" dirty="0" smtClean="0"/>
+              </a:p>
+              <a:p>
+                <a:pPr marL="342900" indent="-342900">
+                  <a:buFont typeface="+mj-lt"/>
+                  <a:buAutoNum type="arabicPeriod"/>
+                </a:pPr>
+                <a14:m>
+                  <m:oMath xmlns:m="http://schemas.openxmlformats.org/officeDocument/2006/math">
+                    <m:f>
+                      <m:fPr>
+                        <m:ctrlPr>
+                          <a:rPr lang="en-US" sz="2800" b="0" i="1" smtClean="0">
+                            <a:latin typeface="Cambria Math" panose="02040503050406030204" pitchFamily="18" charset="0"/>
+                          </a:rPr>
+                        </m:ctrlPr>
+                      </m:fPr>
+                      <m:num>
+                        <m:sSub>
+                          <m:sSubPr>
+                            <m:ctrlPr>
+                              <a:rPr lang="en-US" sz="2800" b="0" i="1" smtClean="0">
+                                <a:latin typeface="Cambria Math" panose="02040503050406030204" pitchFamily="18" charset="0"/>
+                              </a:rPr>
+                            </m:ctrlPr>
+                          </m:sSubPr>
+                          <m:e>
+                            <m:r>
+                              <a:rPr lang="en-US" sz="2800" b="0" i="1" smtClean="0">
+                                <a:latin typeface="Cambria Math" panose="02040503050406030204" pitchFamily="18" charset="0"/>
+                              </a:rPr>
+                              <m:t>𝐻</m:t>
+                            </m:r>
+                          </m:e>
+                          <m:sub>
+                            <m:r>
+                              <a:rPr lang="en-US" sz="2800" b="0" i="1" smtClean="0">
+                                <a:latin typeface="Cambria Math" panose="02040503050406030204" pitchFamily="18" charset="0"/>
+                              </a:rPr>
+                              <m:t>1</m:t>
+                            </m:r>
+                          </m:sub>
+                        </m:sSub>
+                      </m:num>
+                      <m:den>
+                        <m:sSub>
+                          <m:sSubPr>
+                            <m:ctrlPr>
+                              <a:rPr lang="en-US" sz="2800" i="1">
+                                <a:latin typeface="Cambria Math" panose="02040503050406030204" pitchFamily="18" charset="0"/>
+                              </a:rPr>
+                            </m:ctrlPr>
+                          </m:sSubPr>
+                          <m:e>
+                            <m:r>
+                              <a:rPr lang="en-US" sz="2800" i="1">
+                                <a:latin typeface="Cambria Math" panose="02040503050406030204" pitchFamily="18" charset="0"/>
+                              </a:rPr>
+                              <m:t>𝐻</m:t>
+                            </m:r>
+                          </m:e>
+                          <m:sub>
+                            <m:r>
+                              <a:rPr lang="ru-RU" sz="2800" b="0" i="1" smtClean="0">
+                                <a:latin typeface="Cambria Math" panose="02040503050406030204" pitchFamily="18" charset="0"/>
+                              </a:rPr>
+                              <m:t>сл</m:t>
+                            </m:r>
+                          </m:sub>
+                        </m:sSub>
+                      </m:den>
+                    </m:f>
+                    <m:r>
+                      <a:rPr lang="en-US" sz="2800" b="0" i="1" smtClean="0">
+                        <a:latin typeface="Cambria Math" panose="02040503050406030204" pitchFamily="18" charset="0"/>
+                      </a:rPr>
+                      <m:t>&gt;</m:t>
+                    </m:r>
+                    <m:r>
+                      <m:rPr>
+                        <m:nor/>
+                      </m:rPr>
+                      <a:rPr lang="en-US" sz="2800" i="1" dirty="0"/>
+                      <m:t>k</m:t>
+                    </m:r>
+                    <m:r>
+                      <m:rPr>
+                        <m:nor/>
+                      </m:rPr>
+                      <a:rPr lang="en-US" sz="2800" i="1" dirty="0"/>
+                      <m:t> </m:t>
+                    </m:r>
+                    <m:nary>
+                      <m:naryPr>
+                        <m:chr m:val="⋀"/>
+                        <m:subHide m:val="on"/>
+                        <m:supHide m:val="on"/>
+                        <m:ctrlPr>
+                          <a:rPr lang="en-US" sz="2800" i="1" dirty="0" smtClean="0">
+                            <a:latin typeface="Cambria Math" panose="02040503050406030204" pitchFamily="18" charset="0"/>
+                          </a:rPr>
+                        </m:ctrlPr>
+                      </m:naryPr>
+                      <m:sub/>
+                      <m:sup/>
+                      <m:e>
+                        <m:r>
+                          <a:rPr lang="en-US" sz="2800" b="0" i="1" dirty="0" smtClean="0">
+                            <a:latin typeface="Cambria Math" panose="02040503050406030204" pitchFamily="18" charset="0"/>
+                          </a:rPr>
+                          <m:t> </m:t>
+                        </m:r>
+                        <m:f>
+                          <m:fPr>
+                            <m:ctrlPr>
+                              <a:rPr lang="en-US" sz="2800" i="1">
+                                <a:latin typeface="Cambria Math" panose="02040503050406030204" pitchFamily="18" charset="0"/>
+                              </a:rPr>
+                            </m:ctrlPr>
+                          </m:fPr>
+                          <m:num>
+                            <m:sSub>
+                              <m:sSubPr>
+                                <m:ctrlPr>
+                                  <a:rPr lang="en-US" sz="2800" i="1">
+                                    <a:latin typeface="Cambria Math" panose="02040503050406030204" pitchFamily="18" charset="0"/>
+                                  </a:rPr>
+                                </m:ctrlPr>
+                              </m:sSubPr>
+                              <m:e>
+                                <m:r>
+                                  <a:rPr lang="en-US" sz="2800" i="1">
+                                    <a:latin typeface="Cambria Math" panose="02040503050406030204" pitchFamily="18" charset="0"/>
+                                  </a:rPr>
+                                  <m:t>𝐻</m:t>
+                                </m:r>
+                              </m:e>
+                              <m:sub>
+                                <m:r>
+                                  <a:rPr lang="ru-RU" sz="2800" b="0" i="1" smtClean="0">
+                                    <a:latin typeface="Cambria Math" panose="02040503050406030204" pitchFamily="18" charset="0"/>
+                                  </a:rPr>
+                                  <m:t>2</m:t>
+                                </m:r>
+                              </m:sub>
+                            </m:sSub>
+                          </m:num>
+                          <m:den>
+                            <m:sSub>
+                              <m:sSubPr>
+                                <m:ctrlPr>
+                                  <a:rPr lang="en-US" sz="2800" i="1">
+                                    <a:latin typeface="Cambria Math" panose="02040503050406030204" pitchFamily="18" charset="0"/>
+                                  </a:rPr>
+                                </m:ctrlPr>
+                              </m:sSubPr>
+                              <m:e>
+                                <m:r>
+                                  <a:rPr lang="en-US" sz="2800" i="1">
+                                    <a:latin typeface="Cambria Math" panose="02040503050406030204" pitchFamily="18" charset="0"/>
+                                  </a:rPr>
+                                  <m:t>𝐻</m:t>
+                                </m:r>
+                              </m:e>
+                              <m:sub>
+                                <m:r>
+                                  <a:rPr lang="ru-RU" sz="2800" b="0" i="1" smtClean="0">
+                                    <a:latin typeface="Cambria Math" panose="02040503050406030204" pitchFamily="18" charset="0"/>
+                                  </a:rPr>
+                                  <m:t>сл</m:t>
+                                </m:r>
+                              </m:sub>
+                            </m:sSub>
+                          </m:den>
+                        </m:f>
+                        <m:r>
+                          <a:rPr lang="en-US" sz="2800" i="1">
+                            <a:latin typeface="Cambria Math" panose="02040503050406030204" pitchFamily="18" charset="0"/>
+                          </a:rPr>
+                          <m:t>&gt;</m:t>
+                        </m:r>
+                        <m:r>
+                          <a:rPr lang="en-US" sz="2800" i="1">
+                            <a:latin typeface="Cambria Math" panose="02040503050406030204" pitchFamily="18" charset="0"/>
+                          </a:rPr>
+                          <m:t>𝑘</m:t>
+                        </m:r>
+                        <m:r>
+                          <m:rPr>
+                            <m:nor/>
+                          </m:rPr>
+                          <a:rPr lang="en-US" sz="2800" i="1" dirty="0"/>
+                          <m:t> </m:t>
+                        </m:r>
+                      </m:e>
+                    </m:nary>
+                  </m:oMath>
+                </a14:m>
+                <a:endParaRPr lang="ru-RU" dirty="0" smtClean="0"/>
+              </a:p>
+            </p:txBody>
+          </p:sp>
+        </mc:Choice>
+        <mc:Fallback>
+          <p:sp>
+            <p:nvSpPr>
+              <p:cNvPr id="9" name="TextBox 8"/>
+              <p:cNvSpPr txBox="1">
+                <a:spLocks noRot="1" noChangeAspect="1" noMove="1" noResize="1" noEditPoints="1" noAdjustHandles="1" noChangeArrowheads="1" noChangeShapeType="1" noTextEdit="1"/>
+              </p:cNvSpPr>
+              <p:nvPr/>
+            </p:nvSpPr>
+            <p:spPr>
+              <a:xfrm>
+                <a:off x="377282" y="2019111"/>
+                <a:ext cx="4599265" cy="2047933"/>
+              </a:xfrm>
+              <a:prstGeom prst="rect">
+                <a:avLst/>
+              </a:prstGeom>
+              <a:blipFill rotWithShape="0">
+                <a:blip r:embed="rId5"/>
+                <a:stretch>
+                  <a:fillRect l="-2785" t="-2976"/>
+                </a:stretch>
+              </a:blipFill>
+            </p:spPr>
+            <p:txBody>
+              <a:bodyPr/>
+              <a:lstStyle/>
+              <a:p>
+                <a:r>
+                  <a:rPr lang="ru-RU">
+                    <a:noFill/>
+                  </a:rPr>
+                  <a:t> </a:t>
+                </a:r>
+              </a:p>
+            </p:txBody>
+          </p:sp>
+        </mc:Fallback>
+      </mc:AlternateContent>
+      <p:cxnSp>
+        <p:nvCxnSpPr>
+          <p:cNvPr id="14" name="Прямая со стрелкой 13"/>
+          <p:cNvCxnSpPr/>
+          <p:nvPr/>
+        </p:nvCxnSpPr>
+        <p:spPr>
+          <a:xfrm flipV="1">
+            <a:off x="4986844" y="3578209"/>
+            <a:ext cx="6533731" cy="1384006"/>
+          </a:xfrm>
+          <a:prstGeom prst="straightConnector1">
+            <a:avLst/>
+          </a:prstGeom>
+          <a:ln w="19050">
+            <a:headEnd type="arrow" w="med" len="med"/>
+            <a:tailEnd type="arrow" w="med" len="med"/>
+          </a:ln>
+        </p:spPr>
+        <p:style>
+          <a:lnRef idx="1">
+            <a:schemeClr val="dk1"/>
+          </a:lnRef>
+          <a:fillRef idx="0">
+            <a:schemeClr val="dk1"/>
+          </a:fillRef>
+          <a:effectRef idx="0">
+            <a:schemeClr val="dk1"/>
+          </a:effectRef>
+          <a:fontRef idx="minor">
+            <a:schemeClr val="tx1"/>
+          </a:fontRef>
+        </p:style>
+      </p:cxnSp>
+      <p:cxnSp>
+        <p:nvCxnSpPr>
+          <p:cNvPr id="16" name="Прямая соединительная линия 15"/>
+          <p:cNvCxnSpPr/>
+          <p:nvPr/>
+        </p:nvCxnSpPr>
+        <p:spPr>
+          <a:xfrm>
+            <a:off x="4966250" y="4847152"/>
+            <a:ext cx="41188" cy="211950"/>
+          </a:xfrm>
+          <a:prstGeom prst="line">
+            <a:avLst/>
+          </a:prstGeom>
+          <a:ln w="19050">
+            <a:solidFill>
+              <a:schemeClr val="tx1"/>
+            </a:solidFill>
+          </a:ln>
+        </p:spPr>
+        <p:style>
+          <a:lnRef idx="1">
+            <a:schemeClr val="dk1"/>
+          </a:lnRef>
+          <a:fillRef idx="0">
+            <a:schemeClr val="dk1"/>
+          </a:fillRef>
+          <a:effectRef idx="0">
+            <a:schemeClr val="dk1"/>
+          </a:effectRef>
+          <a:fontRef idx="minor">
+            <a:schemeClr val="tx1"/>
+          </a:fontRef>
+        </p:style>
+      </p:cxnSp>
+      <p:cxnSp>
+        <p:nvCxnSpPr>
+          <p:cNvPr id="20" name="Прямая соединительная линия 19"/>
+          <p:cNvCxnSpPr/>
+          <p:nvPr/>
+        </p:nvCxnSpPr>
+        <p:spPr>
+          <a:xfrm>
+            <a:off x="11499981" y="3449860"/>
+            <a:ext cx="41188" cy="211950"/>
+          </a:xfrm>
+          <a:prstGeom prst="line">
+            <a:avLst/>
+          </a:prstGeom>
+          <a:ln w="19050">
+            <a:solidFill>
+              <a:schemeClr val="tx1"/>
+            </a:solidFill>
+          </a:ln>
+        </p:spPr>
+        <p:style>
+          <a:lnRef idx="1">
+            <a:schemeClr val="dk1"/>
+          </a:lnRef>
+          <a:fillRef idx="0">
+            <a:schemeClr val="dk1"/>
+          </a:fillRef>
+          <a:effectRef idx="0">
+            <a:schemeClr val="dk1"/>
+          </a:effectRef>
+          <a:fontRef idx="minor">
+            <a:schemeClr val="tx1"/>
+          </a:fontRef>
+        </p:style>
+      </p:cxnSp>
+      <mc:AlternateContent xmlns:mc="http://schemas.openxmlformats.org/markup-compatibility/2006">
+        <mc:Choice xmlns:a14="http://schemas.microsoft.com/office/drawing/2010/main" Requires="a14">
+          <p:sp>
+            <p:nvSpPr>
+              <p:cNvPr id="25" name="TextBox 24"/>
+              <p:cNvSpPr txBox="1"/>
+              <p:nvPr/>
+            </p:nvSpPr>
+            <p:spPr>
+              <a:xfrm>
+                <a:off x="7991594" y="4292251"/>
+                <a:ext cx="757881" cy="400110"/>
+              </a:xfrm>
+              <a:prstGeom prst="rect">
+                <a:avLst/>
+              </a:prstGeom>
+              <a:noFill/>
+            </p:spPr>
+            <p:txBody>
+              <a:bodyPr wrap="square" rtlCol="0">
+                <a:spAutoFit/>
+              </a:bodyPr>
+              <a:lstStyle/>
+              <a:p>
+                <a14:m>
+                  <m:oMathPara xmlns:m="http://schemas.openxmlformats.org/officeDocument/2006/math">
+                    <m:oMathParaPr>
+                      <m:jc m:val="centerGroup"/>
+                    </m:oMathParaPr>
+                    <m:oMath xmlns:m="http://schemas.openxmlformats.org/officeDocument/2006/math">
+                      <m:sSub>
+                        <m:sSubPr>
+                          <m:ctrlPr>
+                            <a:rPr lang="en-US" sz="2000" b="0" i="1" smtClean="0">
+                              <a:latin typeface="Cambria Math" panose="02040503050406030204" pitchFamily="18" charset="0"/>
+                            </a:rPr>
+                          </m:ctrlPr>
+                        </m:sSubPr>
+                        <m:e>
+                          <m:r>
+                            <a:rPr lang="en-US" sz="2000" b="0" i="1" smtClean="0">
+                              <a:latin typeface="Cambria Math" panose="02040503050406030204" pitchFamily="18" charset="0"/>
+                            </a:rPr>
+                            <m:t>𝐻</m:t>
+                          </m:r>
+                        </m:e>
+                        <m:sub>
+                          <m:r>
+                            <a:rPr lang="en-US" sz="2000" b="0" i="1" smtClean="0">
+                              <a:latin typeface="Cambria Math" panose="02040503050406030204" pitchFamily="18" charset="0"/>
+                            </a:rPr>
+                            <m:t>2</m:t>
+                          </m:r>
+                        </m:sub>
+                      </m:sSub>
+                    </m:oMath>
+                  </m:oMathPara>
+                </a14:m>
+                <a:endParaRPr lang="ru-RU" sz="2000" dirty="0"/>
+              </a:p>
+            </p:txBody>
+          </p:sp>
+        </mc:Choice>
+        <mc:Fallback>
+          <p:sp>
+            <p:nvSpPr>
+              <p:cNvPr id="25" name="TextBox 24"/>
+              <p:cNvSpPr txBox="1">
+                <a:spLocks noRot="1" noChangeAspect="1" noMove="1" noResize="1" noEditPoints="1" noAdjustHandles="1" noChangeArrowheads="1" noChangeShapeType="1" noTextEdit="1"/>
+              </p:cNvSpPr>
+              <p:nvPr/>
+            </p:nvSpPr>
+            <p:spPr>
+              <a:xfrm>
+                <a:off x="7991594" y="4292251"/>
+                <a:ext cx="757881" cy="400110"/>
+              </a:xfrm>
+              <a:prstGeom prst="rect">
+                <a:avLst/>
+              </a:prstGeom>
+              <a:blipFill rotWithShape="0">
+                <a:blip r:embed="rId6"/>
+                <a:stretch>
+                  <a:fillRect b="-1515"/>
+                </a:stretch>
+              </a:blipFill>
+            </p:spPr>
+            <p:txBody>
+              <a:bodyPr/>
+              <a:lstStyle/>
+              <a:p>
+                <a:r>
+                  <a:rPr lang="ru-RU">
+                    <a:noFill/>
+                  </a:rPr>
+                  <a:t> </a:t>
+                </a:r>
+              </a:p>
+            </p:txBody>
+          </p:sp>
+        </mc:Fallback>
+      </mc:AlternateContent>
     </p:spTree>
     <p:extLst>
       <p:ext uri="{BB962C8B-B14F-4D97-AF65-F5344CB8AC3E}">
-        <p14:creationId xmlns:p14="http://schemas.microsoft.com/office/powerpoint/2010/main" val="2987874496"/>
+        <p14:creationId xmlns:p14="http://schemas.microsoft.com/office/powerpoint/2010/main" val="3716484257"/>
       </p:ext>
     </p:extLst>
   </p:cSld>
@@ -8530,6 +9839,150 @@
           <a:p>
             <a:r>
               <a:rPr lang="ru-RU" dirty="0" smtClean="0"/>
+              <a:t>Определение мест остановок объекта и удаление избыточных координат</a:t>
+            </a:r>
+            <a:endParaRPr lang="ru-RU" dirty="0"/>
+          </a:p>
+        </p:txBody>
+      </p:sp>
+      <p:sp>
+        <p:nvSpPr>
+          <p:cNvPr id="3" name="Объект 2"/>
+          <p:cNvSpPr>
+            <a:spLocks noGrp="1"/>
+          </p:cNvSpPr>
+          <p:nvPr>
+            <p:ph idx="1"/>
+          </p:nvPr>
+        </p:nvSpPr>
+        <p:spPr/>
+        <p:txBody>
+          <a:bodyPr/>
+          <a:lstStyle/>
+          <a:p>
+            <a:pPr marL="0" indent="0">
+              <a:buNone/>
+            </a:pPr>
+            <a:r>
+              <a:rPr lang="ru-RU" dirty="0" smtClean="0"/>
+              <a:t>Для поиска остановок предлагается следующий способ:</a:t>
+            </a:r>
+          </a:p>
+          <a:p>
+            <a:pPr marL="514350" indent="-514350">
+              <a:buFont typeface="+mj-lt"/>
+              <a:buAutoNum type="arabicPeriod"/>
+            </a:pPr>
+            <a:r>
+              <a:rPr lang="ru-RU" dirty="0" smtClean="0"/>
+              <a:t>Маршрут разбивается на группы точек по задаваемому интервалу времени.</a:t>
+            </a:r>
+          </a:p>
+          <a:p>
+            <a:pPr marL="514350" indent="-514350">
+              <a:buFont typeface="+mj-lt"/>
+              <a:buAutoNum type="arabicPeriod"/>
+            </a:pPr>
+            <a:r>
+              <a:rPr lang="ru-RU" dirty="0" smtClean="0"/>
+              <a:t>Если в группе среднее отклонение координат от средней координаты ниже задаваемого порогового значения, группа точек считается остановкой и заменяется средним значением.</a:t>
+            </a:r>
+          </a:p>
+          <a:p>
+            <a:pPr marL="514350" indent="-514350">
+              <a:buFont typeface="+mj-lt"/>
+              <a:buAutoNum type="arabicPeriod"/>
+            </a:pPr>
+            <a:r>
+              <a:rPr lang="ru-RU" dirty="0" smtClean="0"/>
+              <a:t>Идущие подряд группы точек, признанные остановкой, объединяются и заменяются одной точкой.</a:t>
+            </a:r>
+          </a:p>
+          <a:p>
+            <a:pPr marL="0" indent="0">
+              <a:buNone/>
+            </a:pPr>
+            <a:endParaRPr lang="ru-RU" dirty="0"/>
+          </a:p>
+        </p:txBody>
+      </p:sp>
+      <p:sp>
+        <p:nvSpPr>
+          <p:cNvPr id="4" name="Номер слайда 3"/>
+          <p:cNvSpPr>
+            <a:spLocks noGrp="1"/>
+          </p:cNvSpPr>
+          <p:nvPr>
+            <p:ph type="sldNum" sz="quarter" idx="12"/>
+          </p:nvPr>
+        </p:nvSpPr>
+        <p:spPr/>
+        <p:txBody>
+          <a:bodyPr/>
+          <a:lstStyle/>
+          <a:p>
+            <a:fld id="{3BCC8605-603C-4CBC-9D12-BEB80FA30360}" type="slidenum">
+              <a:rPr lang="ru-RU" smtClean="0"/>
+              <a:t>7</a:t>
+            </a:fld>
+            <a:endParaRPr lang="ru-RU"/>
+          </a:p>
+        </p:txBody>
+      </p:sp>
+    </p:spTree>
+    <p:extLst>
+      <p:ext uri="{BB962C8B-B14F-4D97-AF65-F5344CB8AC3E}">
+        <p14:creationId xmlns:p14="http://schemas.microsoft.com/office/powerpoint/2010/main" val="2987874496"/>
+      </p:ext>
+    </p:extLst>
+  </p:cSld>
+  <p:clrMapOvr>
+    <a:masterClrMapping/>
+  </p:clrMapOvr>
+  <p:timing>
+    <p:tnLst>
+      <p:par>
+        <p:cTn id="1" dur="indefinite" restart="never" nodeType="tmRoot"/>
+      </p:par>
+    </p:tnLst>
+  </p:timing>
+</p:sld>
+</file>
+
+<file path=ppt/slides/slide8.xml><?xml version="1.0" encoding="utf-8"?>
+<p:sld xmlns:a="http://schemas.openxmlformats.org/drawingml/2006/main" xmlns:r="http://schemas.openxmlformats.org/officeDocument/2006/relationships" xmlns:p="http://schemas.openxmlformats.org/presentationml/2006/main">
+  <p:cSld>
+    <p:spTree>
+      <p:nvGrpSpPr>
+        <p:cNvPr id="1" name=""/>
+        <p:cNvGrpSpPr/>
+        <p:nvPr/>
+      </p:nvGrpSpPr>
+      <p:grpSpPr>
+        <a:xfrm>
+          <a:off x="0" y="0"/>
+          <a:ext cx="0" cy="0"/>
+          <a:chOff x="0" y="0"/>
+          <a:chExt cx="0" cy="0"/>
+        </a:xfrm>
+      </p:grpSpPr>
+      <p:sp>
+        <p:nvSpPr>
+          <p:cNvPr id="2" name="Заголовок 1"/>
+          <p:cNvSpPr>
+            <a:spLocks noGrp="1"/>
+          </p:cNvSpPr>
+          <p:nvPr>
+            <p:ph type="title"/>
+          </p:nvPr>
+        </p:nvSpPr>
+        <p:spPr/>
+        <p:txBody>
+          <a:bodyPr/>
+          <a:lstStyle/>
+          <a:p>
+            <a:r>
+              <a:rPr lang="ru-RU" dirty="0" smtClean="0"/>
               <a:t>Обзор алгоритмов сглаживания</a:t>
             </a:r>
             <a:endParaRPr lang="ru-RU" dirty="0"/>
@@ -8546,14 +9999,14 @@
             <p:ph idx="1"/>
             <p:extLst>
               <p:ext uri="{D42A27DB-BD31-4B8C-83A1-F6EECF244321}">
-                <p14:modId xmlns:p14="http://schemas.microsoft.com/office/powerpoint/2010/main" val="3690363992"/>
+                <p14:modId xmlns:p14="http://schemas.microsoft.com/office/powerpoint/2010/main" val="454227798"/>
               </p:ext>
             </p:extLst>
           </p:nvPr>
         </p:nvGraphicFramePr>
         <p:xfrm>
           <a:off x="838200" y="1825625"/>
-          <a:ext cx="10515600" cy="2773680"/>
+          <a:ext cx="10515600" cy="3556154"/>
         </p:xfrm>
         <a:graphic>
           <a:graphicData uri="http://schemas.openxmlformats.org/drawingml/2006/table">
@@ -8628,7 +10081,18 @@
                       <a:pPr algn="ctr"/>
                       <a:r>
                         <a:rPr lang="ru-RU" sz="2000" dirty="0" smtClean="0"/>
-                        <a:t>Учет особенностей процесса</a:t>
+                        <a:t>Учет </a:t>
+                      </a:r>
+                      <a:r>
+                        <a:rPr lang="ru-RU" sz="2000" dirty="0" smtClean="0"/>
+                        <a:t>модели</a:t>
+                      </a:r>
+                    </a:p>
+                    <a:p>
+                      <a:pPr algn="ctr"/>
+                      <a:r>
+                        <a:rPr lang="ru-RU" sz="2000" dirty="0" smtClean="0"/>
+                        <a:t>движения</a:t>
                       </a:r>
                       <a:endParaRPr lang="ru-RU" sz="2000" dirty="0"/>
                     </a:p>
@@ -8777,7 +10241,7 @@
                   </a:tcPr>
                 </a:tc>
               </a:tr>
-              <a:tr h="370840">
+              <a:tr h="751994">
                 <a:tc>
                   <a:txBody>
                     <a:bodyPr/>
@@ -8786,265 +10250,15 @@
                       <a:pPr algn="ctr"/>
                       <a:r>
                         <a:rPr lang="ru-RU" sz="2000" dirty="0" smtClean="0"/>
-                        <a:t>Фильтр </a:t>
+                        <a:t>Медианный </a:t>
                       </a:r>
-                      <a:r>
-                        <a:rPr lang="ru-RU" sz="2000" dirty="0" err="1" smtClean="0"/>
-                        <a:t>Калмана</a:t>
-                      </a:r>
-                      <a:endParaRPr lang="ru-RU" sz="2000" dirty="0"/>
+                      <a:endParaRPr lang="ru-RU" sz="2000" dirty="0" smtClean="0"/>
                     </a:p>
-                  </a:txBody>
-                  <a:tcPr>
-                    <a:lnL w="12700" cap="flat" cmpd="sng" algn="ctr">
-                      <a:solidFill>
-                        <a:schemeClr val="tx1"/>
-                      </a:solidFill>
-                      <a:prstDash val="solid"/>
-                      <a:round/>
-                      <a:headEnd type="none" w="med" len="med"/>
-                      <a:tailEnd type="none" w="med" len="med"/>
-                    </a:lnL>
-                    <a:lnR w="12700" cap="flat" cmpd="sng" algn="ctr">
-                      <a:solidFill>
-                        <a:schemeClr val="tx1"/>
-                      </a:solidFill>
-                      <a:prstDash val="solid"/>
-                      <a:round/>
-                      <a:headEnd type="none" w="med" len="med"/>
-                      <a:tailEnd type="none" w="med" len="med"/>
-                    </a:lnR>
-                    <a:lnT w="12700" cap="flat" cmpd="sng" algn="ctr">
-                      <a:solidFill>
-                        <a:schemeClr val="tx1"/>
-                      </a:solidFill>
-                      <a:prstDash val="solid"/>
-                      <a:round/>
-                      <a:headEnd type="none" w="med" len="med"/>
-                      <a:tailEnd type="none" w="med" len="med"/>
-                    </a:lnT>
-                    <a:lnB w="12700" cap="flat" cmpd="sng" algn="ctr">
-                      <a:solidFill>
-                        <a:schemeClr val="tx1"/>
-                      </a:solidFill>
-                      <a:prstDash val="solid"/>
-                      <a:round/>
-                      <a:headEnd type="none" w="med" len="med"/>
-                      <a:tailEnd type="none" w="med" len="med"/>
-                    </a:lnB>
-                    <a:lnTlToBr w="12700" cmpd="sng">
-                      <a:noFill/>
-                      <a:prstDash val="solid"/>
-                    </a:lnTlToBr>
-                    <a:lnBlToTr w="12700" cmpd="sng">
-                      <a:noFill/>
-                      <a:prstDash val="solid"/>
-                    </a:lnBlToTr>
-                    <a:solidFill>
-                      <a:srgbClr val="7EFB55"/>
-                    </a:solidFill>
-                  </a:tcPr>
-                </a:tc>
-                <a:tc>
-                  <a:txBody>
-                    <a:bodyPr/>
-                    <a:lstStyle/>
-                    <a:p>
-                      <a:pPr algn="ctr"/>
-                      <a:r>
-                        <a:rPr lang="ru-RU" sz="2400" dirty="0" smtClean="0"/>
-                        <a:t>+</a:t>
-                      </a:r>
-                      <a:endParaRPr lang="ru-RU" sz="2400" b="1" dirty="0"/>
-                    </a:p>
-                  </a:txBody>
-                  <a:tcPr>
-                    <a:lnL w="12700" cap="flat" cmpd="sng" algn="ctr">
-                      <a:solidFill>
-                        <a:schemeClr val="tx1"/>
-                      </a:solidFill>
-                      <a:prstDash val="solid"/>
-                      <a:round/>
-                      <a:headEnd type="none" w="med" len="med"/>
-                      <a:tailEnd type="none" w="med" len="med"/>
-                    </a:lnL>
-                    <a:lnR w="12700" cap="flat" cmpd="sng" algn="ctr">
-                      <a:solidFill>
-                        <a:schemeClr val="tx1"/>
-                      </a:solidFill>
-                      <a:prstDash val="solid"/>
-                      <a:round/>
-                      <a:headEnd type="none" w="med" len="med"/>
-                      <a:tailEnd type="none" w="med" len="med"/>
-                    </a:lnR>
-                    <a:lnT w="12700" cap="flat" cmpd="sng" algn="ctr">
-                      <a:solidFill>
-                        <a:schemeClr val="tx1"/>
-                      </a:solidFill>
-                      <a:prstDash val="solid"/>
-                      <a:round/>
-                      <a:headEnd type="none" w="med" len="med"/>
-                      <a:tailEnd type="none" w="med" len="med"/>
-                    </a:lnT>
-                    <a:lnB w="12700" cap="flat" cmpd="sng" algn="ctr">
-                      <a:solidFill>
-                        <a:schemeClr val="tx1"/>
-                      </a:solidFill>
-                      <a:prstDash val="solid"/>
-                      <a:round/>
-                      <a:headEnd type="none" w="med" len="med"/>
-                      <a:tailEnd type="none" w="med" len="med"/>
-                    </a:lnB>
-                    <a:lnTlToBr w="12700" cmpd="sng">
-                      <a:noFill/>
-                      <a:prstDash val="solid"/>
-                    </a:lnTlToBr>
-                    <a:lnBlToTr w="12700" cmpd="sng">
-                      <a:noFill/>
-                      <a:prstDash val="solid"/>
-                    </a:lnBlToTr>
-                    <a:solidFill>
-                      <a:srgbClr val="7EFB55"/>
-                    </a:solidFill>
-                  </a:tcPr>
-                </a:tc>
-                <a:tc>
-                  <a:txBody>
-                    <a:bodyPr/>
-                    <a:lstStyle/>
-                    <a:p>
-                      <a:pPr algn="ctr"/>
-                      <a:r>
-                        <a:rPr lang="ru-RU" sz="2400" dirty="0" smtClean="0"/>
-                        <a:t>+</a:t>
-                      </a:r>
-                      <a:endParaRPr lang="ru-RU" sz="2400" b="1" dirty="0"/>
-                    </a:p>
-                  </a:txBody>
-                  <a:tcPr>
-                    <a:lnL w="12700" cap="flat" cmpd="sng" algn="ctr">
-                      <a:solidFill>
-                        <a:schemeClr val="tx1"/>
-                      </a:solidFill>
-                      <a:prstDash val="solid"/>
-                      <a:round/>
-                      <a:headEnd type="none" w="med" len="med"/>
-                      <a:tailEnd type="none" w="med" len="med"/>
-                    </a:lnL>
-                    <a:lnR w="12700" cap="flat" cmpd="sng" algn="ctr">
-                      <a:solidFill>
-                        <a:schemeClr val="tx1"/>
-                      </a:solidFill>
-                      <a:prstDash val="solid"/>
-                      <a:round/>
-                      <a:headEnd type="none" w="med" len="med"/>
-                      <a:tailEnd type="none" w="med" len="med"/>
-                    </a:lnR>
-                    <a:lnT w="12700" cap="flat" cmpd="sng" algn="ctr">
-                      <a:solidFill>
-                        <a:schemeClr val="tx1"/>
-                      </a:solidFill>
-                      <a:prstDash val="solid"/>
-                      <a:round/>
-                      <a:headEnd type="none" w="med" len="med"/>
-                      <a:tailEnd type="none" w="med" len="med"/>
-                    </a:lnT>
-                    <a:lnB w="12700" cap="flat" cmpd="sng" algn="ctr">
-                      <a:solidFill>
-                        <a:schemeClr val="tx1"/>
-                      </a:solidFill>
-                      <a:prstDash val="solid"/>
-                      <a:round/>
-                      <a:headEnd type="none" w="med" len="med"/>
-                      <a:tailEnd type="none" w="med" len="med"/>
-                    </a:lnB>
-                    <a:lnTlToBr w="12700" cmpd="sng">
-                      <a:noFill/>
-                      <a:prstDash val="solid"/>
-                    </a:lnTlToBr>
-                    <a:lnBlToTr w="12700" cmpd="sng">
-                      <a:noFill/>
-                      <a:prstDash val="solid"/>
-                    </a:lnBlToTr>
-                    <a:solidFill>
-                      <a:srgbClr val="7EFB55"/>
-                    </a:solidFill>
-                  </a:tcPr>
-                </a:tc>
-                <a:tc>
-                  <a:txBody>
-                    <a:bodyPr/>
-                    <a:lstStyle/>
-                    <a:p>
-                      <a:pPr algn="ctr"/>
-                      <a:r>
-                        <a:rPr lang="ru-RU" sz="2400" dirty="0" smtClean="0"/>
-                        <a:t>+</a:t>
-                      </a:r>
-                      <a:endParaRPr lang="ru-RU" sz="2400" b="1" dirty="0"/>
-                    </a:p>
-                  </a:txBody>
-                  <a:tcPr>
-                    <a:lnL w="12700" cap="flat" cmpd="sng" algn="ctr">
-                      <a:solidFill>
-                        <a:schemeClr val="tx1"/>
-                      </a:solidFill>
-                      <a:prstDash val="solid"/>
-                      <a:round/>
-                      <a:headEnd type="none" w="med" len="med"/>
-                      <a:tailEnd type="none" w="med" len="med"/>
-                    </a:lnL>
-                    <a:lnR w="12700" cap="flat" cmpd="sng" algn="ctr">
-                      <a:solidFill>
-                        <a:schemeClr val="tx1"/>
-                      </a:solidFill>
-                      <a:prstDash val="solid"/>
-                      <a:round/>
-                      <a:headEnd type="none" w="med" len="med"/>
-                      <a:tailEnd type="none" w="med" len="med"/>
-                    </a:lnR>
-                    <a:lnT w="12700" cap="flat" cmpd="sng" algn="ctr">
-                      <a:solidFill>
-                        <a:schemeClr val="tx1"/>
-                      </a:solidFill>
-                      <a:prstDash val="solid"/>
-                      <a:round/>
-                      <a:headEnd type="none" w="med" len="med"/>
-                      <a:tailEnd type="none" w="med" len="med"/>
-                    </a:lnT>
-                    <a:lnB w="12700" cap="flat" cmpd="sng" algn="ctr">
-                      <a:solidFill>
-                        <a:schemeClr val="tx1"/>
-                      </a:solidFill>
-                      <a:prstDash val="solid"/>
-                      <a:round/>
-                      <a:headEnd type="none" w="med" len="med"/>
-                      <a:tailEnd type="none" w="med" len="med"/>
-                    </a:lnB>
-                    <a:lnTlToBr w="12700" cmpd="sng">
-                      <a:noFill/>
-                      <a:prstDash val="solid"/>
-                    </a:lnTlToBr>
-                    <a:lnBlToTr w="12700" cmpd="sng">
-                      <a:noFill/>
-                      <a:prstDash val="solid"/>
-                    </a:lnBlToTr>
-                    <a:solidFill>
-                      <a:srgbClr val="7EFB55"/>
-                    </a:solidFill>
-                  </a:tcPr>
-                </a:tc>
-              </a:tr>
-              <a:tr h="370840">
-                <a:tc>
-                  <a:txBody>
-                    <a:bodyPr/>
-                    <a:lstStyle/>
                     <a:p>
                       <a:pPr algn="ctr"/>
                       <a:r>
                         <a:rPr lang="ru-RU" sz="2000" dirty="0" smtClean="0"/>
-                        <a:t>Медианный фильтр</a:t>
+                        <a:t>фильтр</a:t>
                       </a:r>
                       <a:endParaRPr lang="ru-RU" sz="2000" dirty="0"/>
                     </a:p>
@@ -9106,7 +10320,7 @@
                     <a:p>
                       <a:pPr algn="ctr"/>
                       <a:r>
-                        <a:rPr lang="ru-RU" sz="2400" dirty="0" smtClean="0"/>
+                        <a:rPr lang="ru-RU" sz="2400" b="1" dirty="0" smtClean="0"/>
                         <a:t>-</a:t>
                       </a:r>
                       <a:endParaRPr lang="ru-RU" sz="2400" b="1" dirty="0"/>
@@ -9169,7 +10383,7 @@
                     <a:p>
                       <a:pPr algn="ctr"/>
                       <a:r>
-                        <a:rPr lang="ru-RU" sz="2400" dirty="0" smtClean="0"/>
+                        <a:rPr lang="ru-RU" sz="2400" b="1" dirty="0" smtClean="0"/>
                         <a:t>-</a:t>
                       </a:r>
                       <a:endParaRPr lang="ru-RU" sz="2400" b="1" dirty="0"/>
@@ -9232,7 +10446,7 @@
                     <a:p>
                       <a:pPr algn="ctr"/>
                       <a:r>
-                        <a:rPr lang="ru-RU" sz="2400" dirty="0" smtClean="0"/>
+                        <a:rPr lang="ru-RU" sz="2400" b="1" dirty="0" smtClean="0"/>
                         <a:t>-</a:t>
                       </a:r>
                       <a:endParaRPr lang="ru-RU" sz="2400" b="1" dirty="0"/>
@@ -9360,7 +10574,7 @@
                     <a:p>
                       <a:pPr algn="ctr"/>
                       <a:r>
-                        <a:rPr lang="ru-RU" sz="2400" dirty="0" smtClean="0"/>
+                        <a:rPr lang="ru-RU" sz="2400" b="1" dirty="0" smtClean="0"/>
                         <a:t>-</a:t>
                       </a:r>
                       <a:endParaRPr lang="ru-RU" sz="2400" b="1" dirty="0"/>
@@ -9423,7 +10637,7 @@
                     <a:p>
                       <a:pPr algn="ctr"/>
                       <a:r>
-                        <a:rPr lang="ru-RU" sz="2400" dirty="0" smtClean="0"/>
+                        <a:rPr lang="ru-RU" sz="2400" b="1" dirty="0" smtClean="0"/>
                         <a:t>-</a:t>
                       </a:r>
                       <a:endParaRPr lang="ru-RU" sz="2400" b="1" dirty="0"/>
@@ -9486,7 +10700,7 @@
                     <a:p>
                       <a:pPr algn="ctr"/>
                       <a:r>
-                        <a:rPr lang="ru-RU" sz="2400" dirty="0" smtClean="0"/>
+                        <a:rPr lang="ru-RU" sz="2400" b="1" dirty="0" smtClean="0"/>
                         <a:t>+</a:t>
                       </a:r>
                       <a:endParaRPr lang="ru-RU" sz="2400" b="1" dirty="0"/>
@@ -9552,7 +10766,18 @@
                       <a:pPr algn="ctr"/>
                       <a:r>
                         <a:rPr lang="ru-RU" sz="2000" dirty="0" smtClean="0"/>
-                        <a:t>Ядерное сглаживание</a:t>
+                        <a:t>Ядерное</a:t>
+                      </a:r>
+                    </a:p>
+                    <a:p>
+                      <a:pPr algn="ctr"/>
+                      <a:r>
+                        <a:rPr lang="ru-RU" sz="2000" dirty="0" smtClean="0"/>
+                        <a:t> </a:t>
+                      </a:r>
+                      <a:r>
+                        <a:rPr lang="ru-RU" sz="2000" dirty="0" smtClean="0"/>
+                        <a:t>сглаживание</a:t>
                       </a:r>
                       <a:endParaRPr lang="ru-RU" sz="2000" dirty="0"/>
                     </a:p>
@@ -9614,7 +10839,7 @@
                     <a:p>
                       <a:pPr algn="ctr"/>
                       <a:r>
-                        <a:rPr lang="ru-RU" sz="2400" dirty="0" smtClean="0"/>
+                        <a:rPr lang="ru-RU" sz="2400" b="1" dirty="0" smtClean="0"/>
                         <a:t>-</a:t>
                       </a:r>
                       <a:endParaRPr lang="ru-RU" sz="2400" b="1" dirty="0"/>
@@ -9677,7 +10902,7 @@
                     <a:p>
                       <a:pPr algn="ctr"/>
                       <a:r>
-                        <a:rPr lang="ru-RU" sz="2400" dirty="0" smtClean="0"/>
+                        <a:rPr lang="ru-RU" sz="2400" b="1" dirty="0" smtClean="0"/>
                         <a:t>-</a:t>
                       </a:r>
                       <a:endParaRPr lang="ru-RU" sz="2400" b="1" dirty="0"/>
@@ -9740,7 +10965,7 @@
                     <a:p>
                       <a:pPr algn="ctr"/>
                       <a:r>
-                        <a:rPr lang="ru-RU" sz="2400" dirty="0" smtClean="0"/>
+                        <a:rPr lang="ru-RU" sz="2400" b="1" dirty="0" smtClean="0"/>
                         <a:t>+</a:t>
                       </a:r>
                       <a:endParaRPr lang="ru-RU" sz="2400" b="1" dirty="0"/>
@@ -9797,6 +11022,268 @@
                   </a:tcPr>
                 </a:tc>
               </a:tr>
+              <a:tr h="370840">
+                <a:tc>
+                  <a:txBody>
+                    <a:bodyPr/>
+                    <a:lstStyle/>
+                    <a:p>
+                      <a:pPr algn="ctr"/>
+                      <a:r>
+                        <a:rPr lang="ru-RU" sz="2000" dirty="0" smtClean="0"/>
+                        <a:t>Фильтр </a:t>
+                      </a:r>
+                      <a:endParaRPr lang="ru-RU" sz="2000" dirty="0" smtClean="0"/>
+                    </a:p>
+                    <a:p>
+                      <a:pPr algn="ctr"/>
+                      <a:r>
+                        <a:rPr lang="ru-RU" sz="2000" dirty="0" err="1" smtClean="0"/>
+                        <a:t>Калмана</a:t>
+                      </a:r>
+                      <a:endParaRPr lang="ru-RU" sz="2000" dirty="0"/>
+                    </a:p>
+                  </a:txBody>
+                  <a:tcPr>
+                    <a:lnL w="12700" cap="flat" cmpd="sng" algn="ctr">
+                      <a:solidFill>
+                        <a:schemeClr val="tx1"/>
+                      </a:solidFill>
+                      <a:prstDash val="solid"/>
+                      <a:round/>
+                      <a:headEnd type="none" w="med" len="med"/>
+                      <a:tailEnd type="none" w="med" len="med"/>
+                    </a:lnL>
+                    <a:lnR w="12700" cap="flat" cmpd="sng" algn="ctr">
+                      <a:solidFill>
+                        <a:schemeClr val="tx1"/>
+                      </a:solidFill>
+                      <a:prstDash val="solid"/>
+                      <a:round/>
+                      <a:headEnd type="none" w="med" len="med"/>
+                      <a:tailEnd type="none" w="med" len="med"/>
+                    </a:lnR>
+                    <a:lnT w="12700" cap="flat" cmpd="sng" algn="ctr">
+                      <a:solidFill>
+                        <a:schemeClr val="tx1"/>
+                      </a:solidFill>
+                      <a:prstDash val="solid"/>
+                      <a:round/>
+                      <a:headEnd type="none" w="med" len="med"/>
+                      <a:tailEnd type="none" w="med" len="med"/>
+                    </a:lnT>
+                    <a:lnB w="12700" cap="flat" cmpd="sng" algn="ctr">
+                      <a:solidFill>
+                        <a:schemeClr val="tx1"/>
+                      </a:solidFill>
+                      <a:prstDash val="solid"/>
+                      <a:round/>
+                      <a:headEnd type="none" w="med" len="med"/>
+                      <a:tailEnd type="none" w="med" len="med"/>
+                    </a:lnB>
+                    <a:lnTlToBr w="12700" cmpd="sng">
+                      <a:noFill/>
+                      <a:prstDash val="solid"/>
+                    </a:lnTlToBr>
+                    <a:lnBlToTr w="12700" cmpd="sng">
+                      <a:noFill/>
+                      <a:prstDash val="solid"/>
+                    </a:lnBlToTr>
+                    <a:solidFill>
+                      <a:srgbClr val="7EFB55"/>
+                    </a:solidFill>
+                  </a:tcPr>
+                </a:tc>
+                <a:tc>
+                  <a:txBody>
+                    <a:bodyPr/>
+                    <a:lstStyle/>
+                    <a:p>
+                      <a:pPr algn="ctr"/>
+                      <a:r>
+                        <a:rPr lang="ru-RU" sz="2400" b="1" dirty="0" smtClean="0"/>
+                        <a:t>+</a:t>
+                      </a:r>
+                      <a:endParaRPr lang="ru-RU" sz="2400" b="1" dirty="0"/>
+                    </a:p>
+                  </a:txBody>
+                  <a:tcPr>
+                    <a:lnL w="12700" cap="flat" cmpd="sng" algn="ctr">
+                      <a:solidFill>
+                        <a:schemeClr val="tx1"/>
+                      </a:solidFill>
+                      <a:prstDash val="solid"/>
+                      <a:round/>
+                      <a:headEnd type="none" w="med" len="med"/>
+                      <a:tailEnd type="none" w="med" len="med"/>
+                    </a:lnL>
+                    <a:lnR w="12700" cap="flat" cmpd="sng" algn="ctr">
+                      <a:solidFill>
+                        <a:schemeClr val="tx1"/>
+                      </a:solidFill>
+                      <a:prstDash val="solid"/>
+                      <a:round/>
+                      <a:headEnd type="none" w="med" len="med"/>
+                      <a:tailEnd type="none" w="med" len="med"/>
+                    </a:lnR>
+                    <a:lnT w="12700" cap="flat" cmpd="sng" algn="ctr">
+                      <a:solidFill>
+                        <a:schemeClr val="tx1"/>
+                      </a:solidFill>
+                      <a:prstDash val="solid"/>
+                      <a:round/>
+                      <a:headEnd type="none" w="med" len="med"/>
+                      <a:tailEnd type="none" w="med" len="med"/>
+                    </a:lnT>
+                    <a:lnB w="12700" cap="flat" cmpd="sng" algn="ctr">
+                      <a:solidFill>
+                        <a:schemeClr val="tx1"/>
+                      </a:solidFill>
+                      <a:prstDash val="solid"/>
+                      <a:round/>
+                      <a:headEnd type="none" w="med" len="med"/>
+                      <a:tailEnd type="none" w="med" len="med"/>
+                    </a:lnB>
+                    <a:lnTlToBr w="12700" cmpd="sng">
+                      <a:noFill/>
+                      <a:prstDash val="solid"/>
+                    </a:lnTlToBr>
+                    <a:lnBlToTr w="12700" cmpd="sng">
+                      <a:noFill/>
+                      <a:prstDash val="solid"/>
+                    </a:lnBlToTr>
+                    <a:solidFill>
+                      <a:srgbClr val="7EFB55"/>
+                    </a:solidFill>
+                  </a:tcPr>
+                </a:tc>
+                <a:tc>
+                  <a:txBody>
+                    <a:bodyPr/>
+                    <a:lstStyle/>
+                    <a:p>
+                      <a:pPr algn="ctr"/>
+                      <a:r>
+                        <a:rPr lang="ru-RU" sz="2400" b="1" dirty="0" smtClean="0"/>
+                        <a:t>+</a:t>
+                      </a:r>
+                      <a:endParaRPr lang="ru-RU" sz="2400" b="1" dirty="0"/>
+                    </a:p>
+                  </a:txBody>
+                  <a:tcPr>
+                    <a:lnL w="12700" cap="flat" cmpd="sng" algn="ctr">
+                      <a:solidFill>
+                        <a:schemeClr val="tx1"/>
+                      </a:solidFill>
+                      <a:prstDash val="solid"/>
+                      <a:round/>
+                      <a:headEnd type="none" w="med" len="med"/>
+                      <a:tailEnd type="none" w="med" len="med"/>
+                    </a:lnL>
+                    <a:lnR w="12700" cap="flat" cmpd="sng" algn="ctr">
+                      <a:solidFill>
+                        <a:schemeClr val="tx1"/>
+                      </a:solidFill>
+                      <a:prstDash val="solid"/>
+                      <a:round/>
+                      <a:headEnd type="none" w="med" len="med"/>
+                      <a:tailEnd type="none" w="med" len="med"/>
+                    </a:lnR>
+                    <a:lnT w="12700" cap="flat" cmpd="sng" algn="ctr">
+                      <a:solidFill>
+                        <a:schemeClr val="tx1"/>
+                      </a:solidFill>
+                      <a:prstDash val="solid"/>
+                      <a:round/>
+                      <a:headEnd type="none" w="med" len="med"/>
+                      <a:tailEnd type="none" w="med" len="med"/>
+                    </a:lnT>
+                    <a:lnB w="12700" cap="flat" cmpd="sng" algn="ctr">
+                      <a:solidFill>
+                        <a:schemeClr val="tx1"/>
+                      </a:solidFill>
+                      <a:prstDash val="solid"/>
+                      <a:round/>
+                      <a:headEnd type="none" w="med" len="med"/>
+                      <a:tailEnd type="none" w="med" len="med"/>
+                    </a:lnB>
+                    <a:lnTlToBr w="12700" cmpd="sng">
+                      <a:noFill/>
+                      <a:prstDash val="solid"/>
+                    </a:lnTlToBr>
+                    <a:lnBlToTr w="12700" cmpd="sng">
+                      <a:noFill/>
+                      <a:prstDash val="solid"/>
+                    </a:lnBlToTr>
+                    <a:solidFill>
+                      <a:srgbClr val="7EFB55"/>
+                    </a:solidFill>
+                  </a:tcPr>
+                </a:tc>
+                <a:tc>
+                  <a:txBody>
+                    <a:bodyPr/>
+                    <a:lstStyle/>
+                    <a:p>
+                      <a:pPr algn="ctr"/>
+                      <a:r>
+                        <a:rPr lang="ru-RU" sz="2400" b="1" dirty="0" smtClean="0"/>
+                        <a:t>+</a:t>
+                      </a:r>
+                      <a:endParaRPr lang="ru-RU" sz="2400" b="1" dirty="0"/>
+                    </a:p>
+                  </a:txBody>
+                  <a:tcPr>
+                    <a:lnL w="12700" cap="flat" cmpd="sng" algn="ctr">
+                      <a:solidFill>
+                        <a:schemeClr val="tx1"/>
+                      </a:solidFill>
+                      <a:prstDash val="solid"/>
+                      <a:round/>
+                      <a:headEnd type="none" w="med" len="med"/>
+                      <a:tailEnd type="none" w="med" len="med"/>
+                    </a:lnL>
+                    <a:lnR w="12700" cap="flat" cmpd="sng" algn="ctr">
+                      <a:solidFill>
+                        <a:schemeClr val="tx1"/>
+                      </a:solidFill>
+                      <a:prstDash val="solid"/>
+                      <a:round/>
+                      <a:headEnd type="none" w="med" len="med"/>
+                      <a:tailEnd type="none" w="med" len="med"/>
+                    </a:lnR>
+                    <a:lnT w="12700" cap="flat" cmpd="sng" algn="ctr">
+                      <a:solidFill>
+                        <a:schemeClr val="tx1"/>
+                      </a:solidFill>
+                      <a:prstDash val="solid"/>
+                      <a:round/>
+                      <a:headEnd type="none" w="med" len="med"/>
+                      <a:tailEnd type="none" w="med" len="med"/>
+                    </a:lnT>
+                    <a:lnB w="12700" cap="flat" cmpd="sng" algn="ctr">
+                      <a:solidFill>
+                        <a:schemeClr val="tx1"/>
+                      </a:solidFill>
+                      <a:prstDash val="solid"/>
+                      <a:round/>
+                      <a:headEnd type="none" w="med" len="med"/>
+                      <a:tailEnd type="none" w="med" len="med"/>
+                    </a:lnB>
+                    <a:lnTlToBr w="12700" cmpd="sng">
+                      <a:noFill/>
+                      <a:prstDash val="solid"/>
+                    </a:lnTlToBr>
+                    <a:lnBlToTr w="12700" cmpd="sng">
+                      <a:noFill/>
+                      <a:prstDash val="solid"/>
+                    </a:lnBlToTr>
+                    <a:solidFill>
+                      <a:srgbClr val="7EFB55"/>
+                    </a:solidFill>
+                  </a:tcPr>
+                </a:tc>
+              </a:tr>
             </a:tbl>
           </a:graphicData>
         </a:graphic>
@@ -9818,7 +11305,7 @@
           <a:p>
             <a:fld id="{3BCC8605-603C-4CBC-9D12-BEB80FA30360}" type="slidenum">
               <a:rPr lang="ru-RU" smtClean="0"/>
-              <a:t>7</a:t>
+              <a:t>8</a:t>
             </a:fld>
             <a:endParaRPr lang="ru-RU"/>
           </a:p>
@@ -9844,7 +11331,7 @@
 </p:sld>
 </file>
 
-<file path=ppt/slides/slide8.xml><?xml version="1.0" encoding="utf-8"?>
+<file path=ppt/slides/slide9.xml><?xml version="1.0" encoding="utf-8"?>
 <p:sld xmlns:a="http://schemas.openxmlformats.org/drawingml/2006/main" xmlns:r="http://schemas.openxmlformats.org/officeDocument/2006/relationships" xmlns:p="http://schemas.openxmlformats.org/presentationml/2006/main">
   <p:cSld>
     <p:spTree>
@@ -9883,11 +11370,7 @@
           <a:p>
             <a:r>
               <a:rPr lang="ru-RU" dirty="0" smtClean="0"/>
-              <a:t>Сглаживание </a:t>
-            </a:r>
-            <a:r>
-              <a:rPr lang="ru-RU" dirty="0" smtClean="0"/>
-              <a:t>погрешностей</a:t>
+              <a:t>Сглаживание погрешностей</a:t>
             </a:r>
             <a:r>
               <a:rPr lang="en-US" dirty="0" smtClean="0"/>
@@ -11403,8 +12886,8 @@
           </a:p>
         </p:txBody>
       </p:sp>
-      <mc:AlternateContent xmlns:mc="http://schemas.openxmlformats.org/markup-compatibility/2006" xmlns:a14="http://schemas.microsoft.com/office/drawing/2010/main">
-        <mc:Choice Requires="a14">
+      <mc:AlternateContent xmlns:mc="http://schemas.openxmlformats.org/markup-compatibility/2006">
+        <mc:Choice xmlns:a14="http://schemas.microsoft.com/office/drawing/2010/main" Requires="a14">
           <p:sp>
             <p:nvSpPr>
               <p:cNvPr id="10" name="Объект 9"/>
@@ -11418,7 +12901,7 @@
             <p:spPr>
               <a:xfrm>
                 <a:off x="6170611" y="1866122"/>
-                <a:ext cx="5183188" cy="4787227"/>
+                <a:ext cx="4975184" cy="4452299"/>
               </a:xfrm>
             </p:spPr>
             <p:txBody>
@@ -11941,7 +13424,7 @@
             </p:txBody>
           </p:sp>
         </mc:Choice>
-        <mc:Fallback xmlns="">
+        <mc:Fallback>
           <p:sp>
             <p:nvSpPr>
               <p:cNvPr id="10" name="Объект 9"/>
@@ -11955,12 +13438,12 @@
             <p:spPr>
               <a:xfrm>
                 <a:off x="6170611" y="1866122"/>
-                <a:ext cx="5183188" cy="4787227"/>
+                <a:ext cx="4975184" cy="4452299"/>
               </a:xfrm>
               <a:blipFill rotWithShape="0">
                 <a:blip r:embed="rId3"/>
                 <a:stretch>
-                  <a:fillRect l="-353" t="-1529"/>
+                  <a:fillRect l="-368" t="-1644" r="-490"/>
                 </a:stretch>
               </a:blipFill>
             </p:spPr>
@@ -11991,7 +13474,7 @@
         </p:nvSpPr>
         <p:spPr>
           <a:xfrm>
-            <a:off x="8610599" y="5638333"/>
+            <a:off x="8610599" y="6421058"/>
             <a:ext cx="2743200" cy="201726"/>
           </a:xfrm>
         </p:spPr>
@@ -12001,9 +13484,9 @@
           <a:p>
             <a:fld id="{3BCC8605-603C-4CBC-9D12-BEB80FA30360}" type="slidenum">
               <a:rPr lang="ru-RU" smtClean="0"/>
-              <a:t>8</a:t>
+              <a:t>9</a:t>
             </a:fld>
-            <a:endParaRPr lang="ru-RU"/>
+            <a:endParaRPr lang="ru-RU" dirty="0"/>
           </a:p>
         </p:txBody>
       </p:sp>
@@ -12011,123 +13494,6 @@
     <p:extLst>
       <p:ext uri="{BB962C8B-B14F-4D97-AF65-F5344CB8AC3E}">
         <p14:creationId xmlns:p14="http://schemas.microsoft.com/office/powerpoint/2010/main" val="2338145101"/>
-      </p:ext>
-    </p:extLst>
-  </p:cSld>
-  <p:clrMapOvr>
-    <a:masterClrMapping/>
-  </p:clrMapOvr>
-  <p:timing>
-    <p:tnLst>
-      <p:par>
-        <p:cTn id="1" dur="indefinite" restart="never" nodeType="tmRoot"/>
-      </p:par>
-    </p:tnLst>
-  </p:timing>
-</p:sld>
-</file>
-
-<file path=ppt/slides/slide9.xml><?xml version="1.0" encoding="utf-8"?>
-<p:sld xmlns:a="http://schemas.openxmlformats.org/drawingml/2006/main" xmlns:r="http://schemas.openxmlformats.org/officeDocument/2006/relationships" xmlns:p="http://schemas.openxmlformats.org/presentationml/2006/main">
-  <p:cSld>
-    <p:spTree>
-      <p:nvGrpSpPr>
-        <p:cNvPr id="1" name=""/>
-        <p:cNvGrpSpPr/>
-        <p:nvPr/>
-      </p:nvGrpSpPr>
-      <p:grpSpPr>
-        <a:xfrm>
-          <a:off x="0" y="0"/>
-          <a:ext cx="0" cy="0"/>
-          <a:chOff x="0" y="0"/>
-          <a:chExt cx="0" cy="0"/>
-        </a:xfrm>
-      </p:grpSpPr>
-      <p:sp>
-        <p:nvSpPr>
-          <p:cNvPr id="2" name="Заголовок 1"/>
-          <p:cNvSpPr>
-            <a:spLocks noGrp="1"/>
-          </p:cNvSpPr>
-          <p:nvPr>
-            <p:ph type="title"/>
-          </p:nvPr>
-        </p:nvSpPr>
-        <p:spPr>
-          <a:xfrm>
-            <a:off x="838200" y="113198"/>
-            <a:ext cx="10515600" cy="1325563"/>
-          </a:xfrm>
-        </p:spPr>
-        <p:txBody>
-          <a:bodyPr/>
-          <a:lstStyle/>
-          <a:p>
-            <a:r>
-              <a:rPr lang="ru-RU" dirty="0" smtClean="0"/>
-              <a:t>Функциональная модель процесса обработки маршрута</a:t>
-            </a:r>
-            <a:endParaRPr lang="ru-RU" dirty="0"/>
-          </a:p>
-        </p:txBody>
-      </p:sp>
-      <p:pic>
-        <p:nvPicPr>
-          <p:cNvPr id="5" name="Объект 4"/>
-          <p:cNvPicPr>
-            <a:picLocks noGrp="1" noChangeAspect="1"/>
-          </p:cNvPicPr>
-          <p:nvPr>
-            <p:ph idx="1"/>
-          </p:nvPr>
-        </p:nvPicPr>
-        <p:blipFill>
-          <a:blip r:embed="rId2">
-            <a:extLst>
-              <a:ext uri="{28A0092B-C50C-407E-A947-70E740481C1C}">
-                <a14:useLocalDpi xmlns:a14="http://schemas.microsoft.com/office/drawing/2010/main" val="0"/>
-              </a:ext>
-            </a:extLst>
-          </a:blip>
-          <a:stretch>
-            <a:fillRect/>
-          </a:stretch>
-        </p:blipFill>
-        <p:spPr>
-          <a:xfrm>
-            <a:off x="1166327" y="1305897"/>
-            <a:ext cx="9691394" cy="5415578"/>
-          </a:xfrm>
-        </p:spPr>
-      </p:pic>
-      <p:sp>
-        <p:nvSpPr>
-          <p:cNvPr id="3" name="Номер слайда 2"/>
-          <p:cNvSpPr>
-            <a:spLocks noGrp="1"/>
-          </p:cNvSpPr>
-          <p:nvPr>
-            <p:ph type="sldNum" sz="quarter" idx="12"/>
-          </p:nvPr>
-        </p:nvSpPr>
-        <p:spPr/>
-        <p:txBody>
-          <a:bodyPr/>
-          <a:lstStyle/>
-          <a:p>
-            <a:fld id="{3BCC8605-603C-4CBC-9D12-BEB80FA30360}" type="slidenum">
-              <a:rPr lang="ru-RU" smtClean="0"/>
-              <a:t>9</a:t>
-            </a:fld>
-            <a:endParaRPr lang="ru-RU"/>
-          </a:p>
-        </p:txBody>
-      </p:sp>
-    </p:spTree>
-    <p:extLst>
-      <p:ext uri="{BB962C8B-B14F-4D97-AF65-F5344CB8AC3E}">
-        <p14:creationId xmlns:p14="http://schemas.microsoft.com/office/powerpoint/2010/main" val="2936390320"/>
       </p:ext>
     </p:extLst>
   </p:cSld>

--- a/docs/thesis/thesis.pptx
+++ b/docs/thesis/thesis.pptx
@@ -5,7 +5,7 @@
     <p:sldMasterId id="2147483648" r:id="rId1"/>
   </p:sldMasterIdLst>
   <p:notesMasterIdLst>
-    <p:notesMasterId r:id="rId20"/>
+    <p:notesMasterId r:id="rId21"/>
   </p:notesMasterIdLst>
   <p:sldIdLst>
     <p:sldId id="256" r:id="rId2"/>
@@ -21,11 +21,12 @@
     <p:sldId id="260" r:id="rId12"/>
     <p:sldId id="262" r:id="rId13"/>
     <p:sldId id="271" r:id="rId14"/>
-    <p:sldId id="272" r:id="rId15"/>
-    <p:sldId id="273" r:id="rId16"/>
-    <p:sldId id="270" r:id="rId17"/>
-    <p:sldId id="263" r:id="rId18"/>
-    <p:sldId id="275" r:id="rId19"/>
+    <p:sldId id="277" r:id="rId15"/>
+    <p:sldId id="272" r:id="rId16"/>
+    <p:sldId id="273" r:id="rId17"/>
+    <p:sldId id="270" r:id="rId18"/>
+    <p:sldId id="263" r:id="rId19"/>
+    <p:sldId id="275" r:id="rId20"/>
   </p:sldIdLst>
   <p:sldSz cx="12192000" cy="6858000"/>
   <p:notesSz cx="6797675" cy="9928225"/>
@@ -249,13 +250,13 @@
                   <c:formatCode>General</c:formatCode>
                   <c:ptCount val="4"/>
                   <c:pt idx="0">
-                    <c:v>15.946485051646247</c:v>
+                    <c:v>205.30699999999999</c:v>
                   </c:pt>
                   <c:pt idx="1">
-                    <c:v>177.13618313464923</c:v>
+                    <c:v>147.8227</c:v>
                   </c:pt>
                   <c:pt idx="2">
-                    <c:v>115.247662019928</c:v>
+                    <c:v>10.6853</c:v>
                   </c:pt>
                   <c:pt idx="3">
                     <c:v>115.61579630903006</c:v>
@@ -270,13 +271,13 @@
                   <c:formatCode>General</c:formatCode>
                   <c:ptCount val="4"/>
                   <c:pt idx="0">
-                    <c:v>17.651857065316378</c:v>
+                    <c:v>22.726299999999998</c:v>
                   </c:pt>
                   <c:pt idx="1">
-                    <c:v>19.467611343239234</c:v>
+                    <c:v>30.041899999999998</c:v>
                   </c:pt>
                   <c:pt idx="2">
-                    <c:v>16.5086028335561</c:v>
+                    <c:v>10.6518</c:v>
                   </c:pt>
                   <c:pt idx="3">
                     <c:v>17.911425261705325</c:v>
@@ -304,16 +305,16 @@
               <c:strCache>
                 <c:ptCount val="4"/>
                 <c:pt idx="0">
-                  <c:v>Маршрут 1</c:v>
+                  <c:v>Пешие участки + метро</c:v>
                 </c:pt>
                 <c:pt idx="1">
-                  <c:v>Маршрут 2</c:v>
+                  <c:v>Наземный общественный транспорт</c:v>
                 </c:pt>
                 <c:pt idx="2">
-                  <c:v>Маршрут 3</c:v>
+                  <c:v>Автомобиль</c:v>
                 </c:pt>
                 <c:pt idx="3">
-                  <c:v>Маршрут 4</c:v>
+                  <c:v>Велосипед</c:v>
                 </c:pt>
               </c:strCache>
             </c:strRef>
@@ -325,13 +326,13 @@
                 <c:formatCode>General</c:formatCode>
                 <c:ptCount val="4"/>
                 <c:pt idx="0">
-                  <c:v>17.651857065316378</c:v>
+                  <c:v>22.726299999999998</c:v>
                 </c:pt>
                 <c:pt idx="1">
-                  <c:v>19.467611343239234</c:v>
+                  <c:v>30.041899999999998</c:v>
                 </c:pt>
                 <c:pt idx="2">
-                  <c:v>16.5086028335561</c:v>
+                  <c:v>10.6518</c:v>
                 </c:pt>
                 <c:pt idx="3">
                   <c:v>17.911425261705325</c:v>
@@ -375,13 +376,13 @@
                   <c:formatCode>General</c:formatCode>
                   <c:ptCount val="4"/>
                   <c:pt idx="0">
-                    <c:v>9.8583279735694394</c:v>
+                    <c:v>12.692299999999999</c:v>
                   </c:pt>
                   <c:pt idx="1">
-                    <c:v>81.699080683490919</c:v>
+                    <c:v>44.124600000000001</c:v>
                   </c:pt>
                   <c:pt idx="2">
-                    <c:v>110.600868271309</c:v>
+                    <c:v>10.0372</c:v>
                   </c:pt>
                   <c:pt idx="3">
                     <c:v>70.577303479192906</c:v>
@@ -391,18 +392,18 @@
             </c:plus>
             <c:minus>
               <c:numRef>
-                <c:f>Лист1!$C$2:$C$5</c:f>
+                <c:f>Лист1!$C$2:$C$6</c:f>
                 <c:numCache>
                   <c:formatCode>General</c:formatCode>
-                  <c:ptCount val="4"/>
+                  <c:ptCount val="5"/>
                   <c:pt idx="0">
-                    <c:v>8.9232140569838769</c:v>
+                    <c:v>11.4884</c:v>
                   </c:pt>
                   <c:pt idx="1">
-                    <c:v>15.149994964241438</c:v>
+                    <c:v>12.986800000000001</c:v>
                   </c:pt>
                   <c:pt idx="2">
-                    <c:v>14.572782434869501</c:v>
+                    <c:v>10.0099</c:v>
                   </c:pt>
                   <c:pt idx="3">
                     <c:v>11.226222048189804</c:v>
@@ -430,16 +431,16 @@
               <c:strCache>
                 <c:ptCount val="4"/>
                 <c:pt idx="0">
-                  <c:v>Маршрут 1</c:v>
+                  <c:v>Пешие участки + метро</c:v>
                 </c:pt>
                 <c:pt idx="1">
-                  <c:v>Маршрут 2</c:v>
+                  <c:v>Наземный общественный транспорт</c:v>
                 </c:pt>
                 <c:pt idx="2">
-                  <c:v>Маршрут 3</c:v>
+                  <c:v>Автомобиль</c:v>
                 </c:pt>
                 <c:pt idx="3">
-                  <c:v>Маршрут 4</c:v>
+                  <c:v>Велосипед</c:v>
                 </c:pt>
               </c:strCache>
             </c:strRef>
@@ -451,13 +452,13 @@
                 <c:formatCode>General</c:formatCode>
                 <c:ptCount val="4"/>
                 <c:pt idx="0">
-                  <c:v>8.9232140569838769</c:v>
+                  <c:v>11.4884</c:v>
                 </c:pt>
                 <c:pt idx="1">
-                  <c:v>15.149994964241438</c:v>
+                  <c:v>12.986800000000001</c:v>
                 </c:pt>
                 <c:pt idx="2">
-                  <c:v>14.572782434869501</c:v>
+                  <c:v>10.0099</c:v>
                 </c:pt>
                 <c:pt idx="3">
                   <c:v>11.226222048189804</c:v>
@@ -476,11 +477,11 @@
         </c:dLbls>
         <c:gapWidth val="219"/>
         <c:overlap val="-27"/>
-        <c:axId val="309531168"/>
-        <c:axId val="309530776"/>
+        <c:axId val="327087528"/>
+        <c:axId val="327086744"/>
       </c:barChart>
       <c:catAx>
-        <c:axId val="309531168"/>
+        <c:axId val="327087528"/>
         <c:scaling>
           <c:orientation val="minMax"/>
         </c:scaling>
@@ -523,7 +524,7 @@
             <a:endParaRPr lang="ru-RU"/>
           </a:p>
         </c:txPr>
-        <c:crossAx val="309530776"/>
+        <c:crossAx val="327086744"/>
         <c:crosses val="autoZero"/>
         <c:auto val="1"/>
         <c:lblAlgn val="ctr"/>
@@ -531,7 +532,7 @@
         <c:noMultiLvlLbl val="0"/>
       </c:catAx>
       <c:valAx>
-        <c:axId val="309530776"/>
+        <c:axId val="327086744"/>
         <c:scaling>
           <c:orientation val="minMax"/>
         </c:scaling>
@@ -639,7 +640,7 @@
             <a:endParaRPr lang="ru-RU"/>
           </a:p>
         </c:txPr>
-        <c:crossAx val="309531168"/>
+        <c:crossAx val="327087528"/>
         <c:crosses val="autoZero"/>
         <c:crossBetween val="between"/>
       </c:valAx>
@@ -1381,7 +1382,7 @@
           <a:p>
             <a:fld id="{7D65DE95-B979-4E4D-BB3C-F1DE1284DF32}" type="datetimeFigureOut">
               <a:rPr lang="ru-RU" smtClean="0"/>
-              <a:t>30.05.2015</a:t>
+              <a:t>31.05.2015</a:t>
             </a:fld>
             <a:endParaRPr lang="ru-RU"/>
           </a:p>
@@ -1798,7 +1799,7 @@
           <a:p>
             <a:fld id="{0B782E9F-DE7B-45DE-80D4-F8AE795F6417}" type="slidenum">
               <a:rPr lang="ru-RU" smtClean="0"/>
-              <a:t>14</a:t>
+              <a:t>15</a:t>
             </a:fld>
             <a:endParaRPr lang="ru-RU"/>
           </a:p>
@@ -1882,7 +1883,7 @@
           <a:p>
             <a:fld id="{0B782E9F-DE7B-45DE-80D4-F8AE795F6417}" type="slidenum">
               <a:rPr lang="ru-RU" smtClean="0"/>
-              <a:t>17</a:t>
+              <a:t>18</a:t>
             </a:fld>
             <a:endParaRPr lang="ru-RU"/>
           </a:p>
@@ -2032,7 +2033,7 @@
           <a:p>
             <a:fld id="{DA937DA1-05FB-4A26-9AA8-03051D9064EC}" type="datetime1">
               <a:rPr lang="ru-RU" smtClean="0"/>
-              <a:t>30.05.2015</a:t>
+              <a:t>31.05.2015</a:t>
             </a:fld>
             <a:endParaRPr lang="ru-RU"/>
           </a:p>
@@ -2202,7 +2203,7 @@
           <a:p>
             <a:fld id="{394B6F94-CE89-4AA5-84F5-DCABE52BD843}" type="datetime1">
               <a:rPr lang="ru-RU" smtClean="0"/>
-              <a:t>30.05.2015</a:t>
+              <a:t>31.05.2015</a:t>
             </a:fld>
             <a:endParaRPr lang="ru-RU"/>
           </a:p>
@@ -2382,7 +2383,7 @@
           <a:p>
             <a:fld id="{FF541173-F8CF-42C8-8211-204B417CEB80}" type="datetime1">
               <a:rPr lang="ru-RU" smtClean="0"/>
-              <a:t>30.05.2015</a:t>
+              <a:t>31.05.2015</a:t>
             </a:fld>
             <a:endParaRPr lang="ru-RU"/>
           </a:p>
@@ -2552,7 +2553,7 @@
           <a:p>
             <a:fld id="{7EB30022-E3FE-49BE-A5A1-D74EAD64D8C3}" type="datetime1">
               <a:rPr lang="ru-RU" smtClean="0"/>
-              <a:t>30.05.2015</a:t>
+              <a:t>31.05.2015</a:t>
             </a:fld>
             <a:endParaRPr lang="ru-RU"/>
           </a:p>
@@ -2798,7 +2799,7 @@
           <a:p>
             <a:fld id="{B1E86488-3082-4137-A51F-54DD7D14EE15}" type="datetime1">
               <a:rPr lang="ru-RU" smtClean="0"/>
-              <a:t>30.05.2015</a:t>
+              <a:t>31.05.2015</a:t>
             </a:fld>
             <a:endParaRPr lang="ru-RU"/>
           </a:p>
@@ -3030,7 +3031,7 @@
           <a:p>
             <a:fld id="{EE0977BD-FA6A-46F1-8FA6-AA4F2BE75023}" type="datetime1">
               <a:rPr lang="ru-RU" smtClean="0"/>
-              <a:t>30.05.2015</a:t>
+              <a:t>31.05.2015</a:t>
             </a:fld>
             <a:endParaRPr lang="ru-RU"/>
           </a:p>
@@ -3397,7 +3398,7 @@
           <a:p>
             <a:fld id="{F9CC8200-23C4-4A1E-B19C-0C50E383E905}" type="datetime1">
               <a:rPr lang="ru-RU" smtClean="0"/>
-              <a:t>30.05.2015</a:t>
+              <a:t>31.05.2015</a:t>
             </a:fld>
             <a:endParaRPr lang="ru-RU"/>
           </a:p>
@@ -3515,7 +3516,7 @@
           <a:p>
             <a:fld id="{FB0139C0-0A87-4D24-9FA0-A68DDCCAA500}" type="datetime1">
               <a:rPr lang="ru-RU" smtClean="0"/>
-              <a:t>30.05.2015</a:t>
+              <a:t>31.05.2015</a:t>
             </a:fld>
             <a:endParaRPr lang="ru-RU"/>
           </a:p>
@@ -3610,7 +3611,7 @@
           <a:p>
             <a:fld id="{A0A5A1BD-4179-42FD-9950-142700B2EA2E}" type="datetime1">
               <a:rPr lang="ru-RU" smtClean="0"/>
-              <a:t>30.05.2015</a:t>
+              <a:t>31.05.2015</a:t>
             </a:fld>
             <a:endParaRPr lang="ru-RU"/>
           </a:p>
@@ -3887,7 +3888,7 @@
           <a:p>
             <a:fld id="{80006F7F-490D-400F-B2DF-795FD323CA8A}" type="datetime1">
               <a:rPr lang="ru-RU" smtClean="0"/>
-              <a:t>30.05.2015</a:t>
+              <a:t>31.05.2015</a:t>
             </a:fld>
             <a:endParaRPr lang="ru-RU"/>
           </a:p>
@@ -4140,7 +4141,7 @@
           <a:p>
             <a:fld id="{7CB0DEBE-72D5-473F-A28F-629D86F57AEC}" type="datetime1">
               <a:rPr lang="ru-RU" smtClean="0"/>
-              <a:t>30.05.2015</a:t>
+              <a:t>31.05.2015</a:t>
             </a:fld>
             <a:endParaRPr lang="ru-RU"/>
           </a:p>
@@ -4353,7 +4354,7 @@
           <a:p>
             <a:fld id="{7830D7CF-1C15-440C-A38D-36EB3527FE7C}" type="datetime1">
               <a:rPr lang="ru-RU" smtClean="0"/>
-              <a:t>30.05.2015</a:t>
+              <a:t>31.05.2015</a:t>
             </a:fld>
             <a:endParaRPr lang="ru-RU"/>
           </a:p>
@@ -5433,39 +5434,513 @@
           </a:p>
         </p:txBody>
       </p:sp>
-      <p:sp>
-        <p:nvSpPr>
-          <p:cNvPr id="3" name="Объект 2"/>
-          <p:cNvSpPr>
-            <a:spLocks noGrp="1"/>
-          </p:cNvSpPr>
-          <p:nvPr>
-            <p:ph idx="1"/>
-          </p:nvPr>
-        </p:nvSpPr>
-        <p:spPr>
-          <a:xfrm>
-            <a:off x="446314" y="1690688"/>
-            <a:ext cx="4839119" cy="4351338"/>
-          </a:xfrm>
-        </p:spPr>
-        <p:txBody>
-          <a:bodyPr/>
-          <a:lstStyle/>
-          <a:p>
-            <a:r>
-              <a:rPr lang="ru-RU" dirty="0" smtClean="0"/>
-              <a:t>Рассматривается отклонение исходного маршрута и маршрута, полученного в результате использования метода, от истинного маршрута объекта.</a:t>
-            </a:r>
-          </a:p>
-          <a:p>
-            <a:r>
-              <a:rPr lang="ru-RU" dirty="0" smtClean="0"/>
-              <a:t>Для проведения эксперимента вручную воссоздан точный маршрут объекта.</a:t>
-            </a:r>
-          </a:p>
-        </p:txBody>
-      </p:sp>
+      <mc:AlternateContent xmlns:mc="http://schemas.openxmlformats.org/markup-compatibility/2006" xmlns:a14="http://schemas.microsoft.com/office/drawing/2010/main">
+        <mc:Choice Requires="a14">
+          <p:sp>
+            <p:nvSpPr>
+              <p:cNvPr id="3" name="Объект 2"/>
+              <p:cNvSpPr>
+                <a:spLocks noGrp="1"/>
+              </p:cNvSpPr>
+              <p:nvPr>
+                <p:ph idx="1"/>
+              </p:nvPr>
+            </p:nvSpPr>
+            <p:spPr/>
+            <p:txBody>
+              <a:bodyPr>
+                <a:normAutofit fontScale="77500" lnSpcReduction="20000"/>
+              </a:bodyPr>
+              <a:lstStyle/>
+              <a:p>
+                <a:r>
+                  <a:rPr lang="ru-RU" dirty="0" smtClean="0"/>
+                  <a:t>Объем выборки определяется по следствию из 2-го неравенства Чебышева:</a:t>
+                </a:r>
+              </a:p>
+              <a:p>
+                <a:pPr marL="0" indent="0">
+                  <a:buNone/>
+                </a:pPr>
+                <a14:m>
+                  <m:oMathPara xmlns:m="http://schemas.openxmlformats.org/officeDocument/2006/math">
+                    <m:oMathParaPr>
+                      <m:jc m:val="center"/>
+                    </m:oMathParaPr>
+                    <m:oMath xmlns:m="http://schemas.openxmlformats.org/officeDocument/2006/math">
+                      <m:r>
+                        <a:rPr lang="ru-RU" i="1">
+                          <a:latin typeface="Cambria Math" panose="02040503050406030204" pitchFamily="18" charset="0"/>
+                        </a:rPr>
+                        <m:t>𝑁</m:t>
+                      </m:r>
+                      <m:r>
+                        <a:rPr lang="en-US" i="1">
+                          <a:latin typeface="Cambria Math" panose="02040503050406030204" pitchFamily="18" charset="0"/>
+                        </a:rPr>
+                        <m:t>≥</m:t>
+                      </m:r>
+                      <m:f>
+                        <m:fPr>
+                          <m:ctrlPr>
+                            <a:rPr lang="ru-RU" i="1">
+                              <a:latin typeface="Cambria Math" panose="02040503050406030204" pitchFamily="18" charset="0"/>
+                            </a:rPr>
+                          </m:ctrlPr>
+                        </m:fPr>
+                        <m:num>
+                          <m:sSup>
+                            <m:sSupPr>
+                              <m:ctrlPr>
+                                <a:rPr lang="ru-RU" i="1">
+                                  <a:latin typeface="Cambria Math" panose="02040503050406030204" pitchFamily="18" charset="0"/>
+                                </a:rPr>
+                              </m:ctrlPr>
+                            </m:sSupPr>
+                            <m:e>
+                              <m:r>
+                                <a:rPr lang="ru-RU" i="1">
+                                  <a:latin typeface="Cambria Math" panose="02040503050406030204" pitchFamily="18" charset="0"/>
+                                </a:rPr>
+                                <m:t>𝜎</m:t>
+                              </m:r>
+                            </m:e>
+                            <m:sup>
+                              <m:r>
+                                <a:rPr lang="ru-RU" i="1">
+                                  <a:latin typeface="Cambria Math" panose="02040503050406030204" pitchFamily="18" charset="0"/>
+                                </a:rPr>
+                                <m:t>2</m:t>
+                              </m:r>
+                            </m:sup>
+                          </m:sSup>
+                        </m:num>
+                        <m:den>
+                          <m:r>
+                            <a:rPr lang="ru-RU" i="1">
+                              <a:latin typeface="Cambria Math" panose="02040503050406030204" pitchFamily="18" charset="0"/>
+                            </a:rPr>
+                            <m:t>𝑃</m:t>
+                          </m:r>
+                          <m:d>
+                            <m:dPr>
+                              <m:begChr m:val="{"/>
+                              <m:endChr m:val="}"/>
+                              <m:ctrlPr>
+                                <a:rPr lang="ru-RU" i="1">
+                                  <a:latin typeface="Cambria Math" panose="02040503050406030204" pitchFamily="18" charset="0"/>
+                                </a:rPr>
+                              </m:ctrlPr>
+                            </m:dPr>
+                            <m:e>
+                              <m:d>
+                                <m:dPr>
+                                  <m:begChr m:val="|"/>
+                                  <m:endChr m:val="|"/>
+                                  <m:ctrlPr>
+                                    <a:rPr lang="ru-RU" i="1">
+                                      <a:latin typeface="Cambria Math" panose="02040503050406030204" pitchFamily="18" charset="0"/>
+                                    </a:rPr>
+                                  </m:ctrlPr>
+                                </m:dPr>
+                                <m:e>
+                                  <m:r>
+                                    <a:rPr lang="ru-RU" i="1">
+                                      <a:latin typeface="Cambria Math" panose="02040503050406030204" pitchFamily="18" charset="0"/>
+                                    </a:rPr>
+                                    <m:t>𝑋</m:t>
+                                  </m:r>
+                                  <m:r>
+                                    <a:rPr lang="ru-RU" i="1">
+                                      <a:latin typeface="Cambria Math" panose="02040503050406030204" pitchFamily="18" charset="0"/>
+                                    </a:rPr>
+                                    <m:t>−</m:t>
+                                  </m:r>
+                                  <m:r>
+                                    <a:rPr lang="ru-RU" i="1">
+                                      <a:latin typeface="Cambria Math" panose="02040503050406030204" pitchFamily="18" charset="0"/>
+                                    </a:rPr>
+                                    <m:t>𝑀𝑋</m:t>
+                                  </m:r>
+                                </m:e>
+                              </m:d>
+                              <m:r>
+                                <a:rPr lang="ru-RU" i="1">
+                                  <a:latin typeface="Cambria Math" panose="02040503050406030204" pitchFamily="18" charset="0"/>
+                                </a:rPr>
+                                <m:t>≥</m:t>
+                              </m:r>
+                              <m:r>
+                                <a:rPr lang="ru-RU" i="1">
+                                  <a:latin typeface="Cambria Math" panose="02040503050406030204" pitchFamily="18" charset="0"/>
+                                </a:rPr>
+                                <m:t>𝜀</m:t>
+                              </m:r>
+                            </m:e>
+                          </m:d>
+                          <m:sSup>
+                            <m:sSupPr>
+                              <m:ctrlPr>
+                                <a:rPr lang="ru-RU" i="1">
+                                  <a:latin typeface="Cambria Math" panose="02040503050406030204" pitchFamily="18" charset="0"/>
+                                </a:rPr>
+                              </m:ctrlPr>
+                            </m:sSupPr>
+                            <m:e>
+                              <m:r>
+                                <a:rPr lang="ru-RU" i="1">
+                                  <a:latin typeface="Cambria Math" panose="02040503050406030204" pitchFamily="18" charset="0"/>
+                                </a:rPr>
+                                <m:t>𝜀</m:t>
+                              </m:r>
+                            </m:e>
+                            <m:sup>
+                              <m:r>
+                                <a:rPr lang="ru-RU" i="1">
+                                  <a:latin typeface="Cambria Math" panose="02040503050406030204" pitchFamily="18" charset="0"/>
+                                </a:rPr>
+                                <m:t>2</m:t>
+                              </m:r>
+                            </m:sup>
+                          </m:sSup>
+                        </m:den>
+                      </m:f>
+                      <m:r>
+                        <a:rPr lang="en-US" i="1">
+                          <a:latin typeface="Cambria Math" panose="02040503050406030204" pitchFamily="18" charset="0"/>
+                        </a:rPr>
+                        <m:t>≥</m:t>
+                      </m:r>
+                      <m:f>
+                        <m:fPr>
+                          <m:ctrlPr>
+                            <a:rPr lang="ru-RU" i="1">
+                              <a:latin typeface="Cambria Math" panose="02040503050406030204" pitchFamily="18" charset="0"/>
+                            </a:rPr>
+                          </m:ctrlPr>
+                        </m:fPr>
+                        <m:num>
+                          <m:r>
+                            <a:rPr lang="ru-RU" i="1">
+                              <a:latin typeface="Cambria Math" panose="02040503050406030204" pitchFamily="18" charset="0"/>
+                            </a:rPr>
+                            <m:t>0.25</m:t>
+                          </m:r>
+                        </m:num>
+                        <m:den>
+                          <m:d>
+                            <m:dPr>
+                              <m:ctrlPr>
+                                <a:rPr lang="ru-RU" i="1">
+                                  <a:latin typeface="Cambria Math" panose="02040503050406030204" pitchFamily="18" charset="0"/>
+                                </a:rPr>
+                              </m:ctrlPr>
+                            </m:dPr>
+                            <m:e>
+                              <m:r>
+                                <a:rPr lang="en-US" i="1">
+                                  <a:latin typeface="Cambria Math" panose="02040503050406030204" pitchFamily="18" charset="0"/>
+                                </a:rPr>
+                                <m:t>1−0.9</m:t>
+                              </m:r>
+                              <m:r>
+                                <a:rPr lang="ru-RU" b="0" i="1" smtClean="0">
+                                  <a:latin typeface="Cambria Math" panose="02040503050406030204" pitchFamily="18" charset="0"/>
+                                </a:rPr>
+                                <m:t>5</m:t>
+                              </m:r>
+                            </m:e>
+                          </m:d>
+                          <m:r>
+                            <a:rPr lang="en-US" i="1">
+                              <a:latin typeface="Cambria Math" panose="02040503050406030204" pitchFamily="18" charset="0"/>
+                            </a:rPr>
+                            <m:t>×</m:t>
+                          </m:r>
+                          <m:sSup>
+                            <m:sSupPr>
+                              <m:ctrlPr>
+                                <a:rPr lang="ru-RU" i="1">
+                                  <a:latin typeface="Cambria Math" panose="02040503050406030204" pitchFamily="18" charset="0"/>
+                                </a:rPr>
+                              </m:ctrlPr>
+                            </m:sSupPr>
+                            <m:e>
+                              <m:r>
+                                <a:rPr lang="en-US" i="1">
+                                  <a:latin typeface="Cambria Math" panose="02040503050406030204" pitchFamily="18" charset="0"/>
+                                </a:rPr>
+                                <m:t>0.05</m:t>
+                              </m:r>
+                            </m:e>
+                            <m:sup>
+                              <m:r>
+                                <a:rPr lang="en-US" i="1">
+                                  <a:latin typeface="Cambria Math" panose="02040503050406030204" pitchFamily="18" charset="0"/>
+                                </a:rPr>
+                                <m:t>2</m:t>
+                              </m:r>
+                            </m:sup>
+                          </m:sSup>
+                        </m:den>
+                      </m:f>
+                      <m:r>
+                        <a:rPr lang="en-US" i="1">
+                          <a:latin typeface="Cambria Math" panose="02040503050406030204" pitchFamily="18" charset="0"/>
+                        </a:rPr>
+                        <m:t>≥</m:t>
+                      </m:r>
+                      <m:r>
+                        <a:rPr lang="ru-RU" b="0" i="1" smtClean="0">
+                          <a:latin typeface="Cambria Math" panose="02040503050406030204" pitchFamily="18" charset="0"/>
+                        </a:rPr>
+                        <m:t>2000,</m:t>
+                      </m:r>
+                      <m:r>
+                        <a:rPr lang="ru-RU" i="1">
+                          <a:latin typeface="Cambria Math" panose="02040503050406030204" pitchFamily="18" charset="0"/>
+                        </a:rPr>
+                        <m:t> </m:t>
+                      </m:r>
+                    </m:oMath>
+                  </m:oMathPara>
+                </a14:m>
+                <a:endParaRPr lang="ru-RU" dirty="0"/>
+              </a:p>
+              <a:p>
+                <a:pPr marL="0" indent="0">
+                  <a:buNone/>
+                </a:pPr>
+                <a:r>
+                  <a:rPr lang="ru-RU" dirty="0"/>
+                  <a:t>где  </a:t>
+                </a:r>
+                <a:r>
+                  <a:rPr lang="ru-RU" dirty="0" smtClean="0"/>
+                  <a:t>	</a:t>
+                </a:r>
+                <a14:m>
+                  <m:oMath xmlns:m="http://schemas.openxmlformats.org/officeDocument/2006/math">
+                    <m:r>
+                      <a:rPr lang="ru-RU" i="1">
+                        <a:latin typeface="Cambria Math" panose="02040503050406030204" pitchFamily="18" charset="0"/>
+                      </a:rPr>
+                      <m:t>𝑁</m:t>
+                    </m:r>
+                  </m:oMath>
+                </a14:m>
+                <a:r>
+                  <a:rPr lang="ru-RU" dirty="0"/>
+                  <a:t> – размер выборки, </a:t>
+                </a:r>
+                <a:endParaRPr lang="ru-RU" dirty="0" smtClean="0"/>
+              </a:p>
+              <a:p>
+                <a:pPr marL="0" indent="0">
+                  <a:buNone/>
+                </a:pPr>
+                <a:r>
+                  <a:rPr lang="ru-RU" dirty="0"/>
+                  <a:t>	</a:t>
+                </a:r>
+                <a14:m>
+                  <m:oMath xmlns:m="http://schemas.openxmlformats.org/officeDocument/2006/math">
+                    <m:r>
+                      <a:rPr lang="ru-RU" i="1">
+                        <a:latin typeface="Cambria Math" panose="02040503050406030204" pitchFamily="18" charset="0"/>
+                      </a:rPr>
+                      <m:t>𝑋</m:t>
+                    </m:r>
+                  </m:oMath>
+                </a14:m>
+                <a:r>
+                  <a:rPr lang="ru-RU" dirty="0"/>
+                  <a:t> – случайная величина, </a:t>
+                </a:r>
+                <a:endParaRPr lang="ru-RU" dirty="0" smtClean="0"/>
+              </a:p>
+              <a:p>
+                <a:pPr marL="0" indent="0">
+                  <a:buNone/>
+                </a:pPr>
+                <a:r>
+                  <a:rPr lang="ru-RU" dirty="0"/>
+                  <a:t>	</a:t>
+                </a:r>
+                <a14:m>
+                  <m:oMath xmlns:m="http://schemas.openxmlformats.org/officeDocument/2006/math">
+                    <m:r>
+                      <a:rPr lang="ru-RU" i="1">
+                        <a:latin typeface="Cambria Math" panose="02040503050406030204" pitchFamily="18" charset="0"/>
+                      </a:rPr>
+                      <m:t>𝜀</m:t>
+                    </m:r>
+                  </m:oMath>
+                </a14:m>
+                <a:r>
+                  <a:rPr lang="ru-RU" dirty="0"/>
+                  <a:t> – требуемая точность, </a:t>
+                </a:r>
+              </a:p>
+              <a:p>
+                <a:pPr marL="0" indent="0">
+                  <a:buNone/>
+                </a:pPr>
+                <a:r>
+                  <a:rPr lang="ru-RU" dirty="0" smtClean="0"/>
+                  <a:t>	</a:t>
+                </a:r>
+                <a14:m>
+                  <m:oMath xmlns:m="http://schemas.openxmlformats.org/officeDocument/2006/math">
+                    <m:sSup>
+                      <m:sSupPr>
+                        <m:ctrlPr>
+                          <a:rPr lang="ru-RU" i="1">
+                            <a:latin typeface="Cambria Math" panose="02040503050406030204" pitchFamily="18" charset="0"/>
+                          </a:rPr>
+                        </m:ctrlPr>
+                      </m:sSupPr>
+                      <m:e>
+                        <m:r>
+                          <a:rPr lang="ru-RU" i="1">
+                            <a:latin typeface="Cambria Math" panose="02040503050406030204" pitchFamily="18" charset="0"/>
+                          </a:rPr>
+                          <m:t>𝜎</m:t>
+                        </m:r>
+                      </m:e>
+                      <m:sup>
+                        <m:r>
+                          <a:rPr lang="ru-RU" i="1">
+                            <a:latin typeface="Cambria Math" panose="02040503050406030204" pitchFamily="18" charset="0"/>
+                          </a:rPr>
+                          <m:t>2</m:t>
+                        </m:r>
+                      </m:sup>
+                    </m:sSup>
+                  </m:oMath>
+                </a14:m>
+                <a:r>
+                  <a:rPr lang="ru-RU" dirty="0"/>
+                  <a:t>– дисперсия случайной величины, </a:t>
+                </a:r>
+                <a:endParaRPr lang="ru-RU" dirty="0" smtClean="0"/>
+              </a:p>
+              <a:p>
+                <a:pPr marL="0" indent="0">
+                  <a:buNone/>
+                </a:pPr>
+                <a:r>
+                  <a:rPr lang="ru-RU" dirty="0"/>
+                  <a:t>	</a:t>
+                </a:r>
+                <a14:m>
+                  <m:oMath xmlns:m="http://schemas.openxmlformats.org/officeDocument/2006/math">
+                    <m:r>
+                      <a:rPr lang="ru-RU" i="1">
+                        <a:latin typeface="Cambria Math" panose="02040503050406030204" pitchFamily="18" charset="0"/>
+                      </a:rPr>
+                      <m:t>𝑀𝑋</m:t>
+                    </m:r>
+                  </m:oMath>
+                </a14:m>
+                <a:r>
+                  <a:rPr lang="ru-RU" dirty="0"/>
+                  <a:t> – математическое ожидание случайной величины</a:t>
+                </a:r>
+                <a:r>
+                  <a:rPr lang="ru-RU" dirty="0" smtClean="0"/>
+                  <a:t>.</a:t>
+                </a:r>
+              </a:p>
+              <a:p>
+                <a:r>
+                  <a:rPr lang="ru-RU" dirty="0" smtClean="0"/>
+                  <a:t>Для эксперимента используются четыре класса маршрутов:</a:t>
+                </a:r>
+              </a:p>
+              <a:p>
+                <a:pPr marL="971550" lvl="1" indent="-514350">
+                  <a:buFont typeface="+mj-lt"/>
+                  <a:buAutoNum type="arabicPeriod"/>
+                </a:pPr>
+                <a:r>
+                  <a:rPr lang="ru-RU" dirty="0" smtClean="0"/>
+                  <a:t>Пеший маршрут + метро</a:t>
+                </a:r>
+              </a:p>
+              <a:p>
+                <a:pPr marL="971550" lvl="1" indent="-514350">
+                  <a:buFont typeface="+mj-lt"/>
+                  <a:buAutoNum type="arabicPeriod"/>
+                </a:pPr>
+                <a:r>
+                  <a:rPr lang="ru-RU" dirty="0" smtClean="0"/>
+                  <a:t>Наземный общественный транспорт</a:t>
+                </a:r>
+              </a:p>
+              <a:p>
+                <a:pPr marL="971550" lvl="1" indent="-514350">
+                  <a:buFont typeface="+mj-lt"/>
+                  <a:buAutoNum type="arabicPeriod"/>
+                </a:pPr>
+                <a:r>
+                  <a:rPr lang="ru-RU" dirty="0" smtClean="0"/>
+                  <a:t>Автомобиль</a:t>
+                </a:r>
+              </a:p>
+              <a:p>
+                <a:pPr marL="971550" lvl="1" indent="-514350">
+                  <a:buFont typeface="+mj-lt"/>
+                  <a:buAutoNum type="arabicPeriod"/>
+                </a:pPr>
+                <a:r>
+                  <a:rPr lang="ru-RU" dirty="0" smtClean="0"/>
+                  <a:t>Велосипед</a:t>
+                </a:r>
+              </a:p>
+              <a:p>
+                <a:pPr marL="0" indent="0">
+                  <a:buNone/>
+                </a:pPr>
+                <a:endParaRPr lang="ru-RU" dirty="0"/>
+              </a:p>
+            </p:txBody>
+          </p:sp>
+        </mc:Choice>
+        <mc:Fallback xmlns="">
+          <p:sp>
+            <p:nvSpPr>
+              <p:cNvPr id="3" name="Объект 2"/>
+              <p:cNvSpPr>
+                <a:spLocks noGrp="1" noRot="1" noChangeAspect="1" noMove="1" noResize="1" noEditPoints="1" noAdjustHandles="1" noChangeArrowheads="1" noChangeShapeType="1" noTextEdit="1"/>
+              </p:cNvSpPr>
+              <p:nvPr>
+                <p:ph idx="1"/>
+              </p:nvPr>
+            </p:nvSpPr>
+            <p:spPr>
+              <a:blipFill rotWithShape="0">
+                <a:blip r:embed="rId2"/>
+                <a:stretch>
+                  <a:fillRect l="-754" t="-2941" b="-560"/>
+                </a:stretch>
+              </a:blipFill>
+            </p:spPr>
+            <p:txBody>
+              <a:bodyPr/>
+              <a:lstStyle/>
+              <a:p>
+                <a:r>
+                  <a:rPr lang="ru-RU">
+                    <a:noFill/>
+                  </a:rPr>
+                  <a:t> </a:t>
+                </a:r>
+              </a:p>
+            </p:txBody>
+          </p:sp>
+        </mc:Fallback>
+      </mc:AlternateContent>
       <p:sp>
         <p:nvSpPr>
           <p:cNvPr id="4" name="Номер слайда 3"/>
@@ -5486,231 +5961,6 @@
               <a:t>13</a:t>
             </a:fld>
             <a:endParaRPr lang="ru-RU"/>
-          </a:p>
-        </p:txBody>
-      </p:sp>
-      <p:pic>
-        <p:nvPicPr>
-          <p:cNvPr id="5" name="Рисунок 4"/>
-          <p:cNvPicPr>
-            <a:picLocks noChangeAspect="1"/>
-          </p:cNvPicPr>
-          <p:nvPr/>
-        </p:nvPicPr>
-        <p:blipFill>
-          <a:blip r:embed="rId2">
-            <a:extLst>
-              <a:ext uri="{28A0092B-C50C-407E-A947-70E740481C1C}">
-                <a14:useLocalDpi xmlns:a14="http://schemas.microsoft.com/office/drawing/2010/main" val="0"/>
-              </a:ext>
-            </a:extLst>
-          </a:blip>
-          <a:stretch>
-            <a:fillRect/>
-          </a:stretch>
-        </p:blipFill>
-        <p:spPr>
-          <a:xfrm>
-            <a:off x="6096000" y="1690688"/>
-            <a:ext cx="5819602" cy="4431500"/>
-          </a:xfrm>
-          <a:prstGeom prst="rect">
-            <a:avLst/>
-          </a:prstGeom>
-        </p:spPr>
-      </p:pic>
-      <p:cxnSp>
-        <p:nvCxnSpPr>
-          <p:cNvPr id="7" name="Прямая соединительная линия 6"/>
-          <p:cNvCxnSpPr/>
-          <p:nvPr/>
-        </p:nvCxnSpPr>
-        <p:spPr>
-          <a:xfrm>
-            <a:off x="9348316" y="2582427"/>
-            <a:ext cx="633047" cy="0"/>
-          </a:xfrm>
-          <a:prstGeom prst="line">
-            <a:avLst/>
-          </a:prstGeom>
-          <a:ln w="34925">
-            <a:solidFill>
-              <a:srgbClr val="FF6343"/>
-            </a:solidFill>
-          </a:ln>
-        </p:spPr>
-        <p:style>
-          <a:lnRef idx="1">
-            <a:schemeClr val="accent1"/>
-          </a:lnRef>
-          <a:fillRef idx="0">
-            <a:schemeClr val="accent1"/>
-          </a:fillRef>
-          <a:effectRef idx="0">
-            <a:schemeClr val="accent1"/>
-          </a:effectRef>
-          <a:fontRef idx="minor">
-            <a:schemeClr val="tx1"/>
-          </a:fontRef>
-        </p:style>
-      </p:cxnSp>
-      <p:cxnSp>
-        <p:nvCxnSpPr>
-          <p:cNvPr id="8" name="Прямая соединительная линия 7"/>
-          <p:cNvCxnSpPr/>
-          <p:nvPr/>
-        </p:nvCxnSpPr>
-        <p:spPr>
-          <a:xfrm>
-            <a:off x="9348316" y="2292699"/>
-            <a:ext cx="633047" cy="0"/>
-          </a:xfrm>
-          <a:prstGeom prst="line">
-            <a:avLst/>
-          </a:prstGeom>
-          <a:ln w="34925">
-            <a:solidFill>
-              <a:srgbClr val="685B91"/>
-            </a:solidFill>
-          </a:ln>
-        </p:spPr>
-        <p:style>
-          <a:lnRef idx="1">
-            <a:schemeClr val="accent1"/>
-          </a:lnRef>
-          <a:fillRef idx="0">
-            <a:schemeClr val="accent1"/>
-          </a:fillRef>
-          <a:effectRef idx="0">
-            <a:schemeClr val="accent1"/>
-          </a:effectRef>
-          <a:fontRef idx="minor">
-            <a:schemeClr val="tx1"/>
-          </a:fontRef>
-        </p:style>
-      </p:cxnSp>
-      <p:cxnSp>
-        <p:nvCxnSpPr>
-          <p:cNvPr id="9" name="Прямая соединительная линия 8"/>
-          <p:cNvCxnSpPr/>
-          <p:nvPr/>
-        </p:nvCxnSpPr>
-        <p:spPr>
-          <a:xfrm>
-            <a:off x="9348316" y="2013020"/>
-            <a:ext cx="633047" cy="0"/>
-          </a:xfrm>
-          <a:prstGeom prst="line">
-            <a:avLst/>
-          </a:prstGeom>
-          <a:ln w="34925">
-            <a:solidFill>
-              <a:srgbClr val="7BB08D"/>
-            </a:solidFill>
-          </a:ln>
-        </p:spPr>
-        <p:style>
-          <a:lnRef idx="1">
-            <a:schemeClr val="accent1"/>
-          </a:lnRef>
-          <a:fillRef idx="0">
-            <a:schemeClr val="accent1"/>
-          </a:fillRef>
-          <a:effectRef idx="0">
-            <a:schemeClr val="accent1"/>
-          </a:effectRef>
-          <a:fontRef idx="minor">
-            <a:schemeClr val="tx1"/>
-          </a:fontRef>
-        </p:style>
-      </p:cxnSp>
-      <p:sp>
-        <p:nvSpPr>
-          <p:cNvPr id="10" name="TextBox 9"/>
-          <p:cNvSpPr txBox="1"/>
-          <p:nvPr/>
-        </p:nvSpPr>
-        <p:spPr>
-          <a:xfrm>
-            <a:off x="9981363" y="1828354"/>
-            <a:ext cx="1900200" cy="338554"/>
-          </a:xfrm>
-          <a:prstGeom prst="rect">
-            <a:avLst/>
-          </a:prstGeom>
-          <a:noFill/>
-        </p:spPr>
-        <p:txBody>
-          <a:bodyPr wrap="none" rtlCol="0">
-            <a:spAutoFit/>
-          </a:bodyPr>
-          <a:lstStyle/>
-          <a:p>
-            <a:r>
-              <a:rPr lang="ru-RU" sz="1600" dirty="0" smtClean="0"/>
-              <a:t>Исходный маршрут</a:t>
-            </a:r>
-            <a:endParaRPr lang="ru-RU" sz="1600" dirty="0"/>
-          </a:p>
-        </p:txBody>
-      </p:sp>
-      <p:sp>
-        <p:nvSpPr>
-          <p:cNvPr id="11" name="TextBox 10"/>
-          <p:cNvSpPr txBox="1"/>
-          <p:nvPr/>
-        </p:nvSpPr>
-        <p:spPr>
-          <a:xfrm>
-            <a:off x="9981363" y="2391069"/>
-            <a:ext cx="1873526" cy="338554"/>
-          </a:xfrm>
-          <a:prstGeom prst="rect">
-            <a:avLst/>
-          </a:prstGeom>
-          <a:noFill/>
-        </p:spPr>
-        <p:txBody>
-          <a:bodyPr wrap="none" rtlCol="0">
-            <a:spAutoFit/>
-          </a:bodyPr>
-          <a:lstStyle/>
-          <a:p>
-            <a:r>
-              <a:rPr lang="ru-RU" sz="1600" dirty="0" smtClean="0"/>
-              <a:t>Итоговый маршрут</a:t>
-            </a:r>
-            <a:endParaRPr lang="ru-RU" sz="1600" dirty="0"/>
-          </a:p>
-        </p:txBody>
-      </p:sp>
-      <p:sp>
-        <p:nvSpPr>
-          <p:cNvPr id="12" name="TextBox 11"/>
-          <p:cNvSpPr txBox="1"/>
-          <p:nvPr/>
-        </p:nvSpPr>
-        <p:spPr>
-          <a:xfrm>
-            <a:off x="9981363" y="2104711"/>
-            <a:ext cx="2005870" cy="338554"/>
-          </a:xfrm>
-          <a:prstGeom prst="rect">
-            <a:avLst/>
-          </a:prstGeom>
-          <a:noFill/>
-        </p:spPr>
-        <p:txBody>
-          <a:bodyPr wrap="none" rtlCol="0">
-            <a:spAutoFit/>
-          </a:bodyPr>
-          <a:lstStyle/>
-          <a:p>
-            <a:r>
-              <a:rPr lang="ru-RU" sz="1600" dirty="0" smtClean="0"/>
-              <a:t>Эталонный маршрут</a:t>
-            </a:r>
-            <a:endParaRPr lang="ru-RU" sz="1600" dirty="0"/>
           </a:p>
         </p:txBody>
       </p:sp>
@@ -5763,7 +6013,7 @@
         </p:nvSpPr>
         <p:spPr>
           <a:xfrm>
-            <a:off x="838199" y="146542"/>
+            <a:off x="838200" y="145835"/>
             <a:ext cx="10515600" cy="1325563"/>
           </a:xfrm>
         </p:spPr>
@@ -5773,37 +6023,38 @@
           <a:p>
             <a:r>
               <a:rPr lang="ru-RU" dirty="0" smtClean="0"/>
-              <a:t>Эксперимент</a:t>
+              <a:t>Пример данных для эксперимента</a:t>
             </a:r>
             <a:endParaRPr lang="ru-RU" dirty="0"/>
           </a:p>
         </p:txBody>
       </p:sp>
-      <p:graphicFrame>
-        <p:nvGraphicFramePr>
-          <p:cNvPr id="6" name="Объект 5"/>
-          <p:cNvGraphicFramePr>
-            <a:graphicFrameLocks noGrp="1"/>
-          </p:cNvGraphicFramePr>
+      <p:pic>
+        <p:nvPicPr>
+          <p:cNvPr id="5" name="Объект 4"/>
+          <p:cNvPicPr>
+            <a:picLocks noGrp="1" noChangeAspect="1"/>
+          </p:cNvPicPr>
           <p:nvPr>
             <p:ph idx="1"/>
-            <p:extLst>
-              <p:ext uri="{D42A27DB-BD31-4B8C-83A1-F6EECF244321}">
-                <p14:modId xmlns:p14="http://schemas.microsoft.com/office/powerpoint/2010/main" val="4259378243"/>
-              </p:ext>
-            </p:extLst>
           </p:nvPr>
-        </p:nvGraphicFramePr>
-        <p:xfrm>
-          <a:off x="838200" y="1185704"/>
-          <a:ext cx="10515600" cy="5164853"/>
-        </p:xfrm>
-        <a:graphic>
-          <a:graphicData uri="http://schemas.openxmlformats.org/drawingml/2006/chart">
-            <c:chart xmlns:c="http://schemas.openxmlformats.org/drawingml/2006/chart" xmlns:r="http://schemas.openxmlformats.org/officeDocument/2006/relationships" r:id="rId3"/>
-          </a:graphicData>
-        </a:graphic>
-      </p:graphicFrame>
+        </p:nvPicPr>
+        <p:blipFill>
+          <a:blip r:embed="rId2"/>
+          <a:stretch>
+            <a:fillRect/>
+          </a:stretch>
+        </p:blipFill>
+        <p:spPr>
+          <a:xfrm>
+            <a:off x="838200" y="1265452"/>
+            <a:ext cx="8968117" cy="4351338"/>
+          </a:xfrm>
+          <a:prstGeom prst="rect">
+            <a:avLst/>
+          </a:prstGeom>
+        </p:spPr>
+      </p:pic>
       <p:sp>
         <p:nvSpPr>
           <p:cNvPr id="4" name="Номер слайда 3"/>
@@ -5827,10 +6078,205 @@
           </a:p>
         </p:txBody>
       </p:sp>
+      <p:cxnSp>
+        <p:nvCxnSpPr>
+          <p:cNvPr id="11" name="Прямая соединительная линия 10"/>
+          <p:cNvCxnSpPr/>
+          <p:nvPr/>
+        </p:nvCxnSpPr>
+        <p:spPr>
+          <a:xfrm>
+            <a:off x="838200" y="5903715"/>
+            <a:ext cx="737119" cy="0"/>
+          </a:xfrm>
+          <a:prstGeom prst="line">
+            <a:avLst/>
+          </a:prstGeom>
+          <a:ln w="28575">
+            <a:solidFill>
+              <a:srgbClr val="797DC9"/>
+            </a:solidFill>
+          </a:ln>
+        </p:spPr>
+        <p:style>
+          <a:lnRef idx="1">
+            <a:schemeClr val="accent1"/>
+          </a:lnRef>
+          <a:fillRef idx="0">
+            <a:schemeClr val="accent1"/>
+          </a:fillRef>
+          <a:effectRef idx="0">
+            <a:schemeClr val="accent1"/>
+          </a:effectRef>
+          <a:fontRef idx="minor">
+            <a:schemeClr val="tx1"/>
+          </a:fontRef>
+        </p:style>
+      </p:cxnSp>
+      <p:cxnSp>
+        <p:nvCxnSpPr>
+          <p:cNvPr id="12" name="Прямая соединительная линия 11"/>
+          <p:cNvCxnSpPr/>
+          <p:nvPr/>
+        </p:nvCxnSpPr>
+        <p:spPr>
+          <a:xfrm>
+            <a:off x="838200" y="6512492"/>
+            <a:ext cx="737119" cy="0"/>
+          </a:xfrm>
+          <a:prstGeom prst="line">
+            <a:avLst/>
+          </a:prstGeom>
+          <a:ln w="28575">
+            <a:solidFill>
+              <a:srgbClr val="F4716D"/>
+            </a:solidFill>
+          </a:ln>
+        </p:spPr>
+        <p:style>
+          <a:lnRef idx="1">
+            <a:schemeClr val="accent1"/>
+          </a:lnRef>
+          <a:fillRef idx="0">
+            <a:schemeClr val="accent1"/>
+          </a:fillRef>
+          <a:effectRef idx="0">
+            <a:schemeClr val="accent1"/>
+          </a:effectRef>
+          <a:fontRef idx="minor">
+            <a:schemeClr val="tx1"/>
+          </a:fontRef>
+        </p:style>
+      </p:cxnSp>
+      <p:sp>
+        <p:nvSpPr>
+          <p:cNvPr id="13" name="TextBox 12"/>
+          <p:cNvSpPr txBox="1"/>
+          <p:nvPr/>
+        </p:nvSpPr>
+        <p:spPr>
+          <a:xfrm>
+            <a:off x="1668625" y="5719049"/>
+            <a:ext cx="2742601" cy="369332"/>
+          </a:xfrm>
+          <a:prstGeom prst="rect">
+            <a:avLst/>
+          </a:prstGeom>
+          <a:noFill/>
+        </p:spPr>
+        <p:txBody>
+          <a:bodyPr wrap="square" rtlCol="0">
+            <a:spAutoFit/>
+          </a:bodyPr>
+          <a:lstStyle/>
+          <a:p>
+            <a:r>
+              <a:rPr lang="ru-RU" dirty="0" smtClean="0"/>
+              <a:t>Эталонный маршрут</a:t>
+            </a:r>
+            <a:endParaRPr lang="ru-RU" dirty="0"/>
+          </a:p>
+        </p:txBody>
+      </p:sp>
+      <p:sp>
+        <p:nvSpPr>
+          <p:cNvPr id="14" name="TextBox 13"/>
+          <p:cNvSpPr txBox="1"/>
+          <p:nvPr/>
+        </p:nvSpPr>
+        <p:spPr>
+          <a:xfrm>
+            <a:off x="1668625" y="6310205"/>
+            <a:ext cx="2453951" cy="369332"/>
+          </a:xfrm>
+          <a:prstGeom prst="rect">
+            <a:avLst/>
+          </a:prstGeom>
+          <a:noFill/>
+        </p:spPr>
+        <p:txBody>
+          <a:bodyPr wrap="square" rtlCol="0">
+            <a:spAutoFit/>
+          </a:bodyPr>
+          <a:lstStyle/>
+          <a:p>
+            <a:r>
+              <a:rPr lang="ru-RU" dirty="0" smtClean="0"/>
+              <a:t>Итоговый маршрут</a:t>
+            </a:r>
+            <a:endParaRPr lang="ru-RU" dirty="0"/>
+          </a:p>
+        </p:txBody>
+      </p:sp>
+      <p:cxnSp>
+        <p:nvCxnSpPr>
+          <p:cNvPr id="15" name="Прямая соединительная линия 14"/>
+          <p:cNvCxnSpPr/>
+          <p:nvPr/>
+        </p:nvCxnSpPr>
+        <p:spPr>
+          <a:xfrm>
+            <a:off x="838200" y="6216914"/>
+            <a:ext cx="737119" cy="0"/>
+          </a:xfrm>
+          <a:prstGeom prst="line">
+            <a:avLst/>
+          </a:prstGeom>
+          <a:ln w="28575">
+            <a:solidFill>
+              <a:srgbClr val="A4D984"/>
+            </a:solidFill>
+          </a:ln>
+        </p:spPr>
+        <p:style>
+          <a:lnRef idx="1">
+            <a:schemeClr val="accent1"/>
+          </a:lnRef>
+          <a:fillRef idx="0">
+            <a:schemeClr val="accent1"/>
+          </a:fillRef>
+          <a:effectRef idx="0">
+            <a:schemeClr val="accent1"/>
+          </a:effectRef>
+          <a:fontRef idx="minor">
+            <a:schemeClr val="tx1"/>
+          </a:fontRef>
+        </p:style>
+      </p:cxnSp>
+      <p:sp>
+        <p:nvSpPr>
+          <p:cNvPr id="16" name="TextBox 15"/>
+          <p:cNvSpPr txBox="1"/>
+          <p:nvPr/>
+        </p:nvSpPr>
+        <p:spPr>
+          <a:xfrm>
+            <a:off x="1668625" y="6014627"/>
+            <a:ext cx="3044052" cy="369332"/>
+          </a:xfrm>
+          <a:prstGeom prst="rect">
+            <a:avLst/>
+          </a:prstGeom>
+          <a:noFill/>
+        </p:spPr>
+        <p:txBody>
+          <a:bodyPr wrap="square" rtlCol="0">
+            <a:spAutoFit/>
+          </a:bodyPr>
+          <a:lstStyle/>
+          <a:p>
+            <a:r>
+              <a:rPr lang="ru-RU" dirty="0" smtClean="0"/>
+              <a:t>Исходный маршрут</a:t>
+            </a:r>
+            <a:endParaRPr lang="ru-RU" dirty="0"/>
+          </a:p>
+        </p:txBody>
+      </p:sp>
     </p:spTree>
     <p:extLst>
       <p:ext uri="{BB962C8B-B14F-4D97-AF65-F5344CB8AC3E}">
-        <p14:creationId xmlns:p14="http://schemas.microsoft.com/office/powerpoint/2010/main" val="3555441887"/>
+        <p14:creationId xmlns:p14="http://schemas.microsoft.com/office/powerpoint/2010/main" val="2985237988"/>
       </p:ext>
     </p:extLst>
   </p:cSld>
@@ -5874,7 +6320,125 @@
             <p:ph type="title"/>
           </p:nvPr>
         </p:nvSpPr>
+        <p:spPr>
+          <a:xfrm>
+            <a:off x="838199" y="146542"/>
+            <a:ext cx="10515600" cy="1325563"/>
+          </a:xfrm>
+        </p:spPr>
+        <p:txBody>
+          <a:bodyPr/>
+          <a:lstStyle/>
+          <a:p>
+            <a:r>
+              <a:rPr lang="ru-RU" dirty="0" smtClean="0"/>
+              <a:t>Эксперимент</a:t>
+            </a:r>
+            <a:endParaRPr lang="ru-RU" dirty="0"/>
+          </a:p>
+        </p:txBody>
+      </p:sp>
+      <p:graphicFrame>
+        <p:nvGraphicFramePr>
+          <p:cNvPr id="6" name="Объект 5"/>
+          <p:cNvGraphicFramePr>
+            <a:graphicFrameLocks noGrp="1"/>
+          </p:cNvGraphicFramePr>
+          <p:nvPr>
+            <p:ph idx="1"/>
+            <p:extLst>
+              <p:ext uri="{D42A27DB-BD31-4B8C-83A1-F6EECF244321}">
+                <p14:modId xmlns:p14="http://schemas.microsoft.com/office/powerpoint/2010/main" val="2565573960"/>
+              </p:ext>
+            </p:extLst>
+          </p:nvPr>
+        </p:nvGraphicFramePr>
+        <p:xfrm>
+          <a:off x="838200" y="1185704"/>
+          <a:ext cx="10515600" cy="5164853"/>
+        </p:xfrm>
+        <a:graphic>
+          <a:graphicData uri="http://schemas.openxmlformats.org/drawingml/2006/chart">
+            <c:chart xmlns:c="http://schemas.openxmlformats.org/drawingml/2006/chart" xmlns:r="http://schemas.openxmlformats.org/officeDocument/2006/relationships" r:id="rId3"/>
+          </a:graphicData>
+        </a:graphic>
+      </p:graphicFrame>
+      <p:sp>
+        <p:nvSpPr>
+          <p:cNvPr id="4" name="Номер слайда 3"/>
+          <p:cNvSpPr>
+            <a:spLocks noGrp="1"/>
+          </p:cNvSpPr>
+          <p:nvPr>
+            <p:ph type="sldNum" sz="quarter" idx="12"/>
+          </p:nvPr>
+        </p:nvSpPr>
         <p:spPr/>
+        <p:txBody>
+          <a:bodyPr/>
+          <a:lstStyle/>
+          <a:p>
+            <a:fld id="{3BCC8605-603C-4CBC-9D12-BEB80FA30360}" type="slidenum">
+              <a:rPr lang="ru-RU" smtClean="0"/>
+              <a:t>15</a:t>
+            </a:fld>
+            <a:endParaRPr lang="ru-RU"/>
+          </a:p>
+        </p:txBody>
+      </p:sp>
+    </p:spTree>
+    <p:extLst>
+      <p:ext uri="{BB962C8B-B14F-4D97-AF65-F5344CB8AC3E}">
+        <p14:creationId xmlns:p14="http://schemas.microsoft.com/office/powerpoint/2010/main" val="3555441887"/>
+      </p:ext>
+    </p:extLst>
+  </p:cSld>
+  <p:clrMapOvr>
+    <a:masterClrMapping/>
+  </p:clrMapOvr>
+  <p:timing>
+    <p:tnLst>
+      <p:par>
+        <p:cTn id="1" dur="indefinite" restart="never" nodeType="tmRoot"/>
+      </p:par>
+    </p:tnLst>
+  </p:timing>
+</p:sld>
+</file>
+
+<file path=ppt/slides/slide16.xml><?xml version="1.0" encoding="utf-8"?>
+<p:sld xmlns:a="http://schemas.openxmlformats.org/drawingml/2006/main" xmlns:r="http://schemas.openxmlformats.org/officeDocument/2006/relationships" xmlns:p="http://schemas.openxmlformats.org/presentationml/2006/main">
+  <p:cSld>
+    <p:spTree>
+      <p:nvGrpSpPr>
+        <p:cNvPr id="1" name=""/>
+        <p:cNvGrpSpPr/>
+        <p:nvPr/>
+      </p:nvGrpSpPr>
+      <p:grpSpPr>
+        <a:xfrm>
+          <a:off x="0" y="0"/>
+          <a:ext cx="0" cy="0"/>
+          <a:chOff x="0" y="0"/>
+          <a:chExt cx="0" cy="0"/>
+        </a:xfrm>
+      </p:grpSpPr>
+      <p:sp>
+        <p:nvSpPr>
+          <p:cNvPr id="2" name="Заголовок 1"/>
+          <p:cNvSpPr>
+            <a:spLocks noGrp="1"/>
+          </p:cNvSpPr>
+          <p:nvPr>
+            <p:ph type="title"/>
+          </p:nvPr>
+        </p:nvSpPr>
+        <p:spPr>
+          <a:xfrm>
+            <a:off x="459259" y="-41189"/>
+            <a:ext cx="10515600" cy="1325563"/>
+          </a:xfrm>
+        </p:spPr>
         <p:txBody>
           <a:bodyPr/>
           <a:lstStyle/>
@@ -5897,14 +6461,14 @@
             <p:ph idx="1"/>
             <p:extLst>
               <p:ext uri="{D42A27DB-BD31-4B8C-83A1-F6EECF244321}">
-                <p14:modId xmlns:p14="http://schemas.microsoft.com/office/powerpoint/2010/main" val="2734017891"/>
+                <p14:modId xmlns:p14="http://schemas.microsoft.com/office/powerpoint/2010/main" val="3905306738"/>
               </p:ext>
             </p:extLst>
           </p:nvPr>
         </p:nvGraphicFramePr>
         <p:xfrm>
-          <a:off x="838199" y="1825625"/>
-          <a:ext cx="11059049" cy="3017520"/>
+          <a:off x="534102" y="1056432"/>
+          <a:ext cx="11123795" cy="4884420"/>
         </p:xfrm>
         <a:graphic>
           <a:graphicData uri="http://schemas.openxmlformats.org/drawingml/2006/table">
@@ -5913,13 +6477,13 @@
                 <a:tableStyleId>{5940675A-B579-460E-94D1-54222C63F5DA}</a:tableStyleId>
               </a:tblPr>
               <a:tblGrid>
-                <a:gridCol w="1754276"/>
-                <a:gridCol w="2150347"/>
-                <a:gridCol w="2401556"/>
-                <a:gridCol w="2160396"/>
-                <a:gridCol w="2592474"/>
+                <a:gridCol w="1779890"/>
+                <a:gridCol w="2176207"/>
+                <a:gridCol w="2273643"/>
+                <a:gridCol w="2052000"/>
+                <a:gridCol w="2842055"/>
               </a:tblGrid>
-              <a:tr h="370840">
+              <a:tr h="1152000">
                 <a:tc>
                   <a:txBody>
                     <a:bodyPr/>
@@ -6038,22 +6602,7 @@
                   </a:tcPr>
                 </a:tc>
               </a:tr>
-              <a:tr h="370840">
-                <a:tc>
-                  <a:txBody>
-                    <a:bodyPr/>
-                    <a:lstStyle/>
-                    <a:p>
-                      <a:pPr algn="ctr"/>
-                      <a:r>
-                        <a:rPr lang="ru-RU" sz="2400" dirty="0" smtClean="0"/>
-                        <a:t>Маршрут 1</a:t>
-                      </a:r>
-                      <a:endParaRPr lang="ru-RU" sz="2400" dirty="0"/>
-                    </a:p>
-                  </a:txBody>
-                  <a:tcPr/>
-                </a:tc>
+              <a:tr h="923925">
                 <a:tc>
                   <a:txBody>
                     <a:bodyPr/>
@@ -6061,14 +6610,14 @@
                     <a:p>
                       <a:pPr algn="ctr" fontAlgn="b"/>
                       <a:r>
-                        <a:rPr lang="ru-RU" sz="2400" b="0" i="0" u="none" strike="noStrike" smtClean="0">
+                        <a:rPr lang="ru-RU" sz="2000" b="0" i="0" u="none" strike="noStrike" dirty="0">
                           <a:solidFill>
                             <a:srgbClr val="000000"/>
                           </a:solidFill>
                           <a:effectLst/>
                           <a:latin typeface="+mn-lt"/>
                         </a:rPr>
-                        <a:t>17,65 ± 15,95</a:t>
+                        <a:t>Пешие участки + метро</a:t>
                       </a:r>
                     </a:p>
                   </a:txBody>
@@ -6081,14 +6630,14 @@
                     <a:p>
                       <a:pPr algn="ctr" fontAlgn="b"/>
                       <a:r>
-                        <a:rPr lang="ru-RU" sz="2400" b="0" i="0" u="none" strike="noStrike" dirty="0" smtClean="0">
+                        <a:rPr lang="ru-RU" sz="2000" b="0" i="0" u="none" strike="noStrike" smtClean="0">
                           <a:solidFill>
                             <a:srgbClr val="000000"/>
                           </a:solidFill>
                           <a:effectLst/>
                           <a:latin typeface="+mn-lt"/>
                         </a:rPr>
-                        <a:t>8,92 ± 9,85</a:t>
+                        <a:t>22,7263±205,307</a:t>
                       </a:r>
                     </a:p>
                   </a:txBody>
@@ -6101,21 +6650,21 @@
                     <a:p>
                       <a:pPr algn="ctr" fontAlgn="b"/>
                       <a:r>
-                        <a:rPr lang="ru-RU" sz="2400" b="0" i="0" u="none" strike="noStrike" dirty="0" smtClean="0">
+                        <a:rPr lang="ru-RU" sz="2000" b="0" i="0" u="none" strike="noStrike" dirty="0" smtClean="0">
                           <a:solidFill>
                             <a:srgbClr val="000000"/>
                           </a:solidFill>
                           <a:effectLst/>
-                          <a:latin typeface="+mj-lt"/>
+                          <a:latin typeface="+mn-lt"/>
                         </a:rPr>
-                        <a:t>1,98</a:t>
+                        <a:t>11,4884±12,6923</a:t>
                       </a:r>
-                      <a:endParaRPr lang="ru-RU" sz="2400" b="0" i="0" u="none" strike="noStrike" dirty="0">
+                      <a:endParaRPr lang="ru-RU" sz="2000" b="0" i="0" u="none" strike="noStrike" dirty="0">
                         <a:solidFill>
                           <a:srgbClr val="000000"/>
                         </a:solidFill>
                         <a:effectLst/>
-                        <a:latin typeface="+mj-lt"/>
+                        <a:latin typeface="+mn-lt"/>
                       </a:endParaRPr>
                     </a:p>
                   </a:txBody>
@@ -6128,74 +6677,56 @@
                     <a:p>
                       <a:pPr algn="ctr" fontAlgn="b"/>
                       <a:r>
-                        <a:rPr lang="ru-RU" sz="2400" b="0" i="0" u="none" strike="noStrike" dirty="0" smtClean="0">
+                        <a:rPr lang="ru-RU" sz="2000" b="0" i="0" u="none" strike="noStrike">
                           <a:solidFill>
                             <a:srgbClr val="000000"/>
                           </a:solidFill>
                           <a:effectLst/>
-                          <a:latin typeface="+mj-lt"/>
+                          <a:latin typeface="+mn-lt"/>
                         </a:rPr>
-                        <a:t>1,62</a:t>
+                        <a:t>1,9782</a:t>
                       </a:r>
-                      <a:endParaRPr lang="ru-RU" sz="2400" b="0" i="0" u="none" strike="noStrike" dirty="0">
-                        <a:solidFill>
-                          <a:srgbClr val="000000"/>
-                        </a:solidFill>
-                        <a:effectLst/>
-                        <a:latin typeface="+mj-lt"/>
-                      </a:endParaRPr>
                     </a:p>
                   </a:txBody>
                   <a:tcPr marL="9525" marR="9525" marT="9525" marB="0" anchor="ctr"/>
-                </a:tc>
-              </a:tr>
-              <a:tr h="370840">
-                <a:tc>
-                  <a:txBody>
-                    <a:bodyPr/>
-                    <a:lstStyle/>
-                    <a:p>
-                      <a:pPr algn="ctr"/>
-                      <a:r>
-                        <a:rPr lang="ru-RU" sz="2400" dirty="0" smtClean="0"/>
-                        <a:t>Маршрут 2</a:t>
-                      </a:r>
-                      <a:endParaRPr lang="ru-RU" sz="2400" dirty="0"/>
-                    </a:p>
-                  </a:txBody>
-                  <a:tcPr/>
                 </a:tc>
                 <a:tc>
                   <a:txBody>
                     <a:bodyPr/>
                     <a:lstStyle/>
                     <a:p>
-                      <a:pPr marL="0" marR="0" indent="0" algn="ctr" defTabSz="914400" rtl="0" eaLnBrk="1" fontAlgn="b" latinLnBrk="0" hangingPunct="1">
-                        <a:lnSpc>
-                          <a:spcPct val="100000"/>
-                        </a:lnSpc>
-                        <a:spcBef>
-                          <a:spcPts val="0"/>
-                        </a:spcBef>
-                        <a:spcAft>
-                          <a:spcPts val="0"/>
-                        </a:spcAft>
-                        <a:buClrTx/>
-                        <a:buSzTx/>
-                        <a:buFontTx/>
-                        <a:buNone/>
-                        <a:tabLst/>
-                        <a:defRPr/>
-                      </a:pPr>
+                      <a:pPr algn="ctr" fontAlgn="b"/>
                       <a:r>
-                        <a:rPr lang="ru-RU" sz="2400" b="0" i="0" u="none" strike="noStrike" dirty="0" smtClean="0">
+                        <a:rPr lang="ru-RU" sz="2000" b="0" i="0" u="none" strike="noStrike">
                           <a:solidFill>
                             <a:srgbClr val="000000"/>
                           </a:solidFill>
                           <a:effectLst/>
                           <a:latin typeface="+mn-lt"/>
                         </a:rPr>
-                        <a:t>19,46 ± 177,13</a:t>
+                        <a:t>16,1757</a:t>
+                      </a:r>
+                    </a:p>
+                  </a:txBody>
+                  <a:tcPr marL="9525" marR="9525" marT="9525" marB="0" anchor="ctr"/>
+                </a:tc>
+              </a:tr>
+              <a:tr h="923925">
+                <a:tc>
+                  <a:txBody>
+                    <a:bodyPr/>
+                    <a:lstStyle/>
+                    <a:p>
+                      <a:pPr algn="ctr" fontAlgn="b"/>
+                      <a:r>
+                        <a:rPr lang="ru-RU" sz="2000" b="0" i="0" u="none" strike="noStrike" dirty="0">
+                          <a:solidFill>
+                            <a:srgbClr val="000000"/>
+                          </a:solidFill>
+                          <a:effectLst/>
+                          <a:latin typeface="+mn-lt"/>
+                        </a:rPr>
+                        <a:t>Наземный общественный транспорт</a:t>
                       </a:r>
                     </a:p>
                   </a:txBody>
@@ -6224,14 +6755,14 @@
                         <a:defRPr/>
                       </a:pPr>
                       <a:r>
-                        <a:rPr lang="ru-RU" sz="2400" b="0" i="0" u="none" strike="noStrike" dirty="0" smtClean="0">
+                        <a:rPr lang="ru-RU" sz="2000" b="0" i="0" u="none" strike="noStrike" dirty="0" smtClean="0">
                           <a:solidFill>
                             <a:srgbClr val="000000"/>
                           </a:solidFill>
                           <a:effectLst/>
                           <a:latin typeface="+mn-lt"/>
                         </a:rPr>
-                        <a:t>15,15 ± 81,69</a:t>
+                        <a:t>30,0419±147,8227</a:t>
                       </a:r>
                     </a:p>
                   </a:txBody>
@@ -6244,22 +6775,15 @@
                     <a:p>
                       <a:pPr algn="ctr" fontAlgn="b"/>
                       <a:r>
-                        <a:rPr lang="ru-RU" sz="2400" b="0" i="0" u="none" strike="noStrike" dirty="0" smtClean="0">
+                        <a:rPr lang="ru-RU" sz="2000" b="0" i="0" u="none" strike="noStrike" dirty="0" smtClean="0">
                           <a:solidFill>
                             <a:srgbClr val="000000"/>
                           </a:solidFill>
                           <a:effectLst/>
-                          <a:latin typeface="+mj-lt"/>
+                          <a:latin typeface="+mn-lt"/>
                         </a:rPr>
-                        <a:t>1,28</a:t>
+                        <a:t>12,9868±44,1246</a:t>
                       </a:r>
-                      <a:endParaRPr lang="ru-RU" sz="2400" b="0" i="0" u="none" strike="noStrike" dirty="0">
-                        <a:solidFill>
-                          <a:srgbClr val="000000"/>
-                        </a:solidFill>
-                        <a:effectLst/>
-                        <a:latin typeface="+mj-lt"/>
-                      </a:endParaRPr>
                     </a:p>
                   </a:txBody>
                   <a:tcPr marL="9525" marR="9525" marT="9525" marB="0" anchor="ctr"/>
@@ -6271,74 +6795,56 @@
                     <a:p>
                       <a:pPr algn="ctr" fontAlgn="b"/>
                       <a:r>
-                        <a:rPr lang="ru-RU" sz="2400" b="0" i="0" u="none" strike="noStrike" dirty="0" smtClean="0">
+                        <a:rPr lang="ru-RU" sz="2000" b="0" i="0" u="none" strike="noStrike">
                           <a:solidFill>
                             <a:srgbClr val="000000"/>
                           </a:solidFill>
                           <a:effectLst/>
-                          <a:latin typeface="+mj-lt"/>
+                          <a:latin typeface="+mn-lt"/>
                         </a:rPr>
-                        <a:t>2,17</a:t>
+                        <a:t>2,31326</a:t>
                       </a:r>
-                      <a:endParaRPr lang="ru-RU" sz="2400" b="0" i="0" u="none" strike="noStrike" dirty="0">
-                        <a:solidFill>
-                          <a:srgbClr val="000000"/>
-                        </a:solidFill>
-                        <a:effectLst/>
-                        <a:latin typeface="+mj-lt"/>
-                      </a:endParaRPr>
                     </a:p>
                   </a:txBody>
                   <a:tcPr marL="9525" marR="9525" marT="9525" marB="0" anchor="ctr"/>
-                </a:tc>
-              </a:tr>
-              <a:tr h="370840">
-                <a:tc>
-                  <a:txBody>
-                    <a:bodyPr/>
-                    <a:lstStyle/>
-                    <a:p>
-                      <a:pPr algn="ctr"/>
-                      <a:r>
-                        <a:rPr lang="ru-RU" sz="2400" dirty="0" smtClean="0"/>
-                        <a:t>Маршрут 3</a:t>
-                      </a:r>
-                      <a:endParaRPr lang="ru-RU" sz="2400" dirty="0"/>
-                    </a:p>
-                  </a:txBody>
-                  <a:tcPr/>
                 </a:tc>
                 <a:tc>
                   <a:txBody>
                     <a:bodyPr/>
                     <a:lstStyle/>
                     <a:p>
-                      <a:pPr marL="0" marR="0" indent="0" algn="ctr" defTabSz="914400" rtl="0" eaLnBrk="1" fontAlgn="b" latinLnBrk="0" hangingPunct="1">
-                        <a:lnSpc>
-                          <a:spcPct val="100000"/>
-                        </a:lnSpc>
-                        <a:spcBef>
-                          <a:spcPts val="0"/>
-                        </a:spcBef>
-                        <a:spcAft>
-                          <a:spcPts val="0"/>
-                        </a:spcAft>
-                        <a:buClrTx/>
-                        <a:buSzTx/>
-                        <a:buFontTx/>
-                        <a:buNone/>
-                        <a:tabLst/>
-                        <a:defRPr/>
-                      </a:pPr>
+                      <a:pPr algn="ctr" fontAlgn="b"/>
                       <a:r>
-                        <a:rPr lang="ru-RU" sz="2400" b="0" i="0" u="none" strike="noStrike" dirty="0" smtClean="0">
+                        <a:rPr lang="ru-RU" sz="2000" b="0" i="0" u="none" strike="noStrike">
                           <a:solidFill>
                             <a:srgbClr val="000000"/>
                           </a:solidFill>
                           <a:effectLst/>
                           <a:latin typeface="+mn-lt"/>
                         </a:rPr>
-                        <a:t>16,50 ± 115,24</a:t>
+                        <a:t>3,35012</a:t>
+                      </a:r>
+                    </a:p>
+                  </a:txBody>
+                  <a:tcPr marL="9525" marR="9525" marT="9525" marB="0" anchor="ctr"/>
+                </a:tc>
+              </a:tr>
+              <a:tr h="923925">
+                <a:tc>
+                  <a:txBody>
+                    <a:bodyPr/>
+                    <a:lstStyle/>
+                    <a:p>
+                      <a:pPr algn="ctr" fontAlgn="b"/>
+                      <a:r>
+                        <a:rPr lang="ru-RU" sz="2000" b="0" i="0" u="none" strike="noStrike">
+                          <a:solidFill>
+                            <a:srgbClr val="000000"/>
+                          </a:solidFill>
+                          <a:effectLst/>
+                          <a:latin typeface="+mn-lt"/>
+                        </a:rPr>
+                        <a:t>Автомобиль</a:t>
                       </a:r>
                     </a:p>
                   </a:txBody>
@@ -6367,14 +6873,14 @@
                         <a:defRPr/>
                       </a:pPr>
                       <a:r>
-                        <a:rPr lang="ru-RU" sz="2400" b="0" i="0" u="none" strike="noStrike" dirty="0" smtClean="0">
+                        <a:rPr lang="ru-RU" sz="2000" b="0" i="0" u="none" strike="noStrike" dirty="0" smtClean="0">
                           <a:solidFill>
                             <a:srgbClr val="000000"/>
                           </a:solidFill>
                           <a:effectLst/>
                           <a:latin typeface="+mn-lt"/>
                         </a:rPr>
-                        <a:t>14,57 ± 110,6</a:t>
+                        <a:t>10,6518±10,6853</a:t>
                       </a:r>
                     </a:p>
                   </a:txBody>
@@ -6387,22 +6893,15 @@
                     <a:p>
                       <a:pPr algn="ctr" fontAlgn="b"/>
                       <a:r>
-                        <a:rPr lang="ru-RU" sz="2400" b="0" i="0" u="none" strike="noStrike" dirty="0" smtClean="0">
+                        <a:rPr lang="ru-RU" sz="2000" b="0" i="0" u="none" strike="noStrike" dirty="0" smtClean="0">
                           <a:solidFill>
                             <a:srgbClr val="000000"/>
                           </a:solidFill>
                           <a:effectLst/>
-                          <a:latin typeface="+mj-lt"/>
+                          <a:latin typeface="+mn-lt"/>
                         </a:rPr>
-                        <a:t>1,13</a:t>
+                        <a:t>10,0099±10,0372</a:t>
                       </a:r>
-                      <a:endParaRPr lang="ru-RU" sz="2400" b="0" i="0" u="none" strike="noStrike" dirty="0">
-                        <a:solidFill>
-                          <a:srgbClr val="000000"/>
-                        </a:solidFill>
-                        <a:effectLst/>
-                        <a:latin typeface="+mj-lt"/>
-                      </a:endParaRPr>
                     </a:p>
                   </a:txBody>
                   <a:tcPr marL="9525" marR="9525" marT="9525" marB="0" anchor="ctr"/>
@@ -6414,74 +6913,56 @@
                     <a:p>
                       <a:pPr algn="ctr" fontAlgn="b"/>
                       <a:r>
-                        <a:rPr lang="ru-RU" sz="2400" b="0" i="0" u="none" strike="noStrike" dirty="0" smtClean="0">
+                        <a:rPr lang="ru-RU" sz="2000" b="0" i="0" u="none" strike="noStrike" dirty="0">
                           <a:solidFill>
                             <a:srgbClr val="000000"/>
                           </a:solidFill>
                           <a:effectLst/>
-                          <a:latin typeface="+mj-lt"/>
+                          <a:latin typeface="+mn-lt"/>
                         </a:rPr>
-                        <a:t>1,04</a:t>
+                        <a:t>1,06413</a:t>
                       </a:r>
-                      <a:endParaRPr lang="ru-RU" sz="2400" b="0" i="0" u="none" strike="noStrike" dirty="0">
-                        <a:solidFill>
-                          <a:srgbClr val="000000"/>
-                        </a:solidFill>
-                        <a:effectLst/>
-                        <a:latin typeface="+mj-lt"/>
-                      </a:endParaRPr>
                     </a:p>
                   </a:txBody>
                   <a:tcPr marL="9525" marR="9525" marT="9525" marB="0" anchor="ctr"/>
-                </a:tc>
-              </a:tr>
-              <a:tr h="370840">
-                <a:tc>
-                  <a:txBody>
-                    <a:bodyPr/>
-                    <a:lstStyle/>
-                    <a:p>
-                      <a:pPr algn="ctr"/>
-                      <a:r>
-                        <a:rPr lang="ru-RU" sz="2400" dirty="0" smtClean="0"/>
-                        <a:t>Маршрут 4 </a:t>
-                      </a:r>
-                      <a:endParaRPr lang="ru-RU" sz="2400" dirty="0"/>
-                    </a:p>
-                  </a:txBody>
-                  <a:tcPr/>
                 </a:tc>
                 <a:tc>
                   <a:txBody>
                     <a:bodyPr/>
                     <a:lstStyle/>
                     <a:p>
-                      <a:pPr marL="0" marR="0" indent="0" algn="ctr" defTabSz="914400" rtl="0" eaLnBrk="1" fontAlgn="b" latinLnBrk="0" hangingPunct="1">
-                        <a:lnSpc>
-                          <a:spcPct val="100000"/>
-                        </a:lnSpc>
-                        <a:spcBef>
-                          <a:spcPts val="0"/>
-                        </a:spcBef>
-                        <a:spcAft>
-                          <a:spcPts val="0"/>
-                        </a:spcAft>
-                        <a:buClrTx/>
-                        <a:buSzTx/>
-                        <a:buFontTx/>
-                        <a:buNone/>
-                        <a:tabLst/>
-                        <a:defRPr/>
-                      </a:pPr>
+                      <a:pPr algn="ctr" fontAlgn="b"/>
                       <a:r>
-                        <a:rPr lang="ru-RU" sz="2400" b="0" i="0" u="none" strike="noStrike" smtClean="0">
+                        <a:rPr lang="ru-RU" sz="2000" b="0" i="0" u="none" strike="noStrike">
                           <a:solidFill>
                             <a:srgbClr val="000000"/>
                           </a:solidFill>
                           <a:effectLst/>
                           <a:latin typeface="+mn-lt"/>
                         </a:rPr>
-                        <a:t>17,91 ± 115,61</a:t>
+                        <a:t>1,06457</a:t>
+                      </a:r>
+                    </a:p>
+                  </a:txBody>
+                  <a:tcPr marL="9525" marR="9525" marT="9525" marB="0" anchor="ctr"/>
+                </a:tc>
+              </a:tr>
+              <a:tr h="923925">
+                <a:tc>
+                  <a:txBody>
+                    <a:bodyPr/>
+                    <a:lstStyle/>
+                    <a:p>
+                      <a:pPr algn="ctr" fontAlgn="b"/>
+                      <a:r>
+                        <a:rPr lang="ru-RU" sz="2000" b="0" i="0" u="none" strike="noStrike" dirty="0">
+                          <a:solidFill>
+                            <a:srgbClr val="000000"/>
+                          </a:solidFill>
+                          <a:effectLst/>
+                          <a:latin typeface="+mn-lt"/>
+                        </a:rPr>
+                        <a:t>Велосипед</a:t>
                       </a:r>
                     </a:p>
                   </a:txBody>
@@ -6510,14 +6991,50 @@
                         <a:defRPr/>
                       </a:pPr>
                       <a:r>
-                        <a:rPr lang="ru-RU" sz="2400" b="0" i="0" u="none" strike="noStrike" dirty="0" smtClean="0">
+                        <a:rPr lang="ru-RU" sz="2000" b="0" i="0" u="none" strike="noStrike" smtClean="0">
                           <a:solidFill>
                             <a:srgbClr val="000000"/>
                           </a:solidFill>
                           <a:effectLst/>
                           <a:latin typeface="+mn-lt"/>
                         </a:rPr>
-                        <a:t>11,22 ± 70,57</a:t>
+                        <a:t>17,9114±115,615</a:t>
+                      </a:r>
+                    </a:p>
+                  </a:txBody>
+                  <a:tcPr marL="9525" marR="9525" marT="9525" marB="0" anchor="ctr"/>
+                </a:tc>
+                <a:tc>
+                  <a:txBody>
+                    <a:bodyPr/>
+                    <a:lstStyle/>
+                    <a:p>
+                      <a:pPr marL="0" marR="0" indent="0" algn="ctr" defTabSz="914400" rtl="0" eaLnBrk="1" fontAlgn="b" latinLnBrk="0" hangingPunct="1">
+                        <a:lnSpc>
+                          <a:spcPct val="100000"/>
+                        </a:lnSpc>
+                        <a:spcBef>
+                          <a:spcPts val="0"/>
+                        </a:spcBef>
+                        <a:spcAft>
+                          <a:spcPts val="0"/>
+                        </a:spcAft>
+                        <a:buClrTx/>
+                        <a:buSzTx/>
+                        <a:buFontTx/>
+                        <a:buNone/>
+                        <a:tabLst/>
+                        <a:defRPr/>
+                      </a:pPr>
+                      <a:r>
+                        <a:rPr lang="ru-RU" sz="2000" b="0" i="0" u="none" strike="noStrike" dirty="0" smtClean="0">
+                          <a:solidFill>
+                            <a:srgbClr val="000000"/>
+                          </a:solidFill>
+                          <a:effectLst/>
+                          <a:latin typeface="+mn-lt"/>
+                        </a:rPr>
+                        <a:t>11,2262±70,577</a:t>
                       </a:r>
                     </a:p>
                   </a:txBody>
@@ -6530,22 +7047,15 @@
                     <a:p>
                       <a:pPr algn="ctr" fontAlgn="b"/>
                       <a:r>
-                        <a:rPr lang="ru-RU" sz="2400" b="0" i="0" u="none" strike="noStrike" dirty="0" smtClean="0">
+                        <a:rPr lang="ru-RU" sz="2000" b="0" i="0" u="none" strike="noStrike" dirty="0">
                           <a:solidFill>
                             <a:srgbClr val="000000"/>
                           </a:solidFill>
                           <a:effectLst/>
-                          <a:latin typeface="+mj-lt"/>
+                          <a:latin typeface="+mn-lt"/>
                         </a:rPr>
-                        <a:t>1,59</a:t>
+                        <a:t>1,5955</a:t>
                       </a:r>
-                      <a:endParaRPr lang="ru-RU" sz="2400" b="0" i="0" u="none" strike="noStrike" dirty="0">
-                        <a:solidFill>
-                          <a:srgbClr val="000000"/>
-                        </a:solidFill>
-                        <a:effectLst/>
-                        <a:latin typeface="+mj-lt"/>
-                      </a:endParaRPr>
                     </a:p>
                   </a:txBody>
                   <a:tcPr marL="9525" marR="9525" marT="9525" marB="0" anchor="ctr"/>
@@ -6557,22 +7067,15 @@
                     <a:p>
                       <a:pPr algn="ctr" fontAlgn="b"/>
                       <a:r>
-                        <a:rPr lang="ru-RU" sz="2400" b="0" i="0" u="none" strike="noStrike" dirty="0" smtClean="0">
+                        <a:rPr lang="ru-RU" sz="2000" b="0" i="0" u="none" strike="noStrike" dirty="0">
                           <a:solidFill>
                             <a:srgbClr val="000000"/>
                           </a:solidFill>
                           <a:effectLst/>
-                          <a:latin typeface="+mj-lt"/>
+                          <a:latin typeface="+mn-lt"/>
                         </a:rPr>
-                        <a:t>1,63</a:t>
+                        <a:t>1,63814</a:t>
                       </a:r>
-                      <a:endParaRPr lang="ru-RU" sz="2400" b="0" i="0" u="none" strike="noStrike" dirty="0">
-                        <a:solidFill>
-                          <a:srgbClr val="000000"/>
-                        </a:solidFill>
-                        <a:effectLst/>
-                        <a:latin typeface="+mj-lt"/>
-                      </a:endParaRPr>
                     </a:p>
                   </a:txBody>
                   <a:tcPr marL="9525" marR="9525" marT="9525" marB="0" anchor="ctr"/>
@@ -6599,39 +7102,9 @@
           <a:p>
             <a:fld id="{3BCC8605-603C-4CBC-9D12-BEB80FA30360}" type="slidenum">
               <a:rPr lang="ru-RU" smtClean="0"/>
-              <a:t>15</a:t>
+              <a:t>16</a:t>
             </a:fld>
             <a:endParaRPr lang="ru-RU"/>
-          </a:p>
-        </p:txBody>
-      </p:sp>
-      <p:sp>
-        <p:nvSpPr>
-          <p:cNvPr id="11" name="TextBox 10"/>
-          <p:cNvSpPr txBox="1"/>
-          <p:nvPr/>
-        </p:nvSpPr>
-        <p:spPr>
-          <a:xfrm>
-            <a:off x="838200" y="5133835"/>
-            <a:ext cx="10515600" cy="830997"/>
-          </a:xfrm>
-          <a:prstGeom prst="rect">
-            <a:avLst/>
-          </a:prstGeom>
-          <a:noFill/>
-        </p:spPr>
-        <p:txBody>
-          <a:bodyPr wrap="square" rtlCol="0">
-            <a:spAutoFit/>
-          </a:bodyPr>
-          <a:lstStyle/>
-          <a:p>
-            <a:r>
-              <a:rPr lang="ru-RU" sz="2400" dirty="0" smtClean="0"/>
-              <a:t>По итогам эксперимента можно сделать вывод, что предложенный метод повышает точность маршрута</a:t>
-            </a:r>
-            <a:endParaRPr lang="ru-RU" sz="2400" dirty="0"/>
           </a:p>
         </p:txBody>
       </p:sp>
@@ -6655,7 +7128,7 @@
 </p:sld>
 </file>
 
-<file path=ppt/slides/slide16.xml><?xml version="1.0" encoding="utf-8"?>
+<file path=ppt/slides/slide17.xml><?xml version="1.0" encoding="utf-8"?>
 <p:sld xmlns:a="http://schemas.openxmlformats.org/drawingml/2006/main" xmlns:r="http://schemas.openxmlformats.org/officeDocument/2006/relationships" xmlns:p="http://schemas.openxmlformats.org/presentationml/2006/main">
   <p:cSld>
     <p:spTree>
@@ -6719,7 +7192,7 @@
           <a:p>
             <a:fld id="{1CB08BE3-9E86-4904-A5E6-C6CA17EEBD10}" type="slidenum">
               <a:rPr lang="ru-RU" smtClean="0"/>
-              <a:t>16</a:t>
+              <a:t>17</a:t>
             </a:fld>
             <a:endParaRPr lang="ru-RU" dirty="0"/>
           </a:p>
@@ -7426,172 +7899,6 @@
 </p:sld>
 </file>
 
-<file path=ppt/slides/slide17.xml><?xml version="1.0" encoding="utf-8"?>
-<p:sld xmlns:a="http://schemas.openxmlformats.org/drawingml/2006/main" xmlns:r="http://schemas.openxmlformats.org/officeDocument/2006/relationships" xmlns:p="http://schemas.openxmlformats.org/presentationml/2006/main">
-  <p:cSld>
-    <p:spTree>
-      <p:nvGrpSpPr>
-        <p:cNvPr id="1" name=""/>
-        <p:cNvGrpSpPr/>
-        <p:nvPr/>
-      </p:nvGrpSpPr>
-      <p:grpSpPr>
-        <a:xfrm>
-          <a:off x="0" y="0"/>
-          <a:ext cx="0" cy="0"/>
-          <a:chOff x="0" y="0"/>
-          <a:chExt cx="0" cy="0"/>
-        </a:xfrm>
-      </p:grpSpPr>
-      <p:sp>
-        <p:nvSpPr>
-          <p:cNvPr id="2" name="Заголовок 1"/>
-          <p:cNvSpPr>
-            <a:spLocks noGrp="1"/>
-          </p:cNvSpPr>
-          <p:nvPr>
-            <p:ph type="title"/>
-          </p:nvPr>
-        </p:nvSpPr>
-        <p:spPr/>
-        <p:txBody>
-          <a:bodyPr/>
-          <a:lstStyle/>
-          <a:p>
-            <a:r>
-              <a:rPr lang="ru-RU" dirty="0" smtClean="0"/>
-              <a:t>Выводы</a:t>
-            </a:r>
-            <a:endParaRPr lang="ru-RU" dirty="0"/>
-          </a:p>
-        </p:txBody>
-      </p:sp>
-      <p:sp>
-        <p:nvSpPr>
-          <p:cNvPr id="3" name="Объект 2"/>
-          <p:cNvSpPr>
-            <a:spLocks noGrp="1"/>
-          </p:cNvSpPr>
-          <p:nvPr>
-            <p:ph idx="1"/>
-          </p:nvPr>
-        </p:nvSpPr>
-        <p:spPr/>
-        <p:txBody>
-          <a:bodyPr>
-            <a:normAutofit/>
-          </a:bodyPr>
-          <a:lstStyle/>
-          <a:p>
-            <a:pPr lvl="1"/>
-            <a:r>
-              <a:rPr lang="ru-RU" sz="3200" dirty="0" smtClean="0"/>
-              <a:t>Проведен </a:t>
-            </a:r>
-            <a:r>
-              <a:rPr lang="ru-RU" sz="3200" dirty="0"/>
-              <a:t>анализ предметной </a:t>
-            </a:r>
-            <a:r>
-              <a:rPr lang="ru-RU" sz="3200" dirty="0" smtClean="0"/>
-              <a:t>области и показана актуальность рассматриваемой задачи.</a:t>
-            </a:r>
-            <a:endParaRPr lang="ru-RU" sz="3200" dirty="0"/>
-          </a:p>
-          <a:p>
-            <a:pPr lvl="1"/>
-            <a:r>
-              <a:rPr lang="ru-RU" sz="3200" dirty="0" smtClean="0"/>
-              <a:t>Проведен </a:t>
-            </a:r>
-            <a:r>
-              <a:rPr lang="ru-RU" sz="3200" dirty="0"/>
-              <a:t>анализ </a:t>
-            </a:r>
-            <a:r>
-              <a:rPr lang="ru-RU" sz="3200" dirty="0" smtClean="0"/>
-              <a:t>алгоритмов для решения задачи.</a:t>
-            </a:r>
-            <a:endParaRPr lang="ru-RU" sz="3200" dirty="0"/>
-          </a:p>
-          <a:p>
-            <a:pPr lvl="1"/>
-            <a:r>
-              <a:rPr lang="ru-RU" sz="3200" dirty="0" smtClean="0"/>
-              <a:t>Разработан </a:t>
-            </a:r>
-            <a:r>
-              <a:rPr lang="ru-RU" sz="3200" dirty="0"/>
-              <a:t>метод для повышения точности маршрута.</a:t>
-            </a:r>
-          </a:p>
-          <a:p>
-            <a:pPr lvl="1"/>
-            <a:r>
-              <a:rPr lang="ru-RU" sz="3200" dirty="0" smtClean="0"/>
-              <a:t>Реализовано </a:t>
-            </a:r>
-            <a:r>
-              <a:rPr lang="ru-RU" sz="3200" dirty="0"/>
-              <a:t>ПО, использующее предложенный метод.</a:t>
-            </a:r>
-          </a:p>
-          <a:p>
-            <a:pPr lvl="1"/>
-            <a:r>
-              <a:rPr lang="ru-RU" sz="3200" dirty="0" smtClean="0"/>
-              <a:t>Проведен эксперимент, подтвердивший применимость предложенного </a:t>
-            </a:r>
-            <a:r>
-              <a:rPr lang="ru-RU" sz="3200" dirty="0"/>
-              <a:t>метода.</a:t>
-            </a:r>
-          </a:p>
-        </p:txBody>
-      </p:sp>
-      <p:sp>
-        <p:nvSpPr>
-          <p:cNvPr id="4" name="Номер слайда 3"/>
-          <p:cNvSpPr>
-            <a:spLocks noGrp="1"/>
-          </p:cNvSpPr>
-          <p:nvPr>
-            <p:ph type="sldNum" sz="quarter" idx="12"/>
-          </p:nvPr>
-        </p:nvSpPr>
-        <p:spPr/>
-        <p:txBody>
-          <a:bodyPr/>
-          <a:lstStyle/>
-          <a:p>
-            <a:fld id="{3BCC8605-603C-4CBC-9D12-BEB80FA30360}" type="slidenum">
-              <a:rPr lang="ru-RU" smtClean="0"/>
-              <a:t>17</a:t>
-            </a:fld>
-            <a:endParaRPr lang="ru-RU" dirty="0"/>
-          </a:p>
-        </p:txBody>
-      </p:sp>
-    </p:spTree>
-    <p:extLst>
-      <p:ext uri="{BB962C8B-B14F-4D97-AF65-F5344CB8AC3E}">
-        <p14:creationId xmlns:p14="http://schemas.microsoft.com/office/powerpoint/2010/main" val="333013603"/>
-      </p:ext>
-    </p:extLst>
-  </p:cSld>
-  <p:clrMapOvr>
-    <a:masterClrMapping/>
-  </p:clrMapOvr>
-  <p:timing>
-    <p:tnLst>
-      <p:par>
-        <p:cTn id="1" dur="indefinite" restart="never" nodeType="tmRoot"/>
-      </p:par>
-    </p:tnLst>
-  </p:timing>
-</p:sld>
-</file>
-
 <file path=ppt/slides/slide18.xml><?xml version="1.0" encoding="utf-8"?>
 <p:sld xmlns:a="http://schemas.openxmlformats.org/drawingml/2006/main" xmlns:r="http://schemas.openxmlformats.org/officeDocument/2006/relationships" xmlns:p="http://schemas.openxmlformats.org/presentationml/2006/main">
   <p:cSld>
@@ -7626,7 +7933,7 @@
           <a:p>
             <a:r>
               <a:rPr lang="ru-RU" dirty="0" smtClean="0"/>
-              <a:t>Дальнейшее развитие</a:t>
+              <a:t>Выводы</a:t>
             </a:r>
             <a:endParaRPr lang="ru-RU" dirty="0"/>
           </a:p>
@@ -7652,28 +7959,66 @@
             <a:pPr lvl="1"/>
             <a:r>
               <a:rPr lang="ru-RU" sz="3200" dirty="0" smtClean="0"/>
-              <a:t>Повышение точности определения остановок</a:t>
-            </a:r>
-            <a:endParaRPr lang="en-US" sz="3200" dirty="0" smtClean="0"/>
+              <a:t>Проведен </a:t>
+            </a:r>
+            <a:r>
+              <a:rPr lang="ru-RU" sz="3200" dirty="0"/>
+              <a:t>анализ предметной </a:t>
+            </a:r>
+            <a:r>
+              <a:rPr lang="ru-RU" sz="3200" dirty="0" smtClean="0"/>
+              <a:t>области и показана актуальность рассматриваемой задачи.</a:t>
+            </a:r>
+            <a:endParaRPr lang="ru-RU" sz="3200" dirty="0"/>
           </a:p>
           <a:p>
             <a:pPr lvl="1"/>
             <a:r>
               <a:rPr lang="ru-RU" sz="3200" dirty="0" smtClean="0"/>
-              <a:t>Разработка </a:t>
+              <a:t>Проведен </a:t>
+            </a:r>
+            <a:r>
+              <a:rPr lang="ru-RU" sz="3200" dirty="0"/>
+              <a:t>анализ </a:t>
             </a:r>
             <a:r>
               <a:rPr lang="ru-RU" sz="3200" dirty="0" smtClean="0"/>
-              <a:t>способа автоматического определения параметров используемых алгоритмов по входным данным.</a:t>
-            </a:r>
+              <a:t>алгоритмов для решения задачи.</a:t>
+            </a:r>
+            <a:endParaRPr lang="ru-RU" sz="3200" dirty="0"/>
           </a:p>
           <a:p>
             <a:pPr lvl="1"/>
             <a:r>
               <a:rPr lang="ru-RU" sz="3200" dirty="0" smtClean="0"/>
-              <a:t>Реализация режима реального времени работы метода.</a:t>
-            </a:r>
-            <a:endParaRPr lang="ru-RU" sz="3200" dirty="0"/>
+              <a:t>Разработан </a:t>
+            </a:r>
+            <a:r>
+              <a:rPr lang="ru-RU" sz="3200" dirty="0"/>
+              <a:t>метод для повышения точности маршрута.</a:t>
+            </a:r>
+          </a:p>
+          <a:p>
+            <a:pPr lvl="1"/>
+            <a:r>
+              <a:rPr lang="ru-RU" sz="3200" dirty="0" smtClean="0"/>
+              <a:t>Реализовано </a:t>
+            </a:r>
+            <a:r>
+              <a:rPr lang="ru-RU" sz="3200" dirty="0"/>
+              <a:t>ПО, использующее предложенный метод.</a:t>
+            </a:r>
+          </a:p>
+          <a:p>
+            <a:pPr lvl="1"/>
+            <a:r>
+              <a:rPr lang="ru-RU" sz="3200" dirty="0" smtClean="0"/>
+              <a:t>Проведен эксперимент, подтвердивший применимость предложенного </a:t>
+            </a:r>
+            <a:r>
+              <a:rPr lang="ru-RU" sz="3200" dirty="0"/>
+              <a:t>метода.</a:t>
+            </a:r>
           </a:p>
         </p:txBody>
       </p:sp>
@@ -7695,6 +8040,130 @@
             <a:fld id="{3BCC8605-603C-4CBC-9D12-BEB80FA30360}" type="slidenum">
               <a:rPr lang="ru-RU" smtClean="0"/>
               <a:t>18</a:t>
+            </a:fld>
+            <a:endParaRPr lang="ru-RU" dirty="0"/>
+          </a:p>
+        </p:txBody>
+      </p:sp>
+    </p:spTree>
+    <p:extLst>
+      <p:ext uri="{BB962C8B-B14F-4D97-AF65-F5344CB8AC3E}">
+        <p14:creationId xmlns:p14="http://schemas.microsoft.com/office/powerpoint/2010/main" val="333013603"/>
+      </p:ext>
+    </p:extLst>
+  </p:cSld>
+  <p:clrMapOvr>
+    <a:masterClrMapping/>
+  </p:clrMapOvr>
+  <p:timing>
+    <p:tnLst>
+      <p:par>
+        <p:cTn id="1" dur="indefinite" restart="never" nodeType="tmRoot"/>
+      </p:par>
+    </p:tnLst>
+  </p:timing>
+</p:sld>
+</file>
+
+<file path=ppt/slides/slide19.xml><?xml version="1.0" encoding="utf-8"?>
+<p:sld xmlns:a="http://schemas.openxmlformats.org/drawingml/2006/main" xmlns:r="http://schemas.openxmlformats.org/officeDocument/2006/relationships" xmlns:p="http://schemas.openxmlformats.org/presentationml/2006/main">
+  <p:cSld>
+    <p:spTree>
+      <p:nvGrpSpPr>
+        <p:cNvPr id="1" name=""/>
+        <p:cNvGrpSpPr/>
+        <p:nvPr/>
+      </p:nvGrpSpPr>
+      <p:grpSpPr>
+        <a:xfrm>
+          <a:off x="0" y="0"/>
+          <a:ext cx="0" cy="0"/>
+          <a:chOff x="0" y="0"/>
+          <a:chExt cx="0" cy="0"/>
+        </a:xfrm>
+      </p:grpSpPr>
+      <p:sp>
+        <p:nvSpPr>
+          <p:cNvPr id="2" name="Заголовок 1"/>
+          <p:cNvSpPr>
+            <a:spLocks noGrp="1"/>
+          </p:cNvSpPr>
+          <p:nvPr>
+            <p:ph type="title"/>
+          </p:nvPr>
+        </p:nvSpPr>
+        <p:spPr/>
+        <p:txBody>
+          <a:bodyPr/>
+          <a:lstStyle/>
+          <a:p>
+            <a:r>
+              <a:rPr lang="ru-RU" dirty="0" smtClean="0"/>
+              <a:t>Дальнейшее развитие</a:t>
+            </a:r>
+            <a:endParaRPr lang="ru-RU" dirty="0"/>
+          </a:p>
+        </p:txBody>
+      </p:sp>
+      <p:sp>
+        <p:nvSpPr>
+          <p:cNvPr id="3" name="Объект 2"/>
+          <p:cNvSpPr>
+            <a:spLocks noGrp="1"/>
+          </p:cNvSpPr>
+          <p:nvPr>
+            <p:ph idx="1"/>
+          </p:nvPr>
+        </p:nvSpPr>
+        <p:spPr/>
+        <p:txBody>
+          <a:bodyPr>
+            <a:normAutofit/>
+          </a:bodyPr>
+          <a:lstStyle/>
+          <a:p>
+            <a:pPr lvl="1"/>
+            <a:r>
+              <a:rPr lang="ru-RU" sz="3200" dirty="0" smtClean="0"/>
+              <a:t>Повышение точности определения остановок</a:t>
+            </a:r>
+            <a:endParaRPr lang="en-US" sz="3200" dirty="0" smtClean="0"/>
+          </a:p>
+          <a:p>
+            <a:pPr lvl="1"/>
+            <a:r>
+              <a:rPr lang="ru-RU" sz="3200" dirty="0" smtClean="0"/>
+              <a:t>Разработка способа автоматического определения параметров используемых алгоритмов по входным данным.</a:t>
+            </a:r>
+          </a:p>
+          <a:p>
+            <a:pPr lvl="1"/>
+            <a:r>
+              <a:rPr lang="ru-RU" sz="3200" dirty="0" smtClean="0"/>
+              <a:t>Реализация режима реального времени работы метода.</a:t>
+            </a:r>
+            <a:endParaRPr lang="ru-RU" sz="3200" dirty="0"/>
+          </a:p>
+        </p:txBody>
+      </p:sp>
+      <p:sp>
+        <p:nvSpPr>
+          <p:cNvPr id="4" name="Номер слайда 3"/>
+          <p:cNvSpPr>
+            <a:spLocks noGrp="1"/>
+          </p:cNvSpPr>
+          <p:nvPr>
+            <p:ph type="sldNum" sz="quarter" idx="12"/>
+          </p:nvPr>
+        </p:nvSpPr>
+        <p:spPr/>
+        <p:txBody>
+          <a:bodyPr/>
+          <a:lstStyle/>
+          <a:p>
+            <a:fld id="{3BCC8605-603C-4CBC-9D12-BEB80FA30360}" type="slidenum">
+              <a:rPr lang="ru-RU" smtClean="0"/>
+              <a:t>19</a:t>
             </a:fld>
             <a:endParaRPr lang="ru-RU"/>
           </a:p>
@@ -8128,7 +8597,7 @@
           </p:cNvPicPr>
           <p:nvPr/>
         </p:nvPicPr>
-        <p:blipFill rotWithShape="1">
+        <p:blipFill>
           <a:blip r:embed="rId3">
             <a:extLst>
               <a:ext uri="{28A0092B-C50C-407E-A947-70E740481C1C}">
@@ -8136,13 +8605,14 @@
               </a:ext>
             </a:extLst>
           </a:blip>
-          <a:srcRect l="10206" t="11750" r="11232" b="14053"/>
-          <a:stretch/>
+          <a:stretch>
+            <a:fillRect/>
+          </a:stretch>
         </p:blipFill>
         <p:spPr>
           <a:xfrm>
-            <a:off x="1142237" y="4158176"/>
-            <a:ext cx="2520779" cy="2380736"/>
+            <a:off x="771864" y="4340738"/>
+            <a:ext cx="3261526" cy="2015612"/>
           </a:xfrm>
           <a:prstGeom prst="rect">
             <a:avLst/>
@@ -8157,8 +8627,8 @@
         </p:nvSpPr>
         <p:spPr>
           <a:xfrm>
-            <a:off x="4854146" y="1507465"/>
-            <a:ext cx="6499654" cy="3108543"/>
+            <a:off x="4854146" y="1690688"/>
+            <a:ext cx="6499654" cy="2677656"/>
           </a:xfrm>
           <a:prstGeom prst="rect">
             <a:avLst/>
@@ -8186,12 +8656,8 @@
               <a:buChar char="•"/>
             </a:pPr>
             <a:r>
-              <a:rPr lang="en-US" sz="2800" dirty="0" smtClean="0"/>
-              <a:t>GPS-</a:t>
-            </a:r>
-            <a:r>
               <a:rPr lang="ru-RU" sz="2800" dirty="0" smtClean="0"/>
-              <a:t>приемники – предоставляют дополнительные сведения об условиях приема и предполагаемой точности</a:t>
+              <a:t>Смартфоны – используют несколько источников данных о местоположении</a:t>
             </a:r>
             <a:endParaRPr lang="ru-RU" sz="2800" dirty="0"/>
           </a:p>
@@ -8280,8 +8746,8 @@
           </a:p>
         </p:txBody>
       </p:sp>
-      <mc:AlternateContent xmlns:mc="http://schemas.openxmlformats.org/markup-compatibility/2006">
-        <mc:Choice xmlns:a14="http://schemas.microsoft.com/office/drawing/2010/main" Requires="a14">
+      <mc:AlternateContent xmlns:mc="http://schemas.openxmlformats.org/markup-compatibility/2006" xmlns:a14="http://schemas.microsoft.com/office/drawing/2010/main">
+        <mc:Choice Requires="a14">
           <p:sp>
             <p:nvSpPr>
               <p:cNvPr id="3" name="Объект 2"/>
@@ -8601,11 +9067,7 @@
                 </a:pPr>
                 <a:r>
                   <a:rPr lang="ru-RU" dirty="0" smtClean="0"/>
-                  <a:t>Где </a:t>
-                </a:r>
-                <a:r>
-                  <a:rPr lang="ru-RU" dirty="0" smtClean="0"/>
-                  <a:t>	</a:t>
+                  <a:t>где 	</a:t>
                 </a:r>
                 <a14:m>
                   <m:oMath xmlns:m="http://schemas.openxmlformats.org/officeDocument/2006/math">
@@ -8660,7 +9122,6 @@
                   <a:rPr lang="ru-RU" dirty="0" smtClean="0"/>
                   <a:t>текущем окне,</a:t>
                 </a:r>
-                <a:endParaRPr lang="ru-RU" dirty="0" smtClean="0"/>
               </a:p>
               <a:p>
                 <a:pPr marL="0" indent="0">
@@ -8757,7 +9218,7 @@
             </p:txBody>
           </p:sp>
         </mc:Choice>
-        <mc:Fallback>
+        <mc:Fallback xmlns="">
           <p:sp>
             <p:nvSpPr>
               <p:cNvPr id="3" name="Объект 2"/>
@@ -8937,8 +9398,8 @@
           </a:p>
         </p:txBody>
       </p:sp>
-      <mc:AlternateContent xmlns:mc="http://schemas.openxmlformats.org/markup-compatibility/2006">
-        <mc:Choice xmlns:a14="http://schemas.microsoft.com/office/drawing/2010/main" Requires="a14">
+      <mc:AlternateContent xmlns:mc="http://schemas.openxmlformats.org/markup-compatibility/2006" xmlns:a14="http://schemas.microsoft.com/office/drawing/2010/main">
+        <mc:Choice Requires="a14">
           <p:sp>
             <p:nvSpPr>
               <p:cNvPr id="3" name="TextBox 2"/>
@@ -8961,6 +9422,7 @@
               </a:bodyPr>
               <a:lstStyle/>
               <a:p>
+                <a:pPr/>
                 <a14:m>
                   <m:oMathPara xmlns:m="http://schemas.openxmlformats.org/officeDocument/2006/math">
                     <m:oMathParaPr>
@@ -9000,7 +9462,7 @@
             </p:txBody>
           </p:sp>
         </mc:Choice>
-        <mc:Fallback>
+        <mc:Fallback xmlns="">
           <p:sp>
             <p:nvSpPr>
               <p:cNvPr id="3" name="TextBox 2"/>
@@ -9065,8 +9527,8 @@
           </a:p>
         </p:txBody>
       </p:sp>
-      <mc:AlternateContent xmlns:mc="http://schemas.openxmlformats.org/markup-compatibility/2006">
-        <mc:Choice xmlns:a14="http://schemas.microsoft.com/office/drawing/2010/main" Requires="a14">
+      <mc:AlternateContent xmlns:mc="http://schemas.openxmlformats.org/markup-compatibility/2006" xmlns:a14="http://schemas.microsoft.com/office/drawing/2010/main">
+        <mc:Choice Requires="a14">
           <p:sp>
             <p:nvSpPr>
               <p:cNvPr id="7" name="TextBox 6"/>
@@ -9089,6 +9551,7 @@
               </a:bodyPr>
               <a:lstStyle/>
               <a:p>
+                <a:pPr/>
                 <a14:m>
                   <m:oMathPara xmlns:m="http://schemas.openxmlformats.org/officeDocument/2006/math">
                     <m:oMathParaPr>
@@ -9128,7 +9591,7 @@
             </p:txBody>
           </p:sp>
         </mc:Choice>
-        <mc:Fallback>
+        <mc:Fallback xmlns="">
           <p:sp>
             <p:nvSpPr>
               <p:cNvPr id="7" name="TextBox 6"/>
@@ -9257,8 +9720,8 @@
           </a:p>
         </p:txBody>
       </p:sp>
-      <mc:AlternateContent xmlns:mc="http://schemas.openxmlformats.org/markup-compatibility/2006">
-        <mc:Choice xmlns:a14="http://schemas.microsoft.com/office/drawing/2010/main" Requires="a14">
+      <mc:AlternateContent xmlns:mc="http://schemas.openxmlformats.org/markup-compatibility/2006" xmlns:a14="http://schemas.microsoft.com/office/drawing/2010/main">
+        <mc:Choice Requires="a14">
           <p:sp>
             <p:nvSpPr>
               <p:cNvPr id="9" name="TextBox 8"/>
@@ -9303,7 +9766,9 @@
                 <a14:m>
                   <m:oMath xmlns:m="http://schemas.openxmlformats.org/officeDocument/2006/math">
                     <m:r>
-                      <a:rPr lang="en-US" sz="2800" i="1"/>
+                      <a:rPr lang="en-US" sz="2800" i="1">
+                        <a:latin typeface="Cambria Math" panose="02040503050406030204" pitchFamily="18" charset="0"/>
+                      </a:rPr>
                       <m:t>𝐻</m:t>
                     </m:r>
                     <m:r>
@@ -9313,24 +9778,32 @@
                       <m:t>&gt;</m:t>
                     </m:r>
                     <m:r>
-                      <a:rPr lang="en-US" sz="2800" i="1"/>
+                      <a:rPr lang="en-US" sz="2800" i="1">
+                        <a:latin typeface="Cambria Math" panose="02040503050406030204" pitchFamily="18" charset="0"/>
+                      </a:rPr>
                       <m:t> </m:t>
                     </m:r>
                     <m:sSub>
                       <m:sSubPr>
                         <m:ctrlPr>
-                          <a:rPr lang="en-US" sz="2800" i="1"/>
+                          <a:rPr lang="en-US" sz="2800" i="1">
+                            <a:latin typeface="Cambria Math" panose="02040503050406030204" pitchFamily="18" charset="0"/>
+                          </a:rPr>
                         </m:ctrlPr>
                       </m:sSubPr>
                       <m:e>
                         <m:r>
-                          <a:rPr lang="en-US" sz="2800" i="1"/>
+                          <a:rPr lang="en-US" sz="2800" i="1">
+                            <a:latin typeface="Cambria Math" panose="02040503050406030204" pitchFamily="18" charset="0"/>
+                          </a:rPr>
                           <m:t>𝐻</m:t>
                         </m:r>
                       </m:e>
                       <m:sub>
                         <m:r>
-                          <a:rPr lang="en-US" sz="2800" i="1"/>
+                          <a:rPr lang="en-US" sz="2800" i="1">
+                            <a:latin typeface="Cambria Math" panose="02040503050406030204" pitchFamily="18" charset="0"/>
+                          </a:rPr>
                           <m:t>𝑚𝑎𝑥</m:t>
                         </m:r>
                       </m:sub>
@@ -9540,7 +10013,7 @@
             </p:txBody>
           </p:sp>
         </mc:Choice>
-        <mc:Fallback>
+        <mc:Fallback xmlns="">
           <p:sp>
             <p:nvSpPr>
               <p:cNvPr id="9" name="TextBox 8"/>
@@ -9683,8 +10156,8 @@
           </a:fontRef>
         </p:style>
       </p:cxnSp>
-      <mc:AlternateContent xmlns:mc="http://schemas.openxmlformats.org/markup-compatibility/2006">
-        <mc:Choice xmlns:a14="http://schemas.microsoft.com/office/drawing/2010/main" Requires="a14">
+      <mc:AlternateContent xmlns:mc="http://schemas.openxmlformats.org/markup-compatibility/2006" xmlns:a14="http://schemas.microsoft.com/office/drawing/2010/main">
+        <mc:Choice Requires="a14">
           <p:sp>
             <p:nvSpPr>
               <p:cNvPr id="25" name="TextBox 24"/>
@@ -9707,6 +10180,7 @@
               </a:bodyPr>
               <a:lstStyle/>
               <a:p>
+                <a:pPr/>
                 <a14:m>
                   <m:oMathPara xmlns:m="http://schemas.openxmlformats.org/officeDocument/2006/math">
                     <m:oMathParaPr>
@@ -9746,7 +10220,7 @@
             </p:txBody>
           </p:sp>
         </mc:Choice>
-        <mc:Fallback>
+        <mc:Fallback xmlns="">
           <p:sp>
             <p:nvSpPr>
               <p:cNvPr id="25" name="TextBox 24"/>
@@ -9845,67 +10319,359 @@
           </a:p>
         </p:txBody>
       </p:sp>
-      <p:sp>
-        <p:nvSpPr>
-          <p:cNvPr id="3" name="Объект 2"/>
-          <p:cNvSpPr>
-            <a:spLocks noGrp="1"/>
-          </p:cNvSpPr>
-          <p:nvPr>
-            <p:ph idx="1"/>
-          </p:nvPr>
-        </p:nvSpPr>
-        <p:spPr/>
-        <p:txBody>
-          <a:bodyPr/>
-          <a:lstStyle/>
-          <a:p>
-            <a:pPr marL="0" indent="0">
-              <a:buNone/>
-            </a:pPr>
-            <a:r>
-              <a:rPr lang="ru-RU" dirty="0" smtClean="0"/>
-              <a:t>Для поиска остановок предлагается следующий способ:</a:t>
-            </a:r>
-          </a:p>
-          <a:p>
-            <a:pPr marL="514350" indent="-514350">
-              <a:buFont typeface="+mj-lt"/>
-              <a:buAutoNum type="arabicPeriod"/>
-            </a:pPr>
-            <a:r>
-              <a:rPr lang="ru-RU" dirty="0" smtClean="0"/>
-              <a:t>Маршрут разбивается на группы точек по задаваемому интервалу времени.</a:t>
-            </a:r>
-          </a:p>
-          <a:p>
-            <a:pPr marL="514350" indent="-514350">
-              <a:buFont typeface="+mj-lt"/>
-              <a:buAutoNum type="arabicPeriod"/>
-            </a:pPr>
-            <a:r>
-              <a:rPr lang="ru-RU" dirty="0" smtClean="0"/>
-              <a:t>Если в группе среднее отклонение координат от средней координаты ниже задаваемого порогового значения, группа точек считается остановкой и заменяется средним значением.</a:t>
-            </a:r>
-          </a:p>
-          <a:p>
-            <a:pPr marL="514350" indent="-514350">
-              <a:buFont typeface="+mj-lt"/>
-              <a:buAutoNum type="arabicPeriod"/>
-            </a:pPr>
-            <a:r>
-              <a:rPr lang="ru-RU" dirty="0" smtClean="0"/>
-              <a:t>Идущие подряд группы точек, признанные остановкой, объединяются и заменяются одной точкой.</a:t>
-            </a:r>
-          </a:p>
-          <a:p>
-            <a:pPr marL="0" indent="0">
-              <a:buNone/>
-            </a:pPr>
-            <a:endParaRPr lang="ru-RU" dirty="0"/>
-          </a:p>
-        </p:txBody>
-      </p:sp>
+      <mc:AlternateContent xmlns:mc="http://schemas.openxmlformats.org/markup-compatibility/2006" xmlns:a14="http://schemas.microsoft.com/office/drawing/2010/main">
+        <mc:Choice Requires="a14">
+          <p:sp>
+            <p:nvSpPr>
+              <p:cNvPr id="3" name="Объект 2"/>
+              <p:cNvSpPr>
+                <a:spLocks noGrp="1"/>
+              </p:cNvSpPr>
+              <p:nvPr>
+                <p:ph idx="1"/>
+              </p:nvPr>
+            </p:nvSpPr>
+            <p:spPr>
+              <a:xfrm>
+                <a:off x="475735" y="1917164"/>
+                <a:ext cx="6765324" cy="4212710"/>
+              </a:xfrm>
+            </p:spPr>
+            <p:txBody>
+              <a:bodyPr>
+                <a:noAutofit/>
+              </a:bodyPr>
+              <a:lstStyle/>
+              <a:p>
+                <a:pPr marL="0" indent="0">
+                  <a:buNone/>
+                </a:pPr>
+                <a:r>
+                  <a:rPr lang="ru-RU" sz="2400" dirty="0" smtClean="0"/>
+                  <a:t>Для поиска остановок предлагается следующий способ:</a:t>
+                </a:r>
+              </a:p>
+              <a:p>
+                <a:pPr marL="514350" indent="-514350">
+                  <a:buFont typeface="+mj-lt"/>
+                  <a:buAutoNum type="arabicPeriod"/>
+                </a:pPr>
+                <a:r>
+                  <a:rPr lang="ru-RU" sz="2400" dirty="0" smtClean="0"/>
+                  <a:t>Вводится временное окно.</a:t>
+                </a:r>
+              </a:p>
+              <a:p>
+                <a:pPr marL="514350" indent="-514350">
+                  <a:buFont typeface="+mj-lt"/>
+                  <a:buAutoNum type="arabicPeriod"/>
+                </a:pPr>
+                <a:r>
+                  <a:rPr lang="ru-RU" sz="2400" dirty="0" smtClean="0"/>
+                  <a:t>Критерий остановки:</a:t>
+                </a:r>
+              </a:p>
+              <a:p>
+                <a:pPr marL="0" indent="0">
+                  <a:buNone/>
+                </a:pPr>
+                <a14:m>
+                  <m:oMathPara xmlns:m="http://schemas.openxmlformats.org/officeDocument/2006/math">
+                    <m:oMathParaPr>
+                      <m:jc m:val="centerGroup"/>
+                    </m:oMathParaPr>
+                    <m:oMath xmlns:m="http://schemas.openxmlformats.org/officeDocument/2006/math">
+                      <m:f>
+                        <m:fPr>
+                          <m:ctrlPr>
+                            <a:rPr lang="ru-RU" sz="2400" i="1" smtClean="0">
+                              <a:latin typeface="Cambria Math" panose="02040503050406030204" pitchFamily="18" charset="0"/>
+                            </a:rPr>
+                          </m:ctrlPr>
+                        </m:fPr>
+                        <m:num>
+                          <m:nary>
+                            <m:naryPr>
+                              <m:chr m:val="∑"/>
+                              <m:ctrlPr>
+                                <a:rPr lang="ru-RU" sz="2400" i="1">
+                                  <a:latin typeface="Cambria Math" panose="02040503050406030204" pitchFamily="18" charset="0"/>
+                                </a:rPr>
+                              </m:ctrlPr>
+                            </m:naryPr>
+                            <m:sub>
+                              <m:r>
+                                <m:rPr>
+                                  <m:brk m:alnAt="23"/>
+                                </m:rPr>
+                                <a:rPr lang="en-US" sz="2400" i="1">
+                                  <a:latin typeface="Cambria Math" panose="02040503050406030204" pitchFamily="18" charset="0"/>
+                                </a:rPr>
+                                <m:t>𝑖</m:t>
+                              </m:r>
+                              <m:r>
+                                <a:rPr lang="en-US" sz="2400" i="1">
+                                  <a:latin typeface="Cambria Math" panose="02040503050406030204" pitchFamily="18" charset="0"/>
+                                </a:rPr>
+                                <m:t>=1</m:t>
+                              </m:r>
+                            </m:sub>
+                            <m:sup>
+                              <m:r>
+                                <a:rPr lang="en-US" sz="2400" i="1">
+                                  <a:latin typeface="Cambria Math" panose="02040503050406030204" pitchFamily="18" charset="0"/>
+                                </a:rPr>
+                                <m:t>𝑛</m:t>
+                              </m:r>
+                            </m:sup>
+                            <m:e>
+                              <m:sSub>
+                                <m:sSubPr>
+                                  <m:ctrlPr>
+                                    <a:rPr lang="en-US" sz="2400" i="1" smtClean="0">
+                                      <a:latin typeface="Cambria Math" panose="02040503050406030204" pitchFamily="18" charset="0"/>
+                                    </a:rPr>
+                                  </m:ctrlPr>
+                                </m:sSubPr>
+                                <m:e>
+                                  <m:r>
+                                    <a:rPr lang="en-US" sz="2400" b="0" i="1" smtClean="0">
+                                      <a:latin typeface="Cambria Math" panose="02040503050406030204" pitchFamily="18" charset="0"/>
+                                    </a:rPr>
+                                    <m:t>𝐻</m:t>
+                                  </m:r>
+                                </m:e>
+                                <m:sub>
+                                  <m:r>
+                                    <a:rPr lang="en-US" sz="2400" b="0" i="1" smtClean="0">
+                                      <a:latin typeface="Cambria Math" panose="02040503050406030204" pitchFamily="18" charset="0"/>
+                                    </a:rPr>
+                                    <m:t>𝑖</m:t>
+                                  </m:r>
+                                </m:sub>
+                              </m:sSub>
+                            </m:e>
+                          </m:nary>
+                          <m:r>
+                            <m:rPr>
+                              <m:nor/>
+                            </m:rPr>
+                            <a:rPr lang="ru-RU" sz="2400" dirty="0"/>
+                            <m:t> </m:t>
+                          </m:r>
+                        </m:num>
+                        <m:den>
+                          <m:r>
+                            <a:rPr lang="en-US" sz="2400" b="0" i="1" smtClean="0">
+                              <a:latin typeface="Cambria Math" panose="02040503050406030204" pitchFamily="18" charset="0"/>
+                            </a:rPr>
+                            <m:t>𝑛</m:t>
+                          </m:r>
+                        </m:den>
+                      </m:f>
+                      <m:r>
+                        <a:rPr lang="en-US" sz="2400" b="0" i="1" smtClean="0">
+                          <a:latin typeface="Cambria Math" panose="02040503050406030204" pitchFamily="18" charset="0"/>
+                        </a:rPr>
+                        <m:t>&lt;</m:t>
+                      </m:r>
+                      <m:sSub>
+                        <m:sSubPr>
+                          <m:ctrlPr>
+                            <a:rPr lang="en-US" sz="2400" b="0" i="1" smtClean="0">
+                              <a:latin typeface="Cambria Math" panose="02040503050406030204" pitchFamily="18" charset="0"/>
+                            </a:rPr>
+                          </m:ctrlPr>
+                        </m:sSubPr>
+                        <m:e>
+                          <m:r>
+                            <a:rPr lang="en-US" sz="2400" b="0" i="1" smtClean="0">
+                              <a:latin typeface="Cambria Math" panose="02040503050406030204" pitchFamily="18" charset="0"/>
+                            </a:rPr>
+                            <m:t>𝐻</m:t>
+                          </m:r>
+                        </m:e>
+                        <m:sub>
+                          <m:r>
+                            <a:rPr lang="en-US" sz="2400" b="0" i="1" smtClean="0">
+                              <a:latin typeface="Cambria Math" panose="02040503050406030204" pitchFamily="18" charset="0"/>
+                            </a:rPr>
+                            <m:t>𝑚𝑖𝑛</m:t>
+                          </m:r>
+                        </m:sub>
+                      </m:sSub>
+                      <m:r>
+                        <a:rPr lang="en-US" sz="2400" b="0" i="1" smtClean="0">
+                          <a:latin typeface="Cambria Math" panose="02040503050406030204" pitchFamily="18" charset="0"/>
+                        </a:rPr>
+                        <m:t>,</m:t>
+                      </m:r>
+                    </m:oMath>
+                  </m:oMathPara>
+                </a14:m>
+                <a:endParaRPr lang="en-US" sz="2400" b="0" dirty="0" smtClean="0"/>
+              </a:p>
+              <a:p>
+                <a:pPr marL="0" indent="0">
+                  <a:buNone/>
+                </a:pPr>
+                <a:r>
+                  <a:rPr lang="ru-RU" sz="2400" dirty="0"/>
+                  <a:t>г</a:t>
+                </a:r>
+                <a:r>
+                  <a:rPr lang="ru-RU" sz="2400" dirty="0" smtClean="0"/>
+                  <a:t>де 	</a:t>
+                </a:r>
+                <a14:m>
+                  <m:oMath xmlns:m="http://schemas.openxmlformats.org/officeDocument/2006/math">
+                    <m:sSub>
+                      <m:sSubPr>
+                        <m:ctrlPr>
+                          <a:rPr lang="en-US" sz="2400" i="1">
+                            <a:latin typeface="Cambria Math" panose="02040503050406030204" pitchFamily="18" charset="0"/>
+                          </a:rPr>
+                        </m:ctrlPr>
+                      </m:sSubPr>
+                      <m:e>
+                        <m:r>
+                          <a:rPr lang="en-US" sz="2400" i="1">
+                            <a:latin typeface="Cambria Math" panose="02040503050406030204" pitchFamily="18" charset="0"/>
+                          </a:rPr>
+                          <m:t>𝐻</m:t>
+                        </m:r>
+                      </m:e>
+                      <m:sub>
+                        <m:r>
+                          <a:rPr lang="en-US" sz="2400" i="1">
+                            <a:latin typeface="Cambria Math" panose="02040503050406030204" pitchFamily="18" charset="0"/>
+                          </a:rPr>
+                          <m:t>𝑖</m:t>
+                        </m:r>
+                      </m:sub>
+                    </m:sSub>
+                  </m:oMath>
+                </a14:m>
+                <a:r>
+                  <a:rPr lang="en-US" sz="2400" dirty="0" smtClean="0"/>
+                  <a:t>– </a:t>
+                </a:r>
+                <a:r>
+                  <a:rPr lang="ru-RU" sz="2400" dirty="0" smtClean="0"/>
+                  <a:t>расстояние от точки до средней точки,</a:t>
+                </a:r>
+              </a:p>
+              <a:p>
+                <a:pPr marL="0" indent="0">
+                  <a:buNone/>
+                </a:pPr>
+                <a:r>
+                  <a:rPr lang="ru-RU" sz="2400" dirty="0"/>
+                  <a:t>	</a:t>
+                </a:r>
+                <a14:m>
+                  <m:oMath xmlns:m="http://schemas.openxmlformats.org/officeDocument/2006/math">
+                    <m:sSub>
+                      <m:sSubPr>
+                        <m:ctrlPr>
+                          <a:rPr lang="en-US" sz="2400" i="1">
+                            <a:latin typeface="Cambria Math" panose="02040503050406030204" pitchFamily="18" charset="0"/>
+                          </a:rPr>
+                        </m:ctrlPr>
+                      </m:sSubPr>
+                      <m:e>
+                        <m:r>
+                          <a:rPr lang="en-US" sz="2400" i="1">
+                            <a:latin typeface="Cambria Math" panose="02040503050406030204" pitchFamily="18" charset="0"/>
+                          </a:rPr>
+                          <m:t>𝐻</m:t>
+                        </m:r>
+                      </m:e>
+                      <m:sub>
+                        <m:r>
+                          <a:rPr lang="en-US" sz="2400" i="1">
+                            <a:latin typeface="Cambria Math" panose="02040503050406030204" pitchFamily="18" charset="0"/>
+                          </a:rPr>
+                          <m:t>𝑚𝑖𝑛</m:t>
+                        </m:r>
+                      </m:sub>
+                    </m:sSub>
+                  </m:oMath>
+                </a14:m>
+                <a:r>
+                  <a:rPr lang="ru-RU" sz="2400" dirty="0" smtClean="0"/>
+                  <a:t> - минимально допустимое расстояние</a:t>
+                </a:r>
+              </a:p>
+              <a:p>
+                <a:pPr marL="0" indent="0">
+                  <a:buNone/>
+                </a:pPr>
+                <a:r>
+                  <a:rPr lang="ru-RU" sz="2400" dirty="0"/>
+                  <a:t>	</a:t>
+                </a:r>
+                <a:r>
+                  <a:rPr lang="en-US" sz="2400" dirty="0"/>
+                  <a:t> </a:t>
+                </a:r>
+                <a14:m>
+                  <m:oMath xmlns:m="http://schemas.openxmlformats.org/officeDocument/2006/math">
+                    <m:r>
+                      <a:rPr lang="en-US" sz="2400" i="1">
+                        <a:latin typeface="Cambria Math" panose="02040503050406030204" pitchFamily="18" charset="0"/>
+                      </a:rPr>
+                      <m:t>𝑛</m:t>
+                    </m:r>
+                  </m:oMath>
+                </a14:m>
+                <a:r>
+                  <a:rPr lang="ru-RU" sz="2400" dirty="0" smtClean="0"/>
+                  <a:t> – количество точек в группе</a:t>
+                </a:r>
+                <a:endParaRPr lang="ru-RU" sz="2400" dirty="0"/>
+              </a:p>
+            </p:txBody>
+          </p:sp>
+        </mc:Choice>
+        <mc:Fallback xmlns="">
+          <p:sp>
+            <p:nvSpPr>
+              <p:cNvPr id="3" name="Объект 2"/>
+              <p:cNvSpPr>
+                <a:spLocks noGrp="1" noRot="1" noChangeAspect="1" noMove="1" noResize="1" noEditPoints="1" noAdjustHandles="1" noChangeArrowheads="1" noChangeShapeType="1" noTextEdit="1"/>
+              </p:cNvSpPr>
+              <p:nvPr>
+                <p:ph idx="1"/>
+              </p:nvPr>
+            </p:nvSpPr>
+            <p:spPr>
+              <a:xfrm>
+                <a:off x="475735" y="1917164"/>
+                <a:ext cx="6765324" cy="4212710"/>
+              </a:xfrm>
+              <a:blipFill rotWithShape="0">
+                <a:blip r:embed="rId2"/>
+                <a:stretch>
+                  <a:fillRect l="-1351" t="-2023" r="-1261"/>
+                </a:stretch>
+              </a:blipFill>
+            </p:spPr>
+            <p:txBody>
+              <a:bodyPr/>
+              <a:lstStyle/>
+              <a:p>
+                <a:r>
+                  <a:rPr lang="ru-RU">
+                    <a:noFill/>
+                  </a:rPr>
+                  <a:t> </a:t>
+                </a:r>
+              </a:p>
+            </p:txBody>
+          </p:sp>
+        </mc:Fallback>
+      </mc:AlternateContent>
       <p:sp>
         <p:nvSpPr>
           <p:cNvPr id="4" name="Номер слайда 3"/>
@@ -9926,6 +10692,257 @@
               <a:t>7</a:t>
             </a:fld>
             <a:endParaRPr lang="ru-RU"/>
+          </a:p>
+        </p:txBody>
+      </p:sp>
+      <p:pic>
+        <p:nvPicPr>
+          <p:cNvPr id="5" name="Рисунок 4"/>
+          <p:cNvPicPr>
+            <a:picLocks noChangeAspect="1"/>
+          </p:cNvPicPr>
+          <p:nvPr/>
+        </p:nvPicPr>
+        <p:blipFill>
+          <a:blip r:embed="rId3">
+            <a:extLst>
+              <a:ext uri="{28A0092B-C50C-407E-A947-70E740481C1C}">
+                <a14:useLocalDpi xmlns:a14="http://schemas.microsoft.com/office/drawing/2010/main" val="0"/>
+              </a:ext>
+            </a:extLst>
+          </a:blip>
+          <a:stretch>
+            <a:fillRect/>
+          </a:stretch>
+        </p:blipFill>
+        <p:spPr>
+          <a:xfrm>
+            <a:off x="8791833" y="1902883"/>
+            <a:ext cx="1803175" cy="2120635"/>
+          </a:xfrm>
+          <a:prstGeom prst="rect">
+            <a:avLst/>
+          </a:prstGeom>
+        </p:spPr>
+      </p:pic>
+      <p:sp>
+        <p:nvSpPr>
+          <p:cNvPr id="6" name="Овал 5"/>
+          <p:cNvSpPr/>
+          <p:nvPr/>
+        </p:nvSpPr>
+        <p:spPr>
+          <a:xfrm>
+            <a:off x="8775357" y="4572000"/>
+            <a:ext cx="148281" cy="148281"/>
+          </a:xfrm>
+          <a:prstGeom prst="ellipse">
+            <a:avLst/>
+          </a:prstGeom>
+        </p:spPr>
+        <p:style>
+          <a:lnRef idx="2">
+            <a:schemeClr val="dk1">
+              <a:shade val="50000"/>
+            </a:schemeClr>
+          </a:lnRef>
+          <a:fillRef idx="1">
+            <a:schemeClr val="dk1"/>
+          </a:fillRef>
+          <a:effectRef idx="0">
+            <a:schemeClr val="dk1"/>
+          </a:effectRef>
+          <a:fontRef idx="minor">
+            <a:schemeClr val="lt1"/>
+          </a:fontRef>
+        </p:style>
+        <p:txBody>
+          <a:bodyPr rtlCol="0" anchor="ctr"/>
+          <a:lstStyle/>
+          <a:p>
+            <a:pPr algn="ctr"/>
+            <a:endParaRPr lang="ru-RU" sz="2000"/>
+          </a:p>
+        </p:txBody>
+      </p:sp>
+      <p:sp>
+        <p:nvSpPr>
+          <p:cNvPr id="7" name="TextBox 6"/>
+          <p:cNvSpPr txBox="1"/>
+          <p:nvPr/>
+        </p:nvSpPr>
+        <p:spPr>
+          <a:xfrm>
+            <a:off x="8992062" y="4444036"/>
+            <a:ext cx="2742601" cy="400110"/>
+          </a:xfrm>
+          <a:prstGeom prst="rect">
+            <a:avLst/>
+          </a:prstGeom>
+          <a:noFill/>
+        </p:spPr>
+        <p:txBody>
+          <a:bodyPr wrap="square" rtlCol="0">
+            <a:spAutoFit/>
+          </a:bodyPr>
+          <a:lstStyle/>
+          <a:p>
+            <a:r>
+              <a:rPr lang="ru-RU" sz="2000" dirty="0" smtClean="0"/>
+              <a:t>Точки в текущем окне</a:t>
+            </a:r>
+            <a:endParaRPr lang="ru-RU" sz="2000" dirty="0"/>
+          </a:p>
+        </p:txBody>
+      </p:sp>
+      <p:sp>
+        <p:nvSpPr>
+          <p:cNvPr id="9" name="Овал 8"/>
+          <p:cNvSpPr/>
+          <p:nvPr/>
+        </p:nvSpPr>
+        <p:spPr>
+          <a:xfrm>
+            <a:off x="8775357" y="4941332"/>
+            <a:ext cx="148281" cy="148281"/>
+          </a:xfrm>
+          <a:prstGeom prst="ellipse">
+            <a:avLst/>
+          </a:prstGeom>
+          <a:solidFill>
+            <a:srgbClr val="9ABAE9"/>
+          </a:solidFill>
+        </p:spPr>
+        <p:style>
+          <a:lnRef idx="2">
+            <a:schemeClr val="dk1">
+              <a:shade val="50000"/>
+            </a:schemeClr>
+          </a:lnRef>
+          <a:fillRef idx="1">
+            <a:schemeClr val="dk1"/>
+          </a:fillRef>
+          <a:effectRef idx="0">
+            <a:schemeClr val="dk1"/>
+          </a:effectRef>
+          <a:fontRef idx="minor">
+            <a:schemeClr val="lt1"/>
+          </a:fontRef>
+        </p:style>
+        <p:txBody>
+          <a:bodyPr rtlCol="0" anchor="ctr"/>
+          <a:lstStyle/>
+          <a:p>
+            <a:pPr algn="ctr"/>
+            <a:endParaRPr lang="ru-RU" sz="2000"/>
+          </a:p>
+        </p:txBody>
+      </p:sp>
+      <p:sp>
+        <p:nvSpPr>
+          <p:cNvPr id="10" name="TextBox 9"/>
+          <p:cNvSpPr txBox="1"/>
+          <p:nvPr/>
+        </p:nvSpPr>
+        <p:spPr>
+          <a:xfrm>
+            <a:off x="8992062" y="4815417"/>
+            <a:ext cx="2742601" cy="400110"/>
+          </a:xfrm>
+          <a:prstGeom prst="rect">
+            <a:avLst/>
+          </a:prstGeom>
+          <a:noFill/>
+        </p:spPr>
+        <p:txBody>
+          <a:bodyPr wrap="square" rtlCol="0">
+            <a:spAutoFit/>
+          </a:bodyPr>
+          <a:lstStyle/>
+          <a:p>
+            <a:r>
+              <a:rPr lang="ru-RU" sz="2000" dirty="0" smtClean="0"/>
+              <a:t>Точки вне окна</a:t>
+            </a:r>
+            <a:endParaRPr lang="ru-RU" sz="2000" dirty="0"/>
+          </a:p>
+        </p:txBody>
+      </p:sp>
+      <p:sp>
+        <p:nvSpPr>
+          <p:cNvPr id="11" name="Овал 10"/>
+          <p:cNvSpPr/>
+          <p:nvPr/>
+        </p:nvSpPr>
+        <p:spPr>
+          <a:xfrm>
+            <a:off x="8775357" y="5310664"/>
+            <a:ext cx="148281" cy="148281"/>
+          </a:xfrm>
+          <a:prstGeom prst="ellipse">
+            <a:avLst/>
+          </a:prstGeom>
+          <a:solidFill>
+            <a:srgbClr val="FF0000"/>
+          </a:solidFill>
+          <a:ln>
+            <a:solidFill>
+              <a:srgbClr val="FF0000"/>
+            </a:solidFill>
+          </a:ln>
+        </p:spPr>
+        <p:style>
+          <a:lnRef idx="2">
+            <a:schemeClr val="dk1">
+              <a:shade val="50000"/>
+            </a:schemeClr>
+          </a:lnRef>
+          <a:fillRef idx="1">
+            <a:schemeClr val="dk1"/>
+          </a:fillRef>
+          <a:effectRef idx="0">
+            <a:schemeClr val="dk1"/>
+          </a:effectRef>
+          <a:fontRef idx="minor">
+            <a:schemeClr val="lt1"/>
+          </a:fontRef>
+        </p:style>
+        <p:txBody>
+          <a:bodyPr rtlCol="0" anchor="ctr"/>
+          <a:lstStyle/>
+          <a:p>
+            <a:pPr algn="ctr"/>
+            <a:endParaRPr lang="ru-RU" sz="2000"/>
+          </a:p>
+        </p:txBody>
+      </p:sp>
+      <p:sp>
+        <p:nvSpPr>
+          <p:cNvPr id="12" name="TextBox 11"/>
+          <p:cNvSpPr txBox="1"/>
+          <p:nvPr/>
+        </p:nvSpPr>
+        <p:spPr>
+          <a:xfrm>
+            <a:off x="8992062" y="5184463"/>
+            <a:ext cx="2742601" cy="400110"/>
+          </a:xfrm>
+          <a:prstGeom prst="rect">
+            <a:avLst/>
+          </a:prstGeom>
+          <a:noFill/>
+        </p:spPr>
+        <p:txBody>
+          <a:bodyPr wrap="square" rtlCol="0">
+            <a:spAutoFit/>
+          </a:bodyPr>
+          <a:lstStyle/>
+          <a:p>
+            <a:r>
+              <a:rPr lang="ru-RU" sz="2000" dirty="0" smtClean="0"/>
+              <a:t>Средняя точка</a:t>
+            </a:r>
+            <a:endParaRPr lang="ru-RU" sz="2000" dirty="0"/>
           </a:p>
         </p:txBody>
       </p:sp>
@@ -10081,11 +11098,7 @@
                       <a:pPr algn="ctr"/>
                       <a:r>
                         <a:rPr lang="ru-RU" sz="2000" dirty="0" smtClean="0"/>
-                        <a:t>Учет </a:t>
-                      </a:r>
-                      <a:r>
-                        <a:rPr lang="ru-RU" sz="2000" dirty="0" smtClean="0"/>
-                        <a:t>модели</a:t>
+                        <a:t>Учет модели</a:t>
                       </a:r>
                     </a:p>
                     <a:p>
@@ -10252,7 +11265,6 @@
                         <a:rPr lang="ru-RU" sz="2000" dirty="0" smtClean="0"/>
                         <a:t>Медианный </a:t>
                       </a:r>
-                      <a:endParaRPr lang="ru-RU" sz="2000" dirty="0" smtClean="0"/>
                     </a:p>
                     <a:p>
                       <a:pPr algn="ctr"/>
@@ -10773,11 +11785,7 @@
                       <a:pPr algn="ctr"/>
                       <a:r>
                         <a:rPr lang="ru-RU" sz="2000" dirty="0" smtClean="0"/>
-                        <a:t> </a:t>
-                      </a:r>
-                      <a:r>
-                        <a:rPr lang="ru-RU" sz="2000" dirty="0" smtClean="0"/>
-                        <a:t>сглаживание</a:t>
+                        <a:t> сглаживание</a:t>
                       </a:r>
                       <a:endParaRPr lang="ru-RU" sz="2000" dirty="0"/>
                     </a:p>
@@ -11033,7 +12041,6 @@
                         <a:rPr lang="ru-RU" sz="2000" dirty="0" smtClean="0"/>
                         <a:t>Фильтр </a:t>
                       </a:r>
-                      <a:endParaRPr lang="ru-RU" sz="2000" dirty="0" smtClean="0"/>
                     </a:p>
                     <a:p>
                       <a:pPr algn="ctr"/>
@@ -12886,8 +13893,8 @@
           </a:p>
         </p:txBody>
       </p:sp>
-      <mc:AlternateContent xmlns:mc="http://schemas.openxmlformats.org/markup-compatibility/2006">
-        <mc:Choice xmlns:a14="http://schemas.microsoft.com/office/drawing/2010/main" Requires="a14">
+      <mc:AlternateContent xmlns:mc="http://schemas.openxmlformats.org/markup-compatibility/2006" xmlns:a14="http://schemas.microsoft.com/office/drawing/2010/main">
+        <mc:Choice Requires="a14">
           <p:sp>
             <p:nvSpPr>
               <p:cNvPr id="10" name="Объект 9"/>
@@ -13424,7 +14431,7 @@
             </p:txBody>
           </p:sp>
         </mc:Choice>
-        <mc:Fallback>
+        <mc:Fallback xmlns="">
           <p:sp>
             <p:nvSpPr>
               <p:cNvPr id="10" name="Объект 9"/>

--- a/docs/thesis/thesis.pptx
+++ b/docs/thesis/thesis.pptx
@@ -1778,7 +1778,7 @@
           <a:bodyPr/>
           <a:lstStyle/>
           <a:p>
-            <a:endParaRPr lang="ru-RU"/>
+            <a:endParaRPr lang="ru-RU" dirty="0"/>
           </a:p>
         </p:txBody>
       </p:sp>
@@ -6461,7 +6461,7 @@
             <p:ph idx="1"/>
             <p:extLst>
               <p:ext uri="{D42A27DB-BD31-4B8C-83A1-F6EECF244321}">
-                <p14:modId xmlns:p14="http://schemas.microsoft.com/office/powerpoint/2010/main" val="3905306738"/>
+                <p14:modId xmlns:p14="http://schemas.microsoft.com/office/powerpoint/2010/main" val="1419737077"/>
               </p:ext>
             </p:extLst>
           </p:nvPr>
@@ -6490,10 +6490,14 @@
                     <a:lstStyle/>
                     <a:p>
                       <a:pPr algn="ctr"/>
-                      <a:endParaRPr lang="ru-RU" dirty="0"/>
+                      <a:r>
+                        <a:rPr lang="ru-RU" sz="2400" dirty="0" smtClean="0"/>
+                        <a:t>Маршрут</a:t>
+                      </a:r>
+                      <a:endParaRPr lang="ru-RU" sz="2400" dirty="0"/>
                     </a:p>
                   </a:txBody>
-                  <a:tcPr>
+                  <a:tcPr anchor="ctr">
                     <a:solidFill>
                       <a:schemeClr val="bg2">
                         <a:lumMod val="90000"/>

--- a/docs/thesis/thesis.pptx
+++ b/docs/thesis/thesis.pptx
@@ -6461,7 +6461,7 @@
             <p:ph idx="1"/>
             <p:extLst>
               <p:ext uri="{D42A27DB-BD31-4B8C-83A1-F6EECF244321}">
-                <p14:modId xmlns:p14="http://schemas.microsoft.com/office/powerpoint/2010/main" val="1419737077"/>
+                <p14:modId xmlns:p14="http://schemas.microsoft.com/office/powerpoint/2010/main" val="944415754"/>
               </p:ext>
             </p:extLst>
           </p:nvPr>
@@ -6634,7 +6634,7 @@
                     <a:p>
                       <a:pPr algn="ctr" fontAlgn="b"/>
                       <a:r>
-                        <a:rPr lang="ru-RU" sz="2000" b="0" i="0" u="none" strike="noStrike" smtClean="0">
+                        <a:rPr lang="ru-RU" sz="2000" b="0" i="0" u="none" strike="noStrike" dirty="0" smtClean="0">
                           <a:solidFill>
                             <a:srgbClr val="000000"/>
                           </a:solidFill>
@@ -6681,7 +6681,7 @@
                     <a:p>
                       <a:pPr algn="ctr" fontAlgn="b"/>
                       <a:r>
-                        <a:rPr lang="ru-RU" sz="2000" b="0" i="0" u="none" strike="noStrike">
+                        <a:rPr lang="ru-RU" sz="2000" b="0" i="0" u="none" strike="noStrike" dirty="0">
                           <a:solidFill>
                             <a:srgbClr val="000000"/>
                           </a:solidFill>
@@ -6701,7 +6701,7 @@
                     <a:p>
                       <a:pPr algn="ctr" fontAlgn="b"/>
                       <a:r>
-                        <a:rPr lang="ru-RU" sz="2000" b="0" i="0" u="none" strike="noStrike">
+                        <a:rPr lang="ru-RU" sz="2000" b="0" i="0" u="none" strike="noStrike" dirty="0">
                           <a:solidFill>
                             <a:srgbClr val="000000"/>
                           </a:solidFill>
@@ -6799,7 +6799,7 @@
                     <a:p>
                       <a:pPr algn="ctr" fontAlgn="b"/>
                       <a:r>
-                        <a:rPr lang="ru-RU" sz="2000" b="0" i="0" u="none" strike="noStrike">
+                        <a:rPr lang="ru-RU" sz="2000" b="0" i="0" u="none" strike="noStrike" dirty="0">
                           <a:solidFill>
                             <a:srgbClr val="000000"/>
                           </a:solidFill>
@@ -6819,7 +6819,7 @@
                     <a:p>
                       <a:pPr algn="ctr" fontAlgn="b"/>
                       <a:r>
-                        <a:rPr lang="ru-RU" sz="2000" b="0" i="0" u="none" strike="noStrike">
+                        <a:rPr lang="ru-RU" sz="2000" b="0" i="0" u="none" strike="noStrike" dirty="0">
                           <a:solidFill>
                             <a:srgbClr val="000000"/>
                           </a:solidFill>
@@ -6937,7 +6937,7 @@
                     <a:p>
                       <a:pPr algn="ctr" fontAlgn="b"/>
                       <a:r>
-                        <a:rPr lang="ru-RU" sz="2000" b="0" i="0" u="none" strike="noStrike">
+                        <a:rPr lang="ru-RU" sz="2000" b="0" i="0" u="none" strike="noStrike" dirty="0">
                           <a:solidFill>
                             <a:srgbClr val="000000"/>
                           </a:solidFill>
@@ -6995,7 +6995,7 @@
                         <a:defRPr/>
                       </a:pPr>
                       <a:r>
-                        <a:rPr lang="ru-RU" sz="2000" b="0" i="0" u="none" strike="noStrike" smtClean="0">
+                        <a:rPr lang="ru-RU" sz="2000" b="0" i="0" u="none" strike="noStrike" dirty="0" smtClean="0">
                           <a:solidFill>
                             <a:srgbClr val="000000"/>
                           </a:solidFill>
@@ -8137,7 +8137,15 @@
             <a:pPr lvl="1"/>
             <a:r>
               <a:rPr lang="ru-RU" sz="3200" dirty="0" smtClean="0"/>
-              <a:t>Разработка способа автоматического определения параметров используемых алгоритмов по входным данным.</a:t>
+              <a:t>Разработка способа автоматического определения параметров </a:t>
+            </a:r>
+            <a:r>
+              <a:rPr lang="ru-RU" sz="3200" dirty="0" smtClean="0"/>
+              <a:t>метода по </a:t>
+            </a:r>
+            <a:r>
+              <a:rPr lang="ru-RU" sz="3200" dirty="0" smtClean="0"/>
+              <a:t>входным данным.</a:t>
             </a:r>
           </a:p>
           <a:p>
@@ -9402,8 +9410,8 @@
           </a:p>
         </p:txBody>
       </p:sp>
-      <mc:AlternateContent xmlns:mc="http://schemas.openxmlformats.org/markup-compatibility/2006" xmlns:a14="http://schemas.microsoft.com/office/drawing/2010/main">
-        <mc:Choice Requires="a14">
+      <mc:AlternateContent xmlns:mc="http://schemas.openxmlformats.org/markup-compatibility/2006">
+        <mc:Choice xmlns:a14="http://schemas.microsoft.com/office/drawing/2010/main" Requires="a14">
           <p:sp>
             <p:nvSpPr>
               <p:cNvPr id="3" name="TextBox 2"/>
@@ -9451,10 +9459,10 @@
                         </m:e>
                         <m:sub>
                           <m:r>
-                            <a:rPr lang="en-US" sz="2000" b="0" i="1" smtClean="0">
+                            <a:rPr lang="ru-RU" sz="2000" b="0" i="1" smtClean="0">
                               <a:latin typeface="Cambria Math" panose="02040503050406030204" pitchFamily="18" charset="0"/>
                             </a:rPr>
-                            <m:t>1</m:t>
+                            <m:t>2</m:t>
                           </m:r>
                         </m:sub>
                       </m:sSub>
@@ -9466,7 +9474,7 @@
             </p:txBody>
           </p:sp>
         </mc:Choice>
-        <mc:Fallback xmlns="">
+        <mc:Fallback>
           <p:sp>
             <p:nvSpPr>
               <p:cNvPr id="3" name="TextBox 2"/>
@@ -9724,8 +9732,8 @@
           </a:p>
         </p:txBody>
       </p:sp>
-      <mc:AlternateContent xmlns:mc="http://schemas.openxmlformats.org/markup-compatibility/2006" xmlns:a14="http://schemas.microsoft.com/office/drawing/2010/main">
-        <mc:Choice Requires="a14">
+      <mc:AlternateContent xmlns:mc="http://schemas.openxmlformats.org/markup-compatibility/2006">
+        <mc:Choice xmlns:a14="http://schemas.microsoft.com/office/drawing/2010/main" Requires="a14">
           <p:sp>
             <p:nvSpPr>
               <p:cNvPr id="9" name="TextBox 8"/>
@@ -9735,7 +9743,7 @@
             <p:spPr>
               <a:xfrm>
                 <a:off x="377282" y="2019111"/>
-                <a:ext cx="4599265" cy="2047933"/>
+                <a:ext cx="4226497" cy="3632982"/>
               </a:xfrm>
               <a:prstGeom prst="rect">
                 <a:avLst/>
@@ -9749,18 +9757,18 @@
               <a:lstStyle/>
               <a:p>
                 <a:r>
-                  <a:rPr lang="ru-RU" sz="2800" dirty="0" smtClean="0"/>
+                  <a:rPr lang="ru-RU" sz="2400" dirty="0" smtClean="0"/>
                   <a:t>Точка </a:t>
                 </a:r>
                 <a:r>
-                  <a:rPr lang="en-US" sz="2800" dirty="0" smtClean="0"/>
+                  <a:rPr lang="en-US" sz="2400" dirty="0" smtClean="0"/>
                   <a:t>B </a:t>
                 </a:r>
                 <a:r>
-                  <a:rPr lang="ru-RU" sz="2800" dirty="0" smtClean="0"/>
+                  <a:rPr lang="ru-RU" sz="2400" dirty="0" smtClean="0"/>
                   <a:t>считается пиком в случае:</a:t>
                 </a:r>
-                <a:endParaRPr lang="en-US" sz="2800" dirty="0" smtClean="0"/>
+                <a:endParaRPr lang="en-US" sz="2400" dirty="0" smtClean="0"/>
               </a:p>
               <a:p>
                 <a:pPr marL="342900" indent="-342900">
@@ -9769,20 +9777,39 @@
                 </a:pPr>
                 <a14:m>
                   <m:oMath xmlns:m="http://schemas.openxmlformats.org/officeDocument/2006/math">
+                    <m:sSub>
+                      <m:sSubPr>
+                        <m:ctrlPr>
+                          <a:rPr lang="en-US" sz="2400" i="1" smtClean="0">
+                            <a:latin typeface="Cambria Math" panose="02040503050406030204" pitchFamily="18" charset="0"/>
+                          </a:rPr>
+                        </m:ctrlPr>
+                      </m:sSubPr>
+                      <m:e>
+                        <m:r>
+                          <a:rPr lang="en-US" sz="2400" i="1">
+                            <a:latin typeface="Cambria Math" panose="02040503050406030204" pitchFamily="18" charset="0"/>
+                          </a:rPr>
+                          <m:t>𝐻</m:t>
+                        </m:r>
+                      </m:e>
+                      <m:sub>
+                        <m:r>
+                          <a:rPr lang="ru-RU" sz="2400" b="0" i="1" smtClean="0">
+                            <a:latin typeface="Cambria Math" panose="02040503050406030204" pitchFamily="18" charset="0"/>
+                          </a:rPr>
+                          <m:t>1</m:t>
+                        </m:r>
+                      </m:sub>
+                    </m:sSub>
                     <m:r>
-                      <a:rPr lang="en-US" sz="2800" i="1">
-                        <a:latin typeface="Cambria Math" panose="02040503050406030204" pitchFamily="18" charset="0"/>
-                      </a:rPr>
-                      <m:t>𝐻</m:t>
-                    </m:r>
-                    <m:r>
-                      <a:rPr lang="en-US" sz="2800" b="0" i="1" smtClean="0">
+                      <a:rPr lang="en-US" sz="2400" b="0" i="1" smtClean="0">
                         <a:latin typeface="Cambria Math" panose="02040503050406030204" pitchFamily="18" charset="0"/>
                       </a:rPr>
                       <m:t>&gt;</m:t>
                     </m:r>
                     <m:r>
-                      <a:rPr lang="en-US" sz="2800" i="1">
+                      <a:rPr lang="en-US" sz="2400" i="1">
                         <a:latin typeface="Cambria Math" panose="02040503050406030204" pitchFamily="18" charset="0"/>
                       </a:rPr>
                       <m:t> </m:t>
@@ -9790,14 +9817,14 @@
                     <m:sSub>
                       <m:sSubPr>
                         <m:ctrlPr>
-                          <a:rPr lang="en-US" sz="2800" i="1">
+                          <a:rPr lang="en-US" sz="2400" i="1">
                             <a:latin typeface="Cambria Math" panose="02040503050406030204" pitchFamily="18" charset="0"/>
                           </a:rPr>
                         </m:ctrlPr>
                       </m:sSubPr>
                       <m:e>
                         <m:r>
-                          <a:rPr lang="en-US" sz="2800" i="1">
+                          <a:rPr lang="en-US" sz="2400" i="1">
                             <a:latin typeface="Cambria Math" panose="02040503050406030204" pitchFamily="18" charset="0"/>
                           </a:rPr>
                           <m:t>𝐻</m:t>
@@ -9805,7 +9832,7 @@
                       </m:e>
                       <m:sub>
                         <m:r>
-                          <a:rPr lang="en-US" sz="2800" i="1">
+                          <a:rPr lang="en-US" sz="2400" i="1">
                             <a:latin typeface="Cambria Math" panose="02040503050406030204" pitchFamily="18" charset="0"/>
                           </a:rPr>
                           <m:t>𝑚𝑎𝑥</m:t>
@@ -9814,7 +9841,7 @@
                     </m:sSub>
                   </m:oMath>
                 </a14:m>
-                <a:endParaRPr lang="en-US" sz="2800" i="1" dirty="0" smtClean="0"/>
+                <a:endParaRPr lang="en-US" sz="2400" i="1" dirty="0" smtClean="0"/>
               </a:p>
               <a:p>
                 <a:pPr marL="342900" indent="-342900">
@@ -9826,7 +9853,7 @@
                     <m:f>
                       <m:fPr>
                         <m:ctrlPr>
-                          <a:rPr lang="en-US" sz="2800" b="0" i="1" smtClean="0">
+                          <a:rPr lang="en-US" sz="2400" b="0" i="1" smtClean="0">
                             <a:latin typeface="Cambria Math" panose="02040503050406030204" pitchFamily="18" charset="0"/>
                           </a:rPr>
                         </m:ctrlPr>
@@ -9835,14 +9862,14 @@
                         <m:sSub>
                           <m:sSubPr>
                             <m:ctrlPr>
-                              <a:rPr lang="en-US" sz="2800" b="0" i="1" smtClean="0">
+                              <a:rPr lang="en-US" sz="2400" b="0" i="1" smtClean="0">
                                 <a:latin typeface="Cambria Math" panose="02040503050406030204" pitchFamily="18" charset="0"/>
                               </a:rPr>
                             </m:ctrlPr>
                           </m:sSubPr>
                           <m:e>
                             <m:r>
-                              <a:rPr lang="en-US" sz="2800" b="0" i="1" smtClean="0">
+                              <a:rPr lang="en-US" sz="2400" b="0" i="1" smtClean="0">
                                 <a:latin typeface="Cambria Math" panose="02040503050406030204" pitchFamily="18" charset="0"/>
                               </a:rPr>
                               <m:t>𝐻</m:t>
@@ -9850,7 +9877,7 @@
                           </m:e>
                           <m:sub>
                             <m:r>
-                              <a:rPr lang="en-US" sz="2800" b="0" i="1" smtClean="0">
+                              <a:rPr lang="en-US" sz="2400" b="0" i="1" smtClean="0">
                                 <a:latin typeface="Cambria Math" panose="02040503050406030204" pitchFamily="18" charset="0"/>
                               </a:rPr>
                               <m:t>1</m:t>
@@ -9862,14 +9889,14 @@
                         <m:sSub>
                           <m:sSubPr>
                             <m:ctrlPr>
-                              <a:rPr lang="en-US" sz="2800" i="1">
+                              <a:rPr lang="en-US" sz="2400" i="1">
                                 <a:latin typeface="Cambria Math" panose="02040503050406030204" pitchFamily="18" charset="0"/>
                               </a:rPr>
                             </m:ctrlPr>
                           </m:sSubPr>
                           <m:e>
                             <m:r>
-                              <a:rPr lang="en-US" sz="2800" i="1">
+                              <a:rPr lang="en-US" sz="2400" i="1">
                                 <a:latin typeface="Cambria Math" panose="02040503050406030204" pitchFamily="18" charset="0"/>
                               </a:rPr>
                               <m:t>𝐻</m:t>
@@ -9877,7 +9904,7 @@
                           </m:e>
                           <m:sub>
                             <m:r>
-                              <a:rPr lang="ru-RU" sz="2800" b="0" i="1" smtClean="0">
+                              <a:rPr lang="ru-RU" sz="2400" b="0" i="1" smtClean="0">
                                 <a:latin typeface="Cambria Math" panose="02040503050406030204" pitchFamily="18" charset="0"/>
                               </a:rPr>
                               <m:t>сл</m:t>
@@ -9887,7 +9914,7 @@
                       </m:den>
                     </m:f>
                     <m:r>
-                      <a:rPr lang="en-US" sz="2800" b="0" i="1" smtClean="0">
+                      <a:rPr lang="en-US" sz="2400" b="0" i="1" smtClean="0">
                         <a:latin typeface="Cambria Math" panose="02040503050406030204" pitchFamily="18" charset="0"/>
                       </a:rPr>
                       <m:t>&gt;</m:t>
@@ -9896,14 +9923,14 @@
                       <m:rPr>
                         <m:nor/>
                       </m:rPr>
-                      <a:rPr lang="en-US" sz="2800" i="1" dirty="0"/>
+                      <a:rPr lang="en-US" sz="2400" i="1" dirty="0"/>
                       <m:t>k</m:t>
                     </m:r>
                     <m:r>
                       <m:rPr>
                         <m:nor/>
                       </m:rPr>
-                      <a:rPr lang="en-US" sz="2800" i="1" dirty="0"/>
+                      <a:rPr lang="en-US" sz="2400" i="1" dirty="0"/>
                       <m:t> </m:t>
                     </m:r>
                     <m:nary>
@@ -9912,7 +9939,7 @@
                         <m:subHide m:val="on"/>
                         <m:supHide m:val="on"/>
                         <m:ctrlPr>
-                          <a:rPr lang="en-US" sz="2800" i="1" dirty="0" smtClean="0">
+                          <a:rPr lang="en-US" sz="2400" i="1" dirty="0" smtClean="0">
                             <a:latin typeface="Cambria Math" panose="02040503050406030204" pitchFamily="18" charset="0"/>
                           </a:rPr>
                         </m:ctrlPr>
@@ -9921,7 +9948,7 @@
                       <m:sup/>
                       <m:e>
                         <m:r>
-                          <a:rPr lang="en-US" sz="2800" b="0" i="1" dirty="0" smtClean="0">
+                          <a:rPr lang="en-US" sz="2400" b="0" i="1" dirty="0" smtClean="0">
                             <a:latin typeface="Cambria Math" panose="02040503050406030204" pitchFamily="18" charset="0"/>
                           </a:rPr>
                           <m:t> </m:t>
@@ -9929,7 +9956,7 @@
                         <m:f>
                           <m:fPr>
                             <m:ctrlPr>
-                              <a:rPr lang="en-US" sz="2800" i="1">
+                              <a:rPr lang="en-US" sz="2400" i="1">
                                 <a:latin typeface="Cambria Math" panose="02040503050406030204" pitchFamily="18" charset="0"/>
                               </a:rPr>
                             </m:ctrlPr>
@@ -9938,14 +9965,14 @@
                             <m:sSub>
                               <m:sSubPr>
                                 <m:ctrlPr>
-                                  <a:rPr lang="en-US" sz="2800" i="1">
+                                  <a:rPr lang="en-US" sz="2400" i="1">
                                     <a:latin typeface="Cambria Math" panose="02040503050406030204" pitchFamily="18" charset="0"/>
                                   </a:rPr>
                                 </m:ctrlPr>
                               </m:sSubPr>
                               <m:e>
                                 <m:r>
-                                  <a:rPr lang="en-US" sz="2800" i="1">
+                                  <a:rPr lang="en-US" sz="2400" i="1">
                                     <a:latin typeface="Cambria Math" panose="02040503050406030204" pitchFamily="18" charset="0"/>
                                   </a:rPr>
                                   <m:t>𝐻</m:t>
@@ -9953,7 +9980,7 @@
                               </m:e>
                               <m:sub>
                                 <m:r>
-                                  <a:rPr lang="ru-RU" sz="2800" b="0" i="1" smtClean="0">
+                                  <a:rPr lang="ru-RU" sz="2400" b="0" i="1" smtClean="0">
                                     <a:latin typeface="Cambria Math" panose="02040503050406030204" pitchFamily="18" charset="0"/>
                                   </a:rPr>
                                   <m:t>2</m:t>
@@ -9965,14 +9992,14 @@
                             <m:sSub>
                               <m:sSubPr>
                                 <m:ctrlPr>
-                                  <a:rPr lang="en-US" sz="2800" i="1">
+                                  <a:rPr lang="en-US" sz="2400" i="1">
                                     <a:latin typeface="Cambria Math" panose="02040503050406030204" pitchFamily="18" charset="0"/>
                                   </a:rPr>
                                 </m:ctrlPr>
                               </m:sSubPr>
                               <m:e>
                                 <m:r>
-                                  <a:rPr lang="en-US" sz="2800" i="1">
+                                  <a:rPr lang="en-US" sz="2400" i="1">
                                     <a:latin typeface="Cambria Math" panose="02040503050406030204" pitchFamily="18" charset="0"/>
                                   </a:rPr>
                                   <m:t>𝐻</m:t>
@@ -9980,7 +10007,7 @@
                               </m:e>
                               <m:sub>
                                 <m:r>
-                                  <a:rPr lang="ru-RU" sz="2800" b="0" i="1" smtClean="0">
+                                  <a:rPr lang="ru-RU" sz="2400" b="0" i="1" smtClean="0">
                                     <a:latin typeface="Cambria Math" panose="02040503050406030204" pitchFamily="18" charset="0"/>
                                   </a:rPr>
                                   <m:t>сл</m:t>
@@ -9990,13 +10017,13 @@
                           </m:den>
                         </m:f>
                         <m:r>
-                          <a:rPr lang="en-US" sz="2800" i="1">
+                          <a:rPr lang="en-US" sz="2400" i="1">
                             <a:latin typeface="Cambria Math" panose="02040503050406030204" pitchFamily="18" charset="0"/>
                           </a:rPr>
                           <m:t>&gt;</m:t>
                         </m:r>
                         <m:r>
-                          <a:rPr lang="en-US" sz="2800" i="1">
+                          <a:rPr lang="en-US" sz="2400" i="1">
                             <a:latin typeface="Cambria Math" panose="02040503050406030204" pitchFamily="18" charset="0"/>
                           </a:rPr>
                           <m:t>𝑘</m:t>
@@ -10005,19 +10032,125 @@
                           <m:rPr>
                             <m:nor/>
                           </m:rPr>
-                          <a:rPr lang="en-US" sz="2800" i="1" dirty="0"/>
+                          <a:rPr lang="en-US" sz="2400" i="1" dirty="0"/>
                           <m:t> </m:t>
                         </m:r>
                       </m:e>
                     </m:nary>
+                    <m:r>
+                      <a:rPr lang="ru-RU" sz="2400" b="0" i="1" dirty="0" smtClean="0">
+                        <a:latin typeface="Cambria Math" panose="02040503050406030204" pitchFamily="18" charset="0"/>
+                      </a:rPr>
+                      <m:t>,</m:t>
+                    </m:r>
                   </m:oMath>
                 </a14:m>
-                <a:endParaRPr lang="ru-RU" dirty="0" smtClean="0"/>
+                <a:endParaRPr lang="ru-RU" sz="2400" b="0" dirty="0" smtClean="0"/>
+              </a:p>
+              <a:p>
+                <a:r>
+                  <a:rPr lang="ru-RU" sz="2400" dirty="0" smtClean="0"/>
+                  <a:t>где </a:t>
+                </a:r>
+                <a14:m>
+                  <m:oMath xmlns:m="http://schemas.openxmlformats.org/officeDocument/2006/math">
+                    <m:sSub>
+                      <m:sSubPr>
+                        <m:ctrlPr>
+                          <a:rPr lang="en-US" sz="2400" i="1">
+                            <a:latin typeface="Cambria Math" panose="02040503050406030204" pitchFamily="18" charset="0"/>
+                          </a:rPr>
+                        </m:ctrlPr>
+                      </m:sSubPr>
+                      <m:e>
+                        <m:r>
+                          <a:rPr lang="en-US" sz="2400" i="1">
+                            <a:latin typeface="Cambria Math" panose="02040503050406030204" pitchFamily="18" charset="0"/>
+                          </a:rPr>
+                          <m:t>𝐻</m:t>
+                        </m:r>
+                      </m:e>
+                      <m:sub>
+                        <m:r>
+                          <a:rPr lang="ru-RU" sz="2400" i="1">
+                            <a:latin typeface="Cambria Math" panose="02040503050406030204" pitchFamily="18" charset="0"/>
+                          </a:rPr>
+                          <m:t>1</m:t>
+                        </m:r>
+                        <m:r>
+                          <a:rPr lang="ru-RU" sz="2400" b="0" i="1" smtClean="0">
+                            <a:latin typeface="Cambria Math" panose="02040503050406030204" pitchFamily="18" charset="0"/>
+                          </a:rPr>
+                          <m:t>,2</m:t>
+                        </m:r>
+                      </m:sub>
+                    </m:sSub>
+                  </m:oMath>
+                </a14:m>
+                <a:r>
+                  <a:rPr lang="ru-RU" sz="2400" dirty="0" smtClean="0"/>
+                  <a:t> - расстояния до центральной точки в группе,</a:t>
+                </a:r>
+              </a:p>
+              <a:p>
+                <a:pPr/>
+                <a14:m>
+                  <m:oMath xmlns:m="http://schemas.openxmlformats.org/officeDocument/2006/math">
+                    <m:sSub>
+                      <m:sSubPr>
+                        <m:ctrlPr>
+                          <a:rPr lang="en-US" sz="2400" i="1">
+                            <a:latin typeface="Cambria Math" panose="02040503050406030204" pitchFamily="18" charset="0"/>
+                          </a:rPr>
+                        </m:ctrlPr>
+                      </m:sSubPr>
+                      <m:e>
+                        <m:r>
+                          <a:rPr lang="en-US" sz="2400" i="1">
+                            <a:latin typeface="Cambria Math" panose="02040503050406030204" pitchFamily="18" charset="0"/>
+                          </a:rPr>
+                          <m:t>𝐻</m:t>
+                        </m:r>
+                      </m:e>
+                      <m:sub>
+                        <m:r>
+                          <a:rPr lang="en-US" sz="2400" i="1">
+                            <a:latin typeface="Cambria Math" panose="02040503050406030204" pitchFamily="18" charset="0"/>
+                          </a:rPr>
+                          <m:t>𝑚𝑎𝑥</m:t>
+                        </m:r>
+                      </m:sub>
+                    </m:sSub>
+                  </m:oMath>
+                </a14:m>
+                <a:r>
+                  <a:rPr lang="ru-RU" sz="2400" dirty="0" smtClean="0"/>
+                  <a:t> - предельно допустимое расстояние,</a:t>
+                </a:r>
+              </a:p>
+              <a:p>
+                <a:pPr/>
+                <a14:m>
+                  <m:oMath xmlns:m="http://schemas.openxmlformats.org/officeDocument/2006/math">
+                    <m:r>
+                      <m:rPr>
+                        <m:sty m:val="p"/>
+                      </m:rPr>
+                      <a:rPr lang="en-US" sz="2400" i="1" dirty="0" smtClean="0"/>
+                      <m:t>K</m:t>
+                    </m:r>
+                  </m:oMath>
+                </a14:m>
+                <a:r>
+                  <a:rPr lang="ru-RU" sz="2400" dirty="0" smtClean="0"/>
+                  <a:t> – пороговый коэффициент</a:t>
+                </a:r>
+                <a:endParaRPr lang="ru-RU" sz="2400" dirty="0" smtClean="0"/>
               </a:p>
             </p:txBody>
           </p:sp>
         </mc:Choice>
-        <mc:Fallback xmlns="">
+        <mc:Fallback>
           <p:sp>
             <p:nvSpPr>
               <p:cNvPr id="9" name="TextBox 8"/>
@@ -10029,7 +10162,7 @@
             <p:spPr>
               <a:xfrm>
                 <a:off x="377282" y="2019111"/>
-                <a:ext cx="4599265" cy="2047933"/>
+                <a:ext cx="4226497" cy="3632982"/>
               </a:xfrm>
               <a:prstGeom prst="rect">
                 <a:avLst/>
@@ -10037,7 +10170,7 @@
               <a:blipFill rotWithShape="0">
                 <a:blip r:embed="rId5"/>
                 <a:stretch>
-                  <a:fillRect l="-2785" t="-2976"/>
+                  <a:fillRect l="-2309" t="-1342" r="-1010" b="-2852"/>
                 </a:stretch>
               </a:blipFill>
             </p:spPr>
@@ -10160,8 +10293,8 @@
           </a:fontRef>
         </p:style>
       </p:cxnSp>
-      <mc:AlternateContent xmlns:mc="http://schemas.openxmlformats.org/markup-compatibility/2006" xmlns:a14="http://schemas.microsoft.com/office/drawing/2010/main">
-        <mc:Choice Requires="a14">
+      <mc:AlternateContent xmlns:mc="http://schemas.openxmlformats.org/markup-compatibility/2006">
+        <mc:Choice xmlns:a14="http://schemas.microsoft.com/office/drawing/2010/main" Requires="a14">
           <p:sp>
             <p:nvSpPr>
               <p:cNvPr id="25" name="TextBox 24"/>
@@ -10209,10 +10342,10 @@
                         </m:e>
                         <m:sub>
                           <m:r>
-                            <a:rPr lang="en-US" sz="2000" b="0" i="1" smtClean="0">
+                            <a:rPr lang="ru-RU" sz="2000" b="0" i="1" smtClean="0">
                               <a:latin typeface="Cambria Math" panose="02040503050406030204" pitchFamily="18" charset="0"/>
                             </a:rPr>
-                            <m:t>2</m:t>
+                            <m:t>1</m:t>
                           </m:r>
                         </m:sub>
                       </m:sSub>
@@ -10224,7 +10357,7 @@
             </p:txBody>
           </p:sp>
         </mc:Choice>
-        <mc:Fallback xmlns="">
+        <mc:Fallback>
           <p:sp>
             <p:nvSpPr>
               <p:cNvPr id="25" name="TextBox 24"/>

--- a/docs/thesis/thesis.pptx
+++ b/docs/thesis/thesis.pptx
@@ -477,11 +477,11 @@
         </c:dLbls>
         <c:gapWidth val="219"/>
         <c:overlap val="-27"/>
-        <c:axId val="327087528"/>
-        <c:axId val="327086744"/>
+        <c:axId val="-2023429280"/>
+        <c:axId val="-2023434720"/>
       </c:barChart>
       <c:catAx>
-        <c:axId val="327087528"/>
+        <c:axId val="-2023429280"/>
         <c:scaling>
           <c:orientation val="minMax"/>
         </c:scaling>
@@ -524,7 +524,7 @@
             <a:endParaRPr lang="ru-RU"/>
           </a:p>
         </c:txPr>
-        <c:crossAx val="327086744"/>
+        <c:crossAx val="-2023434720"/>
         <c:crosses val="autoZero"/>
         <c:auto val="1"/>
         <c:lblAlgn val="ctr"/>
@@ -532,7 +532,7 @@
         <c:noMultiLvlLbl val="0"/>
       </c:catAx>
       <c:valAx>
-        <c:axId val="327086744"/>
+        <c:axId val="-2023434720"/>
         <c:scaling>
           <c:orientation val="minMax"/>
         </c:scaling>
@@ -640,7 +640,7 @@
             <a:endParaRPr lang="ru-RU"/>
           </a:p>
         </c:txPr>
-        <c:crossAx val="327087528"/>
+        <c:crossAx val="-2023429280"/>
         <c:crosses val="autoZero"/>
         <c:crossBetween val="between"/>
       </c:valAx>
@@ -1382,7 +1382,7 @@
           <a:p>
             <a:fld id="{7D65DE95-B979-4E4D-BB3C-F1DE1284DF32}" type="datetimeFigureOut">
               <a:rPr lang="ru-RU" smtClean="0"/>
-              <a:t>31.05.2015</a:t>
+              <a:t>01.06.2015</a:t>
             </a:fld>
             <a:endParaRPr lang="ru-RU"/>
           </a:p>
@@ -2033,7 +2033,7 @@
           <a:p>
             <a:fld id="{DA937DA1-05FB-4A26-9AA8-03051D9064EC}" type="datetime1">
               <a:rPr lang="ru-RU" smtClean="0"/>
-              <a:t>31.05.2015</a:t>
+              <a:t>01.06.2015</a:t>
             </a:fld>
             <a:endParaRPr lang="ru-RU"/>
           </a:p>
@@ -2203,7 +2203,7 @@
           <a:p>
             <a:fld id="{394B6F94-CE89-4AA5-84F5-DCABE52BD843}" type="datetime1">
               <a:rPr lang="ru-RU" smtClean="0"/>
-              <a:t>31.05.2015</a:t>
+              <a:t>01.06.2015</a:t>
             </a:fld>
             <a:endParaRPr lang="ru-RU"/>
           </a:p>
@@ -2383,7 +2383,7 @@
           <a:p>
             <a:fld id="{FF541173-F8CF-42C8-8211-204B417CEB80}" type="datetime1">
               <a:rPr lang="ru-RU" smtClean="0"/>
-              <a:t>31.05.2015</a:t>
+              <a:t>01.06.2015</a:t>
             </a:fld>
             <a:endParaRPr lang="ru-RU"/>
           </a:p>
@@ -2553,7 +2553,7 @@
           <a:p>
             <a:fld id="{7EB30022-E3FE-49BE-A5A1-D74EAD64D8C3}" type="datetime1">
               <a:rPr lang="ru-RU" smtClean="0"/>
-              <a:t>31.05.2015</a:t>
+              <a:t>01.06.2015</a:t>
             </a:fld>
             <a:endParaRPr lang="ru-RU"/>
           </a:p>
@@ -2799,7 +2799,7 @@
           <a:p>
             <a:fld id="{B1E86488-3082-4137-A51F-54DD7D14EE15}" type="datetime1">
               <a:rPr lang="ru-RU" smtClean="0"/>
-              <a:t>31.05.2015</a:t>
+              <a:t>01.06.2015</a:t>
             </a:fld>
             <a:endParaRPr lang="ru-RU"/>
           </a:p>
@@ -3031,7 +3031,7 @@
           <a:p>
             <a:fld id="{EE0977BD-FA6A-46F1-8FA6-AA4F2BE75023}" type="datetime1">
               <a:rPr lang="ru-RU" smtClean="0"/>
-              <a:t>31.05.2015</a:t>
+              <a:t>01.06.2015</a:t>
             </a:fld>
             <a:endParaRPr lang="ru-RU"/>
           </a:p>
@@ -3398,7 +3398,7 @@
           <a:p>
             <a:fld id="{F9CC8200-23C4-4A1E-B19C-0C50E383E905}" type="datetime1">
               <a:rPr lang="ru-RU" smtClean="0"/>
-              <a:t>31.05.2015</a:t>
+              <a:t>01.06.2015</a:t>
             </a:fld>
             <a:endParaRPr lang="ru-RU"/>
           </a:p>
@@ -3516,7 +3516,7 @@
           <a:p>
             <a:fld id="{FB0139C0-0A87-4D24-9FA0-A68DDCCAA500}" type="datetime1">
               <a:rPr lang="ru-RU" smtClean="0"/>
-              <a:t>31.05.2015</a:t>
+              <a:t>01.06.2015</a:t>
             </a:fld>
             <a:endParaRPr lang="ru-RU"/>
           </a:p>
@@ -3611,7 +3611,7 @@
           <a:p>
             <a:fld id="{A0A5A1BD-4179-42FD-9950-142700B2EA2E}" type="datetime1">
               <a:rPr lang="ru-RU" smtClean="0"/>
-              <a:t>31.05.2015</a:t>
+              <a:t>01.06.2015</a:t>
             </a:fld>
             <a:endParaRPr lang="ru-RU"/>
           </a:p>
@@ -3888,7 +3888,7 @@
           <a:p>
             <a:fld id="{80006F7F-490D-400F-B2DF-795FD323CA8A}" type="datetime1">
               <a:rPr lang="ru-RU" smtClean="0"/>
-              <a:t>31.05.2015</a:t>
+              <a:t>01.06.2015</a:t>
             </a:fld>
             <a:endParaRPr lang="ru-RU"/>
           </a:p>
@@ -4141,7 +4141,7 @@
           <a:p>
             <a:fld id="{7CB0DEBE-72D5-473F-A28F-629D86F57AEC}" type="datetime1">
               <a:rPr lang="ru-RU" smtClean="0"/>
-              <a:t>31.05.2015</a:t>
+              <a:t>01.06.2015</a:t>
             </a:fld>
             <a:endParaRPr lang="ru-RU"/>
           </a:p>
@@ -4354,7 +4354,7 @@
           <a:p>
             <a:fld id="{7830D7CF-1C15-440C-A38D-36EB3527FE7C}" type="datetime1">
               <a:rPr lang="ru-RU" smtClean="0"/>
-              <a:t>31.05.2015</a:t>
+              <a:t>01.06.2015</a:t>
             </a:fld>
             <a:endParaRPr lang="ru-RU"/>
           </a:p>
@@ -8137,15 +8137,7 @@
             <a:pPr lvl="1"/>
             <a:r>
               <a:rPr lang="ru-RU" sz="3200" dirty="0" smtClean="0"/>
-              <a:t>Разработка способа автоматического определения параметров </a:t>
-            </a:r>
-            <a:r>
-              <a:rPr lang="ru-RU" sz="3200" dirty="0" smtClean="0"/>
-              <a:t>метода по </a:t>
-            </a:r>
-            <a:r>
-              <a:rPr lang="ru-RU" sz="3200" dirty="0" smtClean="0"/>
-              <a:t>входным данным.</a:t>
+              <a:t>Разработка способа автоматического определения параметров метода по входным данным.</a:t>
             </a:r>
           </a:p>
           <a:p>
@@ -9410,8 +9402,8 @@
           </a:p>
         </p:txBody>
       </p:sp>
-      <mc:AlternateContent xmlns:mc="http://schemas.openxmlformats.org/markup-compatibility/2006">
-        <mc:Choice xmlns:a14="http://schemas.microsoft.com/office/drawing/2010/main" Requires="a14">
+      <mc:AlternateContent xmlns:mc="http://schemas.openxmlformats.org/markup-compatibility/2006" xmlns:a14="http://schemas.microsoft.com/office/drawing/2010/main">
+        <mc:Choice Requires="a14">
           <p:sp>
             <p:nvSpPr>
               <p:cNvPr id="3" name="TextBox 2"/>
@@ -9474,7 +9466,7 @@
             </p:txBody>
           </p:sp>
         </mc:Choice>
-        <mc:Fallback>
+        <mc:Fallback xmlns="">
           <p:sp>
             <p:nvSpPr>
               <p:cNvPr id="3" name="TextBox 2"/>
@@ -9732,8 +9724,8 @@
           </a:p>
         </p:txBody>
       </p:sp>
-      <mc:AlternateContent xmlns:mc="http://schemas.openxmlformats.org/markup-compatibility/2006">
-        <mc:Choice xmlns:a14="http://schemas.microsoft.com/office/drawing/2010/main" Requires="a14">
+      <mc:AlternateContent xmlns:mc="http://schemas.openxmlformats.org/markup-compatibility/2006" xmlns:a14="http://schemas.microsoft.com/office/drawing/2010/main">
+        <mc:Choice Requires="a14">
           <p:sp>
             <p:nvSpPr>
               <p:cNvPr id="9" name="TextBox 8"/>
@@ -10093,7 +10085,6 @@
                 </a:r>
               </a:p>
               <a:p>
-                <a:pPr/>
                 <a14:m>
                   <m:oMath xmlns:m="http://schemas.openxmlformats.org/officeDocument/2006/math">
                     <m:sSub>
@@ -10129,14 +10120,15 @@
                 </a:r>
               </a:p>
               <a:p>
-                <a:pPr/>
                 <a14:m>
                   <m:oMath xmlns:m="http://schemas.openxmlformats.org/officeDocument/2006/math">
                     <m:r>
                       <m:rPr>
                         <m:sty m:val="p"/>
                       </m:rPr>
-                      <a:rPr lang="en-US" sz="2400" i="1" dirty="0" smtClean="0"/>
+                      <a:rPr lang="en-US" sz="2400" i="1" dirty="0" smtClean="0">
+                        <a:latin typeface="Cambria Math" panose="02040503050406030204" pitchFamily="18" charset="0"/>
+                      </a:rPr>
                       <m:t>K</m:t>
                     </m:r>
                   </m:oMath>
@@ -10145,12 +10137,11 @@
                   <a:rPr lang="ru-RU" sz="2400" dirty="0" smtClean="0"/>
                   <a:t> – пороговый коэффициент</a:t>
                 </a:r>
-                <a:endParaRPr lang="ru-RU" sz="2400" dirty="0" smtClean="0"/>
               </a:p>
             </p:txBody>
           </p:sp>
         </mc:Choice>
-        <mc:Fallback>
+        <mc:Fallback xmlns="">
           <p:sp>
             <p:nvSpPr>
               <p:cNvPr id="9" name="TextBox 8"/>
@@ -10293,8 +10284,8 @@
           </a:fontRef>
         </p:style>
       </p:cxnSp>
-      <mc:AlternateContent xmlns:mc="http://schemas.openxmlformats.org/markup-compatibility/2006">
-        <mc:Choice xmlns:a14="http://schemas.microsoft.com/office/drawing/2010/main" Requires="a14">
+      <mc:AlternateContent xmlns:mc="http://schemas.openxmlformats.org/markup-compatibility/2006" xmlns:a14="http://schemas.microsoft.com/office/drawing/2010/main">
+        <mc:Choice Requires="a14">
           <p:sp>
             <p:nvSpPr>
               <p:cNvPr id="25" name="TextBox 24"/>
@@ -10357,7 +10348,7 @@
             </p:txBody>
           </p:sp>
         </mc:Choice>
-        <mc:Fallback>
+        <mc:Fallback xmlns="">
           <p:sp>
             <p:nvSpPr>
               <p:cNvPr id="25" name="TextBox 24"/>

--- a/docs/thesis/thesis.pptx
+++ b/docs/thesis/thesis.pptx
@@ -477,11 +477,11 @@
         </c:dLbls>
         <c:gapWidth val="219"/>
         <c:overlap val="-27"/>
-        <c:axId val="-2023429280"/>
-        <c:axId val="-2023434720"/>
+        <c:axId val="332639312"/>
+        <c:axId val="332634608"/>
       </c:barChart>
       <c:catAx>
-        <c:axId val="-2023429280"/>
+        <c:axId val="332639312"/>
         <c:scaling>
           <c:orientation val="minMax"/>
         </c:scaling>
@@ -524,7 +524,7 @@
             <a:endParaRPr lang="ru-RU"/>
           </a:p>
         </c:txPr>
-        <c:crossAx val="-2023434720"/>
+        <c:crossAx val="332634608"/>
         <c:crosses val="autoZero"/>
         <c:auto val="1"/>
         <c:lblAlgn val="ctr"/>
@@ -532,7 +532,7 @@
         <c:noMultiLvlLbl val="0"/>
       </c:catAx>
       <c:valAx>
-        <c:axId val="-2023434720"/>
+        <c:axId val="332634608"/>
         <c:scaling>
           <c:orientation val="minMax"/>
         </c:scaling>
@@ -640,7 +640,7 @@
             <a:endParaRPr lang="ru-RU"/>
           </a:p>
         </c:txPr>
-        <c:crossAx val="-2023429280"/>
+        <c:crossAx val="332639312"/>
         <c:crosses val="autoZero"/>
         <c:crossBetween val="between"/>
       </c:valAx>
@@ -4916,8 +4916,8 @@
         </p:blipFill>
         <p:spPr>
           <a:xfrm>
-            <a:off x="1166327" y="1305897"/>
-            <a:ext cx="9691394" cy="5415578"/>
+            <a:off x="1500314" y="1305897"/>
+            <a:ext cx="9023420" cy="5415578"/>
           </a:xfrm>
         </p:spPr>
       </p:pic>
@@ -8453,8 +8453,8 @@
         </p:blipFill>
         <p:spPr>
           <a:xfrm>
-            <a:off x="520437" y="1775960"/>
-            <a:ext cx="11151125" cy="4450668"/>
+            <a:off x="520437" y="1787683"/>
+            <a:ext cx="11151125" cy="4427221"/>
           </a:xfrm>
         </p:spPr>
       </p:pic>
@@ -14021,8 +14021,8 @@
           </a:p>
         </p:txBody>
       </p:sp>
-      <mc:AlternateContent xmlns:mc="http://schemas.openxmlformats.org/markup-compatibility/2006" xmlns:a14="http://schemas.microsoft.com/office/drawing/2010/main">
-        <mc:Choice Requires="a14">
+      <mc:AlternateContent xmlns:mc="http://schemas.openxmlformats.org/markup-compatibility/2006">
+        <mc:Choice xmlns:a14="http://schemas.microsoft.com/office/drawing/2010/main" Requires="a14">
           <p:sp>
             <p:nvSpPr>
               <p:cNvPr id="10" name="Объект 9"/>
@@ -14036,7 +14036,7 @@
             <p:spPr>
               <a:xfrm>
                 <a:off x="6170611" y="1866122"/>
-                <a:ext cx="4975184" cy="4452299"/>
+                <a:ext cx="4975184" cy="4756662"/>
               </a:xfrm>
             </p:spPr>
             <p:txBody>
@@ -14045,6 +14045,11 @@
               </a:bodyPr>
               <a:lstStyle/>
               <a:p>
+                <a:pPr>
+                  <a:lnSpc>
+                    <a:spcPts val="2100"/>
+                  </a:lnSpc>
+                </a:pPr>
                 <a14:m>
                   <m:oMath xmlns:m="http://schemas.openxmlformats.org/officeDocument/2006/math">
                     <m:sSub>
@@ -14080,7 +14085,278 @@
                 </a:r>
                 <a:r>
                   <a:rPr lang="en-US" dirty="0" smtClean="0"/>
-                  <a:t>k.</a:t>
+                  <a:t>k</a:t>
+                </a:r>
+                <a:r>
+                  <a:rPr lang="ru-RU" dirty="0" smtClean="0"/>
+                  <a:t>, </a:t>
+                </a:r>
+                <a:br>
+                  <a:rPr lang="ru-RU" dirty="0" smtClean="0"/>
+                </a:br>
+                <a14:m>
+                  <m:oMath xmlns:m="http://schemas.openxmlformats.org/officeDocument/2006/math">
+                    <m:sSub>
+                      <m:sSubPr>
+                        <m:ctrlPr>
+                          <a:rPr lang="ru-RU" i="1"/>
+                        </m:ctrlPr>
+                      </m:sSubPr>
+                      <m:e>
+                        <m:r>
+                          <a:rPr lang="ru-RU" i="1"/>
+                          <m:t>𝑠</m:t>
+                        </m:r>
+                      </m:e>
+                      <m:sub>
+                        <m:r>
+                          <a:rPr lang="ru-RU" i="1"/>
+                          <m:t>𝑘</m:t>
+                        </m:r>
+                      </m:sub>
+                    </m:sSub>
+                    <m:r>
+                      <a:rPr lang="ru-RU" i="1"/>
+                      <m:t>=</m:t>
+                    </m:r>
+                    <m:sSup>
+                      <m:sSupPr>
+                        <m:ctrlPr>
+                          <a:rPr lang="ru-RU" i="1"/>
+                        </m:ctrlPr>
+                      </m:sSupPr>
+                      <m:e>
+                        <m:d>
+                          <m:dPr>
+                            <m:begChr m:val="["/>
+                            <m:endChr m:val="]"/>
+                            <m:ctrlPr>
+                              <a:rPr lang="ru-RU" i="1"/>
+                            </m:ctrlPr>
+                          </m:dPr>
+                          <m:e>
+                            <m:m>
+                              <m:mPr>
+                                <m:mcs>
+                                  <m:mc>
+                                    <m:mcPr>
+                                      <m:count m:val="4"/>
+                                      <m:mcJc m:val="center"/>
+                                    </m:mcPr>
+                                  </m:mc>
+                                </m:mcs>
+                                <m:ctrlPr>
+                                  <a:rPr lang="ru-RU" i="1"/>
+                                </m:ctrlPr>
+                              </m:mPr>
+                              <m:mr>
+                                <m:e>
+                                  <m:sSub>
+                                    <m:sSubPr>
+                                      <m:ctrlPr>
+                                        <a:rPr lang="ru-RU" i="1"/>
+                                      </m:ctrlPr>
+                                    </m:sSubPr>
+                                    <m:e>
+                                      <m:r>
+                                        <a:rPr lang="ru-RU" i="1"/>
+                                        <m:t>𝑥</m:t>
+                                      </m:r>
+                                    </m:e>
+                                    <m:sub>
+                                      <m:r>
+                                        <a:rPr lang="ru-RU" i="1"/>
+                                        <m:t>𝑘</m:t>
+                                      </m:r>
+                                    </m:sub>
+                                  </m:sSub>
+                                </m:e>
+                                <m:e>
+                                  <m:sSub>
+                                    <m:sSubPr>
+                                      <m:ctrlPr>
+                                        <a:rPr lang="ru-RU" i="1"/>
+                                      </m:ctrlPr>
+                                    </m:sSubPr>
+                                    <m:e>
+                                      <m:r>
+                                        <a:rPr lang="ru-RU" i="1"/>
+                                        <m:t>𝑦</m:t>
+                                      </m:r>
+                                    </m:e>
+                                    <m:sub>
+                                      <m:r>
+                                        <a:rPr lang="ru-RU" i="1"/>
+                                        <m:t>𝑘</m:t>
+                                      </m:r>
+                                    </m:sub>
+                                  </m:sSub>
+                                </m:e>
+                                <m:e>
+                                  <m:sSubSup>
+                                    <m:sSubSupPr>
+                                      <m:ctrlPr>
+                                        <a:rPr lang="ru-RU" i="1"/>
+                                      </m:ctrlPr>
+                                    </m:sSubSupPr>
+                                    <m:e>
+                                      <m:r>
+                                        <a:rPr lang="ru-RU" i="1"/>
+                                        <m:t>𝑣</m:t>
+                                      </m:r>
+                                    </m:e>
+                                    <m:sub>
+                                      <m:r>
+                                        <a:rPr lang="ru-RU" i="1"/>
+                                        <m:t>𝑘</m:t>
+                                      </m:r>
+                                    </m:sub>
+                                    <m:sup>
+                                      <m:r>
+                                        <a:rPr lang="ru-RU" i="1"/>
+                                        <m:t>𝑥</m:t>
+                                      </m:r>
+                                    </m:sup>
+                                  </m:sSubSup>
+                                </m:e>
+                                <m:e>
+                                  <m:sSubSup>
+                                    <m:sSubSupPr>
+                                      <m:ctrlPr>
+                                        <a:rPr lang="ru-RU" i="1"/>
+                                      </m:ctrlPr>
+                                    </m:sSubSupPr>
+                                    <m:e>
+                                      <m:r>
+                                        <a:rPr lang="ru-RU" i="1"/>
+                                        <m:t>𝑣</m:t>
+                                      </m:r>
+                                    </m:e>
+                                    <m:sub>
+                                      <m:r>
+                                        <a:rPr lang="ru-RU" i="1"/>
+                                        <m:t>𝑘</m:t>
+                                      </m:r>
+                                    </m:sub>
+                                    <m:sup>
+                                      <m:r>
+                                        <a:rPr lang="ru-RU" i="1"/>
+                                        <m:t>𝑦</m:t>
+                                      </m:r>
+                                    </m:sup>
+                                  </m:sSubSup>
+                                </m:e>
+                              </m:mr>
+                            </m:m>
+                          </m:e>
+                        </m:d>
+                      </m:e>
+                      <m:sup>
+                        <m:r>
+                          <a:rPr lang="ru-RU" i="1"/>
+                          <m:t>𝑇</m:t>
+                        </m:r>
+                      </m:sup>
+                    </m:sSup>
+                  </m:oMath>
+                </a14:m>
+                <a:r>
+                  <a:rPr lang="ru-RU" dirty="0" smtClean="0"/>
+                  <a:t>, </a:t>
+                </a:r>
+                <a:r>
+                  <a:rPr lang="ru-RU" dirty="0"/>
+                  <a:t>где </a:t>
+                </a:r>
+                <a:r>
+                  <a:rPr lang="ru-RU" i="1" dirty="0"/>
+                  <a:t>x</a:t>
+                </a:r>
+                <a:r>
+                  <a:rPr lang="ru-RU" dirty="0"/>
+                  <a:t>,</a:t>
+                </a:r>
+                <a:r>
+                  <a:rPr lang="ru-RU" i="1" dirty="0"/>
+                  <a:t> y </a:t>
+                </a:r>
+                <a:r>
+                  <a:rPr lang="ru-RU" dirty="0"/>
+                  <a:t>- координаты объекта, </a:t>
+                </a:r>
+                <a14:m>
+                  <m:oMath xmlns:m="http://schemas.openxmlformats.org/officeDocument/2006/math">
+                    <m:sSubSup>
+                      <m:sSubSupPr>
+                        <m:ctrlPr>
+                          <a:rPr lang="ru-RU" i="1"/>
+                        </m:ctrlPr>
+                      </m:sSubSupPr>
+                      <m:e>
+                        <m:r>
+                          <a:rPr lang="ru-RU" i="1"/>
+                          <m:t>𝑣</m:t>
+                        </m:r>
+                      </m:e>
+                      <m:sub>
+                        <m:r>
+                          <a:rPr lang="ru-RU" i="1"/>
+                          <m:t>𝑘</m:t>
+                        </m:r>
+                      </m:sub>
+                      <m:sup>
+                        <m:r>
+                          <a:rPr lang="ru-RU" i="1"/>
+                          <m:t>𝑥</m:t>
+                        </m:r>
+                      </m:sup>
+                    </m:sSubSup>
+                  </m:oMath>
+                </a14:m>
+                <a:r>
+                  <a:rPr lang="ru-RU" i="1" dirty="0"/>
+                  <a:t> ,</a:t>
+                </a:r>
+                <a14:m>
+                  <m:oMath xmlns:m="http://schemas.openxmlformats.org/officeDocument/2006/math">
+                    <m:r>
+                      <a:rPr lang="ru-RU" i="1"/>
+                      <m:t> </m:t>
+                    </m:r>
+                    <m:sSubSup>
+                      <m:sSubSupPr>
+                        <m:ctrlPr>
+                          <a:rPr lang="ru-RU" i="1"/>
+                        </m:ctrlPr>
+                      </m:sSubSupPr>
+                      <m:e>
+                        <m:r>
+                          <a:rPr lang="ru-RU" i="1"/>
+                          <m:t>𝑣</m:t>
+                        </m:r>
+                      </m:e>
+                      <m:sub>
+                        <m:r>
+                          <a:rPr lang="ru-RU" i="1"/>
+                          <m:t>𝑘</m:t>
+                        </m:r>
+                      </m:sub>
+                      <m:sup>
+                        <m:r>
+                          <a:rPr lang="ru-RU" i="1"/>
+                          <m:t>𝑦</m:t>
+                        </m:r>
+                      </m:sup>
+                    </m:sSubSup>
+                  </m:oMath>
+                </a14:m>
+                <a:r>
+                  <a:rPr lang="ru-RU" i="1" dirty="0"/>
+                  <a:t> </a:t>
+                </a:r>
+                <a:r>
+                  <a:rPr lang="ru-RU" dirty="0"/>
+                  <a:t>- проекции скорости объекта. </a:t>
                 </a:r>
                 <a:endParaRPr lang="ru-RU" dirty="0" smtClean="0"/>
               </a:p>
@@ -14559,7 +14835,7 @@
             </p:txBody>
           </p:sp>
         </mc:Choice>
-        <mc:Fallback xmlns="">
+        <mc:Fallback>
           <p:sp>
             <p:nvSpPr>
               <p:cNvPr id="10" name="Объект 9"/>
@@ -14573,12 +14849,12 @@
             <p:spPr>
               <a:xfrm>
                 <a:off x="6170611" y="1866122"/>
-                <a:ext cx="4975184" cy="4452299"/>
+                <a:ext cx="4975184" cy="4756662"/>
               </a:xfrm>
               <a:blipFill rotWithShape="0">
                 <a:blip r:embed="rId3"/>
                 <a:stretch>
-                  <a:fillRect l="-368" t="-1644" r="-490"/>
+                  <a:fillRect l="-368" r="-490"/>
                 </a:stretch>
               </a:blipFill>
             </p:spPr>

--- a/docs/thesis/thesis.pptx
+++ b/docs/thesis/thesis.pptx
@@ -178,7 +178,6 @@
           </a:p>
         </c:rich>
       </c:tx>
-      <c:layout/>
       <c:overlay val="0"/>
       <c:spPr>
         <a:noFill/>
@@ -477,11 +476,11 @@
         </c:dLbls>
         <c:gapWidth val="219"/>
         <c:overlap val="-27"/>
-        <c:axId val="332639312"/>
-        <c:axId val="332634608"/>
+        <c:axId val="322657336"/>
+        <c:axId val="322658120"/>
       </c:barChart>
       <c:catAx>
-        <c:axId val="332639312"/>
+        <c:axId val="322657336"/>
         <c:scaling>
           <c:orientation val="minMax"/>
         </c:scaling>
@@ -524,7 +523,7 @@
             <a:endParaRPr lang="ru-RU"/>
           </a:p>
         </c:txPr>
-        <c:crossAx val="332634608"/>
+        <c:crossAx val="322658120"/>
         <c:crosses val="autoZero"/>
         <c:auto val="1"/>
         <c:lblAlgn val="ctr"/>
@@ -532,7 +531,7 @@
         <c:noMultiLvlLbl val="0"/>
       </c:catAx>
       <c:valAx>
-        <c:axId val="332634608"/>
+        <c:axId val="322658120"/>
         <c:scaling>
           <c:orientation val="minMax"/>
         </c:scaling>
@@ -579,7 +578,6 @@
               </a:p>
             </c:rich>
           </c:tx>
-          <c:layout/>
           <c:overlay val="0"/>
           <c:spPr>
             <a:noFill/>
@@ -640,7 +638,7 @@
             <a:endParaRPr lang="ru-RU"/>
           </a:p>
         </c:txPr>
-        <c:crossAx val="332639312"/>
+        <c:crossAx val="322657336"/>
         <c:crosses val="autoZero"/>
         <c:crossBetween val="between"/>
       </c:valAx>
@@ -700,7 +698,6 @@
           </a:p>
         </c:txPr>
       </c:legendEntry>
-      <c:layout/>
       <c:overlay val="0"/>
       <c:spPr>
         <a:noFill/>
@@ -5034,8 +5031,8 @@
         </p:blipFill>
         <p:spPr>
           <a:xfrm>
-            <a:off x="2659225" y="1294073"/>
-            <a:ext cx="6873550" cy="5147934"/>
+            <a:off x="2659225" y="1294074"/>
+            <a:ext cx="6873550" cy="5147932"/>
           </a:xfrm>
         </p:spPr>
       </p:pic>
@@ -11144,7 +11141,7 @@
             <p:ph idx="1"/>
             <p:extLst>
               <p:ext uri="{D42A27DB-BD31-4B8C-83A1-F6EECF244321}">
-                <p14:modId xmlns:p14="http://schemas.microsoft.com/office/powerpoint/2010/main" val="454227798"/>
+                <p14:modId xmlns:p14="http://schemas.microsoft.com/office/powerpoint/2010/main" val="118528510"/>
               </p:ext>
             </p:extLst>
           </p:nvPr>
@@ -11651,8 +11648,8 @@
                     <a:p>
                       <a:pPr algn="ctr"/>
                       <a:r>
-                        <a:rPr lang="ru-RU" sz="2000" dirty="0" smtClean="0"/>
-                        <a:t>Экспоненциальный фильтр</a:t>
+                        <a:rPr lang="ru-RU" sz="2000" smtClean="0"/>
+                        <a:t>Экспоненциальное сглаживание</a:t>
                       </a:r>
                       <a:endParaRPr lang="ru-RU" sz="2000" dirty="0"/>
                     </a:p>
@@ -14021,8 +14018,8 @@
           </a:p>
         </p:txBody>
       </p:sp>
-      <mc:AlternateContent xmlns:mc="http://schemas.openxmlformats.org/markup-compatibility/2006">
-        <mc:Choice xmlns:a14="http://schemas.microsoft.com/office/drawing/2010/main" Requires="a14">
+      <mc:AlternateContent xmlns:mc="http://schemas.openxmlformats.org/markup-compatibility/2006" xmlns:a14="http://schemas.microsoft.com/office/drawing/2010/main">
+        <mc:Choice Requires="a14">
           <p:sp>
             <p:nvSpPr>
               <p:cNvPr id="10" name="Объект 9"/>
@@ -14099,30 +14096,40 @@
                     <m:sSub>
                       <m:sSubPr>
                         <m:ctrlPr>
-                          <a:rPr lang="ru-RU" i="1"/>
+                          <a:rPr lang="ru-RU" i="1">
+                            <a:latin typeface="Cambria Math" panose="02040503050406030204" pitchFamily="18" charset="0"/>
+                          </a:rPr>
                         </m:ctrlPr>
                       </m:sSubPr>
                       <m:e>
                         <m:r>
-                          <a:rPr lang="ru-RU" i="1"/>
+                          <a:rPr lang="ru-RU" i="1">
+                            <a:latin typeface="Cambria Math" panose="02040503050406030204" pitchFamily="18" charset="0"/>
+                          </a:rPr>
                           <m:t>𝑠</m:t>
                         </m:r>
                       </m:e>
                       <m:sub>
                         <m:r>
-                          <a:rPr lang="ru-RU" i="1"/>
+                          <a:rPr lang="ru-RU" i="1">
+                            <a:latin typeface="Cambria Math" panose="02040503050406030204" pitchFamily="18" charset="0"/>
+                          </a:rPr>
                           <m:t>𝑘</m:t>
                         </m:r>
                       </m:sub>
                     </m:sSub>
                     <m:r>
-                      <a:rPr lang="ru-RU" i="1"/>
+                      <a:rPr lang="ru-RU" i="1">
+                        <a:latin typeface="Cambria Math" panose="02040503050406030204" pitchFamily="18" charset="0"/>
+                      </a:rPr>
                       <m:t>=</m:t>
                     </m:r>
                     <m:sSup>
                       <m:sSupPr>
                         <m:ctrlPr>
-                          <a:rPr lang="ru-RU" i="1"/>
+                          <a:rPr lang="ru-RU" i="1">
+                            <a:latin typeface="Cambria Math" panose="02040503050406030204" pitchFamily="18" charset="0"/>
+                          </a:rPr>
                         </m:ctrlPr>
                       </m:sSupPr>
                       <m:e>
@@ -14131,7 +14138,9 @@
                             <m:begChr m:val="["/>
                             <m:endChr m:val="]"/>
                             <m:ctrlPr>
-                              <a:rPr lang="ru-RU" i="1"/>
+                              <a:rPr lang="ru-RU" i="1">
+                                <a:latin typeface="Cambria Math" panose="02040503050406030204" pitchFamily="18" charset="0"/>
+                              </a:rPr>
                             </m:ctrlPr>
                           </m:dPr>
                           <m:e>
@@ -14146,7 +14155,9 @@
                                   </m:mc>
                                 </m:mcs>
                                 <m:ctrlPr>
-                                  <a:rPr lang="ru-RU" i="1"/>
+                                  <a:rPr lang="ru-RU" i="1">
+                                    <a:latin typeface="Cambria Math" panose="02040503050406030204" pitchFamily="18" charset="0"/>
+                                  </a:rPr>
                                 </m:ctrlPr>
                               </m:mPr>
                               <m:mr>
@@ -14154,18 +14165,24 @@
                                   <m:sSub>
                                     <m:sSubPr>
                                       <m:ctrlPr>
-                                        <a:rPr lang="ru-RU" i="1"/>
+                                        <a:rPr lang="ru-RU" i="1">
+                                          <a:latin typeface="Cambria Math" panose="02040503050406030204" pitchFamily="18" charset="0"/>
+                                        </a:rPr>
                                       </m:ctrlPr>
                                     </m:sSubPr>
                                     <m:e>
                                       <m:r>
-                                        <a:rPr lang="ru-RU" i="1"/>
+                                        <a:rPr lang="ru-RU" i="1">
+                                          <a:latin typeface="Cambria Math" panose="02040503050406030204" pitchFamily="18" charset="0"/>
+                                        </a:rPr>
                                         <m:t>𝑥</m:t>
                                       </m:r>
                                     </m:e>
                                     <m:sub>
                                       <m:r>
-                                        <a:rPr lang="ru-RU" i="1"/>
+                                        <a:rPr lang="ru-RU" i="1">
+                                          <a:latin typeface="Cambria Math" panose="02040503050406030204" pitchFamily="18" charset="0"/>
+                                        </a:rPr>
                                         <m:t>𝑘</m:t>
                                       </m:r>
                                     </m:sub>
@@ -14175,18 +14192,24 @@
                                   <m:sSub>
                                     <m:sSubPr>
                                       <m:ctrlPr>
-                                        <a:rPr lang="ru-RU" i="1"/>
+                                        <a:rPr lang="ru-RU" i="1">
+                                          <a:latin typeface="Cambria Math" panose="02040503050406030204" pitchFamily="18" charset="0"/>
+                                        </a:rPr>
                                       </m:ctrlPr>
                                     </m:sSubPr>
                                     <m:e>
                                       <m:r>
-                                        <a:rPr lang="ru-RU" i="1"/>
+                                        <a:rPr lang="ru-RU" i="1">
+                                          <a:latin typeface="Cambria Math" panose="02040503050406030204" pitchFamily="18" charset="0"/>
+                                        </a:rPr>
                                         <m:t>𝑦</m:t>
                                       </m:r>
                                     </m:e>
                                     <m:sub>
                                       <m:r>
-                                        <a:rPr lang="ru-RU" i="1"/>
+                                        <a:rPr lang="ru-RU" i="1">
+                                          <a:latin typeface="Cambria Math" panose="02040503050406030204" pitchFamily="18" charset="0"/>
+                                        </a:rPr>
                                         <m:t>𝑘</m:t>
                                       </m:r>
                                     </m:sub>
@@ -14196,24 +14219,32 @@
                                   <m:sSubSup>
                                     <m:sSubSupPr>
                                       <m:ctrlPr>
-                                        <a:rPr lang="ru-RU" i="1"/>
+                                        <a:rPr lang="ru-RU" i="1">
+                                          <a:latin typeface="Cambria Math" panose="02040503050406030204" pitchFamily="18" charset="0"/>
+                                        </a:rPr>
                                       </m:ctrlPr>
                                     </m:sSubSupPr>
                                     <m:e>
                                       <m:r>
-                                        <a:rPr lang="ru-RU" i="1"/>
+                                        <a:rPr lang="ru-RU" i="1">
+                                          <a:latin typeface="Cambria Math" panose="02040503050406030204" pitchFamily="18" charset="0"/>
+                                        </a:rPr>
                                         <m:t>𝑣</m:t>
                                       </m:r>
                                     </m:e>
                                     <m:sub>
                                       <m:r>
-                                        <a:rPr lang="ru-RU" i="1"/>
+                                        <a:rPr lang="ru-RU" i="1">
+                                          <a:latin typeface="Cambria Math" panose="02040503050406030204" pitchFamily="18" charset="0"/>
+                                        </a:rPr>
                                         <m:t>𝑘</m:t>
                                       </m:r>
                                     </m:sub>
                                     <m:sup>
                                       <m:r>
-                                        <a:rPr lang="ru-RU" i="1"/>
+                                        <a:rPr lang="ru-RU" i="1">
+                                          <a:latin typeface="Cambria Math" panose="02040503050406030204" pitchFamily="18" charset="0"/>
+                                        </a:rPr>
                                         <m:t>𝑥</m:t>
                                       </m:r>
                                     </m:sup>
@@ -14223,24 +14254,32 @@
                                   <m:sSubSup>
                                     <m:sSubSupPr>
                                       <m:ctrlPr>
-                                        <a:rPr lang="ru-RU" i="1"/>
+                                        <a:rPr lang="ru-RU" i="1">
+                                          <a:latin typeface="Cambria Math" panose="02040503050406030204" pitchFamily="18" charset="0"/>
+                                        </a:rPr>
                                       </m:ctrlPr>
                                     </m:sSubSupPr>
                                     <m:e>
                                       <m:r>
-                                        <a:rPr lang="ru-RU" i="1"/>
+                                        <a:rPr lang="ru-RU" i="1">
+                                          <a:latin typeface="Cambria Math" panose="02040503050406030204" pitchFamily="18" charset="0"/>
+                                        </a:rPr>
                                         <m:t>𝑣</m:t>
                                       </m:r>
                                     </m:e>
                                     <m:sub>
                                       <m:r>
-                                        <a:rPr lang="ru-RU" i="1"/>
+                                        <a:rPr lang="ru-RU" i="1">
+                                          <a:latin typeface="Cambria Math" panose="02040503050406030204" pitchFamily="18" charset="0"/>
+                                        </a:rPr>
                                         <m:t>𝑘</m:t>
                                       </m:r>
                                     </m:sub>
                                     <m:sup>
                                       <m:r>
-                                        <a:rPr lang="ru-RU" i="1"/>
+                                        <a:rPr lang="ru-RU" i="1">
+                                          <a:latin typeface="Cambria Math" panose="02040503050406030204" pitchFamily="18" charset="0"/>
+                                        </a:rPr>
                                         <m:t>𝑦</m:t>
                                       </m:r>
                                     </m:sup>
@@ -14253,7 +14292,9 @@
                       </m:e>
                       <m:sup>
                         <m:r>
-                          <a:rPr lang="ru-RU" i="1"/>
+                          <a:rPr lang="ru-RU" i="1">
+                            <a:latin typeface="Cambria Math" panose="02040503050406030204" pitchFamily="18" charset="0"/>
+                          </a:rPr>
                           <m:t>𝑇</m:t>
                         </m:r>
                       </m:sup>
@@ -14289,24 +14330,32 @@
                     <m:sSubSup>
                       <m:sSubSupPr>
                         <m:ctrlPr>
-                          <a:rPr lang="ru-RU" i="1"/>
+                          <a:rPr lang="ru-RU" i="1">
+                            <a:latin typeface="Cambria Math" panose="02040503050406030204" pitchFamily="18" charset="0"/>
+                          </a:rPr>
                         </m:ctrlPr>
                       </m:sSubSupPr>
                       <m:e>
                         <m:r>
-                          <a:rPr lang="ru-RU" i="1"/>
+                          <a:rPr lang="ru-RU" i="1">
+                            <a:latin typeface="Cambria Math" panose="02040503050406030204" pitchFamily="18" charset="0"/>
+                          </a:rPr>
                           <m:t>𝑣</m:t>
                         </m:r>
                       </m:e>
                       <m:sub>
                         <m:r>
-                          <a:rPr lang="ru-RU" i="1"/>
+                          <a:rPr lang="ru-RU" i="1">
+                            <a:latin typeface="Cambria Math" panose="02040503050406030204" pitchFamily="18" charset="0"/>
+                          </a:rPr>
                           <m:t>𝑘</m:t>
                         </m:r>
                       </m:sub>
                       <m:sup>
                         <m:r>
-                          <a:rPr lang="ru-RU" i="1"/>
+                          <a:rPr lang="ru-RU" i="1">
+                            <a:latin typeface="Cambria Math" panose="02040503050406030204" pitchFamily="18" charset="0"/>
+                          </a:rPr>
                           <m:t>𝑥</m:t>
                         </m:r>
                       </m:sup>
@@ -14320,30 +14369,40 @@
                 <a14:m>
                   <m:oMath xmlns:m="http://schemas.openxmlformats.org/officeDocument/2006/math">
                     <m:r>
-                      <a:rPr lang="ru-RU" i="1"/>
+                      <a:rPr lang="ru-RU" i="1">
+                        <a:latin typeface="Cambria Math" panose="02040503050406030204" pitchFamily="18" charset="0"/>
+                      </a:rPr>
                       <m:t> </m:t>
                     </m:r>
                     <m:sSubSup>
                       <m:sSubSupPr>
                         <m:ctrlPr>
-                          <a:rPr lang="ru-RU" i="1"/>
+                          <a:rPr lang="ru-RU" i="1">
+                            <a:latin typeface="Cambria Math" panose="02040503050406030204" pitchFamily="18" charset="0"/>
+                          </a:rPr>
                         </m:ctrlPr>
                       </m:sSubSupPr>
                       <m:e>
                         <m:r>
-                          <a:rPr lang="ru-RU" i="1"/>
+                          <a:rPr lang="ru-RU" i="1">
+                            <a:latin typeface="Cambria Math" panose="02040503050406030204" pitchFamily="18" charset="0"/>
+                          </a:rPr>
                           <m:t>𝑣</m:t>
                         </m:r>
                       </m:e>
                       <m:sub>
                         <m:r>
-                          <a:rPr lang="ru-RU" i="1"/>
+                          <a:rPr lang="ru-RU" i="1">
+                            <a:latin typeface="Cambria Math" panose="02040503050406030204" pitchFamily="18" charset="0"/>
+                          </a:rPr>
                           <m:t>𝑘</m:t>
                         </m:r>
                       </m:sub>
                       <m:sup>
                         <m:r>
-                          <a:rPr lang="ru-RU" i="1"/>
+                          <a:rPr lang="ru-RU" i="1">
+                            <a:latin typeface="Cambria Math" panose="02040503050406030204" pitchFamily="18" charset="0"/>
+                          </a:rPr>
                           <m:t>𝑦</m:t>
                         </m:r>
                       </m:sup>
@@ -14835,7 +14894,7 @@
             </p:txBody>
           </p:sp>
         </mc:Choice>
-        <mc:Fallback>
+        <mc:Fallback xmlns="">
           <p:sp>
             <p:nvSpPr>
               <p:cNvPr id="10" name="Объект 9"/>

--- a/docs/thesis/thesis.pptx
+++ b/docs/thesis/thesis.pptx
@@ -178,6 +178,7 @@
           </a:p>
         </c:rich>
       </c:tx>
+      <c:layout/>
       <c:overlay val="0"/>
       <c:spPr>
         <a:noFill/>
@@ -476,11 +477,11 @@
         </c:dLbls>
         <c:gapWidth val="219"/>
         <c:overlap val="-27"/>
-        <c:axId val="322657336"/>
-        <c:axId val="322658120"/>
+        <c:axId val="830252624"/>
+        <c:axId val="830254256"/>
       </c:barChart>
       <c:catAx>
-        <c:axId val="322657336"/>
+        <c:axId val="830252624"/>
         <c:scaling>
           <c:orientation val="minMax"/>
         </c:scaling>
@@ -523,7 +524,7 @@
             <a:endParaRPr lang="ru-RU"/>
           </a:p>
         </c:txPr>
-        <c:crossAx val="322658120"/>
+        <c:crossAx val="830254256"/>
         <c:crosses val="autoZero"/>
         <c:auto val="1"/>
         <c:lblAlgn val="ctr"/>
@@ -531,7 +532,7 @@
         <c:noMultiLvlLbl val="0"/>
       </c:catAx>
       <c:valAx>
-        <c:axId val="322658120"/>
+        <c:axId val="830254256"/>
         <c:scaling>
           <c:orientation val="minMax"/>
         </c:scaling>
@@ -578,6 +579,7 @@
               </a:p>
             </c:rich>
           </c:tx>
+          <c:layout/>
           <c:overlay val="0"/>
           <c:spPr>
             <a:noFill/>
@@ -638,7 +640,7 @@
             <a:endParaRPr lang="ru-RU"/>
           </a:p>
         </c:txPr>
-        <c:crossAx val="322657336"/>
+        <c:crossAx val="830252624"/>
         <c:crosses val="autoZero"/>
         <c:crossBetween val="between"/>
       </c:valAx>
@@ -698,6 +700,7 @@
           </a:p>
         </c:txPr>
       </c:legendEntry>
+      <c:layout/>
       <c:overlay val="0"/>
       <c:spPr>
         <a:noFill/>
@@ -1379,7 +1382,7 @@
           <a:p>
             <a:fld id="{7D65DE95-B979-4E4D-BB3C-F1DE1284DF32}" type="datetimeFigureOut">
               <a:rPr lang="ru-RU" smtClean="0"/>
-              <a:t>01.06.2015</a:t>
+              <a:t>03.06.2015</a:t>
             </a:fld>
             <a:endParaRPr lang="ru-RU"/>
           </a:p>
@@ -2030,7 +2033,7 @@
           <a:p>
             <a:fld id="{DA937DA1-05FB-4A26-9AA8-03051D9064EC}" type="datetime1">
               <a:rPr lang="ru-RU" smtClean="0"/>
-              <a:t>01.06.2015</a:t>
+              <a:t>03.06.2015</a:t>
             </a:fld>
             <a:endParaRPr lang="ru-RU"/>
           </a:p>
@@ -2200,7 +2203,7 @@
           <a:p>
             <a:fld id="{394B6F94-CE89-4AA5-84F5-DCABE52BD843}" type="datetime1">
               <a:rPr lang="ru-RU" smtClean="0"/>
-              <a:t>01.06.2015</a:t>
+              <a:t>03.06.2015</a:t>
             </a:fld>
             <a:endParaRPr lang="ru-RU"/>
           </a:p>
@@ -2380,7 +2383,7 @@
           <a:p>
             <a:fld id="{FF541173-F8CF-42C8-8211-204B417CEB80}" type="datetime1">
               <a:rPr lang="ru-RU" smtClean="0"/>
-              <a:t>01.06.2015</a:t>
+              <a:t>03.06.2015</a:t>
             </a:fld>
             <a:endParaRPr lang="ru-RU"/>
           </a:p>
@@ -2550,7 +2553,7 @@
           <a:p>
             <a:fld id="{7EB30022-E3FE-49BE-A5A1-D74EAD64D8C3}" type="datetime1">
               <a:rPr lang="ru-RU" smtClean="0"/>
-              <a:t>01.06.2015</a:t>
+              <a:t>03.06.2015</a:t>
             </a:fld>
             <a:endParaRPr lang="ru-RU"/>
           </a:p>
@@ -2796,7 +2799,7 @@
           <a:p>
             <a:fld id="{B1E86488-3082-4137-A51F-54DD7D14EE15}" type="datetime1">
               <a:rPr lang="ru-RU" smtClean="0"/>
-              <a:t>01.06.2015</a:t>
+              <a:t>03.06.2015</a:t>
             </a:fld>
             <a:endParaRPr lang="ru-RU"/>
           </a:p>
@@ -3028,7 +3031,7 @@
           <a:p>
             <a:fld id="{EE0977BD-FA6A-46F1-8FA6-AA4F2BE75023}" type="datetime1">
               <a:rPr lang="ru-RU" smtClean="0"/>
-              <a:t>01.06.2015</a:t>
+              <a:t>03.06.2015</a:t>
             </a:fld>
             <a:endParaRPr lang="ru-RU"/>
           </a:p>
@@ -3395,7 +3398,7 @@
           <a:p>
             <a:fld id="{F9CC8200-23C4-4A1E-B19C-0C50E383E905}" type="datetime1">
               <a:rPr lang="ru-RU" smtClean="0"/>
-              <a:t>01.06.2015</a:t>
+              <a:t>03.06.2015</a:t>
             </a:fld>
             <a:endParaRPr lang="ru-RU"/>
           </a:p>
@@ -3513,7 +3516,7 @@
           <a:p>
             <a:fld id="{FB0139C0-0A87-4D24-9FA0-A68DDCCAA500}" type="datetime1">
               <a:rPr lang="ru-RU" smtClean="0"/>
-              <a:t>01.06.2015</a:t>
+              <a:t>03.06.2015</a:t>
             </a:fld>
             <a:endParaRPr lang="ru-RU"/>
           </a:p>
@@ -3608,7 +3611,7 @@
           <a:p>
             <a:fld id="{A0A5A1BD-4179-42FD-9950-142700B2EA2E}" type="datetime1">
               <a:rPr lang="ru-RU" smtClean="0"/>
-              <a:t>01.06.2015</a:t>
+              <a:t>03.06.2015</a:t>
             </a:fld>
             <a:endParaRPr lang="ru-RU"/>
           </a:p>
@@ -3885,7 +3888,7 @@
           <a:p>
             <a:fld id="{80006F7F-490D-400F-B2DF-795FD323CA8A}" type="datetime1">
               <a:rPr lang="ru-RU" smtClean="0"/>
-              <a:t>01.06.2015</a:t>
+              <a:t>03.06.2015</a:t>
             </a:fld>
             <a:endParaRPr lang="ru-RU"/>
           </a:p>
@@ -4138,7 +4141,7 @@
           <a:p>
             <a:fld id="{7CB0DEBE-72D5-473F-A28F-629D86F57AEC}" type="datetime1">
               <a:rPr lang="ru-RU" smtClean="0"/>
-              <a:t>01.06.2015</a:t>
+              <a:t>03.06.2015</a:t>
             </a:fld>
             <a:endParaRPr lang="ru-RU"/>
           </a:p>
@@ -4351,7 +4354,7 @@
           <a:p>
             <a:fld id="{7830D7CF-1C15-440C-A38D-36EB3527FE7C}" type="datetime1">
               <a:rPr lang="ru-RU" smtClean="0"/>
-              <a:t>01.06.2015</a:t>
+              <a:t>03.06.2015</a:t>
             </a:fld>
             <a:endParaRPr lang="ru-RU"/>
           </a:p>
@@ -7208,7 +7211,7 @@
           <p:nvPr>
             <p:extLst>
               <p:ext uri="{D42A27DB-BD31-4B8C-83A1-F6EECF244321}">
-                <p14:modId xmlns:p14="http://schemas.microsoft.com/office/powerpoint/2010/main" val="358093484"/>
+                <p14:modId xmlns:p14="http://schemas.microsoft.com/office/powerpoint/2010/main" val="2838746307"/>
               </p:ext>
             </p:extLst>
           </p:nvPr>
@@ -7411,13 +7414,13 @@
                         <a:rPr lang="ru-RU" sz="1800" u="none" strike="noStrike" dirty="0" smtClean="0">
                           <a:effectLst/>
                         </a:rPr>
-                        <a:t>1140934,66 </a:t>
+                        <a:t>988858,71 р</a:t>
                       </a:r>
                       <a:r>
                         <a:rPr lang="ru-RU" sz="1800" u="none" strike="noStrike" dirty="0">
                           <a:effectLst/>
                         </a:rPr>
-                        <a:t>р.</a:t>
+                        <a:t>.</a:t>
                       </a:r>
                       <a:endParaRPr lang="ru-RU" sz="1800" b="0" i="0" u="none" strike="noStrike" dirty="0">
                         <a:solidFill>
@@ -7465,13 +7468,13 @@
                         <a:rPr lang="ru-RU" sz="1800" u="none" strike="noStrike" dirty="0" smtClean="0">
                           <a:effectLst/>
                         </a:rPr>
-                        <a:t>217500,23 </a:t>
+                        <a:t>369575,52 р</a:t>
                       </a:r>
                       <a:r>
                         <a:rPr lang="ru-RU" sz="1800" u="none" strike="noStrike" dirty="0">
                           <a:effectLst/>
                         </a:rPr>
-                        <a:t>р.</a:t>
+                        <a:t>.</a:t>
                       </a:r>
                       <a:endParaRPr lang="ru-RU" sz="1800" b="0" i="0" u="none" strike="noStrike" dirty="0">
                         <a:solidFill>
@@ -7519,13 +7522,13 @@
                         <a:rPr lang="ru-RU" sz="1800" u="none" strike="noStrike" dirty="0" smtClean="0">
                           <a:effectLst/>
                         </a:rPr>
-                        <a:t>178350,19 </a:t>
+                        <a:t>303051,92 р</a:t>
                       </a:r>
                       <a:r>
                         <a:rPr lang="ru-RU" sz="1800" u="none" strike="noStrike" dirty="0">
                           <a:effectLst/>
                         </a:rPr>
-                        <a:t>р.</a:t>
+                        <a:t>.</a:t>
                       </a:r>
                       <a:endParaRPr lang="ru-RU" sz="1800" b="0" i="0" u="none" strike="noStrike" dirty="0">
                         <a:solidFill>
@@ -7576,7 +7579,7 @@
                           </a:solidFill>
                           <a:effectLst/>
                         </a:rPr>
-                        <a:t>406464,1 р</a:t>
+                        <a:t>379089,88 р</a:t>
                       </a:r>
                       <a:r>
                         <a:rPr lang="ru-RU" sz="1800" b="1" u="none" strike="noStrike" dirty="0">
